--- a/scheme.pptx
+++ b/scheme.pptx
@@ -14,16 +14,20 @@
     <p:sldId id="325" r:id="rId8"/>
     <p:sldId id="327" r:id="rId9"/>
     <p:sldId id="333" r:id="rId10"/>
-    <p:sldId id="326" r:id="rId11"/>
-    <p:sldId id="330" r:id="rId12"/>
-    <p:sldId id="331" r:id="rId13"/>
-    <p:sldId id="334" r:id="rId14"/>
-    <p:sldId id="335" r:id="rId15"/>
-    <p:sldId id="329" r:id="rId16"/>
-    <p:sldId id="332" r:id="rId17"/>
-    <p:sldId id="322" r:id="rId18"/>
-    <p:sldId id="328" r:id="rId19"/>
-    <p:sldId id="276" r:id="rId20"/>
+    <p:sldId id="339" r:id="rId11"/>
+    <p:sldId id="326" r:id="rId12"/>
+    <p:sldId id="330" r:id="rId13"/>
+    <p:sldId id="331" r:id="rId14"/>
+    <p:sldId id="334" r:id="rId15"/>
+    <p:sldId id="335" r:id="rId16"/>
+    <p:sldId id="336" r:id="rId17"/>
+    <p:sldId id="337" r:id="rId18"/>
+    <p:sldId id="338" r:id="rId19"/>
+    <p:sldId id="329" r:id="rId20"/>
+    <p:sldId id="332" r:id="rId21"/>
+    <p:sldId id="322" r:id="rId22"/>
+    <p:sldId id="328" r:id="rId23"/>
+    <p:sldId id="276" r:id="rId24"/>
   </p:sldIdLst>
   <p:sldSz cx="9144000" cy="6858000" type="screen4x3"/>
   <p:notesSz cx="6858000" cy="9144000"/>
@@ -275,7 +279,7 @@
           <a:p>
             <a:fld id="{39378AC4-C49C-4159-B332-7738B007311C}" type="datetimeFigureOut">
               <a:rPr kumimoji="1" lang="ja-JP" altLang="en-US" smtClean="0"/>
-              <a:t>2016/8/25</a:t>
+              <a:t>2016/8/26</a:t>
             </a:fld>
             <a:endParaRPr kumimoji="1" lang="ja-JP" altLang="en-US"/>
           </a:p>
@@ -620,7 +624,7 @@
           <a:p>
             <a:fld id="{39378AC4-C49C-4159-B332-7738B007311C}" type="datetimeFigureOut">
               <a:rPr kumimoji="1" lang="ja-JP" altLang="en-US" smtClean="0"/>
-              <a:t>2016/8/25</a:t>
+              <a:t>2016/8/26</a:t>
             </a:fld>
             <a:endParaRPr kumimoji="1" lang="ja-JP" altLang="en-US"/>
           </a:p>
@@ -837,7 +841,7 @@
           <a:p>
             <a:fld id="{39378AC4-C49C-4159-B332-7738B007311C}" type="datetimeFigureOut">
               <a:rPr kumimoji="1" lang="ja-JP" altLang="en-US" smtClean="0"/>
-              <a:t>2016/8/25</a:t>
+              <a:t>2016/8/26</a:t>
             </a:fld>
             <a:endParaRPr kumimoji="1" lang="ja-JP" altLang="en-US"/>
           </a:p>
@@ -1044,7 +1048,7 @@
           <a:p>
             <a:fld id="{39378AC4-C49C-4159-B332-7738B007311C}" type="datetimeFigureOut">
               <a:rPr kumimoji="1" lang="ja-JP" altLang="en-US" smtClean="0"/>
-              <a:t>2016/8/25</a:t>
+              <a:t>2016/8/26</a:t>
             </a:fld>
             <a:endParaRPr kumimoji="1" lang="ja-JP" altLang="en-US"/>
           </a:p>
@@ -1312,7 +1316,7 @@
           <a:p>
             <a:fld id="{39378AC4-C49C-4159-B332-7738B007311C}" type="datetimeFigureOut">
               <a:rPr kumimoji="1" lang="ja-JP" altLang="en-US" smtClean="0"/>
-              <a:t>2016/8/25</a:t>
+              <a:t>2016/8/26</a:t>
             </a:fld>
             <a:endParaRPr kumimoji="1" lang="ja-JP" altLang="en-US"/>
           </a:p>
@@ -1844,7 +1848,7 @@
           <a:p>
             <a:fld id="{39378AC4-C49C-4159-B332-7738B007311C}" type="datetimeFigureOut">
               <a:rPr kumimoji="1" lang="ja-JP" altLang="en-US" smtClean="0"/>
-              <a:t>2016/8/25</a:t>
+              <a:t>2016/8/26</a:t>
             </a:fld>
             <a:endParaRPr kumimoji="1" lang="ja-JP" altLang="en-US"/>
           </a:p>
@@ -2397,7 +2401,7 @@
           <a:p>
             <a:fld id="{39378AC4-C49C-4159-B332-7738B007311C}" type="datetimeFigureOut">
               <a:rPr kumimoji="1" lang="ja-JP" altLang="en-US" smtClean="0"/>
-              <a:t>2016/8/25</a:t>
+              <a:t>2016/8/26</a:t>
             </a:fld>
             <a:endParaRPr kumimoji="1" lang="ja-JP" altLang="en-US"/>
           </a:p>
@@ -2523,7 +2527,7 @@
           <a:p>
             <a:fld id="{39378AC4-C49C-4159-B332-7738B007311C}" type="datetimeFigureOut">
               <a:rPr kumimoji="1" lang="ja-JP" altLang="en-US" smtClean="0"/>
-              <a:t>2016/8/25</a:t>
+              <a:t>2016/8/26</a:t>
             </a:fld>
             <a:endParaRPr kumimoji="1" lang="ja-JP" altLang="en-US"/>
           </a:p>
@@ -2667,7 +2671,7 @@
           <a:p>
             <a:fld id="{39378AC4-C49C-4159-B332-7738B007311C}" type="datetimeFigureOut">
               <a:rPr kumimoji="1" lang="ja-JP" altLang="en-US" smtClean="0"/>
-              <a:t>2016/8/25</a:t>
+              <a:t>2016/8/26</a:t>
             </a:fld>
             <a:endParaRPr kumimoji="1" lang="ja-JP" altLang="en-US"/>
           </a:p>
@@ -3021,7 +3025,7 @@
           <a:p>
             <a:fld id="{39378AC4-C49C-4159-B332-7738B007311C}" type="datetimeFigureOut">
               <a:rPr kumimoji="1" lang="ja-JP" altLang="en-US" smtClean="0"/>
-              <a:t>2016/8/25</a:t>
+              <a:t>2016/8/26</a:t>
             </a:fld>
             <a:endParaRPr kumimoji="1" lang="ja-JP" altLang="en-US"/>
           </a:p>
@@ -3155,7 +3159,7 @@
           <a:p>
             <a:fld id="{39378AC4-C49C-4159-B332-7738B007311C}" type="datetimeFigureOut">
               <a:rPr kumimoji="1" lang="ja-JP" altLang="en-US" smtClean="0"/>
-              <a:t>2016/8/25</a:t>
+              <a:t>2016/8/26</a:t>
             </a:fld>
             <a:endParaRPr kumimoji="1" lang="ja-JP" altLang="en-US"/>
           </a:p>
@@ -3968,7 +3972,7 @@
           <a:p>
             <a:fld id="{39378AC4-C49C-4159-B332-7738B007311C}" type="datetimeFigureOut">
               <a:rPr kumimoji="1" lang="ja-JP" altLang="en-US" smtClean="0"/>
-              <a:t>2016/8/25</a:t>
+              <a:t>2016/8/26</a:t>
             </a:fld>
             <a:endParaRPr kumimoji="1" lang="ja-JP" altLang="en-US"/>
           </a:p>
@@ -4626,6 +4630,69 @@
       </p:grpSpPr>
       <p:sp>
         <p:nvSpPr>
+          <p:cNvPr id="11" name="正方形/長方形 10"/>
+          <p:cNvSpPr/>
+          <p:nvPr/>
+        </p:nvSpPr>
+        <p:spPr>
+          <a:xfrm>
+            <a:off x="5263746" y="1751598"/>
+            <a:ext cx="3669942" cy="1242606"/>
+          </a:xfrm>
+          <a:prstGeom prst="rect">
+            <a:avLst/>
+          </a:prstGeom>
+          <a:solidFill>
+            <a:schemeClr val="accent2">
+              <a:lumMod val="40000"/>
+              <a:lumOff val="60000"/>
+            </a:schemeClr>
+          </a:solidFill>
+          <a:ln w="31750">
+            <a:solidFill>
+              <a:schemeClr val="tx1"/>
+            </a:solidFill>
+          </a:ln>
+        </p:spPr>
+        <p:style>
+          <a:lnRef idx="2">
+            <a:schemeClr val="accent1">
+              <a:shade val="50000"/>
+            </a:schemeClr>
+          </a:lnRef>
+          <a:fillRef idx="1">
+            <a:schemeClr val="accent1"/>
+          </a:fillRef>
+          <a:effectRef idx="0">
+            <a:schemeClr val="accent1"/>
+          </a:effectRef>
+          <a:fontRef idx="minor">
+            <a:schemeClr val="lt1"/>
+          </a:fontRef>
+        </p:style>
+        <p:txBody>
+          <a:bodyPr rtlCol="0" anchor="ctr"/>
+          <a:lstStyle/>
+          <a:p>
+            <a:pPr algn="ctr"/>
+            <a:r>
+              <a:rPr kumimoji="1" lang="en-US" altLang="ja-JP" sz="2800" dirty="0" smtClean="0">
+                <a:solidFill>
+                  <a:schemeClr val="tx1"/>
+                </a:solidFill>
+              </a:rPr>
+              <a:t>Common Lisp</a:t>
+            </a:r>
+            <a:endParaRPr kumimoji="1" lang="ja-JP" altLang="en-US" sz="2800" dirty="0">
+              <a:solidFill>
+                <a:schemeClr val="tx1"/>
+              </a:solidFill>
+            </a:endParaRPr>
+          </a:p>
+        </p:txBody>
+      </p:sp>
+      <p:sp>
+        <p:nvSpPr>
           <p:cNvPr id="2" name="タイトル 1"/>
           <p:cNvSpPr>
             <a:spLocks noGrp="1"/>
@@ -4635,112 +4702,44 @@
           </p:nvPr>
         </p:nvSpPr>
         <p:spPr/>
+        <p:txBody>
+          <a:bodyPr/>
+          <a:lstStyle/>
+          <a:p>
+            <a:r>
+              <a:rPr kumimoji="1" lang="en-US" altLang="ja-JP" dirty="0" smtClean="0"/>
+              <a:t>Lisp</a:t>
+            </a:r>
+            <a:r>
+              <a:rPr kumimoji="1" lang="ja-JP" altLang="en-US" dirty="0" smtClean="0"/>
+              <a:t>系言語の流れ</a:t>
+            </a:r>
+            <a:endParaRPr kumimoji="1" lang="ja-JP" altLang="en-US" dirty="0"/>
+          </a:p>
+        </p:txBody>
+      </p:sp>
+      <p:sp>
+        <p:nvSpPr>
+          <p:cNvPr id="3" name="コンテンツ プレースホルダー 2"/>
+          <p:cNvSpPr>
+            <a:spLocks noGrp="1"/>
+          </p:cNvSpPr>
+          <p:nvPr>
+            <p:ph idx="1"/>
+          </p:nvPr>
+        </p:nvSpPr>
+        <p:spPr>
+          <a:xfrm>
+            <a:off x="1115616" y="1124744"/>
+            <a:ext cx="7818072" cy="5544616"/>
+          </a:xfrm>
+        </p:spPr>
         <p:txBody>
           <a:bodyPr>
             <a:normAutofit/>
           </a:bodyPr>
           <a:lstStyle/>
           <a:p>
-            <a:r>
-              <a:rPr kumimoji="1" lang="en-US" altLang="ja-JP" dirty="0" smtClean="0"/>
-              <a:t>S</a:t>
-            </a:r>
-            <a:r>
-              <a:rPr kumimoji="1" lang="ja-JP" altLang="en-US" dirty="0" smtClean="0"/>
-              <a:t>式</a:t>
-            </a:r>
-            <a:r>
-              <a:rPr kumimoji="1" lang="ja-JP" altLang="en-US" sz="3200" dirty="0" smtClean="0"/>
-              <a:t>（</a:t>
-            </a:r>
-            <a:r>
-              <a:rPr kumimoji="1" lang="en-US" altLang="ja-JP" sz="3200" dirty="0" smtClean="0"/>
-              <a:t>Symbolic expression</a:t>
-            </a:r>
-            <a:r>
-              <a:rPr kumimoji="1" lang="ja-JP" altLang="en-US" sz="3200" dirty="0" smtClean="0"/>
-              <a:t>）</a:t>
-            </a:r>
-            <a:endParaRPr kumimoji="1" lang="ja-JP" altLang="en-US" dirty="0"/>
-          </a:p>
-        </p:txBody>
-      </p:sp>
-      <p:sp>
-        <p:nvSpPr>
-          <p:cNvPr id="3" name="コンテンツ プレースホルダー 2"/>
-          <p:cNvSpPr>
-            <a:spLocks noGrp="1"/>
-          </p:cNvSpPr>
-          <p:nvPr>
-            <p:ph idx="1"/>
-          </p:nvPr>
-        </p:nvSpPr>
-        <p:spPr>
-          <a:xfrm>
-            <a:off x="1115616" y="1124744"/>
-            <a:ext cx="7818072" cy="5544616"/>
-          </a:xfrm>
-        </p:spPr>
-        <p:txBody>
-          <a:bodyPr>
-            <a:normAutofit/>
-          </a:bodyPr>
-          <a:lstStyle/>
-          <a:p>
-            <a:pPr marL="82296" indent="0">
-              <a:buNone/>
-            </a:pPr>
-            <a:r>
-              <a:rPr lang="en-US" altLang="ja-JP" dirty="0" smtClean="0"/>
-              <a:t>S</a:t>
-            </a:r>
-            <a:r>
-              <a:rPr lang="ja-JP" altLang="en-US" dirty="0" smtClean="0"/>
-              <a:t>式とは以下の２</a:t>
-            </a:r>
-            <a:r>
-              <a:rPr lang="ja-JP" altLang="en-US" dirty="0" smtClean="0"/>
-              <a:t>つ</a:t>
-            </a:r>
-            <a:r>
-              <a:rPr lang="ja-JP" altLang="en-US" dirty="0"/>
-              <a:t>に</a:t>
-            </a:r>
-            <a:r>
-              <a:rPr lang="ja-JP" altLang="en-US" dirty="0" smtClean="0"/>
-              <a:t>定義される。</a:t>
-            </a:r>
-            <a:endParaRPr lang="en-US" altLang="ja-JP" dirty="0" smtClean="0"/>
-          </a:p>
-          <a:p>
-            <a:pPr marL="82296" indent="0">
-              <a:buNone/>
-            </a:pPr>
-            <a:r>
-              <a:rPr lang="ja-JP" altLang="en-US" dirty="0" smtClean="0"/>
-              <a:t>・基本要素（数値やオペレータなど）</a:t>
-            </a:r>
-            <a:endParaRPr lang="en-US" altLang="ja-JP" dirty="0" smtClean="0"/>
-          </a:p>
-          <a:p>
-            <a:pPr marL="82296" indent="0">
-              <a:buNone/>
-            </a:pPr>
-            <a:r>
-              <a:rPr lang="ja-JP" altLang="en-US" dirty="0" smtClean="0"/>
-              <a:t>・</a:t>
-            </a:r>
-            <a:r>
-              <a:rPr lang="en-US" altLang="ja-JP" dirty="0" smtClean="0"/>
-              <a:t>S</a:t>
-            </a:r>
-            <a:r>
-              <a:rPr lang="ja-JP" altLang="en-US" dirty="0" smtClean="0"/>
-              <a:t>式を並べて括弧でくくったリスト</a:t>
-            </a:r>
-            <a:endParaRPr lang="en-US" altLang="ja-JP" dirty="0" smtClean="0"/>
-          </a:p>
-          <a:p>
             <a:pPr marL="82296" indent="0">
               <a:buNone/>
             </a:pPr>
@@ -4750,132 +4749,334 @@
             <a:pPr marL="82296" indent="0">
               <a:buNone/>
             </a:pPr>
-            <a:r>
-              <a:rPr lang="ja-JP" altLang="en-US" dirty="0" smtClean="0"/>
-              <a:t>例）</a:t>
-            </a:r>
             <a:endParaRPr lang="en-US" altLang="ja-JP" dirty="0" smtClean="0"/>
           </a:p>
-          <a:p>
-            <a:pPr marL="82296" indent="0">
-              <a:buNone/>
-            </a:pPr>
-            <a:r>
-              <a:rPr lang="ja-JP" altLang="en-US" dirty="0" smtClean="0"/>
-              <a:t>・</a:t>
-            </a:r>
-            <a:r>
-              <a:rPr lang="en-US" altLang="ja-JP" dirty="0" smtClean="0"/>
-              <a:t>1</a:t>
-            </a:r>
-            <a:r>
-              <a:rPr lang="ja-JP" altLang="en-US" dirty="0" smtClean="0"/>
-              <a:t>は数値ひとつからなる</a:t>
-            </a:r>
-            <a:r>
-              <a:rPr lang="en-US" altLang="ja-JP" dirty="0" smtClean="0"/>
-              <a:t>S</a:t>
-            </a:r>
-            <a:r>
-              <a:rPr lang="ja-JP" altLang="en-US" dirty="0" smtClean="0"/>
-              <a:t>式</a:t>
-            </a:r>
-            <a:endParaRPr lang="en-US" altLang="ja-JP" dirty="0" smtClean="0"/>
-          </a:p>
-          <a:p>
-            <a:pPr marL="82296" indent="0">
-              <a:buNone/>
-            </a:pPr>
-            <a:r>
-              <a:rPr lang="ja-JP" altLang="en-US" dirty="0" smtClean="0"/>
-              <a:t>・</a:t>
-            </a:r>
-            <a:r>
-              <a:rPr lang="en-US" altLang="ja-JP" dirty="0" smtClean="0"/>
-              <a:t>+</a:t>
-            </a:r>
-            <a:r>
-              <a:rPr lang="ja-JP" altLang="en-US" dirty="0" smtClean="0"/>
-              <a:t>は記号</a:t>
-            </a:r>
-            <a:r>
-              <a:rPr lang="en-US" altLang="ja-JP" dirty="0" smtClean="0"/>
-              <a:t>+</a:t>
-            </a:r>
-            <a:r>
-              <a:rPr lang="ja-JP" altLang="en-US" dirty="0" smtClean="0"/>
-              <a:t>ひとつからなる</a:t>
-            </a:r>
-            <a:r>
-              <a:rPr lang="en-US" altLang="ja-JP" dirty="0" smtClean="0"/>
-              <a:t>S</a:t>
-            </a:r>
-            <a:r>
-              <a:rPr lang="ja-JP" altLang="en-US" dirty="0" smtClean="0"/>
-              <a:t>式</a:t>
-            </a:r>
-            <a:endParaRPr lang="en-US" altLang="ja-JP" dirty="0"/>
-          </a:p>
-          <a:p>
-            <a:pPr marL="82296" indent="0">
-              <a:buNone/>
-            </a:pPr>
-            <a:r>
-              <a:rPr lang="ja-JP" altLang="en-US" dirty="0" smtClean="0"/>
-              <a:t>・</a:t>
-            </a:r>
-            <a:r>
-              <a:rPr lang="en-US" altLang="ja-JP" dirty="0" smtClean="0"/>
-              <a:t>(* 2 3)</a:t>
-            </a:r>
-            <a:r>
-              <a:rPr lang="ja-JP" altLang="en-US" dirty="0" smtClean="0"/>
-              <a:t>は記号</a:t>
-            </a:r>
-            <a:r>
-              <a:rPr lang="en-US" altLang="ja-JP" dirty="0" smtClean="0"/>
-              <a:t>*</a:t>
-            </a:r>
-            <a:r>
-              <a:rPr lang="ja-JP" altLang="en-US" dirty="0" err="1" smtClean="0"/>
-              <a:t>、</a:t>
-            </a:r>
-            <a:r>
-              <a:rPr lang="ja-JP" altLang="en-US" dirty="0"/>
-              <a:t>数値</a:t>
-            </a:r>
-            <a:r>
-              <a:rPr lang="en-US" altLang="ja-JP" dirty="0" smtClean="0"/>
-              <a:t>2,</a:t>
-            </a:r>
-            <a:r>
-              <a:rPr lang="ja-JP" altLang="en-US" dirty="0" smtClean="0"/>
-              <a:t>数値</a:t>
-            </a:r>
-            <a:r>
-              <a:rPr lang="en-US" altLang="ja-JP" dirty="0" smtClean="0"/>
-              <a:t>3</a:t>
-            </a:r>
-            <a:r>
-              <a:rPr lang="ja-JP" altLang="en-US" dirty="0" smtClean="0"/>
-              <a:t>からなる</a:t>
-            </a:r>
-            <a:r>
-              <a:rPr lang="en-US" altLang="ja-JP" dirty="0" smtClean="0"/>
-              <a:t>S</a:t>
-            </a:r>
-            <a:r>
-              <a:rPr lang="ja-JP" altLang="en-US" dirty="0" smtClean="0"/>
-              <a:t>式</a:t>
-            </a:r>
-            <a:endParaRPr lang="en-US" altLang="ja-JP" dirty="0" smtClean="0"/>
+        </p:txBody>
+      </p:sp>
+      <p:sp>
+        <p:nvSpPr>
+          <p:cNvPr id="4" name="正方形/長方形 3"/>
+          <p:cNvSpPr/>
+          <p:nvPr/>
+        </p:nvSpPr>
+        <p:spPr>
+          <a:xfrm>
+            <a:off x="1426936" y="3481234"/>
+            <a:ext cx="1826704" cy="766037"/>
+          </a:xfrm>
+          <a:prstGeom prst="rect">
+            <a:avLst/>
+          </a:prstGeom>
+          <a:solidFill>
+            <a:schemeClr val="accent2">
+              <a:lumMod val="40000"/>
+              <a:lumOff val="60000"/>
+            </a:schemeClr>
+          </a:solidFill>
+          <a:ln w="31750">
+            <a:solidFill>
+              <a:schemeClr val="tx1"/>
+            </a:solidFill>
+          </a:ln>
+        </p:spPr>
+        <p:style>
+          <a:lnRef idx="2">
+            <a:schemeClr val="accent1">
+              <a:shade val="50000"/>
+            </a:schemeClr>
+          </a:lnRef>
+          <a:fillRef idx="1">
+            <a:schemeClr val="accent1"/>
+          </a:fillRef>
+          <a:effectRef idx="0">
+            <a:schemeClr val="accent1"/>
+          </a:effectRef>
+          <a:fontRef idx="minor">
+            <a:schemeClr val="lt1"/>
+          </a:fontRef>
+        </p:style>
+        <p:txBody>
+          <a:bodyPr rtlCol="0" anchor="ctr"/>
+          <a:lstStyle/>
+          <a:p>
+            <a:pPr algn="ctr"/>
+            <a:r>
+              <a:rPr kumimoji="1" lang="en-US" altLang="ja-JP" sz="2800" dirty="0" smtClean="0">
+                <a:solidFill>
+                  <a:schemeClr val="tx1"/>
+                </a:solidFill>
+              </a:rPr>
+              <a:t>Li</a:t>
+            </a:r>
+            <a:r>
+              <a:rPr lang="en-US" altLang="ja-JP" sz="2800" dirty="0" smtClean="0">
+                <a:solidFill>
+                  <a:schemeClr val="tx1"/>
+                </a:solidFill>
+              </a:rPr>
+              <a:t>sp</a:t>
+            </a:r>
+            <a:endParaRPr kumimoji="1" lang="ja-JP" altLang="en-US" sz="2800" dirty="0">
+              <a:solidFill>
+                <a:schemeClr val="tx1"/>
+              </a:solidFill>
+            </a:endParaRPr>
+          </a:p>
+        </p:txBody>
+      </p:sp>
+      <p:cxnSp>
+        <p:nvCxnSpPr>
+          <p:cNvPr id="6" name="直線矢印コネクタ 5"/>
+          <p:cNvCxnSpPr/>
+          <p:nvPr/>
+        </p:nvCxnSpPr>
+        <p:spPr>
+          <a:xfrm flipV="1">
+            <a:off x="3563888" y="2667456"/>
+            <a:ext cx="2040096" cy="977568"/>
+          </a:xfrm>
+          <a:prstGeom prst="straightConnector1">
+            <a:avLst/>
+          </a:prstGeom>
+          <a:ln>
+            <a:tailEnd type="triangle"/>
+          </a:ln>
+        </p:spPr>
+        <p:style>
+          <a:lnRef idx="1">
+            <a:schemeClr val="accent1"/>
+          </a:lnRef>
+          <a:fillRef idx="0">
+            <a:schemeClr val="accent1"/>
+          </a:fillRef>
+          <a:effectRef idx="0">
+            <a:schemeClr val="accent1"/>
+          </a:effectRef>
+          <a:fontRef idx="minor">
+            <a:schemeClr val="tx1"/>
+          </a:fontRef>
+        </p:style>
+      </p:cxnSp>
+      <p:cxnSp>
+        <p:nvCxnSpPr>
+          <p:cNvPr id="7" name="直線矢印コネクタ 6"/>
+          <p:cNvCxnSpPr/>
+          <p:nvPr/>
+        </p:nvCxnSpPr>
+        <p:spPr>
+          <a:xfrm>
+            <a:off x="3563888" y="4149080"/>
+            <a:ext cx="2018000" cy="1085862"/>
+          </a:xfrm>
+          <a:prstGeom prst="straightConnector1">
+            <a:avLst/>
+          </a:prstGeom>
+          <a:ln>
+            <a:tailEnd type="triangle"/>
+          </a:ln>
+        </p:spPr>
+        <p:style>
+          <a:lnRef idx="1">
+            <a:schemeClr val="accent1"/>
+          </a:lnRef>
+          <a:fillRef idx="0">
+            <a:schemeClr val="accent1"/>
+          </a:fillRef>
+          <a:effectRef idx="0">
+            <a:schemeClr val="accent1"/>
+          </a:effectRef>
+          <a:fontRef idx="minor">
+            <a:schemeClr val="tx1"/>
+          </a:fontRef>
+        </p:style>
+      </p:cxnSp>
+      <p:sp>
+        <p:nvSpPr>
+          <p:cNvPr id="10" name="正方形/長方形 9"/>
+          <p:cNvSpPr/>
+          <p:nvPr/>
+        </p:nvSpPr>
+        <p:spPr>
+          <a:xfrm>
+            <a:off x="5892136" y="4851923"/>
+            <a:ext cx="2262432" cy="766037"/>
+          </a:xfrm>
+          <a:prstGeom prst="rect">
+            <a:avLst/>
+          </a:prstGeom>
+          <a:solidFill>
+            <a:schemeClr val="accent2">
+              <a:lumMod val="40000"/>
+              <a:lumOff val="60000"/>
+            </a:schemeClr>
+          </a:solidFill>
+          <a:ln w="31750">
+            <a:solidFill>
+              <a:schemeClr val="tx1"/>
+            </a:solidFill>
+          </a:ln>
+        </p:spPr>
+        <p:style>
+          <a:lnRef idx="2">
+            <a:schemeClr val="accent1">
+              <a:shade val="50000"/>
+            </a:schemeClr>
+          </a:lnRef>
+          <a:fillRef idx="1">
+            <a:schemeClr val="accent1"/>
+          </a:fillRef>
+          <a:effectRef idx="0">
+            <a:schemeClr val="accent1"/>
+          </a:effectRef>
+          <a:fontRef idx="minor">
+            <a:schemeClr val="lt1"/>
+          </a:fontRef>
+        </p:style>
+        <p:txBody>
+          <a:bodyPr rtlCol="0" anchor="ctr"/>
+          <a:lstStyle/>
+          <a:p>
+            <a:pPr algn="ctr"/>
+            <a:r>
+              <a:rPr kumimoji="1" lang="en-US" altLang="ja-JP" sz="2800" dirty="0" smtClean="0">
+                <a:solidFill>
+                  <a:schemeClr val="tx1"/>
+                </a:solidFill>
+              </a:rPr>
+              <a:t>Scheme</a:t>
+            </a:r>
+            <a:endParaRPr kumimoji="1" lang="ja-JP" altLang="en-US" sz="2800" dirty="0">
+              <a:solidFill>
+                <a:schemeClr val="tx1"/>
+              </a:solidFill>
+            </a:endParaRPr>
+          </a:p>
+        </p:txBody>
+      </p:sp>
+      <p:sp>
+        <p:nvSpPr>
+          <p:cNvPr id="18" name="正方形/長方形 17"/>
+          <p:cNvSpPr/>
+          <p:nvPr/>
+        </p:nvSpPr>
+        <p:spPr>
+          <a:xfrm>
+            <a:off x="3563888" y="4421981"/>
+            <a:ext cx="1753195" cy="472862"/>
+          </a:xfrm>
+          <a:prstGeom prst="rect">
+            <a:avLst/>
+          </a:prstGeom>
+          <a:solidFill>
+            <a:schemeClr val="bg1"/>
+          </a:solidFill>
+          <a:ln w="12700">
+            <a:solidFill>
+              <a:schemeClr val="tx1"/>
+            </a:solidFill>
+          </a:ln>
+        </p:spPr>
+        <p:style>
+          <a:lnRef idx="2">
+            <a:schemeClr val="accent1">
+              <a:shade val="50000"/>
+            </a:schemeClr>
+          </a:lnRef>
+          <a:fillRef idx="1">
+            <a:schemeClr val="accent1"/>
+          </a:fillRef>
+          <a:effectRef idx="0">
+            <a:schemeClr val="accent1"/>
+          </a:effectRef>
+          <a:fontRef idx="minor">
+            <a:schemeClr val="lt1"/>
+          </a:fontRef>
+        </p:style>
+        <p:txBody>
+          <a:bodyPr rtlCol="0" anchor="ctr"/>
+          <a:lstStyle/>
+          <a:p>
+            <a:pPr algn="ctr"/>
+            <a:r>
+              <a:rPr kumimoji="1" lang="ja-JP" altLang="en-US" sz="2000" dirty="0" smtClean="0">
+                <a:solidFill>
+                  <a:schemeClr val="tx1"/>
+                </a:solidFill>
+              </a:rPr>
+              <a:t>機能を厳選</a:t>
+            </a:r>
+            <a:endParaRPr kumimoji="1" lang="ja-JP" altLang="en-US" sz="2000" dirty="0">
+              <a:solidFill>
+                <a:schemeClr val="tx1"/>
+              </a:solidFill>
+            </a:endParaRPr>
+          </a:p>
+        </p:txBody>
+      </p:sp>
+      <p:sp>
+        <p:nvSpPr>
+          <p:cNvPr id="19" name="正方形/長方形 18"/>
+          <p:cNvSpPr/>
+          <p:nvPr/>
+        </p:nvSpPr>
+        <p:spPr>
+          <a:xfrm>
+            <a:off x="3563887" y="3083183"/>
+            <a:ext cx="1753195" cy="472862"/>
+          </a:xfrm>
+          <a:prstGeom prst="rect">
+            <a:avLst/>
+          </a:prstGeom>
+          <a:solidFill>
+            <a:schemeClr val="bg1"/>
+          </a:solidFill>
+          <a:ln w="12700">
+            <a:solidFill>
+              <a:schemeClr val="tx1"/>
+            </a:solidFill>
+          </a:ln>
+        </p:spPr>
+        <p:style>
+          <a:lnRef idx="2">
+            <a:schemeClr val="accent1">
+              <a:shade val="50000"/>
+            </a:schemeClr>
+          </a:lnRef>
+          <a:fillRef idx="1">
+            <a:schemeClr val="accent1"/>
+          </a:fillRef>
+          <a:effectRef idx="0">
+            <a:schemeClr val="accent1"/>
+          </a:effectRef>
+          <a:fontRef idx="minor">
+            <a:schemeClr val="lt1"/>
+          </a:fontRef>
+        </p:style>
+        <p:txBody>
+          <a:bodyPr rtlCol="0" anchor="ctr"/>
+          <a:lstStyle/>
+          <a:p>
+            <a:pPr algn="ctr"/>
+            <a:r>
+              <a:rPr kumimoji="1" lang="ja-JP" altLang="en-US" sz="2000" dirty="0" smtClean="0">
+                <a:solidFill>
+                  <a:schemeClr val="tx1"/>
+                </a:solidFill>
+              </a:rPr>
+              <a:t>多機能化</a:t>
+            </a:r>
+            <a:endParaRPr kumimoji="1" lang="ja-JP" altLang="en-US" sz="2000" dirty="0">
+              <a:solidFill>
+                <a:schemeClr val="tx1"/>
+              </a:solidFill>
+            </a:endParaRPr>
           </a:p>
         </p:txBody>
       </p:sp>
     </p:spTree>
     <p:extLst>
       <p:ext uri="{BB962C8B-B14F-4D97-AF65-F5344CB8AC3E}">
-        <p14:creationId xmlns:p14="http://schemas.microsoft.com/office/powerpoint/2010/main" val="480866501"/>
+        <p14:creationId xmlns:p14="http://schemas.microsoft.com/office/powerpoint/2010/main" val="2967928757"/>
       </p:ext>
     </p:extLst>
   </p:cSld>
@@ -4893,7 +5094,7 @@
 </file>
 
 <file path=ppt/slides/slide11.xml><?xml version="1.0" encoding="utf-8"?>
-<p:sld xmlns:a="http://schemas.openxmlformats.org/drawingml/2006/main" xmlns:r="http://schemas.openxmlformats.org/officeDocument/2006/relationships" xmlns:p="http://schemas.openxmlformats.org/presentationml/2006/main">
+<p:sld xmlns:a="http://schemas.openxmlformats.org/drawingml/2006/main" xmlns:r="http://schemas.openxmlformats.org/officeDocument/2006/relationships" xmlns:p="http://schemas.openxmlformats.org/presentationml/2006/main" show="0">
   <p:cSld>
     <p:spTree>
       <p:nvGrpSpPr>
@@ -4977,21 +5178,200 @@
             </a:pPr>
             <a:r>
               <a:rPr lang="en-US" altLang="ja-JP" dirty="0" smtClean="0"/>
-              <a:t>(define (add X Y) (+ X Y))</a:t>
-            </a:r>
+              <a:t>S</a:t>
+            </a:r>
+            <a:r>
+              <a:rPr lang="ja-JP" altLang="en-US" dirty="0" smtClean="0"/>
+              <a:t>式とは以下の２つ</a:t>
+            </a:r>
+            <a:r>
+              <a:rPr lang="ja-JP" altLang="en-US" dirty="0"/>
+              <a:t>に</a:t>
+            </a:r>
+            <a:r>
+              <a:rPr lang="ja-JP" altLang="en-US" dirty="0" smtClean="0"/>
+              <a:t>定義される。</a:t>
+            </a:r>
+            <a:endParaRPr lang="en-US" altLang="ja-JP" dirty="0" smtClean="0"/>
+          </a:p>
+          <a:p>
+            <a:pPr marL="82296" indent="0">
+              <a:buNone/>
+            </a:pPr>
+            <a:r>
+              <a:rPr lang="ja-JP" altLang="en-US" dirty="0" smtClean="0"/>
+              <a:t>・基本要素（数値やオペレータなど）</a:t>
+            </a:r>
+            <a:endParaRPr lang="en-US" altLang="ja-JP" dirty="0" smtClean="0"/>
+          </a:p>
+          <a:p>
+            <a:pPr marL="82296" indent="0">
+              <a:buNone/>
+            </a:pPr>
+            <a:r>
+              <a:rPr lang="ja-JP" altLang="en-US" dirty="0" smtClean="0"/>
+              <a:t>・</a:t>
+            </a:r>
+            <a:r>
+              <a:rPr lang="en-US" altLang="ja-JP" dirty="0" smtClean="0"/>
+              <a:t>S</a:t>
+            </a:r>
+            <a:r>
+              <a:rPr lang="ja-JP" altLang="en-US" dirty="0" smtClean="0"/>
+              <a:t>式を並べて括弧でくくったリスト</a:t>
+            </a:r>
+            <a:endParaRPr lang="en-US" altLang="ja-JP" dirty="0" smtClean="0"/>
+          </a:p>
+          <a:p>
+            <a:pPr marL="82296" indent="0">
+              <a:buNone/>
+            </a:pPr>
+            <a:endParaRPr lang="en-US" altLang="ja-JP" dirty="0" smtClean="0"/>
+          </a:p>
+          <a:p>
+            <a:pPr marL="82296" indent="0">
+              <a:buNone/>
+            </a:pPr>
+            <a:r>
+              <a:rPr lang="ja-JP" altLang="en-US" dirty="0" smtClean="0"/>
+              <a:t>例）</a:t>
+            </a:r>
+            <a:endParaRPr lang="en-US" altLang="ja-JP" dirty="0" smtClean="0"/>
+          </a:p>
+          <a:p>
+            <a:pPr marL="82296" indent="0">
+              <a:buNone/>
+            </a:pPr>
+            <a:r>
+              <a:rPr lang="ja-JP" altLang="en-US" dirty="0" smtClean="0"/>
+              <a:t>・</a:t>
+            </a:r>
+            <a:r>
+              <a:rPr lang="en-US" altLang="ja-JP" dirty="0" smtClean="0"/>
+              <a:t>1</a:t>
+            </a:r>
+            <a:r>
+              <a:rPr lang="ja-JP" altLang="en-US" dirty="0" smtClean="0"/>
+              <a:t>は数値ひとつからなる</a:t>
+            </a:r>
+            <a:r>
+              <a:rPr lang="en-US" altLang="ja-JP" dirty="0" smtClean="0"/>
+              <a:t>S</a:t>
+            </a:r>
+            <a:r>
+              <a:rPr lang="ja-JP" altLang="en-US" dirty="0" smtClean="0"/>
+              <a:t>式</a:t>
+            </a:r>
+            <a:endParaRPr lang="en-US" altLang="ja-JP" dirty="0" smtClean="0"/>
+          </a:p>
+          <a:p>
+            <a:pPr marL="82296" indent="0">
+              <a:buNone/>
+            </a:pPr>
+            <a:r>
+              <a:rPr lang="ja-JP" altLang="en-US" dirty="0" smtClean="0"/>
+              <a:t>・</a:t>
+            </a:r>
+            <a:r>
+              <a:rPr lang="en-US" altLang="ja-JP" dirty="0" smtClean="0"/>
+              <a:t>+</a:t>
+            </a:r>
+            <a:r>
+              <a:rPr lang="ja-JP" altLang="en-US" dirty="0" smtClean="0"/>
+              <a:t>は記号</a:t>
+            </a:r>
+            <a:r>
+              <a:rPr lang="en-US" altLang="ja-JP" dirty="0" smtClean="0"/>
+              <a:t>+</a:t>
+            </a:r>
+            <a:r>
+              <a:rPr lang="ja-JP" altLang="en-US" dirty="0" smtClean="0"/>
+              <a:t>ひとつからなる</a:t>
+            </a:r>
+            <a:r>
+              <a:rPr lang="en-US" altLang="ja-JP" dirty="0" smtClean="0"/>
+              <a:t>S</a:t>
+            </a:r>
+            <a:r>
+              <a:rPr lang="ja-JP" altLang="en-US" dirty="0" smtClean="0"/>
+              <a:t>式</a:t>
+            </a:r>
+            <a:endParaRPr lang="en-US" altLang="ja-JP" dirty="0"/>
+          </a:p>
+          <a:p>
+            <a:pPr marL="82296" indent="0">
+              <a:buNone/>
+            </a:pPr>
+            <a:r>
+              <a:rPr lang="ja-JP" altLang="en-US" dirty="0" smtClean="0"/>
+              <a:t>・</a:t>
+            </a:r>
+            <a:r>
+              <a:rPr lang="en-US" altLang="ja-JP" dirty="0" smtClean="0"/>
+              <a:t>(* 2 3)</a:t>
+            </a:r>
+            <a:r>
+              <a:rPr lang="ja-JP" altLang="en-US" dirty="0" smtClean="0"/>
+              <a:t>は記号</a:t>
+            </a:r>
+            <a:r>
+              <a:rPr lang="en-US" altLang="ja-JP" dirty="0" smtClean="0"/>
+              <a:t>*</a:t>
+            </a:r>
+            <a:r>
+              <a:rPr lang="ja-JP" altLang="en-US" dirty="0" err="1" smtClean="0"/>
+              <a:t>、</a:t>
+            </a:r>
+            <a:r>
+              <a:rPr lang="ja-JP" altLang="en-US" dirty="0"/>
+              <a:t>数値</a:t>
+            </a:r>
+            <a:r>
+              <a:rPr lang="en-US" altLang="ja-JP" dirty="0" smtClean="0"/>
+              <a:t>2,</a:t>
+            </a:r>
+            <a:r>
+              <a:rPr lang="ja-JP" altLang="en-US" dirty="0" smtClean="0"/>
+              <a:t>数値</a:t>
+            </a:r>
+            <a:r>
+              <a:rPr lang="en-US" altLang="ja-JP" dirty="0" smtClean="0"/>
+              <a:t>3</a:t>
+            </a:r>
+            <a:r>
+              <a:rPr lang="ja-JP" altLang="en-US" dirty="0" smtClean="0"/>
+              <a:t>からなる</a:t>
+            </a:r>
+            <a:r>
+              <a:rPr lang="en-US" altLang="ja-JP" dirty="0" smtClean="0"/>
+              <a:t>S</a:t>
+            </a:r>
+            <a:r>
+              <a:rPr lang="ja-JP" altLang="en-US" dirty="0" smtClean="0"/>
+              <a:t>式</a:t>
+            </a:r>
+            <a:endParaRPr lang="en-US" altLang="ja-JP" dirty="0" smtClean="0"/>
           </a:p>
         </p:txBody>
       </p:sp>
     </p:spTree>
     <p:extLst>
       <p:ext uri="{BB962C8B-B14F-4D97-AF65-F5344CB8AC3E}">
-        <p14:creationId xmlns:p14="http://schemas.microsoft.com/office/powerpoint/2010/main" val="1799093733"/>
+        <p14:creationId xmlns:p14="http://schemas.microsoft.com/office/powerpoint/2010/main" val="480866501"/>
       </p:ext>
     </p:extLst>
   </p:cSld>
   <p:clrMapOvr>
     <a:masterClrMapping/>
   </p:clrMapOvr>
+  <mc:AlternateContent xmlns:mc="http://schemas.openxmlformats.org/markup-compatibility/2006">
+    <mc:Choice xmlns:p14="http://schemas.microsoft.com/office/powerpoint/2010/main" Requires="p14">
+      <p:transition spd="slow" p14:dur="2000"/>
+    </mc:Choice>
+    <mc:Fallback>
+      <p:transition spd="slow"/>
+    </mc:Fallback>
+  </mc:AlternateContent>
   <p:timing>
     <p:tnLst>
       <p:par>
@@ -5003,7 +5383,7 @@
 </file>
 
 <file path=ppt/slides/slide12.xml><?xml version="1.0" encoding="utf-8"?>
-<p:sld xmlns:a="http://schemas.openxmlformats.org/drawingml/2006/main" xmlns:r="http://schemas.openxmlformats.org/officeDocument/2006/relationships" xmlns:p="http://schemas.openxmlformats.org/presentationml/2006/main">
+<p:sld xmlns:a="http://schemas.openxmlformats.org/drawingml/2006/main" xmlns:r="http://schemas.openxmlformats.org/officeDocument/2006/relationships" xmlns:p="http://schemas.openxmlformats.org/presentationml/2006/main" show="0">
   <p:cSld>
     <p:spTree>
       <p:nvGrpSpPr>
@@ -5092,704 +5472,24 @@
           </a:p>
         </p:txBody>
       </p:sp>
-      <p:sp>
-        <p:nvSpPr>
-          <p:cNvPr id="5" name="右中かっこ 4"/>
-          <p:cNvSpPr/>
-          <p:nvPr/>
-        </p:nvSpPr>
-        <p:spPr>
-          <a:xfrm rot="5400000">
-            <a:off x="3620436" y="-412012"/>
-            <a:ext cx="782960" cy="5152616"/>
-          </a:xfrm>
-          <a:prstGeom prst="rightBrace">
-            <a:avLst/>
-          </a:prstGeom>
-          <a:ln w="31750"/>
-        </p:spPr>
-        <p:style>
-          <a:lnRef idx="1">
-            <a:schemeClr val="accent1"/>
-          </a:lnRef>
-          <a:fillRef idx="0">
-            <a:schemeClr val="accent1"/>
-          </a:fillRef>
-          <a:effectRef idx="0">
-            <a:schemeClr val="accent1"/>
-          </a:effectRef>
-          <a:fontRef idx="minor">
-            <a:schemeClr val="tx1"/>
-          </a:fontRef>
-        </p:style>
-        <p:txBody>
-          <a:bodyPr rtlCol="0" anchor="ctr"/>
-          <a:lstStyle/>
-          <a:p>
-            <a:pPr algn="ctr"/>
-            <a:endParaRPr kumimoji="1" lang="ja-JP" altLang="en-US"/>
-          </a:p>
-        </p:txBody>
-      </p:sp>
-      <p:sp>
-        <p:nvSpPr>
-          <p:cNvPr id="6" name="右中かっこ 5"/>
-          <p:cNvSpPr/>
-          <p:nvPr/>
-        </p:nvSpPr>
-        <p:spPr>
-          <a:xfrm rot="5400000">
-            <a:off x="5359524" y="1480220"/>
-            <a:ext cx="729208" cy="1728192"/>
-          </a:xfrm>
-          <a:prstGeom prst="rightBrace">
-            <a:avLst/>
-          </a:prstGeom>
-          <a:ln w="31750"/>
-        </p:spPr>
-        <p:style>
-          <a:lnRef idx="1">
-            <a:schemeClr val="accent1"/>
-          </a:lnRef>
-          <a:fillRef idx="0">
-            <a:schemeClr val="accent1"/>
-          </a:fillRef>
-          <a:effectRef idx="0">
-            <a:schemeClr val="accent1"/>
-          </a:effectRef>
-          <a:fontRef idx="minor">
-            <a:schemeClr val="tx1"/>
-          </a:fontRef>
-        </p:style>
-        <p:txBody>
-          <a:bodyPr rtlCol="0" anchor="ctr"/>
-          <a:lstStyle/>
-          <a:p>
-            <a:pPr algn="ctr"/>
-            <a:endParaRPr kumimoji="1" lang="ja-JP" altLang="en-US"/>
-          </a:p>
-        </p:txBody>
-      </p:sp>
-      <p:sp>
-        <p:nvSpPr>
-          <p:cNvPr id="9" name="右中かっこ 8"/>
-          <p:cNvSpPr/>
-          <p:nvPr/>
-        </p:nvSpPr>
-        <p:spPr>
-          <a:xfrm rot="5400000">
-            <a:off x="3286298" y="1665258"/>
-            <a:ext cx="1099284" cy="1728192"/>
-          </a:xfrm>
-          <a:prstGeom prst="rightBrace">
-            <a:avLst/>
-          </a:prstGeom>
-          <a:ln w="31750"/>
-        </p:spPr>
-        <p:style>
-          <a:lnRef idx="1">
-            <a:schemeClr val="accent1"/>
-          </a:lnRef>
-          <a:fillRef idx="0">
-            <a:schemeClr val="accent1"/>
-          </a:fillRef>
-          <a:effectRef idx="0">
-            <a:schemeClr val="accent1"/>
-          </a:effectRef>
-          <a:fontRef idx="minor">
-            <a:schemeClr val="tx1"/>
-          </a:fontRef>
-        </p:style>
-        <p:txBody>
-          <a:bodyPr rtlCol="0" anchor="ctr"/>
-          <a:lstStyle/>
-          <a:p>
-            <a:pPr algn="ctr"/>
-            <a:endParaRPr kumimoji="1" lang="ja-JP" altLang="en-US"/>
-          </a:p>
-        </p:txBody>
-      </p:sp>
-      <p:sp>
-        <p:nvSpPr>
-          <p:cNvPr id="10" name="テキスト ボックス 9"/>
-          <p:cNvSpPr txBox="1"/>
-          <p:nvPr/>
-        </p:nvSpPr>
-        <p:spPr>
-          <a:xfrm>
-            <a:off x="3809906" y="2555776"/>
-            <a:ext cx="970128" cy="523220"/>
-          </a:xfrm>
-          <a:prstGeom prst="rect">
-            <a:avLst/>
-          </a:prstGeom>
-          <a:noFill/>
-        </p:spPr>
-        <p:txBody>
-          <a:bodyPr wrap="square" rtlCol="0">
-            <a:spAutoFit/>
-          </a:bodyPr>
-          <a:lstStyle/>
-          <a:p>
-            <a:r>
-              <a:rPr kumimoji="1" lang="en-US" altLang="ja-JP" sz="2800" dirty="0" smtClean="0"/>
-              <a:t>S</a:t>
-            </a:r>
-            <a:r>
-              <a:rPr kumimoji="1" lang="ja-JP" altLang="en-US" sz="2800" dirty="0" smtClean="0"/>
-              <a:t>式</a:t>
-            </a:r>
-            <a:endParaRPr kumimoji="1" lang="ja-JP" altLang="en-US" sz="2800" dirty="0"/>
-          </a:p>
-        </p:txBody>
-      </p:sp>
-      <p:sp>
-        <p:nvSpPr>
-          <p:cNvPr id="11" name="テキスト ボックス 10"/>
-          <p:cNvSpPr txBox="1"/>
-          <p:nvPr/>
-        </p:nvSpPr>
-        <p:spPr>
-          <a:xfrm>
-            <a:off x="5353232" y="2689600"/>
-            <a:ext cx="970128" cy="523220"/>
-          </a:xfrm>
-          <a:prstGeom prst="rect">
-            <a:avLst/>
-          </a:prstGeom>
-          <a:noFill/>
-        </p:spPr>
-        <p:txBody>
-          <a:bodyPr wrap="square" rtlCol="0">
-            <a:spAutoFit/>
-          </a:bodyPr>
-          <a:lstStyle/>
-          <a:p>
-            <a:r>
-              <a:rPr kumimoji="1" lang="en-US" altLang="ja-JP" sz="2800" dirty="0" smtClean="0"/>
-              <a:t>S</a:t>
-            </a:r>
-            <a:r>
-              <a:rPr kumimoji="1" lang="ja-JP" altLang="en-US" sz="2800" dirty="0" smtClean="0"/>
-              <a:t>式</a:t>
-            </a:r>
-            <a:endParaRPr kumimoji="1" lang="ja-JP" altLang="en-US" sz="2800" dirty="0"/>
-          </a:p>
-        </p:txBody>
-      </p:sp>
-      <p:sp>
-        <p:nvSpPr>
-          <p:cNvPr id="12" name="テキスト ボックス 11"/>
-          <p:cNvSpPr txBox="1"/>
-          <p:nvPr/>
-        </p:nvSpPr>
-        <p:spPr>
-          <a:xfrm>
-            <a:off x="3447805" y="3078996"/>
-            <a:ext cx="970128" cy="523220"/>
-          </a:xfrm>
-          <a:prstGeom prst="rect">
-            <a:avLst/>
-          </a:prstGeom>
-          <a:noFill/>
-        </p:spPr>
-        <p:txBody>
-          <a:bodyPr wrap="square" rtlCol="0">
-            <a:spAutoFit/>
-          </a:bodyPr>
-          <a:lstStyle/>
-          <a:p>
-            <a:r>
-              <a:rPr kumimoji="1" lang="en-US" altLang="ja-JP" sz="2800" dirty="0" smtClean="0"/>
-              <a:t>S</a:t>
-            </a:r>
-            <a:r>
-              <a:rPr kumimoji="1" lang="ja-JP" altLang="en-US" sz="2800" dirty="0" smtClean="0"/>
-              <a:t>式</a:t>
-            </a:r>
-            <a:endParaRPr kumimoji="1" lang="ja-JP" altLang="en-US" sz="2800" dirty="0"/>
-          </a:p>
-        </p:txBody>
-      </p:sp>
-      <p:cxnSp>
-        <p:nvCxnSpPr>
-          <p:cNvPr id="14" name="直線矢印コネクタ 13"/>
-          <p:cNvCxnSpPr/>
-          <p:nvPr/>
-        </p:nvCxnSpPr>
-        <p:spPr>
-          <a:xfrm flipH="1" flipV="1">
-            <a:off x="1927081" y="1736812"/>
-            <a:ext cx="72008" cy="972108"/>
-          </a:xfrm>
-          <a:prstGeom prst="straightConnector1">
-            <a:avLst/>
-          </a:prstGeom>
-          <a:ln w="15875">
-            <a:tailEnd type="triangle"/>
-          </a:ln>
-        </p:spPr>
-        <p:style>
-          <a:lnRef idx="1">
-            <a:schemeClr val="accent1"/>
-          </a:lnRef>
-          <a:fillRef idx="0">
-            <a:schemeClr val="accent1"/>
-          </a:fillRef>
-          <a:effectRef idx="0">
-            <a:schemeClr val="accent1"/>
-          </a:effectRef>
-          <a:fontRef idx="minor">
-            <a:schemeClr val="tx1"/>
-          </a:fontRef>
-        </p:style>
-      </p:cxnSp>
-      <p:sp>
-        <p:nvSpPr>
-          <p:cNvPr id="15" name="テキスト ボックス 14"/>
-          <p:cNvSpPr txBox="1"/>
-          <p:nvPr/>
-        </p:nvSpPr>
-        <p:spPr>
-          <a:xfrm>
-            <a:off x="2352087" y="3356588"/>
-            <a:ext cx="970128" cy="523220"/>
-          </a:xfrm>
-          <a:prstGeom prst="rect">
-            <a:avLst/>
-          </a:prstGeom>
-          <a:noFill/>
-        </p:spPr>
-        <p:txBody>
-          <a:bodyPr wrap="square" rtlCol="0">
-            <a:spAutoFit/>
-          </a:bodyPr>
-          <a:lstStyle/>
-          <a:p>
-            <a:r>
-              <a:rPr kumimoji="1" lang="en-US" altLang="ja-JP" sz="2800" dirty="0" smtClean="0"/>
-              <a:t>S</a:t>
-            </a:r>
-            <a:r>
-              <a:rPr kumimoji="1" lang="ja-JP" altLang="en-US" sz="2800" dirty="0" smtClean="0"/>
-              <a:t>式</a:t>
-            </a:r>
-            <a:endParaRPr kumimoji="1" lang="ja-JP" altLang="en-US" sz="2800" dirty="0"/>
-          </a:p>
-        </p:txBody>
-      </p:sp>
-      <p:cxnSp>
-        <p:nvCxnSpPr>
-          <p:cNvPr id="16" name="直線矢印コネクタ 15"/>
-          <p:cNvCxnSpPr/>
-          <p:nvPr/>
-        </p:nvCxnSpPr>
-        <p:spPr>
-          <a:xfrm flipV="1">
-            <a:off x="2837151" y="1678242"/>
-            <a:ext cx="386095" cy="1607650"/>
-          </a:xfrm>
-          <a:prstGeom prst="straightConnector1">
-            <a:avLst/>
-          </a:prstGeom>
-          <a:ln w="15875">
-            <a:tailEnd type="triangle"/>
-          </a:ln>
-        </p:spPr>
-        <p:style>
-          <a:lnRef idx="1">
-            <a:schemeClr val="accent1"/>
-          </a:lnRef>
-          <a:fillRef idx="0">
-            <a:schemeClr val="accent1"/>
-          </a:fillRef>
-          <a:effectRef idx="0">
-            <a:schemeClr val="accent1"/>
-          </a:effectRef>
-          <a:fontRef idx="minor">
-            <a:schemeClr val="tx1"/>
-          </a:fontRef>
-        </p:style>
-      </p:cxnSp>
-      <p:cxnSp>
-        <p:nvCxnSpPr>
-          <p:cNvPr id="18" name="直線矢印コネクタ 17"/>
-          <p:cNvCxnSpPr/>
-          <p:nvPr/>
-        </p:nvCxnSpPr>
-        <p:spPr>
-          <a:xfrm flipH="1" flipV="1">
-            <a:off x="4502460" y="1736812"/>
-            <a:ext cx="230074" cy="2466274"/>
-          </a:xfrm>
-          <a:prstGeom prst="straightConnector1">
-            <a:avLst/>
-          </a:prstGeom>
-          <a:ln w="15875">
-            <a:tailEnd type="triangle"/>
-          </a:ln>
-        </p:spPr>
-        <p:style>
-          <a:lnRef idx="1">
-            <a:schemeClr val="accent1"/>
-          </a:lnRef>
-          <a:fillRef idx="0">
-            <a:schemeClr val="accent1"/>
-          </a:fillRef>
-          <a:effectRef idx="0">
-            <a:schemeClr val="accent1"/>
-          </a:effectRef>
-          <a:fontRef idx="minor">
-            <a:schemeClr val="tx1"/>
-          </a:fontRef>
-        </p:style>
-      </p:cxnSp>
-      <p:cxnSp>
-        <p:nvCxnSpPr>
-          <p:cNvPr id="20" name="直線矢印コネクタ 19"/>
-          <p:cNvCxnSpPr/>
-          <p:nvPr/>
-        </p:nvCxnSpPr>
-        <p:spPr>
-          <a:xfrm flipV="1">
-            <a:off x="3819917" y="1736812"/>
-            <a:ext cx="113049" cy="2466274"/>
-          </a:xfrm>
-          <a:prstGeom prst="straightConnector1">
-            <a:avLst/>
-          </a:prstGeom>
-          <a:ln w="15875">
-            <a:tailEnd type="triangle"/>
-          </a:ln>
-        </p:spPr>
-        <p:style>
-          <a:lnRef idx="1">
-            <a:schemeClr val="accent1"/>
-          </a:lnRef>
-          <a:fillRef idx="0">
-            <a:schemeClr val="accent1"/>
-          </a:fillRef>
-          <a:effectRef idx="0">
-            <a:schemeClr val="accent1"/>
-          </a:effectRef>
-          <a:fontRef idx="minor">
-            <a:schemeClr val="tx1"/>
-          </a:fontRef>
-        </p:style>
-      </p:cxnSp>
-      <p:cxnSp>
-        <p:nvCxnSpPr>
-          <p:cNvPr id="22" name="直線矢印コネクタ 21"/>
-          <p:cNvCxnSpPr/>
-          <p:nvPr/>
-        </p:nvCxnSpPr>
-        <p:spPr>
-          <a:xfrm flipH="1" flipV="1">
-            <a:off x="5152146" y="1736812"/>
-            <a:ext cx="144561" cy="1881386"/>
-          </a:xfrm>
-          <a:prstGeom prst="straightConnector1">
-            <a:avLst/>
-          </a:prstGeom>
-          <a:ln w="15875">
-            <a:tailEnd type="triangle"/>
-          </a:ln>
-        </p:spPr>
-        <p:style>
-          <a:lnRef idx="1">
-            <a:schemeClr val="accent1"/>
-          </a:lnRef>
-          <a:fillRef idx="0">
-            <a:schemeClr val="accent1"/>
-          </a:fillRef>
-          <a:effectRef idx="0">
-            <a:schemeClr val="accent1"/>
-          </a:effectRef>
-          <a:fontRef idx="minor">
-            <a:schemeClr val="tx1"/>
-          </a:fontRef>
-        </p:style>
-      </p:cxnSp>
-      <p:cxnSp>
-        <p:nvCxnSpPr>
-          <p:cNvPr id="23" name="直線矢印コネクタ 22"/>
-          <p:cNvCxnSpPr/>
-          <p:nvPr/>
-        </p:nvCxnSpPr>
-        <p:spPr>
-          <a:xfrm flipH="1" flipV="1">
-            <a:off x="6271166" y="1736812"/>
-            <a:ext cx="450872" cy="1342184"/>
-          </a:xfrm>
-          <a:prstGeom prst="straightConnector1">
-            <a:avLst/>
-          </a:prstGeom>
-          <a:ln w="15875">
-            <a:tailEnd type="triangle"/>
-          </a:ln>
-        </p:spPr>
-        <p:style>
-          <a:lnRef idx="1">
-            <a:schemeClr val="accent1"/>
-          </a:lnRef>
-          <a:fillRef idx="0">
-            <a:schemeClr val="accent1"/>
-          </a:fillRef>
-          <a:effectRef idx="0">
-            <a:schemeClr val="accent1"/>
-          </a:effectRef>
-          <a:fontRef idx="minor">
-            <a:schemeClr val="tx1"/>
-          </a:fontRef>
-        </p:style>
-      </p:cxnSp>
-      <p:cxnSp>
-        <p:nvCxnSpPr>
-          <p:cNvPr id="24" name="直線矢印コネクタ 23"/>
-          <p:cNvCxnSpPr/>
-          <p:nvPr/>
-        </p:nvCxnSpPr>
-        <p:spPr>
-          <a:xfrm flipH="1" flipV="1">
-            <a:off x="5766059" y="1736812"/>
-            <a:ext cx="230074" cy="2466274"/>
-          </a:xfrm>
-          <a:prstGeom prst="straightConnector1">
-            <a:avLst/>
-          </a:prstGeom>
-          <a:ln w="15875">
-            <a:tailEnd type="triangle"/>
-          </a:ln>
-        </p:spPr>
-        <p:style>
-          <a:lnRef idx="1">
-            <a:schemeClr val="accent1"/>
-          </a:lnRef>
-          <a:fillRef idx="0">
-            <a:schemeClr val="accent1"/>
-          </a:fillRef>
-          <a:effectRef idx="0">
-            <a:schemeClr val="accent1"/>
-          </a:effectRef>
-          <a:fontRef idx="minor">
-            <a:schemeClr val="tx1"/>
-          </a:fontRef>
-        </p:style>
-      </p:cxnSp>
-      <p:sp>
-        <p:nvSpPr>
-          <p:cNvPr id="25" name="テキスト ボックス 24"/>
-          <p:cNvSpPr txBox="1"/>
-          <p:nvPr/>
-        </p:nvSpPr>
-        <p:spPr>
-          <a:xfrm>
-            <a:off x="3223246" y="4257419"/>
-            <a:ext cx="970128" cy="523220"/>
-          </a:xfrm>
-          <a:prstGeom prst="rect">
-            <a:avLst/>
-          </a:prstGeom>
-          <a:noFill/>
-        </p:spPr>
-        <p:txBody>
-          <a:bodyPr wrap="square" rtlCol="0">
-            <a:spAutoFit/>
-          </a:bodyPr>
-          <a:lstStyle/>
-          <a:p>
-            <a:r>
-              <a:rPr kumimoji="1" lang="en-US" altLang="ja-JP" sz="2800" dirty="0" smtClean="0"/>
-              <a:t>S</a:t>
-            </a:r>
-            <a:r>
-              <a:rPr kumimoji="1" lang="ja-JP" altLang="en-US" sz="2800" dirty="0" smtClean="0"/>
-              <a:t>式</a:t>
-            </a:r>
-            <a:endParaRPr kumimoji="1" lang="ja-JP" altLang="en-US" sz="2800" dirty="0"/>
-          </a:p>
-        </p:txBody>
-      </p:sp>
-      <p:sp>
-        <p:nvSpPr>
-          <p:cNvPr id="26" name="テキスト ボックス 25"/>
-          <p:cNvSpPr txBox="1"/>
-          <p:nvPr/>
-        </p:nvSpPr>
-        <p:spPr>
-          <a:xfrm>
-            <a:off x="4193374" y="4257419"/>
-            <a:ext cx="970128" cy="523220"/>
-          </a:xfrm>
-          <a:prstGeom prst="rect">
-            <a:avLst/>
-          </a:prstGeom>
-          <a:noFill/>
-        </p:spPr>
-        <p:txBody>
-          <a:bodyPr wrap="square" rtlCol="0">
-            <a:spAutoFit/>
-          </a:bodyPr>
-          <a:lstStyle/>
-          <a:p>
-            <a:r>
-              <a:rPr kumimoji="1" lang="en-US" altLang="ja-JP" sz="2800" dirty="0" smtClean="0"/>
-              <a:t>S</a:t>
-            </a:r>
-            <a:r>
-              <a:rPr kumimoji="1" lang="ja-JP" altLang="en-US" sz="2800" dirty="0" smtClean="0"/>
-              <a:t>式</a:t>
-            </a:r>
-            <a:endParaRPr kumimoji="1" lang="ja-JP" altLang="en-US" sz="2800" dirty="0"/>
-          </a:p>
-        </p:txBody>
-      </p:sp>
-      <p:sp>
-        <p:nvSpPr>
-          <p:cNvPr id="27" name="テキスト ボックス 26"/>
-          <p:cNvSpPr txBox="1"/>
-          <p:nvPr/>
-        </p:nvSpPr>
-        <p:spPr>
-          <a:xfrm>
-            <a:off x="4850034" y="3724418"/>
-            <a:ext cx="970128" cy="523220"/>
-          </a:xfrm>
-          <a:prstGeom prst="rect">
-            <a:avLst/>
-          </a:prstGeom>
-          <a:noFill/>
-        </p:spPr>
-        <p:txBody>
-          <a:bodyPr wrap="square" rtlCol="0">
-            <a:spAutoFit/>
-          </a:bodyPr>
-          <a:lstStyle/>
-          <a:p>
-            <a:r>
-              <a:rPr kumimoji="1" lang="en-US" altLang="ja-JP" sz="2800" dirty="0" smtClean="0"/>
-              <a:t>S</a:t>
-            </a:r>
-            <a:r>
-              <a:rPr kumimoji="1" lang="ja-JP" altLang="en-US" sz="2800" dirty="0" smtClean="0"/>
-              <a:t>式</a:t>
-            </a:r>
-            <a:endParaRPr kumimoji="1" lang="ja-JP" altLang="en-US" sz="2800" dirty="0"/>
-          </a:p>
-        </p:txBody>
-      </p:sp>
-      <p:sp>
-        <p:nvSpPr>
-          <p:cNvPr id="28" name="テキスト ボックス 27"/>
-          <p:cNvSpPr txBox="1"/>
-          <p:nvPr/>
-        </p:nvSpPr>
-        <p:spPr>
-          <a:xfrm>
-            <a:off x="5668418" y="4257419"/>
-            <a:ext cx="970128" cy="523220"/>
-          </a:xfrm>
-          <a:prstGeom prst="rect">
-            <a:avLst/>
-          </a:prstGeom>
-          <a:noFill/>
-        </p:spPr>
-        <p:txBody>
-          <a:bodyPr wrap="square" rtlCol="0">
-            <a:spAutoFit/>
-          </a:bodyPr>
-          <a:lstStyle/>
-          <a:p>
-            <a:r>
-              <a:rPr kumimoji="1" lang="en-US" altLang="ja-JP" sz="2800" dirty="0" smtClean="0"/>
-              <a:t>S</a:t>
-            </a:r>
-            <a:r>
-              <a:rPr kumimoji="1" lang="ja-JP" altLang="en-US" sz="2800" dirty="0" smtClean="0"/>
-              <a:t>式</a:t>
-            </a:r>
-            <a:endParaRPr kumimoji="1" lang="ja-JP" altLang="en-US" sz="2800" dirty="0"/>
-          </a:p>
-        </p:txBody>
-      </p:sp>
-      <p:sp>
-        <p:nvSpPr>
-          <p:cNvPr id="29" name="テキスト ボックス 28"/>
-          <p:cNvSpPr txBox="1"/>
-          <p:nvPr/>
-        </p:nvSpPr>
-        <p:spPr>
-          <a:xfrm>
-            <a:off x="6443989" y="3123548"/>
-            <a:ext cx="970128" cy="523220"/>
-          </a:xfrm>
-          <a:prstGeom prst="rect">
-            <a:avLst/>
-          </a:prstGeom>
-          <a:noFill/>
-        </p:spPr>
-        <p:txBody>
-          <a:bodyPr wrap="square" rtlCol="0">
-            <a:spAutoFit/>
-          </a:bodyPr>
-          <a:lstStyle/>
-          <a:p>
-            <a:r>
-              <a:rPr kumimoji="1" lang="en-US" altLang="ja-JP" sz="2800" dirty="0" smtClean="0"/>
-              <a:t>S</a:t>
-            </a:r>
-            <a:r>
-              <a:rPr kumimoji="1" lang="ja-JP" altLang="en-US" sz="2800" dirty="0" smtClean="0"/>
-              <a:t>式</a:t>
-            </a:r>
-            <a:endParaRPr kumimoji="1" lang="ja-JP" altLang="en-US" sz="2800" dirty="0"/>
-          </a:p>
-        </p:txBody>
-      </p:sp>
-      <p:sp>
-        <p:nvSpPr>
-          <p:cNvPr id="32" name="テキスト ボックス 31"/>
-          <p:cNvSpPr txBox="1"/>
-          <p:nvPr/>
-        </p:nvSpPr>
-        <p:spPr>
-          <a:xfrm>
-            <a:off x="1602159" y="2724902"/>
-            <a:ext cx="970128" cy="523220"/>
-          </a:xfrm>
-          <a:prstGeom prst="rect">
-            <a:avLst/>
-          </a:prstGeom>
-          <a:noFill/>
-        </p:spPr>
-        <p:txBody>
-          <a:bodyPr wrap="square" rtlCol="0">
-            <a:spAutoFit/>
-          </a:bodyPr>
-          <a:lstStyle/>
-          <a:p>
-            <a:r>
-              <a:rPr kumimoji="1" lang="en-US" altLang="ja-JP" sz="2800" dirty="0" smtClean="0"/>
-              <a:t>S</a:t>
-            </a:r>
-            <a:r>
-              <a:rPr kumimoji="1" lang="ja-JP" altLang="en-US" sz="2800" dirty="0" smtClean="0"/>
-              <a:t>式</a:t>
-            </a:r>
-            <a:endParaRPr kumimoji="1" lang="ja-JP" altLang="en-US" sz="2800" dirty="0"/>
-          </a:p>
-        </p:txBody>
-      </p:sp>
     </p:spTree>
     <p:extLst>
       <p:ext uri="{BB962C8B-B14F-4D97-AF65-F5344CB8AC3E}">
-        <p14:creationId xmlns:p14="http://schemas.microsoft.com/office/powerpoint/2010/main" val="3811037776"/>
+        <p14:creationId xmlns:p14="http://schemas.microsoft.com/office/powerpoint/2010/main" val="1799093733"/>
       </p:ext>
     </p:extLst>
   </p:cSld>
   <p:clrMapOvr>
     <a:masterClrMapping/>
   </p:clrMapOvr>
+  <mc:AlternateContent xmlns:mc="http://schemas.openxmlformats.org/markup-compatibility/2006">
+    <mc:Choice xmlns:p14="http://schemas.microsoft.com/office/powerpoint/2010/main" Requires="p14">
+      <p:transition spd="slow" p14:dur="2000"/>
+    </mc:Choice>
+    <mc:Fallback>
+      <p:transition spd="slow"/>
+    </mc:Fallback>
+  </mc:AlternateContent>
   <p:timing>
     <p:tnLst>
       <p:par>
@@ -5801,7 +5501,7 @@
 </file>
 
 <file path=ppt/slides/slide13.xml><?xml version="1.0" encoding="utf-8"?>
-<p:sld xmlns:a="http://schemas.openxmlformats.org/drawingml/2006/main" xmlns:r="http://schemas.openxmlformats.org/officeDocument/2006/relationships" xmlns:p="http://schemas.openxmlformats.org/presentationml/2006/main">
+<p:sld xmlns:a="http://schemas.openxmlformats.org/drawingml/2006/main" xmlns:r="http://schemas.openxmlformats.org/officeDocument/2006/relationships" xmlns:p="http://schemas.openxmlformats.org/presentationml/2006/main" show="0">
   <p:cSld>
     <p:spTree>
       <p:nvGrpSpPr>
@@ -5829,162 +5529,773 @@
         </p:nvSpPr>
         <p:spPr/>
         <p:txBody>
-          <a:bodyPr/>
-          <a:lstStyle/>
-          <a:p>
-            <a:r>
-              <a:rPr kumimoji="1" lang="ja-JP" altLang="en-US" dirty="0" smtClean="0"/>
-              <a:t>基本的なこと</a:t>
-            </a:r>
-            <a:endParaRPr kumimoji="1" lang="ja-JP" altLang="en-US" dirty="0"/>
-          </a:p>
-        </p:txBody>
-      </p:sp>
-      <p:sp>
-        <p:nvSpPr>
-          <p:cNvPr id="3" name="コンテンツ プレースホルダー 2"/>
-          <p:cNvSpPr>
-            <a:spLocks noGrp="1"/>
-          </p:cNvSpPr>
-          <p:nvPr>
-            <p:ph idx="1"/>
-          </p:nvPr>
-        </p:nvSpPr>
-        <p:spPr>
-          <a:xfrm>
-            <a:off x="1115616" y="1124744"/>
-            <a:ext cx="7818072" cy="5544616"/>
-          </a:xfrm>
-        </p:spPr>
-        <p:txBody>
           <a:bodyPr>
             <a:normAutofit/>
           </a:bodyPr>
           <a:lstStyle/>
           <a:p>
+            <a:r>
+              <a:rPr kumimoji="1" lang="en-US" altLang="ja-JP" dirty="0" smtClean="0"/>
+              <a:t>S</a:t>
+            </a:r>
+            <a:r>
+              <a:rPr kumimoji="1" lang="ja-JP" altLang="en-US" dirty="0" smtClean="0"/>
+              <a:t>式</a:t>
+            </a:r>
+            <a:r>
+              <a:rPr kumimoji="1" lang="ja-JP" altLang="en-US" sz="3200" dirty="0" smtClean="0"/>
+              <a:t>（</a:t>
+            </a:r>
+            <a:r>
+              <a:rPr kumimoji="1" lang="en-US" altLang="ja-JP" sz="3200" dirty="0" smtClean="0"/>
+              <a:t>Symbolic expression</a:t>
+            </a:r>
+            <a:r>
+              <a:rPr kumimoji="1" lang="ja-JP" altLang="en-US" sz="3200" dirty="0" smtClean="0"/>
+              <a:t>）</a:t>
+            </a:r>
+            <a:endParaRPr kumimoji="1" lang="ja-JP" altLang="en-US" dirty="0"/>
+          </a:p>
+        </p:txBody>
+      </p:sp>
+      <p:sp>
+        <p:nvSpPr>
+          <p:cNvPr id="3" name="コンテンツ プレースホルダー 2"/>
+          <p:cNvSpPr>
+            <a:spLocks noGrp="1"/>
+          </p:cNvSpPr>
+          <p:nvPr>
+            <p:ph idx="1"/>
+          </p:nvPr>
+        </p:nvSpPr>
+        <p:spPr>
+          <a:xfrm>
+            <a:off x="1115616" y="1124744"/>
+            <a:ext cx="7818072" cy="5544616"/>
+          </a:xfrm>
+        </p:spPr>
+        <p:txBody>
+          <a:bodyPr>
+            <a:normAutofit/>
+          </a:bodyPr>
+          <a:lstStyle/>
+          <a:p>
             <a:pPr marL="82296" indent="0">
               <a:buNone/>
             </a:pPr>
             <a:r>
-              <a:rPr lang="ja-JP" altLang="en-US" dirty="0" smtClean="0"/>
-              <a:t>・基本的な処理の記法は</a:t>
-            </a:r>
-            <a:endParaRPr lang="en-US" altLang="ja-JP" dirty="0" smtClean="0"/>
-          </a:p>
-          <a:p>
-            <a:pPr marL="82296" indent="0">
-              <a:buNone/>
-            </a:pPr>
-            <a:r>
-              <a:rPr lang="ja-JP" altLang="en-US" dirty="0" smtClean="0"/>
-              <a:t>（</a:t>
-            </a:r>
-            <a:r>
               <a:rPr lang="en-US" altLang="ja-JP" dirty="0" smtClean="0"/>
-              <a:t>&lt;</a:t>
-            </a:r>
-            <a:r>
-              <a:rPr lang="ja-JP" altLang="en-US" dirty="0" smtClean="0"/>
-              <a:t>手続き</a:t>
-            </a:r>
-            <a:r>
-              <a:rPr lang="en-US" altLang="ja-JP" dirty="0" smtClean="0"/>
-              <a:t>&gt; &lt;</a:t>
-            </a:r>
-            <a:r>
-              <a:rPr lang="ja-JP" altLang="en-US" dirty="0" smtClean="0"/>
-              <a:t>引数</a:t>
-            </a:r>
-            <a:r>
-              <a:rPr lang="en-US" altLang="ja-JP" dirty="0" smtClean="0"/>
-              <a:t>1&gt; &lt;</a:t>
-            </a:r>
-            <a:r>
-              <a:rPr lang="ja-JP" altLang="en-US" dirty="0" smtClean="0"/>
-              <a:t>引数</a:t>
-            </a:r>
-            <a:r>
-              <a:rPr lang="en-US" altLang="ja-JP" dirty="0" smtClean="0"/>
-              <a:t>2&gt;</a:t>
-            </a:r>
-            <a:r>
-              <a:rPr lang="ja-JP" altLang="en-US" dirty="0" smtClean="0"/>
-              <a:t>　･･･）</a:t>
-            </a:r>
-            <a:endParaRPr lang="en-US" altLang="ja-JP" dirty="0" smtClean="0"/>
-          </a:p>
-          <a:p>
-            <a:pPr marL="82296" indent="0">
-              <a:buNone/>
-            </a:pPr>
-            <a:r>
-              <a:rPr lang="en-US" altLang="ja-JP" dirty="0" smtClean="0"/>
-              <a:t>(+ 1 2 3)</a:t>
-            </a:r>
-          </a:p>
-          <a:p>
-            <a:pPr marL="82296" indent="0">
-              <a:buNone/>
-            </a:pPr>
-            <a:endParaRPr lang="en-US" altLang="ja-JP" dirty="0" smtClean="0"/>
-          </a:p>
-          <a:p>
-            <a:pPr marL="82296" indent="0">
-              <a:buNone/>
-            </a:pPr>
-            <a:r>
-              <a:rPr lang="ja-JP" altLang="en-US" dirty="0" smtClean="0"/>
-              <a:t>・データとしてのリストはクオートを付ける</a:t>
-            </a:r>
-            <a:endParaRPr lang="en-US" altLang="ja-JP" dirty="0" smtClean="0"/>
-          </a:p>
-          <a:p>
-            <a:pPr marL="82296" indent="0">
-              <a:buNone/>
-            </a:pPr>
-            <a:r>
-              <a:rPr lang="en-US" altLang="ja-JP" dirty="0" smtClean="0"/>
-              <a:t>‘(1 2 3)</a:t>
-            </a:r>
-          </a:p>
-          <a:p>
-            <a:pPr marL="82296" indent="0">
-              <a:buNone/>
-            </a:pPr>
-            <a:endParaRPr lang="en-US" altLang="ja-JP" dirty="0" smtClean="0"/>
-          </a:p>
-          <a:p>
-            <a:pPr marL="82296" indent="0">
-              <a:buNone/>
-            </a:pPr>
-            <a:r>
-              <a:rPr lang="ja-JP" altLang="en-US" dirty="0" smtClean="0"/>
-              <a:t>例）リストの連結処理</a:t>
-            </a:r>
-            <a:endParaRPr lang="en-US" altLang="ja-JP" dirty="0" smtClean="0"/>
-          </a:p>
-          <a:p>
-            <a:pPr marL="82296" indent="0">
-              <a:buNone/>
-            </a:pPr>
-            <a:r>
-              <a:rPr lang="nl-NL" altLang="ja-JP" dirty="0"/>
-              <a:t>(append '(1 2 3) '(4 5 6))</a:t>
-            </a:r>
-            <a:endParaRPr lang="en-US" altLang="ja-JP" dirty="0"/>
+              <a:t>(define (add X Y) (+ X Y))</a:t>
+            </a:r>
+          </a:p>
+        </p:txBody>
+      </p:sp>
+      <p:sp>
+        <p:nvSpPr>
+          <p:cNvPr id="5" name="右中かっこ 4"/>
+          <p:cNvSpPr/>
+          <p:nvPr/>
+        </p:nvSpPr>
+        <p:spPr>
+          <a:xfrm rot="5400000">
+            <a:off x="3620436" y="-412012"/>
+            <a:ext cx="782960" cy="5152616"/>
+          </a:xfrm>
+          <a:prstGeom prst="rightBrace">
+            <a:avLst/>
+          </a:prstGeom>
+          <a:ln w="31750"/>
+        </p:spPr>
+        <p:style>
+          <a:lnRef idx="1">
+            <a:schemeClr val="accent1"/>
+          </a:lnRef>
+          <a:fillRef idx="0">
+            <a:schemeClr val="accent1"/>
+          </a:fillRef>
+          <a:effectRef idx="0">
+            <a:schemeClr val="accent1"/>
+          </a:effectRef>
+          <a:fontRef idx="minor">
+            <a:schemeClr val="tx1"/>
+          </a:fontRef>
+        </p:style>
+        <p:txBody>
+          <a:bodyPr rtlCol="0" anchor="ctr"/>
+          <a:lstStyle/>
+          <a:p>
+            <a:pPr algn="ctr"/>
+            <a:endParaRPr kumimoji="1" lang="ja-JP" altLang="en-US"/>
+          </a:p>
+        </p:txBody>
+      </p:sp>
+      <p:sp>
+        <p:nvSpPr>
+          <p:cNvPr id="6" name="右中かっこ 5"/>
+          <p:cNvSpPr/>
+          <p:nvPr/>
+        </p:nvSpPr>
+        <p:spPr>
+          <a:xfrm rot="5400000">
+            <a:off x="5359524" y="1480220"/>
+            <a:ext cx="729208" cy="1728192"/>
+          </a:xfrm>
+          <a:prstGeom prst="rightBrace">
+            <a:avLst/>
+          </a:prstGeom>
+          <a:ln w="31750"/>
+        </p:spPr>
+        <p:style>
+          <a:lnRef idx="1">
+            <a:schemeClr val="accent1"/>
+          </a:lnRef>
+          <a:fillRef idx="0">
+            <a:schemeClr val="accent1"/>
+          </a:fillRef>
+          <a:effectRef idx="0">
+            <a:schemeClr val="accent1"/>
+          </a:effectRef>
+          <a:fontRef idx="minor">
+            <a:schemeClr val="tx1"/>
+          </a:fontRef>
+        </p:style>
+        <p:txBody>
+          <a:bodyPr rtlCol="0" anchor="ctr"/>
+          <a:lstStyle/>
+          <a:p>
+            <a:pPr algn="ctr"/>
+            <a:endParaRPr kumimoji="1" lang="ja-JP" altLang="en-US"/>
+          </a:p>
+        </p:txBody>
+      </p:sp>
+      <p:sp>
+        <p:nvSpPr>
+          <p:cNvPr id="9" name="右中かっこ 8"/>
+          <p:cNvSpPr/>
+          <p:nvPr/>
+        </p:nvSpPr>
+        <p:spPr>
+          <a:xfrm rot="5400000">
+            <a:off x="3286298" y="1665258"/>
+            <a:ext cx="1099284" cy="1728192"/>
+          </a:xfrm>
+          <a:prstGeom prst="rightBrace">
+            <a:avLst/>
+          </a:prstGeom>
+          <a:ln w="31750"/>
+        </p:spPr>
+        <p:style>
+          <a:lnRef idx="1">
+            <a:schemeClr val="accent1"/>
+          </a:lnRef>
+          <a:fillRef idx="0">
+            <a:schemeClr val="accent1"/>
+          </a:fillRef>
+          <a:effectRef idx="0">
+            <a:schemeClr val="accent1"/>
+          </a:effectRef>
+          <a:fontRef idx="minor">
+            <a:schemeClr val="tx1"/>
+          </a:fontRef>
+        </p:style>
+        <p:txBody>
+          <a:bodyPr rtlCol="0" anchor="ctr"/>
+          <a:lstStyle/>
+          <a:p>
+            <a:pPr algn="ctr"/>
+            <a:endParaRPr kumimoji="1" lang="ja-JP" altLang="en-US"/>
+          </a:p>
+        </p:txBody>
+      </p:sp>
+      <p:sp>
+        <p:nvSpPr>
+          <p:cNvPr id="10" name="テキスト ボックス 9"/>
+          <p:cNvSpPr txBox="1"/>
+          <p:nvPr/>
+        </p:nvSpPr>
+        <p:spPr>
+          <a:xfrm>
+            <a:off x="3809906" y="2555776"/>
+            <a:ext cx="970128" cy="523220"/>
+          </a:xfrm>
+          <a:prstGeom prst="rect">
+            <a:avLst/>
+          </a:prstGeom>
+          <a:noFill/>
+        </p:spPr>
+        <p:txBody>
+          <a:bodyPr wrap="square" rtlCol="0">
+            <a:spAutoFit/>
+          </a:bodyPr>
+          <a:lstStyle/>
+          <a:p>
+            <a:r>
+              <a:rPr kumimoji="1" lang="en-US" altLang="ja-JP" sz="2800" dirty="0" smtClean="0"/>
+              <a:t>S</a:t>
+            </a:r>
+            <a:r>
+              <a:rPr kumimoji="1" lang="ja-JP" altLang="en-US" sz="2800" dirty="0" smtClean="0"/>
+              <a:t>式</a:t>
+            </a:r>
+            <a:endParaRPr kumimoji="1" lang="ja-JP" altLang="en-US" sz="2800" dirty="0"/>
+          </a:p>
+        </p:txBody>
+      </p:sp>
+      <p:sp>
+        <p:nvSpPr>
+          <p:cNvPr id="11" name="テキスト ボックス 10"/>
+          <p:cNvSpPr txBox="1"/>
+          <p:nvPr/>
+        </p:nvSpPr>
+        <p:spPr>
+          <a:xfrm>
+            <a:off x="5353232" y="2689600"/>
+            <a:ext cx="970128" cy="523220"/>
+          </a:xfrm>
+          <a:prstGeom prst="rect">
+            <a:avLst/>
+          </a:prstGeom>
+          <a:noFill/>
+        </p:spPr>
+        <p:txBody>
+          <a:bodyPr wrap="square" rtlCol="0">
+            <a:spAutoFit/>
+          </a:bodyPr>
+          <a:lstStyle/>
+          <a:p>
+            <a:r>
+              <a:rPr kumimoji="1" lang="en-US" altLang="ja-JP" sz="2800" dirty="0" smtClean="0"/>
+              <a:t>S</a:t>
+            </a:r>
+            <a:r>
+              <a:rPr kumimoji="1" lang="ja-JP" altLang="en-US" sz="2800" dirty="0" smtClean="0"/>
+              <a:t>式</a:t>
+            </a:r>
+            <a:endParaRPr kumimoji="1" lang="ja-JP" altLang="en-US" sz="2800" dirty="0"/>
+          </a:p>
+        </p:txBody>
+      </p:sp>
+      <p:sp>
+        <p:nvSpPr>
+          <p:cNvPr id="12" name="テキスト ボックス 11"/>
+          <p:cNvSpPr txBox="1"/>
+          <p:nvPr/>
+        </p:nvSpPr>
+        <p:spPr>
+          <a:xfrm>
+            <a:off x="3447805" y="3078996"/>
+            <a:ext cx="970128" cy="523220"/>
+          </a:xfrm>
+          <a:prstGeom prst="rect">
+            <a:avLst/>
+          </a:prstGeom>
+          <a:noFill/>
+        </p:spPr>
+        <p:txBody>
+          <a:bodyPr wrap="square" rtlCol="0">
+            <a:spAutoFit/>
+          </a:bodyPr>
+          <a:lstStyle/>
+          <a:p>
+            <a:r>
+              <a:rPr kumimoji="1" lang="en-US" altLang="ja-JP" sz="2800" dirty="0" smtClean="0"/>
+              <a:t>S</a:t>
+            </a:r>
+            <a:r>
+              <a:rPr kumimoji="1" lang="ja-JP" altLang="en-US" sz="2800" dirty="0" smtClean="0"/>
+              <a:t>式</a:t>
+            </a:r>
+            <a:endParaRPr kumimoji="1" lang="ja-JP" altLang="en-US" sz="2800" dirty="0"/>
+          </a:p>
+        </p:txBody>
+      </p:sp>
+      <p:cxnSp>
+        <p:nvCxnSpPr>
+          <p:cNvPr id="14" name="直線矢印コネクタ 13"/>
+          <p:cNvCxnSpPr/>
+          <p:nvPr/>
+        </p:nvCxnSpPr>
+        <p:spPr>
+          <a:xfrm flipH="1" flipV="1">
+            <a:off x="1927081" y="1736812"/>
+            <a:ext cx="72008" cy="972108"/>
+          </a:xfrm>
+          <a:prstGeom prst="straightConnector1">
+            <a:avLst/>
+          </a:prstGeom>
+          <a:ln w="15875">
+            <a:tailEnd type="triangle"/>
+          </a:ln>
+        </p:spPr>
+        <p:style>
+          <a:lnRef idx="1">
+            <a:schemeClr val="accent1"/>
+          </a:lnRef>
+          <a:fillRef idx="0">
+            <a:schemeClr val="accent1"/>
+          </a:fillRef>
+          <a:effectRef idx="0">
+            <a:schemeClr val="accent1"/>
+          </a:effectRef>
+          <a:fontRef idx="minor">
+            <a:schemeClr val="tx1"/>
+          </a:fontRef>
+        </p:style>
+      </p:cxnSp>
+      <p:sp>
+        <p:nvSpPr>
+          <p:cNvPr id="15" name="テキスト ボックス 14"/>
+          <p:cNvSpPr txBox="1"/>
+          <p:nvPr/>
+        </p:nvSpPr>
+        <p:spPr>
+          <a:xfrm>
+            <a:off x="2352087" y="3356588"/>
+            <a:ext cx="970128" cy="523220"/>
+          </a:xfrm>
+          <a:prstGeom prst="rect">
+            <a:avLst/>
+          </a:prstGeom>
+          <a:noFill/>
+        </p:spPr>
+        <p:txBody>
+          <a:bodyPr wrap="square" rtlCol="0">
+            <a:spAutoFit/>
+          </a:bodyPr>
+          <a:lstStyle/>
+          <a:p>
+            <a:r>
+              <a:rPr kumimoji="1" lang="en-US" altLang="ja-JP" sz="2800" dirty="0" smtClean="0"/>
+              <a:t>S</a:t>
+            </a:r>
+            <a:r>
+              <a:rPr kumimoji="1" lang="ja-JP" altLang="en-US" sz="2800" dirty="0" smtClean="0"/>
+              <a:t>式</a:t>
+            </a:r>
+            <a:endParaRPr kumimoji="1" lang="ja-JP" altLang="en-US" sz="2800" dirty="0"/>
+          </a:p>
+        </p:txBody>
+      </p:sp>
+      <p:cxnSp>
+        <p:nvCxnSpPr>
+          <p:cNvPr id="16" name="直線矢印コネクタ 15"/>
+          <p:cNvCxnSpPr/>
+          <p:nvPr/>
+        </p:nvCxnSpPr>
+        <p:spPr>
+          <a:xfrm flipV="1">
+            <a:off x="2837151" y="1678242"/>
+            <a:ext cx="386095" cy="1607650"/>
+          </a:xfrm>
+          <a:prstGeom prst="straightConnector1">
+            <a:avLst/>
+          </a:prstGeom>
+          <a:ln w="15875">
+            <a:tailEnd type="triangle"/>
+          </a:ln>
+        </p:spPr>
+        <p:style>
+          <a:lnRef idx="1">
+            <a:schemeClr val="accent1"/>
+          </a:lnRef>
+          <a:fillRef idx="0">
+            <a:schemeClr val="accent1"/>
+          </a:fillRef>
+          <a:effectRef idx="0">
+            <a:schemeClr val="accent1"/>
+          </a:effectRef>
+          <a:fontRef idx="minor">
+            <a:schemeClr val="tx1"/>
+          </a:fontRef>
+        </p:style>
+      </p:cxnSp>
+      <p:cxnSp>
+        <p:nvCxnSpPr>
+          <p:cNvPr id="18" name="直線矢印コネクタ 17"/>
+          <p:cNvCxnSpPr/>
+          <p:nvPr/>
+        </p:nvCxnSpPr>
+        <p:spPr>
+          <a:xfrm flipH="1" flipV="1">
+            <a:off x="4502460" y="1736812"/>
+            <a:ext cx="230074" cy="2466274"/>
+          </a:xfrm>
+          <a:prstGeom prst="straightConnector1">
+            <a:avLst/>
+          </a:prstGeom>
+          <a:ln w="15875">
+            <a:tailEnd type="triangle"/>
+          </a:ln>
+        </p:spPr>
+        <p:style>
+          <a:lnRef idx="1">
+            <a:schemeClr val="accent1"/>
+          </a:lnRef>
+          <a:fillRef idx="0">
+            <a:schemeClr val="accent1"/>
+          </a:fillRef>
+          <a:effectRef idx="0">
+            <a:schemeClr val="accent1"/>
+          </a:effectRef>
+          <a:fontRef idx="minor">
+            <a:schemeClr val="tx1"/>
+          </a:fontRef>
+        </p:style>
+      </p:cxnSp>
+      <p:cxnSp>
+        <p:nvCxnSpPr>
+          <p:cNvPr id="20" name="直線矢印コネクタ 19"/>
+          <p:cNvCxnSpPr/>
+          <p:nvPr/>
+        </p:nvCxnSpPr>
+        <p:spPr>
+          <a:xfrm flipV="1">
+            <a:off x="3819917" y="1736812"/>
+            <a:ext cx="113049" cy="2466274"/>
+          </a:xfrm>
+          <a:prstGeom prst="straightConnector1">
+            <a:avLst/>
+          </a:prstGeom>
+          <a:ln w="15875">
+            <a:tailEnd type="triangle"/>
+          </a:ln>
+        </p:spPr>
+        <p:style>
+          <a:lnRef idx="1">
+            <a:schemeClr val="accent1"/>
+          </a:lnRef>
+          <a:fillRef idx="0">
+            <a:schemeClr val="accent1"/>
+          </a:fillRef>
+          <a:effectRef idx="0">
+            <a:schemeClr val="accent1"/>
+          </a:effectRef>
+          <a:fontRef idx="minor">
+            <a:schemeClr val="tx1"/>
+          </a:fontRef>
+        </p:style>
+      </p:cxnSp>
+      <p:cxnSp>
+        <p:nvCxnSpPr>
+          <p:cNvPr id="22" name="直線矢印コネクタ 21"/>
+          <p:cNvCxnSpPr/>
+          <p:nvPr/>
+        </p:nvCxnSpPr>
+        <p:spPr>
+          <a:xfrm flipH="1" flipV="1">
+            <a:off x="5152146" y="1736812"/>
+            <a:ext cx="144561" cy="1881386"/>
+          </a:xfrm>
+          <a:prstGeom prst="straightConnector1">
+            <a:avLst/>
+          </a:prstGeom>
+          <a:ln w="15875">
+            <a:tailEnd type="triangle"/>
+          </a:ln>
+        </p:spPr>
+        <p:style>
+          <a:lnRef idx="1">
+            <a:schemeClr val="accent1"/>
+          </a:lnRef>
+          <a:fillRef idx="0">
+            <a:schemeClr val="accent1"/>
+          </a:fillRef>
+          <a:effectRef idx="0">
+            <a:schemeClr val="accent1"/>
+          </a:effectRef>
+          <a:fontRef idx="minor">
+            <a:schemeClr val="tx1"/>
+          </a:fontRef>
+        </p:style>
+      </p:cxnSp>
+      <p:cxnSp>
+        <p:nvCxnSpPr>
+          <p:cNvPr id="23" name="直線矢印コネクタ 22"/>
+          <p:cNvCxnSpPr/>
+          <p:nvPr/>
+        </p:nvCxnSpPr>
+        <p:spPr>
+          <a:xfrm flipH="1" flipV="1">
+            <a:off x="6271166" y="1736812"/>
+            <a:ext cx="450872" cy="1342184"/>
+          </a:xfrm>
+          <a:prstGeom prst="straightConnector1">
+            <a:avLst/>
+          </a:prstGeom>
+          <a:ln w="15875">
+            <a:tailEnd type="triangle"/>
+          </a:ln>
+        </p:spPr>
+        <p:style>
+          <a:lnRef idx="1">
+            <a:schemeClr val="accent1"/>
+          </a:lnRef>
+          <a:fillRef idx="0">
+            <a:schemeClr val="accent1"/>
+          </a:fillRef>
+          <a:effectRef idx="0">
+            <a:schemeClr val="accent1"/>
+          </a:effectRef>
+          <a:fontRef idx="minor">
+            <a:schemeClr val="tx1"/>
+          </a:fontRef>
+        </p:style>
+      </p:cxnSp>
+      <p:cxnSp>
+        <p:nvCxnSpPr>
+          <p:cNvPr id="24" name="直線矢印コネクタ 23"/>
+          <p:cNvCxnSpPr/>
+          <p:nvPr/>
+        </p:nvCxnSpPr>
+        <p:spPr>
+          <a:xfrm flipH="1" flipV="1">
+            <a:off x="5766059" y="1736812"/>
+            <a:ext cx="230074" cy="2466274"/>
+          </a:xfrm>
+          <a:prstGeom prst="straightConnector1">
+            <a:avLst/>
+          </a:prstGeom>
+          <a:ln w="15875">
+            <a:tailEnd type="triangle"/>
+          </a:ln>
+        </p:spPr>
+        <p:style>
+          <a:lnRef idx="1">
+            <a:schemeClr val="accent1"/>
+          </a:lnRef>
+          <a:fillRef idx="0">
+            <a:schemeClr val="accent1"/>
+          </a:fillRef>
+          <a:effectRef idx="0">
+            <a:schemeClr val="accent1"/>
+          </a:effectRef>
+          <a:fontRef idx="minor">
+            <a:schemeClr val="tx1"/>
+          </a:fontRef>
+        </p:style>
+      </p:cxnSp>
+      <p:sp>
+        <p:nvSpPr>
+          <p:cNvPr id="25" name="テキスト ボックス 24"/>
+          <p:cNvSpPr txBox="1"/>
+          <p:nvPr/>
+        </p:nvSpPr>
+        <p:spPr>
+          <a:xfrm>
+            <a:off x="3223246" y="4257419"/>
+            <a:ext cx="970128" cy="523220"/>
+          </a:xfrm>
+          <a:prstGeom prst="rect">
+            <a:avLst/>
+          </a:prstGeom>
+          <a:noFill/>
+        </p:spPr>
+        <p:txBody>
+          <a:bodyPr wrap="square" rtlCol="0">
+            <a:spAutoFit/>
+          </a:bodyPr>
+          <a:lstStyle/>
+          <a:p>
+            <a:r>
+              <a:rPr kumimoji="1" lang="en-US" altLang="ja-JP" sz="2800" dirty="0" smtClean="0"/>
+              <a:t>S</a:t>
+            </a:r>
+            <a:r>
+              <a:rPr kumimoji="1" lang="ja-JP" altLang="en-US" sz="2800" dirty="0" smtClean="0"/>
+              <a:t>式</a:t>
+            </a:r>
+            <a:endParaRPr kumimoji="1" lang="ja-JP" altLang="en-US" sz="2800" dirty="0"/>
+          </a:p>
+        </p:txBody>
+      </p:sp>
+      <p:sp>
+        <p:nvSpPr>
+          <p:cNvPr id="26" name="テキスト ボックス 25"/>
+          <p:cNvSpPr txBox="1"/>
+          <p:nvPr/>
+        </p:nvSpPr>
+        <p:spPr>
+          <a:xfrm>
+            <a:off x="4193374" y="4257419"/>
+            <a:ext cx="970128" cy="523220"/>
+          </a:xfrm>
+          <a:prstGeom prst="rect">
+            <a:avLst/>
+          </a:prstGeom>
+          <a:noFill/>
+        </p:spPr>
+        <p:txBody>
+          <a:bodyPr wrap="square" rtlCol="0">
+            <a:spAutoFit/>
+          </a:bodyPr>
+          <a:lstStyle/>
+          <a:p>
+            <a:r>
+              <a:rPr kumimoji="1" lang="en-US" altLang="ja-JP" sz="2800" dirty="0" smtClean="0"/>
+              <a:t>S</a:t>
+            </a:r>
+            <a:r>
+              <a:rPr kumimoji="1" lang="ja-JP" altLang="en-US" sz="2800" dirty="0" smtClean="0"/>
+              <a:t>式</a:t>
+            </a:r>
+            <a:endParaRPr kumimoji="1" lang="ja-JP" altLang="en-US" sz="2800" dirty="0"/>
+          </a:p>
+        </p:txBody>
+      </p:sp>
+      <p:sp>
+        <p:nvSpPr>
+          <p:cNvPr id="27" name="テキスト ボックス 26"/>
+          <p:cNvSpPr txBox="1"/>
+          <p:nvPr/>
+        </p:nvSpPr>
+        <p:spPr>
+          <a:xfrm>
+            <a:off x="4850034" y="3724418"/>
+            <a:ext cx="970128" cy="523220"/>
+          </a:xfrm>
+          <a:prstGeom prst="rect">
+            <a:avLst/>
+          </a:prstGeom>
+          <a:noFill/>
+        </p:spPr>
+        <p:txBody>
+          <a:bodyPr wrap="square" rtlCol="0">
+            <a:spAutoFit/>
+          </a:bodyPr>
+          <a:lstStyle/>
+          <a:p>
+            <a:r>
+              <a:rPr kumimoji="1" lang="en-US" altLang="ja-JP" sz="2800" dirty="0" smtClean="0"/>
+              <a:t>S</a:t>
+            </a:r>
+            <a:r>
+              <a:rPr kumimoji="1" lang="ja-JP" altLang="en-US" sz="2800" dirty="0" smtClean="0"/>
+              <a:t>式</a:t>
+            </a:r>
+            <a:endParaRPr kumimoji="1" lang="ja-JP" altLang="en-US" sz="2800" dirty="0"/>
+          </a:p>
+        </p:txBody>
+      </p:sp>
+      <p:sp>
+        <p:nvSpPr>
+          <p:cNvPr id="28" name="テキスト ボックス 27"/>
+          <p:cNvSpPr txBox="1"/>
+          <p:nvPr/>
+        </p:nvSpPr>
+        <p:spPr>
+          <a:xfrm>
+            <a:off x="5668418" y="4257419"/>
+            <a:ext cx="970128" cy="523220"/>
+          </a:xfrm>
+          <a:prstGeom prst="rect">
+            <a:avLst/>
+          </a:prstGeom>
+          <a:noFill/>
+        </p:spPr>
+        <p:txBody>
+          <a:bodyPr wrap="square" rtlCol="0">
+            <a:spAutoFit/>
+          </a:bodyPr>
+          <a:lstStyle/>
+          <a:p>
+            <a:r>
+              <a:rPr kumimoji="1" lang="en-US" altLang="ja-JP" sz="2800" dirty="0" smtClean="0"/>
+              <a:t>S</a:t>
+            </a:r>
+            <a:r>
+              <a:rPr kumimoji="1" lang="ja-JP" altLang="en-US" sz="2800" dirty="0" smtClean="0"/>
+              <a:t>式</a:t>
+            </a:r>
+            <a:endParaRPr kumimoji="1" lang="ja-JP" altLang="en-US" sz="2800" dirty="0"/>
+          </a:p>
+        </p:txBody>
+      </p:sp>
+      <p:sp>
+        <p:nvSpPr>
+          <p:cNvPr id="29" name="テキスト ボックス 28"/>
+          <p:cNvSpPr txBox="1"/>
+          <p:nvPr/>
+        </p:nvSpPr>
+        <p:spPr>
+          <a:xfrm>
+            <a:off x="6443989" y="3123548"/>
+            <a:ext cx="970128" cy="523220"/>
+          </a:xfrm>
+          <a:prstGeom prst="rect">
+            <a:avLst/>
+          </a:prstGeom>
+          <a:noFill/>
+        </p:spPr>
+        <p:txBody>
+          <a:bodyPr wrap="square" rtlCol="0">
+            <a:spAutoFit/>
+          </a:bodyPr>
+          <a:lstStyle/>
+          <a:p>
+            <a:r>
+              <a:rPr kumimoji="1" lang="en-US" altLang="ja-JP" sz="2800" dirty="0" smtClean="0"/>
+              <a:t>S</a:t>
+            </a:r>
+            <a:r>
+              <a:rPr kumimoji="1" lang="ja-JP" altLang="en-US" sz="2800" dirty="0" smtClean="0"/>
+              <a:t>式</a:t>
+            </a:r>
+            <a:endParaRPr kumimoji="1" lang="ja-JP" altLang="en-US" sz="2800" dirty="0"/>
+          </a:p>
+        </p:txBody>
+      </p:sp>
+      <p:sp>
+        <p:nvSpPr>
+          <p:cNvPr id="32" name="テキスト ボックス 31"/>
+          <p:cNvSpPr txBox="1"/>
+          <p:nvPr/>
+        </p:nvSpPr>
+        <p:spPr>
+          <a:xfrm>
+            <a:off x="1602159" y="2724902"/>
+            <a:ext cx="970128" cy="523220"/>
+          </a:xfrm>
+          <a:prstGeom prst="rect">
+            <a:avLst/>
+          </a:prstGeom>
+          <a:noFill/>
+        </p:spPr>
+        <p:txBody>
+          <a:bodyPr wrap="square" rtlCol="0">
+            <a:spAutoFit/>
+          </a:bodyPr>
+          <a:lstStyle/>
+          <a:p>
+            <a:r>
+              <a:rPr kumimoji="1" lang="en-US" altLang="ja-JP" sz="2800" dirty="0" smtClean="0"/>
+              <a:t>S</a:t>
+            </a:r>
+            <a:r>
+              <a:rPr kumimoji="1" lang="ja-JP" altLang="en-US" sz="2800" dirty="0" smtClean="0"/>
+              <a:t>式</a:t>
+            </a:r>
+            <a:endParaRPr kumimoji="1" lang="ja-JP" altLang="en-US" sz="2800" dirty="0"/>
           </a:p>
         </p:txBody>
       </p:sp>
     </p:spTree>
     <p:extLst>
       <p:ext uri="{BB962C8B-B14F-4D97-AF65-F5344CB8AC3E}">
-        <p14:creationId xmlns:p14="http://schemas.microsoft.com/office/powerpoint/2010/main" val="3513868151"/>
+        <p14:creationId xmlns:p14="http://schemas.microsoft.com/office/powerpoint/2010/main" val="3811037776"/>
       </p:ext>
     </p:extLst>
   </p:cSld>
   <p:clrMapOvr>
     <a:masterClrMapping/>
   </p:clrMapOvr>
+  <mc:AlternateContent xmlns:mc="http://schemas.openxmlformats.org/markup-compatibility/2006">
+    <mc:Choice xmlns:p14="http://schemas.microsoft.com/office/powerpoint/2010/main" Requires="p14">
+      <p:transition spd="slow" p14:dur="2000"/>
+    </mc:Choice>
+    <mc:Fallback>
+      <p:transition spd="slow"/>
+    </mc:Fallback>
+  </mc:AlternateContent>
   <p:timing>
     <p:tnLst>
       <p:par>
@@ -6029,7 +6340,11 @@
           <a:p>
             <a:r>
               <a:rPr kumimoji="1" lang="ja-JP" altLang="en-US" dirty="0" smtClean="0"/>
-              <a:t>基本的なこと</a:t>
+              <a:t>基本的</a:t>
+            </a:r>
+            <a:r>
+              <a:rPr kumimoji="1" lang="ja-JP" altLang="en-US" dirty="0" smtClean="0"/>
+              <a:t>なこと</a:t>
             </a:r>
             <a:endParaRPr kumimoji="1" lang="ja-JP" altLang="en-US" dirty="0"/>
           </a:p>
@@ -6062,39 +6377,59 @@
             </a:pPr>
             <a:r>
               <a:rPr lang="ja-JP" altLang="en-US" dirty="0" smtClean="0"/>
-              <a:t>・手続き </a:t>
+              <a:t>・基本的な処理の記法は</a:t>
+            </a:r>
+            <a:endParaRPr lang="en-US" altLang="ja-JP" dirty="0" smtClean="0"/>
+          </a:p>
+          <a:p>
+            <a:pPr marL="82296" indent="0">
+              <a:buNone/>
+            </a:pPr>
+            <a:r>
+              <a:rPr lang="ja-JP" altLang="en-US" dirty="0" smtClean="0"/>
+              <a:t>（</a:t>
             </a:r>
             <a:r>
               <a:rPr lang="en-US" altLang="ja-JP" dirty="0" smtClean="0"/>
-              <a:t>car</a:t>
-            </a:r>
+              <a:t>&lt;</a:t>
+            </a:r>
+            <a:r>
+              <a:rPr lang="ja-JP" altLang="en-US" dirty="0" smtClean="0"/>
+              <a:t>手続き</a:t>
+            </a:r>
+            <a:r>
+              <a:rPr lang="en-US" altLang="ja-JP" dirty="0" smtClean="0"/>
+              <a:t>&gt; &lt;</a:t>
+            </a:r>
+            <a:r>
+              <a:rPr lang="ja-JP" altLang="en-US" dirty="0" smtClean="0"/>
+              <a:t>引数</a:t>
+            </a:r>
+            <a:r>
+              <a:rPr lang="en-US" altLang="ja-JP" dirty="0" smtClean="0"/>
+              <a:t>1&gt; &lt;</a:t>
+            </a:r>
+            <a:r>
+              <a:rPr lang="ja-JP" altLang="en-US" dirty="0" smtClean="0"/>
+              <a:t>引数</a:t>
+            </a:r>
+            <a:r>
+              <a:rPr lang="en-US" altLang="ja-JP" dirty="0" smtClean="0"/>
+              <a:t>2&gt;</a:t>
+            </a:r>
+            <a:r>
+              <a:rPr lang="ja-JP" altLang="en-US" dirty="0" smtClean="0"/>
+              <a:t>　･･･）</a:t>
+            </a:r>
+            <a:endParaRPr lang="en-US" altLang="ja-JP" dirty="0" smtClean="0"/>
           </a:p>
           <a:p>
             <a:pPr marL="82296" indent="0">
               <a:buNone/>
             </a:pPr>
             <a:r>
-              <a:rPr lang="ja-JP" altLang="en-US" dirty="0" smtClean="0"/>
-              <a:t>　リストの先頭要素を返す</a:t>
-            </a:r>
-            <a:endParaRPr lang="en-US" altLang="ja-JP" dirty="0" smtClean="0"/>
-          </a:p>
-          <a:p>
-            <a:pPr marL="82296" indent="0">
-              <a:buNone/>
-            </a:pPr>
-            <a:r>
               <a:rPr lang="en-US" altLang="ja-JP" dirty="0" smtClean="0"/>
-              <a:t>(car ‘(1 2 3))</a:t>
-            </a:r>
-          </a:p>
-          <a:p>
-            <a:pPr marL="82296" indent="0">
-              <a:buNone/>
-            </a:pPr>
-            <a:r>
-              <a:rPr lang="en-US" altLang="ja-JP" dirty="0" smtClean="0"/>
-              <a:t>&gt; 1</a:t>
+              <a:t>(+ 1 2 3)</a:t>
             </a:r>
           </a:p>
           <a:p>
@@ -6109,11 +6444,7 @@
             </a:pPr>
             <a:r>
               <a:rPr lang="ja-JP" altLang="en-US" dirty="0" smtClean="0"/>
-              <a:t>・手続き </a:t>
-            </a:r>
-            <a:r>
-              <a:rPr lang="en-US" altLang="ja-JP" dirty="0" err="1" smtClean="0"/>
-              <a:t>cdr</a:t>
+              <a:t>・データとしてのリストはクオートを付ける</a:t>
             </a:r>
             <a:endParaRPr lang="en-US" altLang="ja-JP" dirty="0" smtClean="0"/>
           </a:p>
@@ -6122,8 +6453,23 @@
               <a:buNone/>
             </a:pPr>
             <a:r>
+              <a:rPr lang="en-US" altLang="ja-JP" dirty="0" smtClean="0"/>
+              <a:t>‘(1 2 3)</a:t>
+            </a:r>
+          </a:p>
+          <a:p>
+            <a:pPr marL="82296" indent="0">
+              <a:buNone/>
+            </a:pPr>
+            <a:endParaRPr lang="en-US" altLang="ja-JP" dirty="0" smtClean="0"/>
+          </a:p>
+          <a:p>
+            <a:pPr marL="82296" indent="0">
+              <a:buNone/>
+            </a:pPr>
+            <a:r>
               <a:rPr lang="ja-JP" altLang="en-US" dirty="0" smtClean="0"/>
-              <a:t>　リストの先頭を除いた残りを返す</a:t>
+              <a:t>例）リストの連結処理</a:t>
             </a:r>
             <a:endParaRPr lang="en-US" altLang="ja-JP" dirty="0" smtClean="0"/>
           </a:p>
@@ -6132,42 +6478,77 @@
               <a:buNone/>
             </a:pPr>
             <a:r>
-              <a:rPr lang="en-US" altLang="ja-JP" dirty="0"/>
-              <a:t>(</a:t>
-            </a:r>
-            <a:r>
-              <a:rPr lang="en-US" altLang="ja-JP" dirty="0" err="1" smtClean="0"/>
-              <a:t>cdr</a:t>
-            </a:r>
+              <a:rPr lang="nl-NL" altLang="ja-JP" dirty="0"/>
+              <a:t>(append '(1 2 3) '(4 5 6))</a:t>
+            </a:r>
+            <a:endParaRPr lang="en-US" altLang="ja-JP" dirty="0"/>
+          </a:p>
+        </p:txBody>
+      </p:sp>
+      <p:sp>
+        <p:nvSpPr>
+          <p:cNvPr id="4" name="角丸四角形吹き出し 3"/>
+          <p:cNvSpPr/>
+          <p:nvPr/>
+        </p:nvSpPr>
+        <p:spPr>
+          <a:xfrm>
+            <a:off x="3995936" y="2564904"/>
+            <a:ext cx="2952328" cy="720080"/>
+          </a:xfrm>
+          <a:prstGeom prst="wedgeRoundRectCallout">
+            <a:avLst>
+              <a:gd name="adj1" fmla="val -62129"/>
+              <a:gd name="adj2" fmla="val -32739"/>
+              <a:gd name="adj3" fmla="val 16667"/>
+            </a:avLst>
+          </a:prstGeom>
+        </p:spPr>
+        <p:style>
+          <a:lnRef idx="2">
+            <a:schemeClr val="accent1">
+              <a:shade val="50000"/>
+            </a:schemeClr>
+          </a:lnRef>
+          <a:fillRef idx="1">
+            <a:schemeClr val="accent1"/>
+          </a:fillRef>
+          <a:effectRef idx="0">
+            <a:schemeClr val="accent1"/>
+          </a:effectRef>
+          <a:fontRef idx="minor">
+            <a:schemeClr val="lt1"/>
+          </a:fontRef>
+        </p:style>
+        <p:txBody>
+          <a:bodyPr rtlCol="0" anchor="ctr"/>
+          <a:lstStyle/>
+          <a:p>
+            <a:pPr algn="ctr"/>
             <a:r>
               <a:rPr lang="en-US" altLang="ja-JP" dirty="0" smtClean="0"/>
-              <a:t> </a:t>
-            </a:r>
-            <a:r>
-              <a:rPr lang="en-US" altLang="ja-JP" dirty="0"/>
-              <a:t>‘(1 2 3))</a:t>
-            </a:r>
-          </a:p>
-          <a:p>
-            <a:pPr marL="82296" indent="0">
-              <a:buNone/>
-            </a:pPr>
-            <a:r>
-              <a:rPr lang="en-US" altLang="ja-JP" dirty="0"/>
-              <a:t>&gt; </a:t>
-            </a:r>
-            <a:r>
-              <a:rPr lang="en-US" altLang="ja-JP" dirty="0" smtClean="0"/>
-              <a:t>(2 3)</a:t>
+              <a:t>Scheme</a:t>
+            </a:r>
+            <a:r>
+              <a:rPr lang="ja-JP" altLang="en-US" dirty="0" smtClean="0"/>
+              <a:t>に</a:t>
             </a:r>
             <a:endParaRPr lang="en-US" altLang="ja-JP" dirty="0" smtClean="0"/>
+          </a:p>
+          <a:p>
+            <a:pPr algn="ctr"/>
+            <a:r>
+              <a:rPr lang="ja-JP" altLang="en-US" dirty="0" smtClean="0"/>
+              <a:t>演算子というものは無いのだよ</a:t>
+            </a:r>
+            <a:endParaRPr kumimoji="1" lang="ja-JP" altLang="en-US" dirty="0"/>
           </a:p>
         </p:txBody>
       </p:sp>
     </p:spTree>
     <p:extLst>
       <p:ext uri="{BB962C8B-B14F-4D97-AF65-F5344CB8AC3E}">
-        <p14:creationId xmlns:p14="http://schemas.microsoft.com/office/powerpoint/2010/main" val="235823119"/>
+        <p14:creationId xmlns:p14="http://schemas.microsoft.com/office/powerpoint/2010/main" val="3513868151"/>
       </p:ext>
     </p:extLst>
   </p:cSld>
@@ -6218,7 +6599,11 @@
           <a:p>
             <a:r>
               <a:rPr kumimoji="1" lang="ja-JP" altLang="en-US" dirty="0" smtClean="0"/>
-              <a:t>ハローワールド</a:t>
+              <a:t>重要な組み込み手続き</a:t>
+            </a:r>
+            <a:r>
+              <a:rPr kumimoji="1" lang="en-US" altLang="ja-JP" dirty="0" smtClean="0"/>
+              <a:t>1</a:t>
             </a:r>
             <a:endParaRPr kumimoji="1" lang="ja-JP" altLang="en-US" dirty="0"/>
           </a:p>
@@ -6250,16 +6635,115 @@
               <a:buNone/>
             </a:pPr>
             <a:r>
+              <a:rPr lang="ja-JP" altLang="en-US" dirty="0" smtClean="0"/>
+              <a:t>・手続き </a:t>
+            </a:r>
+            <a:r>
+              <a:rPr lang="en-US" altLang="ja-JP" dirty="0" smtClean="0"/>
+              <a:t>car</a:t>
+            </a:r>
+          </a:p>
+          <a:p>
+            <a:pPr marL="82296" indent="0">
+              <a:buNone/>
+            </a:pPr>
+            <a:r>
+              <a:rPr lang="ja-JP" altLang="en-US" dirty="0" smtClean="0"/>
+              <a:t>　リストの</a:t>
+            </a:r>
+            <a:r>
+              <a:rPr lang="ja-JP" altLang="en-US" b="1" dirty="0" smtClean="0"/>
+              <a:t>先頭要素</a:t>
+            </a:r>
+            <a:r>
+              <a:rPr lang="ja-JP" altLang="en-US" dirty="0" smtClean="0"/>
+              <a:t>を返す</a:t>
+            </a:r>
+            <a:endParaRPr lang="en-US" altLang="ja-JP" dirty="0" smtClean="0"/>
+          </a:p>
+          <a:p>
+            <a:pPr marL="82296" indent="0">
+              <a:buNone/>
+            </a:pPr>
+            <a:r>
+              <a:rPr lang="en-US" altLang="ja-JP" dirty="0" smtClean="0"/>
+              <a:t>(car ‘(1 2 3))</a:t>
+            </a:r>
+          </a:p>
+          <a:p>
+            <a:pPr marL="82296" indent="0">
+              <a:buNone/>
+            </a:pPr>
+            <a:r>
+              <a:rPr lang="en-US" altLang="ja-JP" dirty="0" smtClean="0"/>
+              <a:t>&gt; 1</a:t>
+            </a:r>
+          </a:p>
+          <a:p>
+            <a:pPr marL="82296" indent="0">
+              <a:buNone/>
+            </a:pPr>
+            <a:endParaRPr lang="en-US" altLang="ja-JP" dirty="0" smtClean="0"/>
+          </a:p>
+          <a:p>
+            <a:pPr marL="82296" indent="0">
+              <a:buNone/>
+            </a:pPr>
+            <a:r>
+              <a:rPr lang="ja-JP" altLang="en-US" dirty="0" smtClean="0"/>
+              <a:t>・手続き </a:t>
+            </a:r>
+            <a:r>
+              <a:rPr lang="en-US" altLang="ja-JP" dirty="0" err="1" smtClean="0"/>
+              <a:t>cdr</a:t>
+            </a:r>
+            <a:endParaRPr lang="en-US" altLang="ja-JP" dirty="0" smtClean="0"/>
+          </a:p>
+          <a:p>
+            <a:pPr marL="82296" indent="0">
+              <a:buNone/>
+            </a:pPr>
+            <a:r>
+              <a:rPr lang="ja-JP" altLang="en-US" dirty="0" smtClean="0"/>
+              <a:t>　リストの先頭を除いた</a:t>
+            </a:r>
+            <a:r>
+              <a:rPr lang="ja-JP" altLang="en-US" dirty="0" smtClean="0"/>
+              <a:t>残りの</a:t>
+            </a:r>
+            <a:r>
+              <a:rPr lang="ja-JP" altLang="en-US" b="1" dirty="0" smtClean="0"/>
+              <a:t>リスト</a:t>
+            </a:r>
+            <a:r>
+              <a:rPr lang="ja-JP" altLang="en-US" dirty="0" smtClean="0"/>
+              <a:t>を</a:t>
+            </a:r>
+            <a:r>
+              <a:rPr lang="ja-JP" altLang="en-US" dirty="0" smtClean="0"/>
+              <a:t>返す</a:t>
+            </a:r>
+            <a:endParaRPr lang="en-US" altLang="ja-JP" dirty="0" smtClean="0"/>
+          </a:p>
+          <a:p>
+            <a:pPr marL="82296" indent="0">
+              <a:buNone/>
+            </a:pPr>
+            <a:r>
               <a:rPr lang="en-US" altLang="ja-JP" dirty="0"/>
-              <a:t>(define (main </a:t>
-            </a:r>
-            <a:r>
-              <a:rPr lang="en-US" altLang="ja-JP" dirty="0" err="1"/>
-              <a:t>args</a:t>
+              <a:t>(</a:t>
+            </a:r>
+            <a:r>
+              <a:rPr lang="en-US" altLang="ja-JP" dirty="0" err="1" smtClean="0"/>
+              <a:t>cdr</a:t>
+            </a:r>
+            <a:r>
+              <a:rPr lang="en-US" altLang="ja-JP" dirty="0" smtClean="0"/>
+              <a:t> </a:t>
             </a:r>
             <a:r>
               <a:rPr lang="en-US" altLang="ja-JP" dirty="0"/>
-              <a:t>)</a:t>
+              <a:t>‘(1 2 3))</a:t>
             </a:r>
           </a:p>
           <a:p>
@@ -6267,38 +6751,20 @@
               <a:buNone/>
             </a:pPr>
             <a:r>
-              <a:rPr lang="ja-JP" altLang="en-US" dirty="0" smtClean="0"/>
-              <a:t>  </a:t>
+              <a:rPr lang="en-US" altLang="ja-JP" dirty="0"/>
+              <a:t>&gt; </a:t>
             </a:r>
             <a:r>
               <a:rPr lang="en-US" altLang="ja-JP" dirty="0" smtClean="0"/>
-              <a:t>(</a:t>
-            </a:r>
-            <a:r>
-              <a:rPr lang="en-US" altLang="ja-JP" dirty="0"/>
-              <a:t>print "Hello, world.")</a:t>
-            </a:r>
-          </a:p>
-          <a:p>
-            <a:pPr marL="82296" indent="0">
-              <a:buNone/>
-            </a:pPr>
-            <a:r>
-              <a:rPr lang="en-US" altLang="ja-JP" dirty="0" smtClean="0"/>
-              <a:t>  0</a:t>
-            </a:r>
-            <a:r>
-              <a:rPr lang="en-US" altLang="ja-JP" dirty="0"/>
-              <a:t>)</a:t>
-            </a:r>
-            <a:endParaRPr lang="en-US" altLang="ja-JP" dirty="0"/>
+              <a:t>(2 3)</a:t>
+            </a:r>
           </a:p>
         </p:txBody>
       </p:sp>
     </p:spTree>
     <p:extLst>
       <p:ext uri="{BB962C8B-B14F-4D97-AF65-F5344CB8AC3E}">
-        <p14:creationId xmlns:p14="http://schemas.microsoft.com/office/powerpoint/2010/main" val="751171923"/>
+        <p14:creationId xmlns:p14="http://schemas.microsoft.com/office/powerpoint/2010/main" val="235823119"/>
       </p:ext>
     </p:extLst>
   </p:cSld>
@@ -6348,8 +6814,12 @@
           <a:lstStyle/>
           <a:p>
             <a:r>
+              <a:rPr kumimoji="1" lang="ja-JP" altLang="en-US" dirty="0" smtClean="0"/>
+              <a:t>重要な組み込み手続き</a:t>
+            </a:r>
+            <a:r>
               <a:rPr kumimoji="1" lang="en-US" altLang="ja-JP" dirty="0" smtClean="0"/>
-              <a:t>Scheme</a:t>
+              <a:t>2</a:t>
             </a:r>
             <a:endParaRPr kumimoji="1" lang="ja-JP" altLang="en-US" dirty="0"/>
           </a:p>
@@ -6381,21 +6851,127 @@
               <a:buNone/>
             </a:pPr>
             <a:r>
+              <a:rPr lang="ja-JP" altLang="en-US" dirty="0" smtClean="0"/>
+              <a:t>・手続き </a:t>
+            </a:r>
+            <a:r>
               <a:rPr lang="en-US" altLang="ja-JP" dirty="0" smtClean="0"/>
-              <a:t>Scheme</a:t>
-            </a:r>
+              <a:t>cons</a:t>
+            </a:r>
+            <a:endParaRPr lang="en-US" altLang="ja-JP" dirty="0" smtClean="0"/>
+          </a:p>
+          <a:p>
+            <a:pPr marL="82296" indent="0">
+              <a:buNone/>
+            </a:pPr>
             <a:r>
               <a:rPr lang="ja-JP" altLang="en-US" dirty="0" smtClean="0"/>
-              <a:t>ではすべてが式であり、プログラムの実行は式の結果を求めることに帰着する。</a:t>
-            </a:r>
-            <a:endParaRPr lang="en-US" altLang="ja-JP" dirty="0"/>
+              <a:t>　</a:t>
+            </a:r>
+            <a:r>
+              <a:rPr lang="ja-JP" altLang="en-US" dirty="0" smtClean="0"/>
+              <a:t>先頭要素と残りのリストを</a:t>
+            </a:r>
+            <a:r>
+              <a:rPr lang="ja-JP" altLang="en-US" dirty="0"/>
+              <a:t>連結</a:t>
+            </a:r>
+            <a:r>
+              <a:rPr lang="ja-JP" altLang="en-US" dirty="0" smtClean="0"/>
+              <a:t>する</a:t>
+            </a:r>
+            <a:endParaRPr lang="en-US" altLang="ja-JP" dirty="0" smtClean="0"/>
+          </a:p>
+          <a:p>
+            <a:pPr marL="82296" indent="0">
+              <a:buNone/>
+            </a:pPr>
+            <a:r>
+              <a:rPr lang="en-US" altLang="ja-JP" dirty="0" smtClean="0"/>
+              <a:t>(</a:t>
+            </a:r>
+            <a:r>
+              <a:rPr lang="en-US" altLang="ja-JP" dirty="0" smtClean="0"/>
+              <a:t>cons 1 ‘(2 </a:t>
+            </a:r>
+            <a:r>
+              <a:rPr lang="en-US" altLang="ja-JP" dirty="0" smtClean="0"/>
+              <a:t>3))</a:t>
+            </a:r>
+          </a:p>
+          <a:p>
+            <a:pPr marL="82296" indent="0">
+              <a:buNone/>
+            </a:pPr>
+            <a:r>
+              <a:rPr lang="en-US" altLang="ja-JP" dirty="0" smtClean="0"/>
+              <a:t>&gt; </a:t>
+            </a:r>
+            <a:r>
+              <a:rPr lang="en-US" altLang="ja-JP" dirty="0" smtClean="0"/>
+              <a:t>(1 2 3)</a:t>
+            </a:r>
+            <a:endParaRPr lang="en-US" altLang="ja-JP" dirty="0" smtClean="0"/>
+          </a:p>
+          <a:p>
+            <a:pPr marL="82296" indent="0">
+              <a:buNone/>
+            </a:pPr>
+            <a:endParaRPr lang="en-US" altLang="ja-JP" dirty="0" smtClean="0"/>
+          </a:p>
+          <a:p>
+            <a:pPr marL="82296" indent="0">
+              <a:buNone/>
+            </a:pPr>
+            <a:r>
+              <a:rPr lang="en-US" altLang="ja-JP" dirty="0" smtClean="0"/>
+              <a:t>(cons (car </a:t>
+            </a:r>
+            <a:r>
+              <a:rPr lang="en-US" altLang="ja-JP" dirty="0" err="1" smtClean="0"/>
+              <a:t>lis</a:t>
+            </a:r>
+            <a:r>
+              <a:rPr lang="en-US" altLang="ja-JP" dirty="0" smtClean="0"/>
+              <a:t>) (</a:t>
+            </a:r>
+            <a:r>
+              <a:rPr lang="en-US" altLang="ja-JP" dirty="0" err="1" smtClean="0"/>
+              <a:t>cdr</a:t>
+            </a:r>
+            <a:r>
+              <a:rPr lang="en-US" altLang="ja-JP" dirty="0" smtClean="0"/>
+              <a:t> </a:t>
+            </a:r>
+            <a:r>
+              <a:rPr lang="en-US" altLang="ja-JP" dirty="0" err="1" smtClean="0"/>
+              <a:t>lis</a:t>
+            </a:r>
+            <a:r>
+              <a:rPr lang="en-US" altLang="ja-JP" dirty="0" smtClean="0"/>
+              <a:t>))</a:t>
+            </a:r>
+          </a:p>
+          <a:p>
+            <a:pPr marL="82296" indent="0">
+              <a:buNone/>
+            </a:pPr>
+            <a:r>
+              <a:rPr lang="en-US" altLang="ja-JP" dirty="0" smtClean="0"/>
+              <a:t>&gt; </a:t>
+            </a:r>
+            <a:r>
+              <a:rPr lang="en-US" altLang="ja-JP" dirty="0" err="1" smtClean="0"/>
+              <a:t>lis</a:t>
+            </a:r>
+            <a:endParaRPr lang="en-US" altLang="ja-JP" dirty="0" smtClean="0"/>
           </a:p>
         </p:txBody>
       </p:sp>
     </p:spTree>
     <p:extLst>
       <p:ext uri="{BB962C8B-B14F-4D97-AF65-F5344CB8AC3E}">
-        <p14:creationId xmlns:p14="http://schemas.microsoft.com/office/powerpoint/2010/main" val="231803112"/>
+        <p14:creationId xmlns:p14="http://schemas.microsoft.com/office/powerpoint/2010/main" val="3029638908"/>
       </p:ext>
     </p:extLst>
   </p:cSld>
@@ -6444,6 +7020,22 @@
           <a:bodyPr/>
           <a:lstStyle/>
           <a:p>
+            <a:r>
+              <a:rPr lang="en-US" altLang="ja-JP" dirty="0" smtClean="0"/>
+              <a:t>Scheme</a:t>
+            </a:r>
+            <a:r>
+              <a:rPr lang="ja-JP" altLang="en-US" dirty="0" err="1" smtClean="0"/>
+              <a:t>での</a:t>
+            </a:r>
+            <a:r>
+              <a:rPr lang="ja-JP" altLang="en-US" dirty="0" smtClean="0"/>
+              <a:t>リストの</a:t>
+            </a:r>
+            <a:r>
+              <a:rPr lang="ja-JP" altLang="en-US" dirty="0"/>
+              <a:t>考え方</a:t>
+            </a:r>
             <a:endParaRPr kumimoji="1" lang="ja-JP" altLang="en-US" dirty="0"/>
           </a:p>
         </p:txBody>
@@ -6460,8 +7052,8 @@
         </p:nvSpPr>
         <p:spPr>
           <a:xfrm>
-            <a:off x="899592" y="1447800"/>
-            <a:ext cx="8136904" cy="4069432"/>
+            <a:off x="971600" y="1124744"/>
+            <a:ext cx="8172400" cy="5544616"/>
           </a:xfrm>
         </p:spPr>
         <p:txBody>
@@ -6470,33 +7062,169 @@
           </a:bodyPr>
           <a:lstStyle/>
           <a:p>
-            <a:pPr marL="82296" indent="0" algn="ctr">
+            <a:pPr marL="82296" indent="0">
               <a:buNone/>
             </a:pPr>
-            <a:endParaRPr kumimoji="1" lang="en-US" altLang="ja-JP" sz="4400" dirty="0" smtClean="0"/>
-          </a:p>
-          <a:p>
-            <a:pPr marL="82296" indent="0" algn="ctr">
+            <a:r>
+              <a:rPr lang="ja-JP" altLang="en-US" dirty="0"/>
+              <a:t>内部的</a:t>
+            </a:r>
+            <a:r>
+              <a:rPr lang="ja-JP" altLang="en-US" dirty="0" smtClean="0"/>
+              <a:t>には</a:t>
+            </a:r>
+            <a:r>
+              <a:rPr lang="en-US" altLang="ja-JP" b="1" dirty="0" smtClean="0"/>
+              <a:t>2</a:t>
+            </a:r>
+            <a:r>
+              <a:rPr lang="ja-JP" altLang="en-US" b="1" dirty="0" err="1" smtClean="0"/>
+              <a:t>つの</a:t>
+            </a:r>
+            <a:r>
+              <a:rPr lang="ja-JP" altLang="en-US" b="1" dirty="0" smtClean="0"/>
+              <a:t>ポインタを持った対の連なり。</a:t>
+            </a:r>
+            <a:endParaRPr lang="en-US" altLang="ja-JP" b="1" dirty="0" smtClean="0"/>
+          </a:p>
+          <a:p>
+            <a:pPr marL="82296" indent="0">
               <a:buNone/>
             </a:pPr>
-            <a:endParaRPr kumimoji="1" lang="en-US" altLang="ja-JP" sz="4400" dirty="0" smtClean="0"/>
-          </a:p>
-          <a:p>
-            <a:pPr marL="82296" indent="0" algn="ctr">
+            <a:r>
+              <a:rPr lang="ja-JP" altLang="en-US" b="1" dirty="0" smtClean="0"/>
+              <a:t>値</a:t>
+            </a:r>
+            <a:r>
+              <a:rPr lang="ja-JP" altLang="en-US" dirty="0" smtClean="0"/>
+              <a:t>そのものと</a:t>
+            </a:r>
+            <a:r>
+              <a:rPr lang="ja-JP" altLang="en-US" b="1" dirty="0" smtClean="0"/>
+              <a:t>次の要素の情報</a:t>
+            </a:r>
+            <a:r>
+              <a:rPr lang="ja-JP" altLang="en-US" dirty="0" smtClean="0"/>
+              <a:t>を持つ</a:t>
+            </a:r>
+            <a:endParaRPr lang="en-US" altLang="ja-JP" dirty="0" smtClean="0"/>
+          </a:p>
+          <a:p>
+            <a:pPr marL="82296" indent="0">
               <a:buNone/>
             </a:pPr>
-            <a:r>
-              <a:rPr kumimoji="1" lang="ja-JP" altLang="en-US" sz="4400" dirty="0" smtClean="0"/>
-              <a:t>前回のおさらい</a:t>
-            </a:r>
-            <a:endParaRPr kumimoji="1" lang="en-US" altLang="ja-JP" sz="4400" dirty="0" smtClean="0"/>
+            <a:endParaRPr lang="en-US" altLang="ja-JP" b="1" dirty="0"/>
+          </a:p>
+          <a:p>
+            <a:pPr marL="82296" indent="0">
+              <a:buNone/>
+            </a:pPr>
+            <a:r>
+              <a:rPr lang="ja-JP" altLang="en-US" dirty="0" smtClean="0"/>
+              <a:t>・最後の</a:t>
+            </a:r>
+            <a:r>
+              <a:rPr lang="en-US" altLang="ja-JP" dirty="0" err="1" smtClean="0"/>
+              <a:t>cdr</a:t>
+            </a:r>
+            <a:r>
+              <a:rPr lang="ja-JP" altLang="en-US" dirty="0" smtClean="0"/>
+              <a:t>部が空リスト：正式なリスト</a:t>
+            </a:r>
+            <a:endParaRPr lang="en-US" altLang="ja-JP" b="1" dirty="0" smtClean="0"/>
+          </a:p>
+          <a:p>
+            <a:pPr marL="82296" indent="0">
+              <a:buNone/>
+            </a:pPr>
+            <a:endParaRPr lang="en-US" altLang="ja-JP" dirty="0" smtClean="0"/>
+          </a:p>
+          <a:p>
+            <a:pPr marL="82296" indent="0">
+              <a:buNone/>
+            </a:pPr>
+            <a:r>
+              <a:rPr lang="ja-JP" altLang="en-US" dirty="0" smtClean="0"/>
+              <a:t>・最後の</a:t>
+            </a:r>
+            <a:r>
+              <a:rPr lang="en-US" altLang="ja-JP" dirty="0" err="1" smtClean="0"/>
+              <a:t>cdr</a:t>
+            </a:r>
+            <a:r>
+              <a:rPr lang="ja-JP" altLang="en-US" dirty="0" smtClean="0"/>
+              <a:t>部が空リストでない：ドットリスト</a:t>
+            </a:r>
+            <a:endParaRPr lang="en-US" altLang="ja-JP" dirty="0" smtClean="0"/>
+          </a:p>
+          <a:p>
+            <a:pPr marL="82296" indent="0">
+              <a:buNone/>
+            </a:pPr>
+            <a:endParaRPr lang="en-US" altLang="ja-JP" dirty="0"/>
+          </a:p>
+          <a:p>
+            <a:pPr marL="82296" indent="0">
+              <a:buNone/>
+            </a:pPr>
+            <a:r>
+              <a:rPr lang="en-US" altLang="ja-JP" sz="2000" dirty="0">
+                <a:hlinkClick r:id="rId2"/>
+              </a:rPr>
+              <a:t>https://</a:t>
+            </a:r>
+            <a:r>
+              <a:rPr lang="en-US" altLang="ja-JP" sz="2000" dirty="0" smtClean="0">
+                <a:hlinkClick r:id="rId2"/>
+              </a:rPr>
+              <a:t>www.shido.info/lisp/scheme3.html</a:t>
+            </a:r>
+            <a:endParaRPr lang="en-US" altLang="ja-JP" sz="2000" dirty="0" smtClean="0"/>
+          </a:p>
+          <a:p>
+            <a:pPr marL="82296" indent="0">
+              <a:buNone/>
+            </a:pPr>
+            <a:endParaRPr lang="en-US" altLang="ja-JP" sz="2000" dirty="0" smtClean="0">
+              <a:hlinkClick r:id="rId3"/>
+            </a:endParaRPr>
+          </a:p>
+          <a:p>
+            <a:pPr marL="82296" indent="0">
+              <a:buNone/>
+            </a:pPr>
+            <a:r>
+              <a:rPr lang="en-US" altLang="ja-JP" sz="2000" dirty="0" smtClean="0">
+                <a:hlinkClick r:id="rId3"/>
+              </a:rPr>
+              <a:t>http</a:t>
+            </a:r>
+            <a:r>
+              <a:rPr lang="en-US" altLang="ja-JP" sz="2000" dirty="0">
+                <a:hlinkClick r:id="rId3"/>
+              </a:rPr>
+              <a:t>://</a:t>
+            </a:r>
+            <a:r>
+              <a:rPr lang="en-US" altLang="ja-JP" sz="2000" dirty="0" smtClean="0">
+                <a:hlinkClick r:id="rId3"/>
+              </a:rPr>
+              <a:t>bach.istc.kobe-u.ac.jp/lect/ProLang/org/lisp-cell.html</a:t>
+            </a:r>
+            <a:endParaRPr lang="en-US" altLang="ja-JP" dirty="0"/>
+          </a:p>
+          <a:p>
+            <a:pPr marL="82296" indent="0">
+              <a:buNone/>
+            </a:pPr>
+            <a:endParaRPr lang="en-US" altLang="ja-JP" b="1" dirty="0" smtClean="0"/>
           </a:p>
         </p:txBody>
       </p:sp>
     </p:spTree>
     <p:extLst>
       <p:ext uri="{BB962C8B-B14F-4D97-AF65-F5344CB8AC3E}">
-        <p14:creationId xmlns:p14="http://schemas.microsoft.com/office/powerpoint/2010/main" val="125130579"/>
+        <p14:creationId xmlns:p14="http://schemas.microsoft.com/office/powerpoint/2010/main" val="1176395678"/>
       </p:ext>
     </p:extLst>
   </p:cSld>
@@ -6546,8 +7274,12 @@
           <a:lstStyle/>
           <a:p>
             <a:r>
-              <a:rPr kumimoji="1" lang="ja-JP" altLang="en-US" dirty="0" smtClean="0"/>
-              <a:t>余談</a:t>
+              <a:rPr kumimoji="1" lang="ja-JP" altLang="en-US" smtClean="0"/>
+              <a:t>ああああ</a:t>
+            </a:r>
+            <a:r>
+              <a:rPr kumimoji="1" lang="en-US" altLang="ja-JP" smtClean="0"/>
+              <a:t>2</a:t>
             </a:r>
             <a:endParaRPr kumimoji="1" lang="ja-JP" altLang="en-US" dirty="0"/>
           </a:p>
@@ -6555,7 +7287,7 @@
       </p:sp>
       <p:sp>
         <p:nvSpPr>
-          <p:cNvPr id="6" name="コンテンツ プレースホルダー 2"/>
+          <p:cNvPr id="3" name="コンテンツ プレースホルダー 2"/>
           <p:cNvSpPr>
             <a:spLocks noGrp="1"/>
           </p:cNvSpPr>
@@ -6565,8 +7297,8 @@
         </p:nvSpPr>
         <p:spPr>
           <a:xfrm>
-            <a:off x="1043608" y="1447800"/>
-            <a:ext cx="7890080" cy="5077544"/>
+            <a:off x="1115616" y="1124744"/>
+            <a:ext cx="7818072" cy="5544616"/>
           </a:xfrm>
         </p:spPr>
         <p:txBody>
@@ -6575,32 +7307,144 @@
           </a:bodyPr>
           <a:lstStyle/>
           <a:p>
-            <a:r>
-              <a:rPr kumimoji="1" lang="ja-JP" altLang="en-US" dirty="0" smtClean="0"/>
-              <a:t>ニコニコ大百科の</a:t>
-            </a:r>
-            <a:r>
-              <a:rPr kumimoji="1" lang="en-US" altLang="ja-JP" dirty="0" smtClean="0"/>
-              <a:t>Lisp</a:t>
-            </a:r>
-            <a:r>
-              <a:rPr kumimoji="1" lang="ja-JP" altLang="en-US" dirty="0" smtClean="0"/>
-              <a:t>の記事が異様に詳しい</a:t>
-            </a:r>
-            <a:endParaRPr lang="en-US" altLang="ja-JP" dirty="0"/>
+            <a:pPr marL="82296" indent="0">
+              <a:buNone/>
+            </a:pPr>
+            <a:r>
+              <a:rPr lang="ja-JP" altLang="en-US" dirty="0" smtClean="0"/>
+              <a:t>・手続き </a:t>
+            </a:r>
+            <a:r>
+              <a:rPr lang="en-US" altLang="ja-JP" dirty="0" smtClean="0"/>
+              <a:t>cons</a:t>
+            </a:r>
+            <a:endParaRPr lang="en-US" altLang="ja-JP" dirty="0" smtClean="0"/>
+          </a:p>
+          <a:p>
+            <a:pPr marL="82296" indent="0">
+              <a:buNone/>
+            </a:pPr>
+            <a:r>
+              <a:rPr lang="ja-JP" altLang="en-US" dirty="0" smtClean="0"/>
+              <a:t>　</a:t>
+            </a:r>
+            <a:r>
+              <a:rPr lang="ja-JP" altLang="en-US" dirty="0" smtClean="0"/>
+              <a:t>先頭要素と残りのリストを</a:t>
+            </a:r>
+            <a:r>
+              <a:rPr lang="ja-JP" altLang="en-US" dirty="0"/>
+              <a:t>連結</a:t>
+            </a:r>
+            <a:r>
+              <a:rPr lang="ja-JP" altLang="en-US" dirty="0" smtClean="0"/>
+              <a:t>する</a:t>
+            </a:r>
+            <a:endParaRPr lang="en-US" altLang="ja-JP" dirty="0" smtClean="0"/>
+          </a:p>
+          <a:p>
+            <a:pPr marL="82296" indent="0">
+              <a:buNone/>
+            </a:pPr>
+            <a:r>
+              <a:rPr lang="en-US" altLang="ja-JP" dirty="0" smtClean="0"/>
+              <a:t>(</a:t>
+            </a:r>
+            <a:r>
+              <a:rPr lang="en-US" altLang="ja-JP" dirty="0" smtClean="0"/>
+              <a:t>cons 1 ‘(2 </a:t>
+            </a:r>
+            <a:r>
+              <a:rPr lang="en-US" altLang="ja-JP" dirty="0" smtClean="0"/>
+              <a:t>3))</a:t>
+            </a:r>
+          </a:p>
+          <a:p>
+            <a:pPr marL="82296" indent="0">
+              <a:buNone/>
+            </a:pPr>
+            <a:r>
+              <a:rPr lang="en-US" altLang="ja-JP" dirty="0" smtClean="0"/>
+              <a:t>&gt; </a:t>
+            </a:r>
+            <a:r>
+              <a:rPr lang="en-US" altLang="ja-JP" dirty="0" smtClean="0"/>
+              <a:t>(1 2 3)</a:t>
+            </a:r>
+            <a:endParaRPr lang="en-US" altLang="ja-JP" dirty="0" smtClean="0"/>
+          </a:p>
+          <a:p>
+            <a:pPr marL="82296" indent="0">
+              <a:buNone/>
+            </a:pPr>
+            <a:endParaRPr lang="en-US" altLang="ja-JP" dirty="0" smtClean="0"/>
+          </a:p>
+          <a:p>
+            <a:pPr marL="82296" indent="0">
+              <a:buNone/>
+            </a:pPr>
+            <a:r>
+              <a:rPr lang="en-US" altLang="ja-JP" dirty="0" smtClean="0"/>
+              <a:t>(cons (car </a:t>
+            </a:r>
+            <a:r>
+              <a:rPr lang="en-US" altLang="ja-JP" dirty="0" err="1" smtClean="0"/>
+              <a:t>lis</a:t>
+            </a:r>
+            <a:r>
+              <a:rPr lang="en-US" altLang="ja-JP" dirty="0" smtClean="0"/>
+              <a:t>) (</a:t>
+            </a:r>
+            <a:r>
+              <a:rPr lang="en-US" altLang="ja-JP" dirty="0" err="1" smtClean="0"/>
+              <a:t>cdr</a:t>
+            </a:r>
+            <a:r>
+              <a:rPr lang="en-US" altLang="ja-JP" dirty="0" smtClean="0"/>
+              <a:t> </a:t>
+            </a:r>
+            <a:r>
+              <a:rPr lang="en-US" altLang="ja-JP" dirty="0" err="1" smtClean="0"/>
+              <a:t>lis</a:t>
+            </a:r>
+            <a:r>
+              <a:rPr lang="en-US" altLang="ja-JP" dirty="0" smtClean="0"/>
+              <a:t>))</a:t>
+            </a:r>
+          </a:p>
+          <a:p>
+            <a:pPr marL="82296" indent="0">
+              <a:buNone/>
+            </a:pPr>
+            <a:r>
+              <a:rPr lang="en-US" altLang="ja-JP" dirty="0" smtClean="0"/>
+              <a:t>&gt; </a:t>
+            </a:r>
+            <a:r>
+              <a:rPr lang="en-US" altLang="ja-JP" dirty="0" err="1" smtClean="0"/>
+              <a:t>lis</a:t>
+            </a:r>
+            <a:endParaRPr lang="en-US" altLang="ja-JP" dirty="0" smtClean="0"/>
           </a:p>
         </p:txBody>
       </p:sp>
     </p:spTree>
     <p:extLst>
       <p:ext uri="{BB962C8B-B14F-4D97-AF65-F5344CB8AC3E}">
-        <p14:creationId xmlns:p14="http://schemas.microsoft.com/office/powerpoint/2010/main" val="3823870900"/>
+        <p14:creationId xmlns:p14="http://schemas.microsoft.com/office/powerpoint/2010/main" val="1964440084"/>
       </p:ext>
     </p:extLst>
   </p:cSld>
   <p:clrMapOvr>
     <a:masterClrMapping/>
   </p:clrMapOvr>
+  <p:timing>
+    <p:tnLst>
+      <p:par>
+        <p:cTn id="1" dur="indefinite" restart="never" nodeType="tmRoot"/>
+      </p:par>
+    </p:tnLst>
+  </p:timing>
 </p:sld>
 </file>
 
@@ -6623,64 +7467,114 @@
       </p:grpSpPr>
       <p:sp>
         <p:nvSpPr>
-          <p:cNvPr id="3" name="コンテンツ プレースホルダー 2"/>
-          <p:cNvSpPr>
-            <a:spLocks noGrp="1"/>
-          </p:cNvSpPr>
-          <p:nvPr>
-            <p:ph idx="1"/>
-          </p:nvPr>
-        </p:nvSpPr>
-        <p:spPr>
-          <a:xfrm>
-            <a:off x="1435608" y="3068960"/>
-            <a:ext cx="7498080" cy="3179440"/>
-          </a:xfrm>
-        </p:spPr>
+          <p:cNvPr id="2" name="タイトル 1"/>
+          <p:cNvSpPr>
+            <a:spLocks noGrp="1"/>
+          </p:cNvSpPr>
+          <p:nvPr>
+            <p:ph type="title"/>
+          </p:nvPr>
+        </p:nvSpPr>
+        <p:spPr/>
         <p:txBody>
           <a:bodyPr/>
           <a:lstStyle/>
           <a:p>
+            <a:r>
+              <a:rPr kumimoji="1" lang="ja-JP" altLang="en-US" dirty="0" smtClean="0"/>
+              <a:t>ハローワールド</a:t>
+            </a:r>
+            <a:endParaRPr kumimoji="1" lang="ja-JP" altLang="en-US" dirty="0"/>
+          </a:p>
+        </p:txBody>
+      </p:sp>
+      <p:sp>
+        <p:nvSpPr>
+          <p:cNvPr id="3" name="コンテンツ プレースホルダー 2"/>
+          <p:cNvSpPr>
+            <a:spLocks noGrp="1"/>
+          </p:cNvSpPr>
+          <p:nvPr>
+            <p:ph idx="1"/>
+          </p:nvPr>
+        </p:nvSpPr>
+        <p:spPr>
+          <a:xfrm>
+            <a:off x="1115616" y="1124744"/>
+            <a:ext cx="7818072" cy="5544616"/>
+          </a:xfrm>
+        </p:spPr>
+        <p:txBody>
+          <a:bodyPr>
+            <a:normAutofit/>
+          </a:bodyPr>
+          <a:lstStyle/>
+          <a:p>
             <a:pPr marL="82296" indent="0">
               <a:buNone/>
             </a:pPr>
             <a:r>
-              <a:rPr kumimoji="1" lang="ja-JP" altLang="en-US" dirty="0" smtClean="0"/>
-              <a:t>ご清聴ありがとうございました</a:t>
-            </a:r>
-            <a:endParaRPr kumimoji="1" lang="ja-JP" altLang="en-US" dirty="0"/>
-          </a:p>
-        </p:txBody>
-      </p:sp>
-      <p:sp>
-        <p:nvSpPr>
-          <p:cNvPr id="4" name="タイトル 3"/>
-          <p:cNvSpPr>
-            <a:spLocks noGrp="1"/>
-          </p:cNvSpPr>
-          <p:nvPr>
-            <p:ph type="title"/>
-          </p:nvPr>
-        </p:nvSpPr>
-        <p:spPr/>
-        <p:txBody>
-          <a:bodyPr/>
-          <a:lstStyle/>
-          <a:p>
-            <a:endParaRPr kumimoji="1" lang="ja-JP" altLang="en-US"/>
+              <a:rPr lang="en-US" altLang="ja-JP" dirty="0"/>
+              <a:t>(define (main </a:t>
+            </a:r>
+            <a:r>
+              <a:rPr lang="en-US" altLang="ja-JP" dirty="0" err="1"/>
+              <a:t>args</a:t>
+            </a:r>
+            <a:r>
+              <a:rPr lang="en-US" altLang="ja-JP" dirty="0"/>
+              <a:t>)</a:t>
+            </a:r>
+          </a:p>
+          <a:p>
+            <a:pPr marL="82296" indent="0">
+              <a:buNone/>
+            </a:pPr>
+            <a:r>
+              <a:rPr lang="ja-JP" altLang="en-US" dirty="0" smtClean="0"/>
+              <a:t>  </a:t>
+            </a:r>
+            <a:r>
+              <a:rPr lang="en-US" altLang="ja-JP" dirty="0" smtClean="0"/>
+              <a:t>(</a:t>
+            </a:r>
+            <a:r>
+              <a:rPr lang="en-US" altLang="ja-JP" dirty="0"/>
+              <a:t>print "Hello, world.")</a:t>
+            </a:r>
+          </a:p>
+          <a:p>
+            <a:pPr marL="82296" indent="0">
+              <a:buNone/>
+            </a:pPr>
+            <a:r>
+              <a:rPr lang="en-US" altLang="ja-JP" dirty="0" smtClean="0"/>
+              <a:t>  0</a:t>
+            </a:r>
+            <a:r>
+              <a:rPr lang="en-US" altLang="ja-JP" dirty="0"/>
+              <a:t>)</a:t>
+            </a:r>
           </a:p>
         </p:txBody>
       </p:sp>
     </p:spTree>
     <p:extLst>
       <p:ext uri="{BB962C8B-B14F-4D97-AF65-F5344CB8AC3E}">
-        <p14:creationId xmlns:p14="http://schemas.microsoft.com/office/powerpoint/2010/main" val="2805364914"/>
+        <p14:creationId xmlns:p14="http://schemas.microsoft.com/office/powerpoint/2010/main" val="751171923"/>
       </p:ext>
     </p:extLst>
   </p:cSld>
   <p:clrMapOvr>
     <a:masterClrMapping/>
   </p:clrMapOvr>
+  <p:timing>
+    <p:tnLst>
+      <p:par>
+        <p:cTn id="1" dur="indefinite" restart="never" nodeType="tmRoot"/>
+      </p:par>
+    </p:tnLst>
+  </p:timing>
 </p:sld>
 </file>
 
@@ -6785,6 +7679,375 @@
 </p:sld>
 </file>
 
+<file path=ppt/slides/slide20.xml><?xml version="1.0" encoding="utf-8"?>
+<p:sld xmlns:a="http://schemas.openxmlformats.org/drawingml/2006/main" xmlns:r="http://schemas.openxmlformats.org/officeDocument/2006/relationships" xmlns:p="http://schemas.openxmlformats.org/presentationml/2006/main">
+  <p:cSld>
+    <p:spTree>
+      <p:nvGrpSpPr>
+        <p:cNvPr id="1" name=""/>
+        <p:cNvGrpSpPr/>
+        <p:nvPr/>
+      </p:nvGrpSpPr>
+      <p:grpSpPr>
+        <a:xfrm>
+          <a:off x="0" y="0"/>
+          <a:ext cx="0" cy="0"/>
+          <a:chOff x="0" y="0"/>
+          <a:chExt cx="0" cy="0"/>
+        </a:xfrm>
+      </p:grpSpPr>
+      <p:sp>
+        <p:nvSpPr>
+          <p:cNvPr id="2" name="タイトル 1"/>
+          <p:cNvSpPr>
+            <a:spLocks noGrp="1"/>
+          </p:cNvSpPr>
+          <p:nvPr>
+            <p:ph type="title"/>
+          </p:nvPr>
+        </p:nvSpPr>
+        <p:spPr/>
+        <p:txBody>
+          <a:bodyPr/>
+          <a:lstStyle/>
+          <a:p>
+            <a:r>
+              <a:rPr kumimoji="1" lang="en-US" altLang="ja-JP" dirty="0" smtClean="0"/>
+              <a:t>Scheme</a:t>
+            </a:r>
+            <a:endParaRPr kumimoji="1" lang="ja-JP" altLang="en-US" dirty="0"/>
+          </a:p>
+        </p:txBody>
+      </p:sp>
+      <p:sp>
+        <p:nvSpPr>
+          <p:cNvPr id="3" name="コンテンツ プレースホルダー 2"/>
+          <p:cNvSpPr>
+            <a:spLocks noGrp="1"/>
+          </p:cNvSpPr>
+          <p:nvPr>
+            <p:ph idx="1"/>
+          </p:nvPr>
+        </p:nvSpPr>
+        <p:spPr>
+          <a:xfrm>
+            <a:off x="1115616" y="1124744"/>
+            <a:ext cx="7818072" cy="5544616"/>
+          </a:xfrm>
+        </p:spPr>
+        <p:txBody>
+          <a:bodyPr>
+            <a:normAutofit/>
+          </a:bodyPr>
+          <a:lstStyle/>
+          <a:p>
+            <a:pPr marL="82296" indent="0">
+              <a:buNone/>
+            </a:pPr>
+            <a:r>
+              <a:rPr lang="en-US" altLang="ja-JP" dirty="0" smtClean="0"/>
+              <a:t>Scheme</a:t>
+            </a:r>
+            <a:r>
+              <a:rPr lang="ja-JP" altLang="en-US" dirty="0" smtClean="0"/>
+              <a:t>ではすべてが式であり、プログラムの実行は式の結果を求めることに帰着する。</a:t>
+            </a:r>
+            <a:endParaRPr lang="en-US" altLang="ja-JP" dirty="0"/>
+          </a:p>
+        </p:txBody>
+      </p:sp>
+    </p:spTree>
+    <p:extLst>
+      <p:ext uri="{BB962C8B-B14F-4D97-AF65-F5344CB8AC3E}">
+        <p14:creationId xmlns:p14="http://schemas.microsoft.com/office/powerpoint/2010/main" val="231803112"/>
+      </p:ext>
+    </p:extLst>
+  </p:cSld>
+  <p:clrMapOvr>
+    <a:masterClrMapping/>
+  </p:clrMapOvr>
+  <p:timing>
+    <p:tnLst>
+      <p:par>
+        <p:cTn id="1" dur="indefinite" restart="never" nodeType="tmRoot"/>
+      </p:par>
+    </p:tnLst>
+  </p:timing>
+</p:sld>
+</file>
+
+<file path=ppt/slides/slide21.xml><?xml version="1.0" encoding="utf-8"?>
+<p:sld xmlns:a="http://schemas.openxmlformats.org/drawingml/2006/main" xmlns:r="http://schemas.openxmlformats.org/officeDocument/2006/relationships" xmlns:p="http://schemas.openxmlformats.org/presentationml/2006/main">
+  <p:cSld>
+    <p:spTree>
+      <p:nvGrpSpPr>
+        <p:cNvPr id="1" name=""/>
+        <p:cNvGrpSpPr/>
+        <p:nvPr/>
+      </p:nvGrpSpPr>
+      <p:grpSpPr>
+        <a:xfrm>
+          <a:off x="0" y="0"/>
+          <a:ext cx="0" cy="0"/>
+          <a:chOff x="0" y="0"/>
+          <a:chExt cx="0" cy="0"/>
+        </a:xfrm>
+      </p:grpSpPr>
+      <p:sp>
+        <p:nvSpPr>
+          <p:cNvPr id="2" name="タイトル 1"/>
+          <p:cNvSpPr>
+            <a:spLocks noGrp="1"/>
+          </p:cNvSpPr>
+          <p:nvPr>
+            <p:ph type="title"/>
+          </p:nvPr>
+        </p:nvSpPr>
+        <p:spPr/>
+        <p:txBody>
+          <a:bodyPr/>
+          <a:lstStyle/>
+          <a:p>
+            <a:endParaRPr kumimoji="1" lang="ja-JP" altLang="en-US" dirty="0"/>
+          </a:p>
+        </p:txBody>
+      </p:sp>
+      <p:sp>
+        <p:nvSpPr>
+          <p:cNvPr id="3" name="コンテンツ プレースホルダー 2"/>
+          <p:cNvSpPr>
+            <a:spLocks noGrp="1"/>
+          </p:cNvSpPr>
+          <p:nvPr>
+            <p:ph idx="1"/>
+          </p:nvPr>
+        </p:nvSpPr>
+        <p:spPr>
+          <a:xfrm>
+            <a:off x="899592" y="1447800"/>
+            <a:ext cx="8136904" cy="4069432"/>
+          </a:xfrm>
+        </p:spPr>
+        <p:txBody>
+          <a:bodyPr>
+            <a:normAutofit/>
+          </a:bodyPr>
+          <a:lstStyle/>
+          <a:p>
+            <a:pPr marL="82296" indent="0" algn="ctr">
+              <a:buNone/>
+            </a:pPr>
+            <a:endParaRPr kumimoji="1" lang="en-US" altLang="ja-JP" sz="4400" dirty="0" smtClean="0"/>
+          </a:p>
+          <a:p>
+            <a:pPr marL="82296" indent="0" algn="ctr">
+              <a:buNone/>
+            </a:pPr>
+            <a:endParaRPr kumimoji="1" lang="en-US" altLang="ja-JP" sz="4400" dirty="0" smtClean="0"/>
+          </a:p>
+          <a:p>
+            <a:pPr marL="82296" indent="0" algn="ctr">
+              <a:buNone/>
+            </a:pPr>
+            <a:r>
+              <a:rPr kumimoji="1" lang="ja-JP" altLang="en-US" sz="4400" dirty="0" smtClean="0"/>
+              <a:t>前回のおさらい</a:t>
+            </a:r>
+            <a:endParaRPr kumimoji="1" lang="en-US" altLang="ja-JP" sz="4400" dirty="0" smtClean="0"/>
+          </a:p>
+        </p:txBody>
+      </p:sp>
+    </p:spTree>
+    <p:extLst>
+      <p:ext uri="{BB962C8B-B14F-4D97-AF65-F5344CB8AC3E}">
+        <p14:creationId xmlns:p14="http://schemas.microsoft.com/office/powerpoint/2010/main" val="125130579"/>
+      </p:ext>
+    </p:extLst>
+  </p:cSld>
+  <p:clrMapOvr>
+    <a:masterClrMapping/>
+  </p:clrMapOvr>
+  <p:timing>
+    <p:tnLst>
+      <p:par>
+        <p:cTn id="1" dur="indefinite" restart="never" nodeType="tmRoot"/>
+      </p:par>
+    </p:tnLst>
+  </p:timing>
+</p:sld>
+</file>
+
+<file path=ppt/slides/slide22.xml><?xml version="1.0" encoding="utf-8"?>
+<p:sld xmlns:a="http://schemas.openxmlformats.org/drawingml/2006/main" xmlns:r="http://schemas.openxmlformats.org/officeDocument/2006/relationships" xmlns:p="http://schemas.openxmlformats.org/presentationml/2006/main">
+  <p:cSld>
+    <p:spTree>
+      <p:nvGrpSpPr>
+        <p:cNvPr id="1" name=""/>
+        <p:cNvGrpSpPr/>
+        <p:nvPr/>
+      </p:nvGrpSpPr>
+      <p:grpSpPr>
+        <a:xfrm>
+          <a:off x="0" y="0"/>
+          <a:ext cx="0" cy="0"/>
+          <a:chOff x="0" y="0"/>
+          <a:chExt cx="0" cy="0"/>
+        </a:xfrm>
+      </p:grpSpPr>
+      <p:sp>
+        <p:nvSpPr>
+          <p:cNvPr id="2" name="タイトル 1"/>
+          <p:cNvSpPr>
+            <a:spLocks noGrp="1"/>
+          </p:cNvSpPr>
+          <p:nvPr>
+            <p:ph type="title"/>
+          </p:nvPr>
+        </p:nvSpPr>
+        <p:spPr/>
+        <p:txBody>
+          <a:bodyPr/>
+          <a:lstStyle/>
+          <a:p>
+            <a:r>
+              <a:rPr kumimoji="1" lang="ja-JP" altLang="en-US" dirty="0" smtClean="0"/>
+              <a:t>余談</a:t>
+            </a:r>
+            <a:endParaRPr kumimoji="1" lang="ja-JP" altLang="en-US" dirty="0"/>
+          </a:p>
+        </p:txBody>
+      </p:sp>
+      <p:sp>
+        <p:nvSpPr>
+          <p:cNvPr id="6" name="コンテンツ プレースホルダー 2"/>
+          <p:cNvSpPr>
+            <a:spLocks noGrp="1"/>
+          </p:cNvSpPr>
+          <p:nvPr>
+            <p:ph idx="1"/>
+          </p:nvPr>
+        </p:nvSpPr>
+        <p:spPr>
+          <a:xfrm>
+            <a:off x="1043608" y="1447800"/>
+            <a:ext cx="7890080" cy="5077544"/>
+          </a:xfrm>
+        </p:spPr>
+        <p:txBody>
+          <a:bodyPr>
+            <a:normAutofit/>
+          </a:bodyPr>
+          <a:lstStyle/>
+          <a:p>
+            <a:r>
+              <a:rPr kumimoji="1" lang="ja-JP" altLang="en-US" dirty="0" smtClean="0"/>
+              <a:t>ニコニコ大百科の</a:t>
+            </a:r>
+            <a:r>
+              <a:rPr kumimoji="1" lang="en-US" altLang="ja-JP" dirty="0" smtClean="0"/>
+              <a:t>Lisp</a:t>
+            </a:r>
+            <a:r>
+              <a:rPr kumimoji="1" lang="ja-JP" altLang="en-US" dirty="0" smtClean="0"/>
+              <a:t>の記事が異様に詳しい</a:t>
+            </a:r>
+            <a:endParaRPr lang="en-US" altLang="ja-JP" dirty="0"/>
+          </a:p>
+        </p:txBody>
+      </p:sp>
+    </p:spTree>
+    <p:extLst>
+      <p:ext uri="{BB962C8B-B14F-4D97-AF65-F5344CB8AC3E}">
+        <p14:creationId xmlns:p14="http://schemas.microsoft.com/office/powerpoint/2010/main" val="3823870900"/>
+      </p:ext>
+    </p:extLst>
+  </p:cSld>
+  <p:clrMapOvr>
+    <a:masterClrMapping/>
+  </p:clrMapOvr>
+</p:sld>
+</file>
+
+<file path=ppt/slides/slide23.xml><?xml version="1.0" encoding="utf-8"?>
+<p:sld xmlns:a="http://schemas.openxmlformats.org/drawingml/2006/main" xmlns:r="http://schemas.openxmlformats.org/officeDocument/2006/relationships" xmlns:p="http://schemas.openxmlformats.org/presentationml/2006/main">
+  <p:cSld>
+    <p:spTree>
+      <p:nvGrpSpPr>
+        <p:cNvPr id="1" name=""/>
+        <p:cNvGrpSpPr/>
+        <p:nvPr/>
+      </p:nvGrpSpPr>
+      <p:grpSpPr>
+        <a:xfrm>
+          <a:off x="0" y="0"/>
+          <a:ext cx="0" cy="0"/>
+          <a:chOff x="0" y="0"/>
+          <a:chExt cx="0" cy="0"/>
+        </a:xfrm>
+      </p:grpSpPr>
+      <p:sp>
+        <p:nvSpPr>
+          <p:cNvPr id="3" name="コンテンツ プレースホルダー 2"/>
+          <p:cNvSpPr>
+            <a:spLocks noGrp="1"/>
+          </p:cNvSpPr>
+          <p:nvPr>
+            <p:ph idx="1"/>
+          </p:nvPr>
+        </p:nvSpPr>
+        <p:spPr>
+          <a:xfrm>
+            <a:off x="1435608" y="3068960"/>
+            <a:ext cx="7498080" cy="3179440"/>
+          </a:xfrm>
+        </p:spPr>
+        <p:txBody>
+          <a:bodyPr/>
+          <a:lstStyle/>
+          <a:p>
+            <a:pPr marL="82296" indent="0">
+              <a:buNone/>
+            </a:pPr>
+            <a:r>
+              <a:rPr kumimoji="1" lang="ja-JP" altLang="en-US" dirty="0" smtClean="0"/>
+              <a:t>ご清聴ありがとうございました</a:t>
+            </a:r>
+            <a:endParaRPr kumimoji="1" lang="ja-JP" altLang="en-US" dirty="0"/>
+          </a:p>
+        </p:txBody>
+      </p:sp>
+      <p:sp>
+        <p:nvSpPr>
+          <p:cNvPr id="4" name="タイトル 3"/>
+          <p:cNvSpPr>
+            <a:spLocks noGrp="1"/>
+          </p:cNvSpPr>
+          <p:nvPr>
+            <p:ph type="title"/>
+          </p:nvPr>
+        </p:nvSpPr>
+        <p:spPr/>
+        <p:txBody>
+          <a:bodyPr/>
+          <a:lstStyle/>
+          <a:p>
+            <a:endParaRPr kumimoji="1" lang="ja-JP" altLang="en-US"/>
+          </a:p>
+        </p:txBody>
+      </p:sp>
+    </p:spTree>
+    <p:extLst>
+      <p:ext uri="{BB962C8B-B14F-4D97-AF65-F5344CB8AC3E}">
+        <p14:creationId xmlns:p14="http://schemas.microsoft.com/office/powerpoint/2010/main" val="2805364914"/>
+      </p:ext>
+    </p:extLst>
+  </p:cSld>
+  <p:clrMapOvr>
+    <a:masterClrMapping/>
+  </p:clrMapOvr>
+</p:sld>
+</file>
+
 <file path=ppt/slides/slide3.xml><?xml version="1.0" encoding="utf-8"?>
 <p:sld xmlns:a="http://schemas.openxmlformats.org/drawingml/2006/main" xmlns:r="http://schemas.openxmlformats.org/officeDocument/2006/relationships" xmlns:p="http://schemas.openxmlformats.org/presentationml/2006/main">
   <p:cSld>
@@ -6874,11 +8137,7 @@
             </a:r>
             <a:r>
               <a:rPr lang="ja-JP" altLang="en-US" dirty="0" smtClean="0"/>
-              <a:t>で記述する</a:t>
-            </a:r>
-            <a:r>
-              <a:rPr lang="ja-JP" altLang="en-US" dirty="0" smtClean="0"/>
-              <a:t>。</a:t>
+              <a:t>で記述する。</a:t>
             </a:r>
             <a:endParaRPr lang="en-US" altLang="ja-JP" dirty="0" smtClean="0"/>
           </a:p>
@@ -7527,11 +8786,7 @@
             </a:r>
             <a:r>
               <a:rPr lang="ja-JP" altLang="en-US" sz="2000" strike="sngStrike" dirty="0" smtClean="0"/>
-              <a:t>アホ</a:t>
-            </a:r>
-            <a:r>
-              <a:rPr lang="ja-JP" altLang="en-US" sz="2000" strike="sngStrike" dirty="0" smtClean="0"/>
-              <a:t>みたいな括弧の山</a:t>
+              <a:t>アホみたいな括弧の山</a:t>
             </a:r>
             <a:r>
               <a:rPr lang="en-US" altLang="ja-JP" sz="2000" strike="sngStrike" dirty="0" smtClean="0"/>
@@ -7550,11 +8805,7 @@
             </a:pPr>
             <a:r>
               <a:rPr lang="ja-JP" altLang="en-US" dirty="0" smtClean="0"/>
-              <a:t>・</a:t>
-            </a:r>
-            <a:r>
-              <a:rPr lang="ja-JP" altLang="en-US" dirty="0" smtClean="0"/>
-              <a:t>現在使われる高級言語では</a:t>
+              <a:t>・現在使われる高級言語では</a:t>
             </a:r>
             <a:endParaRPr lang="en-US" altLang="ja-JP" dirty="0" smtClean="0"/>
           </a:p>

--- a/scheme.pptx
+++ b/scheme.pptx
@@ -7,27 +7,32 @@
   <p:sldIdLst>
     <p:sldId id="256" r:id="rId2"/>
     <p:sldId id="320" r:id="rId3"/>
-    <p:sldId id="324" r:id="rId4"/>
-    <p:sldId id="310" r:id="rId5"/>
-    <p:sldId id="321" r:id="rId6"/>
-    <p:sldId id="323" r:id="rId7"/>
-    <p:sldId id="325" r:id="rId8"/>
-    <p:sldId id="327" r:id="rId9"/>
-    <p:sldId id="333" r:id="rId10"/>
+    <p:sldId id="340" r:id="rId4"/>
+    <p:sldId id="324" r:id="rId5"/>
+    <p:sldId id="310" r:id="rId6"/>
+    <p:sldId id="321" r:id="rId7"/>
+    <p:sldId id="323" r:id="rId8"/>
+    <p:sldId id="325" r:id="rId9"/>
+    <p:sldId id="327" r:id="rId10"/>
     <p:sldId id="339" r:id="rId11"/>
     <p:sldId id="326" r:id="rId12"/>
     <p:sldId id="330" r:id="rId13"/>
     <p:sldId id="331" r:id="rId14"/>
-    <p:sldId id="334" r:id="rId15"/>
-    <p:sldId id="335" r:id="rId16"/>
-    <p:sldId id="336" r:id="rId17"/>
-    <p:sldId id="337" r:id="rId18"/>
-    <p:sldId id="338" r:id="rId19"/>
-    <p:sldId id="329" r:id="rId20"/>
-    <p:sldId id="332" r:id="rId21"/>
-    <p:sldId id="322" r:id="rId22"/>
-    <p:sldId id="328" r:id="rId23"/>
-    <p:sldId id="276" r:id="rId24"/>
+    <p:sldId id="332" r:id="rId15"/>
+    <p:sldId id="341" r:id="rId16"/>
+    <p:sldId id="343" r:id="rId17"/>
+    <p:sldId id="344" r:id="rId18"/>
+    <p:sldId id="347" r:id="rId19"/>
+    <p:sldId id="342" r:id="rId20"/>
+    <p:sldId id="334" r:id="rId21"/>
+    <p:sldId id="335" r:id="rId22"/>
+    <p:sldId id="336" r:id="rId23"/>
+    <p:sldId id="337" r:id="rId24"/>
+    <p:sldId id="338" r:id="rId25"/>
+    <p:sldId id="329" r:id="rId26"/>
+    <p:sldId id="322" r:id="rId27"/>
+    <p:sldId id="328" r:id="rId28"/>
+    <p:sldId id="276" r:id="rId29"/>
   </p:sldIdLst>
   <p:sldSz cx="9144000" cy="6858000" type="screen4x3"/>
   <p:notesSz cx="6858000" cy="9144000"/>
@@ -279,7 +284,7 @@
           <a:p>
             <a:fld id="{39378AC4-C49C-4159-B332-7738B007311C}" type="datetimeFigureOut">
               <a:rPr kumimoji="1" lang="ja-JP" altLang="en-US" smtClean="0"/>
-              <a:t>2016/8/26</a:t>
+              <a:t>2016/9/1</a:t>
             </a:fld>
             <a:endParaRPr kumimoji="1" lang="ja-JP" altLang="en-US"/>
           </a:p>
@@ -624,7 +629,7 @@
           <a:p>
             <a:fld id="{39378AC4-C49C-4159-B332-7738B007311C}" type="datetimeFigureOut">
               <a:rPr kumimoji="1" lang="ja-JP" altLang="en-US" smtClean="0"/>
-              <a:t>2016/8/26</a:t>
+              <a:t>2016/9/1</a:t>
             </a:fld>
             <a:endParaRPr kumimoji="1" lang="ja-JP" altLang="en-US"/>
           </a:p>
@@ -841,7 +846,7 @@
           <a:p>
             <a:fld id="{39378AC4-C49C-4159-B332-7738B007311C}" type="datetimeFigureOut">
               <a:rPr kumimoji="1" lang="ja-JP" altLang="en-US" smtClean="0"/>
-              <a:t>2016/8/26</a:t>
+              <a:t>2016/9/1</a:t>
             </a:fld>
             <a:endParaRPr kumimoji="1" lang="ja-JP" altLang="en-US"/>
           </a:p>
@@ -1048,7 +1053,7 @@
           <a:p>
             <a:fld id="{39378AC4-C49C-4159-B332-7738B007311C}" type="datetimeFigureOut">
               <a:rPr kumimoji="1" lang="ja-JP" altLang="en-US" smtClean="0"/>
-              <a:t>2016/8/26</a:t>
+              <a:t>2016/9/1</a:t>
             </a:fld>
             <a:endParaRPr kumimoji="1" lang="ja-JP" altLang="en-US"/>
           </a:p>
@@ -1316,7 +1321,7 @@
           <a:p>
             <a:fld id="{39378AC4-C49C-4159-B332-7738B007311C}" type="datetimeFigureOut">
               <a:rPr kumimoji="1" lang="ja-JP" altLang="en-US" smtClean="0"/>
-              <a:t>2016/8/26</a:t>
+              <a:t>2016/9/1</a:t>
             </a:fld>
             <a:endParaRPr kumimoji="1" lang="ja-JP" altLang="en-US"/>
           </a:p>
@@ -1848,7 +1853,7 @@
           <a:p>
             <a:fld id="{39378AC4-C49C-4159-B332-7738B007311C}" type="datetimeFigureOut">
               <a:rPr kumimoji="1" lang="ja-JP" altLang="en-US" smtClean="0"/>
-              <a:t>2016/8/26</a:t>
+              <a:t>2016/9/1</a:t>
             </a:fld>
             <a:endParaRPr kumimoji="1" lang="ja-JP" altLang="en-US"/>
           </a:p>
@@ -2401,7 +2406,7 @@
           <a:p>
             <a:fld id="{39378AC4-C49C-4159-B332-7738B007311C}" type="datetimeFigureOut">
               <a:rPr kumimoji="1" lang="ja-JP" altLang="en-US" smtClean="0"/>
-              <a:t>2016/8/26</a:t>
+              <a:t>2016/9/1</a:t>
             </a:fld>
             <a:endParaRPr kumimoji="1" lang="ja-JP" altLang="en-US"/>
           </a:p>
@@ -2527,7 +2532,7 @@
           <a:p>
             <a:fld id="{39378AC4-C49C-4159-B332-7738B007311C}" type="datetimeFigureOut">
               <a:rPr kumimoji="1" lang="ja-JP" altLang="en-US" smtClean="0"/>
-              <a:t>2016/8/26</a:t>
+              <a:t>2016/9/1</a:t>
             </a:fld>
             <a:endParaRPr kumimoji="1" lang="ja-JP" altLang="en-US"/>
           </a:p>
@@ -2671,7 +2676,7 @@
           <a:p>
             <a:fld id="{39378AC4-C49C-4159-B332-7738B007311C}" type="datetimeFigureOut">
               <a:rPr kumimoji="1" lang="ja-JP" altLang="en-US" smtClean="0"/>
-              <a:t>2016/8/26</a:t>
+              <a:t>2016/9/1</a:t>
             </a:fld>
             <a:endParaRPr kumimoji="1" lang="ja-JP" altLang="en-US"/>
           </a:p>
@@ -3025,7 +3030,7 @@
           <a:p>
             <a:fld id="{39378AC4-C49C-4159-B332-7738B007311C}" type="datetimeFigureOut">
               <a:rPr kumimoji="1" lang="ja-JP" altLang="en-US" smtClean="0"/>
-              <a:t>2016/8/26</a:t>
+              <a:t>2016/9/1</a:t>
             </a:fld>
             <a:endParaRPr kumimoji="1" lang="ja-JP" altLang="en-US"/>
           </a:p>
@@ -3159,7 +3164,7 @@
           <a:p>
             <a:fld id="{39378AC4-C49C-4159-B332-7738B007311C}" type="datetimeFigureOut">
               <a:rPr kumimoji="1" lang="ja-JP" altLang="en-US" smtClean="0"/>
-              <a:t>2016/8/26</a:t>
+              <a:t>2016/9/1</a:t>
             </a:fld>
             <a:endParaRPr kumimoji="1" lang="ja-JP" altLang="en-US"/>
           </a:p>
@@ -3972,7 +3977,7 @@
           <a:p>
             <a:fld id="{39378AC4-C49C-4159-B332-7738B007311C}" type="datetimeFigureOut">
               <a:rPr kumimoji="1" lang="ja-JP" altLang="en-US" smtClean="0"/>
-              <a:t>2016/8/26</a:t>
+              <a:t>2016/9/1</a:t>
             </a:fld>
             <a:endParaRPr kumimoji="1" lang="ja-JP" altLang="en-US"/>
           </a:p>
@@ -4571,8 +4576,13 @@
                 <a:ea typeface="Meiryo UI" panose="020B0604030504040204" pitchFamily="50" charset="-128"/>
                 <a:cs typeface="Meiryo UI" panose="020B0604030504040204" pitchFamily="50" charset="-128"/>
               </a:rPr>
-              <a:t>2016/7</a:t>
-            </a:r>
+              <a:t>2016/9</a:t>
+            </a:r>
+            <a:endParaRPr kumimoji="1" lang="en-US" altLang="ja-JP" dirty="0" smtClean="0">
+              <a:latin typeface="Meiryo UI" panose="020B0604030504040204" pitchFamily="50" charset="-128"/>
+              <a:ea typeface="Meiryo UI" panose="020B0604030504040204" pitchFamily="50" charset="-128"/>
+              <a:cs typeface="Meiryo UI" panose="020B0604030504040204" pitchFamily="50" charset="-128"/>
+            </a:endParaRPr>
           </a:p>
           <a:p>
             <a:r>
@@ -5364,11 +5374,11 @@
   <p:clrMapOvr>
     <a:masterClrMapping/>
   </p:clrMapOvr>
-  <mc:AlternateContent xmlns:mc="http://schemas.openxmlformats.org/markup-compatibility/2006">
-    <mc:Choice xmlns:p14="http://schemas.microsoft.com/office/powerpoint/2010/main" Requires="p14">
+  <mc:AlternateContent xmlns:mc="http://schemas.openxmlformats.org/markup-compatibility/2006" xmlns:p14="http://schemas.microsoft.com/office/powerpoint/2010/main">
+    <mc:Choice Requires="p14">
       <p:transition spd="slow" p14:dur="2000"/>
     </mc:Choice>
-    <mc:Fallback>
+    <mc:Fallback xmlns="">
       <p:transition spd="slow"/>
     </mc:Fallback>
   </mc:AlternateContent>
@@ -5482,11 +5492,11 @@
   <p:clrMapOvr>
     <a:masterClrMapping/>
   </p:clrMapOvr>
-  <mc:AlternateContent xmlns:mc="http://schemas.openxmlformats.org/markup-compatibility/2006">
-    <mc:Choice xmlns:p14="http://schemas.microsoft.com/office/powerpoint/2010/main" Requires="p14">
+  <mc:AlternateContent xmlns:mc="http://schemas.openxmlformats.org/markup-compatibility/2006" xmlns:p14="http://schemas.microsoft.com/office/powerpoint/2010/main">
+    <mc:Choice Requires="p14">
       <p:transition spd="slow" p14:dur="2000"/>
     </mc:Choice>
-    <mc:Fallback>
+    <mc:Fallback xmlns="">
       <p:transition spd="slow"/>
     </mc:Fallback>
   </mc:AlternateContent>
@@ -6288,11 +6298,11 @@
   <p:clrMapOvr>
     <a:masterClrMapping/>
   </p:clrMapOvr>
-  <mc:AlternateContent xmlns:mc="http://schemas.openxmlformats.org/markup-compatibility/2006">
-    <mc:Choice xmlns:p14="http://schemas.microsoft.com/office/powerpoint/2010/main" Requires="p14">
+  <mc:AlternateContent xmlns:mc="http://schemas.openxmlformats.org/markup-compatibility/2006" xmlns:p14="http://schemas.microsoft.com/office/powerpoint/2010/main">
+    <mc:Choice Requires="p14">
       <p:transition spd="slow" p14:dur="2000"/>
     </mc:Choice>
-    <mc:Fallback>
+    <mc:Fallback xmlns="">
       <p:transition spd="slow"/>
     </mc:Fallback>
   </mc:AlternateContent>
@@ -6307,7 +6317,7 @@
 </file>
 
 <file path=ppt/slides/slide14.xml><?xml version="1.0" encoding="utf-8"?>
-<p:sld xmlns:a="http://schemas.openxmlformats.org/drawingml/2006/main" xmlns:r="http://schemas.openxmlformats.org/officeDocument/2006/relationships" xmlns:p="http://schemas.openxmlformats.org/presentationml/2006/main">
+<p:sld xmlns:a="http://schemas.openxmlformats.org/drawingml/2006/main" xmlns:r="http://schemas.openxmlformats.org/officeDocument/2006/relationships" xmlns:p="http://schemas.openxmlformats.org/presentationml/2006/main" show="0">
   <p:cSld>
     <p:spTree>
       <p:nvGrpSpPr>
@@ -6339,12 +6349,8 @@
           <a:lstStyle/>
           <a:p>
             <a:r>
-              <a:rPr kumimoji="1" lang="ja-JP" altLang="en-US" dirty="0" smtClean="0"/>
-              <a:t>基本的</a:t>
-            </a:r>
-            <a:r>
-              <a:rPr kumimoji="1" lang="ja-JP" altLang="en-US" dirty="0" smtClean="0"/>
-              <a:t>なこと</a:t>
+              <a:rPr kumimoji="1" lang="en-US" altLang="ja-JP" dirty="0" smtClean="0"/>
+              <a:t>Scheme</a:t>
             </a:r>
             <a:endParaRPr kumimoji="1" lang="ja-JP" altLang="en-US" dirty="0"/>
           </a:p>
@@ -6376,185 +6382,35 @@
               <a:buNone/>
             </a:pPr>
             <a:r>
-              <a:rPr lang="ja-JP" altLang="en-US" dirty="0" smtClean="0"/>
-              <a:t>・基本的な処理の記法は</a:t>
-            </a:r>
-            <a:endParaRPr lang="en-US" altLang="ja-JP" dirty="0" smtClean="0"/>
-          </a:p>
-          <a:p>
-            <a:pPr marL="82296" indent="0">
-              <a:buNone/>
-            </a:pPr>
-            <a:r>
-              <a:rPr lang="ja-JP" altLang="en-US" dirty="0" smtClean="0"/>
-              <a:t>（</a:t>
-            </a:r>
-            <a:r>
-              <a:rPr lang="en-US" altLang="ja-JP" dirty="0" smtClean="0"/>
-              <a:t>&lt;</a:t>
-            </a:r>
-            <a:r>
-              <a:rPr lang="ja-JP" altLang="en-US" dirty="0" smtClean="0"/>
-              <a:t>手続き</a:t>
-            </a:r>
-            <a:r>
-              <a:rPr lang="en-US" altLang="ja-JP" dirty="0" smtClean="0"/>
-              <a:t>&gt; &lt;</a:t>
-            </a:r>
-            <a:r>
-              <a:rPr lang="ja-JP" altLang="en-US" dirty="0" smtClean="0"/>
-              <a:t>引数</a:t>
-            </a:r>
-            <a:r>
-              <a:rPr lang="en-US" altLang="ja-JP" dirty="0" smtClean="0"/>
-              <a:t>1&gt; &lt;</a:t>
-            </a:r>
-            <a:r>
-              <a:rPr lang="ja-JP" altLang="en-US" dirty="0" smtClean="0"/>
-              <a:t>引数</a:t>
-            </a:r>
-            <a:r>
-              <a:rPr lang="en-US" altLang="ja-JP" dirty="0" smtClean="0"/>
-              <a:t>2&gt;</a:t>
-            </a:r>
-            <a:r>
-              <a:rPr lang="ja-JP" altLang="en-US" dirty="0" smtClean="0"/>
-              <a:t>　･･･）</a:t>
-            </a:r>
-            <a:endParaRPr lang="en-US" altLang="ja-JP" dirty="0" smtClean="0"/>
-          </a:p>
-          <a:p>
-            <a:pPr marL="82296" indent="0">
-              <a:buNone/>
-            </a:pPr>
-            <a:r>
-              <a:rPr lang="en-US" altLang="ja-JP" dirty="0" smtClean="0"/>
-              <a:t>(+ 1 2 3)</a:t>
-            </a:r>
-          </a:p>
-          <a:p>
-            <a:pPr marL="82296" indent="0">
-              <a:buNone/>
-            </a:pPr>
-            <a:endParaRPr lang="en-US" altLang="ja-JP" dirty="0" smtClean="0"/>
-          </a:p>
-          <a:p>
-            <a:pPr marL="82296" indent="0">
-              <a:buNone/>
-            </a:pPr>
-            <a:r>
-              <a:rPr lang="ja-JP" altLang="en-US" dirty="0" smtClean="0"/>
-              <a:t>・データとしてのリストはクオートを付ける</a:t>
-            </a:r>
-            <a:endParaRPr lang="en-US" altLang="ja-JP" dirty="0" smtClean="0"/>
-          </a:p>
-          <a:p>
-            <a:pPr marL="82296" indent="0">
-              <a:buNone/>
-            </a:pPr>
-            <a:r>
-              <a:rPr lang="en-US" altLang="ja-JP" dirty="0" smtClean="0"/>
-              <a:t>‘(1 2 3)</a:t>
-            </a:r>
-          </a:p>
-          <a:p>
-            <a:pPr marL="82296" indent="0">
-              <a:buNone/>
-            </a:pPr>
-            <a:endParaRPr lang="en-US" altLang="ja-JP" dirty="0" smtClean="0"/>
-          </a:p>
-          <a:p>
-            <a:pPr marL="82296" indent="0">
-              <a:buNone/>
-            </a:pPr>
-            <a:r>
-              <a:rPr lang="ja-JP" altLang="en-US" dirty="0" smtClean="0"/>
-              <a:t>例）リストの連結処理</a:t>
-            </a:r>
-            <a:endParaRPr lang="en-US" altLang="ja-JP" dirty="0" smtClean="0"/>
-          </a:p>
-          <a:p>
-            <a:pPr marL="82296" indent="0">
-              <a:buNone/>
-            </a:pPr>
-            <a:r>
-              <a:rPr lang="nl-NL" altLang="ja-JP" dirty="0"/>
-              <a:t>(append '(1 2 3) '(4 5 6))</a:t>
-            </a:r>
-            <a:endParaRPr lang="en-US" altLang="ja-JP" dirty="0"/>
-          </a:p>
-        </p:txBody>
-      </p:sp>
-      <p:sp>
-        <p:nvSpPr>
-          <p:cNvPr id="4" name="角丸四角形吹き出し 3"/>
-          <p:cNvSpPr/>
-          <p:nvPr/>
-        </p:nvSpPr>
-        <p:spPr>
-          <a:xfrm>
-            <a:off x="3995936" y="2564904"/>
-            <a:ext cx="2952328" cy="720080"/>
-          </a:xfrm>
-          <a:prstGeom prst="wedgeRoundRectCallout">
-            <a:avLst>
-              <a:gd name="adj1" fmla="val -62129"/>
-              <a:gd name="adj2" fmla="val -32739"/>
-              <a:gd name="adj3" fmla="val 16667"/>
-            </a:avLst>
-          </a:prstGeom>
-        </p:spPr>
-        <p:style>
-          <a:lnRef idx="2">
-            <a:schemeClr val="accent1">
-              <a:shade val="50000"/>
-            </a:schemeClr>
-          </a:lnRef>
-          <a:fillRef idx="1">
-            <a:schemeClr val="accent1"/>
-          </a:fillRef>
-          <a:effectRef idx="0">
-            <a:schemeClr val="accent1"/>
-          </a:effectRef>
-          <a:fontRef idx="minor">
-            <a:schemeClr val="lt1"/>
-          </a:fontRef>
-        </p:style>
-        <p:txBody>
-          <a:bodyPr rtlCol="0" anchor="ctr"/>
-          <a:lstStyle/>
-          <a:p>
-            <a:pPr algn="ctr"/>
-            <a:r>
               <a:rPr lang="en-US" altLang="ja-JP" dirty="0" smtClean="0"/>
               <a:t>Scheme</a:t>
             </a:r>
             <a:r>
               <a:rPr lang="ja-JP" altLang="en-US" dirty="0" smtClean="0"/>
-              <a:t>に</a:t>
-            </a:r>
-            <a:endParaRPr lang="en-US" altLang="ja-JP" dirty="0" smtClean="0"/>
-          </a:p>
-          <a:p>
-            <a:pPr algn="ctr"/>
-            <a:r>
-              <a:rPr lang="ja-JP" altLang="en-US" dirty="0" smtClean="0"/>
-              <a:t>演算子というものは無いのだよ</a:t>
-            </a:r>
-            <a:endParaRPr kumimoji="1" lang="ja-JP" altLang="en-US" dirty="0"/>
+              <a:t>ではすべてが式であり、プログラムの実行は式の結果を求めることに帰着する。</a:t>
+            </a:r>
+            <a:endParaRPr lang="en-US" altLang="ja-JP" dirty="0"/>
           </a:p>
         </p:txBody>
       </p:sp>
     </p:spTree>
     <p:extLst>
       <p:ext uri="{BB962C8B-B14F-4D97-AF65-F5344CB8AC3E}">
-        <p14:creationId xmlns:p14="http://schemas.microsoft.com/office/powerpoint/2010/main" val="3513868151"/>
+        <p14:creationId xmlns:p14="http://schemas.microsoft.com/office/powerpoint/2010/main" val="231803112"/>
       </p:ext>
     </p:extLst>
   </p:cSld>
   <p:clrMapOvr>
     <a:masterClrMapping/>
   </p:clrMapOvr>
+  <mc:AlternateContent xmlns:mc="http://schemas.openxmlformats.org/markup-compatibility/2006">
+    <mc:Choice xmlns:p14="http://schemas.microsoft.com/office/powerpoint/2010/main" Requires="p14">
+      <p:transition spd="slow" p14:dur="2000"/>
+    </mc:Choice>
+    <mc:Fallback>
+      <p:transition spd="slow"/>
+    </mc:Fallback>
+  </mc:AlternateContent>
   <p:timing>
     <p:tnLst>
       <p:par>
@@ -6597,14 +6453,6 @@
           <a:bodyPr/>
           <a:lstStyle/>
           <a:p>
-            <a:r>
-              <a:rPr kumimoji="1" lang="ja-JP" altLang="en-US" dirty="0" smtClean="0"/>
-              <a:t>重要な組み込み手続き</a:t>
-            </a:r>
-            <a:r>
-              <a:rPr kumimoji="1" lang="en-US" altLang="ja-JP" dirty="0" smtClean="0"/>
-              <a:t>1</a:t>
-            </a:r>
             <a:endParaRPr kumimoji="1" lang="ja-JP" altLang="en-US" dirty="0"/>
           </a:p>
         </p:txBody>
@@ -6621,8 +6469,8 @@
         </p:nvSpPr>
         <p:spPr>
           <a:xfrm>
-            <a:off x="1115616" y="1124744"/>
-            <a:ext cx="7818072" cy="5544616"/>
+            <a:off x="899592" y="1447800"/>
+            <a:ext cx="8136904" cy="4069432"/>
           </a:xfrm>
         </p:spPr>
         <p:txBody>
@@ -6631,140 +6479,33 @@
           </a:bodyPr>
           <a:lstStyle/>
           <a:p>
-            <a:pPr marL="82296" indent="0">
-              <a:buNone/>
-            </a:pPr>
-            <a:r>
-              <a:rPr lang="ja-JP" altLang="en-US" dirty="0" smtClean="0"/>
-              <a:t>・手続き </a:t>
-            </a:r>
-            <a:r>
-              <a:rPr lang="en-US" altLang="ja-JP" dirty="0" smtClean="0"/>
-              <a:t>car</a:t>
-            </a:r>
-          </a:p>
-          <a:p>
-            <a:pPr marL="82296" indent="0">
-              <a:buNone/>
-            </a:pPr>
-            <a:r>
-              <a:rPr lang="ja-JP" altLang="en-US" dirty="0" smtClean="0"/>
-              <a:t>　リストの</a:t>
-            </a:r>
-            <a:r>
-              <a:rPr lang="ja-JP" altLang="en-US" b="1" dirty="0" smtClean="0"/>
-              <a:t>先頭要素</a:t>
-            </a:r>
-            <a:r>
-              <a:rPr lang="ja-JP" altLang="en-US" dirty="0" smtClean="0"/>
-              <a:t>を返す</a:t>
-            </a:r>
-            <a:endParaRPr lang="en-US" altLang="ja-JP" dirty="0" smtClean="0"/>
-          </a:p>
-          <a:p>
-            <a:pPr marL="82296" indent="0">
-              <a:buNone/>
-            </a:pPr>
-            <a:r>
-              <a:rPr lang="en-US" altLang="ja-JP" dirty="0" smtClean="0"/>
-              <a:t>(car ‘(1 2 3))</a:t>
-            </a:r>
-          </a:p>
-          <a:p>
-            <a:pPr marL="82296" indent="0">
-              <a:buNone/>
-            </a:pPr>
-            <a:r>
-              <a:rPr lang="en-US" altLang="ja-JP" dirty="0" smtClean="0"/>
-              <a:t>&gt; 1</a:t>
-            </a:r>
-          </a:p>
-          <a:p>
-            <a:pPr marL="82296" indent="0">
-              <a:buNone/>
-            </a:pPr>
-            <a:endParaRPr lang="en-US" altLang="ja-JP" dirty="0" smtClean="0"/>
-          </a:p>
-          <a:p>
-            <a:pPr marL="82296" indent="0">
-              <a:buNone/>
-            </a:pPr>
-            <a:r>
-              <a:rPr lang="ja-JP" altLang="en-US" dirty="0" smtClean="0"/>
-              <a:t>・手続き </a:t>
-            </a:r>
-            <a:r>
-              <a:rPr lang="en-US" altLang="ja-JP" dirty="0" err="1" smtClean="0"/>
-              <a:t>cdr</a:t>
-            </a:r>
-            <a:endParaRPr lang="en-US" altLang="ja-JP" dirty="0" smtClean="0"/>
-          </a:p>
-          <a:p>
-            <a:pPr marL="82296" indent="0">
-              <a:buNone/>
-            </a:pPr>
-            <a:r>
-              <a:rPr lang="ja-JP" altLang="en-US" dirty="0" smtClean="0"/>
-              <a:t>　リストの先頭を除いた</a:t>
-            </a:r>
-            <a:r>
-              <a:rPr lang="ja-JP" altLang="en-US" dirty="0" smtClean="0"/>
-              <a:t>残りの</a:t>
-            </a:r>
-            <a:r>
-              <a:rPr lang="ja-JP" altLang="en-US" b="1" dirty="0" smtClean="0"/>
-              <a:t>リスト</a:t>
-            </a:r>
-            <a:r>
-              <a:rPr lang="ja-JP" altLang="en-US" dirty="0" smtClean="0"/>
-              <a:t>を</a:t>
-            </a:r>
-            <a:r>
-              <a:rPr lang="ja-JP" altLang="en-US" dirty="0" smtClean="0"/>
-              <a:t>返す</a:t>
-            </a:r>
-            <a:endParaRPr lang="en-US" altLang="ja-JP" dirty="0" smtClean="0"/>
-          </a:p>
-          <a:p>
-            <a:pPr marL="82296" indent="0">
-              <a:buNone/>
-            </a:pPr>
-            <a:r>
-              <a:rPr lang="en-US" altLang="ja-JP" dirty="0"/>
-              <a:t>(</a:t>
-            </a:r>
-            <a:r>
-              <a:rPr lang="en-US" altLang="ja-JP" dirty="0" err="1" smtClean="0"/>
-              <a:t>cdr</a:t>
-            </a:r>
-            <a:r>
-              <a:rPr lang="en-US" altLang="ja-JP" dirty="0" smtClean="0"/>
-              <a:t> </a:t>
-            </a:r>
-            <a:r>
-              <a:rPr lang="en-US" altLang="ja-JP" dirty="0"/>
-              <a:t>‘(1 2 3))</a:t>
-            </a:r>
-          </a:p>
-          <a:p>
-            <a:pPr marL="82296" indent="0">
-              <a:buNone/>
-            </a:pPr>
-            <a:r>
-              <a:rPr lang="en-US" altLang="ja-JP" dirty="0"/>
-              <a:t>&gt; </a:t>
-            </a:r>
-            <a:r>
-              <a:rPr lang="en-US" altLang="ja-JP" dirty="0" smtClean="0"/>
-              <a:t>(2 3)</a:t>
-            </a:r>
+            <a:pPr marL="82296" indent="0" algn="ctr">
+              <a:buNone/>
+            </a:pPr>
+            <a:endParaRPr kumimoji="1" lang="en-US" altLang="ja-JP" sz="4400" dirty="0" smtClean="0"/>
+          </a:p>
+          <a:p>
+            <a:pPr marL="82296" indent="0" algn="ctr">
+              <a:buNone/>
+            </a:pPr>
+            <a:endParaRPr kumimoji="1" lang="en-US" altLang="ja-JP" sz="4400" dirty="0" smtClean="0"/>
+          </a:p>
+          <a:p>
+            <a:pPr marL="82296" indent="0" algn="ctr">
+              <a:buNone/>
+            </a:pPr>
+            <a:r>
+              <a:rPr kumimoji="1" lang="ja-JP" altLang="en-US" sz="4400" dirty="0" smtClean="0"/>
+              <a:t>③環境準備</a:t>
+            </a:r>
+            <a:endParaRPr kumimoji="1" lang="en-US" altLang="ja-JP" sz="4400" dirty="0" smtClean="0"/>
           </a:p>
         </p:txBody>
       </p:sp>
     </p:spTree>
     <p:extLst>
       <p:ext uri="{BB962C8B-B14F-4D97-AF65-F5344CB8AC3E}">
-        <p14:creationId xmlns:p14="http://schemas.microsoft.com/office/powerpoint/2010/main" val="235823119"/>
+        <p14:creationId xmlns:p14="http://schemas.microsoft.com/office/powerpoint/2010/main" val="1380082786"/>
       </p:ext>
     </p:extLst>
   </p:cSld>
@@ -6814,12 +6555,8 @@
           <a:lstStyle/>
           <a:p>
             <a:r>
-              <a:rPr kumimoji="1" lang="ja-JP" altLang="en-US" dirty="0" smtClean="0"/>
-              <a:t>重要な組み込み手続き</a:t>
-            </a:r>
-            <a:r>
               <a:rPr kumimoji="1" lang="en-US" altLang="ja-JP" dirty="0" smtClean="0"/>
-              <a:t>2</a:t>
+              <a:t>Gauche</a:t>
             </a:r>
             <a:endParaRPr kumimoji="1" lang="ja-JP" altLang="en-US" dirty="0"/>
           </a:p>
@@ -6852,11 +6589,15 @@
             </a:pPr>
             <a:r>
               <a:rPr lang="ja-JP" altLang="en-US" dirty="0" smtClean="0"/>
-              <a:t>・手続き </a:t>
+              <a:t>・</a:t>
             </a:r>
             <a:r>
               <a:rPr lang="en-US" altLang="ja-JP" dirty="0" smtClean="0"/>
-              <a:t>cons</a:t>
+              <a:t>Scheme</a:t>
+            </a:r>
+            <a:r>
+              <a:rPr lang="ja-JP" altLang="en-US" dirty="0" smtClean="0"/>
+              <a:t>処理系のひとつ</a:t>
             </a:r>
             <a:endParaRPr lang="en-US" altLang="ja-JP" dirty="0" smtClean="0"/>
           </a:p>
@@ -6864,114 +6605,88 @@
             <a:pPr marL="82296" indent="0">
               <a:buNone/>
             </a:pPr>
+            <a:endParaRPr lang="en-US" altLang="ja-JP" dirty="0"/>
+          </a:p>
+          <a:p>
+            <a:pPr marL="82296" indent="0">
+              <a:buNone/>
+            </a:pPr>
+            <a:r>
+              <a:rPr lang="en-US" altLang="ja-JP" dirty="0" smtClean="0"/>
+              <a:t>※</a:t>
+            </a:r>
             <a:r>
               <a:rPr lang="ja-JP" altLang="en-US" dirty="0" smtClean="0"/>
+              <a:t>処理系</a:t>
+            </a:r>
+            <a:endParaRPr lang="en-US" altLang="ja-JP" dirty="0" smtClean="0"/>
+          </a:p>
+          <a:p>
+            <a:pPr marL="82296" indent="0">
+              <a:buNone/>
+            </a:pPr>
+            <a:r>
+              <a:rPr lang="ja-JP" altLang="en-US" dirty="0"/>
               <a:t>　</a:t>
             </a:r>
             <a:r>
               <a:rPr lang="ja-JP" altLang="en-US" dirty="0" smtClean="0"/>
-              <a:t>先頭要素と残りのリストを</a:t>
-            </a:r>
-            <a:r>
-              <a:rPr lang="ja-JP" altLang="en-US" dirty="0"/>
-              <a:t>連結</a:t>
-            </a:r>
+              <a:t>プログラムを実行するためのソフトウェア。</a:t>
+            </a:r>
+            <a:endParaRPr lang="en-US" altLang="ja-JP" dirty="0" smtClean="0"/>
+          </a:p>
+          <a:p>
+            <a:pPr marL="82296" indent="0">
+              <a:buNone/>
+            </a:pPr>
+            <a:endParaRPr lang="en-US" altLang="ja-JP" dirty="0"/>
+          </a:p>
+          <a:p>
+            <a:pPr marL="82296" indent="0">
+              <a:buNone/>
+            </a:pPr>
             <a:r>
               <a:rPr lang="ja-JP" altLang="en-US" dirty="0" smtClean="0"/>
-              <a:t>する</a:t>
+              <a:t>・日本人作らしい</a:t>
             </a:r>
             <a:endParaRPr lang="en-US" altLang="ja-JP" dirty="0" smtClean="0"/>
           </a:p>
-          <a:p>
-            <a:pPr marL="82296" indent="0">
-              <a:buNone/>
-            </a:pPr>
-            <a:r>
-              <a:rPr lang="en-US" altLang="ja-JP" dirty="0" smtClean="0"/>
-              <a:t>(</a:t>
-            </a:r>
-            <a:r>
-              <a:rPr lang="en-US" altLang="ja-JP" dirty="0" smtClean="0"/>
-              <a:t>cons 1 ‘(2 </a:t>
-            </a:r>
-            <a:r>
-              <a:rPr lang="en-US" altLang="ja-JP" dirty="0" smtClean="0"/>
-              <a:t>3))</a:t>
-            </a:r>
-          </a:p>
-          <a:p>
-            <a:pPr marL="82296" indent="0">
-              <a:buNone/>
-            </a:pPr>
-            <a:r>
-              <a:rPr lang="en-US" altLang="ja-JP" dirty="0" smtClean="0"/>
-              <a:t>&gt; </a:t>
-            </a:r>
-            <a:r>
-              <a:rPr lang="en-US" altLang="ja-JP" dirty="0" smtClean="0"/>
-              <a:t>(1 2 3)</a:t>
-            </a:r>
-            <a:endParaRPr lang="en-US" altLang="ja-JP" dirty="0" smtClean="0"/>
-          </a:p>
-          <a:p>
-            <a:pPr marL="82296" indent="0">
-              <a:buNone/>
-            </a:pPr>
-            <a:endParaRPr lang="en-US" altLang="ja-JP" dirty="0" smtClean="0"/>
-          </a:p>
-          <a:p>
-            <a:pPr marL="82296" indent="0">
-              <a:buNone/>
-            </a:pPr>
-            <a:r>
-              <a:rPr lang="en-US" altLang="ja-JP" dirty="0" smtClean="0"/>
-              <a:t>(cons (car </a:t>
-            </a:r>
-            <a:r>
-              <a:rPr lang="en-US" altLang="ja-JP" dirty="0" err="1" smtClean="0"/>
-              <a:t>lis</a:t>
-            </a:r>
-            <a:r>
-              <a:rPr lang="en-US" altLang="ja-JP" dirty="0" smtClean="0"/>
-              <a:t>) (</a:t>
-            </a:r>
-            <a:r>
-              <a:rPr lang="en-US" altLang="ja-JP" dirty="0" err="1" smtClean="0"/>
-              <a:t>cdr</a:t>
-            </a:r>
-            <a:r>
-              <a:rPr lang="en-US" altLang="ja-JP" dirty="0" smtClean="0"/>
-              <a:t> </a:t>
-            </a:r>
-            <a:r>
-              <a:rPr lang="en-US" altLang="ja-JP" dirty="0" err="1" smtClean="0"/>
-              <a:t>lis</a:t>
-            </a:r>
-            <a:r>
-              <a:rPr lang="en-US" altLang="ja-JP" dirty="0" smtClean="0"/>
-              <a:t>))</a:t>
-            </a:r>
-          </a:p>
-          <a:p>
-            <a:pPr marL="82296" indent="0">
-              <a:buNone/>
-            </a:pPr>
-            <a:r>
-              <a:rPr lang="en-US" altLang="ja-JP" dirty="0" smtClean="0"/>
-              <a:t>&gt; </a:t>
-            </a:r>
-            <a:r>
-              <a:rPr lang="en-US" altLang="ja-JP" dirty="0" err="1" smtClean="0"/>
-              <a:t>lis</a:t>
-            </a:r>
-            <a:endParaRPr lang="en-US" altLang="ja-JP" dirty="0" smtClean="0"/>
-          </a:p>
-        </p:txBody>
-      </p:sp>
+        </p:txBody>
+      </p:sp>
+      <p:pic>
+        <p:nvPicPr>
+          <p:cNvPr id="4" name="図 3"/>
+          <p:cNvPicPr>
+            <a:picLocks noChangeAspect="1"/>
+          </p:cNvPicPr>
+          <p:nvPr/>
+        </p:nvPicPr>
+        <p:blipFill>
+          <a:blip r:embed="rId2">
+            <a:extLst>
+              <a:ext uri="{28A0092B-C50C-407E-A947-70E740481C1C}">
+                <a14:useLocalDpi xmlns:a14="http://schemas.microsoft.com/office/drawing/2010/main" val="0"/>
+              </a:ext>
+            </a:extLst>
+          </a:blip>
+          <a:stretch>
+            <a:fillRect/>
+          </a:stretch>
+        </p:blipFill>
+        <p:spPr>
+          <a:xfrm>
+            <a:off x="5724128" y="3356992"/>
+            <a:ext cx="2582222" cy="3312368"/>
+          </a:xfrm>
+          <a:prstGeom prst="rect">
+            <a:avLst/>
+          </a:prstGeom>
+        </p:spPr>
+      </p:pic>
     </p:spTree>
     <p:extLst>
       <p:ext uri="{BB962C8B-B14F-4D97-AF65-F5344CB8AC3E}">
-        <p14:creationId xmlns:p14="http://schemas.microsoft.com/office/powerpoint/2010/main" val="3029638908"/>
+        <p14:creationId xmlns:p14="http://schemas.microsoft.com/office/powerpoint/2010/main" val="1171830484"/>
       </p:ext>
     </p:extLst>
   </p:cSld>
@@ -7021,20 +6736,8 @@
           <a:lstStyle/>
           <a:p>
             <a:r>
-              <a:rPr lang="en-US" altLang="ja-JP" dirty="0" smtClean="0"/>
-              <a:t>Scheme</a:t>
-            </a:r>
-            <a:r>
-              <a:rPr lang="ja-JP" altLang="en-US" dirty="0" err="1" smtClean="0"/>
-              <a:t>での</a:t>
-            </a:r>
-            <a:r>
-              <a:rPr lang="ja-JP" altLang="en-US" dirty="0" smtClean="0"/>
-              <a:t>リストの</a:t>
-            </a:r>
-            <a:r>
-              <a:rPr lang="ja-JP" altLang="en-US" dirty="0"/>
-              <a:t>考え方</a:t>
+              <a:rPr kumimoji="1" lang="ja-JP" altLang="en-US" dirty="0" smtClean="0"/>
+              <a:t>エディタ</a:t>
             </a:r>
             <a:endParaRPr kumimoji="1" lang="ja-JP" altLang="en-US" dirty="0"/>
           </a:p>
@@ -7052,8 +6755,8 @@
         </p:nvSpPr>
         <p:spPr>
           <a:xfrm>
-            <a:off x="971600" y="1124744"/>
-            <a:ext cx="8172400" cy="5544616"/>
+            <a:off x="1115616" y="1124744"/>
+            <a:ext cx="7818072" cy="5544616"/>
           </a:xfrm>
         </p:spPr>
         <p:txBody>
@@ -7066,46 +6769,32 @@
               <a:buNone/>
             </a:pPr>
             <a:r>
-              <a:rPr lang="ja-JP" altLang="en-US" dirty="0"/>
-              <a:t>内部的</a:t>
-            </a:r>
-            <a:r>
               <a:rPr lang="ja-JP" altLang="en-US" dirty="0" smtClean="0"/>
-              <a:t>には</a:t>
-            </a:r>
-            <a:r>
-              <a:rPr lang="en-US" altLang="ja-JP" b="1" dirty="0" smtClean="0"/>
-              <a:t>2</a:t>
-            </a:r>
-            <a:r>
-              <a:rPr lang="ja-JP" altLang="en-US" b="1" dirty="0" err="1" smtClean="0"/>
-              <a:t>つの</a:t>
-            </a:r>
-            <a:r>
-              <a:rPr lang="ja-JP" altLang="en-US" b="1" dirty="0" smtClean="0"/>
-              <a:t>ポインタを持った対の連なり。</a:t>
-            </a:r>
-            <a:endParaRPr lang="en-US" altLang="ja-JP" b="1" dirty="0" smtClean="0"/>
-          </a:p>
-          <a:p>
-            <a:pPr marL="82296" indent="0">
-              <a:buNone/>
-            </a:pPr>
-            <a:r>
-              <a:rPr lang="ja-JP" altLang="en-US" b="1" dirty="0" smtClean="0"/>
-              <a:t>値</a:t>
+              <a:t>・</a:t>
+            </a:r>
+            <a:r>
+              <a:rPr lang="en-US" altLang="ja-JP" dirty="0" smtClean="0"/>
+              <a:t>Lisp</a:t>
+            </a:r>
+            <a:r>
+              <a:rPr lang="ja-JP" altLang="en-US" dirty="0" err="1" smtClean="0"/>
+              <a:t>、</a:t>
+            </a:r>
+            <a:r>
+              <a:rPr lang="en-US" altLang="ja-JP" dirty="0" smtClean="0"/>
+              <a:t>Scheme</a:t>
             </a:r>
             <a:r>
               <a:rPr lang="ja-JP" altLang="en-US" dirty="0" smtClean="0"/>
-              <a:t>そのものと</a:t>
-            </a:r>
-            <a:r>
-              <a:rPr lang="ja-JP" altLang="en-US" b="1" dirty="0" smtClean="0"/>
-              <a:t>次の要素の情報</a:t>
+              <a:t>界隈では</a:t>
+            </a:r>
+            <a:r>
+              <a:rPr lang="en-US" altLang="ja-JP" dirty="0" err="1" smtClean="0"/>
+              <a:t>Emacs</a:t>
             </a:r>
             <a:r>
               <a:rPr lang="ja-JP" altLang="en-US" dirty="0" smtClean="0"/>
-              <a:t>を持つ</a:t>
+              <a:t>の使用が推奨されている</a:t>
             </a:r>
             <a:endParaRPr lang="en-US" altLang="ja-JP" dirty="0" smtClean="0"/>
           </a:p>
@@ -7113,7 +6802,7 @@
             <a:pPr marL="82296" indent="0">
               <a:buNone/>
             </a:pPr>
-            <a:endParaRPr lang="en-US" altLang="ja-JP" b="1" dirty="0"/>
+            <a:endParaRPr lang="en-US" altLang="ja-JP" dirty="0"/>
           </a:p>
           <a:p>
             <a:pPr marL="82296" indent="0">
@@ -7121,110 +6810,32 @@
             </a:pPr>
             <a:r>
               <a:rPr lang="ja-JP" altLang="en-US" dirty="0" smtClean="0"/>
-              <a:t>・最後の</a:t>
+              <a:t>→</a:t>
             </a:r>
             <a:r>
               <a:rPr lang="en-US" altLang="ja-JP" dirty="0" err="1" smtClean="0"/>
-              <a:t>cdr</a:t>
+              <a:t>Emacs</a:t>
             </a:r>
             <a:r>
               <a:rPr lang="ja-JP" altLang="en-US" dirty="0" smtClean="0"/>
-              <a:t>部が空リスト：正式なリスト</a:t>
-            </a:r>
-            <a:endParaRPr lang="en-US" altLang="ja-JP" b="1" dirty="0" smtClean="0"/>
-          </a:p>
-          <a:p>
-            <a:pPr marL="82296" indent="0">
-              <a:buNone/>
-            </a:pPr>
+              <a:t>スクリプトが</a:t>
+            </a:r>
+            <a:r>
+              <a:rPr lang="en-US" altLang="ja-JP" dirty="0" smtClean="0"/>
+              <a:t>Lisp</a:t>
+            </a:r>
+            <a:r>
+              <a:rPr lang="ja-JP" altLang="en-US" dirty="0" smtClean="0"/>
+              <a:t>で書けるため</a:t>
+            </a:r>
             <a:endParaRPr lang="en-US" altLang="ja-JP" dirty="0" smtClean="0"/>
-          </a:p>
-          <a:p>
-            <a:pPr marL="82296" indent="0">
-              <a:buNone/>
-            </a:pPr>
-            <a:r>
-              <a:rPr lang="ja-JP" altLang="en-US" dirty="0" smtClean="0"/>
-              <a:t>・最後の</a:t>
-            </a:r>
-            <a:r>
-              <a:rPr lang="en-US" altLang="ja-JP" dirty="0" err="1" smtClean="0"/>
-              <a:t>cdr</a:t>
-            </a:r>
-            <a:r>
-              <a:rPr lang="ja-JP" altLang="en-US" dirty="0" smtClean="0"/>
-              <a:t>部が空リストでない：ドットリスト</a:t>
-            </a:r>
-            <a:endParaRPr lang="en-US" altLang="ja-JP" dirty="0" smtClean="0"/>
-          </a:p>
-          <a:p>
-            <a:pPr marL="82296" indent="0">
-              <a:buNone/>
-            </a:pPr>
-            <a:endParaRPr lang="en-US" altLang="ja-JP" dirty="0"/>
-          </a:p>
-          <a:p>
-            <a:pPr marL="82296" indent="0">
-              <a:buNone/>
-            </a:pPr>
-            <a:r>
-              <a:rPr lang="en-US" altLang="ja-JP" sz="2000" dirty="0">
-                <a:hlinkClick r:id="rId2"/>
-              </a:rPr>
-              <a:t>https://</a:t>
-            </a:r>
-            <a:r>
-              <a:rPr lang="en-US" altLang="ja-JP" sz="2000" dirty="0" smtClean="0">
-                <a:hlinkClick r:id="rId2"/>
-              </a:rPr>
-              <a:t>www.shido.info/lisp/scheme3.html</a:t>
-            </a:r>
-            <a:endParaRPr lang="en-US" altLang="ja-JP" sz="2000" dirty="0" smtClean="0"/>
-          </a:p>
-          <a:p>
-            <a:pPr marL="82296" indent="0">
-              <a:buNone/>
-            </a:pPr>
-            <a:endParaRPr lang="en-US" altLang="ja-JP" sz="2000" dirty="0" smtClean="0">
-              <a:hlinkClick r:id="rId3"/>
-            </a:endParaRPr>
-          </a:p>
-          <a:p>
-            <a:pPr marL="82296" indent="0">
-              <a:buNone/>
-            </a:pPr>
-            <a:r>
-              <a:rPr lang="en-US" altLang="ja-JP" sz="2000" dirty="0" smtClean="0">
-                <a:hlinkClick r:id="rId3"/>
-              </a:rPr>
-              <a:t>http</a:t>
-            </a:r>
-            <a:r>
-              <a:rPr lang="en-US" altLang="ja-JP" sz="2000" dirty="0">
-                <a:hlinkClick r:id="rId3"/>
-              </a:rPr>
-              <a:t>://</a:t>
-            </a:r>
-            <a:r>
-              <a:rPr lang="en-US" altLang="ja-JP" sz="2000" dirty="0" smtClean="0">
-                <a:hlinkClick r:id="rId3"/>
-              </a:rPr>
-              <a:t>bach.istc.kobe-u.ac.jp/lect/ProLang/org/lisp-cell.html</a:t>
-            </a:r>
-            <a:endParaRPr lang="en-US" altLang="ja-JP" dirty="0"/>
-          </a:p>
-          <a:p>
-            <a:pPr marL="82296" indent="0">
-              <a:buNone/>
-            </a:pPr>
-            <a:endParaRPr lang="en-US" altLang="ja-JP" b="1" dirty="0" smtClean="0"/>
           </a:p>
         </p:txBody>
       </p:sp>
     </p:spTree>
     <p:extLst>
       <p:ext uri="{BB962C8B-B14F-4D97-AF65-F5344CB8AC3E}">
-        <p14:creationId xmlns:p14="http://schemas.microsoft.com/office/powerpoint/2010/main" val="1176395678"/>
+        <p14:creationId xmlns:p14="http://schemas.microsoft.com/office/powerpoint/2010/main" val="1277891446"/>
       </p:ext>
     </p:extLst>
   </p:cSld>
@@ -7274,12 +6885,8 @@
           <a:lstStyle/>
           <a:p>
             <a:r>
-              <a:rPr kumimoji="1" lang="ja-JP" altLang="en-US" smtClean="0"/>
-              <a:t>ああああ</a:t>
-            </a:r>
-            <a:r>
-              <a:rPr kumimoji="1" lang="en-US" altLang="ja-JP" smtClean="0"/>
-              <a:t>2</a:t>
+              <a:rPr kumimoji="1" lang="ja-JP" altLang="en-US" dirty="0" smtClean="0"/>
+              <a:t>エディタ</a:t>
             </a:r>
             <a:endParaRPr kumimoji="1" lang="ja-JP" altLang="en-US" dirty="0"/>
           </a:p>
@@ -7312,11 +6919,31 @@
             </a:pPr>
             <a:r>
               <a:rPr lang="ja-JP" altLang="en-US" dirty="0" smtClean="0"/>
-              <a:t>・手続き </a:t>
+              <a:t>・</a:t>
             </a:r>
             <a:r>
               <a:rPr lang="en-US" altLang="ja-JP" dirty="0" smtClean="0"/>
-              <a:t>cons</a:t>
+              <a:t>Lisp</a:t>
+            </a:r>
+            <a:r>
+              <a:rPr lang="ja-JP" altLang="en-US" dirty="0" err="1" smtClean="0"/>
+              <a:t>、</a:t>
+            </a:r>
+            <a:r>
+              <a:rPr lang="en-US" altLang="ja-JP" dirty="0" smtClean="0"/>
+              <a:t>Scheme</a:t>
+            </a:r>
+            <a:r>
+              <a:rPr lang="ja-JP" altLang="en-US" dirty="0" smtClean="0"/>
+              <a:t>界隈では</a:t>
+            </a:r>
+            <a:r>
+              <a:rPr lang="en-US" altLang="ja-JP" dirty="0" err="1" smtClean="0"/>
+              <a:t>Emacs</a:t>
+            </a:r>
+            <a:r>
+              <a:rPr lang="ja-JP" altLang="en-US" dirty="0" smtClean="0"/>
+              <a:t>の使用が推奨されている</a:t>
             </a:r>
             <a:endParaRPr lang="en-US" altLang="ja-JP" dirty="0" smtClean="0"/>
           </a:p>
@@ -7324,21 +6951,31 @@
             <a:pPr marL="82296" indent="0">
               <a:buNone/>
             </a:pPr>
+            <a:endParaRPr lang="en-US" altLang="ja-JP" dirty="0"/>
+          </a:p>
+          <a:p>
+            <a:pPr marL="82296" indent="0">
+              <a:buNone/>
+            </a:pPr>
             <a:r>
               <a:rPr lang="ja-JP" altLang="en-US" dirty="0" smtClean="0"/>
-              <a:t>　</a:t>
+              <a:t>→</a:t>
+            </a:r>
+            <a:r>
+              <a:rPr lang="en-US" altLang="ja-JP" dirty="0" err="1" smtClean="0"/>
+              <a:t>Emacs</a:t>
             </a:r>
             <a:r>
               <a:rPr lang="ja-JP" altLang="en-US" dirty="0" smtClean="0"/>
-              <a:t>先頭要素と残りのリストを</a:t>
-            </a:r>
-            <a:r>
-              <a:rPr lang="ja-JP" altLang="en-US" dirty="0"/>
-              <a:t>連結</a:t>
+              <a:t>スクリプトが</a:t>
+            </a:r>
+            <a:r>
+              <a:rPr lang="en-US" altLang="ja-JP" dirty="0" smtClean="0"/>
+              <a:t>Lisp</a:t>
             </a:r>
             <a:r>
               <a:rPr lang="ja-JP" altLang="en-US" dirty="0" smtClean="0"/>
-              <a:t>する</a:t>
+              <a:t>で書けるため</a:t>
             </a:r>
             <a:endParaRPr lang="en-US" altLang="ja-JP" dirty="0" smtClean="0"/>
           </a:p>
@@ -7346,92 +6983,48 @@
             <a:pPr marL="82296" indent="0">
               <a:buNone/>
             </a:pPr>
-            <a:r>
-              <a:rPr lang="en-US" altLang="ja-JP" dirty="0" smtClean="0"/>
-              <a:t>(</a:t>
-            </a:r>
-            <a:r>
-              <a:rPr lang="en-US" altLang="ja-JP" dirty="0" smtClean="0"/>
-              <a:t>cons 1 ‘(2 </a:t>
-            </a:r>
-            <a:r>
-              <a:rPr lang="en-US" altLang="ja-JP" dirty="0" smtClean="0"/>
-              <a:t>3))</a:t>
-            </a:r>
-          </a:p>
-          <a:p>
-            <a:pPr marL="82296" indent="0">
-              <a:buNone/>
-            </a:pPr>
-            <a:r>
-              <a:rPr lang="en-US" altLang="ja-JP" dirty="0" smtClean="0"/>
-              <a:t>&gt; </a:t>
-            </a:r>
-            <a:r>
-              <a:rPr lang="en-US" altLang="ja-JP" dirty="0" smtClean="0"/>
-              <a:t>(1 2 3)</a:t>
-            </a:r>
+            <a:endParaRPr lang="en-US" altLang="ja-JP" dirty="0"/>
+          </a:p>
+          <a:p>
+            <a:pPr marL="82296" indent="0">
+              <a:buNone/>
+            </a:pPr>
             <a:endParaRPr lang="en-US" altLang="ja-JP" dirty="0" smtClean="0"/>
           </a:p>
           <a:p>
             <a:pPr marL="82296" indent="0">
               <a:buNone/>
             </a:pPr>
-            <a:endParaRPr lang="en-US" altLang="ja-JP" dirty="0" smtClean="0"/>
-          </a:p>
-          <a:p>
-            <a:pPr marL="82296" indent="0">
-              <a:buNone/>
-            </a:pPr>
-            <a:r>
-              <a:rPr lang="en-US" altLang="ja-JP" dirty="0" smtClean="0"/>
-              <a:t>(cons (car </a:t>
-            </a:r>
-            <a:r>
-              <a:rPr lang="en-US" altLang="ja-JP" dirty="0" err="1" smtClean="0"/>
-              <a:t>lis</a:t>
-            </a:r>
-            <a:r>
-              <a:rPr lang="en-US" altLang="ja-JP" dirty="0" smtClean="0"/>
-              <a:t>) (</a:t>
-            </a:r>
-            <a:r>
-              <a:rPr lang="en-US" altLang="ja-JP" dirty="0" err="1" smtClean="0"/>
-              <a:t>cdr</a:t>
-            </a:r>
-            <a:r>
-              <a:rPr lang="en-US" altLang="ja-JP" dirty="0" smtClean="0"/>
-              <a:t> </a:t>
-            </a:r>
-            <a:r>
-              <a:rPr lang="en-US" altLang="ja-JP" dirty="0" err="1" smtClean="0"/>
-              <a:t>lis</a:t>
-            </a:r>
-            <a:r>
-              <a:rPr lang="en-US" altLang="ja-JP" dirty="0" smtClean="0"/>
-              <a:t>))</a:t>
-            </a:r>
-          </a:p>
-          <a:p>
-            <a:pPr marL="82296" indent="0">
-              <a:buNone/>
-            </a:pPr>
-            <a:r>
-              <a:rPr lang="en-US" altLang="ja-JP" dirty="0" smtClean="0"/>
-              <a:t>&gt; </a:t>
-            </a:r>
-            <a:r>
-              <a:rPr lang="en-US" altLang="ja-JP" dirty="0" err="1" smtClean="0"/>
-              <a:t>lis</a:t>
-            </a:r>
-            <a:endParaRPr lang="en-US" altLang="ja-JP" dirty="0" smtClean="0"/>
+            <a:endParaRPr lang="en-US" altLang="ja-JP" dirty="0"/>
+          </a:p>
+          <a:p>
+            <a:pPr marL="82296" indent="0" algn="ctr">
+              <a:buNone/>
+            </a:pPr>
+            <a:r>
+              <a:rPr lang="ja-JP" altLang="en-US" sz="5400" b="1" dirty="0" smtClean="0"/>
+              <a:t>でも</a:t>
+            </a:r>
+            <a:r>
+              <a:rPr lang="ja-JP" altLang="en-US" sz="2000" dirty="0" smtClean="0"/>
+              <a:t>今回は</a:t>
+            </a:r>
+            <a:r>
+              <a:rPr lang="en-US" altLang="ja-JP" sz="5400" b="1" dirty="0" smtClean="0"/>
+              <a:t>Vim</a:t>
+            </a:r>
+            <a:r>
+              <a:rPr lang="ja-JP" altLang="en-US" sz="5400" b="1" dirty="0" smtClean="0"/>
+              <a:t>を使う</a:t>
+            </a:r>
+            <a:endParaRPr lang="en-US" altLang="ja-JP" sz="5400" b="1" dirty="0" smtClean="0"/>
           </a:p>
         </p:txBody>
       </p:sp>
     </p:spTree>
     <p:extLst>
       <p:ext uri="{BB962C8B-B14F-4D97-AF65-F5344CB8AC3E}">
-        <p14:creationId xmlns:p14="http://schemas.microsoft.com/office/powerpoint/2010/main" val="1964440084"/>
+        <p14:creationId xmlns:p14="http://schemas.microsoft.com/office/powerpoint/2010/main" val="1453277618"/>
       </p:ext>
     </p:extLst>
   </p:cSld>
@@ -7480,10 +7073,6 @@
           <a:bodyPr/>
           <a:lstStyle/>
           <a:p>
-            <a:r>
-              <a:rPr kumimoji="1" lang="ja-JP" altLang="en-US" dirty="0" smtClean="0"/>
-              <a:t>ハローワールド</a:t>
-            </a:r>
             <a:endParaRPr kumimoji="1" lang="ja-JP" altLang="en-US" dirty="0"/>
           </a:p>
         </p:txBody>
@@ -7500,8 +7089,8 @@
         </p:nvSpPr>
         <p:spPr>
           <a:xfrm>
-            <a:off x="1115616" y="1124744"/>
-            <a:ext cx="7818072" cy="5544616"/>
+            <a:off x="899592" y="1447800"/>
+            <a:ext cx="8136904" cy="4069432"/>
           </a:xfrm>
         </p:spPr>
         <p:txBody>
@@ -7510,58 +7099,33 @@
           </a:bodyPr>
           <a:lstStyle/>
           <a:p>
-            <a:pPr marL="82296" indent="0">
-              <a:buNone/>
-            </a:pPr>
-            <a:r>
-              <a:rPr lang="en-US" altLang="ja-JP" dirty="0"/>
-              <a:t>(define (main </a:t>
-            </a:r>
-            <a:r>
-              <a:rPr lang="en-US" altLang="ja-JP" dirty="0" err="1"/>
-              <a:t>args</a:t>
-            </a:r>
-            <a:r>
-              <a:rPr lang="en-US" altLang="ja-JP" dirty="0"/>
-              <a:t>)</a:t>
-            </a:r>
-          </a:p>
-          <a:p>
-            <a:pPr marL="82296" indent="0">
-              <a:buNone/>
-            </a:pPr>
-            <a:r>
-              <a:rPr lang="ja-JP" altLang="en-US" dirty="0" smtClean="0"/>
-              <a:t>  </a:t>
-            </a:r>
-            <a:r>
-              <a:rPr lang="en-US" altLang="ja-JP" dirty="0" smtClean="0"/>
-              <a:t>(</a:t>
-            </a:r>
-            <a:r>
-              <a:rPr lang="en-US" altLang="ja-JP" dirty="0"/>
-              <a:t>print "Hello, world.")</a:t>
-            </a:r>
-          </a:p>
-          <a:p>
-            <a:pPr marL="82296" indent="0">
-              <a:buNone/>
-            </a:pPr>
-            <a:r>
-              <a:rPr lang="en-US" altLang="ja-JP" dirty="0" smtClean="0"/>
-              <a:t>  0</a:t>
-            </a:r>
-            <a:r>
-              <a:rPr lang="en-US" altLang="ja-JP" dirty="0"/>
-              <a:t>)</a:t>
-            </a:r>
+            <a:pPr marL="82296" indent="0" algn="ctr">
+              <a:buNone/>
+            </a:pPr>
+            <a:endParaRPr kumimoji="1" lang="en-US" altLang="ja-JP" sz="4400" dirty="0" smtClean="0"/>
+          </a:p>
+          <a:p>
+            <a:pPr marL="82296" indent="0" algn="ctr">
+              <a:buNone/>
+            </a:pPr>
+            <a:endParaRPr kumimoji="1" lang="en-US" altLang="ja-JP" sz="4400" dirty="0" smtClean="0"/>
+          </a:p>
+          <a:p>
+            <a:pPr marL="82296" indent="0" algn="ctr">
+              <a:buNone/>
+            </a:pPr>
+            <a:r>
+              <a:rPr kumimoji="1" lang="ja-JP" altLang="en-US" sz="4400" dirty="0" smtClean="0"/>
+              <a:t>④基本的なこと</a:t>
+            </a:r>
+            <a:endParaRPr kumimoji="1" lang="en-US" altLang="ja-JP" sz="4400" dirty="0" smtClean="0"/>
           </a:p>
         </p:txBody>
       </p:sp>
     </p:spTree>
     <p:extLst>
       <p:ext uri="{BB962C8B-B14F-4D97-AF65-F5344CB8AC3E}">
-        <p14:creationId xmlns:p14="http://schemas.microsoft.com/office/powerpoint/2010/main" val="751171923"/>
+        <p14:creationId xmlns:p14="http://schemas.microsoft.com/office/powerpoint/2010/main" val="2677223863"/>
       </p:ext>
     </p:extLst>
   </p:cSld>
@@ -7610,6 +7174,10 @@
           <a:bodyPr/>
           <a:lstStyle/>
           <a:p>
+            <a:r>
+              <a:rPr kumimoji="1" lang="ja-JP" altLang="en-US" dirty="0" smtClean="0"/>
+              <a:t>もくじ</a:t>
+            </a:r>
             <a:endParaRPr kumimoji="1" lang="ja-JP" altLang="en-US" dirty="0"/>
           </a:p>
         </p:txBody>
@@ -7636,24 +7204,50 @@
           </a:bodyPr>
           <a:lstStyle/>
           <a:p>
-            <a:pPr marL="82296" indent="0" algn="ctr">
-              <a:buNone/>
-            </a:pPr>
+            <a:pPr marL="82296" indent="0">
+              <a:buNone/>
+            </a:pPr>
+            <a:r>
+              <a:rPr kumimoji="1" lang="ja-JP" altLang="en-US" sz="4400" dirty="0" smtClean="0"/>
+              <a:t>①前回</a:t>
+            </a:r>
+            <a:r>
+              <a:rPr kumimoji="1" lang="ja-JP" altLang="en-US" sz="4400" dirty="0" smtClean="0"/>
+              <a:t>の</a:t>
+            </a:r>
+            <a:r>
+              <a:rPr kumimoji="1" lang="ja-JP" altLang="en-US" sz="4400" dirty="0" smtClean="0"/>
+              <a:t>おさらい</a:t>
+            </a:r>
             <a:endParaRPr kumimoji="1" lang="en-US" altLang="ja-JP" sz="4400" dirty="0" smtClean="0"/>
           </a:p>
           <a:p>
-            <a:pPr marL="82296" indent="0" algn="ctr">
-              <a:buNone/>
-            </a:pPr>
-            <a:endParaRPr kumimoji="1" lang="en-US" altLang="ja-JP" sz="4400" dirty="0" smtClean="0"/>
-          </a:p>
-          <a:p>
-            <a:pPr marL="82296" indent="0" algn="ctr">
+            <a:pPr marL="82296" indent="0">
+              <a:buNone/>
+            </a:pPr>
+            <a:r>
+              <a:rPr lang="ja-JP" altLang="en-US" sz="4400" dirty="0" smtClean="0"/>
+              <a:t>②もうちょっと調べてみた</a:t>
+            </a:r>
+            <a:endParaRPr lang="en-US" altLang="ja-JP" sz="4400" dirty="0" smtClean="0"/>
+          </a:p>
+          <a:p>
+            <a:pPr marL="82296" indent="0">
+              <a:buNone/>
+            </a:pPr>
+            <a:r>
+              <a:rPr lang="ja-JP" altLang="en-US" sz="4400" dirty="0" smtClean="0"/>
+              <a:t>③環境準備</a:t>
+            </a:r>
+            <a:endParaRPr lang="en-US" altLang="ja-JP" sz="4400" dirty="0" smtClean="0"/>
+          </a:p>
+          <a:p>
+            <a:pPr marL="82296" indent="0">
               <a:buNone/>
             </a:pPr>
             <a:r>
               <a:rPr kumimoji="1" lang="ja-JP" altLang="en-US" sz="4400" dirty="0" smtClean="0"/>
-              <a:t>前回のおさらい</a:t>
+              <a:t>④基本的なこと</a:t>
             </a:r>
             <a:endParaRPr kumimoji="1" lang="en-US" altLang="ja-JP" sz="4400" dirty="0" smtClean="0"/>
           </a:p>
@@ -7712,8 +7306,8 @@
           <a:lstStyle/>
           <a:p>
             <a:r>
-              <a:rPr kumimoji="1" lang="en-US" altLang="ja-JP" dirty="0" smtClean="0"/>
-              <a:t>Scheme</a:t>
+              <a:rPr kumimoji="1" lang="ja-JP" altLang="en-US" dirty="0" smtClean="0"/>
+              <a:t>基本的なこと</a:t>
             </a:r>
             <a:endParaRPr kumimoji="1" lang="ja-JP" altLang="en-US" dirty="0"/>
           </a:p>
@@ -7745,21 +7339,179 @@
               <a:buNone/>
             </a:pPr>
             <a:r>
+              <a:rPr lang="ja-JP" altLang="en-US" dirty="0" smtClean="0"/>
+              <a:t>・基本的な処理の記法は</a:t>
+            </a:r>
+            <a:endParaRPr lang="en-US" altLang="ja-JP" dirty="0" smtClean="0"/>
+          </a:p>
+          <a:p>
+            <a:pPr marL="82296" indent="0">
+              <a:buNone/>
+            </a:pPr>
+            <a:r>
+              <a:rPr lang="ja-JP" altLang="en-US" dirty="0" smtClean="0"/>
+              <a:t>（</a:t>
+            </a:r>
+            <a:r>
+              <a:rPr lang="en-US" altLang="ja-JP" dirty="0" smtClean="0"/>
+              <a:t>&lt;</a:t>
+            </a:r>
+            <a:r>
+              <a:rPr lang="ja-JP" altLang="en-US" dirty="0" smtClean="0"/>
+              <a:t>手続き</a:t>
+            </a:r>
+            <a:r>
+              <a:rPr lang="en-US" altLang="ja-JP" dirty="0" smtClean="0"/>
+              <a:t>&gt; &lt;</a:t>
+            </a:r>
+            <a:r>
+              <a:rPr lang="ja-JP" altLang="en-US" dirty="0" smtClean="0"/>
+              <a:t>引数</a:t>
+            </a:r>
+            <a:r>
+              <a:rPr lang="en-US" altLang="ja-JP" dirty="0" smtClean="0"/>
+              <a:t>1&gt; &lt;</a:t>
+            </a:r>
+            <a:r>
+              <a:rPr lang="ja-JP" altLang="en-US" dirty="0" smtClean="0"/>
+              <a:t>引数</a:t>
+            </a:r>
+            <a:r>
+              <a:rPr lang="en-US" altLang="ja-JP" dirty="0" smtClean="0"/>
+              <a:t>2&gt;</a:t>
+            </a:r>
+            <a:r>
+              <a:rPr lang="ja-JP" altLang="en-US" dirty="0" smtClean="0"/>
+              <a:t>　･･･）</a:t>
+            </a:r>
+            <a:endParaRPr lang="en-US" altLang="ja-JP" dirty="0" smtClean="0"/>
+          </a:p>
+          <a:p>
+            <a:pPr marL="82296" indent="0">
+              <a:buNone/>
+            </a:pPr>
+            <a:r>
+              <a:rPr lang="en-US" altLang="ja-JP" dirty="0" smtClean="0"/>
+              <a:t>(+ 1 2 3)</a:t>
+            </a:r>
+          </a:p>
+          <a:p>
+            <a:pPr marL="82296" indent="0">
+              <a:buNone/>
+            </a:pPr>
+            <a:endParaRPr lang="en-US" altLang="ja-JP" dirty="0" smtClean="0"/>
+          </a:p>
+          <a:p>
+            <a:pPr marL="82296" indent="0">
+              <a:buNone/>
+            </a:pPr>
+            <a:r>
+              <a:rPr lang="ja-JP" altLang="en-US" dirty="0" smtClean="0"/>
+              <a:t>・データとしてのリストはクオートを付ける</a:t>
+            </a:r>
+            <a:endParaRPr lang="en-US" altLang="ja-JP" dirty="0" smtClean="0"/>
+          </a:p>
+          <a:p>
+            <a:pPr marL="82296" indent="0">
+              <a:buNone/>
+            </a:pPr>
+            <a:r>
+              <a:rPr lang="en-US" altLang="ja-JP" dirty="0" smtClean="0"/>
+              <a:t>‘(1 2 3)</a:t>
+            </a:r>
+          </a:p>
+          <a:p>
+            <a:pPr marL="82296" indent="0">
+              <a:buNone/>
+            </a:pPr>
+            <a:endParaRPr lang="en-US" altLang="ja-JP" dirty="0" smtClean="0"/>
+          </a:p>
+          <a:p>
+            <a:pPr marL="82296" indent="0">
+              <a:buNone/>
+            </a:pPr>
+            <a:r>
+              <a:rPr lang="ja-JP" altLang="en-US" dirty="0" smtClean="0"/>
+              <a:t>例）リストの連結処理</a:t>
+            </a:r>
+            <a:endParaRPr lang="en-US" altLang="ja-JP" dirty="0" smtClean="0"/>
+          </a:p>
+          <a:p>
+            <a:pPr marL="82296" indent="0">
+              <a:buNone/>
+            </a:pPr>
+            <a:r>
+              <a:rPr lang="nl-NL" altLang="ja-JP" dirty="0"/>
+              <a:t>(append '(1 2 3) '(4 5 6))</a:t>
+            </a:r>
+            <a:endParaRPr lang="en-US" altLang="ja-JP" dirty="0"/>
+          </a:p>
+        </p:txBody>
+      </p:sp>
+      <p:sp>
+        <p:nvSpPr>
+          <p:cNvPr id="4" name="角丸四角形吹き出し 3"/>
+          <p:cNvSpPr/>
+          <p:nvPr/>
+        </p:nvSpPr>
+        <p:spPr>
+          <a:xfrm>
+            <a:off x="3995936" y="2564904"/>
+            <a:ext cx="2952328" cy="720080"/>
+          </a:xfrm>
+          <a:prstGeom prst="wedgeRoundRectCallout">
+            <a:avLst>
+              <a:gd name="adj1" fmla="val -62129"/>
+              <a:gd name="adj2" fmla="val -32739"/>
+              <a:gd name="adj3" fmla="val 16667"/>
+            </a:avLst>
+          </a:prstGeom>
+        </p:spPr>
+        <p:style>
+          <a:lnRef idx="2">
+            <a:schemeClr val="accent1">
+              <a:shade val="50000"/>
+            </a:schemeClr>
+          </a:lnRef>
+          <a:fillRef idx="1">
+            <a:schemeClr val="accent1"/>
+          </a:fillRef>
+          <a:effectRef idx="0">
+            <a:schemeClr val="accent1"/>
+          </a:effectRef>
+          <a:fontRef idx="minor">
+            <a:schemeClr val="lt1"/>
+          </a:fontRef>
+        </p:style>
+        <p:txBody>
+          <a:bodyPr rtlCol="0" anchor="ctr"/>
+          <a:lstStyle/>
+          <a:p>
+            <a:pPr algn="ctr"/>
+            <a:r>
               <a:rPr lang="en-US" altLang="ja-JP" dirty="0" smtClean="0"/>
               <a:t>Scheme</a:t>
             </a:r>
             <a:r>
               <a:rPr lang="ja-JP" altLang="en-US" dirty="0" smtClean="0"/>
-              <a:t>ではすべてが式であり、プログラムの実行は式の結果を求めることに帰着する。</a:t>
-            </a:r>
-            <a:endParaRPr lang="en-US" altLang="ja-JP" dirty="0"/>
+              <a:t>に</a:t>
+            </a:r>
+            <a:endParaRPr lang="en-US" altLang="ja-JP" dirty="0" smtClean="0"/>
+          </a:p>
+          <a:p>
+            <a:pPr algn="ctr"/>
+            <a:r>
+              <a:rPr lang="ja-JP" altLang="en-US" dirty="0" smtClean="0"/>
+              <a:t>演算子というものは無いのだよ</a:t>
+            </a:r>
+            <a:endParaRPr kumimoji="1" lang="ja-JP" altLang="en-US" dirty="0"/>
           </a:p>
         </p:txBody>
       </p:sp>
     </p:spTree>
     <p:extLst>
       <p:ext uri="{BB962C8B-B14F-4D97-AF65-F5344CB8AC3E}">
-        <p14:creationId xmlns:p14="http://schemas.microsoft.com/office/powerpoint/2010/main" val="231803112"/>
+        <p14:creationId xmlns:p14="http://schemas.microsoft.com/office/powerpoint/2010/main" val="3513868151"/>
       </p:ext>
     </p:extLst>
   </p:cSld>
@@ -7808,6 +7560,14 @@
           <a:bodyPr/>
           <a:lstStyle/>
           <a:p>
+            <a:r>
+              <a:rPr kumimoji="1" lang="ja-JP" altLang="en-US" dirty="0" smtClean="0"/>
+              <a:t>重要な組み込み手続き</a:t>
+            </a:r>
+            <a:r>
+              <a:rPr kumimoji="1" lang="en-US" altLang="ja-JP" dirty="0" smtClean="0"/>
+              <a:t>1</a:t>
+            </a:r>
             <a:endParaRPr kumimoji="1" lang="ja-JP" altLang="en-US" dirty="0"/>
           </a:p>
         </p:txBody>
@@ -7824,8 +7584,8 @@
         </p:nvSpPr>
         <p:spPr>
           <a:xfrm>
-            <a:off x="899592" y="1447800"/>
-            <a:ext cx="8136904" cy="4069432"/>
+            <a:off x="1115616" y="1124744"/>
+            <a:ext cx="7818072" cy="5544616"/>
           </a:xfrm>
         </p:spPr>
         <p:txBody>
@@ -7834,33 +7594,128 @@
           </a:bodyPr>
           <a:lstStyle/>
           <a:p>
-            <a:pPr marL="82296" indent="0" algn="ctr">
-              <a:buNone/>
-            </a:pPr>
-            <a:endParaRPr kumimoji="1" lang="en-US" altLang="ja-JP" sz="4400" dirty="0" smtClean="0"/>
-          </a:p>
-          <a:p>
-            <a:pPr marL="82296" indent="0" algn="ctr">
-              <a:buNone/>
-            </a:pPr>
-            <a:endParaRPr kumimoji="1" lang="en-US" altLang="ja-JP" sz="4400" dirty="0" smtClean="0"/>
-          </a:p>
-          <a:p>
-            <a:pPr marL="82296" indent="0" algn="ctr">
-              <a:buNone/>
-            </a:pPr>
-            <a:r>
-              <a:rPr kumimoji="1" lang="ja-JP" altLang="en-US" sz="4400" dirty="0" smtClean="0"/>
-              <a:t>前回のおさらい</a:t>
-            </a:r>
-            <a:endParaRPr kumimoji="1" lang="en-US" altLang="ja-JP" sz="4400" dirty="0" smtClean="0"/>
+            <a:pPr marL="82296" indent="0">
+              <a:buNone/>
+            </a:pPr>
+            <a:r>
+              <a:rPr lang="ja-JP" altLang="en-US" dirty="0" smtClean="0"/>
+              <a:t>・手続き </a:t>
+            </a:r>
+            <a:r>
+              <a:rPr lang="en-US" altLang="ja-JP" dirty="0" smtClean="0"/>
+              <a:t>car</a:t>
+            </a:r>
+          </a:p>
+          <a:p>
+            <a:pPr marL="82296" indent="0">
+              <a:buNone/>
+            </a:pPr>
+            <a:r>
+              <a:rPr lang="ja-JP" altLang="en-US" dirty="0" smtClean="0"/>
+              <a:t>　リストの先頭要素を返す</a:t>
+            </a:r>
+            <a:endParaRPr lang="en-US" altLang="ja-JP" dirty="0" smtClean="0"/>
+          </a:p>
+          <a:p>
+            <a:pPr marL="82296" indent="0">
+              <a:buNone/>
+            </a:pPr>
+            <a:r>
+              <a:rPr lang="en-US" altLang="ja-JP" dirty="0" smtClean="0"/>
+              <a:t>(car ‘(1 2 3))</a:t>
+            </a:r>
+          </a:p>
+          <a:p>
+            <a:pPr marL="82296" indent="0">
+              <a:buNone/>
+            </a:pPr>
+            <a:r>
+              <a:rPr lang="en-US" altLang="ja-JP" dirty="0" smtClean="0"/>
+              <a:t>=&gt; </a:t>
+            </a:r>
+            <a:r>
+              <a:rPr lang="en-US" altLang="ja-JP" dirty="0" smtClean="0"/>
+              <a:t>1</a:t>
+            </a:r>
+          </a:p>
+          <a:p>
+            <a:pPr marL="82296" indent="0">
+              <a:buNone/>
+            </a:pPr>
+            <a:endParaRPr lang="en-US" altLang="ja-JP" dirty="0" smtClean="0"/>
+          </a:p>
+          <a:p>
+            <a:pPr marL="82296" indent="0">
+              <a:buNone/>
+            </a:pPr>
+            <a:r>
+              <a:rPr lang="ja-JP" altLang="en-US" dirty="0" smtClean="0"/>
+              <a:t>・手続き </a:t>
+            </a:r>
+            <a:r>
+              <a:rPr lang="en-US" altLang="ja-JP" dirty="0" err="1" smtClean="0"/>
+              <a:t>cdr</a:t>
+            </a:r>
+            <a:endParaRPr lang="en-US" altLang="ja-JP" dirty="0" smtClean="0"/>
+          </a:p>
+          <a:p>
+            <a:pPr marL="82296" indent="0">
+              <a:buNone/>
+            </a:pPr>
+            <a:r>
+              <a:rPr lang="ja-JP" altLang="en-US" dirty="0" smtClean="0"/>
+              <a:t>　リストの先頭を除いた残り</a:t>
+            </a:r>
+            <a:r>
+              <a:rPr lang="ja-JP" altLang="en-US" dirty="0" smtClean="0"/>
+              <a:t>の要素を</a:t>
+            </a:r>
+            <a:r>
+              <a:rPr lang="ja-JP" altLang="en-US" dirty="0" smtClean="0"/>
+              <a:t>返す</a:t>
+            </a:r>
+            <a:endParaRPr lang="en-US" altLang="ja-JP" dirty="0" smtClean="0"/>
+          </a:p>
+          <a:p>
+            <a:pPr marL="82296" indent="0">
+              <a:buNone/>
+            </a:pPr>
+            <a:r>
+              <a:rPr lang="en-US" altLang="ja-JP" dirty="0"/>
+              <a:t>(</a:t>
+            </a:r>
+            <a:r>
+              <a:rPr lang="en-US" altLang="ja-JP" dirty="0" err="1" smtClean="0"/>
+              <a:t>cdr</a:t>
+            </a:r>
+            <a:r>
+              <a:rPr lang="en-US" altLang="ja-JP" dirty="0" smtClean="0"/>
+              <a:t> </a:t>
+            </a:r>
+            <a:r>
+              <a:rPr lang="en-US" altLang="ja-JP" dirty="0"/>
+              <a:t>‘(1 2 3))</a:t>
+            </a:r>
+          </a:p>
+          <a:p>
+            <a:pPr marL="82296" indent="0">
+              <a:buNone/>
+            </a:pPr>
+            <a:r>
+              <a:rPr lang="en-US" altLang="ja-JP" dirty="0" smtClean="0"/>
+              <a:t>=&gt; </a:t>
+            </a:r>
+            <a:r>
+              <a:rPr lang="en-US" altLang="ja-JP" dirty="0" smtClean="0"/>
+              <a:t>(2 3)</a:t>
+            </a:r>
           </a:p>
         </p:txBody>
       </p:sp>
     </p:spTree>
     <p:extLst>
       <p:ext uri="{BB962C8B-B14F-4D97-AF65-F5344CB8AC3E}">
-        <p14:creationId xmlns:p14="http://schemas.microsoft.com/office/powerpoint/2010/main" val="125130579"/>
+        <p14:creationId xmlns:p14="http://schemas.microsoft.com/office/powerpoint/2010/main" val="235823119"/>
       </p:ext>
     </p:extLst>
   </p:cSld>
@@ -7911,6 +7766,949 @@
           <a:p>
             <a:r>
               <a:rPr kumimoji="1" lang="ja-JP" altLang="en-US" dirty="0" smtClean="0"/>
+              <a:t>重要な組み込み手続き</a:t>
+            </a:r>
+            <a:r>
+              <a:rPr kumimoji="1" lang="en-US" altLang="ja-JP" dirty="0" smtClean="0"/>
+              <a:t>2</a:t>
+            </a:r>
+            <a:endParaRPr kumimoji="1" lang="ja-JP" altLang="en-US" dirty="0"/>
+          </a:p>
+        </p:txBody>
+      </p:sp>
+      <p:sp>
+        <p:nvSpPr>
+          <p:cNvPr id="3" name="コンテンツ プレースホルダー 2"/>
+          <p:cNvSpPr>
+            <a:spLocks noGrp="1"/>
+          </p:cNvSpPr>
+          <p:nvPr>
+            <p:ph idx="1"/>
+          </p:nvPr>
+        </p:nvSpPr>
+        <p:spPr>
+          <a:xfrm>
+            <a:off x="1115616" y="1124744"/>
+            <a:ext cx="7818072" cy="5544616"/>
+          </a:xfrm>
+        </p:spPr>
+        <p:txBody>
+          <a:bodyPr>
+            <a:normAutofit/>
+          </a:bodyPr>
+          <a:lstStyle/>
+          <a:p>
+            <a:pPr marL="82296" indent="0">
+              <a:buNone/>
+            </a:pPr>
+            <a:r>
+              <a:rPr lang="ja-JP" altLang="en-US" dirty="0" smtClean="0"/>
+              <a:t>・手続き </a:t>
+            </a:r>
+            <a:r>
+              <a:rPr lang="en-US" altLang="ja-JP" dirty="0" smtClean="0"/>
+              <a:t>cons</a:t>
+            </a:r>
+          </a:p>
+          <a:p>
+            <a:pPr marL="82296" indent="0">
+              <a:buNone/>
+            </a:pPr>
+            <a:r>
+              <a:rPr lang="ja-JP" altLang="en-US" dirty="0" smtClean="0"/>
+              <a:t>　先頭要素と残りのリストを</a:t>
+            </a:r>
+            <a:r>
+              <a:rPr lang="ja-JP" altLang="en-US" dirty="0"/>
+              <a:t>連結</a:t>
+            </a:r>
+            <a:r>
+              <a:rPr lang="ja-JP" altLang="en-US" dirty="0" smtClean="0"/>
+              <a:t>する</a:t>
+            </a:r>
+            <a:endParaRPr lang="en-US" altLang="ja-JP" dirty="0" smtClean="0"/>
+          </a:p>
+          <a:p>
+            <a:pPr marL="82296" indent="0">
+              <a:buNone/>
+            </a:pPr>
+            <a:r>
+              <a:rPr lang="en-US" altLang="ja-JP" dirty="0" smtClean="0"/>
+              <a:t>(cons 1 ‘(2 3))</a:t>
+            </a:r>
+          </a:p>
+          <a:p>
+            <a:pPr marL="82296" indent="0">
+              <a:buNone/>
+            </a:pPr>
+            <a:r>
+              <a:rPr lang="en-US" altLang="ja-JP" dirty="0" smtClean="0"/>
+              <a:t>=&gt; </a:t>
+            </a:r>
+            <a:r>
+              <a:rPr lang="en-US" altLang="ja-JP" dirty="0" smtClean="0"/>
+              <a:t>(1 2 3)</a:t>
+            </a:r>
+          </a:p>
+          <a:p>
+            <a:pPr marL="82296" indent="0">
+              <a:buNone/>
+            </a:pPr>
+            <a:endParaRPr lang="en-US" altLang="ja-JP" dirty="0" smtClean="0"/>
+          </a:p>
+          <a:p>
+            <a:pPr marL="82296" indent="0">
+              <a:buNone/>
+            </a:pPr>
+            <a:r>
+              <a:rPr lang="en-US" altLang="ja-JP" dirty="0" smtClean="0"/>
+              <a:t>(cons (car </a:t>
+            </a:r>
+            <a:r>
+              <a:rPr lang="en-US" altLang="ja-JP" dirty="0" err="1" smtClean="0"/>
+              <a:t>lis</a:t>
+            </a:r>
+            <a:r>
+              <a:rPr lang="en-US" altLang="ja-JP" dirty="0" smtClean="0"/>
+              <a:t>) (</a:t>
+            </a:r>
+            <a:r>
+              <a:rPr lang="en-US" altLang="ja-JP" dirty="0" err="1" smtClean="0"/>
+              <a:t>cdr</a:t>
+            </a:r>
+            <a:r>
+              <a:rPr lang="en-US" altLang="ja-JP" dirty="0" smtClean="0"/>
+              <a:t> </a:t>
+            </a:r>
+            <a:r>
+              <a:rPr lang="en-US" altLang="ja-JP" dirty="0" err="1" smtClean="0"/>
+              <a:t>lis</a:t>
+            </a:r>
+            <a:r>
+              <a:rPr lang="en-US" altLang="ja-JP" dirty="0" smtClean="0"/>
+              <a:t>))</a:t>
+            </a:r>
+          </a:p>
+          <a:p>
+            <a:pPr marL="82296" indent="0">
+              <a:buNone/>
+            </a:pPr>
+            <a:r>
+              <a:rPr lang="en-US" altLang="ja-JP" dirty="0" smtClean="0"/>
+              <a:t>=&gt; </a:t>
+            </a:r>
+            <a:r>
+              <a:rPr lang="en-US" altLang="ja-JP" dirty="0" err="1" smtClean="0"/>
+              <a:t>lis</a:t>
+            </a:r>
+            <a:endParaRPr lang="en-US" altLang="ja-JP" dirty="0" smtClean="0"/>
+          </a:p>
+        </p:txBody>
+      </p:sp>
+    </p:spTree>
+    <p:extLst>
+      <p:ext uri="{BB962C8B-B14F-4D97-AF65-F5344CB8AC3E}">
+        <p14:creationId xmlns:p14="http://schemas.microsoft.com/office/powerpoint/2010/main" val="3029638908"/>
+      </p:ext>
+    </p:extLst>
+  </p:cSld>
+  <p:clrMapOvr>
+    <a:masterClrMapping/>
+  </p:clrMapOvr>
+  <p:timing>
+    <p:tnLst>
+      <p:par>
+        <p:cTn id="1" dur="indefinite" restart="never" nodeType="tmRoot"/>
+      </p:par>
+    </p:tnLst>
+  </p:timing>
+</p:sld>
+</file>
+
+<file path=ppt/slides/slide23.xml><?xml version="1.0" encoding="utf-8"?>
+<p:sld xmlns:a="http://schemas.openxmlformats.org/drawingml/2006/main" xmlns:r="http://schemas.openxmlformats.org/officeDocument/2006/relationships" xmlns:p="http://schemas.openxmlformats.org/presentationml/2006/main">
+  <p:cSld>
+    <p:spTree>
+      <p:nvGrpSpPr>
+        <p:cNvPr id="1" name=""/>
+        <p:cNvGrpSpPr/>
+        <p:nvPr/>
+      </p:nvGrpSpPr>
+      <p:grpSpPr>
+        <a:xfrm>
+          <a:off x="0" y="0"/>
+          <a:ext cx="0" cy="0"/>
+          <a:chOff x="0" y="0"/>
+          <a:chExt cx="0" cy="0"/>
+        </a:xfrm>
+      </p:grpSpPr>
+      <p:sp>
+        <p:nvSpPr>
+          <p:cNvPr id="2" name="タイトル 1"/>
+          <p:cNvSpPr>
+            <a:spLocks noGrp="1"/>
+          </p:cNvSpPr>
+          <p:nvPr>
+            <p:ph type="title"/>
+          </p:nvPr>
+        </p:nvSpPr>
+        <p:spPr/>
+        <p:txBody>
+          <a:bodyPr/>
+          <a:lstStyle/>
+          <a:p>
+            <a:r>
+              <a:rPr lang="en-US" altLang="ja-JP" dirty="0" smtClean="0"/>
+              <a:t>Scheme</a:t>
+            </a:r>
+            <a:r>
+              <a:rPr lang="ja-JP" altLang="en-US" dirty="0" err="1" smtClean="0"/>
+              <a:t>での</a:t>
+            </a:r>
+            <a:r>
+              <a:rPr lang="ja-JP" altLang="en-US" dirty="0" smtClean="0"/>
+              <a:t>リストの</a:t>
+            </a:r>
+            <a:r>
+              <a:rPr lang="ja-JP" altLang="en-US" dirty="0"/>
+              <a:t>考え方</a:t>
+            </a:r>
+            <a:endParaRPr kumimoji="1" lang="ja-JP" altLang="en-US" dirty="0"/>
+          </a:p>
+        </p:txBody>
+      </p:sp>
+      <p:sp>
+        <p:nvSpPr>
+          <p:cNvPr id="3" name="コンテンツ プレースホルダー 2"/>
+          <p:cNvSpPr>
+            <a:spLocks noGrp="1"/>
+          </p:cNvSpPr>
+          <p:nvPr>
+            <p:ph idx="1"/>
+          </p:nvPr>
+        </p:nvSpPr>
+        <p:spPr>
+          <a:xfrm>
+            <a:off x="971600" y="1124744"/>
+            <a:ext cx="8172400" cy="5544616"/>
+          </a:xfrm>
+        </p:spPr>
+        <p:txBody>
+          <a:bodyPr>
+            <a:normAutofit/>
+          </a:bodyPr>
+          <a:lstStyle/>
+          <a:p>
+            <a:pPr marL="82296" indent="0">
+              <a:buNone/>
+            </a:pPr>
+            <a:r>
+              <a:rPr lang="ja-JP" altLang="en-US" dirty="0"/>
+              <a:t>内部的</a:t>
+            </a:r>
+            <a:r>
+              <a:rPr lang="ja-JP" altLang="en-US" dirty="0" smtClean="0"/>
+              <a:t>には</a:t>
+            </a:r>
+            <a:r>
+              <a:rPr lang="en-US" altLang="ja-JP" b="1" dirty="0" smtClean="0"/>
+              <a:t>2</a:t>
+            </a:r>
+            <a:r>
+              <a:rPr lang="ja-JP" altLang="en-US" b="1" dirty="0" err="1" smtClean="0"/>
+              <a:t>つの</a:t>
+            </a:r>
+            <a:r>
+              <a:rPr lang="ja-JP" altLang="en-US" b="1" dirty="0" smtClean="0"/>
+              <a:t>ポインタを持った対の連なり。</a:t>
+            </a:r>
+            <a:endParaRPr lang="en-US" altLang="ja-JP" b="1" dirty="0" smtClean="0"/>
+          </a:p>
+          <a:p>
+            <a:pPr marL="82296" indent="0">
+              <a:buNone/>
+            </a:pPr>
+            <a:r>
+              <a:rPr lang="ja-JP" altLang="en-US" b="1" dirty="0" smtClean="0"/>
+              <a:t>値</a:t>
+            </a:r>
+            <a:r>
+              <a:rPr lang="ja-JP" altLang="en-US" dirty="0" smtClean="0"/>
+              <a:t>そのものと</a:t>
+            </a:r>
+            <a:r>
+              <a:rPr lang="ja-JP" altLang="en-US" b="1" dirty="0" smtClean="0"/>
+              <a:t>次の要素の情報</a:t>
+            </a:r>
+            <a:r>
+              <a:rPr lang="ja-JP" altLang="en-US" dirty="0" smtClean="0"/>
+              <a:t>を持つ</a:t>
+            </a:r>
+            <a:endParaRPr lang="en-US" altLang="ja-JP" dirty="0" smtClean="0"/>
+          </a:p>
+          <a:p>
+            <a:pPr marL="82296" indent="0">
+              <a:buNone/>
+            </a:pPr>
+            <a:endParaRPr lang="en-US" altLang="ja-JP" b="1" dirty="0"/>
+          </a:p>
+          <a:p>
+            <a:pPr marL="82296" indent="0">
+              <a:buNone/>
+            </a:pPr>
+            <a:r>
+              <a:rPr lang="ja-JP" altLang="en-US" dirty="0" smtClean="0"/>
+              <a:t>・最後の</a:t>
+            </a:r>
+            <a:r>
+              <a:rPr lang="en-US" altLang="ja-JP" dirty="0" err="1" smtClean="0"/>
+              <a:t>cdr</a:t>
+            </a:r>
+            <a:r>
+              <a:rPr lang="ja-JP" altLang="en-US" dirty="0" smtClean="0"/>
+              <a:t>部が空リスト：正式なリスト</a:t>
+            </a:r>
+            <a:endParaRPr lang="en-US" altLang="ja-JP" b="1" dirty="0" smtClean="0"/>
+          </a:p>
+          <a:p>
+            <a:pPr marL="82296" indent="0">
+              <a:buNone/>
+            </a:pPr>
+            <a:endParaRPr lang="en-US" altLang="ja-JP" dirty="0" smtClean="0"/>
+          </a:p>
+          <a:p>
+            <a:pPr marL="82296" indent="0">
+              <a:buNone/>
+            </a:pPr>
+            <a:r>
+              <a:rPr lang="ja-JP" altLang="en-US" dirty="0" smtClean="0"/>
+              <a:t>・最後の</a:t>
+            </a:r>
+            <a:r>
+              <a:rPr lang="en-US" altLang="ja-JP" dirty="0" err="1" smtClean="0"/>
+              <a:t>cdr</a:t>
+            </a:r>
+            <a:r>
+              <a:rPr lang="ja-JP" altLang="en-US" dirty="0" smtClean="0"/>
+              <a:t>部が空リストでない：ドットリスト</a:t>
+            </a:r>
+            <a:endParaRPr lang="en-US" altLang="ja-JP" dirty="0" smtClean="0"/>
+          </a:p>
+          <a:p>
+            <a:pPr marL="82296" indent="0">
+              <a:buNone/>
+            </a:pPr>
+            <a:endParaRPr lang="en-US" altLang="ja-JP" dirty="0"/>
+          </a:p>
+          <a:p>
+            <a:pPr marL="82296" indent="0">
+              <a:buNone/>
+            </a:pPr>
+            <a:r>
+              <a:rPr lang="en-US" altLang="ja-JP" sz="2000" dirty="0">
+                <a:hlinkClick r:id="rId2"/>
+              </a:rPr>
+              <a:t>https://</a:t>
+            </a:r>
+            <a:r>
+              <a:rPr lang="en-US" altLang="ja-JP" sz="2000" dirty="0" smtClean="0">
+                <a:hlinkClick r:id="rId2"/>
+              </a:rPr>
+              <a:t>www.shido.info/lisp/scheme3.html</a:t>
+            </a:r>
+            <a:endParaRPr lang="en-US" altLang="ja-JP" sz="2000" dirty="0" smtClean="0"/>
+          </a:p>
+          <a:p>
+            <a:pPr marL="82296" indent="0">
+              <a:buNone/>
+            </a:pPr>
+            <a:endParaRPr lang="en-US" altLang="ja-JP" sz="2000" dirty="0" smtClean="0">
+              <a:hlinkClick r:id="rId3"/>
+            </a:endParaRPr>
+          </a:p>
+          <a:p>
+            <a:pPr marL="82296" indent="0">
+              <a:buNone/>
+            </a:pPr>
+            <a:r>
+              <a:rPr lang="en-US" altLang="ja-JP" sz="2000" dirty="0" smtClean="0">
+                <a:hlinkClick r:id="rId3"/>
+              </a:rPr>
+              <a:t>http</a:t>
+            </a:r>
+            <a:r>
+              <a:rPr lang="en-US" altLang="ja-JP" sz="2000" dirty="0">
+                <a:hlinkClick r:id="rId3"/>
+              </a:rPr>
+              <a:t>://</a:t>
+            </a:r>
+            <a:r>
+              <a:rPr lang="en-US" altLang="ja-JP" sz="2000" dirty="0" smtClean="0">
+                <a:hlinkClick r:id="rId3"/>
+              </a:rPr>
+              <a:t>bach.istc.kobe-u.ac.jp/lect/ProLang/org/lisp-cell.html</a:t>
+            </a:r>
+            <a:endParaRPr lang="en-US" altLang="ja-JP" dirty="0"/>
+          </a:p>
+          <a:p>
+            <a:pPr marL="82296" indent="0">
+              <a:buNone/>
+            </a:pPr>
+            <a:endParaRPr lang="en-US" altLang="ja-JP" b="1" dirty="0" smtClean="0"/>
+          </a:p>
+        </p:txBody>
+      </p:sp>
+    </p:spTree>
+    <p:extLst>
+      <p:ext uri="{BB962C8B-B14F-4D97-AF65-F5344CB8AC3E}">
+        <p14:creationId xmlns:p14="http://schemas.microsoft.com/office/powerpoint/2010/main" val="1176395678"/>
+      </p:ext>
+    </p:extLst>
+  </p:cSld>
+  <p:clrMapOvr>
+    <a:masterClrMapping/>
+  </p:clrMapOvr>
+  <p:timing>
+    <p:tnLst>
+      <p:par>
+        <p:cTn id="1" dur="indefinite" restart="never" nodeType="tmRoot"/>
+      </p:par>
+    </p:tnLst>
+  </p:timing>
+</p:sld>
+</file>
+
+<file path=ppt/slides/slide24.xml><?xml version="1.0" encoding="utf-8"?>
+<p:sld xmlns:a="http://schemas.openxmlformats.org/drawingml/2006/main" xmlns:r="http://schemas.openxmlformats.org/officeDocument/2006/relationships" xmlns:p="http://schemas.openxmlformats.org/presentationml/2006/main">
+  <p:cSld>
+    <p:spTree>
+      <p:nvGrpSpPr>
+        <p:cNvPr id="1" name=""/>
+        <p:cNvGrpSpPr/>
+        <p:nvPr/>
+      </p:nvGrpSpPr>
+      <p:grpSpPr>
+        <a:xfrm>
+          <a:off x="0" y="0"/>
+          <a:ext cx="0" cy="0"/>
+          <a:chOff x="0" y="0"/>
+          <a:chExt cx="0" cy="0"/>
+        </a:xfrm>
+      </p:grpSpPr>
+      <p:sp>
+        <p:nvSpPr>
+          <p:cNvPr id="2" name="タイトル 1"/>
+          <p:cNvSpPr>
+            <a:spLocks noGrp="1"/>
+          </p:cNvSpPr>
+          <p:nvPr>
+            <p:ph type="title"/>
+          </p:nvPr>
+        </p:nvSpPr>
+        <p:spPr/>
+        <p:txBody>
+          <a:bodyPr/>
+          <a:lstStyle/>
+          <a:p>
+            <a:r>
+              <a:rPr kumimoji="1" lang="ja-JP" altLang="en-US" dirty="0" smtClean="0"/>
+              <a:t>重要な組み込み手続き３</a:t>
+            </a:r>
+            <a:endParaRPr kumimoji="1" lang="ja-JP" altLang="en-US" dirty="0"/>
+          </a:p>
+        </p:txBody>
+      </p:sp>
+      <p:sp>
+        <p:nvSpPr>
+          <p:cNvPr id="3" name="コンテンツ プレースホルダー 2"/>
+          <p:cNvSpPr>
+            <a:spLocks noGrp="1"/>
+          </p:cNvSpPr>
+          <p:nvPr>
+            <p:ph idx="1"/>
+          </p:nvPr>
+        </p:nvSpPr>
+        <p:spPr>
+          <a:xfrm>
+            <a:off x="1043608" y="1124744"/>
+            <a:ext cx="8100392" cy="5544616"/>
+          </a:xfrm>
+        </p:spPr>
+        <p:txBody>
+          <a:bodyPr>
+            <a:normAutofit/>
+          </a:bodyPr>
+          <a:lstStyle/>
+          <a:p>
+            <a:pPr marL="82296" indent="0">
+              <a:buNone/>
+            </a:pPr>
+            <a:r>
+              <a:rPr lang="ja-JP" altLang="en-US" dirty="0" smtClean="0"/>
+              <a:t>・手続き </a:t>
+            </a:r>
+            <a:r>
+              <a:rPr lang="en-US" altLang="ja-JP" dirty="0" smtClean="0"/>
+              <a:t>fold</a:t>
+            </a:r>
+            <a:endParaRPr lang="en-US" altLang="ja-JP" dirty="0" smtClean="0"/>
+          </a:p>
+          <a:p>
+            <a:pPr marL="82296" indent="0">
+              <a:buNone/>
+            </a:pPr>
+            <a:r>
+              <a:rPr lang="ja-JP" altLang="en-US" dirty="0" smtClean="0"/>
+              <a:t>　</a:t>
+            </a:r>
+            <a:r>
+              <a:rPr lang="en-US" altLang="ja-JP" dirty="0" smtClean="0"/>
+              <a:t>(fold &lt;</a:t>
+            </a:r>
+            <a:r>
+              <a:rPr lang="ja-JP" altLang="en-US" dirty="0" smtClean="0"/>
+              <a:t>手続き</a:t>
+            </a:r>
+            <a:r>
+              <a:rPr lang="en-US" altLang="ja-JP" dirty="0" smtClean="0"/>
+              <a:t>&gt; &lt;</a:t>
+            </a:r>
+            <a:r>
+              <a:rPr lang="ja-JP" altLang="en-US" dirty="0" smtClean="0"/>
+              <a:t>初期値</a:t>
+            </a:r>
+            <a:r>
+              <a:rPr lang="en-US" altLang="ja-JP" dirty="0" smtClean="0"/>
+              <a:t>&gt; &lt;</a:t>
+            </a:r>
+            <a:r>
+              <a:rPr lang="ja-JP" altLang="en-US" dirty="0" smtClean="0"/>
+              <a:t>リスト</a:t>
+            </a:r>
+            <a:r>
+              <a:rPr lang="en-US" altLang="ja-JP" dirty="0" smtClean="0"/>
+              <a:t>&gt;)</a:t>
+            </a:r>
+          </a:p>
+          <a:p>
+            <a:pPr marL="82296" indent="0">
+              <a:buNone/>
+            </a:pPr>
+            <a:r>
+              <a:rPr lang="ja-JP" altLang="en-US" sz="2800" dirty="0" smtClean="0"/>
+              <a:t>①リストの第一要素と初期値を引数に</a:t>
+            </a:r>
+            <a:r>
+              <a:rPr lang="en-US" altLang="ja-JP" sz="2800" dirty="0" smtClean="0"/>
+              <a:t>&lt;</a:t>
+            </a:r>
+            <a:r>
+              <a:rPr lang="ja-JP" altLang="en-US" sz="2800" dirty="0" smtClean="0"/>
+              <a:t>手続き</a:t>
+            </a:r>
+            <a:r>
+              <a:rPr lang="en-US" altLang="ja-JP" sz="2800" dirty="0" smtClean="0"/>
+              <a:t>&gt;</a:t>
+            </a:r>
+            <a:r>
+              <a:rPr lang="ja-JP" altLang="en-US" sz="2800" dirty="0" smtClean="0"/>
+              <a:t>実施</a:t>
+            </a:r>
+            <a:endParaRPr lang="en-US" altLang="ja-JP" sz="2800" dirty="0" smtClean="0"/>
+          </a:p>
+          <a:p>
+            <a:pPr marL="82296" indent="0">
+              <a:buNone/>
+            </a:pPr>
+            <a:r>
+              <a:rPr lang="ja-JP" altLang="en-US" sz="2800" dirty="0" smtClean="0"/>
+              <a:t>②第二要素と①の結果を引数に</a:t>
+            </a:r>
+            <a:r>
+              <a:rPr lang="en-US" altLang="ja-JP" sz="2800" dirty="0" smtClean="0"/>
+              <a:t>&lt;</a:t>
+            </a:r>
+            <a:r>
+              <a:rPr lang="ja-JP" altLang="en-US" sz="2800" dirty="0" smtClean="0"/>
+              <a:t>手続き</a:t>
+            </a:r>
+            <a:r>
+              <a:rPr lang="en-US" altLang="ja-JP" sz="2800" dirty="0" smtClean="0"/>
+              <a:t>&gt;</a:t>
+            </a:r>
+            <a:r>
+              <a:rPr lang="ja-JP" altLang="en-US" sz="2800" dirty="0" smtClean="0"/>
+              <a:t>実施</a:t>
+            </a:r>
+            <a:endParaRPr lang="en-US" altLang="ja-JP" sz="2800" dirty="0" smtClean="0"/>
+          </a:p>
+          <a:p>
+            <a:pPr marL="82296" indent="0">
+              <a:buNone/>
+            </a:pPr>
+            <a:r>
+              <a:rPr lang="ja-JP" altLang="en-US" sz="2800" dirty="0" smtClean="0"/>
+              <a:t>③以下、リストが終わるまで繰り返し</a:t>
+            </a:r>
+            <a:endParaRPr lang="en-US" altLang="ja-JP" sz="2800" dirty="0" smtClean="0"/>
+          </a:p>
+          <a:p>
+            <a:pPr marL="82296" indent="0">
+              <a:buNone/>
+            </a:pPr>
+            <a:endParaRPr lang="en-US" altLang="ja-JP" sz="2800" dirty="0"/>
+          </a:p>
+          <a:p>
+            <a:pPr marL="82296" indent="0">
+              <a:buNone/>
+            </a:pPr>
+            <a:r>
+              <a:rPr lang="en-US" altLang="ja-JP" dirty="0" smtClean="0"/>
+              <a:t>(fold * 1 ‘(1 2 3 4 5))</a:t>
+            </a:r>
+          </a:p>
+          <a:p>
+            <a:pPr marL="82296" indent="0">
+              <a:buNone/>
+            </a:pPr>
+            <a:r>
+              <a:rPr lang="en-US" altLang="ja-JP" dirty="0" smtClean="0"/>
+              <a:t>=&gt; 120</a:t>
+            </a:r>
+            <a:endParaRPr lang="en-US" altLang="ja-JP" dirty="0" smtClean="0"/>
+          </a:p>
+        </p:txBody>
+      </p:sp>
+    </p:spTree>
+    <p:extLst>
+      <p:ext uri="{BB962C8B-B14F-4D97-AF65-F5344CB8AC3E}">
+        <p14:creationId xmlns:p14="http://schemas.microsoft.com/office/powerpoint/2010/main" val="1964440084"/>
+      </p:ext>
+    </p:extLst>
+  </p:cSld>
+  <p:clrMapOvr>
+    <a:masterClrMapping/>
+  </p:clrMapOvr>
+  <p:timing>
+    <p:tnLst>
+      <p:par>
+        <p:cTn id="1" dur="indefinite" restart="never" nodeType="tmRoot"/>
+      </p:par>
+    </p:tnLst>
+  </p:timing>
+</p:sld>
+</file>
+
+<file path=ppt/slides/slide25.xml><?xml version="1.0" encoding="utf-8"?>
+<p:sld xmlns:a="http://schemas.openxmlformats.org/drawingml/2006/main" xmlns:r="http://schemas.openxmlformats.org/officeDocument/2006/relationships" xmlns:p="http://schemas.openxmlformats.org/presentationml/2006/main">
+  <p:cSld>
+    <p:spTree>
+      <p:nvGrpSpPr>
+        <p:cNvPr id="1" name=""/>
+        <p:cNvGrpSpPr/>
+        <p:nvPr/>
+      </p:nvGrpSpPr>
+      <p:grpSpPr>
+        <a:xfrm>
+          <a:off x="0" y="0"/>
+          <a:ext cx="0" cy="0"/>
+          <a:chOff x="0" y="0"/>
+          <a:chExt cx="0" cy="0"/>
+        </a:xfrm>
+      </p:grpSpPr>
+      <p:sp>
+        <p:nvSpPr>
+          <p:cNvPr id="2" name="タイトル 1"/>
+          <p:cNvSpPr>
+            <a:spLocks noGrp="1"/>
+          </p:cNvSpPr>
+          <p:nvPr>
+            <p:ph type="title"/>
+          </p:nvPr>
+        </p:nvSpPr>
+        <p:spPr/>
+        <p:txBody>
+          <a:bodyPr/>
+          <a:lstStyle/>
+          <a:p>
+            <a:r>
+              <a:rPr kumimoji="1" lang="ja-JP" altLang="en-US" dirty="0" smtClean="0"/>
+              <a:t>ハローワールド</a:t>
+            </a:r>
+            <a:endParaRPr kumimoji="1" lang="ja-JP" altLang="en-US" dirty="0"/>
+          </a:p>
+        </p:txBody>
+      </p:sp>
+      <p:sp>
+        <p:nvSpPr>
+          <p:cNvPr id="3" name="コンテンツ プレースホルダー 2"/>
+          <p:cNvSpPr>
+            <a:spLocks noGrp="1"/>
+          </p:cNvSpPr>
+          <p:nvPr>
+            <p:ph idx="1"/>
+          </p:nvPr>
+        </p:nvSpPr>
+        <p:spPr>
+          <a:xfrm>
+            <a:off x="1115616" y="1124744"/>
+            <a:ext cx="7818072" cy="5544616"/>
+          </a:xfrm>
+        </p:spPr>
+        <p:txBody>
+          <a:bodyPr>
+            <a:normAutofit/>
+          </a:bodyPr>
+          <a:lstStyle/>
+          <a:p>
+            <a:pPr marL="82296" indent="0">
+              <a:buNone/>
+            </a:pPr>
+            <a:r>
+              <a:rPr lang="ja-JP" altLang="en-US" dirty="0" smtClean="0"/>
+              <a:t>・対話型の場合</a:t>
+            </a:r>
+            <a:endParaRPr lang="en-US" altLang="ja-JP" dirty="0" smtClean="0"/>
+          </a:p>
+          <a:p>
+            <a:pPr marL="82296" indent="0">
+              <a:buNone/>
+            </a:pPr>
+            <a:r>
+              <a:rPr lang="en-US" altLang="ja-JP" dirty="0" smtClean="0"/>
+              <a:t>(print “Hello, world.”)</a:t>
+            </a:r>
+          </a:p>
+          <a:p>
+            <a:pPr marL="82296" indent="0">
+              <a:buNone/>
+            </a:pPr>
+            <a:endParaRPr lang="en-US" altLang="ja-JP" dirty="0"/>
+          </a:p>
+          <a:p>
+            <a:pPr marL="82296" indent="0">
+              <a:buNone/>
+            </a:pPr>
+            <a:endParaRPr lang="en-US" altLang="ja-JP" dirty="0" smtClean="0"/>
+          </a:p>
+          <a:p>
+            <a:pPr marL="82296" indent="0">
+              <a:buNone/>
+            </a:pPr>
+            <a:r>
+              <a:rPr lang="ja-JP" altLang="en-US" smtClean="0"/>
+              <a:t>・ファイル呼び出しの場合</a:t>
+            </a:r>
+            <a:endParaRPr lang="en-US" altLang="ja-JP" dirty="0"/>
+          </a:p>
+          <a:p>
+            <a:pPr marL="82296" indent="0">
+              <a:buNone/>
+            </a:pPr>
+            <a:r>
+              <a:rPr lang="en-US" altLang="ja-JP" dirty="0" smtClean="0"/>
+              <a:t>(</a:t>
+            </a:r>
+            <a:r>
+              <a:rPr lang="en-US" altLang="ja-JP" dirty="0"/>
+              <a:t>define (main </a:t>
+            </a:r>
+            <a:r>
+              <a:rPr lang="en-US" altLang="ja-JP" dirty="0" err="1"/>
+              <a:t>args</a:t>
+            </a:r>
+            <a:r>
+              <a:rPr lang="en-US" altLang="ja-JP" dirty="0"/>
+              <a:t>)</a:t>
+            </a:r>
+          </a:p>
+          <a:p>
+            <a:pPr marL="82296" indent="0">
+              <a:buNone/>
+            </a:pPr>
+            <a:r>
+              <a:rPr lang="ja-JP" altLang="en-US" dirty="0" smtClean="0"/>
+              <a:t>  </a:t>
+            </a:r>
+            <a:r>
+              <a:rPr lang="en-US" altLang="ja-JP" dirty="0" smtClean="0"/>
+              <a:t>(</a:t>
+            </a:r>
+            <a:r>
+              <a:rPr lang="en-US" altLang="ja-JP" dirty="0"/>
+              <a:t>print "Hello, world.")</a:t>
+            </a:r>
+          </a:p>
+          <a:p>
+            <a:pPr marL="82296" indent="0">
+              <a:buNone/>
+            </a:pPr>
+            <a:r>
+              <a:rPr lang="en-US" altLang="ja-JP" dirty="0" smtClean="0"/>
+              <a:t>  0</a:t>
+            </a:r>
+            <a:r>
+              <a:rPr lang="en-US" altLang="ja-JP" dirty="0"/>
+              <a:t>)</a:t>
+            </a:r>
+          </a:p>
+        </p:txBody>
+      </p:sp>
+    </p:spTree>
+    <p:extLst>
+      <p:ext uri="{BB962C8B-B14F-4D97-AF65-F5344CB8AC3E}">
+        <p14:creationId xmlns:p14="http://schemas.microsoft.com/office/powerpoint/2010/main" val="751171923"/>
+      </p:ext>
+    </p:extLst>
+  </p:cSld>
+  <p:clrMapOvr>
+    <a:masterClrMapping/>
+  </p:clrMapOvr>
+  <p:timing>
+    <p:tnLst>
+      <p:par>
+        <p:cTn id="1" dur="indefinite" restart="never" nodeType="tmRoot"/>
+      </p:par>
+    </p:tnLst>
+  </p:timing>
+</p:sld>
+</file>
+
+<file path=ppt/slides/slide26.xml><?xml version="1.0" encoding="utf-8"?>
+<p:sld xmlns:a="http://schemas.openxmlformats.org/drawingml/2006/main" xmlns:r="http://schemas.openxmlformats.org/officeDocument/2006/relationships" xmlns:p="http://schemas.openxmlformats.org/presentationml/2006/main">
+  <p:cSld>
+    <p:spTree>
+      <p:nvGrpSpPr>
+        <p:cNvPr id="1" name=""/>
+        <p:cNvGrpSpPr/>
+        <p:nvPr/>
+      </p:nvGrpSpPr>
+      <p:grpSpPr>
+        <a:xfrm>
+          <a:off x="0" y="0"/>
+          <a:ext cx="0" cy="0"/>
+          <a:chOff x="0" y="0"/>
+          <a:chExt cx="0" cy="0"/>
+        </a:xfrm>
+      </p:grpSpPr>
+      <p:sp>
+        <p:nvSpPr>
+          <p:cNvPr id="2" name="タイトル 1"/>
+          <p:cNvSpPr>
+            <a:spLocks noGrp="1"/>
+          </p:cNvSpPr>
+          <p:nvPr>
+            <p:ph type="title"/>
+          </p:nvPr>
+        </p:nvSpPr>
+        <p:spPr/>
+        <p:txBody>
+          <a:bodyPr/>
+          <a:lstStyle/>
+          <a:p>
+            <a:endParaRPr kumimoji="1" lang="ja-JP" altLang="en-US" dirty="0"/>
+          </a:p>
+        </p:txBody>
+      </p:sp>
+      <p:sp>
+        <p:nvSpPr>
+          <p:cNvPr id="3" name="コンテンツ プレースホルダー 2"/>
+          <p:cNvSpPr>
+            <a:spLocks noGrp="1"/>
+          </p:cNvSpPr>
+          <p:nvPr>
+            <p:ph idx="1"/>
+          </p:nvPr>
+        </p:nvSpPr>
+        <p:spPr>
+          <a:xfrm>
+            <a:off x="899592" y="1447800"/>
+            <a:ext cx="8136904" cy="4069432"/>
+          </a:xfrm>
+        </p:spPr>
+        <p:txBody>
+          <a:bodyPr>
+            <a:normAutofit/>
+          </a:bodyPr>
+          <a:lstStyle/>
+          <a:p>
+            <a:pPr marL="82296" indent="0" algn="ctr">
+              <a:buNone/>
+            </a:pPr>
+            <a:endParaRPr kumimoji="1" lang="en-US" altLang="ja-JP" sz="4400" dirty="0" smtClean="0"/>
+          </a:p>
+          <a:p>
+            <a:pPr marL="82296" indent="0" algn="ctr">
+              <a:buNone/>
+            </a:pPr>
+            <a:endParaRPr kumimoji="1" lang="en-US" altLang="ja-JP" sz="4400" dirty="0" smtClean="0"/>
+          </a:p>
+          <a:p>
+            <a:pPr marL="82296" indent="0" algn="ctr">
+              <a:buNone/>
+            </a:pPr>
+            <a:r>
+              <a:rPr kumimoji="1" lang="ja-JP" altLang="en-US" sz="4400" dirty="0" smtClean="0"/>
+              <a:t>前回のおさらい</a:t>
+            </a:r>
+            <a:endParaRPr kumimoji="1" lang="en-US" altLang="ja-JP" sz="4400" dirty="0" smtClean="0"/>
+          </a:p>
+        </p:txBody>
+      </p:sp>
+    </p:spTree>
+    <p:extLst>
+      <p:ext uri="{BB962C8B-B14F-4D97-AF65-F5344CB8AC3E}">
+        <p14:creationId xmlns:p14="http://schemas.microsoft.com/office/powerpoint/2010/main" val="125130579"/>
+      </p:ext>
+    </p:extLst>
+  </p:cSld>
+  <p:clrMapOvr>
+    <a:masterClrMapping/>
+  </p:clrMapOvr>
+  <p:timing>
+    <p:tnLst>
+      <p:par>
+        <p:cTn id="1" dur="indefinite" restart="never" nodeType="tmRoot"/>
+      </p:par>
+    </p:tnLst>
+  </p:timing>
+</p:sld>
+</file>
+
+<file path=ppt/slides/slide27.xml><?xml version="1.0" encoding="utf-8"?>
+<p:sld xmlns:a="http://schemas.openxmlformats.org/drawingml/2006/main" xmlns:r="http://schemas.openxmlformats.org/officeDocument/2006/relationships" xmlns:p="http://schemas.openxmlformats.org/presentationml/2006/main">
+  <p:cSld>
+    <p:spTree>
+      <p:nvGrpSpPr>
+        <p:cNvPr id="1" name=""/>
+        <p:cNvGrpSpPr/>
+        <p:nvPr/>
+      </p:nvGrpSpPr>
+      <p:grpSpPr>
+        <a:xfrm>
+          <a:off x="0" y="0"/>
+          <a:ext cx="0" cy="0"/>
+          <a:chOff x="0" y="0"/>
+          <a:chExt cx="0" cy="0"/>
+        </a:xfrm>
+      </p:grpSpPr>
+      <p:sp>
+        <p:nvSpPr>
+          <p:cNvPr id="2" name="タイトル 1"/>
+          <p:cNvSpPr>
+            <a:spLocks noGrp="1"/>
+          </p:cNvSpPr>
+          <p:nvPr>
+            <p:ph type="title"/>
+          </p:nvPr>
+        </p:nvSpPr>
+        <p:spPr/>
+        <p:txBody>
+          <a:bodyPr/>
+          <a:lstStyle/>
+          <a:p>
+            <a:r>
+              <a:rPr kumimoji="1" lang="ja-JP" altLang="en-US" dirty="0" smtClean="0"/>
               <a:t>余談</a:t>
             </a:r>
             <a:endParaRPr kumimoji="1" lang="ja-JP" altLang="en-US" dirty="0"/>
@@ -7968,7 +8766,7 @@
 </p:sld>
 </file>
 
-<file path=ppt/slides/slide23.xml><?xml version="1.0" encoding="utf-8"?>
+<file path=ppt/slides/slide28.xml><?xml version="1.0" encoding="utf-8"?>
 <p:sld xmlns:a="http://schemas.openxmlformats.org/drawingml/2006/main" xmlns:r="http://schemas.openxmlformats.org/officeDocument/2006/relationships" xmlns:p="http://schemas.openxmlformats.org/presentationml/2006/main">
   <p:cSld>
     <p:spTree>
@@ -8080,10 +8878,6 @@
           <a:bodyPr/>
           <a:lstStyle/>
           <a:p>
-            <a:r>
-              <a:rPr kumimoji="1" lang="en-US" altLang="ja-JP" dirty="0" smtClean="0"/>
-              <a:t>Script-Fu</a:t>
-            </a:r>
             <a:endParaRPr kumimoji="1" lang="ja-JP" altLang="en-US" dirty="0"/>
           </a:p>
         </p:txBody>
@@ -8100,8 +8894,8 @@
         </p:nvSpPr>
         <p:spPr>
           <a:xfrm>
-            <a:off x="1115616" y="1124744"/>
-            <a:ext cx="7818072" cy="5544616"/>
+            <a:off x="899592" y="1447800"/>
+            <a:ext cx="8136904" cy="4069432"/>
           </a:xfrm>
         </p:spPr>
         <p:txBody>
@@ -8110,177 +8904,37 @@
           </a:bodyPr>
           <a:lstStyle/>
           <a:p>
-            <a:pPr marL="82296" indent="0">
-              <a:buNone/>
-            </a:pPr>
-            <a:r>
-              <a:rPr lang="en-US" altLang="ja-JP" dirty="0" smtClean="0"/>
-              <a:t>GIMP</a:t>
-            </a:r>
-            <a:r>
-              <a:rPr lang="ja-JP" altLang="en-US" dirty="0" smtClean="0"/>
-              <a:t>の自動化スクリプト</a:t>
-            </a:r>
-            <a:endParaRPr lang="en-US" altLang="ja-JP" dirty="0"/>
-          </a:p>
-          <a:p>
-            <a:pPr marL="82296" indent="0">
-              <a:buNone/>
-            </a:pPr>
-            <a:r>
-              <a:rPr lang="en-US" altLang="ja-JP" b="1" dirty="0" smtClean="0"/>
-              <a:t>Scheme</a:t>
-            </a:r>
-            <a:r>
-              <a:rPr lang="ja-JP" altLang="en-US" b="1" dirty="0" smtClean="0"/>
-              <a:t>言語</a:t>
-            </a:r>
-            <a:r>
-              <a:rPr lang="ja-JP" altLang="en-US" dirty="0" smtClean="0"/>
-              <a:t>で記述する。</a:t>
-            </a:r>
-            <a:endParaRPr lang="en-US" altLang="ja-JP" dirty="0" smtClean="0"/>
-          </a:p>
-          <a:p>
-            <a:pPr marL="82296" indent="0">
-              <a:buNone/>
-            </a:pPr>
-            <a:endParaRPr lang="en-US" altLang="ja-JP" dirty="0" smtClean="0"/>
-          </a:p>
-          <a:p>
-            <a:pPr marL="82296" indent="0">
-              <a:buNone/>
-            </a:pPr>
-            <a:endParaRPr lang="en-US" altLang="ja-JP" dirty="0"/>
-          </a:p>
-          <a:p>
-            <a:pPr marL="82296" indent="0">
-              <a:buNone/>
-            </a:pPr>
-            <a:r>
-              <a:rPr lang="en-US" altLang="ja-JP" dirty="0"/>
-              <a:t>Lisp</a:t>
-            </a:r>
-            <a:r>
-              <a:rPr lang="ja-JP" altLang="en-US" dirty="0"/>
-              <a:t>の方言の一つで、現在でもよく使われる</a:t>
-            </a:r>
-            <a:endParaRPr lang="en-US" altLang="ja-JP" dirty="0"/>
-          </a:p>
-          <a:p>
-            <a:pPr marL="82296" indent="0">
-              <a:buNone/>
-            </a:pPr>
-            <a:endParaRPr lang="en-US" altLang="ja-JP" dirty="0"/>
-          </a:p>
-          <a:p>
-            <a:pPr marL="82296" indent="0">
-              <a:buNone/>
-            </a:pPr>
-            <a:r>
-              <a:rPr lang="en-US" altLang="ja-JP" dirty="0" smtClean="0"/>
-              <a:t>※Lisp</a:t>
-            </a:r>
-            <a:endParaRPr lang="en-US" altLang="ja-JP" dirty="0"/>
-          </a:p>
-          <a:p>
-            <a:pPr marL="82296" indent="0">
-              <a:buNone/>
-            </a:pPr>
-            <a:r>
-              <a:rPr lang="ja-JP" altLang="en-US" dirty="0"/>
-              <a:t>・なんか古い言語</a:t>
-            </a:r>
-            <a:endParaRPr lang="en-US" altLang="ja-JP" dirty="0"/>
-          </a:p>
-          <a:p>
-            <a:pPr marL="82296" indent="0">
-              <a:buNone/>
-            </a:pPr>
-            <a:r>
-              <a:rPr lang="ja-JP" altLang="en-US" dirty="0"/>
-              <a:t>・括弧で囲う。やたらと括弧が多くなる</a:t>
-            </a:r>
-            <a:endParaRPr lang="en-US" altLang="ja-JP" dirty="0"/>
-          </a:p>
-          <a:p>
-            <a:pPr marL="82296" indent="0">
-              <a:buNone/>
-            </a:pPr>
-            <a:endParaRPr lang="en-US" altLang="ja-JP" dirty="0"/>
-          </a:p>
-          <a:p>
-            <a:pPr marL="82296" indent="0">
-              <a:buNone/>
-            </a:pPr>
-            <a:endParaRPr lang="en-US" altLang="ja-JP" dirty="0" smtClean="0"/>
-          </a:p>
-        </p:txBody>
-      </p:sp>
-      <p:sp>
-        <p:nvSpPr>
-          <p:cNvPr id="4" name="タイトル 1"/>
-          <p:cNvSpPr txBox="1">
-            <a:spLocks/>
-          </p:cNvSpPr>
-          <p:nvPr/>
-        </p:nvSpPr>
-        <p:spPr>
-          <a:xfrm>
-            <a:off x="1416072" y="2492896"/>
-            <a:ext cx="7498080" cy="1143000"/>
-          </a:xfrm>
-          <a:prstGeom prst="rect">
-            <a:avLst/>
-          </a:prstGeom>
-        </p:spPr>
-        <p:txBody>
-          <a:bodyPr anchor="ctr">
-            <a:normAutofit/>
-          </a:bodyPr>
-          <a:lstStyle>
-            <a:lvl1pPr algn="l" rtl="0" eaLnBrk="1" latinLnBrk="0" hangingPunct="1">
-              <a:spcBef>
-                <a:spcPct val="0"/>
-              </a:spcBef>
-              <a:buNone/>
-              <a:defRPr kumimoji="1" sz="4300" kern="1200">
-                <a:solidFill>
-                  <a:schemeClr val="tx2">
-                    <a:satMod val="130000"/>
-                  </a:schemeClr>
-                </a:solidFill>
-                <a:effectLst>
-                  <a:outerShdw blurRad="50000" dist="30000" dir="5400000" algn="tl" rotWithShape="0">
-                    <a:srgbClr val="000000">
-                      <a:alpha val="30000"/>
-                    </a:srgbClr>
-                  </a:outerShdw>
-                </a:effectLst>
-                <a:latin typeface="+mj-lt"/>
-                <a:ea typeface="+mj-ea"/>
-                <a:cs typeface="+mj-cs"/>
-              </a:defRPr>
-            </a:lvl1pPr>
-            <a:extLst/>
-          </a:lstStyle>
-          <a:p>
-            <a:r>
-              <a:rPr lang="en-US" altLang="ja-JP" dirty="0" smtClean="0"/>
-              <a:t>Scheme</a:t>
-            </a:r>
-            <a:r>
-              <a:rPr lang="ja-JP" altLang="en-US" dirty="0" smtClean="0"/>
-              <a:t>言語</a:t>
-            </a:r>
-            <a:endParaRPr lang="ja-JP" altLang="en-US" dirty="0"/>
+            <a:pPr marL="82296" indent="0" algn="ctr">
+              <a:buNone/>
+            </a:pPr>
+            <a:endParaRPr kumimoji="1" lang="en-US" altLang="ja-JP" sz="4400" dirty="0" smtClean="0"/>
+          </a:p>
+          <a:p>
+            <a:pPr marL="82296" indent="0" algn="ctr">
+              <a:buNone/>
+            </a:pPr>
+            <a:endParaRPr kumimoji="1" lang="en-US" altLang="ja-JP" sz="4400" dirty="0" smtClean="0"/>
+          </a:p>
+          <a:p>
+            <a:pPr marL="82296" indent="0" algn="ctr">
+              <a:buNone/>
+            </a:pPr>
+            <a:r>
+              <a:rPr kumimoji="1" lang="ja-JP" altLang="en-US" sz="4400" dirty="0" smtClean="0"/>
+              <a:t>①前回</a:t>
+            </a:r>
+            <a:r>
+              <a:rPr kumimoji="1" lang="ja-JP" altLang="en-US" sz="4400" dirty="0" smtClean="0"/>
+              <a:t>のおさらい</a:t>
+            </a:r>
+            <a:endParaRPr kumimoji="1" lang="en-US" altLang="ja-JP" sz="4400" dirty="0" smtClean="0"/>
           </a:p>
         </p:txBody>
       </p:sp>
     </p:spTree>
     <p:extLst>
       <p:ext uri="{BB962C8B-B14F-4D97-AF65-F5344CB8AC3E}">
-        <p14:creationId xmlns:p14="http://schemas.microsoft.com/office/powerpoint/2010/main" val="3344135115"/>
+        <p14:creationId xmlns:p14="http://schemas.microsoft.com/office/powerpoint/2010/main" val="1337454813"/>
       </p:ext>
     </p:extLst>
   </p:cSld>
@@ -8330,6 +8984,255 @@
           <a:lstStyle/>
           <a:p>
             <a:r>
+              <a:rPr kumimoji="1" lang="en-US" altLang="ja-JP" dirty="0" smtClean="0"/>
+              <a:t>Script-Fu</a:t>
+            </a:r>
+            <a:endParaRPr kumimoji="1" lang="ja-JP" altLang="en-US" dirty="0"/>
+          </a:p>
+        </p:txBody>
+      </p:sp>
+      <p:sp>
+        <p:nvSpPr>
+          <p:cNvPr id="3" name="コンテンツ プレースホルダー 2"/>
+          <p:cNvSpPr>
+            <a:spLocks noGrp="1"/>
+          </p:cNvSpPr>
+          <p:nvPr>
+            <p:ph idx="1"/>
+          </p:nvPr>
+        </p:nvSpPr>
+        <p:spPr>
+          <a:xfrm>
+            <a:off x="1115616" y="1124744"/>
+            <a:ext cx="7818072" cy="5544616"/>
+          </a:xfrm>
+        </p:spPr>
+        <p:txBody>
+          <a:bodyPr>
+            <a:normAutofit/>
+          </a:bodyPr>
+          <a:lstStyle/>
+          <a:p>
+            <a:pPr marL="82296" indent="0">
+              <a:buNone/>
+            </a:pPr>
+            <a:r>
+              <a:rPr lang="en-US" altLang="ja-JP" dirty="0" smtClean="0"/>
+              <a:t>GIMP</a:t>
+            </a:r>
+            <a:r>
+              <a:rPr lang="ja-JP" altLang="en-US" dirty="0" smtClean="0"/>
+              <a:t>の自動化スクリプト</a:t>
+            </a:r>
+            <a:endParaRPr lang="en-US" altLang="ja-JP" dirty="0"/>
+          </a:p>
+          <a:p>
+            <a:pPr marL="82296" indent="0">
+              <a:buNone/>
+            </a:pPr>
+            <a:r>
+              <a:rPr lang="en-US" altLang="ja-JP" b="1" dirty="0" smtClean="0"/>
+              <a:t>Scheme</a:t>
+            </a:r>
+            <a:r>
+              <a:rPr lang="ja-JP" altLang="en-US" b="1" dirty="0" smtClean="0"/>
+              <a:t>言語</a:t>
+            </a:r>
+            <a:r>
+              <a:rPr lang="ja-JP" altLang="en-US" dirty="0" smtClean="0"/>
+              <a:t>で記述する。</a:t>
+            </a:r>
+            <a:endParaRPr lang="en-US" altLang="ja-JP" dirty="0" smtClean="0"/>
+          </a:p>
+          <a:p>
+            <a:pPr marL="82296" indent="0">
+              <a:buNone/>
+            </a:pPr>
+            <a:endParaRPr lang="en-US" altLang="ja-JP" dirty="0" smtClean="0"/>
+          </a:p>
+          <a:p>
+            <a:pPr marL="82296" indent="0">
+              <a:buNone/>
+            </a:pPr>
+            <a:endParaRPr lang="en-US" altLang="ja-JP" dirty="0"/>
+          </a:p>
+          <a:p>
+            <a:pPr marL="82296" indent="0">
+              <a:buNone/>
+            </a:pPr>
+            <a:r>
+              <a:rPr lang="en-US" altLang="ja-JP" dirty="0"/>
+              <a:t>Lisp</a:t>
+            </a:r>
+            <a:r>
+              <a:rPr lang="ja-JP" altLang="en-US" dirty="0"/>
+              <a:t>の方言の一つで、現在でもよく使われる</a:t>
+            </a:r>
+            <a:endParaRPr lang="en-US" altLang="ja-JP" dirty="0"/>
+          </a:p>
+          <a:p>
+            <a:pPr marL="82296" indent="0">
+              <a:buNone/>
+            </a:pPr>
+            <a:endParaRPr lang="en-US" altLang="ja-JP" dirty="0"/>
+          </a:p>
+          <a:p>
+            <a:pPr marL="82296" indent="0">
+              <a:buNone/>
+            </a:pPr>
+            <a:r>
+              <a:rPr lang="en-US" altLang="ja-JP" dirty="0" smtClean="0"/>
+              <a:t>※Lisp</a:t>
+            </a:r>
+            <a:endParaRPr lang="en-US" altLang="ja-JP" dirty="0"/>
+          </a:p>
+          <a:p>
+            <a:pPr marL="82296" indent="0">
+              <a:buNone/>
+            </a:pPr>
+            <a:r>
+              <a:rPr lang="ja-JP" altLang="en-US" dirty="0"/>
+              <a:t>・なんか古い言語</a:t>
+            </a:r>
+            <a:endParaRPr lang="en-US" altLang="ja-JP" dirty="0"/>
+          </a:p>
+          <a:p>
+            <a:pPr marL="82296" indent="0">
+              <a:buNone/>
+            </a:pPr>
+            <a:r>
+              <a:rPr lang="ja-JP" altLang="en-US" dirty="0"/>
+              <a:t>・括弧で囲う。やたらと括弧が多くなる</a:t>
+            </a:r>
+            <a:endParaRPr lang="en-US" altLang="ja-JP" dirty="0"/>
+          </a:p>
+          <a:p>
+            <a:pPr marL="82296" indent="0">
+              <a:buNone/>
+            </a:pPr>
+            <a:endParaRPr lang="en-US" altLang="ja-JP" dirty="0"/>
+          </a:p>
+          <a:p>
+            <a:pPr marL="82296" indent="0">
+              <a:buNone/>
+            </a:pPr>
+            <a:endParaRPr lang="en-US" altLang="ja-JP" dirty="0" smtClean="0"/>
+          </a:p>
+        </p:txBody>
+      </p:sp>
+      <p:sp>
+        <p:nvSpPr>
+          <p:cNvPr id="4" name="タイトル 1"/>
+          <p:cNvSpPr txBox="1">
+            <a:spLocks/>
+          </p:cNvSpPr>
+          <p:nvPr/>
+        </p:nvSpPr>
+        <p:spPr>
+          <a:xfrm>
+            <a:off x="1416072" y="2492896"/>
+            <a:ext cx="7498080" cy="1143000"/>
+          </a:xfrm>
+          <a:prstGeom prst="rect">
+            <a:avLst/>
+          </a:prstGeom>
+        </p:spPr>
+        <p:txBody>
+          <a:bodyPr anchor="ctr">
+            <a:normAutofit/>
+          </a:bodyPr>
+          <a:lstStyle>
+            <a:lvl1pPr algn="l" rtl="0" eaLnBrk="1" latinLnBrk="0" hangingPunct="1">
+              <a:spcBef>
+                <a:spcPct val="0"/>
+              </a:spcBef>
+              <a:buNone/>
+              <a:defRPr kumimoji="1" sz="4300" kern="1200">
+                <a:solidFill>
+                  <a:schemeClr val="tx2">
+                    <a:satMod val="130000"/>
+                  </a:schemeClr>
+                </a:solidFill>
+                <a:effectLst>
+                  <a:outerShdw blurRad="50000" dist="30000" dir="5400000" algn="tl" rotWithShape="0">
+                    <a:srgbClr val="000000">
+                      <a:alpha val="30000"/>
+                    </a:srgbClr>
+                  </a:outerShdw>
+                </a:effectLst>
+                <a:latin typeface="+mj-lt"/>
+                <a:ea typeface="+mj-ea"/>
+                <a:cs typeface="+mj-cs"/>
+              </a:defRPr>
+            </a:lvl1pPr>
+            <a:extLst/>
+          </a:lstStyle>
+          <a:p>
+            <a:r>
+              <a:rPr lang="en-US" altLang="ja-JP" dirty="0" smtClean="0"/>
+              <a:t>Scheme</a:t>
+            </a:r>
+            <a:r>
+              <a:rPr lang="ja-JP" altLang="en-US" dirty="0" smtClean="0"/>
+              <a:t>言語</a:t>
+            </a:r>
+            <a:endParaRPr lang="ja-JP" altLang="en-US" dirty="0"/>
+          </a:p>
+        </p:txBody>
+      </p:sp>
+    </p:spTree>
+    <p:extLst>
+      <p:ext uri="{BB962C8B-B14F-4D97-AF65-F5344CB8AC3E}">
+        <p14:creationId xmlns:p14="http://schemas.microsoft.com/office/powerpoint/2010/main" val="3344135115"/>
+      </p:ext>
+    </p:extLst>
+  </p:cSld>
+  <p:clrMapOvr>
+    <a:masterClrMapping/>
+  </p:clrMapOvr>
+  <p:timing>
+    <p:tnLst>
+      <p:par>
+        <p:cTn id="1" dur="indefinite" restart="never" nodeType="tmRoot"/>
+      </p:par>
+    </p:tnLst>
+  </p:timing>
+</p:sld>
+</file>
+
+<file path=ppt/slides/slide5.xml><?xml version="1.0" encoding="utf-8"?>
+<p:sld xmlns:a="http://schemas.openxmlformats.org/drawingml/2006/main" xmlns:r="http://schemas.openxmlformats.org/officeDocument/2006/relationships" xmlns:p="http://schemas.openxmlformats.org/presentationml/2006/main">
+  <p:cSld>
+    <p:spTree>
+      <p:nvGrpSpPr>
+        <p:cNvPr id="1" name=""/>
+        <p:cNvGrpSpPr/>
+        <p:nvPr/>
+      </p:nvGrpSpPr>
+      <p:grpSpPr>
+        <a:xfrm>
+          <a:off x="0" y="0"/>
+          <a:ext cx="0" cy="0"/>
+          <a:chOff x="0" y="0"/>
+          <a:chExt cx="0" cy="0"/>
+        </a:xfrm>
+      </p:grpSpPr>
+      <p:sp>
+        <p:nvSpPr>
+          <p:cNvPr id="2" name="タイトル 1"/>
+          <p:cNvSpPr>
+            <a:spLocks noGrp="1"/>
+          </p:cNvSpPr>
+          <p:nvPr>
+            <p:ph type="title"/>
+          </p:nvPr>
+        </p:nvSpPr>
+        <p:spPr/>
+        <p:txBody>
+          <a:bodyPr/>
+          <a:lstStyle/>
+          <a:p>
+            <a:r>
               <a:rPr kumimoji="1" lang="ja-JP" altLang="en-US" dirty="0" smtClean="0"/>
               <a:t>感想２</a:t>
             </a:r>
@@ -8416,7 +9319,7 @@
 </p:sld>
 </file>
 
-<file path=ppt/slides/slide5.xml><?xml version="1.0" encoding="utf-8"?>
+<file path=ppt/slides/slide6.xml><?xml version="1.0" encoding="utf-8"?>
 <p:sld xmlns:a="http://schemas.openxmlformats.org/drawingml/2006/main" xmlns:r="http://schemas.openxmlformats.org/officeDocument/2006/relationships" xmlns:p="http://schemas.openxmlformats.org/presentationml/2006/main">
   <p:cSld>
     <p:spTree>
@@ -8581,107 +9484,6 @@
 </p:sld>
 </file>
 
-<file path=ppt/slides/slide6.xml><?xml version="1.0" encoding="utf-8"?>
-<p:sld xmlns:a="http://schemas.openxmlformats.org/drawingml/2006/main" xmlns:r="http://schemas.openxmlformats.org/officeDocument/2006/relationships" xmlns:p="http://schemas.openxmlformats.org/presentationml/2006/main">
-  <p:cSld>
-    <p:spTree>
-      <p:nvGrpSpPr>
-        <p:cNvPr id="1" name=""/>
-        <p:cNvGrpSpPr/>
-        <p:nvPr/>
-      </p:nvGrpSpPr>
-      <p:grpSpPr>
-        <a:xfrm>
-          <a:off x="0" y="0"/>
-          <a:ext cx="0" cy="0"/>
-          <a:chOff x="0" y="0"/>
-          <a:chExt cx="0" cy="0"/>
-        </a:xfrm>
-      </p:grpSpPr>
-      <p:sp>
-        <p:nvSpPr>
-          <p:cNvPr id="2" name="タイトル 1"/>
-          <p:cNvSpPr>
-            <a:spLocks noGrp="1"/>
-          </p:cNvSpPr>
-          <p:nvPr>
-            <p:ph type="title"/>
-          </p:nvPr>
-        </p:nvSpPr>
-        <p:spPr/>
-        <p:txBody>
-          <a:bodyPr/>
-          <a:lstStyle/>
-          <a:p>
-            <a:endParaRPr kumimoji="1" lang="ja-JP" altLang="en-US" dirty="0"/>
-          </a:p>
-        </p:txBody>
-      </p:sp>
-      <p:sp>
-        <p:nvSpPr>
-          <p:cNvPr id="3" name="コンテンツ プレースホルダー 2"/>
-          <p:cNvSpPr>
-            <a:spLocks noGrp="1"/>
-          </p:cNvSpPr>
-          <p:nvPr>
-            <p:ph idx="1"/>
-          </p:nvPr>
-        </p:nvSpPr>
-        <p:spPr>
-          <a:xfrm>
-            <a:off x="899592" y="1447800"/>
-            <a:ext cx="8136904" cy="4069432"/>
-          </a:xfrm>
-        </p:spPr>
-        <p:txBody>
-          <a:bodyPr>
-            <a:normAutofit/>
-          </a:bodyPr>
-          <a:lstStyle/>
-          <a:p>
-            <a:pPr marL="82296" indent="0" algn="ctr">
-              <a:buNone/>
-            </a:pPr>
-            <a:endParaRPr kumimoji="1" lang="en-US" altLang="ja-JP" sz="4400" dirty="0" smtClean="0"/>
-          </a:p>
-          <a:p>
-            <a:pPr marL="82296" indent="0" algn="ctr">
-              <a:buNone/>
-            </a:pPr>
-            <a:endParaRPr kumimoji="1" lang="en-US" altLang="ja-JP" sz="4400" dirty="0" smtClean="0"/>
-          </a:p>
-          <a:p>
-            <a:pPr marL="82296" indent="0" algn="ctr">
-              <a:buNone/>
-            </a:pPr>
-            <a:r>
-              <a:rPr kumimoji="1" lang="ja-JP" altLang="en-US" sz="4400" dirty="0" smtClean="0"/>
-              <a:t>もうちょっと調べてみた</a:t>
-            </a:r>
-            <a:endParaRPr kumimoji="1" lang="en-US" altLang="ja-JP" sz="4400" dirty="0" smtClean="0"/>
-          </a:p>
-        </p:txBody>
-      </p:sp>
-    </p:spTree>
-    <p:extLst>
-      <p:ext uri="{BB962C8B-B14F-4D97-AF65-F5344CB8AC3E}">
-        <p14:creationId xmlns:p14="http://schemas.microsoft.com/office/powerpoint/2010/main" val="3313609342"/>
-      </p:ext>
-    </p:extLst>
-  </p:cSld>
-  <p:clrMapOvr>
-    <a:masterClrMapping/>
-  </p:clrMapOvr>
-  <p:timing>
-    <p:tnLst>
-      <p:par>
-        <p:cTn id="1" dur="indefinite" restart="never" nodeType="tmRoot"/>
-      </p:par>
-    </p:tnLst>
-  </p:timing>
-</p:sld>
-</file>
-
 <file path=ppt/slides/slide7.xml><?xml version="1.0" encoding="utf-8"?>
 <p:sld xmlns:a="http://schemas.openxmlformats.org/drawingml/2006/main" xmlns:r="http://schemas.openxmlformats.org/officeDocument/2006/relationships" xmlns:p="http://schemas.openxmlformats.org/presentationml/2006/main">
   <p:cSld>
@@ -8714,10 +9516,6 @@
           <a:bodyPr/>
           <a:lstStyle/>
           <a:p>
-            <a:r>
-              <a:rPr kumimoji="1" lang="en-US" altLang="ja-JP" dirty="0" smtClean="0"/>
-              <a:t>Lisp</a:t>
-            </a:r>
             <a:endParaRPr kumimoji="1" lang="ja-JP" altLang="en-US" dirty="0"/>
           </a:p>
         </p:txBody>
@@ -8734,8 +9532,8 @@
         </p:nvSpPr>
         <p:spPr>
           <a:xfrm>
-            <a:off x="1115616" y="1124744"/>
-            <a:ext cx="7818072" cy="5544616"/>
+            <a:off x="899592" y="1447800"/>
+            <a:ext cx="8136904" cy="4069432"/>
           </a:xfrm>
         </p:spPr>
         <p:txBody>
@@ -8744,145 +9542,37 @@
           </a:bodyPr>
           <a:lstStyle/>
           <a:p>
-            <a:pPr marL="82296" indent="0">
-              <a:buNone/>
-            </a:pPr>
-            <a:r>
-              <a:rPr lang="ja-JP" altLang="en-US" dirty="0" smtClean="0"/>
-              <a:t>・</a:t>
-            </a:r>
-            <a:r>
-              <a:rPr lang="en-US" altLang="ja-JP" b="1" dirty="0" err="1" smtClean="0"/>
-              <a:t>LIS</a:t>
-            </a:r>
-            <a:r>
-              <a:rPr lang="en-US" altLang="ja-JP" dirty="0" err="1" smtClean="0"/>
-              <a:t>t</a:t>
-            </a:r>
-            <a:r>
-              <a:rPr lang="en-US" altLang="ja-JP" dirty="0" smtClean="0"/>
-              <a:t> </a:t>
-            </a:r>
-            <a:r>
-              <a:rPr lang="en-US" altLang="ja-JP" b="1" dirty="0" smtClean="0"/>
-              <a:t>P</a:t>
-            </a:r>
-            <a:r>
-              <a:rPr lang="en-US" altLang="ja-JP" dirty="0" smtClean="0"/>
-              <a:t>rocessing</a:t>
-            </a:r>
-          </a:p>
-          <a:p>
-            <a:pPr marL="82296" indent="0">
-              <a:buNone/>
-            </a:pPr>
-            <a:r>
-              <a:rPr lang="en-US" altLang="ja-JP" sz="2000" strike="sngStrike" dirty="0"/>
-              <a:t>Lots of Insane Stupid </a:t>
-            </a:r>
-            <a:r>
-              <a:rPr lang="en-US" altLang="ja-JP" sz="2000" strike="sngStrike" dirty="0" smtClean="0"/>
-              <a:t>Parenthesis(</a:t>
-            </a:r>
-            <a:r>
-              <a:rPr lang="ja-JP" altLang="en-US" sz="2000" strike="sngStrike" dirty="0" smtClean="0"/>
-              <a:t>アホみたいな括弧の山</a:t>
-            </a:r>
-            <a:r>
-              <a:rPr lang="en-US" altLang="ja-JP" sz="2000" strike="sngStrike" dirty="0" smtClean="0"/>
-              <a:t>)</a:t>
-            </a:r>
-          </a:p>
-          <a:p>
-            <a:pPr marL="82296" indent="0">
-              <a:buNone/>
-            </a:pPr>
-            <a:endParaRPr lang="en-US" altLang="ja-JP" dirty="0"/>
-          </a:p>
-          <a:p>
-            <a:pPr marL="82296" indent="0">
-              <a:buNone/>
-            </a:pPr>
-            <a:r>
-              <a:rPr lang="ja-JP" altLang="en-US" dirty="0" smtClean="0"/>
-              <a:t>・現在使われる高級言語では</a:t>
-            </a:r>
-            <a:endParaRPr lang="en-US" altLang="ja-JP" dirty="0" smtClean="0"/>
-          </a:p>
-          <a:p>
-            <a:pPr marL="82296" indent="0">
-              <a:buNone/>
-            </a:pPr>
-            <a:r>
-              <a:rPr lang="ja-JP" altLang="en-US" dirty="0"/>
-              <a:t>　</a:t>
-            </a:r>
-            <a:r>
-              <a:rPr lang="en-US" altLang="ja-JP" dirty="0" smtClean="0"/>
-              <a:t>Fortran</a:t>
-            </a:r>
-            <a:r>
-              <a:rPr lang="ja-JP" altLang="en-US" dirty="0" smtClean="0"/>
-              <a:t>に次いで古い言語</a:t>
-            </a:r>
-            <a:endParaRPr lang="en-US" altLang="ja-JP" dirty="0" smtClean="0"/>
-          </a:p>
-          <a:p>
-            <a:pPr marL="82296" indent="0">
-              <a:buNone/>
-            </a:pPr>
-            <a:endParaRPr lang="en-US" altLang="ja-JP" dirty="0" smtClean="0"/>
-          </a:p>
-          <a:p>
-            <a:pPr marL="82296" indent="0">
-              <a:buNone/>
-            </a:pPr>
-            <a:r>
-              <a:rPr lang="ja-JP" altLang="en-US" dirty="0" smtClean="0"/>
-              <a:t>・</a:t>
-            </a:r>
-            <a:r>
-              <a:rPr lang="en-US" altLang="ja-JP" dirty="0" smtClean="0"/>
-              <a:t>S</a:t>
-            </a:r>
-            <a:r>
-              <a:rPr lang="ja-JP" altLang="en-US" dirty="0" smtClean="0"/>
-              <a:t>式と前置記法</a:t>
-            </a:r>
-            <a:r>
-              <a:rPr lang="en-US" altLang="ja-JP" dirty="0" smtClean="0"/>
-              <a:t>(</a:t>
-            </a:r>
-            <a:r>
-              <a:rPr lang="ja-JP" altLang="en-US" dirty="0" smtClean="0"/>
-              <a:t>ポーランド記法</a:t>
-            </a:r>
-            <a:r>
-              <a:rPr lang="en-US" altLang="ja-JP" dirty="0" smtClean="0"/>
-              <a:t>)</a:t>
-            </a:r>
-            <a:r>
-              <a:rPr lang="ja-JP" altLang="en-US" dirty="0" smtClean="0"/>
-              <a:t>が特徴</a:t>
-            </a:r>
-            <a:endParaRPr lang="en-US" altLang="ja-JP" dirty="0" smtClean="0"/>
-          </a:p>
-          <a:p>
-            <a:pPr marL="82296" indent="0">
-              <a:buNone/>
-            </a:pPr>
-            <a:r>
-              <a:rPr lang="ja-JP" altLang="en-US" dirty="0"/>
-              <a:t>　</a:t>
-            </a:r>
-            <a:endParaRPr lang="en-US" altLang="ja-JP" dirty="0"/>
+            <a:pPr marL="82296" indent="0" algn="ctr">
+              <a:buNone/>
+            </a:pPr>
+            <a:endParaRPr kumimoji="1" lang="en-US" altLang="ja-JP" sz="4400" dirty="0" smtClean="0"/>
+          </a:p>
+          <a:p>
+            <a:pPr marL="82296" indent="0" algn="ctr">
+              <a:buNone/>
+            </a:pPr>
+            <a:endParaRPr kumimoji="1" lang="en-US" altLang="ja-JP" sz="4400" dirty="0" smtClean="0"/>
+          </a:p>
+          <a:p>
+            <a:pPr marL="82296" indent="0" algn="ctr">
+              <a:buNone/>
+            </a:pPr>
+            <a:r>
+              <a:rPr kumimoji="1" lang="ja-JP" altLang="en-US" sz="4400" dirty="0" smtClean="0"/>
+              <a:t>②もう</a:t>
+            </a:r>
+            <a:r>
+              <a:rPr kumimoji="1" lang="ja-JP" altLang="en-US" sz="4400" dirty="0" smtClean="0"/>
+              <a:t>ちょっと調べてみた</a:t>
+            </a:r>
+            <a:endParaRPr kumimoji="1" lang="en-US" altLang="ja-JP" sz="4400" dirty="0" smtClean="0"/>
           </a:p>
         </p:txBody>
       </p:sp>
     </p:spTree>
     <p:extLst>
       <p:ext uri="{BB962C8B-B14F-4D97-AF65-F5344CB8AC3E}">
-        <p14:creationId xmlns:p14="http://schemas.microsoft.com/office/powerpoint/2010/main" val="1548140014"/>
+        <p14:creationId xmlns:p14="http://schemas.microsoft.com/office/powerpoint/2010/main" val="3313609342"/>
       </p:ext>
     </p:extLst>
   </p:cSld>
@@ -8933,7 +9623,7 @@
           <a:p>
             <a:r>
               <a:rPr kumimoji="1" lang="en-US" altLang="ja-JP" dirty="0" smtClean="0"/>
-              <a:t>Scheme</a:t>
+              <a:t>Lisp</a:t>
             </a:r>
             <a:endParaRPr kumimoji="1" lang="ja-JP" altLang="en-US" dirty="0"/>
           </a:p>
@@ -8965,16 +9655,122 @@
               <a:buNone/>
             </a:pPr>
             <a:r>
+              <a:rPr lang="ja-JP" altLang="en-US" dirty="0" smtClean="0"/>
+              <a:t>・</a:t>
+            </a:r>
+            <a:r>
+              <a:rPr lang="en-US" altLang="ja-JP" b="1" dirty="0" err="1" smtClean="0"/>
+              <a:t>LIS</a:t>
+            </a:r>
+            <a:r>
+              <a:rPr lang="en-US" altLang="ja-JP" dirty="0" err="1" smtClean="0"/>
+              <a:t>t</a:t>
+            </a:r>
+            <a:r>
+              <a:rPr lang="en-US" altLang="ja-JP" dirty="0" smtClean="0"/>
+              <a:t> </a:t>
+            </a:r>
+            <a:r>
+              <a:rPr lang="en-US" altLang="ja-JP" b="1" dirty="0" smtClean="0"/>
+              <a:t>P</a:t>
+            </a:r>
+            <a:r>
+              <a:rPr lang="en-US" altLang="ja-JP" dirty="0" smtClean="0"/>
+              <a:t>rocessing</a:t>
+            </a:r>
+          </a:p>
+          <a:p>
+            <a:pPr marL="82296" indent="0">
+              <a:buNone/>
+            </a:pPr>
+            <a:r>
+              <a:rPr lang="en-US" altLang="ja-JP" sz="2000" strike="sngStrike" dirty="0"/>
+              <a:t>Lots of Insane Stupid </a:t>
+            </a:r>
+            <a:r>
+              <a:rPr lang="en-US" altLang="ja-JP" sz="2000" strike="sngStrike" dirty="0" smtClean="0"/>
+              <a:t>Parenthesis(</a:t>
+            </a:r>
+            <a:r>
+              <a:rPr lang="ja-JP" altLang="en-US" sz="2000" strike="sngStrike" dirty="0" smtClean="0"/>
+              <a:t>アホみたいな括弧の山</a:t>
+            </a:r>
+            <a:r>
+              <a:rPr lang="en-US" altLang="ja-JP" sz="2000" strike="sngStrike" dirty="0" smtClean="0"/>
+              <a:t>)</a:t>
+            </a:r>
+          </a:p>
+          <a:p>
+            <a:pPr marL="82296" indent="0">
+              <a:buNone/>
+            </a:pPr>
+            <a:endParaRPr lang="en-US" altLang="ja-JP" dirty="0"/>
+          </a:p>
+          <a:p>
+            <a:pPr marL="82296" indent="0">
+              <a:buNone/>
+            </a:pPr>
+            <a:r>
+              <a:rPr lang="ja-JP" altLang="en-US" dirty="0" smtClean="0"/>
+              <a:t>・現在使われる高級言語では</a:t>
+            </a:r>
+            <a:endParaRPr lang="en-US" altLang="ja-JP" dirty="0" smtClean="0"/>
+          </a:p>
+          <a:p>
+            <a:pPr marL="82296" indent="0">
+              <a:buNone/>
+            </a:pPr>
+            <a:r>
               <a:rPr lang="ja-JP" altLang="en-US" dirty="0"/>
+              <a:t>　</a:t>
+            </a:r>
+            <a:r>
+              <a:rPr lang="en-US" altLang="ja-JP" dirty="0" smtClean="0"/>
+              <a:t>Fortran</a:t>
+            </a:r>
+            <a:r>
+              <a:rPr lang="ja-JP" altLang="en-US" dirty="0" smtClean="0"/>
+              <a:t>に次いで古い言語</a:t>
+            </a:r>
+            <a:endParaRPr lang="en-US" altLang="ja-JP" dirty="0" smtClean="0"/>
+          </a:p>
+          <a:p>
+            <a:pPr marL="82296" indent="0">
+              <a:buNone/>
+            </a:pPr>
+            <a:endParaRPr lang="en-US" altLang="ja-JP" dirty="0" smtClean="0"/>
+          </a:p>
+          <a:p>
+            <a:pPr marL="82296" indent="0">
+              <a:buNone/>
+            </a:pPr>
+            <a:r>
+              <a:rPr lang="ja-JP" altLang="en-US" dirty="0" smtClean="0"/>
               <a:t>・</a:t>
             </a:r>
             <a:r>
               <a:rPr lang="en-US" altLang="ja-JP" dirty="0" smtClean="0"/>
-              <a:t>Lisp</a:t>
+              <a:t>S</a:t>
             </a:r>
             <a:r>
               <a:rPr lang="ja-JP" altLang="en-US" dirty="0" smtClean="0"/>
-              <a:t>の方言の一つで、現在でもよく使われる</a:t>
+              <a:t>式と前置記法</a:t>
+            </a:r>
+            <a:r>
+              <a:rPr lang="en-US" altLang="ja-JP" dirty="0" smtClean="0"/>
+              <a:t>(</a:t>
+            </a:r>
+            <a:r>
+              <a:rPr lang="ja-JP" altLang="en-US" dirty="0" smtClean="0"/>
+              <a:t>ポーランド記法</a:t>
+            </a:r>
+            <a:r>
+              <a:rPr lang="en-US" altLang="ja-JP" dirty="0" smtClean="0"/>
+              <a:t>)</a:t>
+            </a:r>
+            <a:r>
+              <a:rPr lang="ja-JP" altLang="en-US" dirty="0" smtClean="0"/>
+              <a:t>が特徴</a:t>
             </a:r>
             <a:endParaRPr lang="en-US" altLang="ja-JP" dirty="0" smtClean="0"/>
           </a:p>
@@ -8982,48 +9778,18 @@
             <a:pPr marL="82296" indent="0">
               <a:buNone/>
             </a:pPr>
-            <a:endParaRPr lang="en-US" altLang="ja-JP" dirty="0" smtClean="0"/>
-          </a:p>
-          <a:p>
-            <a:pPr marL="82296" indent="0">
-              <a:buNone/>
-            </a:pPr>
-            <a:r>
-              <a:rPr lang="ja-JP" altLang="en-US" dirty="0" smtClean="0"/>
-              <a:t>・言語仕様を少数のルールに限定</a:t>
-            </a:r>
-            <a:endParaRPr lang="en-US" altLang="ja-JP" dirty="0" smtClean="0"/>
-          </a:p>
-          <a:p>
-            <a:pPr marL="82296" indent="0">
-              <a:buNone/>
-            </a:pPr>
+            <a:r>
+              <a:rPr lang="ja-JP" altLang="en-US" dirty="0"/>
+              <a:t>　</a:t>
+            </a:r>
             <a:endParaRPr lang="en-US" altLang="ja-JP" dirty="0"/>
-          </a:p>
-          <a:p>
-            <a:pPr marL="82296" indent="0">
-              <a:buNone/>
-            </a:pPr>
-            <a:r>
-              <a:rPr lang="ja-JP" altLang="en-US" dirty="0"/>
-              <a:t>思想「厳選した少数のルールを用意しておけばいくらでも強力な言語を構築する</a:t>
-            </a:r>
-            <a:r>
-              <a:rPr lang="ja-JP" altLang="en-US" dirty="0" smtClean="0"/>
-              <a:t>ことが</a:t>
-            </a:r>
-            <a:r>
-              <a:rPr lang="ja-JP" altLang="en-US" dirty="0"/>
-              <a:t>できる」</a:t>
-            </a:r>
-            <a:endParaRPr lang="en-US" altLang="ja-JP" dirty="0" smtClean="0"/>
           </a:p>
         </p:txBody>
       </p:sp>
     </p:spTree>
     <p:extLst>
       <p:ext uri="{BB962C8B-B14F-4D97-AF65-F5344CB8AC3E}">
-        <p14:creationId xmlns:p14="http://schemas.microsoft.com/office/powerpoint/2010/main" val="2748462096"/>
+        <p14:creationId xmlns:p14="http://schemas.microsoft.com/office/powerpoint/2010/main" val="1548140014"/>
       </p:ext>
     </p:extLst>
   </p:cSld>
@@ -9059,132 +9825,6 @@
       </p:grpSpPr>
       <p:sp>
         <p:nvSpPr>
-          <p:cNvPr id="23" name="正方形/長方形 22"/>
-          <p:cNvSpPr/>
-          <p:nvPr/>
-        </p:nvSpPr>
-        <p:spPr>
-          <a:xfrm>
-            <a:off x="6021414" y="1622824"/>
-            <a:ext cx="2764712" cy="936104"/>
-          </a:xfrm>
-          <a:prstGeom prst="rect">
-            <a:avLst/>
-          </a:prstGeom>
-          <a:solidFill>
-            <a:schemeClr val="accent2">
-              <a:lumMod val="40000"/>
-              <a:lumOff val="60000"/>
-            </a:schemeClr>
-          </a:solidFill>
-          <a:ln w="31750">
-            <a:solidFill>
-              <a:schemeClr val="tx1"/>
-            </a:solidFill>
-          </a:ln>
-        </p:spPr>
-        <p:style>
-          <a:lnRef idx="2">
-            <a:schemeClr val="accent1">
-              <a:shade val="50000"/>
-            </a:schemeClr>
-          </a:lnRef>
-          <a:fillRef idx="1">
-            <a:schemeClr val="accent1"/>
-          </a:fillRef>
-          <a:effectRef idx="0">
-            <a:schemeClr val="accent1"/>
-          </a:effectRef>
-          <a:fontRef idx="minor">
-            <a:schemeClr val="lt1"/>
-          </a:fontRef>
-        </p:style>
-        <p:txBody>
-          <a:bodyPr rtlCol="0" anchor="ctr"/>
-          <a:lstStyle/>
-          <a:p>
-            <a:pPr algn="ctr"/>
-            <a:r>
-              <a:rPr kumimoji="1" lang="en-US" altLang="ja-JP" sz="2800" dirty="0" smtClean="0">
-                <a:solidFill>
-                  <a:schemeClr val="tx1"/>
-                </a:solidFill>
-              </a:rPr>
-              <a:t>Common Lisp</a:t>
-            </a:r>
-            <a:endParaRPr kumimoji="1" lang="ja-JP" altLang="en-US" sz="2800" dirty="0">
-              <a:solidFill>
-                <a:schemeClr val="tx1"/>
-              </a:solidFill>
-            </a:endParaRPr>
-          </a:p>
-        </p:txBody>
-      </p:sp>
-      <p:sp>
-        <p:nvSpPr>
-          <p:cNvPr id="22" name="正方形/長方形 21"/>
-          <p:cNvSpPr/>
-          <p:nvPr/>
-        </p:nvSpPr>
-        <p:spPr>
-          <a:xfrm>
-            <a:off x="5873852" y="1788289"/>
-            <a:ext cx="2764712" cy="936104"/>
-          </a:xfrm>
-          <a:prstGeom prst="rect">
-            <a:avLst/>
-          </a:prstGeom>
-          <a:solidFill>
-            <a:schemeClr val="accent2">
-              <a:lumMod val="40000"/>
-              <a:lumOff val="60000"/>
-            </a:schemeClr>
-          </a:solidFill>
-          <a:ln w="31750">
-            <a:solidFill>
-              <a:schemeClr val="tx1"/>
-            </a:solidFill>
-          </a:ln>
-        </p:spPr>
-        <p:style>
-          <a:lnRef idx="2">
-            <a:schemeClr val="accent1">
-              <a:shade val="50000"/>
-            </a:schemeClr>
-          </a:lnRef>
-          <a:fillRef idx="1">
-            <a:schemeClr val="accent1"/>
-          </a:fillRef>
-          <a:effectRef idx="0">
-            <a:schemeClr val="accent1"/>
-          </a:effectRef>
-          <a:fontRef idx="minor">
-            <a:schemeClr val="lt1"/>
-          </a:fontRef>
-        </p:style>
-        <p:txBody>
-          <a:bodyPr rtlCol="0" anchor="ctr"/>
-          <a:lstStyle/>
-          <a:p>
-            <a:pPr algn="ctr"/>
-            <a:r>
-              <a:rPr kumimoji="1" lang="en-US" altLang="ja-JP" sz="2800" dirty="0" smtClean="0">
-                <a:solidFill>
-                  <a:schemeClr val="tx1"/>
-                </a:solidFill>
-              </a:rPr>
-              <a:t>Common Lisp</a:t>
-            </a:r>
-            <a:endParaRPr kumimoji="1" lang="ja-JP" altLang="en-US" sz="2800" dirty="0">
-              <a:solidFill>
-                <a:schemeClr val="tx1"/>
-              </a:solidFill>
-            </a:endParaRPr>
-          </a:p>
-        </p:txBody>
-      </p:sp>
-      <p:sp>
-        <p:nvSpPr>
           <p:cNvPr id="2" name="タイトル 1"/>
           <p:cNvSpPr>
             <a:spLocks noGrp="1"/>
@@ -9200,11 +9840,7 @@
           <a:p>
             <a:r>
               <a:rPr kumimoji="1" lang="en-US" altLang="ja-JP" dirty="0" smtClean="0"/>
-              <a:t>Lisp</a:t>
-            </a:r>
-            <a:r>
-              <a:rPr kumimoji="1" lang="ja-JP" altLang="en-US" dirty="0" smtClean="0"/>
-              <a:t>系言語の流れ</a:t>
+              <a:t>Scheme</a:t>
             </a:r>
             <a:endParaRPr kumimoji="1" lang="ja-JP" altLang="en-US" dirty="0"/>
           </a:p>
@@ -9235,6 +9871,18 @@
             <a:pPr marL="82296" indent="0">
               <a:buNone/>
             </a:pPr>
+            <a:r>
+              <a:rPr lang="ja-JP" altLang="en-US" dirty="0"/>
+              <a:t>・</a:t>
+            </a:r>
+            <a:r>
+              <a:rPr lang="en-US" altLang="ja-JP" dirty="0" smtClean="0"/>
+              <a:t>Lisp</a:t>
+            </a:r>
+            <a:r>
+              <a:rPr lang="ja-JP" altLang="en-US" dirty="0" smtClean="0"/>
+              <a:t>の方言の一つで、現在でもよく使われる</a:t>
+            </a:r>
             <a:endParaRPr lang="en-US" altLang="ja-JP" dirty="0" smtClean="0"/>
           </a:p>
           <a:p>
@@ -9243,395 +9891,88 @@
             </a:pPr>
             <a:endParaRPr lang="en-US" altLang="ja-JP" dirty="0" smtClean="0"/>
           </a:p>
-        </p:txBody>
-      </p:sp>
-      <p:sp>
-        <p:nvSpPr>
-          <p:cNvPr id="4" name="正方形/長方形 3"/>
-          <p:cNvSpPr/>
-          <p:nvPr/>
-        </p:nvSpPr>
-        <p:spPr>
-          <a:xfrm>
-            <a:off x="1115616" y="3429000"/>
-            <a:ext cx="2232248" cy="936104"/>
-          </a:xfrm>
-          <a:prstGeom prst="rect">
-            <a:avLst/>
-          </a:prstGeom>
-          <a:solidFill>
-            <a:schemeClr val="accent2">
-              <a:lumMod val="40000"/>
-              <a:lumOff val="60000"/>
-            </a:schemeClr>
-          </a:solidFill>
-          <a:ln w="31750">
-            <a:solidFill>
-              <a:schemeClr val="tx1"/>
-            </a:solidFill>
-          </a:ln>
-        </p:spPr>
-        <p:style>
-          <a:lnRef idx="2">
-            <a:schemeClr val="accent1">
-              <a:shade val="50000"/>
-            </a:schemeClr>
-          </a:lnRef>
-          <a:fillRef idx="1">
-            <a:schemeClr val="accent1"/>
-          </a:fillRef>
-          <a:effectRef idx="0">
-            <a:schemeClr val="accent1"/>
-          </a:effectRef>
-          <a:fontRef idx="minor">
-            <a:schemeClr val="lt1"/>
-          </a:fontRef>
-        </p:style>
-        <p:txBody>
-          <a:bodyPr rtlCol="0" anchor="ctr"/>
-          <a:lstStyle/>
-          <a:p>
-            <a:pPr algn="ctr"/>
-            <a:r>
-              <a:rPr kumimoji="1" lang="en-US" altLang="ja-JP" sz="2800" dirty="0" smtClean="0">
-                <a:solidFill>
-                  <a:schemeClr val="tx1"/>
-                </a:solidFill>
-              </a:rPr>
-              <a:t>Li</a:t>
-            </a:r>
-            <a:r>
-              <a:rPr lang="en-US" altLang="ja-JP" sz="2800" dirty="0" smtClean="0">
-                <a:solidFill>
-                  <a:schemeClr val="tx1"/>
-                </a:solidFill>
-              </a:rPr>
-              <a:t>sp</a:t>
-            </a:r>
-            <a:endParaRPr kumimoji="1" lang="ja-JP" altLang="en-US" sz="2800" dirty="0">
-              <a:solidFill>
-                <a:schemeClr val="tx1"/>
-              </a:solidFill>
-            </a:endParaRPr>
-          </a:p>
-        </p:txBody>
-      </p:sp>
-      <p:cxnSp>
-        <p:nvCxnSpPr>
-          <p:cNvPr id="6" name="直線矢印コネクタ 5"/>
-          <p:cNvCxnSpPr/>
-          <p:nvPr/>
-        </p:nvCxnSpPr>
-        <p:spPr>
-          <a:xfrm flipV="1">
-            <a:off x="3563888" y="2667456"/>
-            <a:ext cx="2040096" cy="977568"/>
-          </a:xfrm>
-          <a:prstGeom prst="straightConnector1">
-            <a:avLst/>
-          </a:prstGeom>
-          <a:ln>
-            <a:tailEnd type="triangle"/>
-          </a:ln>
-        </p:spPr>
-        <p:style>
-          <a:lnRef idx="1">
-            <a:schemeClr val="accent1"/>
-          </a:lnRef>
-          <a:fillRef idx="0">
-            <a:schemeClr val="accent1"/>
-          </a:fillRef>
-          <a:effectRef idx="0">
-            <a:schemeClr val="accent1"/>
-          </a:effectRef>
-          <a:fontRef idx="minor">
-            <a:schemeClr val="tx1"/>
-          </a:fontRef>
-        </p:style>
-      </p:cxnSp>
-      <p:cxnSp>
-        <p:nvCxnSpPr>
-          <p:cNvPr id="7" name="直線矢印コネクタ 6"/>
-          <p:cNvCxnSpPr/>
-          <p:nvPr/>
-        </p:nvCxnSpPr>
-        <p:spPr>
-          <a:xfrm>
-            <a:off x="3563888" y="4149080"/>
-            <a:ext cx="2018000" cy="1085862"/>
-          </a:xfrm>
-          <a:prstGeom prst="straightConnector1">
-            <a:avLst/>
-          </a:prstGeom>
-          <a:ln>
-            <a:tailEnd type="triangle"/>
-          </a:ln>
-        </p:spPr>
-        <p:style>
-          <a:lnRef idx="1">
-            <a:schemeClr val="accent1"/>
-          </a:lnRef>
-          <a:fillRef idx="0">
-            <a:schemeClr val="accent1"/>
-          </a:fillRef>
-          <a:effectRef idx="0">
-            <a:schemeClr val="accent1"/>
-          </a:effectRef>
-          <a:fontRef idx="minor">
-            <a:schemeClr val="tx1"/>
-          </a:fontRef>
-        </p:style>
-      </p:cxnSp>
-      <p:sp>
-        <p:nvSpPr>
-          <p:cNvPr id="10" name="正方形/長方形 9"/>
-          <p:cNvSpPr/>
-          <p:nvPr/>
-        </p:nvSpPr>
-        <p:spPr>
-          <a:xfrm>
-            <a:off x="5767728" y="4766890"/>
-            <a:ext cx="2764712" cy="936104"/>
-          </a:xfrm>
-          <a:prstGeom prst="rect">
-            <a:avLst/>
-          </a:prstGeom>
-          <a:solidFill>
-            <a:schemeClr val="accent2">
-              <a:lumMod val="40000"/>
-              <a:lumOff val="60000"/>
-            </a:schemeClr>
-          </a:solidFill>
-          <a:ln w="31750">
-            <a:solidFill>
-              <a:schemeClr val="tx1"/>
-            </a:solidFill>
-          </a:ln>
-        </p:spPr>
-        <p:style>
-          <a:lnRef idx="2">
-            <a:schemeClr val="accent1">
-              <a:shade val="50000"/>
-            </a:schemeClr>
-          </a:lnRef>
-          <a:fillRef idx="1">
-            <a:schemeClr val="accent1"/>
-          </a:fillRef>
-          <a:effectRef idx="0">
-            <a:schemeClr val="accent1"/>
-          </a:effectRef>
-          <a:fontRef idx="minor">
-            <a:schemeClr val="lt1"/>
-          </a:fontRef>
-        </p:style>
-        <p:txBody>
-          <a:bodyPr rtlCol="0" anchor="ctr"/>
-          <a:lstStyle/>
-          <a:p>
-            <a:pPr algn="ctr"/>
-            <a:r>
-              <a:rPr kumimoji="1" lang="en-US" altLang="ja-JP" sz="2800" dirty="0" smtClean="0">
-                <a:solidFill>
-                  <a:schemeClr val="tx1"/>
-                </a:solidFill>
-              </a:rPr>
-              <a:t>Scheme</a:t>
-            </a:r>
-            <a:endParaRPr kumimoji="1" lang="ja-JP" altLang="en-US" sz="2800" dirty="0">
-              <a:solidFill>
-                <a:schemeClr val="tx1"/>
-              </a:solidFill>
-            </a:endParaRPr>
-          </a:p>
-        </p:txBody>
-      </p:sp>
-      <p:sp>
-        <p:nvSpPr>
-          <p:cNvPr id="11" name="正方形/長方形 10"/>
-          <p:cNvSpPr/>
-          <p:nvPr/>
-        </p:nvSpPr>
-        <p:spPr>
-          <a:xfrm>
-            <a:off x="5767728" y="1955267"/>
-            <a:ext cx="2764712" cy="936104"/>
-          </a:xfrm>
-          <a:prstGeom prst="rect">
-            <a:avLst/>
-          </a:prstGeom>
-          <a:solidFill>
-            <a:schemeClr val="accent2">
-              <a:lumMod val="40000"/>
-              <a:lumOff val="60000"/>
-            </a:schemeClr>
-          </a:solidFill>
-          <a:ln w="31750">
-            <a:solidFill>
-              <a:schemeClr val="tx1"/>
-            </a:solidFill>
-          </a:ln>
-        </p:spPr>
-        <p:style>
-          <a:lnRef idx="2">
-            <a:schemeClr val="accent1">
-              <a:shade val="50000"/>
-            </a:schemeClr>
-          </a:lnRef>
-          <a:fillRef idx="1">
-            <a:schemeClr val="accent1"/>
-          </a:fillRef>
-          <a:effectRef idx="0">
-            <a:schemeClr val="accent1"/>
-          </a:effectRef>
-          <a:fontRef idx="minor">
-            <a:schemeClr val="lt1"/>
-          </a:fontRef>
-        </p:style>
-        <p:txBody>
-          <a:bodyPr rtlCol="0" anchor="ctr"/>
-          <a:lstStyle/>
-          <a:p>
-            <a:pPr algn="ctr"/>
-            <a:r>
-              <a:rPr kumimoji="1" lang="en-US" altLang="ja-JP" sz="2800" dirty="0" smtClean="0">
-                <a:solidFill>
-                  <a:schemeClr val="tx1"/>
-                </a:solidFill>
-              </a:rPr>
+          <a:p>
+            <a:pPr marL="82296" indent="0">
+              <a:buNone/>
+            </a:pPr>
+            <a:r>
+              <a:rPr lang="ja-JP" altLang="en-US" dirty="0" smtClean="0"/>
+              <a:t>・言語仕様を少数のルールに限定</a:t>
+            </a:r>
+            <a:endParaRPr lang="en-US" altLang="ja-JP" dirty="0" smtClean="0"/>
+          </a:p>
+          <a:p>
+            <a:pPr marL="82296" indent="0">
+              <a:buNone/>
+            </a:pPr>
+            <a:endParaRPr lang="en-US" altLang="ja-JP" dirty="0"/>
+          </a:p>
+          <a:p>
+            <a:pPr marL="82296" indent="0">
+              <a:buNone/>
+            </a:pPr>
+            <a:r>
+              <a:rPr lang="ja-JP" altLang="en-US" dirty="0"/>
+              <a:t>思想「厳選した少数のルールを用意しておけばいくらでも強力な言語を構築する</a:t>
+            </a:r>
+            <a:r>
+              <a:rPr lang="ja-JP" altLang="en-US" dirty="0" smtClean="0"/>
+              <a:t>ことが</a:t>
+            </a:r>
+            <a:r>
+              <a:rPr lang="ja-JP" altLang="en-US" dirty="0"/>
+              <a:t>できる</a:t>
+            </a:r>
+            <a:r>
+              <a:rPr lang="ja-JP" altLang="en-US" dirty="0" smtClean="0"/>
+              <a:t>」</a:t>
+            </a:r>
+            <a:endParaRPr lang="en-US" altLang="ja-JP" dirty="0" smtClean="0"/>
+          </a:p>
+          <a:p>
+            <a:pPr marL="82296" indent="0">
+              <a:buNone/>
+            </a:pPr>
+            <a:endParaRPr lang="en-US" altLang="ja-JP" dirty="0"/>
+          </a:p>
+          <a:p>
+            <a:pPr marL="82296" indent="0">
+              <a:buNone/>
+            </a:pPr>
+            <a:r>
+              <a:rPr lang="ja-JP" altLang="en-US" dirty="0" smtClean="0"/>
+              <a:t>多機能化を目指した</a:t>
+            </a:r>
+            <a:r>
+              <a:rPr lang="en-US" altLang="ja-JP" dirty="0" smtClean="0"/>
               <a:t>Common Lisp</a:t>
             </a:r>
-            <a:endParaRPr kumimoji="1" lang="ja-JP" altLang="en-US" sz="2800" dirty="0">
-              <a:solidFill>
-                <a:schemeClr val="tx1"/>
-              </a:solidFill>
-            </a:endParaRPr>
-          </a:p>
-        </p:txBody>
-      </p:sp>
-      <p:sp>
-        <p:nvSpPr>
-          <p:cNvPr id="18" name="正方形/長方形 17"/>
-          <p:cNvSpPr/>
-          <p:nvPr/>
-        </p:nvSpPr>
-        <p:spPr>
-          <a:xfrm>
-            <a:off x="3563888" y="4421981"/>
-            <a:ext cx="1753195" cy="472862"/>
-          </a:xfrm>
-          <a:prstGeom prst="rect">
-            <a:avLst/>
-          </a:prstGeom>
-          <a:solidFill>
-            <a:schemeClr val="bg1"/>
-          </a:solidFill>
-          <a:ln w="12700">
-            <a:solidFill>
-              <a:schemeClr val="tx1"/>
-            </a:solidFill>
-          </a:ln>
-        </p:spPr>
-        <p:style>
-          <a:lnRef idx="2">
-            <a:schemeClr val="accent1">
-              <a:shade val="50000"/>
-            </a:schemeClr>
-          </a:lnRef>
-          <a:fillRef idx="1">
-            <a:schemeClr val="accent1"/>
-          </a:fillRef>
-          <a:effectRef idx="0">
-            <a:schemeClr val="accent1"/>
-          </a:effectRef>
-          <a:fontRef idx="minor">
-            <a:schemeClr val="lt1"/>
-          </a:fontRef>
-        </p:style>
-        <p:txBody>
-          <a:bodyPr rtlCol="0" anchor="ctr"/>
-          <a:lstStyle/>
-          <a:p>
-            <a:pPr algn="ctr"/>
-            <a:r>
-              <a:rPr kumimoji="1" lang="ja-JP" altLang="en-US" sz="2000" dirty="0" smtClean="0">
-                <a:solidFill>
-                  <a:schemeClr val="tx1"/>
-                </a:solidFill>
-              </a:rPr>
-              <a:t>機能を厳選</a:t>
-            </a:r>
-            <a:endParaRPr kumimoji="1" lang="ja-JP" altLang="en-US" sz="2000" dirty="0">
-              <a:solidFill>
-                <a:schemeClr val="tx1"/>
-              </a:solidFill>
-            </a:endParaRPr>
-          </a:p>
-        </p:txBody>
-      </p:sp>
-      <p:sp>
-        <p:nvSpPr>
-          <p:cNvPr id="19" name="正方形/長方形 18"/>
-          <p:cNvSpPr/>
-          <p:nvPr/>
-        </p:nvSpPr>
-        <p:spPr>
-          <a:xfrm>
-            <a:off x="3563887" y="3083183"/>
-            <a:ext cx="1753195" cy="472862"/>
-          </a:xfrm>
-          <a:prstGeom prst="rect">
-            <a:avLst/>
-          </a:prstGeom>
-          <a:solidFill>
-            <a:schemeClr val="bg1"/>
-          </a:solidFill>
-          <a:ln w="12700">
-            <a:solidFill>
-              <a:schemeClr val="tx1"/>
-            </a:solidFill>
-          </a:ln>
-        </p:spPr>
-        <p:style>
-          <a:lnRef idx="2">
-            <a:schemeClr val="accent1">
-              <a:shade val="50000"/>
-            </a:schemeClr>
-          </a:lnRef>
-          <a:fillRef idx="1">
-            <a:schemeClr val="accent1"/>
-          </a:fillRef>
-          <a:effectRef idx="0">
-            <a:schemeClr val="accent1"/>
-          </a:effectRef>
-          <a:fontRef idx="minor">
-            <a:schemeClr val="lt1"/>
-          </a:fontRef>
-        </p:style>
-        <p:txBody>
-          <a:bodyPr rtlCol="0" anchor="ctr"/>
-          <a:lstStyle/>
-          <a:p>
-            <a:pPr algn="ctr"/>
-            <a:r>
-              <a:rPr kumimoji="1" lang="ja-JP" altLang="en-US" sz="2000" dirty="0" smtClean="0">
-                <a:solidFill>
-                  <a:schemeClr val="tx1"/>
-                </a:solidFill>
-              </a:rPr>
-              <a:t>多機能化</a:t>
-            </a:r>
-            <a:endParaRPr kumimoji="1" lang="ja-JP" altLang="en-US" sz="2000" dirty="0">
-              <a:solidFill>
-                <a:schemeClr val="tx1"/>
-              </a:solidFill>
-            </a:endParaRPr>
+            <a:r>
+              <a:rPr lang="ja-JP" altLang="en-US" dirty="0" smtClean="0"/>
+              <a:t>とは</a:t>
+            </a:r>
+            <a:endParaRPr lang="en-US" altLang="ja-JP" dirty="0" smtClean="0"/>
+          </a:p>
+          <a:p>
+            <a:pPr marL="82296" indent="0">
+              <a:buNone/>
+            </a:pPr>
+            <a:r>
+              <a:rPr lang="ja-JP" altLang="en-US" dirty="0" smtClean="0"/>
+              <a:t>対照的な</a:t>
+            </a:r>
+            <a:r>
+              <a:rPr lang="ja-JP" altLang="en-US" dirty="0"/>
+              <a:t>存在</a:t>
+            </a:r>
+            <a:endParaRPr lang="en-US" altLang="ja-JP" dirty="0" smtClean="0"/>
           </a:p>
         </p:txBody>
       </p:sp>
     </p:spTree>
     <p:extLst>
       <p:ext uri="{BB962C8B-B14F-4D97-AF65-F5344CB8AC3E}">
-        <p14:creationId xmlns:p14="http://schemas.microsoft.com/office/powerpoint/2010/main" val="3579822147"/>
+        <p14:creationId xmlns:p14="http://schemas.microsoft.com/office/powerpoint/2010/main" val="2748462096"/>
       </p:ext>
     </p:extLst>
   </p:cSld>

--- a/scheme.pptx
+++ b/scheme.pptx
@@ -12,27 +12,31 @@
     <p:sldId id="310" r:id="rId6"/>
     <p:sldId id="321" r:id="rId7"/>
     <p:sldId id="323" r:id="rId8"/>
-    <p:sldId id="325" r:id="rId9"/>
-    <p:sldId id="327" r:id="rId10"/>
-    <p:sldId id="339" r:id="rId11"/>
-    <p:sldId id="326" r:id="rId12"/>
-    <p:sldId id="330" r:id="rId13"/>
-    <p:sldId id="331" r:id="rId14"/>
-    <p:sldId id="332" r:id="rId15"/>
-    <p:sldId id="341" r:id="rId16"/>
-    <p:sldId id="343" r:id="rId17"/>
-    <p:sldId id="344" r:id="rId18"/>
-    <p:sldId id="347" r:id="rId19"/>
-    <p:sldId id="342" r:id="rId20"/>
-    <p:sldId id="334" r:id="rId21"/>
-    <p:sldId id="335" r:id="rId22"/>
-    <p:sldId id="336" r:id="rId23"/>
-    <p:sldId id="337" r:id="rId24"/>
-    <p:sldId id="338" r:id="rId25"/>
-    <p:sldId id="329" r:id="rId26"/>
-    <p:sldId id="322" r:id="rId27"/>
-    <p:sldId id="328" r:id="rId28"/>
-    <p:sldId id="276" r:id="rId29"/>
+    <p:sldId id="348" r:id="rId9"/>
+    <p:sldId id="325" r:id="rId10"/>
+    <p:sldId id="327" r:id="rId11"/>
+    <p:sldId id="339" r:id="rId12"/>
+    <p:sldId id="326" r:id="rId13"/>
+    <p:sldId id="330" r:id="rId14"/>
+    <p:sldId id="331" r:id="rId15"/>
+    <p:sldId id="332" r:id="rId16"/>
+    <p:sldId id="341" r:id="rId17"/>
+    <p:sldId id="343" r:id="rId18"/>
+    <p:sldId id="344" r:id="rId19"/>
+    <p:sldId id="347" r:id="rId20"/>
+    <p:sldId id="342" r:id="rId21"/>
+    <p:sldId id="334" r:id="rId22"/>
+    <p:sldId id="335" r:id="rId23"/>
+    <p:sldId id="351" r:id="rId24"/>
+    <p:sldId id="336" r:id="rId25"/>
+    <p:sldId id="337" r:id="rId26"/>
+    <p:sldId id="338" r:id="rId27"/>
+    <p:sldId id="329" r:id="rId28"/>
+    <p:sldId id="322" r:id="rId29"/>
+    <p:sldId id="350" r:id="rId30"/>
+    <p:sldId id="349" r:id="rId31"/>
+    <p:sldId id="328" r:id="rId32"/>
+    <p:sldId id="276" r:id="rId33"/>
   </p:sldIdLst>
   <p:sldSz cx="9144000" cy="6858000" type="screen4x3"/>
   <p:notesSz cx="6858000" cy="9144000"/>
@@ -133,7 +137,7 @@
   </p:defaultTextStyle>
   <p:extLst>
     <p:ext uri="{EFAFB233-063F-42B5-8137-9DF3F51BA10A}">
-      <p15:sldGuideLst xmlns:p15="http://schemas.microsoft.com/office/powerpoint/2012/main">
+      <p15:sldGuideLst xmlns="" xmlns:p15="http://schemas.microsoft.com/office/powerpoint/2012/main">
         <p15:guide id="1" orient="horz" pos="2160">
           <p15:clr>
             <a:srgbClr val="A4A3A4"/>
@@ -284,7 +288,7 @@
           <a:p>
             <a:fld id="{39378AC4-C49C-4159-B332-7738B007311C}" type="datetimeFigureOut">
               <a:rPr kumimoji="1" lang="ja-JP" altLang="en-US" smtClean="0"/>
-              <a:t>2016/9/1</a:t>
+              <a:t>2016/9/4</a:t>
             </a:fld>
             <a:endParaRPr kumimoji="1" lang="ja-JP" altLang="en-US"/>
           </a:p>
@@ -629,7 +633,7 @@
           <a:p>
             <a:fld id="{39378AC4-C49C-4159-B332-7738B007311C}" type="datetimeFigureOut">
               <a:rPr kumimoji="1" lang="ja-JP" altLang="en-US" smtClean="0"/>
-              <a:t>2016/9/1</a:t>
+              <a:t>2016/9/4</a:t>
             </a:fld>
             <a:endParaRPr kumimoji="1" lang="ja-JP" altLang="en-US"/>
           </a:p>
@@ -846,7 +850,7 @@
           <a:p>
             <a:fld id="{39378AC4-C49C-4159-B332-7738B007311C}" type="datetimeFigureOut">
               <a:rPr kumimoji="1" lang="ja-JP" altLang="en-US" smtClean="0"/>
-              <a:t>2016/9/1</a:t>
+              <a:t>2016/9/4</a:t>
             </a:fld>
             <a:endParaRPr kumimoji="1" lang="ja-JP" altLang="en-US"/>
           </a:p>
@@ -1053,7 +1057,7 @@
           <a:p>
             <a:fld id="{39378AC4-C49C-4159-B332-7738B007311C}" type="datetimeFigureOut">
               <a:rPr kumimoji="1" lang="ja-JP" altLang="en-US" smtClean="0"/>
-              <a:t>2016/9/1</a:t>
+              <a:t>2016/9/4</a:t>
             </a:fld>
             <a:endParaRPr kumimoji="1" lang="ja-JP" altLang="en-US"/>
           </a:p>
@@ -1321,7 +1325,7 @@
           <a:p>
             <a:fld id="{39378AC4-C49C-4159-B332-7738B007311C}" type="datetimeFigureOut">
               <a:rPr kumimoji="1" lang="ja-JP" altLang="en-US" smtClean="0"/>
-              <a:t>2016/9/1</a:t>
+              <a:t>2016/9/4</a:t>
             </a:fld>
             <a:endParaRPr kumimoji="1" lang="ja-JP" altLang="en-US"/>
           </a:p>
@@ -1853,7 +1857,7 @@
           <a:p>
             <a:fld id="{39378AC4-C49C-4159-B332-7738B007311C}" type="datetimeFigureOut">
               <a:rPr kumimoji="1" lang="ja-JP" altLang="en-US" smtClean="0"/>
-              <a:t>2016/9/1</a:t>
+              <a:t>2016/9/4</a:t>
             </a:fld>
             <a:endParaRPr kumimoji="1" lang="ja-JP" altLang="en-US"/>
           </a:p>
@@ -2406,7 +2410,7 @@
           <a:p>
             <a:fld id="{39378AC4-C49C-4159-B332-7738B007311C}" type="datetimeFigureOut">
               <a:rPr kumimoji="1" lang="ja-JP" altLang="en-US" smtClean="0"/>
-              <a:t>2016/9/1</a:t>
+              <a:t>2016/9/4</a:t>
             </a:fld>
             <a:endParaRPr kumimoji="1" lang="ja-JP" altLang="en-US"/>
           </a:p>
@@ -2532,7 +2536,7 @@
           <a:p>
             <a:fld id="{39378AC4-C49C-4159-B332-7738B007311C}" type="datetimeFigureOut">
               <a:rPr kumimoji="1" lang="ja-JP" altLang="en-US" smtClean="0"/>
-              <a:t>2016/9/1</a:t>
+              <a:t>2016/9/4</a:t>
             </a:fld>
             <a:endParaRPr kumimoji="1" lang="ja-JP" altLang="en-US"/>
           </a:p>
@@ -2676,7 +2680,7 @@
           <a:p>
             <a:fld id="{39378AC4-C49C-4159-B332-7738B007311C}" type="datetimeFigureOut">
               <a:rPr kumimoji="1" lang="ja-JP" altLang="en-US" smtClean="0"/>
-              <a:t>2016/9/1</a:t>
+              <a:t>2016/9/4</a:t>
             </a:fld>
             <a:endParaRPr kumimoji="1" lang="ja-JP" altLang="en-US"/>
           </a:p>
@@ -3030,7 +3034,7 @@
           <a:p>
             <a:fld id="{39378AC4-C49C-4159-B332-7738B007311C}" type="datetimeFigureOut">
               <a:rPr kumimoji="1" lang="ja-JP" altLang="en-US" smtClean="0"/>
-              <a:t>2016/9/1</a:t>
+              <a:t>2016/9/4</a:t>
             </a:fld>
             <a:endParaRPr kumimoji="1" lang="ja-JP" altLang="en-US"/>
           </a:p>
@@ -3164,7 +3168,7 @@
           <a:p>
             <a:fld id="{39378AC4-C49C-4159-B332-7738B007311C}" type="datetimeFigureOut">
               <a:rPr kumimoji="1" lang="ja-JP" altLang="en-US" smtClean="0"/>
-              <a:t>2016/9/1</a:t>
+              <a:t>2016/9/4</a:t>
             </a:fld>
             <a:endParaRPr kumimoji="1" lang="ja-JP" altLang="en-US"/>
           </a:p>
@@ -3977,7 +3981,7 @@
           <a:p>
             <a:fld id="{39378AC4-C49C-4159-B332-7738B007311C}" type="datetimeFigureOut">
               <a:rPr kumimoji="1" lang="ja-JP" altLang="en-US" smtClean="0"/>
-              <a:t>2016/9/1</a:t>
+              <a:t>2016/9/4</a:t>
             </a:fld>
             <a:endParaRPr kumimoji="1" lang="ja-JP" altLang="en-US"/>
           </a:p>
@@ -4578,11 +4582,6 @@
               </a:rPr>
               <a:t>2016/9</a:t>
             </a:r>
-            <a:endParaRPr kumimoji="1" lang="en-US" altLang="ja-JP" dirty="0" smtClean="0">
-              <a:latin typeface="Meiryo UI" panose="020B0604030504040204" pitchFamily="50" charset="-128"/>
-              <a:ea typeface="Meiryo UI" panose="020B0604030504040204" pitchFamily="50" charset="-128"/>
-              <a:cs typeface="Meiryo UI" panose="020B0604030504040204" pitchFamily="50" charset="-128"/>
-            </a:endParaRPr>
           </a:p>
           <a:p>
             <a:r>
@@ -4622,6 +4621,189 @@
 </file>
 
 <file path=ppt/slides/slide10.xml><?xml version="1.0" encoding="utf-8"?>
+<p:sld xmlns:a="http://schemas.openxmlformats.org/drawingml/2006/main" xmlns:r="http://schemas.openxmlformats.org/officeDocument/2006/relationships" xmlns:p="http://schemas.openxmlformats.org/presentationml/2006/main">
+  <p:cSld>
+    <p:spTree>
+      <p:nvGrpSpPr>
+        <p:cNvPr id="1" name=""/>
+        <p:cNvGrpSpPr/>
+        <p:nvPr/>
+      </p:nvGrpSpPr>
+      <p:grpSpPr>
+        <a:xfrm>
+          <a:off x="0" y="0"/>
+          <a:ext cx="0" cy="0"/>
+          <a:chOff x="0" y="0"/>
+          <a:chExt cx="0" cy="0"/>
+        </a:xfrm>
+      </p:grpSpPr>
+      <p:sp>
+        <p:nvSpPr>
+          <p:cNvPr id="2" name="タイトル 1"/>
+          <p:cNvSpPr>
+            <a:spLocks noGrp="1"/>
+          </p:cNvSpPr>
+          <p:nvPr>
+            <p:ph type="title"/>
+          </p:nvPr>
+        </p:nvSpPr>
+        <p:spPr/>
+        <p:txBody>
+          <a:bodyPr/>
+          <a:lstStyle/>
+          <a:p>
+            <a:r>
+              <a:rPr kumimoji="1" lang="en-US" altLang="ja-JP" dirty="0" smtClean="0"/>
+              <a:t>Scheme</a:t>
+            </a:r>
+            <a:endParaRPr kumimoji="1" lang="ja-JP" altLang="en-US" dirty="0"/>
+          </a:p>
+        </p:txBody>
+      </p:sp>
+      <p:sp>
+        <p:nvSpPr>
+          <p:cNvPr id="3" name="コンテンツ プレースホルダー 2"/>
+          <p:cNvSpPr>
+            <a:spLocks noGrp="1"/>
+          </p:cNvSpPr>
+          <p:nvPr>
+            <p:ph idx="1"/>
+          </p:nvPr>
+        </p:nvSpPr>
+        <p:spPr>
+          <a:xfrm>
+            <a:off x="1115616" y="1124744"/>
+            <a:ext cx="7818072" cy="5544616"/>
+          </a:xfrm>
+        </p:spPr>
+        <p:txBody>
+          <a:bodyPr>
+            <a:normAutofit/>
+          </a:bodyPr>
+          <a:lstStyle/>
+          <a:p>
+            <a:pPr marL="82296" indent="0">
+              <a:buNone/>
+            </a:pPr>
+            <a:r>
+              <a:rPr lang="ja-JP" altLang="en-US" dirty="0"/>
+              <a:t>・</a:t>
+            </a:r>
+            <a:r>
+              <a:rPr lang="en-US" altLang="ja-JP" dirty="0" smtClean="0"/>
+              <a:t>Lisp</a:t>
+            </a:r>
+            <a:r>
+              <a:rPr lang="ja-JP" altLang="en-US" dirty="0" smtClean="0"/>
+              <a:t>の方言の一つで、現在でもよく使われる</a:t>
+            </a:r>
+            <a:endParaRPr lang="en-US" altLang="ja-JP" dirty="0" smtClean="0"/>
+          </a:p>
+          <a:p>
+            <a:pPr marL="82296" indent="0">
+              <a:buNone/>
+            </a:pPr>
+            <a:endParaRPr lang="en-US" altLang="ja-JP" dirty="0" smtClean="0"/>
+          </a:p>
+          <a:p>
+            <a:pPr marL="82296" indent="0">
+              <a:buNone/>
+            </a:pPr>
+            <a:r>
+              <a:rPr lang="ja-JP" altLang="en-US" dirty="0" smtClean="0"/>
+              <a:t>・言語仕様を少数のルールに限定</a:t>
+            </a:r>
+            <a:endParaRPr lang="en-US" altLang="ja-JP" dirty="0" smtClean="0"/>
+          </a:p>
+          <a:p>
+            <a:pPr marL="82296" indent="0">
+              <a:buNone/>
+            </a:pPr>
+            <a:endParaRPr lang="en-US" altLang="ja-JP" dirty="0"/>
+          </a:p>
+          <a:p>
+            <a:pPr marL="82296" indent="0">
+              <a:buNone/>
+            </a:pPr>
+            <a:r>
+              <a:rPr lang="ja-JP" altLang="en-US" dirty="0"/>
+              <a:t>思想「厳選した少数のルールを用意しておけばいくらでも強力な言語を構築する</a:t>
+            </a:r>
+            <a:r>
+              <a:rPr lang="ja-JP" altLang="en-US" dirty="0" smtClean="0"/>
+              <a:t>ことが</a:t>
+            </a:r>
+            <a:r>
+              <a:rPr lang="ja-JP" altLang="en-US" dirty="0"/>
+              <a:t>できる</a:t>
+            </a:r>
+            <a:r>
+              <a:rPr lang="ja-JP" altLang="en-US" dirty="0" smtClean="0"/>
+              <a:t>」</a:t>
+            </a:r>
+            <a:endParaRPr lang="en-US" altLang="ja-JP" dirty="0" smtClean="0"/>
+          </a:p>
+          <a:p>
+            <a:pPr marL="82296" indent="0">
+              <a:buNone/>
+            </a:pPr>
+            <a:endParaRPr lang="en-US" altLang="ja-JP" dirty="0"/>
+          </a:p>
+          <a:p>
+            <a:pPr marL="82296" indent="0">
+              <a:buNone/>
+            </a:pPr>
+            <a:r>
+              <a:rPr lang="ja-JP" altLang="en-US" dirty="0" smtClean="0"/>
+              <a:t>多機能化を目指した</a:t>
+            </a:r>
+            <a:r>
+              <a:rPr lang="en-US" altLang="ja-JP" dirty="0" smtClean="0"/>
+              <a:t>Common Lisp</a:t>
+            </a:r>
+            <a:r>
+              <a:rPr lang="ja-JP" altLang="en-US" dirty="0" smtClean="0"/>
+              <a:t>とは</a:t>
+            </a:r>
+            <a:endParaRPr lang="en-US" altLang="ja-JP" dirty="0" smtClean="0"/>
+          </a:p>
+          <a:p>
+            <a:pPr marL="82296" indent="0">
+              <a:buNone/>
+            </a:pPr>
+            <a:r>
+              <a:rPr lang="ja-JP" altLang="en-US" dirty="0" smtClean="0"/>
+              <a:t>対照的な</a:t>
+            </a:r>
+            <a:r>
+              <a:rPr lang="ja-JP" altLang="en-US" dirty="0"/>
+              <a:t>存在</a:t>
+            </a:r>
+            <a:endParaRPr lang="en-US" altLang="ja-JP" dirty="0" smtClean="0"/>
+          </a:p>
+        </p:txBody>
+      </p:sp>
+    </p:spTree>
+    <p:extLst>
+      <p:ext uri="{BB962C8B-B14F-4D97-AF65-F5344CB8AC3E}">
+        <p14:creationId xmlns:p14="http://schemas.microsoft.com/office/powerpoint/2010/main" val="2748462096"/>
+      </p:ext>
+    </p:extLst>
+  </p:cSld>
+  <p:clrMapOvr>
+    <a:masterClrMapping/>
+  </p:clrMapOvr>
+  <p:timing>
+    <p:tnLst>
+      <p:par>
+        <p:cTn id="1" dur="indefinite" restart="never" nodeType="tmRoot"/>
+      </p:par>
+    </p:tnLst>
+  </p:timing>
+</p:sld>
+</file>
+
+<file path=ppt/slides/slide11.xml><?xml version="1.0" encoding="utf-8"?>
 <p:sld xmlns:a="http://schemas.openxmlformats.org/drawingml/2006/main" xmlns:r="http://schemas.openxmlformats.org/officeDocument/2006/relationships" xmlns:p="http://schemas.openxmlformats.org/presentationml/2006/main">
   <p:cSld>
     <p:spTree>
@@ -5103,7 +5285,7 @@
 </p:sld>
 </file>
 
-<file path=ppt/slides/slide11.xml><?xml version="1.0" encoding="utf-8"?>
+<file path=ppt/slides/slide12.xml><?xml version="1.0" encoding="utf-8"?>
 <p:sld xmlns:a="http://schemas.openxmlformats.org/drawingml/2006/main" xmlns:r="http://schemas.openxmlformats.org/officeDocument/2006/relationships" xmlns:p="http://schemas.openxmlformats.org/presentationml/2006/main" show="0">
   <p:cSld>
     <p:spTree>
@@ -5392,7 +5574,7 @@
 </p:sld>
 </file>
 
-<file path=ppt/slides/slide12.xml><?xml version="1.0" encoding="utf-8"?>
+<file path=ppt/slides/slide13.xml><?xml version="1.0" encoding="utf-8"?>
 <p:sld xmlns:a="http://schemas.openxmlformats.org/drawingml/2006/main" xmlns:r="http://schemas.openxmlformats.org/officeDocument/2006/relationships" xmlns:p="http://schemas.openxmlformats.org/presentationml/2006/main" show="0">
   <p:cSld>
     <p:spTree>
@@ -5510,7 +5692,7 @@
 </p:sld>
 </file>
 
-<file path=ppt/slides/slide13.xml><?xml version="1.0" encoding="utf-8"?>
+<file path=ppt/slides/slide14.xml><?xml version="1.0" encoding="utf-8"?>
 <p:sld xmlns:a="http://schemas.openxmlformats.org/drawingml/2006/main" xmlns:r="http://schemas.openxmlformats.org/officeDocument/2006/relationships" xmlns:p="http://schemas.openxmlformats.org/presentationml/2006/main" show="0">
   <p:cSld>
     <p:spTree>
@@ -6316,7 +6498,7 @@
 </p:sld>
 </file>
 
-<file path=ppt/slides/slide14.xml><?xml version="1.0" encoding="utf-8"?>
+<file path=ppt/slides/slide15.xml><?xml version="1.0" encoding="utf-8"?>
 <p:sld xmlns:a="http://schemas.openxmlformats.org/drawingml/2006/main" xmlns:r="http://schemas.openxmlformats.org/officeDocument/2006/relationships" xmlns:p="http://schemas.openxmlformats.org/presentationml/2006/main" show="0">
   <p:cSld>
     <p:spTree>
@@ -6403,11 +6585,11 @@
   <p:clrMapOvr>
     <a:masterClrMapping/>
   </p:clrMapOvr>
-  <mc:AlternateContent xmlns:mc="http://schemas.openxmlformats.org/markup-compatibility/2006">
-    <mc:Choice xmlns:p14="http://schemas.microsoft.com/office/powerpoint/2010/main" Requires="p14">
+  <mc:AlternateContent xmlns:mc="http://schemas.openxmlformats.org/markup-compatibility/2006" xmlns:p14="http://schemas.microsoft.com/office/powerpoint/2010/main">
+    <mc:Choice Requires="p14">
       <p:transition spd="slow" p14:dur="2000"/>
     </mc:Choice>
-    <mc:Fallback>
+    <mc:Fallback xmlns="">
       <p:transition spd="slow"/>
     </mc:Fallback>
   </mc:AlternateContent>
@@ -6421,7 +6603,7 @@
 </p:sld>
 </file>
 
-<file path=ppt/slides/slide15.xml><?xml version="1.0" encoding="utf-8"?>
+<file path=ppt/slides/slide16.xml><?xml version="1.0" encoding="utf-8"?>
 <p:sld xmlns:a="http://schemas.openxmlformats.org/drawingml/2006/main" xmlns:r="http://schemas.openxmlformats.org/officeDocument/2006/relationships" xmlns:p="http://schemas.openxmlformats.org/presentationml/2006/main">
   <p:cSld>
     <p:spTree>
@@ -6522,7 +6704,7 @@
 </p:sld>
 </file>
 
-<file path=ppt/slides/slide16.xml><?xml version="1.0" encoding="utf-8"?>
+<file path=ppt/slides/slide17.xml><?xml version="1.0" encoding="utf-8"?>
 <p:sld xmlns:a="http://schemas.openxmlformats.org/drawingml/2006/main" xmlns:r="http://schemas.openxmlformats.org/officeDocument/2006/relationships" xmlns:p="http://schemas.openxmlformats.org/presentationml/2006/main">
   <p:cSld>
     <p:spTree>
@@ -6703,155 +6885,6 @@
 </p:sld>
 </file>
 
-<file path=ppt/slides/slide17.xml><?xml version="1.0" encoding="utf-8"?>
-<p:sld xmlns:a="http://schemas.openxmlformats.org/drawingml/2006/main" xmlns:r="http://schemas.openxmlformats.org/officeDocument/2006/relationships" xmlns:p="http://schemas.openxmlformats.org/presentationml/2006/main">
-  <p:cSld>
-    <p:spTree>
-      <p:nvGrpSpPr>
-        <p:cNvPr id="1" name=""/>
-        <p:cNvGrpSpPr/>
-        <p:nvPr/>
-      </p:nvGrpSpPr>
-      <p:grpSpPr>
-        <a:xfrm>
-          <a:off x="0" y="0"/>
-          <a:ext cx="0" cy="0"/>
-          <a:chOff x="0" y="0"/>
-          <a:chExt cx="0" cy="0"/>
-        </a:xfrm>
-      </p:grpSpPr>
-      <p:sp>
-        <p:nvSpPr>
-          <p:cNvPr id="2" name="タイトル 1"/>
-          <p:cNvSpPr>
-            <a:spLocks noGrp="1"/>
-          </p:cNvSpPr>
-          <p:nvPr>
-            <p:ph type="title"/>
-          </p:nvPr>
-        </p:nvSpPr>
-        <p:spPr/>
-        <p:txBody>
-          <a:bodyPr/>
-          <a:lstStyle/>
-          <a:p>
-            <a:r>
-              <a:rPr kumimoji="1" lang="ja-JP" altLang="en-US" dirty="0" smtClean="0"/>
-              <a:t>エディタ</a:t>
-            </a:r>
-            <a:endParaRPr kumimoji="1" lang="ja-JP" altLang="en-US" dirty="0"/>
-          </a:p>
-        </p:txBody>
-      </p:sp>
-      <p:sp>
-        <p:nvSpPr>
-          <p:cNvPr id="3" name="コンテンツ プレースホルダー 2"/>
-          <p:cNvSpPr>
-            <a:spLocks noGrp="1"/>
-          </p:cNvSpPr>
-          <p:nvPr>
-            <p:ph idx="1"/>
-          </p:nvPr>
-        </p:nvSpPr>
-        <p:spPr>
-          <a:xfrm>
-            <a:off x="1115616" y="1124744"/>
-            <a:ext cx="7818072" cy="5544616"/>
-          </a:xfrm>
-        </p:spPr>
-        <p:txBody>
-          <a:bodyPr>
-            <a:normAutofit/>
-          </a:bodyPr>
-          <a:lstStyle/>
-          <a:p>
-            <a:pPr marL="82296" indent="0">
-              <a:buNone/>
-            </a:pPr>
-            <a:r>
-              <a:rPr lang="ja-JP" altLang="en-US" dirty="0" smtClean="0"/>
-              <a:t>・</a:t>
-            </a:r>
-            <a:r>
-              <a:rPr lang="en-US" altLang="ja-JP" dirty="0" smtClean="0"/>
-              <a:t>Lisp</a:t>
-            </a:r>
-            <a:r>
-              <a:rPr lang="ja-JP" altLang="en-US" dirty="0" err="1" smtClean="0"/>
-              <a:t>、</a:t>
-            </a:r>
-            <a:r>
-              <a:rPr lang="en-US" altLang="ja-JP" dirty="0" smtClean="0"/>
-              <a:t>Scheme</a:t>
-            </a:r>
-            <a:r>
-              <a:rPr lang="ja-JP" altLang="en-US" dirty="0" smtClean="0"/>
-              <a:t>界隈では</a:t>
-            </a:r>
-            <a:r>
-              <a:rPr lang="en-US" altLang="ja-JP" dirty="0" err="1" smtClean="0"/>
-              <a:t>Emacs</a:t>
-            </a:r>
-            <a:r>
-              <a:rPr lang="ja-JP" altLang="en-US" dirty="0" smtClean="0"/>
-              <a:t>の使用が推奨されている</a:t>
-            </a:r>
-            <a:endParaRPr lang="en-US" altLang="ja-JP" dirty="0" smtClean="0"/>
-          </a:p>
-          <a:p>
-            <a:pPr marL="82296" indent="0">
-              <a:buNone/>
-            </a:pPr>
-            <a:endParaRPr lang="en-US" altLang="ja-JP" dirty="0"/>
-          </a:p>
-          <a:p>
-            <a:pPr marL="82296" indent="0">
-              <a:buNone/>
-            </a:pPr>
-            <a:r>
-              <a:rPr lang="ja-JP" altLang="en-US" dirty="0" smtClean="0"/>
-              <a:t>→</a:t>
-            </a:r>
-            <a:r>
-              <a:rPr lang="en-US" altLang="ja-JP" dirty="0" err="1" smtClean="0"/>
-              <a:t>Emacs</a:t>
-            </a:r>
-            <a:r>
-              <a:rPr lang="ja-JP" altLang="en-US" dirty="0" smtClean="0"/>
-              <a:t>スクリプトが</a:t>
-            </a:r>
-            <a:r>
-              <a:rPr lang="en-US" altLang="ja-JP" dirty="0" smtClean="0"/>
-              <a:t>Lisp</a:t>
-            </a:r>
-            <a:r>
-              <a:rPr lang="ja-JP" altLang="en-US" dirty="0" smtClean="0"/>
-              <a:t>で書けるため</a:t>
-            </a:r>
-            <a:endParaRPr lang="en-US" altLang="ja-JP" dirty="0" smtClean="0"/>
-          </a:p>
-        </p:txBody>
-      </p:sp>
-    </p:spTree>
-    <p:extLst>
-      <p:ext uri="{BB962C8B-B14F-4D97-AF65-F5344CB8AC3E}">
-        <p14:creationId xmlns:p14="http://schemas.microsoft.com/office/powerpoint/2010/main" val="1277891446"/>
-      </p:ext>
-    </p:extLst>
-  </p:cSld>
-  <p:clrMapOvr>
-    <a:masterClrMapping/>
-  </p:clrMapOvr>
-  <p:timing>
-    <p:tnLst>
-      <p:par>
-        <p:cTn id="1" dur="indefinite" restart="never" nodeType="tmRoot"/>
-      </p:par>
-    </p:tnLst>
-  </p:timing>
-</p:sld>
-</file>
-
 <file path=ppt/slides/slide18.xml><?xml version="1.0" encoding="utf-8"?>
 <p:sld xmlns:a="http://schemas.openxmlformats.org/drawingml/2006/main" xmlns:r="http://schemas.openxmlformats.org/officeDocument/2006/relationships" xmlns:p="http://schemas.openxmlformats.org/presentationml/2006/main">
   <p:cSld>
@@ -6918,56 +6951,80 @@
               <a:buNone/>
             </a:pPr>
             <a:r>
+              <a:rPr lang="en-US" altLang="ja-JP" dirty="0" smtClean="0"/>
+              <a:t>Lisp</a:t>
+            </a:r>
+            <a:r>
+              <a:rPr lang="ja-JP" altLang="en-US" dirty="0" err="1" smtClean="0"/>
+              <a:t>、</a:t>
+            </a:r>
+            <a:r>
+              <a:rPr lang="en-US" altLang="ja-JP" dirty="0" smtClean="0"/>
+              <a:t>Scheme</a:t>
+            </a:r>
+            <a:r>
+              <a:rPr lang="ja-JP" altLang="en-US" dirty="0" smtClean="0"/>
+              <a:t>界隈では</a:t>
+            </a:r>
+            <a:r>
+              <a:rPr lang="en-US" altLang="ja-JP" dirty="0" err="1" smtClean="0"/>
+              <a:t>Emacs</a:t>
+            </a:r>
+            <a:r>
+              <a:rPr lang="ja-JP" altLang="en-US" dirty="0" smtClean="0"/>
+              <a:t>の使用が</a:t>
+            </a:r>
+            <a:endParaRPr lang="en-US" altLang="ja-JP" dirty="0" smtClean="0"/>
+          </a:p>
+          <a:p>
+            <a:pPr marL="82296" indent="0">
+              <a:buNone/>
+            </a:pPr>
+            <a:r>
+              <a:rPr lang="ja-JP" altLang="en-US" dirty="0" smtClean="0"/>
+              <a:t>推奨されている</a:t>
+            </a:r>
+            <a:endParaRPr lang="en-US" altLang="ja-JP" dirty="0" smtClean="0"/>
+          </a:p>
+          <a:p>
+            <a:pPr marL="82296" indent="0">
+              <a:buNone/>
+            </a:pPr>
+            <a:endParaRPr lang="en-US" altLang="ja-JP" dirty="0"/>
+          </a:p>
+          <a:p>
+            <a:pPr marL="82296" indent="0">
+              <a:buNone/>
+            </a:pPr>
+            <a:r>
               <a:rPr lang="ja-JP" altLang="en-US" dirty="0" smtClean="0"/>
               <a:t>・</a:t>
             </a:r>
             <a:r>
+              <a:rPr lang="en-US" altLang="ja-JP" dirty="0" err="1" smtClean="0"/>
+              <a:t>Emacs</a:t>
+            </a:r>
+            <a:r>
+              <a:rPr lang="ja-JP" altLang="en-US" dirty="0" smtClean="0"/>
+              <a:t>スクリプトが</a:t>
+            </a:r>
+            <a:r>
               <a:rPr lang="en-US" altLang="ja-JP" dirty="0" smtClean="0"/>
               <a:t>Lisp</a:t>
             </a:r>
             <a:r>
-              <a:rPr lang="ja-JP" altLang="en-US" dirty="0" err="1" smtClean="0"/>
-              <a:t>、</a:t>
-            </a:r>
-            <a:r>
-              <a:rPr lang="en-US" altLang="ja-JP" dirty="0" smtClean="0"/>
-              <a:t>Scheme</a:t>
-            </a:r>
-            <a:r>
               <a:rPr lang="ja-JP" altLang="en-US" dirty="0" smtClean="0"/>
-              <a:t>界隈では</a:t>
-            </a:r>
-            <a:r>
-              <a:rPr lang="en-US" altLang="ja-JP" dirty="0" err="1" smtClean="0"/>
-              <a:t>Emacs</a:t>
-            </a:r>
+              <a:t>で書ける</a:t>
+            </a:r>
+            <a:endParaRPr lang="en-US" altLang="ja-JP" dirty="0" smtClean="0"/>
+          </a:p>
+          <a:p>
+            <a:pPr marL="82296" indent="0">
+              <a:buNone/>
+            </a:pPr>
             <a:r>
               <a:rPr lang="ja-JP" altLang="en-US" dirty="0" smtClean="0"/>
-              <a:t>の使用が推奨されている</a:t>
-            </a:r>
-            <a:endParaRPr lang="en-US" altLang="ja-JP" dirty="0" smtClean="0"/>
-          </a:p>
-          <a:p>
-            <a:pPr marL="82296" indent="0">
-              <a:buNone/>
-            </a:pPr>
-            <a:endParaRPr lang="en-US" altLang="ja-JP" dirty="0"/>
-          </a:p>
-          <a:p>
-            <a:pPr marL="82296" indent="0">
-              <a:buNone/>
-            </a:pPr>
-            <a:r>
-              <a:rPr lang="ja-JP" altLang="en-US" dirty="0" smtClean="0"/>
-              <a:t>→</a:t>
-            </a:r>
-            <a:r>
-              <a:rPr lang="en-US" altLang="ja-JP" dirty="0" err="1" smtClean="0"/>
-              <a:t>Emacs</a:t>
-            </a:r>
-            <a:r>
-              <a:rPr lang="ja-JP" altLang="en-US" dirty="0" smtClean="0"/>
-              <a:t>スクリプトが</a:t>
+              <a:t>・</a:t>
             </a:r>
             <a:r>
               <a:rPr lang="en-US" altLang="ja-JP" dirty="0" smtClean="0"/>
@@ -6975,56 +7032,16 @@
             </a:r>
             <a:r>
               <a:rPr lang="ja-JP" altLang="en-US" dirty="0" smtClean="0"/>
-              <a:t>で書けるため</a:t>
+              <a:t>系言語の開発支援機能あり</a:t>
             </a:r>
             <a:endParaRPr lang="en-US" altLang="ja-JP" dirty="0" smtClean="0"/>
-          </a:p>
-          <a:p>
-            <a:pPr marL="82296" indent="0">
-              <a:buNone/>
-            </a:pPr>
-            <a:endParaRPr lang="en-US" altLang="ja-JP" dirty="0"/>
-          </a:p>
-          <a:p>
-            <a:pPr marL="82296" indent="0">
-              <a:buNone/>
-            </a:pPr>
-            <a:endParaRPr lang="en-US" altLang="ja-JP" dirty="0" smtClean="0"/>
-          </a:p>
-          <a:p>
-            <a:pPr marL="82296" indent="0">
-              <a:buNone/>
-            </a:pPr>
-            <a:endParaRPr lang="en-US" altLang="ja-JP" dirty="0"/>
-          </a:p>
-          <a:p>
-            <a:pPr marL="82296" indent="0" algn="ctr">
-              <a:buNone/>
-            </a:pPr>
-            <a:r>
-              <a:rPr lang="ja-JP" altLang="en-US" sz="5400" b="1" dirty="0" smtClean="0"/>
-              <a:t>でも</a:t>
-            </a:r>
-            <a:r>
-              <a:rPr lang="ja-JP" altLang="en-US" sz="2000" dirty="0" smtClean="0"/>
-              <a:t>今回は</a:t>
-            </a:r>
-            <a:r>
-              <a:rPr lang="en-US" altLang="ja-JP" sz="5400" b="1" dirty="0" smtClean="0"/>
-              <a:t>Vim</a:t>
-            </a:r>
-            <a:r>
-              <a:rPr lang="ja-JP" altLang="en-US" sz="5400" b="1" dirty="0" smtClean="0"/>
-              <a:t>を使う</a:t>
-            </a:r>
-            <a:endParaRPr lang="en-US" altLang="ja-JP" sz="5400" b="1" dirty="0" smtClean="0"/>
           </a:p>
         </p:txBody>
       </p:sp>
     </p:spTree>
     <p:extLst>
       <p:ext uri="{BB962C8B-B14F-4D97-AF65-F5344CB8AC3E}">
-        <p14:creationId xmlns:p14="http://schemas.microsoft.com/office/powerpoint/2010/main" val="1453277618"/>
+        <p14:creationId xmlns:p14="http://schemas.microsoft.com/office/powerpoint/2010/main" val="1277891446"/>
       </p:ext>
     </p:extLst>
   </p:cSld>
@@ -7073,6 +7090,10 @@
           <a:bodyPr/>
           <a:lstStyle/>
           <a:p>
+            <a:r>
+              <a:rPr kumimoji="1" lang="ja-JP" altLang="en-US" dirty="0" smtClean="0"/>
+              <a:t>エディタ</a:t>
+            </a:r>
             <a:endParaRPr kumimoji="1" lang="ja-JP" altLang="en-US" dirty="0"/>
           </a:p>
         </p:txBody>
@@ -7089,8 +7110,8 @@
         </p:nvSpPr>
         <p:spPr>
           <a:xfrm>
-            <a:off x="899592" y="1447800"/>
-            <a:ext cx="8136904" cy="4069432"/>
+            <a:off x="1115616" y="1124744"/>
+            <a:ext cx="7818072" cy="5544616"/>
           </a:xfrm>
         </p:spPr>
         <p:txBody>
@@ -7099,33 +7120,135 @@
           </a:bodyPr>
           <a:lstStyle/>
           <a:p>
+            <a:pPr marL="82296" indent="0">
+              <a:buNone/>
+            </a:pPr>
+            <a:r>
+              <a:rPr lang="en-US" altLang="ja-JP" dirty="0" smtClean="0"/>
+              <a:t>Lisp</a:t>
+            </a:r>
+            <a:r>
+              <a:rPr lang="ja-JP" altLang="en-US" dirty="0" err="1" smtClean="0"/>
+              <a:t>、</a:t>
+            </a:r>
+            <a:r>
+              <a:rPr lang="en-US" altLang="ja-JP" dirty="0" smtClean="0"/>
+              <a:t>Scheme</a:t>
+            </a:r>
+            <a:r>
+              <a:rPr lang="ja-JP" altLang="en-US" dirty="0" smtClean="0"/>
+              <a:t>界隈では</a:t>
+            </a:r>
+            <a:r>
+              <a:rPr lang="en-US" altLang="ja-JP" dirty="0" err="1" smtClean="0"/>
+              <a:t>Emacs</a:t>
+            </a:r>
+            <a:r>
+              <a:rPr lang="ja-JP" altLang="en-US" dirty="0" smtClean="0"/>
+              <a:t>の使用が</a:t>
+            </a:r>
+            <a:endParaRPr lang="en-US" altLang="ja-JP" dirty="0" smtClean="0"/>
+          </a:p>
+          <a:p>
+            <a:pPr marL="82296" indent="0">
+              <a:buNone/>
+            </a:pPr>
+            <a:r>
+              <a:rPr lang="ja-JP" altLang="en-US" dirty="0" smtClean="0"/>
+              <a:t>推奨されている</a:t>
+            </a:r>
+            <a:endParaRPr lang="en-US" altLang="ja-JP" dirty="0" smtClean="0"/>
+          </a:p>
+          <a:p>
+            <a:pPr marL="82296" indent="0">
+              <a:buNone/>
+            </a:pPr>
+            <a:endParaRPr lang="en-US" altLang="ja-JP" dirty="0"/>
+          </a:p>
+          <a:p>
+            <a:pPr marL="82296" indent="0">
+              <a:buNone/>
+            </a:pPr>
+            <a:r>
+              <a:rPr lang="ja-JP" altLang="en-US" dirty="0"/>
+              <a:t>・</a:t>
+            </a:r>
+            <a:r>
+              <a:rPr lang="en-US" altLang="ja-JP" dirty="0" err="1" smtClean="0"/>
+              <a:t>Emacs</a:t>
+            </a:r>
+            <a:r>
+              <a:rPr lang="ja-JP" altLang="en-US" dirty="0" smtClean="0"/>
+              <a:t>スクリプトが</a:t>
+            </a:r>
+            <a:r>
+              <a:rPr lang="en-US" altLang="ja-JP" dirty="0" smtClean="0"/>
+              <a:t>Lisp</a:t>
+            </a:r>
+            <a:r>
+              <a:rPr lang="ja-JP" altLang="en-US" dirty="0" smtClean="0"/>
+              <a:t>で書ける</a:t>
+            </a:r>
+            <a:endParaRPr lang="en-US" altLang="ja-JP" dirty="0" smtClean="0"/>
+          </a:p>
+          <a:p>
+            <a:pPr marL="82296" indent="0">
+              <a:buNone/>
+            </a:pPr>
+            <a:r>
+              <a:rPr lang="ja-JP" altLang="en-US" dirty="0" smtClean="0"/>
+              <a:t>・</a:t>
+            </a:r>
+            <a:r>
+              <a:rPr lang="en-US" altLang="ja-JP" dirty="0" smtClean="0"/>
+              <a:t>Lisp</a:t>
+            </a:r>
+            <a:r>
+              <a:rPr lang="ja-JP" altLang="en-US" dirty="0" smtClean="0"/>
+              <a:t>系言語の開発支援機能あり</a:t>
+            </a:r>
+            <a:endParaRPr lang="en-US" altLang="ja-JP" dirty="0"/>
+          </a:p>
+          <a:p>
+            <a:pPr marL="82296" indent="0">
+              <a:buNone/>
+            </a:pPr>
+            <a:endParaRPr lang="en-US" altLang="ja-JP" dirty="0" smtClean="0"/>
+          </a:p>
+          <a:p>
+            <a:pPr marL="82296" indent="0">
+              <a:buNone/>
+            </a:pPr>
+            <a:endParaRPr lang="en-US" altLang="ja-JP" dirty="0"/>
+          </a:p>
+          <a:p>
             <a:pPr marL="82296" indent="0" algn="ctr">
               <a:buNone/>
             </a:pPr>
-            <a:endParaRPr kumimoji="1" lang="en-US" altLang="ja-JP" sz="4400" dirty="0" smtClean="0"/>
-          </a:p>
-          <a:p>
-            <a:pPr marL="82296" indent="0" algn="ctr">
-              <a:buNone/>
-            </a:pPr>
-            <a:endParaRPr kumimoji="1" lang="en-US" altLang="ja-JP" sz="4400" dirty="0" smtClean="0"/>
-          </a:p>
-          <a:p>
-            <a:pPr marL="82296" indent="0" algn="ctr">
-              <a:buNone/>
-            </a:pPr>
-            <a:r>
-              <a:rPr kumimoji="1" lang="ja-JP" altLang="en-US" sz="4400" dirty="0" smtClean="0"/>
-              <a:t>④基本的なこと</a:t>
-            </a:r>
-            <a:endParaRPr kumimoji="1" lang="en-US" altLang="ja-JP" sz="4400" dirty="0" smtClean="0"/>
+            <a:r>
+              <a:rPr lang="ja-JP" altLang="en-US" sz="5400" b="1" dirty="0" smtClean="0"/>
+              <a:t>でも</a:t>
+            </a:r>
+            <a:r>
+              <a:rPr lang="ja-JP" altLang="en-US" sz="2000" dirty="0" smtClean="0"/>
+              <a:t>今回は</a:t>
+            </a:r>
+            <a:r>
+              <a:rPr lang="en-US" altLang="ja-JP" sz="5400" b="1" dirty="0" smtClean="0"/>
+              <a:t>Vim</a:t>
+            </a:r>
+            <a:r>
+              <a:rPr lang="ja-JP" altLang="en-US" sz="5400" b="1" dirty="0" smtClean="0"/>
+              <a:t>を使う</a:t>
+            </a:r>
+            <a:endParaRPr lang="en-US" altLang="ja-JP" sz="5400" b="1" dirty="0" smtClean="0"/>
           </a:p>
         </p:txBody>
       </p:sp>
     </p:spTree>
     <p:extLst>
       <p:ext uri="{BB962C8B-B14F-4D97-AF65-F5344CB8AC3E}">
-        <p14:creationId xmlns:p14="http://schemas.microsoft.com/office/powerpoint/2010/main" val="2677223863"/>
+        <p14:creationId xmlns:p14="http://schemas.microsoft.com/office/powerpoint/2010/main" val="1453277618"/>
       </p:ext>
     </p:extLst>
   </p:cSld>
@@ -7209,15 +7332,7 @@
             </a:pPr>
             <a:r>
               <a:rPr kumimoji="1" lang="ja-JP" altLang="en-US" sz="4400" dirty="0" smtClean="0"/>
-              <a:t>①前回</a:t>
-            </a:r>
-            <a:r>
-              <a:rPr kumimoji="1" lang="ja-JP" altLang="en-US" sz="4400" dirty="0" smtClean="0"/>
-              <a:t>の</a:t>
-            </a:r>
-            <a:r>
-              <a:rPr kumimoji="1" lang="ja-JP" altLang="en-US" sz="4400" dirty="0" smtClean="0"/>
-              <a:t>おさらい</a:t>
+              <a:t>①前回のおさらい</a:t>
             </a:r>
             <a:endParaRPr kumimoji="1" lang="en-US" altLang="ja-JP" sz="4400" dirty="0" smtClean="0"/>
           </a:p>
@@ -7227,7 +7342,19 @@
             </a:pPr>
             <a:r>
               <a:rPr lang="ja-JP" altLang="en-US" sz="4400" dirty="0" smtClean="0"/>
-              <a:t>②もうちょっと調べてみた</a:t>
+              <a:t>②</a:t>
+            </a:r>
+            <a:r>
+              <a:rPr lang="en-US" altLang="ja-JP" sz="4400" dirty="0" smtClean="0"/>
+              <a:t>Scheme</a:t>
+            </a:r>
+            <a:r>
+              <a:rPr lang="ja-JP" altLang="en-US" sz="4400" dirty="0" err="1" smtClean="0"/>
+              <a:t>って</a:t>
+            </a:r>
+            <a:r>
+              <a:rPr lang="ja-JP" altLang="en-US" sz="4400" dirty="0" smtClean="0"/>
+              <a:t>どんな言語？</a:t>
             </a:r>
             <a:endParaRPr lang="en-US" altLang="ja-JP" sz="4400" dirty="0" smtClean="0"/>
           </a:p>
@@ -7247,7 +7374,21 @@
             </a:pPr>
             <a:r>
               <a:rPr kumimoji="1" lang="ja-JP" altLang="en-US" sz="4400" dirty="0" smtClean="0"/>
-              <a:t>④基本的なこと</a:t>
+              <a:t>④基本的な</a:t>
+            </a:r>
+            <a:r>
+              <a:rPr kumimoji="1" lang="ja-JP" altLang="en-US" sz="4400" dirty="0" smtClean="0"/>
+              <a:t>こと</a:t>
+            </a:r>
+            <a:endParaRPr kumimoji="1" lang="en-US" altLang="ja-JP" sz="4400" dirty="0" smtClean="0"/>
+          </a:p>
+          <a:p>
+            <a:pPr marL="82296" indent="0">
+              <a:buNone/>
+            </a:pPr>
+            <a:r>
+              <a:rPr lang="ja-JP" altLang="en-US" sz="4400" dirty="0" smtClean="0"/>
+              <a:t>⑤再帰処理</a:t>
             </a:r>
             <a:endParaRPr kumimoji="1" lang="en-US" altLang="ja-JP" sz="4400" dirty="0" smtClean="0"/>
           </a:p>
@@ -7305,10 +7446,6 @@
           <a:bodyPr/>
           <a:lstStyle/>
           <a:p>
-            <a:r>
-              <a:rPr kumimoji="1" lang="ja-JP" altLang="en-US" dirty="0" smtClean="0"/>
-              <a:t>基本的なこと</a:t>
-            </a:r>
             <a:endParaRPr kumimoji="1" lang="ja-JP" altLang="en-US" dirty="0"/>
           </a:p>
         </p:txBody>
@@ -7325,8 +7462,8 @@
         </p:nvSpPr>
         <p:spPr>
           <a:xfrm>
-            <a:off x="1115616" y="1124744"/>
-            <a:ext cx="7818072" cy="5544616"/>
+            <a:off x="899592" y="1447800"/>
+            <a:ext cx="8136904" cy="4069432"/>
           </a:xfrm>
         </p:spPr>
         <p:txBody>
@@ -7335,183 +7472,33 @@
           </a:bodyPr>
           <a:lstStyle/>
           <a:p>
-            <a:pPr marL="82296" indent="0">
-              <a:buNone/>
-            </a:pPr>
-            <a:r>
-              <a:rPr lang="ja-JP" altLang="en-US" dirty="0" smtClean="0"/>
-              <a:t>・基本的な処理の記法は</a:t>
-            </a:r>
-            <a:endParaRPr lang="en-US" altLang="ja-JP" dirty="0" smtClean="0"/>
-          </a:p>
-          <a:p>
-            <a:pPr marL="82296" indent="0">
-              <a:buNone/>
-            </a:pPr>
-            <a:r>
-              <a:rPr lang="ja-JP" altLang="en-US" dirty="0" smtClean="0"/>
-              <a:t>（</a:t>
-            </a:r>
-            <a:r>
-              <a:rPr lang="en-US" altLang="ja-JP" dirty="0" smtClean="0"/>
-              <a:t>&lt;</a:t>
-            </a:r>
-            <a:r>
-              <a:rPr lang="ja-JP" altLang="en-US" dirty="0" smtClean="0"/>
-              <a:t>手続き</a:t>
-            </a:r>
-            <a:r>
-              <a:rPr lang="en-US" altLang="ja-JP" dirty="0" smtClean="0"/>
-              <a:t>&gt; &lt;</a:t>
-            </a:r>
-            <a:r>
-              <a:rPr lang="ja-JP" altLang="en-US" dirty="0" smtClean="0"/>
-              <a:t>引数</a:t>
-            </a:r>
-            <a:r>
-              <a:rPr lang="en-US" altLang="ja-JP" dirty="0" smtClean="0"/>
-              <a:t>1&gt; &lt;</a:t>
-            </a:r>
-            <a:r>
-              <a:rPr lang="ja-JP" altLang="en-US" dirty="0" smtClean="0"/>
-              <a:t>引数</a:t>
-            </a:r>
-            <a:r>
-              <a:rPr lang="en-US" altLang="ja-JP" dirty="0" smtClean="0"/>
-              <a:t>2&gt;</a:t>
-            </a:r>
-            <a:r>
-              <a:rPr lang="ja-JP" altLang="en-US" dirty="0" smtClean="0"/>
-              <a:t>　･･･）</a:t>
-            </a:r>
-            <a:endParaRPr lang="en-US" altLang="ja-JP" dirty="0" smtClean="0"/>
-          </a:p>
-          <a:p>
-            <a:pPr marL="82296" indent="0">
-              <a:buNone/>
-            </a:pPr>
-            <a:r>
-              <a:rPr lang="en-US" altLang="ja-JP" dirty="0" smtClean="0"/>
-              <a:t>(+ 1 2 3)</a:t>
-            </a:r>
-          </a:p>
-          <a:p>
-            <a:pPr marL="82296" indent="0">
-              <a:buNone/>
-            </a:pPr>
-            <a:endParaRPr lang="en-US" altLang="ja-JP" dirty="0" smtClean="0"/>
-          </a:p>
-          <a:p>
-            <a:pPr marL="82296" indent="0">
-              <a:buNone/>
-            </a:pPr>
-            <a:r>
-              <a:rPr lang="ja-JP" altLang="en-US" dirty="0" smtClean="0"/>
-              <a:t>・データとしてのリストはクオートを付ける</a:t>
-            </a:r>
-            <a:endParaRPr lang="en-US" altLang="ja-JP" dirty="0" smtClean="0"/>
-          </a:p>
-          <a:p>
-            <a:pPr marL="82296" indent="0">
-              <a:buNone/>
-            </a:pPr>
-            <a:r>
-              <a:rPr lang="en-US" altLang="ja-JP" dirty="0" smtClean="0"/>
-              <a:t>‘(1 2 3)</a:t>
-            </a:r>
-          </a:p>
-          <a:p>
-            <a:pPr marL="82296" indent="0">
-              <a:buNone/>
-            </a:pPr>
-            <a:endParaRPr lang="en-US" altLang="ja-JP" dirty="0" smtClean="0"/>
-          </a:p>
-          <a:p>
-            <a:pPr marL="82296" indent="0">
-              <a:buNone/>
-            </a:pPr>
-            <a:r>
-              <a:rPr lang="ja-JP" altLang="en-US" dirty="0" smtClean="0"/>
-              <a:t>例）リストの連結処理</a:t>
-            </a:r>
-            <a:endParaRPr lang="en-US" altLang="ja-JP" dirty="0" smtClean="0"/>
-          </a:p>
-          <a:p>
-            <a:pPr marL="82296" indent="0">
-              <a:buNone/>
-            </a:pPr>
-            <a:r>
-              <a:rPr lang="nl-NL" altLang="ja-JP" dirty="0"/>
-              <a:t>(append '(1 2 3) '(4 5 6))</a:t>
-            </a:r>
-            <a:endParaRPr lang="en-US" altLang="ja-JP" dirty="0"/>
-          </a:p>
-        </p:txBody>
-      </p:sp>
-      <p:sp>
-        <p:nvSpPr>
-          <p:cNvPr id="4" name="角丸四角形吹き出し 3"/>
-          <p:cNvSpPr/>
-          <p:nvPr/>
-        </p:nvSpPr>
-        <p:spPr>
-          <a:xfrm>
-            <a:off x="3995936" y="2564904"/>
-            <a:ext cx="2952328" cy="720080"/>
-          </a:xfrm>
-          <a:prstGeom prst="wedgeRoundRectCallout">
-            <a:avLst>
-              <a:gd name="adj1" fmla="val -62129"/>
-              <a:gd name="adj2" fmla="val -32739"/>
-              <a:gd name="adj3" fmla="val 16667"/>
-            </a:avLst>
-          </a:prstGeom>
-        </p:spPr>
-        <p:style>
-          <a:lnRef idx="2">
-            <a:schemeClr val="accent1">
-              <a:shade val="50000"/>
-            </a:schemeClr>
-          </a:lnRef>
-          <a:fillRef idx="1">
-            <a:schemeClr val="accent1"/>
-          </a:fillRef>
-          <a:effectRef idx="0">
-            <a:schemeClr val="accent1"/>
-          </a:effectRef>
-          <a:fontRef idx="minor">
-            <a:schemeClr val="lt1"/>
-          </a:fontRef>
-        </p:style>
-        <p:txBody>
-          <a:bodyPr rtlCol="0" anchor="ctr"/>
-          <a:lstStyle/>
-          <a:p>
-            <a:pPr algn="ctr"/>
-            <a:r>
-              <a:rPr lang="en-US" altLang="ja-JP" dirty="0" smtClean="0"/>
-              <a:t>Scheme</a:t>
-            </a:r>
-            <a:r>
-              <a:rPr lang="ja-JP" altLang="en-US" dirty="0" smtClean="0"/>
-              <a:t>に</a:t>
-            </a:r>
-            <a:endParaRPr lang="en-US" altLang="ja-JP" dirty="0" smtClean="0"/>
-          </a:p>
-          <a:p>
-            <a:pPr algn="ctr"/>
-            <a:r>
-              <a:rPr lang="ja-JP" altLang="en-US" dirty="0" smtClean="0"/>
-              <a:t>演算子というものは無いのだよ</a:t>
-            </a:r>
-            <a:endParaRPr kumimoji="1" lang="ja-JP" altLang="en-US" dirty="0"/>
+            <a:pPr marL="82296" indent="0" algn="ctr">
+              <a:buNone/>
+            </a:pPr>
+            <a:endParaRPr kumimoji="1" lang="en-US" altLang="ja-JP" sz="4400" dirty="0" smtClean="0"/>
+          </a:p>
+          <a:p>
+            <a:pPr marL="82296" indent="0" algn="ctr">
+              <a:buNone/>
+            </a:pPr>
+            <a:endParaRPr kumimoji="1" lang="en-US" altLang="ja-JP" sz="4400" dirty="0" smtClean="0"/>
+          </a:p>
+          <a:p>
+            <a:pPr marL="82296" indent="0" algn="ctr">
+              <a:buNone/>
+            </a:pPr>
+            <a:r>
+              <a:rPr kumimoji="1" lang="ja-JP" altLang="en-US" sz="4400" dirty="0" smtClean="0"/>
+              <a:t>④基本的なこと</a:t>
+            </a:r>
+            <a:endParaRPr kumimoji="1" lang="en-US" altLang="ja-JP" sz="4400" dirty="0" smtClean="0"/>
           </a:p>
         </p:txBody>
       </p:sp>
     </p:spTree>
     <p:extLst>
       <p:ext uri="{BB962C8B-B14F-4D97-AF65-F5344CB8AC3E}">
-        <p14:creationId xmlns:p14="http://schemas.microsoft.com/office/powerpoint/2010/main" val="3513868151"/>
+        <p14:creationId xmlns:p14="http://schemas.microsoft.com/office/powerpoint/2010/main" val="2677223863"/>
       </p:ext>
     </p:extLst>
   </p:cSld>
@@ -7562,11 +7549,7 @@
           <a:p>
             <a:r>
               <a:rPr kumimoji="1" lang="ja-JP" altLang="en-US" dirty="0" smtClean="0"/>
-              <a:t>重要な組み込み手続き</a:t>
-            </a:r>
-            <a:r>
-              <a:rPr kumimoji="1" lang="en-US" altLang="ja-JP" dirty="0" smtClean="0"/>
-              <a:t>1</a:t>
+              <a:t>基本的なこと</a:t>
             </a:r>
             <a:endParaRPr kumimoji="1" lang="ja-JP" altLang="en-US" dirty="0"/>
           </a:p>
@@ -7599,12 +7582,66 @@
             </a:pPr>
             <a:r>
               <a:rPr lang="ja-JP" altLang="en-US" dirty="0" smtClean="0"/>
-              <a:t>・手続き </a:t>
-            </a:r>
+              <a:t>・基本的な処理の記法は</a:t>
+            </a:r>
+            <a:endParaRPr lang="en-US" altLang="ja-JP" dirty="0" smtClean="0"/>
+          </a:p>
+          <a:p>
+            <a:pPr marL="82296" indent="0">
+              <a:buNone/>
+            </a:pPr>
+            <a:r>
+              <a:rPr lang="ja-JP" altLang="en-US" u="sng" dirty="0" smtClean="0"/>
+              <a:t>（</a:t>
+            </a:r>
+            <a:r>
+              <a:rPr lang="en-US" altLang="ja-JP" u="sng" dirty="0" smtClean="0"/>
+              <a:t>&lt;</a:t>
+            </a:r>
+            <a:r>
+              <a:rPr lang="ja-JP" altLang="en-US" u="sng" dirty="0" smtClean="0"/>
+              <a:t>手続き</a:t>
+            </a:r>
+            <a:r>
+              <a:rPr lang="en-US" altLang="ja-JP" u="sng" dirty="0" smtClean="0"/>
+              <a:t>&gt; &lt;</a:t>
+            </a:r>
+            <a:r>
+              <a:rPr lang="ja-JP" altLang="en-US" u="sng" dirty="0" smtClean="0"/>
+              <a:t>引数</a:t>
+            </a:r>
+            <a:r>
+              <a:rPr lang="en-US" altLang="ja-JP" u="sng" dirty="0" smtClean="0"/>
+              <a:t>1&gt; &lt;</a:t>
+            </a:r>
+            <a:r>
+              <a:rPr lang="ja-JP" altLang="en-US" u="sng" dirty="0" smtClean="0"/>
+              <a:t>引数</a:t>
+            </a:r>
+            <a:r>
+              <a:rPr lang="en-US" altLang="ja-JP" u="sng" dirty="0" smtClean="0"/>
+              <a:t>2&gt;</a:t>
+            </a:r>
+            <a:r>
+              <a:rPr lang="ja-JP" altLang="en-US" u="sng" dirty="0" smtClean="0"/>
+              <a:t>　･･･）</a:t>
+            </a:r>
+            <a:endParaRPr lang="en-US" altLang="ja-JP" u="sng" dirty="0" smtClean="0"/>
+          </a:p>
+          <a:p>
+            <a:pPr marL="82296" indent="0">
+              <a:buNone/>
+            </a:pPr>
             <a:r>
               <a:rPr lang="en-US" altLang="ja-JP" dirty="0" smtClean="0"/>
-              <a:t>car</a:t>
-            </a:r>
+              <a:t>(+ 1 2 3)</a:t>
+            </a:r>
+          </a:p>
+          <a:p>
+            <a:pPr marL="82296" indent="0">
+              <a:buNone/>
+            </a:pPr>
+            <a:endParaRPr lang="en-US" altLang="ja-JP" dirty="0" smtClean="0"/>
           </a:p>
           <a:p>
             <a:pPr marL="82296" indent="0">
@@ -7612,7 +7649,7 @@
             </a:pPr>
             <a:r>
               <a:rPr lang="ja-JP" altLang="en-US" dirty="0" smtClean="0"/>
-              <a:t>　リストの先頭要素を返す</a:t>
+              <a:t>・データとしてのリストはクオートを付ける</a:t>
             </a:r>
             <a:endParaRPr lang="en-US" altLang="ja-JP" dirty="0" smtClean="0"/>
           </a:p>
@@ -7622,100 +7659,101 @@
             </a:pPr>
             <a:r>
               <a:rPr lang="en-US" altLang="ja-JP" dirty="0" smtClean="0"/>
-              <a:t>(car ‘(1 2 3))</a:t>
-            </a:r>
-          </a:p>
-          <a:p>
-            <a:pPr marL="82296" indent="0">
-              <a:buNone/>
-            </a:pPr>
+              <a:t>‘(1 2 3)</a:t>
+            </a:r>
+          </a:p>
+          <a:p>
+            <a:pPr marL="82296" indent="0">
+              <a:buNone/>
+            </a:pPr>
+            <a:endParaRPr lang="en-US" altLang="ja-JP" dirty="0" smtClean="0"/>
+          </a:p>
+          <a:p>
+            <a:pPr marL="82296" indent="0">
+              <a:buNone/>
+            </a:pPr>
+            <a:r>
+              <a:rPr lang="ja-JP" altLang="en-US" dirty="0" smtClean="0"/>
+              <a:t>例）リストの連結処理</a:t>
+            </a:r>
+            <a:endParaRPr lang="en-US" altLang="ja-JP" dirty="0" smtClean="0"/>
+          </a:p>
+          <a:p>
+            <a:pPr marL="82296" indent="0">
+              <a:buNone/>
+            </a:pPr>
+            <a:r>
+              <a:rPr lang="nl-NL" altLang="ja-JP" dirty="0"/>
+              <a:t>(append '(1 2 3) '(4 5 6))</a:t>
+            </a:r>
+            <a:endParaRPr lang="en-US" altLang="ja-JP" dirty="0"/>
+          </a:p>
+        </p:txBody>
+      </p:sp>
+      <p:sp>
+        <p:nvSpPr>
+          <p:cNvPr id="4" name="角丸四角形吹き出し 3"/>
+          <p:cNvSpPr/>
+          <p:nvPr/>
+        </p:nvSpPr>
+        <p:spPr>
+          <a:xfrm>
+            <a:off x="3995936" y="2564904"/>
+            <a:ext cx="2952328" cy="720080"/>
+          </a:xfrm>
+          <a:prstGeom prst="wedgeRoundRectCallout">
+            <a:avLst>
+              <a:gd name="adj1" fmla="val -62129"/>
+              <a:gd name="adj2" fmla="val -32739"/>
+              <a:gd name="adj3" fmla="val 16667"/>
+            </a:avLst>
+          </a:prstGeom>
+        </p:spPr>
+        <p:style>
+          <a:lnRef idx="2">
+            <a:schemeClr val="accent1">
+              <a:shade val="50000"/>
+            </a:schemeClr>
+          </a:lnRef>
+          <a:fillRef idx="1">
+            <a:schemeClr val="accent1"/>
+          </a:fillRef>
+          <a:effectRef idx="0">
+            <a:schemeClr val="accent1"/>
+          </a:effectRef>
+          <a:fontRef idx="minor">
+            <a:schemeClr val="lt1"/>
+          </a:fontRef>
+        </p:style>
+        <p:txBody>
+          <a:bodyPr rtlCol="0" anchor="ctr"/>
+          <a:lstStyle/>
+          <a:p>
+            <a:pPr algn="ctr"/>
             <a:r>
               <a:rPr lang="en-US" altLang="ja-JP" dirty="0" smtClean="0"/>
-              <a:t>=&gt; </a:t>
-            </a:r>
-            <a:r>
-              <a:rPr lang="en-US" altLang="ja-JP" dirty="0" smtClean="0"/>
-              <a:t>1</a:t>
-            </a:r>
-          </a:p>
-          <a:p>
-            <a:pPr marL="82296" indent="0">
-              <a:buNone/>
-            </a:pPr>
+              <a:t>Scheme</a:t>
+            </a:r>
+            <a:r>
+              <a:rPr lang="ja-JP" altLang="en-US" dirty="0" smtClean="0"/>
+              <a:t>に</a:t>
+            </a:r>
             <a:endParaRPr lang="en-US" altLang="ja-JP" dirty="0" smtClean="0"/>
           </a:p>
           <a:p>
-            <a:pPr marL="82296" indent="0">
-              <a:buNone/>
-            </a:pPr>
+            <a:pPr algn="ctr"/>
             <a:r>
               <a:rPr lang="ja-JP" altLang="en-US" dirty="0" smtClean="0"/>
-              <a:t>・手続き </a:t>
-            </a:r>
-            <a:r>
-              <a:rPr lang="en-US" altLang="ja-JP" dirty="0" err="1" smtClean="0"/>
-              <a:t>cdr</a:t>
-            </a:r>
-            <a:endParaRPr lang="en-US" altLang="ja-JP" dirty="0" smtClean="0"/>
-          </a:p>
-          <a:p>
-            <a:pPr marL="82296" indent="0">
-              <a:buNone/>
-            </a:pPr>
-            <a:r>
-              <a:rPr lang="ja-JP" altLang="en-US" dirty="0" smtClean="0"/>
-              <a:t>　リストの先頭を除いた残り</a:t>
-            </a:r>
-            <a:r>
-              <a:rPr lang="ja-JP" altLang="en-US" dirty="0" smtClean="0"/>
-              <a:t>の要素を</a:t>
-            </a:r>
-            <a:r>
-              <a:rPr lang="ja-JP" altLang="en-US" dirty="0" smtClean="0"/>
-              <a:t>返す</a:t>
-            </a:r>
-            <a:endParaRPr lang="en-US" altLang="ja-JP" dirty="0" smtClean="0"/>
-          </a:p>
-          <a:p>
-            <a:pPr marL="82296" indent="0">
-              <a:buNone/>
-            </a:pPr>
-            <a:r>
-              <a:rPr lang="en-US" altLang="ja-JP" dirty="0"/>
-              <a:t>(</a:t>
-            </a:r>
-            <a:r>
-              <a:rPr lang="en-US" altLang="ja-JP" dirty="0" err="1" smtClean="0"/>
-              <a:t>cdr</a:t>
-            </a:r>
-            <a:r>
-              <a:rPr lang="en-US" altLang="ja-JP" dirty="0" smtClean="0"/>
-              <a:t> </a:t>
-            </a:r>
-            <a:r>
-              <a:rPr lang="en-US" altLang="ja-JP" dirty="0"/>
-              <a:t>‘(1 2 3))</a:t>
-            </a:r>
-          </a:p>
-          <a:p>
-            <a:pPr marL="82296" indent="0">
-              <a:buNone/>
-            </a:pPr>
-            <a:r>
-              <a:rPr lang="en-US" altLang="ja-JP" dirty="0" smtClean="0"/>
-              <a:t>=&gt; </a:t>
-            </a:r>
-            <a:r>
-              <a:rPr lang="en-US" altLang="ja-JP" dirty="0" smtClean="0"/>
-              <a:t>(2 3)</a:t>
-            </a:r>
+              <a:t>演算子というものは無いのだよ</a:t>
+            </a:r>
+            <a:endParaRPr kumimoji="1" lang="ja-JP" altLang="en-US" dirty="0"/>
           </a:p>
         </p:txBody>
       </p:sp>
     </p:spTree>
     <p:extLst>
       <p:ext uri="{BB962C8B-B14F-4D97-AF65-F5344CB8AC3E}">
-        <p14:creationId xmlns:p14="http://schemas.microsoft.com/office/powerpoint/2010/main" val="235823119"/>
+        <p14:creationId xmlns:p14="http://schemas.microsoft.com/office/powerpoint/2010/main" val="3513868151"/>
       </p:ext>
     </p:extLst>
   </p:cSld>
@@ -7766,11 +7804,15 @@
           <a:p>
             <a:r>
               <a:rPr kumimoji="1" lang="ja-JP" altLang="en-US" dirty="0" smtClean="0"/>
-              <a:t>重要な組み込み手続き</a:t>
-            </a:r>
-            <a:r>
-              <a:rPr kumimoji="1" lang="en-US" altLang="ja-JP" dirty="0" smtClean="0"/>
-              <a:t>2</a:t>
+              <a:t>重要な組み込み</a:t>
+            </a:r>
+            <a:r>
+              <a:rPr kumimoji="1" lang="ja-JP" altLang="en-US" dirty="0" smtClean="0"/>
+              <a:t>手続き</a:t>
+            </a:r>
+            <a:r>
+              <a:rPr lang="ja-JP" altLang="en-US" dirty="0" smtClean="0"/>
+              <a:t>１</a:t>
             </a:r>
             <a:endParaRPr kumimoji="1" lang="ja-JP" altLang="en-US" dirty="0"/>
           </a:p>
@@ -7807,24 +7849,7 @@
             </a:r>
             <a:r>
               <a:rPr lang="en-US" altLang="ja-JP" dirty="0" smtClean="0"/>
-              <a:t>cons</a:t>
-            </a:r>
-          </a:p>
-          <a:p>
-            <a:pPr marL="82296" indent="0">
-              <a:buNone/>
-            </a:pPr>
-            <a:r>
-              <a:rPr lang="ja-JP" altLang="en-US" dirty="0" smtClean="0"/>
-              <a:t>　先頭要素と残りのリストを</a:t>
-            </a:r>
-            <a:r>
-              <a:rPr lang="ja-JP" altLang="en-US" dirty="0"/>
-              <a:t>連結</a:t>
-            </a:r>
-            <a:r>
-              <a:rPr lang="ja-JP" altLang="en-US" dirty="0" smtClean="0"/>
-              <a:t>する</a:t>
+              <a:t>define</a:t>
             </a:r>
             <a:endParaRPr lang="en-US" altLang="ja-JP" dirty="0" smtClean="0"/>
           </a:p>
@@ -7833,73 +7858,8 @@
               <a:buNone/>
             </a:pPr>
             <a:r>
-              <a:rPr lang="en-US" altLang="ja-JP" dirty="0" smtClean="0"/>
-              <a:t>(cons 1 ‘(2 3))</a:t>
-            </a:r>
-          </a:p>
-          <a:p>
-            <a:pPr marL="82296" indent="0">
-              <a:buNone/>
-            </a:pPr>
-            <a:r>
-              <a:rPr lang="en-US" altLang="ja-JP" dirty="0" smtClean="0"/>
-              <a:t>=&gt; </a:t>
-            </a:r>
-            <a:r>
-              <a:rPr lang="en-US" altLang="ja-JP" dirty="0" smtClean="0"/>
-              <a:t>(1 2 3)</a:t>
-            </a:r>
-          </a:p>
-          <a:p>
-            <a:pPr marL="82296" indent="0">
-              <a:buNone/>
-            </a:pPr>
-            <a:endParaRPr lang="en-US" altLang="ja-JP" dirty="0" smtClean="0"/>
-          </a:p>
-          <a:p>
-            <a:pPr marL="82296" indent="0">
-              <a:buNone/>
-            </a:pPr>
-            <a:r>
-              <a:rPr lang="en-US" altLang="ja-JP" dirty="0" smtClean="0"/>
-              <a:t>(cons (car </a:t>
-            </a:r>
-            <a:r>
-              <a:rPr lang="en-US" altLang="ja-JP" dirty="0" err="1" smtClean="0"/>
-              <a:t>lis</a:t>
-            </a:r>
-            <a:r>
-              <a:rPr lang="en-US" altLang="ja-JP" dirty="0" smtClean="0"/>
-              <a:t>) (</a:t>
-            </a:r>
-            <a:r>
-              <a:rPr lang="en-US" altLang="ja-JP" dirty="0" err="1" smtClean="0"/>
-              <a:t>cdr</a:t>
-            </a:r>
-            <a:r>
-              <a:rPr lang="en-US" altLang="ja-JP" dirty="0" smtClean="0"/>
-              <a:t> </a:t>
-            </a:r>
-            <a:r>
-              <a:rPr lang="en-US" altLang="ja-JP" dirty="0" err="1" smtClean="0"/>
-              <a:t>lis</a:t>
-            </a:r>
-            <a:r>
-              <a:rPr lang="en-US" altLang="ja-JP" dirty="0" smtClean="0"/>
-              <a:t>))</a:t>
-            </a:r>
-          </a:p>
-          <a:p>
-            <a:pPr marL="82296" indent="0">
-              <a:buNone/>
-            </a:pPr>
-            <a:r>
-              <a:rPr lang="en-US" altLang="ja-JP" dirty="0" smtClean="0"/>
-              <a:t>=&gt; </a:t>
-            </a:r>
-            <a:r>
-              <a:rPr lang="en-US" altLang="ja-JP" dirty="0" err="1" smtClean="0"/>
-              <a:t>lis</a:t>
+              <a:rPr lang="ja-JP" altLang="en-US" smtClean="0"/>
+              <a:t>　</a:t>
             </a:r>
             <a:endParaRPr lang="en-US" altLang="ja-JP" dirty="0" smtClean="0"/>
           </a:p>
@@ -7908,7 +7868,7 @@
     </p:spTree>
     <p:extLst>
       <p:ext uri="{BB962C8B-B14F-4D97-AF65-F5344CB8AC3E}">
-        <p14:creationId xmlns:p14="http://schemas.microsoft.com/office/powerpoint/2010/main" val="3029638908"/>
+        <p14:creationId xmlns:p14="http://schemas.microsoft.com/office/powerpoint/2010/main" val="235823119"/>
       </p:ext>
     </p:extLst>
   </p:cSld>
@@ -7958,20 +7918,16 @@
           <a:lstStyle/>
           <a:p>
             <a:r>
-              <a:rPr lang="en-US" altLang="ja-JP" dirty="0" smtClean="0"/>
-              <a:t>Scheme</a:t>
-            </a:r>
-            <a:r>
-              <a:rPr lang="ja-JP" altLang="en-US" dirty="0" err="1" smtClean="0"/>
-              <a:t>での</a:t>
-            </a:r>
-            <a:r>
-              <a:rPr lang="ja-JP" altLang="en-US" dirty="0" smtClean="0"/>
-              <a:t>リストの</a:t>
+              <a:rPr kumimoji="1" lang="ja-JP" altLang="en-US" dirty="0" smtClean="0"/>
+              <a:t>重要な組み込み</a:t>
+            </a:r>
+            <a:r>
+              <a:rPr kumimoji="1" lang="ja-JP" altLang="en-US" dirty="0" smtClean="0"/>
+              <a:t>手続き</a:t>
             </a:r>
             <a:r>
               <a:rPr lang="ja-JP" altLang="en-US" dirty="0"/>
-              <a:t>考え方</a:t>
+              <a:t>２</a:t>
             </a:r>
             <a:endParaRPr kumimoji="1" lang="ja-JP" altLang="en-US" dirty="0"/>
           </a:p>
@@ -7989,8 +7945,8 @@
         </p:nvSpPr>
         <p:spPr>
           <a:xfrm>
-            <a:off x="971600" y="1124744"/>
-            <a:ext cx="8172400" cy="5544616"/>
+            <a:off x="1115616" y="1124744"/>
+            <a:ext cx="7818072" cy="5544616"/>
           </a:xfrm>
         </p:spPr>
         <p:txBody>
@@ -8003,77 +7959,70 @@
               <a:buNone/>
             </a:pPr>
             <a:r>
-              <a:rPr lang="ja-JP" altLang="en-US" dirty="0"/>
-              <a:t>内部的</a:t>
-            </a:r>
-            <a:r>
               <a:rPr lang="ja-JP" altLang="en-US" dirty="0" smtClean="0"/>
-              <a:t>には</a:t>
-            </a:r>
-            <a:r>
-              <a:rPr lang="en-US" altLang="ja-JP" b="1" dirty="0" smtClean="0"/>
-              <a:t>2</a:t>
-            </a:r>
-            <a:r>
-              <a:rPr lang="ja-JP" altLang="en-US" b="1" dirty="0" err="1" smtClean="0"/>
-              <a:t>つの</a:t>
-            </a:r>
-            <a:r>
-              <a:rPr lang="ja-JP" altLang="en-US" b="1" dirty="0" smtClean="0"/>
-              <a:t>ポインタを持った対の連なり。</a:t>
-            </a:r>
-            <a:endParaRPr lang="en-US" altLang="ja-JP" b="1" dirty="0" smtClean="0"/>
-          </a:p>
-          <a:p>
-            <a:pPr marL="82296" indent="0">
-              <a:buNone/>
-            </a:pPr>
-            <a:r>
-              <a:rPr lang="ja-JP" altLang="en-US" b="1" dirty="0" smtClean="0"/>
-              <a:t>値</a:t>
-            </a:r>
+              <a:t>・手続き </a:t>
+            </a:r>
+            <a:r>
+              <a:rPr lang="en-US" altLang="ja-JP" dirty="0" smtClean="0"/>
+              <a:t>car</a:t>
+            </a:r>
+          </a:p>
+          <a:p>
+            <a:pPr marL="82296" indent="0">
+              <a:buNone/>
+            </a:pPr>
             <a:r>
               <a:rPr lang="ja-JP" altLang="en-US" dirty="0" smtClean="0"/>
-              <a:t>そのものと</a:t>
-            </a:r>
-            <a:r>
-              <a:rPr lang="ja-JP" altLang="en-US" b="1" dirty="0" smtClean="0"/>
-              <a:t>次の要素の情報</a:t>
-            </a:r>
+              <a:t>　リストの先頭要素を返す</a:t>
+            </a:r>
+            <a:endParaRPr lang="en-US" altLang="ja-JP" dirty="0" smtClean="0"/>
+          </a:p>
+          <a:p>
+            <a:pPr marL="82296" indent="0">
+              <a:buNone/>
+            </a:pPr>
+            <a:r>
+              <a:rPr lang="en-US" altLang="ja-JP" dirty="0" smtClean="0"/>
+              <a:t>(car ‘(1 2 3))</a:t>
+            </a:r>
+          </a:p>
+          <a:p>
+            <a:pPr marL="82296" indent="0">
+              <a:buNone/>
+            </a:pPr>
+            <a:r>
+              <a:rPr lang="en-US" altLang="ja-JP" dirty="0" smtClean="0"/>
+              <a:t>=&gt; 1</a:t>
+            </a:r>
+          </a:p>
+          <a:p>
+            <a:pPr marL="82296" indent="0">
+              <a:buNone/>
+            </a:pPr>
+            <a:endParaRPr lang="en-US" altLang="ja-JP" dirty="0" smtClean="0"/>
+          </a:p>
+          <a:p>
+            <a:pPr marL="82296" indent="0">
+              <a:buNone/>
+            </a:pPr>
             <a:r>
               <a:rPr lang="ja-JP" altLang="en-US" dirty="0" smtClean="0"/>
-              <a:t>を持つ</a:t>
-            </a:r>
-            <a:endParaRPr lang="en-US" altLang="ja-JP" dirty="0" smtClean="0"/>
-          </a:p>
-          <a:p>
-            <a:pPr marL="82296" indent="0">
-              <a:buNone/>
-            </a:pPr>
-            <a:endParaRPr lang="en-US" altLang="ja-JP" b="1" dirty="0"/>
-          </a:p>
-          <a:p>
-            <a:pPr marL="82296" indent="0">
-              <a:buNone/>
-            </a:pPr>
-            <a:r>
-              <a:rPr lang="ja-JP" altLang="en-US" dirty="0" smtClean="0"/>
-              <a:t>・最後の</a:t>
+              <a:t>・手続き </a:t>
             </a:r>
             <a:r>
               <a:rPr lang="en-US" altLang="ja-JP" dirty="0" err="1" smtClean="0"/>
               <a:t>cdr</a:t>
             </a:r>
+            <a:endParaRPr lang="en-US" altLang="ja-JP" dirty="0" smtClean="0"/>
+          </a:p>
+          <a:p>
+            <a:pPr marL="82296" indent="0">
+              <a:buNone/>
+            </a:pPr>
             <a:r>
               <a:rPr lang="ja-JP" altLang="en-US" dirty="0" smtClean="0"/>
-              <a:t>部が空リスト：正式なリスト</a:t>
-            </a:r>
-            <a:endParaRPr lang="en-US" altLang="ja-JP" b="1" dirty="0" smtClean="0"/>
-          </a:p>
-          <a:p>
-            <a:pPr marL="82296" indent="0">
-              <a:buNone/>
-            </a:pPr>
+              <a:t>　リストの先頭を除いた残りの要素を返す</a:t>
+            </a:r>
             <a:endParaRPr lang="en-US" altLang="ja-JP" dirty="0" smtClean="0"/>
           </a:p>
           <a:p>
@@ -8081,87 +8030,37 @@
               <a:buNone/>
             </a:pPr>
             <a:r>
-              <a:rPr lang="ja-JP" altLang="en-US" dirty="0" smtClean="0"/>
-              <a:t>・最後の</a:t>
+              <a:rPr lang="en-US" altLang="ja-JP" dirty="0"/>
+              <a:t>(</a:t>
             </a:r>
             <a:r>
               <a:rPr lang="en-US" altLang="ja-JP" dirty="0" err="1" smtClean="0"/>
               <a:t>cdr</a:t>
             </a:r>
             <a:r>
-              <a:rPr lang="ja-JP" altLang="en-US" dirty="0" smtClean="0"/>
-              <a:t>部が空リストでない：ドットリスト</a:t>
-            </a:r>
-            <a:endParaRPr lang="en-US" altLang="ja-JP" dirty="0" smtClean="0"/>
-          </a:p>
-          <a:p>
-            <a:pPr marL="82296" indent="0">
-              <a:buNone/>
-            </a:pPr>
-            <a:endParaRPr lang="en-US" altLang="ja-JP" dirty="0"/>
-          </a:p>
-          <a:p>
-            <a:pPr marL="82296" indent="0">
-              <a:buNone/>
-            </a:pPr>
-            <a:r>
-              <a:rPr lang="en-US" altLang="ja-JP" sz="2000" dirty="0">
-                <a:hlinkClick r:id="rId2"/>
-              </a:rPr>
-              <a:t>https://</a:t>
-            </a:r>
-            <a:r>
-              <a:rPr lang="en-US" altLang="ja-JP" sz="2000" dirty="0" smtClean="0">
-                <a:hlinkClick r:id="rId2"/>
-              </a:rPr>
-              <a:t>www.shido.info/lisp/scheme3.html</a:t>
-            </a:r>
-            <a:endParaRPr lang="en-US" altLang="ja-JP" sz="2000" dirty="0" smtClean="0"/>
-          </a:p>
-          <a:p>
-            <a:pPr marL="82296" indent="0">
-              <a:buNone/>
-            </a:pPr>
-            <a:endParaRPr lang="en-US" altLang="ja-JP" sz="2000" dirty="0" smtClean="0">
-              <a:hlinkClick r:id="rId3"/>
-            </a:endParaRPr>
-          </a:p>
-          <a:p>
-            <a:pPr marL="82296" indent="0">
-              <a:buNone/>
-            </a:pPr>
-            <a:r>
-              <a:rPr lang="en-US" altLang="ja-JP" sz="2000" dirty="0" smtClean="0">
-                <a:hlinkClick r:id="rId3"/>
-              </a:rPr>
-              <a:t>http</a:t>
-            </a:r>
-            <a:r>
-              <a:rPr lang="en-US" altLang="ja-JP" sz="2000" dirty="0">
-                <a:hlinkClick r:id="rId3"/>
-              </a:rPr>
-              <a:t>://</a:t>
-            </a:r>
-            <a:r>
-              <a:rPr lang="en-US" altLang="ja-JP" sz="2000" dirty="0" smtClean="0">
-                <a:hlinkClick r:id="rId3"/>
-              </a:rPr>
-              <a:t>bach.istc.kobe-u.ac.jp/lect/ProLang/org/lisp-cell.html</a:t>
-            </a:r>
-            <a:endParaRPr lang="en-US" altLang="ja-JP" dirty="0"/>
-          </a:p>
-          <a:p>
-            <a:pPr marL="82296" indent="0">
-              <a:buNone/>
-            </a:pPr>
-            <a:endParaRPr lang="en-US" altLang="ja-JP" b="1" dirty="0" smtClean="0"/>
+              <a:rPr lang="en-US" altLang="ja-JP" dirty="0" smtClean="0"/>
+              <a:t> </a:t>
+            </a:r>
+            <a:r>
+              <a:rPr lang="en-US" altLang="ja-JP" dirty="0"/>
+              <a:t>‘(1 2 3))</a:t>
+            </a:r>
+          </a:p>
+          <a:p>
+            <a:pPr marL="82296" indent="0">
+              <a:buNone/>
+            </a:pPr>
+            <a:r>
+              <a:rPr lang="en-US" altLang="ja-JP" dirty="0" smtClean="0"/>
+              <a:t>=&gt; (2 3)</a:t>
+            </a:r>
           </a:p>
         </p:txBody>
       </p:sp>
     </p:spTree>
     <p:extLst>
       <p:ext uri="{BB962C8B-B14F-4D97-AF65-F5344CB8AC3E}">
-        <p14:creationId xmlns:p14="http://schemas.microsoft.com/office/powerpoint/2010/main" val="1176395678"/>
+        <p14:creationId xmlns:p14="http://schemas.microsoft.com/office/powerpoint/2010/main" val="1880388047"/>
       </p:ext>
     </p:extLst>
   </p:cSld>
@@ -8212,7 +8111,15 @@
           <a:p>
             <a:r>
               <a:rPr kumimoji="1" lang="ja-JP" altLang="en-US" dirty="0" smtClean="0"/>
-              <a:t>重要な組み込み手続き３</a:t>
+              <a:t>重要な組み込み</a:t>
+            </a:r>
+            <a:r>
+              <a:rPr kumimoji="1" lang="ja-JP" altLang="en-US" dirty="0" smtClean="0"/>
+              <a:t>手続き</a:t>
+            </a:r>
+            <a:r>
+              <a:rPr lang="ja-JP" altLang="en-US" dirty="0"/>
+              <a:t>３</a:t>
             </a:r>
             <a:endParaRPr kumimoji="1" lang="ja-JP" altLang="en-US" dirty="0"/>
           </a:p>
@@ -8230,8 +8137,8 @@
         </p:nvSpPr>
         <p:spPr>
           <a:xfrm>
-            <a:off x="1043608" y="1124744"/>
-            <a:ext cx="8100392" cy="5544616"/>
+            <a:off x="1115616" y="1124744"/>
+            <a:ext cx="7818072" cy="5544616"/>
           </a:xfrm>
         </p:spPr>
         <p:txBody>
@@ -8249,7 +8156,24 @@
             </a:r>
             <a:r>
               <a:rPr lang="en-US" altLang="ja-JP" dirty="0" smtClean="0"/>
-              <a:t>fold</a:t>
+              <a:t>cons</a:t>
+            </a:r>
+          </a:p>
+          <a:p>
+            <a:pPr marL="82296" indent="0">
+              <a:buNone/>
+            </a:pPr>
+            <a:r>
+              <a:rPr lang="ja-JP" altLang="en-US" dirty="0" smtClean="0"/>
+              <a:t>　先頭要素と残りのリストを</a:t>
+            </a:r>
+            <a:r>
+              <a:rPr lang="ja-JP" altLang="en-US" dirty="0"/>
+              <a:t>連結</a:t>
+            </a:r>
+            <a:r>
+              <a:rPr lang="ja-JP" altLang="en-US" dirty="0" smtClean="0"/>
+              <a:t>する</a:t>
             </a:r>
             <a:endParaRPr lang="en-US" altLang="ja-JP" dirty="0" smtClean="0"/>
           </a:p>
@@ -8258,105 +8182,47 @@
               <a:buNone/>
             </a:pPr>
             <a:r>
-              <a:rPr lang="ja-JP" altLang="en-US" dirty="0" smtClean="0"/>
-              <a:t>　</a:t>
-            </a:r>
-            <a:r>
               <a:rPr lang="en-US" altLang="ja-JP" dirty="0" smtClean="0"/>
-              <a:t>(fold &lt;</a:t>
-            </a:r>
-            <a:r>
-              <a:rPr lang="ja-JP" altLang="en-US" dirty="0" smtClean="0"/>
-              <a:t>手続き</a:t>
-            </a:r>
+              <a:t>(cons 1 ‘(2 3))</a:t>
+            </a:r>
+          </a:p>
+          <a:p>
+            <a:pPr marL="82296" indent="0">
+              <a:buNone/>
+            </a:pPr>
             <a:r>
               <a:rPr lang="en-US" altLang="ja-JP" dirty="0" smtClean="0"/>
-              <a:t>&gt; &lt;</a:t>
-            </a:r>
-            <a:r>
-              <a:rPr lang="ja-JP" altLang="en-US" dirty="0" smtClean="0"/>
-              <a:t>初期値</a:t>
-            </a:r>
+              <a:t>=&gt; (1 2 3)</a:t>
+            </a:r>
+          </a:p>
+          <a:p>
+            <a:pPr marL="82296" indent="0">
+              <a:buNone/>
+            </a:pPr>
+            <a:endParaRPr lang="en-US" altLang="ja-JP" dirty="0" smtClean="0"/>
+          </a:p>
+          <a:p>
+            <a:pPr marL="82296" indent="0">
+              <a:buNone/>
+            </a:pPr>
+            <a:endParaRPr lang="en-US" altLang="ja-JP" dirty="0" smtClean="0"/>
+          </a:p>
+          <a:p>
+            <a:pPr marL="82296" indent="0">
+              <a:buNone/>
+            </a:pPr>
             <a:r>
               <a:rPr lang="en-US" altLang="ja-JP" dirty="0" smtClean="0"/>
-              <a:t>&gt; &lt;</a:t>
-            </a:r>
-            <a:r>
-              <a:rPr lang="ja-JP" altLang="en-US" dirty="0" smtClean="0"/>
-              <a:t>リスト</a:t>
+              <a:t>(define </a:t>
+            </a:r>
+            <a:r>
+              <a:rPr lang="en-US" altLang="ja-JP" dirty="0" err="1" smtClean="0"/>
+              <a:t>lis</a:t>
             </a:r>
             <a:r>
               <a:rPr lang="en-US" altLang="ja-JP" dirty="0" smtClean="0"/>
-              <a:t>&gt;)</a:t>
-            </a:r>
-          </a:p>
-          <a:p>
-            <a:pPr marL="82296" indent="0">
-              <a:buNone/>
-            </a:pPr>
-            <a:r>
-              <a:rPr lang="ja-JP" altLang="en-US" sz="2800" dirty="0" smtClean="0"/>
-              <a:t>①リストの第一要素と初期値を引数に</a:t>
-            </a:r>
-            <a:r>
-              <a:rPr lang="en-US" altLang="ja-JP" sz="2800" dirty="0" smtClean="0"/>
-              <a:t>&lt;</a:t>
-            </a:r>
-            <a:r>
-              <a:rPr lang="ja-JP" altLang="en-US" sz="2800" dirty="0" smtClean="0"/>
-              <a:t>手続き</a:t>
-            </a:r>
-            <a:r>
-              <a:rPr lang="en-US" altLang="ja-JP" sz="2800" dirty="0" smtClean="0"/>
-              <a:t>&gt;</a:t>
-            </a:r>
-            <a:r>
-              <a:rPr lang="ja-JP" altLang="en-US" sz="2800" dirty="0" smtClean="0"/>
-              <a:t>実施</a:t>
-            </a:r>
-            <a:endParaRPr lang="en-US" altLang="ja-JP" sz="2800" dirty="0" smtClean="0"/>
-          </a:p>
-          <a:p>
-            <a:pPr marL="82296" indent="0">
-              <a:buNone/>
-            </a:pPr>
-            <a:r>
-              <a:rPr lang="ja-JP" altLang="en-US" sz="2800" dirty="0" smtClean="0"/>
-              <a:t>②第二要素と①の結果を引数に</a:t>
-            </a:r>
-            <a:r>
-              <a:rPr lang="en-US" altLang="ja-JP" sz="2800" dirty="0" smtClean="0"/>
-              <a:t>&lt;</a:t>
-            </a:r>
-            <a:r>
-              <a:rPr lang="ja-JP" altLang="en-US" sz="2800" dirty="0" smtClean="0"/>
-              <a:t>手続き</a:t>
-            </a:r>
-            <a:r>
-              <a:rPr lang="en-US" altLang="ja-JP" sz="2800" dirty="0" smtClean="0"/>
-              <a:t>&gt;</a:t>
-            </a:r>
-            <a:r>
-              <a:rPr lang="ja-JP" altLang="en-US" sz="2800" dirty="0" smtClean="0"/>
-              <a:t>実施</a:t>
-            </a:r>
-            <a:endParaRPr lang="en-US" altLang="ja-JP" sz="2800" dirty="0" smtClean="0"/>
-          </a:p>
-          <a:p>
-            <a:pPr marL="82296" indent="0">
-              <a:buNone/>
-            </a:pPr>
-            <a:r>
-              <a:rPr lang="ja-JP" altLang="en-US" sz="2800" dirty="0" smtClean="0"/>
-              <a:t>③以下、リストが終わるまで繰り返し</a:t>
-            </a:r>
-            <a:endParaRPr lang="en-US" altLang="ja-JP" sz="2800" dirty="0" smtClean="0"/>
-          </a:p>
-          <a:p>
-            <a:pPr marL="82296" indent="0">
-              <a:buNone/>
-            </a:pPr>
-            <a:endParaRPr lang="en-US" altLang="ja-JP" sz="2800" dirty="0"/>
+              <a:t> ‘(1 2 3))</a:t>
+            </a:r>
           </a:p>
           <a:p>
             <a:pPr marL="82296" indent="0">
@@ -8364,16 +8230,44 @@
             </a:pPr>
             <a:r>
               <a:rPr lang="en-US" altLang="ja-JP" dirty="0" smtClean="0"/>
-              <a:t>(fold * 1 ‘(1 2 3 4 5))</a:t>
-            </a:r>
-          </a:p>
-          <a:p>
-            <a:pPr marL="82296" indent="0">
-              <a:buNone/>
-            </a:pPr>
+              <a:t>(cons (car </a:t>
+            </a:r>
+            <a:r>
+              <a:rPr lang="en-US" altLang="ja-JP" dirty="0" err="1" smtClean="0"/>
+              <a:t>lis</a:t>
+            </a:r>
             <a:r>
               <a:rPr lang="en-US" altLang="ja-JP" dirty="0" smtClean="0"/>
-              <a:t>=&gt; 120</a:t>
+              <a:t>) (</a:t>
+            </a:r>
+            <a:r>
+              <a:rPr lang="en-US" altLang="ja-JP" dirty="0" err="1" smtClean="0"/>
+              <a:t>cdr</a:t>
+            </a:r>
+            <a:r>
+              <a:rPr lang="en-US" altLang="ja-JP" dirty="0" smtClean="0"/>
+              <a:t> </a:t>
+            </a:r>
+            <a:r>
+              <a:rPr lang="en-US" altLang="ja-JP" dirty="0" err="1" smtClean="0"/>
+              <a:t>lis</a:t>
+            </a:r>
+            <a:r>
+              <a:rPr lang="en-US" altLang="ja-JP" dirty="0" smtClean="0"/>
+              <a:t>))</a:t>
+            </a:r>
+          </a:p>
+          <a:p>
+            <a:pPr marL="82296" indent="0">
+              <a:buNone/>
+            </a:pPr>
+            <a:r>
+              <a:rPr lang="en-US" altLang="ja-JP" dirty="0" smtClean="0"/>
+              <a:t>=&gt; </a:t>
+            </a:r>
+            <a:r>
+              <a:rPr lang="en-US" altLang="ja-JP" dirty="0" err="1" smtClean="0"/>
+              <a:t>lis</a:t>
             </a:r>
             <a:endParaRPr lang="en-US" altLang="ja-JP" dirty="0" smtClean="0"/>
           </a:p>
@@ -8382,7 +8276,7 @@
     </p:spTree>
     <p:extLst>
       <p:ext uri="{BB962C8B-B14F-4D97-AF65-F5344CB8AC3E}">
-        <p14:creationId xmlns:p14="http://schemas.microsoft.com/office/powerpoint/2010/main" val="1964440084"/>
+        <p14:creationId xmlns:p14="http://schemas.microsoft.com/office/powerpoint/2010/main" val="3029638908"/>
       </p:ext>
     </p:extLst>
   </p:cSld>
@@ -8432,8 +8326,20 @@
           <a:lstStyle/>
           <a:p>
             <a:r>
-              <a:rPr kumimoji="1" lang="ja-JP" altLang="en-US" dirty="0" smtClean="0"/>
-              <a:t>ハローワールド</a:t>
+              <a:rPr lang="en-US" altLang="ja-JP" dirty="0" smtClean="0"/>
+              <a:t>Scheme</a:t>
+            </a:r>
+            <a:r>
+              <a:rPr lang="ja-JP" altLang="en-US" dirty="0" err="1" smtClean="0"/>
+              <a:t>での</a:t>
+            </a:r>
+            <a:r>
+              <a:rPr lang="ja-JP" altLang="en-US" dirty="0" smtClean="0"/>
+              <a:t>リストの</a:t>
+            </a:r>
+            <a:r>
+              <a:rPr lang="ja-JP" altLang="en-US" dirty="0"/>
+              <a:t>考え方</a:t>
             </a:r>
             <a:endParaRPr kumimoji="1" lang="ja-JP" altLang="en-US" dirty="0"/>
           </a:p>
@@ -8451,8 +8357,8 @@
         </p:nvSpPr>
         <p:spPr>
           <a:xfrm>
-            <a:off x="1115616" y="1124744"/>
-            <a:ext cx="7818072" cy="5544616"/>
+            <a:off x="971600" y="1124744"/>
+            <a:ext cx="8172400" cy="5544616"/>
           </a:xfrm>
         </p:spPr>
         <p:txBody>
@@ -8465,8 +8371,46 @@
               <a:buNone/>
             </a:pPr>
             <a:r>
+              <a:rPr lang="ja-JP" altLang="en-US" dirty="0"/>
+              <a:t>内部的</a:t>
+            </a:r>
+            <a:r>
               <a:rPr lang="ja-JP" altLang="en-US" dirty="0" smtClean="0"/>
-              <a:t>・対話型の場合</a:t>
+              <a:t>には</a:t>
+            </a:r>
+            <a:r>
+              <a:rPr lang="en-US" altLang="ja-JP" b="1" dirty="0" smtClean="0"/>
+              <a:t>2</a:t>
+            </a:r>
+            <a:r>
+              <a:rPr lang="ja-JP" altLang="en-US" b="1" dirty="0" err="1" smtClean="0"/>
+              <a:t>つの</a:t>
+            </a:r>
+            <a:r>
+              <a:rPr lang="ja-JP" altLang="en-US" b="1" dirty="0" smtClean="0"/>
+              <a:t>ポインタを持った対の連なり。</a:t>
+            </a:r>
+            <a:endParaRPr lang="en-US" altLang="ja-JP" b="1" dirty="0" smtClean="0"/>
+          </a:p>
+          <a:p>
+            <a:pPr marL="82296" indent="0">
+              <a:buNone/>
+            </a:pPr>
+            <a:r>
+              <a:rPr lang="ja-JP" altLang="en-US" b="1" dirty="0" smtClean="0"/>
+              <a:t>値</a:t>
+            </a:r>
+            <a:r>
+              <a:rPr lang="ja-JP" altLang="en-US" dirty="0" smtClean="0"/>
+              <a:t>そのものと</a:t>
+            </a:r>
+            <a:r>
+              <a:rPr lang="ja-JP" altLang="en-US" b="1" dirty="0" smtClean="0"/>
+              <a:t>次の要素の情報</a:t>
+            </a:r>
+            <a:r>
+              <a:rPr lang="ja-JP" altLang="en-US" dirty="0" smtClean="0"/>
+              <a:t>を持つ</a:t>
             </a:r>
             <a:endParaRPr lang="en-US" altLang="ja-JP" dirty="0" smtClean="0"/>
           </a:p>
@@ -8474,10 +8418,49 @@
             <a:pPr marL="82296" indent="0">
               <a:buNone/>
             </a:pPr>
-            <a:r>
-              <a:rPr lang="en-US" altLang="ja-JP" dirty="0" smtClean="0"/>
-              <a:t>(print “Hello, world.”)</a:t>
-            </a:r>
+            <a:endParaRPr lang="en-US" altLang="ja-JP" b="1" dirty="0"/>
+          </a:p>
+          <a:p>
+            <a:pPr marL="82296" indent="0">
+              <a:buNone/>
+            </a:pPr>
+            <a:r>
+              <a:rPr lang="ja-JP" altLang="en-US" dirty="0" smtClean="0"/>
+              <a:t>・最後の</a:t>
+            </a:r>
+            <a:r>
+              <a:rPr lang="en-US" altLang="ja-JP" dirty="0" err="1" smtClean="0"/>
+              <a:t>cdr</a:t>
+            </a:r>
+            <a:r>
+              <a:rPr lang="ja-JP" altLang="en-US" dirty="0" smtClean="0"/>
+              <a:t>部が空リスト：正式なリスト</a:t>
+            </a:r>
+            <a:endParaRPr lang="en-US" altLang="ja-JP" b="1" dirty="0" smtClean="0"/>
+          </a:p>
+          <a:p>
+            <a:pPr marL="82296" indent="0">
+              <a:buNone/>
+            </a:pPr>
+            <a:endParaRPr lang="en-US" altLang="ja-JP" dirty="0" smtClean="0"/>
+          </a:p>
+          <a:p>
+            <a:pPr marL="82296" indent="0">
+              <a:buNone/>
+            </a:pPr>
+            <a:r>
+              <a:rPr lang="ja-JP" altLang="en-US" dirty="0" smtClean="0"/>
+              <a:t>・最後の</a:t>
+            </a:r>
+            <a:r>
+              <a:rPr lang="en-US" altLang="ja-JP" dirty="0" err="1" smtClean="0"/>
+              <a:t>cdr</a:t>
+            </a:r>
+            <a:r>
+              <a:rPr lang="ja-JP" altLang="en-US" dirty="0" smtClean="0"/>
+              <a:t>部が空リストでない：ドットリスト</a:t>
+            </a:r>
+            <a:endParaRPr lang="en-US" altLang="ja-JP" dirty="0" smtClean="0"/>
           </a:p>
           <a:p>
             <a:pPr marL="82296" indent="0">
@@ -8489,15 +8472,49 @@
             <a:pPr marL="82296" indent="0">
               <a:buNone/>
             </a:pPr>
-            <a:endParaRPr lang="en-US" altLang="ja-JP" dirty="0" smtClean="0"/>
-          </a:p>
-          <a:p>
-            <a:pPr marL="82296" indent="0">
-              <a:buNone/>
-            </a:pPr>
-            <a:r>
-              <a:rPr lang="ja-JP" altLang="en-US" smtClean="0"/>
-              <a:t>・ファイル呼び出しの場合</a:t>
+            <a:r>
+              <a:rPr lang="en-US" altLang="ja-JP" sz="2000" dirty="0">
+                <a:hlinkClick r:id="rId2"/>
+              </a:rPr>
+              <a:t>https://</a:t>
+            </a:r>
+            <a:r>
+              <a:rPr lang="en-US" altLang="ja-JP" sz="2000" dirty="0" smtClean="0">
+                <a:hlinkClick r:id="rId2"/>
+              </a:rPr>
+              <a:t>www.shido.info/lisp/scheme3.html</a:t>
+            </a:r>
+            <a:endParaRPr lang="en-US" altLang="ja-JP" sz="2000" dirty="0" smtClean="0"/>
+          </a:p>
+          <a:p>
+            <a:pPr marL="82296" indent="0">
+              <a:buNone/>
+            </a:pPr>
+            <a:endParaRPr lang="en-US" altLang="ja-JP" sz="2000" dirty="0" smtClean="0">
+              <a:hlinkClick r:id="rId3"/>
+            </a:endParaRPr>
+          </a:p>
+          <a:p>
+            <a:pPr marL="82296" indent="0">
+              <a:buNone/>
+            </a:pPr>
+            <a:r>
+              <a:rPr lang="en-US" altLang="ja-JP" sz="2000" dirty="0" smtClean="0">
+                <a:hlinkClick r:id="rId3"/>
+              </a:rPr>
+              <a:t>http</a:t>
+            </a:r>
+            <a:r>
+              <a:rPr lang="en-US" altLang="ja-JP" sz="2000" dirty="0">
+                <a:hlinkClick r:id="rId3"/>
+              </a:rPr>
+              <a:t>://</a:t>
+            </a:r>
+            <a:r>
+              <a:rPr lang="en-US" altLang="ja-JP" sz="2000" dirty="0" smtClean="0">
+                <a:hlinkClick r:id="rId3"/>
+              </a:rPr>
+              <a:t>bach.istc.kobe-u.ac.jp/lect/ProLang/org/lisp-cell.html</a:t>
             </a:r>
             <a:endParaRPr lang="en-US" altLang="ja-JP" dirty="0"/>
           </a:p>
@@ -8505,59 +8522,14 @@
             <a:pPr marL="82296" indent="0">
               <a:buNone/>
             </a:pPr>
-            <a:r>
-              <a:rPr lang="en-US" altLang="ja-JP" dirty="0" smtClean="0"/>
-              <a:t>(</a:t>
-            </a:r>
-            <a:r>
-              <a:rPr lang="en-US" altLang="ja-JP" dirty="0"/>
-              <a:t>define (main </a:t>
-            </a:r>
-            <a:r>
-              <a:rPr lang="en-US" altLang="ja-JP" dirty="0" err="1"/>
-              <a:t>args</a:t>
-            </a:r>
-            <a:r>
-              <a:rPr lang="en-US" altLang="ja-JP" dirty="0"/>
-              <a:t>)</a:t>
-            </a:r>
-          </a:p>
-          <a:p>
-            <a:pPr marL="82296" indent="0">
-              <a:buNone/>
-            </a:pPr>
-            <a:r>
-              <a:rPr lang="ja-JP" altLang="en-US" dirty="0" smtClean="0"/>
-              <a:t>  </a:t>
-            </a:r>
-            <a:r>
-              <a:rPr lang="en-US" altLang="ja-JP" dirty="0" smtClean="0"/>
-              <a:t>(</a:t>
-            </a:r>
-            <a:r>
-              <a:rPr lang="en-US" altLang="ja-JP" dirty="0"/>
-              <a:t>print "Hello, world.")</a:t>
-            </a:r>
-          </a:p>
-          <a:p>
-            <a:pPr marL="82296" indent="0">
-              <a:buNone/>
-            </a:pPr>
-            <a:r>
-              <a:rPr lang="en-US" altLang="ja-JP" dirty="0" smtClean="0"/>
-              <a:t>  0</a:t>
-            </a:r>
-            <a:r>
-              <a:rPr lang="en-US" altLang="ja-JP" dirty="0"/>
-              <a:t>)</a:t>
-            </a:r>
+            <a:endParaRPr lang="en-US" altLang="ja-JP" b="1" dirty="0" smtClean="0"/>
           </a:p>
         </p:txBody>
       </p:sp>
     </p:spTree>
     <p:extLst>
       <p:ext uri="{BB962C8B-B14F-4D97-AF65-F5344CB8AC3E}">
-        <p14:creationId xmlns:p14="http://schemas.microsoft.com/office/powerpoint/2010/main" val="751171923"/>
+        <p14:creationId xmlns:p14="http://schemas.microsoft.com/office/powerpoint/2010/main" val="1176395678"/>
       </p:ext>
     </p:extLst>
   </p:cSld>
@@ -8606,6 +8578,18 @@
           <a:bodyPr/>
           <a:lstStyle/>
           <a:p>
+            <a:r>
+              <a:rPr kumimoji="1" lang="ja-JP" altLang="en-US" dirty="0" smtClean="0"/>
+              <a:t>重要な組み込み</a:t>
+            </a:r>
+            <a:r>
+              <a:rPr kumimoji="1" lang="ja-JP" altLang="en-US" dirty="0" smtClean="0"/>
+              <a:t>手続き</a:t>
+            </a:r>
+            <a:r>
+              <a:rPr lang="ja-JP" altLang="en-US" dirty="0"/>
+              <a:t>４</a:t>
+            </a:r>
             <a:endParaRPr kumimoji="1" lang="ja-JP" altLang="en-US" dirty="0"/>
           </a:p>
         </p:txBody>
@@ -8622,8 +8606,8 @@
         </p:nvSpPr>
         <p:spPr>
           <a:xfrm>
-            <a:off x="899592" y="1447800"/>
-            <a:ext cx="8136904" cy="4069432"/>
+            <a:off x="1043608" y="1124744"/>
+            <a:ext cx="8100392" cy="5544616"/>
           </a:xfrm>
         </p:spPr>
         <p:txBody>
@@ -8632,33 +8616,147 @@
           </a:bodyPr>
           <a:lstStyle/>
           <a:p>
-            <a:pPr marL="82296" indent="0" algn="ctr">
-              <a:buNone/>
-            </a:pPr>
-            <a:endParaRPr kumimoji="1" lang="en-US" altLang="ja-JP" sz="4400" dirty="0" smtClean="0"/>
-          </a:p>
-          <a:p>
-            <a:pPr marL="82296" indent="0" algn="ctr">
-              <a:buNone/>
-            </a:pPr>
-            <a:endParaRPr kumimoji="1" lang="en-US" altLang="ja-JP" sz="4400" dirty="0" smtClean="0"/>
-          </a:p>
-          <a:p>
-            <a:pPr marL="82296" indent="0" algn="ctr">
-              <a:buNone/>
-            </a:pPr>
-            <a:r>
-              <a:rPr kumimoji="1" lang="ja-JP" altLang="en-US" sz="4400" dirty="0" smtClean="0"/>
-              <a:t>前回のおさらい</a:t>
-            </a:r>
-            <a:endParaRPr kumimoji="1" lang="en-US" altLang="ja-JP" sz="4400" dirty="0" smtClean="0"/>
+            <a:pPr marL="82296" indent="0">
+              <a:buNone/>
+            </a:pPr>
+            <a:r>
+              <a:rPr lang="ja-JP" altLang="en-US" dirty="0" smtClean="0"/>
+              <a:t>・手続き </a:t>
+            </a:r>
+            <a:r>
+              <a:rPr lang="en-US" altLang="ja-JP" dirty="0" smtClean="0"/>
+              <a:t>fold</a:t>
+            </a:r>
+          </a:p>
+          <a:p>
+            <a:pPr marL="82296" indent="0">
+              <a:buNone/>
+            </a:pPr>
+            <a:r>
+              <a:rPr lang="ja-JP" altLang="en-US" dirty="0" smtClean="0"/>
+              <a:t>　</a:t>
+            </a:r>
+            <a:r>
+              <a:rPr lang="en-US" altLang="ja-JP" dirty="0" smtClean="0"/>
+              <a:t>(fold &lt;</a:t>
+            </a:r>
+            <a:r>
+              <a:rPr lang="ja-JP" altLang="en-US" dirty="0" smtClean="0"/>
+              <a:t>手続き</a:t>
+            </a:r>
+            <a:r>
+              <a:rPr lang="en-US" altLang="ja-JP" dirty="0" smtClean="0"/>
+              <a:t>&gt; &lt;</a:t>
+            </a:r>
+            <a:r>
+              <a:rPr lang="ja-JP" altLang="en-US" dirty="0" smtClean="0"/>
+              <a:t>初期値</a:t>
+            </a:r>
+            <a:r>
+              <a:rPr lang="en-US" altLang="ja-JP" dirty="0" smtClean="0"/>
+              <a:t>&gt; &lt;</a:t>
+            </a:r>
+            <a:r>
+              <a:rPr lang="ja-JP" altLang="en-US" dirty="0" smtClean="0"/>
+              <a:t>リスト</a:t>
+            </a:r>
+            <a:r>
+              <a:rPr lang="en-US" altLang="ja-JP" dirty="0" smtClean="0"/>
+              <a:t>&gt;)</a:t>
+            </a:r>
+          </a:p>
+          <a:p>
+            <a:pPr marL="82296" indent="0">
+              <a:buNone/>
+            </a:pPr>
+            <a:r>
+              <a:rPr lang="ja-JP" altLang="en-US" sz="2800" dirty="0" smtClean="0"/>
+              <a:t>①リストの第一要素と初期値を引数に</a:t>
+            </a:r>
+            <a:r>
+              <a:rPr lang="en-US" altLang="ja-JP" sz="2800" dirty="0" smtClean="0"/>
+              <a:t>&lt;</a:t>
+            </a:r>
+            <a:r>
+              <a:rPr lang="ja-JP" altLang="en-US" sz="2800" dirty="0" smtClean="0"/>
+              <a:t>手続き</a:t>
+            </a:r>
+            <a:r>
+              <a:rPr lang="en-US" altLang="ja-JP" sz="2800" dirty="0" smtClean="0"/>
+              <a:t>&gt;</a:t>
+            </a:r>
+            <a:r>
+              <a:rPr lang="ja-JP" altLang="en-US" sz="2800" dirty="0" smtClean="0"/>
+              <a:t>実施</a:t>
+            </a:r>
+            <a:endParaRPr lang="en-US" altLang="ja-JP" sz="2800" dirty="0" smtClean="0"/>
+          </a:p>
+          <a:p>
+            <a:pPr marL="82296" indent="0">
+              <a:buNone/>
+            </a:pPr>
+            <a:r>
+              <a:rPr lang="ja-JP" altLang="en-US" sz="2800" dirty="0" smtClean="0"/>
+              <a:t>②第二要素と①の結果を引数に</a:t>
+            </a:r>
+            <a:r>
+              <a:rPr lang="en-US" altLang="ja-JP" sz="2800" dirty="0" smtClean="0"/>
+              <a:t>&lt;</a:t>
+            </a:r>
+            <a:r>
+              <a:rPr lang="ja-JP" altLang="en-US" sz="2800" dirty="0" smtClean="0"/>
+              <a:t>手続き</a:t>
+            </a:r>
+            <a:r>
+              <a:rPr lang="en-US" altLang="ja-JP" sz="2800" dirty="0" smtClean="0"/>
+              <a:t>&gt;</a:t>
+            </a:r>
+            <a:r>
+              <a:rPr lang="ja-JP" altLang="en-US" sz="2800" dirty="0" smtClean="0"/>
+              <a:t>実施</a:t>
+            </a:r>
+            <a:endParaRPr lang="en-US" altLang="ja-JP" sz="2800" dirty="0" smtClean="0"/>
+          </a:p>
+          <a:p>
+            <a:pPr marL="82296" indent="0">
+              <a:buNone/>
+            </a:pPr>
+            <a:r>
+              <a:rPr lang="ja-JP" altLang="en-US" sz="2800" dirty="0" smtClean="0"/>
+              <a:t>③以下、リストが終わるまで繰り返し</a:t>
+            </a:r>
+            <a:endParaRPr lang="en-US" altLang="ja-JP" sz="2800" dirty="0" smtClean="0"/>
+          </a:p>
+          <a:p>
+            <a:pPr marL="82296" indent="0">
+              <a:buNone/>
+            </a:pPr>
+            <a:endParaRPr lang="en-US" altLang="ja-JP" sz="2800" dirty="0"/>
+          </a:p>
+          <a:p>
+            <a:pPr marL="82296" indent="0">
+              <a:buNone/>
+            </a:pPr>
+            <a:r>
+              <a:rPr lang="en-US" altLang="ja-JP" dirty="0" smtClean="0"/>
+              <a:t>(fold * 1 ‘(1 2 3 4 5))</a:t>
+            </a:r>
+          </a:p>
+          <a:p>
+            <a:pPr marL="82296" indent="0">
+              <a:buNone/>
+            </a:pPr>
+            <a:r>
+              <a:rPr lang="en-US" altLang="ja-JP" dirty="0" smtClean="0"/>
+              <a:t>=&gt; 120</a:t>
+            </a:r>
           </a:p>
         </p:txBody>
       </p:sp>
     </p:spTree>
     <p:extLst>
       <p:ext uri="{BB962C8B-B14F-4D97-AF65-F5344CB8AC3E}">
-        <p14:creationId xmlns:p14="http://schemas.microsoft.com/office/powerpoint/2010/main" val="125130579"/>
+        <p14:creationId xmlns:p14="http://schemas.microsoft.com/office/powerpoint/2010/main" val="1964440084"/>
       </p:ext>
     </p:extLst>
   </p:cSld>
@@ -8709,7 +8807,7 @@
           <a:p>
             <a:r>
               <a:rPr kumimoji="1" lang="ja-JP" altLang="en-US" dirty="0" smtClean="0"/>
-              <a:t>余談</a:t>
+              <a:t>ハローワールド</a:t>
             </a:r>
             <a:endParaRPr kumimoji="1" lang="ja-JP" altLang="en-US" dirty="0"/>
           </a:p>
@@ -8717,7 +8815,7 @@
       </p:sp>
       <p:sp>
         <p:nvSpPr>
-          <p:cNvPr id="6" name="コンテンツ プレースホルダー 2"/>
+          <p:cNvPr id="3" name="コンテンツ プレースホルダー 2"/>
           <p:cNvSpPr>
             <a:spLocks noGrp="1"/>
           </p:cNvSpPr>
@@ -8727,8 +8825,8 @@
         </p:nvSpPr>
         <p:spPr>
           <a:xfrm>
-            <a:off x="1043608" y="1447800"/>
-            <a:ext cx="7890080" cy="5077544"/>
+            <a:off x="1115616" y="1124744"/>
+            <a:ext cx="7818072" cy="5544616"/>
           </a:xfrm>
         </p:spPr>
         <p:txBody>
@@ -8737,32 +8835,116 @@
           </a:bodyPr>
           <a:lstStyle/>
           <a:p>
-            <a:r>
-              <a:rPr kumimoji="1" lang="ja-JP" altLang="en-US" dirty="0" smtClean="0"/>
-              <a:t>ニコニコ大百科の</a:t>
-            </a:r>
-            <a:r>
-              <a:rPr kumimoji="1" lang="en-US" altLang="ja-JP" dirty="0" smtClean="0"/>
-              <a:t>Lisp</a:t>
-            </a:r>
-            <a:r>
-              <a:rPr kumimoji="1" lang="ja-JP" altLang="en-US" dirty="0" smtClean="0"/>
-              <a:t>の記事が異様に詳しい</a:t>
-            </a:r>
+            <a:pPr marL="82296" indent="0">
+              <a:buNone/>
+            </a:pPr>
+            <a:r>
+              <a:rPr lang="ja-JP" altLang="en-US" dirty="0" smtClean="0"/>
+              <a:t>・対話型の場合</a:t>
+            </a:r>
+            <a:endParaRPr lang="en-US" altLang="ja-JP" dirty="0" smtClean="0"/>
+          </a:p>
+          <a:p>
+            <a:pPr marL="82296" indent="0">
+              <a:buNone/>
+            </a:pPr>
+            <a:r>
+              <a:rPr lang="en-US" altLang="ja-JP" dirty="0" smtClean="0"/>
+              <a:t>(print “Hello, world.”)</a:t>
+            </a:r>
+          </a:p>
+          <a:p>
+            <a:pPr marL="82296" indent="0">
+              <a:buNone/>
+            </a:pPr>
             <a:endParaRPr lang="en-US" altLang="ja-JP" dirty="0"/>
+          </a:p>
+          <a:p>
+            <a:pPr marL="82296" indent="0">
+              <a:buNone/>
+            </a:pPr>
+            <a:endParaRPr lang="en-US" altLang="ja-JP" dirty="0" smtClean="0"/>
+          </a:p>
+          <a:p>
+            <a:pPr marL="82296" indent="0">
+              <a:buNone/>
+            </a:pPr>
+            <a:r>
+              <a:rPr lang="ja-JP" altLang="en-US" smtClean="0"/>
+              <a:t>・ファイル呼び出しの場合</a:t>
+            </a:r>
+            <a:endParaRPr lang="en-US" altLang="ja-JP" dirty="0"/>
+          </a:p>
+          <a:p>
+            <a:pPr marL="82296" indent="0">
+              <a:buNone/>
+            </a:pPr>
+            <a:r>
+              <a:rPr lang="en-US" altLang="ja-JP" dirty="0" smtClean="0"/>
+              <a:t>(</a:t>
+            </a:r>
+            <a:r>
+              <a:rPr lang="en-US" altLang="ja-JP" dirty="0"/>
+              <a:t>define (main </a:t>
+            </a:r>
+            <a:r>
+              <a:rPr lang="en-US" altLang="ja-JP" dirty="0" err="1"/>
+              <a:t>args</a:t>
+            </a:r>
+            <a:r>
+              <a:rPr lang="en-US" altLang="ja-JP" dirty="0"/>
+              <a:t>)</a:t>
+            </a:r>
+          </a:p>
+          <a:p>
+            <a:pPr marL="82296" indent="0">
+              <a:buNone/>
+            </a:pPr>
+            <a:r>
+              <a:rPr lang="ja-JP" altLang="en-US" dirty="0" smtClean="0"/>
+              <a:t>  </a:t>
+            </a:r>
+            <a:r>
+              <a:rPr lang="en-US" altLang="ja-JP" dirty="0" smtClean="0"/>
+              <a:t>(</a:t>
+            </a:r>
+            <a:r>
+              <a:rPr lang="en-US" altLang="ja-JP" dirty="0"/>
+              <a:t>print "Hello, world.")</a:t>
+            </a:r>
+          </a:p>
+          <a:p>
+            <a:pPr marL="82296" indent="0">
+              <a:buNone/>
+            </a:pPr>
+            <a:r>
+              <a:rPr lang="en-US" altLang="ja-JP" dirty="0" smtClean="0"/>
+              <a:t>  0</a:t>
+            </a:r>
+            <a:r>
+              <a:rPr lang="en-US" altLang="ja-JP" dirty="0"/>
+              <a:t>)</a:t>
+            </a:r>
           </a:p>
         </p:txBody>
       </p:sp>
     </p:spTree>
     <p:extLst>
       <p:ext uri="{BB962C8B-B14F-4D97-AF65-F5344CB8AC3E}">
-        <p14:creationId xmlns:p14="http://schemas.microsoft.com/office/powerpoint/2010/main" val="3823870900"/>
+        <p14:creationId xmlns:p14="http://schemas.microsoft.com/office/powerpoint/2010/main" val="751171923"/>
       </p:ext>
     </p:extLst>
   </p:cSld>
   <p:clrMapOvr>
     <a:masterClrMapping/>
   </p:clrMapOvr>
+  <p:timing>
+    <p:tnLst>
+      <p:par>
+        <p:cTn id="1" dur="indefinite" restart="never" nodeType="tmRoot"/>
+      </p:par>
+    </p:tnLst>
+  </p:timing>
 </p:sld>
 </file>
 
@@ -8785,6 +8967,25 @@
       </p:grpSpPr>
       <p:sp>
         <p:nvSpPr>
+          <p:cNvPr id="2" name="タイトル 1"/>
+          <p:cNvSpPr>
+            <a:spLocks noGrp="1"/>
+          </p:cNvSpPr>
+          <p:nvPr>
+            <p:ph type="title"/>
+          </p:nvPr>
+        </p:nvSpPr>
+        <p:spPr/>
+        <p:txBody>
+          <a:bodyPr/>
+          <a:lstStyle/>
+          <a:p>
+            <a:endParaRPr kumimoji="1" lang="ja-JP" altLang="en-US" dirty="0"/>
+          </a:p>
+        </p:txBody>
+      </p:sp>
+      <p:sp>
+        <p:nvSpPr>
           <p:cNvPr id="3" name="コンテンツ プレースホルダー 2"/>
           <p:cNvSpPr>
             <a:spLocks noGrp="1"/>
@@ -8795,54 +8996,231 @@
         </p:nvSpPr>
         <p:spPr>
           <a:xfrm>
-            <a:off x="1435608" y="3068960"/>
-            <a:ext cx="7498080" cy="3179440"/>
+            <a:off x="899592" y="1447800"/>
+            <a:ext cx="8136904" cy="4069432"/>
           </a:xfrm>
         </p:spPr>
         <p:txBody>
-          <a:bodyPr/>
+          <a:bodyPr>
+            <a:normAutofit/>
+          </a:bodyPr>
           <a:lstStyle/>
           <a:p>
-            <a:pPr marL="82296" indent="0">
-              <a:buNone/>
-            </a:pPr>
-            <a:r>
-              <a:rPr kumimoji="1" lang="ja-JP" altLang="en-US" dirty="0" smtClean="0"/>
-              <a:t>ご清聴ありがとうございました</a:t>
-            </a:r>
-            <a:endParaRPr kumimoji="1" lang="ja-JP" altLang="en-US" dirty="0"/>
-          </a:p>
-        </p:txBody>
-      </p:sp>
-      <p:sp>
-        <p:nvSpPr>
-          <p:cNvPr id="4" name="タイトル 3"/>
-          <p:cNvSpPr>
-            <a:spLocks noGrp="1"/>
-          </p:cNvSpPr>
-          <p:nvPr>
-            <p:ph type="title"/>
-          </p:nvPr>
-        </p:nvSpPr>
-        <p:spPr/>
-        <p:txBody>
-          <a:bodyPr/>
-          <a:lstStyle/>
-          <a:p>
-            <a:endParaRPr kumimoji="1" lang="ja-JP" altLang="en-US"/>
+            <a:pPr marL="82296" indent="0" algn="ctr">
+              <a:buNone/>
+            </a:pPr>
+            <a:endParaRPr kumimoji="1" lang="en-US" altLang="ja-JP" sz="4400" dirty="0" smtClean="0"/>
+          </a:p>
+          <a:p>
+            <a:pPr marL="82296" indent="0" algn="ctr">
+              <a:buNone/>
+            </a:pPr>
+            <a:endParaRPr kumimoji="1" lang="en-US" altLang="ja-JP" sz="4400" dirty="0" smtClean="0"/>
+          </a:p>
+          <a:p>
+            <a:pPr marL="82296" indent="0" algn="ctr">
+              <a:buNone/>
+            </a:pPr>
+            <a:r>
+              <a:rPr kumimoji="1" lang="ja-JP" altLang="en-US" sz="4400" dirty="0" smtClean="0"/>
+              <a:t>⑤再帰処理</a:t>
+            </a:r>
+            <a:endParaRPr kumimoji="1" lang="en-US" altLang="ja-JP" sz="4400" dirty="0" smtClean="0"/>
           </a:p>
         </p:txBody>
       </p:sp>
     </p:spTree>
     <p:extLst>
       <p:ext uri="{BB962C8B-B14F-4D97-AF65-F5344CB8AC3E}">
-        <p14:creationId xmlns:p14="http://schemas.microsoft.com/office/powerpoint/2010/main" val="2805364914"/>
+        <p14:creationId xmlns:p14="http://schemas.microsoft.com/office/powerpoint/2010/main" val="125130579"/>
       </p:ext>
     </p:extLst>
   </p:cSld>
   <p:clrMapOvr>
     <a:masterClrMapping/>
   </p:clrMapOvr>
+  <p:timing>
+    <p:tnLst>
+      <p:par>
+        <p:cTn id="1" dur="indefinite" restart="never" nodeType="tmRoot"/>
+      </p:par>
+    </p:tnLst>
+  </p:timing>
+</p:sld>
+</file>
+
+<file path=ppt/slides/slide29.xml><?xml version="1.0" encoding="utf-8"?>
+<p:sld xmlns:a="http://schemas.openxmlformats.org/drawingml/2006/main" xmlns:r="http://schemas.openxmlformats.org/officeDocument/2006/relationships" xmlns:p="http://schemas.openxmlformats.org/presentationml/2006/main">
+  <p:cSld>
+    <p:spTree>
+      <p:nvGrpSpPr>
+        <p:cNvPr id="1" name=""/>
+        <p:cNvGrpSpPr/>
+        <p:nvPr/>
+      </p:nvGrpSpPr>
+      <p:grpSpPr>
+        <a:xfrm>
+          <a:off x="0" y="0"/>
+          <a:ext cx="0" cy="0"/>
+          <a:chOff x="0" y="0"/>
+          <a:chExt cx="0" cy="0"/>
+        </a:xfrm>
+      </p:grpSpPr>
+      <p:sp>
+        <p:nvSpPr>
+          <p:cNvPr id="2" name="タイトル 1"/>
+          <p:cNvSpPr>
+            <a:spLocks noGrp="1"/>
+          </p:cNvSpPr>
+          <p:nvPr>
+            <p:ph type="title"/>
+          </p:nvPr>
+        </p:nvSpPr>
+        <p:spPr/>
+        <p:txBody>
+          <a:bodyPr/>
+          <a:lstStyle/>
+          <a:p>
+            <a:r>
+              <a:rPr kumimoji="1" lang="ja-JP" altLang="en-US" dirty="0" smtClean="0"/>
+              <a:t>ハローワールド</a:t>
+            </a:r>
+            <a:endParaRPr kumimoji="1" lang="ja-JP" altLang="en-US" dirty="0"/>
+          </a:p>
+        </p:txBody>
+      </p:sp>
+      <p:sp>
+        <p:nvSpPr>
+          <p:cNvPr id="3" name="コンテンツ プレースホルダー 2"/>
+          <p:cNvSpPr>
+            <a:spLocks noGrp="1"/>
+          </p:cNvSpPr>
+          <p:nvPr>
+            <p:ph idx="1"/>
+          </p:nvPr>
+        </p:nvSpPr>
+        <p:spPr>
+          <a:xfrm>
+            <a:off x="1115616" y="1124744"/>
+            <a:ext cx="7818072" cy="5544616"/>
+          </a:xfrm>
+        </p:spPr>
+        <p:txBody>
+          <a:bodyPr>
+            <a:normAutofit/>
+          </a:bodyPr>
+          <a:lstStyle/>
+          <a:p>
+            <a:pPr marL="82296" indent="0">
+              <a:buNone/>
+            </a:pPr>
+            <a:r>
+              <a:rPr lang="ja-JP" altLang="en-US" dirty="0" smtClean="0"/>
+              <a:t>・対話型の場合</a:t>
+            </a:r>
+            <a:endParaRPr lang="en-US" altLang="ja-JP" dirty="0" smtClean="0"/>
+          </a:p>
+          <a:p>
+            <a:pPr marL="82296" indent="0">
+              <a:buNone/>
+            </a:pPr>
+            <a:r>
+              <a:rPr lang="en-US" altLang="ja-JP" dirty="0" smtClean="0"/>
+              <a:t>(print “Hello, world.”)</a:t>
+            </a:r>
+          </a:p>
+          <a:p>
+            <a:pPr marL="82296" indent="0">
+              <a:buNone/>
+            </a:pPr>
+            <a:endParaRPr lang="en-US" altLang="ja-JP" dirty="0"/>
+          </a:p>
+          <a:p>
+            <a:pPr marL="82296" indent="0">
+              <a:buNone/>
+            </a:pPr>
+            <a:endParaRPr lang="en-US" altLang="ja-JP" dirty="0" smtClean="0"/>
+          </a:p>
+          <a:p>
+            <a:pPr marL="82296" indent="0">
+              <a:buNone/>
+            </a:pPr>
+            <a:r>
+              <a:rPr lang="ja-JP" altLang="en-US" smtClean="0"/>
+              <a:t>・ファイル呼び出しの場合</a:t>
+            </a:r>
+            <a:endParaRPr lang="en-US" altLang="ja-JP" dirty="0"/>
+          </a:p>
+          <a:p>
+            <a:pPr marL="82296" indent="0">
+              <a:buNone/>
+            </a:pPr>
+            <a:r>
+              <a:rPr lang="en-US" altLang="ja-JP" dirty="0" smtClean="0"/>
+              <a:t>(</a:t>
+            </a:r>
+            <a:r>
+              <a:rPr lang="en-US" altLang="ja-JP" dirty="0"/>
+              <a:t>define (main </a:t>
+            </a:r>
+            <a:r>
+              <a:rPr lang="en-US" altLang="ja-JP" dirty="0" err="1"/>
+              <a:t>args</a:t>
+            </a:r>
+            <a:r>
+              <a:rPr lang="en-US" altLang="ja-JP" dirty="0"/>
+              <a:t>)</a:t>
+            </a:r>
+          </a:p>
+          <a:p>
+            <a:pPr marL="82296" indent="0">
+              <a:buNone/>
+            </a:pPr>
+            <a:r>
+              <a:rPr lang="ja-JP" altLang="en-US" dirty="0" smtClean="0"/>
+              <a:t>  </a:t>
+            </a:r>
+            <a:r>
+              <a:rPr lang="en-US" altLang="ja-JP" dirty="0" smtClean="0"/>
+              <a:t>(</a:t>
+            </a:r>
+            <a:r>
+              <a:rPr lang="en-US" altLang="ja-JP" dirty="0"/>
+              <a:t>print "Hello, world.")</a:t>
+            </a:r>
+          </a:p>
+          <a:p>
+            <a:pPr marL="82296" indent="0">
+              <a:buNone/>
+            </a:pPr>
+            <a:r>
+              <a:rPr lang="en-US" altLang="ja-JP" dirty="0" smtClean="0"/>
+              <a:t>  0</a:t>
+            </a:r>
+            <a:r>
+              <a:rPr lang="en-US" altLang="ja-JP" dirty="0"/>
+              <a:t>)</a:t>
+            </a:r>
+          </a:p>
+        </p:txBody>
+      </p:sp>
+    </p:spTree>
+    <p:extLst>
+      <p:ext uri="{BB962C8B-B14F-4D97-AF65-F5344CB8AC3E}">
+        <p14:creationId xmlns:p14="http://schemas.microsoft.com/office/powerpoint/2010/main" val="2647976719"/>
+      </p:ext>
+    </p:extLst>
+  </p:cSld>
+  <p:clrMapOvr>
+    <a:masterClrMapping/>
+  </p:clrMapOvr>
+  <p:timing>
+    <p:tnLst>
+      <p:par>
+        <p:cTn id="1" dur="indefinite" restart="never" nodeType="tmRoot"/>
+      </p:par>
+    </p:tnLst>
+  </p:timing>
 </p:sld>
 </file>
 
@@ -8921,11 +9299,7 @@
             </a:pPr>
             <a:r>
               <a:rPr kumimoji="1" lang="ja-JP" altLang="en-US" sz="4400" dirty="0" smtClean="0"/>
-              <a:t>①前回</a:t>
-            </a:r>
-            <a:r>
-              <a:rPr kumimoji="1" lang="ja-JP" altLang="en-US" sz="4400" dirty="0" smtClean="0"/>
-              <a:t>のおさらい</a:t>
+              <a:t>①前回のおさらい</a:t>
             </a:r>
             <a:endParaRPr kumimoji="1" lang="en-US" altLang="ja-JP" sz="4400" dirty="0" smtClean="0"/>
           </a:p>
@@ -8948,6 +9322,278 @@
       </p:par>
     </p:tnLst>
   </p:timing>
+</p:sld>
+</file>
+
+<file path=ppt/slides/slide30.xml><?xml version="1.0" encoding="utf-8"?>
+<p:sld xmlns:a="http://schemas.openxmlformats.org/drawingml/2006/main" xmlns:r="http://schemas.openxmlformats.org/officeDocument/2006/relationships" xmlns:p="http://schemas.openxmlformats.org/presentationml/2006/main">
+  <p:cSld>
+    <p:spTree>
+      <p:nvGrpSpPr>
+        <p:cNvPr id="1" name=""/>
+        <p:cNvGrpSpPr/>
+        <p:nvPr/>
+      </p:nvGrpSpPr>
+      <p:grpSpPr>
+        <a:xfrm>
+          <a:off x="0" y="0"/>
+          <a:ext cx="0" cy="0"/>
+          <a:chOff x="0" y="0"/>
+          <a:chExt cx="0" cy="0"/>
+        </a:xfrm>
+      </p:grpSpPr>
+      <p:sp>
+        <p:nvSpPr>
+          <p:cNvPr id="2" name="タイトル 1"/>
+          <p:cNvSpPr>
+            <a:spLocks noGrp="1"/>
+          </p:cNvSpPr>
+          <p:nvPr>
+            <p:ph type="title"/>
+          </p:nvPr>
+        </p:nvSpPr>
+        <p:spPr/>
+        <p:txBody>
+          <a:bodyPr/>
+          <a:lstStyle/>
+          <a:p>
+            <a:endParaRPr kumimoji="1" lang="ja-JP" altLang="en-US" dirty="0"/>
+          </a:p>
+        </p:txBody>
+      </p:sp>
+      <p:sp>
+        <p:nvSpPr>
+          <p:cNvPr id="3" name="コンテンツ プレースホルダー 2"/>
+          <p:cNvSpPr>
+            <a:spLocks noGrp="1"/>
+          </p:cNvSpPr>
+          <p:nvPr>
+            <p:ph idx="1"/>
+          </p:nvPr>
+        </p:nvSpPr>
+        <p:spPr>
+          <a:xfrm>
+            <a:off x="899592" y="1447800"/>
+            <a:ext cx="8136904" cy="4069432"/>
+          </a:xfrm>
+        </p:spPr>
+        <p:txBody>
+          <a:bodyPr>
+            <a:normAutofit/>
+          </a:bodyPr>
+          <a:lstStyle/>
+          <a:p>
+            <a:pPr marL="82296" indent="0" algn="ctr">
+              <a:buNone/>
+            </a:pPr>
+            <a:endParaRPr kumimoji="1" lang="en-US" altLang="ja-JP" sz="4400" dirty="0" smtClean="0"/>
+          </a:p>
+          <a:p>
+            <a:pPr marL="82296" indent="0" algn="ctr">
+              <a:buNone/>
+            </a:pPr>
+            <a:endParaRPr kumimoji="1" lang="en-US" altLang="ja-JP" sz="4400" dirty="0" smtClean="0"/>
+          </a:p>
+          <a:p>
+            <a:pPr marL="82296" indent="0" algn="ctr">
+              <a:buNone/>
+            </a:pPr>
+            <a:r>
+              <a:rPr kumimoji="1" lang="ja-JP" altLang="en-US" sz="4400" dirty="0" smtClean="0"/>
+              <a:t>前回のおさらい</a:t>
+            </a:r>
+            <a:endParaRPr kumimoji="1" lang="en-US" altLang="ja-JP" sz="4400" dirty="0" smtClean="0"/>
+          </a:p>
+        </p:txBody>
+      </p:sp>
+    </p:spTree>
+    <p:extLst>
+      <p:ext uri="{BB962C8B-B14F-4D97-AF65-F5344CB8AC3E}">
+        <p14:creationId xmlns:p14="http://schemas.microsoft.com/office/powerpoint/2010/main" val="1923805304"/>
+      </p:ext>
+    </p:extLst>
+  </p:cSld>
+  <p:clrMapOvr>
+    <a:masterClrMapping/>
+  </p:clrMapOvr>
+  <p:timing>
+    <p:tnLst>
+      <p:par>
+        <p:cTn id="1" dur="indefinite" restart="never" nodeType="tmRoot"/>
+      </p:par>
+    </p:tnLst>
+  </p:timing>
+</p:sld>
+</file>
+
+<file path=ppt/slides/slide31.xml><?xml version="1.0" encoding="utf-8"?>
+<p:sld xmlns:a="http://schemas.openxmlformats.org/drawingml/2006/main" xmlns:r="http://schemas.openxmlformats.org/officeDocument/2006/relationships" xmlns:p="http://schemas.openxmlformats.org/presentationml/2006/main">
+  <p:cSld>
+    <p:spTree>
+      <p:nvGrpSpPr>
+        <p:cNvPr id="1" name=""/>
+        <p:cNvGrpSpPr/>
+        <p:nvPr/>
+      </p:nvGrpSpPr>
+      <p:grpSpPr>
+        <a:xfrm>
+          <a:off x="0" y="0"/>
+          <a:ext cx="0" cy="0"/>
+          <a:chOff x="0" y="0"/>
+          <a:chExt cx="0" cy="0"/>
+        </a:xfrm>
+      </p:grpSpPr>
+      <p:sp>
+        <p:nvSpPr>
+          <p:cNvPr id="2" name="タイトル 1"/>
+          <p:cNvSpPr>
+            <a:spLocks noGrp="1"/>
+          </p:cNvSpPr>
+          <p:nvPr>
+            <p:ph type="title"/>
+          </p:nvPr>
+        </p:nvSpPr>
+        <p:spPr/>
+        <p:txBody>
+          <a:bodyPr/>
+          <a:lstStyle/>
+          <a:p>
+            <a:r>
+              <a:rPr kumimoji="1" lang="ja-JP" altLang="en-US" dirty="0" smtClean="0"/>
+              <a:t>余談</a:t>
+            </a:r>
+            <a:endParaRPr kumimoji="1" lang="ja-JP" altLang="en-US" dirty="0"/>
+          </a:p>
+        </p:txBody>
+      </p:sp>
+      <p:sp>
+        <p:nvSpPr>
+          <p:cNvPr id="6" name="コンテンツ プレースホルダー 2"/>
+          <p:cNvSpPr>
+            <a:spLocks noGrp="1"/>
+          </p:cNvSpPr>
+          <p:nvPr>
+            <p:ph idx="1"/>
+          </p:nvPr>
+        </p:nvSpPr>
+        <p:spPr>
+          <a:xfrm>
+            <a:off x="1043608" y="1447800"/>
+            <a:ext cx="7890080" cy="5077544"/>
+          </a:xfrm>
+        </p:spPr>
+        <p:txBody>
+          <a:bodyPr>
+            <a:normAutofit/>
+          </a:bodyPr>
+          <a:lstStyle/>
+          <a:p>
+            <a:r>
+              <a:rPr kumimoji="1" lang="ja-JP" altLang="en-US" dirty="0" smtClean="0"/>
+              <a:t>ニコニコ大百科の</a:t>
+            </a:r>
+            <a:r>
+              <a:rPr kumimoji="1" lang="en-US" altLang="ja-JP" dirty="0" smtClean="0"/>
+              <a:t>Lisp</a:t>
+            </a:r>
+            <a:r>
+              <a:rPr kumimoji="1" lang="ja-JP" altLang="en-US" dirty="0" smtClean="0"/>
+              <a:t>の記事が異様に詳しい</a:t>
+            </a:r>
+            <a:endParaRPr lang="en-US" altLang="ja-JP" dirty="0"/>
+          </a:p>
+        </p:txBody>
+      </p:sp>
+    </p:spTree>
+    <p:extLst>
+      <p:ext uri="{BB962C8B-B14F-4D97-AF65-F5344CB8AC3E}">
+        <p14:creationId xmlns:p14="http://schemas.microsoft.com/office/powerpoint/2010/main" val="3823870900"/>
+      </p:ext>
+    </p:extLst>
+  </p:cSld>
+  <p:clrMapOvr>
+    <a:masterClrMapping/>
+  </p:clrMapOvr>
+</p:sld>
+</file>
+
+<file path=ppt/slides/slide32.xml><?xml version="1.0" encoding="utf-8"?>
+<p:sld xmlns:a="http://schemas.openxmlformats.org/drawingml/2006/main" xmlns:r="http://schemas.openxmlformats.org/officeDocument/2006/relationships" xmlns:p="http://schemas.openxmlformats.org/presentationml/2006/main">
+  <p:cSld>
+    <p:spTree>
+      <p:nvGrpSpPr>
+        <p:cNvPr id="1" name=""/>
+        <p:cNvGrpSpPr/>
+        <p:nvPr/>
+      </p:nvGrpSpPr>
+      <p:grpSpPr>
+        <a:xfrm>
+          <a:off x="0" y="0"/>
+          <a:ext cx="0" cy="0"/>
+          <a:chOff x="0" y="0"/>
+          <a:chExt cx="0" cy="0"/>
+        </a:xfrm>
+      </p:grpSpPr>
+      <p:sp>
+        <p:nvSpPr>
+          <p:cNvPr id="3" name="コンテンツ プレースホルダー 2"/>
+          <p:cNvSpPr>
+            <a:spLocks noGrp="1"/>
+          </p:cNvSpPr>
+          <p:nvPr>
+            <p:ph idx="1"/>
+          </p:nvPr>
+        </p:nvSpPr>
+        <p:spPr>
+          <a:xfrm>
+            <a:off x="1435608" y="3068960"/>
+            <a:ext cx="7498080" cy="3179440"/>
+          </a:xfrm>
+        </p:spPr>
+        <p:txBody>
+          <a:bodyPr/>
+          <a:lstStyle/>
+          <a:p>
+            <a:pPr marL="82296" indent="0">
+              <a:buNone/>
+            </a:pPr>
+            <a:r>
+              <a:rPr kumimoji="1" lang="ja-JP" altLang="en-US" dirty="0" smtClean="0"/>
+              <a:t>ご清聴ありがとうございました</a:t>
+            </a:r>
+            <a:endParaRPr kumimoji="1" lang="ja-JP" altLang="en-US" dirty="0"/>
+          </a:p>
+        </p:txBody>
+      </p:sp>
+      <p:sp>
+        <p:nvSpPr>
+          <p:cNvPr id="4" name="タイトル 3"/>
+          <p:cNvSpPr>
+            <a:spLocks noGrp="1"/>
+          </p:cNvSpPr>
+          <p:nvPr>
+            <p:ph type="title"/>
+          </p:nvPr>
+        </p:nvSpPr>
+        <p:spPr/>
+        <p:txBody>
+          <a:bodyPr/>
+          <a:lstStyle/>
+          <a:p>
+            <a:endParaRPr kumimoji="1" lang="ja-JP" altLang="en-US"/>
+          </a:p>
+        </p:txBody>
+      </p:sp>
+    </p:spTree>
+    <p:extLst>
+      <p:ext uri="{BB962C8B-B14F-4D97-AF65-F5344CB8AC3E}">
+        <p14:creationId xmlns:p14="http://schemas.microsoft.com/office/powerpoint/2010/main" val="2805364914"/>
+      </p:ext>
+    </p:extLst>
+  </p:cSld>
+  <p:clrMapOvr>
+    <a:masterClrMapping/>
+  </p:clrMapOvr>
 </p:sld>
 </file>
 
@@ -9559,11 +10205,7 @@
             </a:pPr>
             <a:r>
               <a:rPr kumimoji="1" lang="ja-JP" altLang="en-US" sz="4400" dirty="0" smtClean="0"/>
-              <a:t>②もう</a:t>
-            </a:r>
-            <a:r>
-              <a:rPr kumimoji="1" lang="ja-JP" altLang="en-US" sz="4400" dirty="0" smtClean="0"/>
-              <a:t>ちょっと調べてみた</a:t>
+              <a:t>もうちょっと調べてみた</a:t>
             </a:r>
             <a:endParaRPr kumimoji="1" lang="en-US" altLang="ja-JP" sz="4400" dirty="0" smtClean="0"/>
           </a:p>
@@ -9621,10 +10263,6 @@
           <a:bodyPr/>
           <a:lstStyle/>
           <a:p>
-            <a:r>
-              <a:rPr kumimoji="1" lang="en-US" altLang="ja-JP" dirty="0" smtClean="0"/>
-              <a:t>Lisp</a:t>
-            </a:r>
             <a:endParaRPr kumimoji="1" lang="ja-JP" altLang="en-US" dirty="0"/>
           </a:p>
         </p:txBody>
@@ -9641,8 +10279,8 @@
         </p:nvSpPr>
         <p:spPr>
           <a:xfrm>
-            <a:off x="1115616" y="1124744"/>
-            <a:ext cx="7818072" cy="5544616"/>
+            <a:off x="899592" y="1447800"/>
+            <a:ext cx="8136904" cy="4069432"/>
           </a:xfrm>
         </p:spPr>
         <p:txBody>
@@ -9651,145 +10289,45 @@
           </a:bodyPr>
           <a:lstStyle/>
           <a:p>
-            <a:pPr marL="82296" indent="0">
-              <a:buNone/>
-            </a:pPr>
-            <a:r>
-              <a:rPr lang="ja-JP" altLang="en-US" dirty="0" smtClean="0"/>
-              <a:t>・</a:t>
-            </a:r>
-            <a:r>
-              <a:rPr lang="en-US" altLang="ja-JP" b="1" dirty="0" err="1" smtClean="0"/>
-              <a:t>LIS</a:t>
-            </a:r>
-            <a:r>
-              <a:rPr lang="en-US" altLang="ja-JP" dirty="0" err="1" smtClean="0"/>
-              <a:t>t</a:t>
-            </a:r>
-            <a:r>
-              <a:rPr lang="en-US" altLang="ja-JP" dirty="0" smtClean="0"/>
-              <a:t> </a:t>
-            </a:r>
-            <a:r>
-              <a:rPr lang="en-US" altLang="ja-JP" b="1" dirty="0" smtClean="0"/>
-              <a:t>P</a:t>
-            </a:r>
-            <a:r>
-              <a:rPr lang="en-US" altLang="ja-JP" dirty="0" smtClean="0"/>
-              <a:t>rocessing</a:t>
-            </a:r>
-          </a:p>
-          <a:p>
-            <a:pPr marL="82296" indent="0">
-              <a:buNone/>
-            </a:pPr>
-            <a:r>
-              <a:rPr lang="en-US" altLang="ja-JP" sz="2000" strike="sngStrike" dirty="0"/>
-              <a:t>Lots of Insane Stupid </a:t>
-            </a:r>
-            <a:r>
-              <a:rPr lang="en-US" altLang="ja-JP" sz="2000" strike="sngStrike" dirty="0" smtClean="0"/>
-              <a:t>Parenthesis(</a:t>
-            </a:r>
-            <a:r>
-              <a:rPr lang="ja-JP" altLang="en-US" sz="2000" strike="sngStrike" dirty="0" smtClean="0"/>
-              <a:t>アホみたいな括弧の山</a:t>
-            </a:r>
-            <a:r>
-              <a:rPr lang="en-US" altLang="ja-JP" sz="2000" strike="sngStrike" dirty="0" smtClean="0"/>
-              <a:t>)</a:t>
-            </a:r>
-          </a:p>
-          <a:p>
-            <a:pPr marL="82296" indent="0">
-              <a:buNone/>
-            </a:pPr>
-            <a:endParaRPr lang="en-US" altLang="ja-JP" dirty="0"/>
-          </a:p>
-          <a:p>
-            <a:pPr marL="82296" indent="0">
-              <a:buNone/>
-            </a:pPr>
-            <a:r>
-              <a:rPr lang="ja-JP" altLang="en-US" dirty="0" smtClean="0"/>
-              <a:t>・現在使われる高級言語では</a:t>
-            </a:r>
-            <a:endParaRPr lang="en-US" altLang="ja-JP" dirty="0" smtClean="0"/>
-          </a:p>
-          <a:p>
-            <a:pPr marL="82296" indent="0">
-              <a:buNone/>
-            </a:pPr>
-            <a:r>
-              <a:rPr lang="ja-JP" altLang="en-US" dirty="0"/>
-              <a:t>　</a:t>
-            </a:r>
-            <a:r>
-              <a:rPr lang="en-US" altLang="ja-JP" dirty="0" smtClean="0"/>
-              <a:t>Fortran</a:t>
-            </a:r>
-            <a:r>
-              <a:rPr lang="ja-JP" altLang="en-US" dirty="0" smtClean="0"/>
-              <a:t>に次いで古い言語</a:t>
-            </a:r>
-            <a:endParaRPr lang="en-US" altLang="ja-JP" dirty="0" smtClean="0"/>
-          </a:p>
-          <a:p>
-            <a:pPr marL="82296" indent="0">
-              <a:buNone/>
-            </a:pPr>
-            <a:endParaRPr lang="en-US" altLang="ja-JP" dirty="0" smtClean="0"/>
-          </a:p>
-          <a:p>
-            <a:pPr marL="82296" indent="0">
-              <a:buNone/>
-            </a:pPr>
-            <a:r>
-              <a:rPr lang="ja-JP" altLang="en-US" dirty="0" smtClean="0"/>
-              <a:t>・</a:t>
-            </a:r>
-            <a:r>
-              <a:rPr lang="en-US" altLang="ja-JP" dirty="0" smtClean="0"/>
-              <a:t>S</a:t>
-            </a:r>
-            <a:r>
-              <a:rPr lang="ja-JP" altLang="en-US" dirty="0" smtClean="0"/>
-              <a:t>式と前置記法</a:t>
-            </a:r>
-            <a:r>
-              <a:rPr lang="en-US" altLang="ja-JP" dirty="0" smtClean="0"/>
-              <a:t>(</a:t>
-            </a:r>
-            <a:r>
-              <a:rPr lang="ja-JP" altLang="en-US" dirty="0" smtClean="0"/>
-              <a:t>ポーランド記法</a:t>
-            </a:r>
-            <a:r>
-              <a:rPr lang="en-US" altLang="ja-JP" dirty="0" smtClean="0"/>
-              <a:t>)</a:t>
-            </a:r>
-            <a:r>
-              <a:rPr lang="ja-JP" altLang="en-US" dirty="0" smtClean="0"/>
-              <a:t>が特徴</a:t>
-            </a:r>
-            <a:endParaRPr lang="en-US" altLang="ja-JP" dirty="0" smtClean="0"/>
-          </a:p>
-          <a:p>
-            <a:pPr marL="82296" indent="0">
-              <a:buNone/>
-            </a:pPr>
-            <a:r>
-              <a:rPr lang="ja-JP" altLang="en-US" dirty="0"/>
-              <a:t>　</a:t>
-            </a:r>
-            <a:endParaRPr lang="en-US" altLang="ja-JP" dirty="0"/>
+            <a:pPr marL="82296" indent="0" algn="ctr">
+              <a:buNone/>
+            </a:pPr>
+            <a:endParaRPr kumimoji="1" lang="en-US" altLang="ja-JP" sz="4400" dirty="0" smtClean="0"/>
+          </a:p>
+          <a:p>
+            <a:pPr marL="82296" indent="0" algn="ctr">
+              <a:buNone/>
+            </a:pPr>
+            <a:endParaRPr kumimoji="1" lang="en-US" altLang="ja-JP" sz="4400" dirty="0" smtClean="0"/>
+          </a:p>
+          <a:p>
+            <a:pPr marL="82296" indent="0" algn="ctr">
+              <a:buNone/>
+            </a:pPr>
+            <a:r>
+              <a:rPr kumimoji="1" lang="ja-JP" altLang="en-US" sz="4400" dirty="0" smtClean="0"/>
+              <a:t>②</a:t>
+            </a:r>
+            <a:r>
+              <a:rPr kumimoji="1" lang="en-US" altLang="ja-JP" sz="4400" dirty="0" smtClean="0"/>
+              <a:t>Scheme</a:t>
+            </a:r>
+            <a:r>
+              <a:rPr kumimoji="1" lang="ja-JP" altLang="en-US" sz="4400" dirty="0" err="1" smtClean="0"/>
+              <a:t>って</a:t>
+            </a:r>
+            <a:r>
+              <a:rPr kumimoji="1" lang="ja-JP" altLang="en-US" sz="4400" dirty="0" smtClean="0"/>
+              <a:t>どんな言語？</a:t>
+            </a:r>
+            <a:endParaRPr kumimoji="1" lang="en-US" altLang="ja-JP" sz="4400" dirty="0" smtClean="0"/>
           </a:p>
         </p:txBody>
       </p:sp>
     </p:spTree>
     <p:extLst>
       <p:ext uri="{BB962C8B-B14F-4D97-AF65-F5344CB8AC3E}">
-        <p14:creationId xmlns:p14="http://schemas.microsoft.com/office/powerpoint/2010/main" val="1548140014"/>
+        <p14:creationId xmlns:p14="http://schemas.microsoft.com/office/powerpoint/2010/main" val="2706628285"/>
       </p:ext>
     </p:extLst>
   </p:cSld>
@@ -9840,7 +10378,7 @@
           <a:p>
             <a:r>
               <a:rPr kumimoji="1" lang="en-US" altLang="ja-JP" dirty="0" smtClean="0"/>
-              <a:t>Scheme</a:t>
+              <a:t>Lisp</a:t>
             </a:r>
             <a:endParaRPr kumimoji="1" lang="ja-JP" altLang="en-US" dirty="0"/>
           </a:p>
@@ -9872,16 +10410,122 @@
               <a:buNone/>
             </a:pPr>
             <a:r>
+              <a:rPr lang="ja-JP" altLang="en-US" dirty="0" smtClean="0"/>
+              <a:t>・</a:t>
+            </a:r>
+            <a:r>
+              <a:rPr lang="en-US" altLang="ja-JP" b="1" dirty="0" err="1" smtClean="0"/>
+              <a:t>LIS</a:t>
+            </a:r>
+            <a:r>
+              <a:rPr lang="en-US" altLang="ja-JP" dirty="0" err="1" smtClean="0"/>
+              <a:t>t</a:t>
+            </a:r>
+            <a:r>
+              <a:rPr lang="en-US" altLang="ja-JP" dirty="0" smtClean="0"/>
+              <a:t> </a:t>
+            </a:r>
+            <a:r>
+              <a:rPr lang="en-US" altLang="ja-JP" b="1" dirty="0" smtClean="0"/>
+              <a:t>P</a:t>
+            </a:r>
+            <a:r>
+              <a:rPr lang="en-US" altLang="ja-JP" dirty="0" smtClean="0"/>
+              <a:t>rocessing</a:t>
+            </a:r>
+          </a:p>
+          <a:p>
+            <a:pPr marL="82296" indent="0">
+              <a:buNone/>
+            </a:pPr>
+            <a:r>
+              <a:rPr lang="en-US" altLang="ja-JP" sz="2000" strike="sngStrike" dirty="0"/>
+              <a:t>Lots of Insane Stupid </a:t>
+            </a:r>
+            <a:r>
+              <a:rPr lang="en-US" altLang="ja-JP" sz="2000" strike="sngStrike" dirty="0" smtClean="0"/>
+              <a:t>Parenthesis(</a:t>
+            </a:r>
+            <a:r>
+              <a:rPr lang="ja-JP" altLang="en-US" sz="2000" strike="sngStrike" dirty="0" smtClean="0"/>
+              <a:t>アホみたいな括弧の山</a:t>
+            </a:r>
+            <a:r>
+              <a:rPr lang="en-US" altLang="ja-JP" sz="2000" strike="sngStrike" dirty="0" smtClean="0"/>
+              <a:t>)</a:t>
+            </a:r>
+          </a:p>
+          <a:p>
+            <a:pPr marL="82296" indent="0">
+              <a:buNone/>
+            </a:pPr>
+            <a:endParaRPr lang="en-US" altLang="ja-JP" dirty="0"/>
+          </a:p>
+          <a:p>
+            <a:pPr marL="82296" indent="0">
+              <a:buNone/>
+            </a:pPr>
+            <a:r>
+              <a:rPr lang="ja-JP" altLang="en-US" dirty="0" smtClean="0"/>
+              <a:t>・現在使われる高級言語では</a:t>
+            </a:r>
+            <a:endParaRPr lang="en-US" altLang="ja-JP" dirty="0" smtClean="0"/>
+          </a:p>
+          <a:p>
+            <a:pPr marL="82296" indent="0">
+              <a:buNone/>
+            </a:pPr>
+            <a:r>
               <a:rPr lang="ja-JP" altLang="en-US" dirty="0"/>
+              <a:t>　</a:t>
+            </a:r>
+            <a:r>
+              <a:rPr lang="en-US" altLang="ja-JP" dirty="0" smtClean="0"/>
+              <a:t>Fortran</a:t>
+            </a:r>
+            <a:r>
+              <a:rPr lang="ja-JP" altLang="en-US" dirty="0" smtClean="0"/>
+              <a:t>に次いで古い言語</a:t>
+            </a:r>
+            <a:endParaRPr lang="en-US" altLang="ja-JP" dirty="0" smtClean="0"/>
+          </a:p>
+          <a:p>
+            <a:pPr marL="82296" indent="0">
+              <a:buNone/>
+            </a:pPr>
+            <a:endParaRPr lang="en-US" altLang="ja-JP" dirty="0" smtClean="0"/>
+          </a:p>
+          <a:p>
+            <a:pPr marL="82296" indent="0">
+              <a:buNone/>
+            </a:pPr>
+            <a:r>
+              <a:rPr lang="ja-JP" altLang="en-US" dirty="0" smtClean="0"/>
               <a:t>・</a:t>
             </a:r>
             <a:r>
               <a:rPr lang="en-US" altLang="ja-JP" dirty="0" smtClean="0"/>
-              <a:t>Lisp</a:t>
+              <a:t>S</a:t>
             </a:r>
             <a:r>
               <a:rPr lang="ja-JP" altLang="en-US" dirty="0" smtClean="0"/>
-              <a:t>の方言の一つで、現在でもよく使われる</a:t>
+              <a:t>式と前置記法</a:t>
+            </a:r>
+            <a:r>
+              <a:rPr lang="en-US" altLang="ja-JP" dirty="0" smtClean="0"/>
+              <a:t>(</a:t>
+            </a:r>
+            <a:r>
+              <a:rPr lang="ja-JP" altLang="en-US" dirty="0" smtClean="0"/>
+              <a:t>ポーランド記法</a:t>
+            </a:r>
+            <a:r>
+              <a:rPr lang="en-US" altLang="ja-JP" dirty="0" smtClean="0"/>
+              <a:t>)</a:t>
+            </a:r>
+            <a:r>
+              <a:rPr lang="ja-JP" altLang="en-US" dirty="0" smtClean="0"/>
+              <a:t>が特徴</a:t>
             </a:r>
             <a:endParaRPr lang="en-US" altLang="ja-JP" dirty="0" smtClean="0"/>
           </a:p>
@@ -9889,90 +10533,18 @@
             <a:pPr marL="82296" indent="0">
               <a:buNone/>
             </a:pPr>
-            <a:endParaRPr lang="en-US" altLang="ja-JP" dirty="0" smtClean="0"/>
-          </a:p>
-          <a:p>
-            <a:pPr marL="82296" indent="0">
-              <a:buNone/>
-            </a:pPr>
-            <a:r>
-              <a:rPr lang="ja-JP" altLang="en-US" dirty="0" smtClean="0"/>
-              <a:t>・言語仕様を少数のルールに限定</a:t>
-            </a:r>
-            <a:endParaRPr lang="en-US" altLang="ja-JP" dirty="0" smtClean="0"/>
-          </a:p>
-          <a:p>
-            <a:pPr marL="82296" indent="0">
-              <a:buNone/>
-            </a:pPr>
+            <a:r>
+              <a:rPr lang="ja-JP" altLang="en-US" dirty="0"/>
+              <a:t>　</a:t>
+            </a:r>
             <a:endParaRPr lang="en-US" altLang="ja-JP" dirty="0"/>
-          </a:p>
-          <a:p>
-            <a:pPr marL="82296" indent="0">
-              <a:buNone/>
-            </a:pPr>
-            <a:r>
-              <a:rPr lang="ja-JP" altLang="en-US" dirty="0"/>
-              <a:t>思想「厳選した少数のルールを用意しておけばいくらでも強力な言語を構築する</a:t>
-            </a:r>
-            <a:r>
-              <a:rPr lang="ja-JP" altLang="en-US" dirty="0" smtClean="0"/>
-              <a:t>ことが</a:t>
-            </a:r>
-            <a:r>
-              <a:rPr lang="ja-JP" altLang="en-US" dirty="0"/>
-              <a:t>できる</a:t>
-            </a:r>
-            <a:r>
-              <a:rPr lang="ja-JP" altLang="en-US" dirty="0" smtClean="0"/>
-              <a:t>」</a:t>
-            </a:r>
-            <a:endParaRPr lang="en-US" altLang="ja-JP" dirty="0" smtClean="0"/>
-          </a:p>
-          <a:p>
-            <a:pPr marL="82296" indent="0">
-              <a:buNone/>
-            </a:pPr>
-            <a:endParaRPr lang="en-US" altLang="ja-JP" dirty="0"/>
-          </a:p>
-          <a:p>
-            <a:pPr marL="82296" indent="0">
-              <a:buNone/>
-            </a:pPr>
-            <a:r>
-              <a:rPr lang="ja-JP" altLang="en-US" dirty="0" smtClean="0"/>
-              <a:t>多機能化を目指した</a:t>
-            </a:r>
-            <a:r>
-              <a:rPr lang="en-US" altLang="ja-JP" dirty="0" smtClean="0"/>
-              <a:t>Common Lisp</a:t>
-            </a:r>
-            <a:r>
-              <a:rPr lang="ja-JP" altLang="en-US" dirty="0" smtClean="0"/>
-              <a:t>とは</a:t>
-            </a:r>
-            <a:endParaRPr lang="en-US" altLang="ja-JP" dirty="0" smtClean="0"/>
-          </a:p>
-          <a:p>
-            <a:pPr marL="82296" indent="0">
-              <a:buNone/>
-            </a:pPr>
-            <a:r>
-              <a:rPr lang="ja-JP" altLang="en-US" dirty="0" smtClean="0"/>
-              <a:t>対照的な</a:t>
-            </a:r>
-            <a:r>
-              <a:rPr lang="ja-JP" altLang="en-US" dirty="0"/>
-              <a:t>存在</a:t>
-            </a:r>
-            <a:endParaRPr lang="en-US" altLang="ja-JP" dirty="0" smtClean="0"/>
           </a:p>
         </p:txBody>
       </p:sp>
     </p:spTree>
     <p:extLst>
       <p:ext uri="{BB962C8B-B14F-4D97-AF65-F5344CB8AC3E}">
-        <p14:creationId xmlns:p14="http://schemas.microsoft.com/office/powerpoint/2010/main" val="2748462096"/>
+        <p14:creationId xmlns:p14="http://schemas.microsoft.com/office/powerpoint/2010/main" val="1548140014"/>
       </p:ext>
     </p:extLst>
   </p:cSld>

--- a/scheme.pptx
+++ b/scheme.pptx
@@ -27,16 +27,20 @@
     <p:sldId id="342" r:id="rId21"/>
     <p:sldId id="334" r:id="rId22"/>
     <p:sldId id="335" r:id="rId23"/>
-    <p:sldId id="351" r:id="rId24"/>
-    <p:sldId id="336" r:id="rId25"/>
-    <p:sldId id="337" r:id="rId26"/>
-    <p:sldId id="338" r:id="rId27"/>
-    <p:sldId id="329" r:id="rId28"/>
-    <p:sldId id="322" r:id="rId29"/>
-    <p:sldId id="350" r:id="rId30"/>
-    <p:sldId id="349" r:id="rId31"/>
-    <p:sldId id="328" r:id="rId32"/>
-    <p:sldId id="276" r:id="rId33"/>
+    <p:sldId id="352" r:id="rId24"/>
+    <p:sldId id="351" r:id="rId25"/>
+    <p:sldId id="336" r:id="rId26"/>
+    <p:sldId id="337" r:id="rId27"/>
+    <p:sldId id="338" r:id="rId28"/>
+    <p:sldId id="329" r:id="rId29"/>
+    <p:sldId id="355" r:id="rId30"/>
+    <p:sldId id="322" r:id="rId31"/>
+    <p:sldId id="350" r:id="rId32"/>
+    <p:sldId id="353" r:id="rId33"/>
+    <p:sldId id="354" r:id="rId34"/>
+    <p:sldId id="349" r:id="rId35"/>
+    <p:sldId id="328" r:id="rId36"/>
+    <p:sldId id="276" r:id="rId37"/>
   </p:sldIdLst>
   <p:sldSz cx="9144000" cy="6858000" type="screen4x3"/>
   <p:notesSz cx="6858000" cy="9144000"/>
@@ -137,7 +141,7 @@
   </p:defaultTextStyle>
   <p:extLst>
     <p:ext uri="{EFAFB233-063F-42B5-8137-9DF3F51BA10A}">
-      <p15:sldGuideLst xmlns="" xmlns:p15="http://schemas.microsoft.com/office/powerpoint/2012/main">
+      <p15:sldGuideLst xmlns:p15="http://schemas.microsoft.com/office/powerpoint/2012/main">
         <p15:guide id="1" orient="horz" pos="2160">
           <p15:clr>
             <a:srgbClr val="A4A3A4"/>
@@ -288,7 +292,7 @@
           <a:p>
             <a:fld id="{39378AC4-C49C-4159-B332-7738B007311C}" type="datetimeFigureOut">
               <a:rPr kumimoji="1" lang="ja-JP" altLang="en-US" smtClean="0"/>
-              <a:t>2016/9/4</a:t>
+              <a:t>2016/9/5</a:t>
             </a:fld>
             <a:endParaRPr kumimoji="1" lang="ja-JP" altLang="en-US"/>
           </a:p>
@@ -633,7 +637,7 @@
           <a:p>
             <a:fld id="{39378AC4-C49C-4159-B332-7738B007311C}" type="datetimeFigureOut">
               <a:rPr kumimoji="1" lang="ja-JP" altLang="en-US" smtClean="0"/>
-              <a:t>2016/9/4</a:t>
+              <a:t>2016/9/5</a:t>
             </a:fld>
             <a:endParaRPr kumimoji="1" lang="ja-JP" altLang="en-US"/>
           </a:p>
@@ -850,7 +854,7 @@
           <a:p>
             <a:fld id="{39378AC4-C49C-4159-B332-7738B007311C}" type="datetimeFigureOut">
               <a:rPr kumimoji="1" lang="ja-JP" altLang="en-US" smtClean="0"/>
-              <a:t>2016/9/4</a:t>
+              <a:t>2016/9/5</a:t>
             </a:fld>
             <a:endParaRPr kumimoji="1" lang="ja-JP" altLang="en-US"/>
           </a:p>
@@ -1057,7 +1061,7 @@
           <a:p>
             <a:fld id="{39378AC4-C49C-4159-B332-7738B007311C}" type="datetimeFigureOut">
               <a:rPr kumimoji="1" lang="ja-JP" altLang="en-US" smtClean="0"/>
-              <a:t>2016/9/4</a:t>
+              <a:t>2016/9/5</a:t>
             </a:fld>
             <a:endParaRPr kumimoji="1" lang="ja-JP" altLang="en-US"/>
           </a:p>
@@ -1325,7 +1329,7 @@
           <a:p>
             <a:fld id="{39378AC4-C49C-4159-B332-7738B007311C}" type="datetimeFigureOut">
               <a:rPr kumimoji="1" lang="ja-JP" altLang="en-US" smtClean="0"/>
-              <a:t>2016/9/4</a:t>
+              <a:t>2016/9/5</a:t>
             </a:fld>
             <a:endParaRPr kumimoji="1" lang="ja-JP" altLang="en-US"/>
           </a:p>
@@ -1857,7 +1861,7 @@
           <a:p>
             <a:fld id="{39378AC4-C49C-4159-B332-7738B007311C}" type="datetimeFigureOut">
               <a:rPr kumimoji="1" lang="ja-JP" altLang="en-US" smtClean="0"/>
-              <a:t>2016/9/4</a:t>
+              <a:t>2016/9/5</a:t>
             </a:fld>
             <a:endParaRPr kumimoji="1" lang="ja-JP" altLang="en-US"/>
           </a:p>
@@ -2410,7 +2414,7 @@
           <a:p>
             <a:fld id="{39378AC4-C49C-4159-B332-7738B007311C}" type="datetimeFigureOut">
               <a:rPr kumimoji="1" lang="ja-JP" altLang="en-US" smtClean="0"/>
-              <a:t>2016/9/4</a:t>
+              <a:t>2016/9/5</a:t>
             </a:fld>
             <a:endParaRPr kumimoji="1" lang="ja-JP" altLang="en-US"/>
           </a:p>
@@ -2536,7 +2540,7 @@
           <a:p>
             <a:fld id="{39378AC4-C49C-4159-B332-7738B007311C}" type="datetimeFigureOut">
               <a:rPr kumimoji="1" lang="ja-JP" altLang="en-US" smtClean="0"/>
-              <a:t>2016/9/4</a:t>
+              <a:t>2016/9/5</a:t>
             </a:fld>
             <a:endParaRPr kumimoji="1" lang="ja-JP" altLang="en-US"/>
           </a:p>
@@ -2680,7 +2684,7 @@
           <a:p>
             <a:fld id="{39378AC4-C49C-4159-B332-7738B007311C}" type="datetimeFigureOut">
               <a:rPr kumimoji="1" lang="ja-JP" altLang="en-US" smtClean="0"/>
-              <a:t>2016/9/4</a:t>
+              <a:t>2016/9/5</a:t>
             </a:fld>
             <a:endParaRPr kumimoji="1" lang="ja-JP" altLang="en-US"/>
           </a:p>
@@ -3034,7 +3038,7 @@
           <a:p>
             <a:fld id="{39378AC4-C49C-4159-B332-7738B007311C}" type="datetimeFigureOut">
               <a:rPr kumimoji="1" lang="ja-JP" altLang="en-US" smtClean="0"/>
-              <a:t>2016/9/4</a:t>
+              <a:t>2016/9/5</a:t>
             </a:fld>
             <a:endParaRPr kumimoji="1" lang="ja-JP" altLang="en-US"/>
           </a:p>
@@ -3168,7 +3172,7 @@
           <a:p>
             <a:fld id="{39378AC4-C49C-4159-B332-7738B007311C}" type="datetimeFigureOut">
               <a:rPr kumimoji="1" lang="ja-JP" altLang="en-US" smtClean="0"/>
-              <a:t>2016/9/4</a:t>
+              <a:t>2016/9/5</a:t>
             </a:fld>
             <a:endParaRPr kumimoji="1" lang="ja-JP" altLang="en-US"/>
           </a:p>
@@ -3981,7 +3985,7 @@
           <a:p>
             <a:fld id="{39378AC4-C49C-4159-B332-7738B007311C}" type="datetimeFigureOut">
               <a:rPr kumimoji="1" lang="ja-JP" altLang="en-US" smtClean="0"/>
-              <a:t>2016/9/4</a:t>
+              <a:t>2016/9/5</a:t>
             </a:fld>
             <a:endParaRPr kumimoji="1" lang="ja-JP" altLang="en-US"/>
           </a:p>
@@ -7374,11 +7378,7 @@
             </a:pPr>
             <a:r>
               <a:rPr kumimoji="1" lang="ja-JP" altLang="en-US" sz="4400" dirty="0" smtClean="0"/>
-              <a:t>④基本的な</a:t>
-            </a:r>
-            <a:r>
-              <a:rPr kumimoji="1" lang="ja-JP" altLang="en-US" sz="4400" dirty="0" smtClean="0"/>
-              <a:t>こと</a:t>
+              <a:t>④基本的なこと</a:t>
             </a:r>
             <a:endParaRPr kumimoji="1" lang="en-US" altLang="ja-JP" sz="4400" dirty="0" smtClean="0"/>
           </a:p>
@@ -7690,66 +7690,6 @@
           </a:p>
         </p:txBody>
       </p:sp>
-      <p:sp>
-        <p:nvSpPr>
-          <p:cNvPr id="4" name="角丸四角形吹き出し 3"/>
-          <p:cNvSpPr/>
-          <p:nvPr/>
-        </p:nvSpPr>
-        <p:spPr>
-          <a:xfrm>
-            <a:off x="3995936" y="2564904"/>
-            <a:ext cx="2952328" cy="720080"/>
-          </a:xfrm>
-          <a:prstGeom prst="wedgeRoundRectCallout">
-            <a:avLst>
-              <a:gd name="adj1" fmla="val -62129"/>
-              <a:gd name="adj2" fmla="val -32739"/>
-              <a:gd name="adj3" fmla="val 16667"/>
-            </a:avLst>
-          </a:prstGeom>
-        </p:spPr>
-        <p:style>
-          <a:lnRef idx="2">
-            <a:schemeClr val="accent1">
-              <a:shade val="50000"/>
-            </a:schemeClr>
-          </a:lnRef>
-          <a:fillRef idx="1">
-            <a:schemeClr val="accent1"/>
-          </a:fillRef>
-          <a:effectRef idx="0">
-            <a:schemeClr val="accent1"/>
-          </a:effectRef>
-          <a:fontRef idx="minor">
-            <a:schemeClr val="lt1"/>
-          </a:fontRef>
-        </p:style>
-        <p:txBody>
-          <a:bodyPr rtlCol="0" anchor="ctr"/>
-          <a:lstStyle/>
-          <a:p>
-            <a:pPr algn="ctr"/>
-            <a:r>
-              <a:rPr lang="en-US" altLang="ja-JP" dirty="0" smtClean="0"/>
-              <a:t>Scheme</a:t>
-            </a:r>
-            <a:r>
-              <a:rPr lang="ja-JP" altLang="en-US" dirty="0" smtClean="0"/>
-              <a:t>に</a:t>
-            </a:r>
-            <a:endParaRPr lang="en-US" altLang="ja-JP" dirty="0" smtClean="0"/>
-          </a:p>
-          <a:p>
-            <a:pPr algn="ctr"/>
-            <a:r>
-              <a:rPr lang="ja-JP" altLang="en-US" dirty="0" smtClean="0"/>
-              <a:t>演算子というものは無いのだよ</a:t>
-            </a:r>
-            <a:endParaRPr kumimoji="1" lang="ja-JP" altLang="en-US" dirty="0"/>
-          </a:p>
-        </p:txBody>
-      </p:sp>
     </p:spTree>
     <p:extLst>
       <p:ext uri="{BB962C8B-B14F-4D97-AF65-F5344CB8AC3E}">
@@ -7804,11 +7744,7 @@
           <a:p>
             <a:r>
               <a:rPr kumimoji="1" lang="ja-JP" altLang="en-US" dirty="0" smtClean="0"/>
-              <a:t>重要な組み込み</a:t>
-            </a:r>
-            <a:r>
-              <a:rPr kumimoji="1" lang="ja-JP" altLang="en-US" dirty="0" smtClean="0"/>
-              <a:t>手続き</a:t>
+              <a:t>重要な組み込み手続き</a:t>
             </a:r>
             <a:r>
               <a:rPr lang="ja-JP" altLang="en-US" dirty="0" smtClean="0"/>
@@ -7830,8 +7766,8 @@
         </p:nvSpPr>
         <p:spPr>
           <a:xfrm>
-            <a:off x="1115616" y="1124744"/>
-            <a:ext cx="7818072" cy="5544616"/>
+            <a:off x="971600" y="1124744"/>
+            <a:ext cx="8172400" cy="5544616"/>
           </a:xfrm>
         </p:spPr>
         <p:txBody>
@@ -7851,6 +7787,35 @@
               <a:rPr lang="en-US" altLang="ja-JP" dirty="0" smtClean="0"/>
               <a:t>define</a:t>
             </a:r>
+          </a:p>
+          <a:p>
+            <a:pPr marL="82296" indent="0">
+              <a:buNone/>
+            </a:pPr>
+            <a:r>
+              <a:rPr lang="ja-JP" altLang="en-US" dirty="0" smtClean="0"/>
+              <a:t>　式の</a:t>
+            </a:r>
+            <a:r>
+              <a:rPr lang="ja-JP" altLang="en-US" dirty="0"/>
+              <a:t>値</a:t>
+            </a:r>
+            <a:r>
+              <a:rPr lang="ja-JP" altLang="en-US" dirty="0" smtClean="0"/>
+              <a:t>を</a:t>
+            </a:r>
+            <a:r>
+              <a:rPr lang="ja-JP" altLang="en-US" dirty="0"/>
+              <a:t>変数</a:t>
+            </a:r>
+            <a:r>
+              <a:rPr lang="ja-JP" altLang="en-US" dirty="0" smtClean="0"/>
+              <a:t>に</a:t>
+            </a:r>
+            <a:r>
+              <a:rPr lang="ja-JP" altLang="en-US" dirty="0"/>
+              <a:t>格納</a:t>
+            </a:r>
             <a:endParaRPr lang="en-US" altLang="ja-JP" dirty="0" smtClean="0"/>
           </a:p>
           <a:p>
@@ -7858,10 +7823,140 @@
               <a:buNone/>
             </a:pPr>
             <a:r>
-              <a:rPr lang="ja-JP" altLang="en-US" smtClean="0"/>
-              <a:t>　</a:t>
-            </a:r>
+              <a:rPr lang="en-US" altLang="ja-JP" dirty="0"/>
+              <a:t> </a:t>
+            </a:r>
+            <a:r>
+              <a:rPr lang="en-US" altLang="ja-JP" sz="2800" dirty="0"/>
+              <a:t>(define  &lt; </a:t>
+            </a:r>
+            <a:r>
+              <a:rPr lang="ja-JP" altLang="en-US" sz="2800" dirty="0"/>
+              <a:t>変数名 </a:t>
+            </a:r>
+            <a:r>
+              <a:rPr lang="en-US" altLang="ja-JP" sz="2800" dirty="0"/>
+              <a:t>&gt; &lt; </a:t>
+            </a:r>
+            <a:r>
+              <a:rPr lang="ja-JP" altLang="en-US" sz="2800" dirty="0"/>
+              <a:t>式 </a:t>
+            </a:r>
+            <a:r>
+              <a:rPr lang="en-US" altLang="ja-JP" sz="2800" dirty="0"/>
+              <a:t>&gt; )</a:t>
+            </a:r>
+          </a:p>
+          <a:p>
+            <a:pPr marL="82296" indent="0">
+              <a:buNone/>
+            </a:pPr>
             <a:endParaRPr lang="en-US" altLang="ja-JP" dirty="0" smtClean="0"/>
+          </a:p>
+          <a:p>
+            <a:pPr marL="82296" indent="0">
+              <a:buNone/>
+            </a:pPr>
+            <a:r>
+              <a:rPr lang="ja-JP" altLang="en-US" dirty="0" smtClean="0"/>
+              <a:t>　手続きの定義もできる</a:t>
+            </a:r>
+            <a:endParaRPr lang="en-US" altLang="ja-JP" dirty="0" smtClean="0"/>
+          </a:p>
+          <a:p>
+            <a:pPr marL="82296" indent="0">
+              <a:buNone/>
+            </a:pPr>
+            <a:r>
+              <a:rPr lang="en-US" altLang="ja-JP" dirty="0"/>
+              <a:t> </a:t>
+            </a:r>
+            <a:r>
+              <a:rPr lang="en-US" altLang="ja-JP" sz="2800" dirty="0"/>
+              <a:t>(define ( &lt; </a:t>
+            </a:r>
+            <a:r>
+              <a:rPr lang="ja-JP" altLang="en-US" sz="2800" dirty="0"/>
+              <a:t>手続き名 </a:t>
+            </a:r>
+            <a:r>
+              <a:rPr lang="en-US" altLang="ja-JP" sz="2800" dirty="0"/>
+              <a:t>&gt; &lt; </a:t>
+            </a:r>
+            <a:r>
+              <a:rPr lang="ja-JP" altLang="en-US" sz="2800" dirty="0"/>
+              <a:t>引数 </a:t>
+            </a:r>
+            <a:r>
+              <a:rPr lang="en-US" altLang="ja-JP" sz="2800" dirty="0"/>
+              <a:t>&gt; </a:t>
+            </a:r>
+            <a:r>
+              <a:rPr lang="en-US" altLang="ja-JP" sz="2800" dirty="0" smtClean="0"/>
+              <a:t>)  </a:t>
+            </a:r>
+            <a:r>
+              <a:rPr lang="en-US" altLang="ja-JP" sz="2800" dirty="0"/>
+              <a:t>&lt; </a:t>
+            </a:r>
+            <a:r>
+              <a:rPr lang="ja-JP" altLang="en-US" sz="2800" dirty="0"/>
+              <a:t>式 </a:t>
+            </a:r>
+            <a:r>
+              <a:rPr lang="en-US" altLang="ja-JP" sz="2800" dirty="0"/>
+              <a:t>&gt; </a:t>
+            </a:r>
+            <a:r>
+              <a:rPr lang="en-US" altLang="ja-JP" sz="2800" dirty="0" smtClean="0"/>
+              <a:t>)</a:t>
+            </a:r>
+            <a:endParaRPr lang="en-US" altLang="ja-JP" sz="2800" dirty="0"/>
+          </a:p>
+          <a:p>
+            <a:pPr marL="82296" indent="0">
+              <a:buNone/>
+            </a:pPr>
+            <a:endParaRPr lang="en-US" altLang="ja-JP" dirty="0" smtClean="0"/>
+          </a:p>
+          <a:p>
+            <a:pPr marL="82296" indent="0">
+              <a:buNone/>
+            </a:pPr>
+            <a:r>
+              <a:rPr lang="ja-JP" altLang="en-US" sz="2800" dirty="0" smtClean="0"/>
+              <a:t>例）</a:t>
+            </a:r>
+            <a:endParaRPr lang="en-US" altLang="ja-JP" sz="2800" dirty="0"/>
+          </a:p>
+          <a:p>
+            <a:pPr marL="82296" indent="0">
+              <a:buNone/>
+            </a:pPr>
+            <a:r>
+              <a:rPr lang="ja-JP" altLang="en-US" sz="2800" dirty="0"/>
+              <a:t> </a:t>
+            </a:r>
+            <a:r>
+              <a:rPr lang="en-US" altLang="ja-JP" sz="2800" dirty="0" smtClean="0"/>
+              <a:t>(</a:t>
+            </a:r>
+            <a:r>
+              <a:rPr lang="en-US" altLang="ja-JP" sz="2800" dirty="0"/>
+              <a:t>define (add X Y) (+ X Y))</a:t>
+            </a:r>
+          </a:p>
+          <a:p>
+            <a:pPr marL="82296" indent="0">
+              <a:buNone/>
+            </a:pPr>
+            <a:endParaRPr lang="en-US" altLang="ja-JP" dirty="0" smtClean="0"/>
+          </a:p>
+          <a:p>
+            <a:pPr marL="82296" indent="0">
+              <a:buNone/>
+            </a:pPr>
+            <a:endParaRPr lang="en-US" altLang="ja-JP" dirty="0"/>
           </a:p>
         </p:txBody>
       </p:sp>
@@ -7918,16 +8013,12 @@
           <a:lstStyle/>
           <a:p>
             <a:r>
+              <a:rPr kumimoji="1" lang="en-US" altLang="ja-JP" dirty="0" smtClean="0"/>
+              <a:t>define</a:t>
+            </a:r>
+            <a:r>
               <a:rPr kumimoji="1" lang="ja-JP" altLang="en-US" dirty="0" smtClean="0"/>
-              <a:t>重要な組み込み</a:t>
-            </a:r>
-            <a:r>
-              <a:rPr kumimoji="1" lang="ja-JP" altLang="en-US" dirty="0" smtClean="0"/>
-              <a:t>手続き</a:t>
-            </a:r>
-            <a:r>
-              <a:rPr lang="ja-JP" altLang="en-US" dirty="0"/>
-              <a:t>２</a:t>
+              <a:t>についての補足</a:t>
             </a:r>
             <a:endParaRPr kumimoji="1" lang="ja-JP" altLang="en-US" dirty="0"/>
           </a:p>
@@ -7945,8 +8036,8 @@
         </p:nvSpPr>
         <p:spPr>
           <a:xfrm>
-            <a:off x="1115616" y="1124744"/>
-            <a:ext cx="7818072" cy="5544616"/>
+            <a:off x="971600" y="1124744"/>
+            <a:ext cx="8172400" cy="5544616"/>
           </a:xfrm>
         </p:spPr>
         <p:txBody>
@@ -7960,20 +8051,15 @@
             </a:pPr>
             <a:r>
               <a:rPr lang="ja-JP" altLang="en-US" dirty="0" smtClean="0"/>
-              <a:t>・手続き </a:t>
+              <a:t>・</a:t>
             </a:r>
             <a:r>
               <a:rPr lang="en-US" altLang="ja-JP" dirty="0" smtClean="0"/>
-              <a:t>car</a:t>
-            </a:r>
-          </a:p>
-          <a:p>
-            <a:pPr marL="82296" indent="0">
-              <a:buNone/>
-            </a:pPr>
-            <a:r>
-              <a:rPr lang="ja-JP" altLang="en-US" dirty="0" smtClean="0"/>
-              <a:t>　リストの先頭要素を返す</a:t>
+              <a:t>define</a:t>
+            </a:r>
+            <a:r>
+              <a:rPr lang="ja-JP" altLang="en-US" dirty="0" smtClean="0"/>
+              <a:t>で変数に値を結びつけることを</a:t>
             </a:r>
             <a:endParaRPr lang="en-US" altLang="ja-JP" dirty="0" smtClean="0"/>
           </a:p>
@@ -7982,23 +8068,104 @@
               <a:buNone/>
             </a:pPr>
             <a:r>
+              <a:rPr lang="ja-JP" altLang="en-US" dirty="0"/>
+              <a:t>「</a:t>
+            </a:r>
+            <a:r>
+              <a:rPr lang="ja-JP" altLang="en-US" dirty="0" smtClean="0"/>
+              <a:t>束縛する」と言うことがある。</a:t>
+            </a:r>
+            <a:endParaRPr lang="en-US" altLang="ja-JP" dirty="0"/>
+          </a:p>
+          <a:p>
+            <a:pPr marL="82296" indent="0">
+              <a:buNone/>
+            </a:pPr>
+            <a:r>
+              <a:rPr lang="ja-JP" altLang="en-US" dirty="0" smtClean="0"/>
+              <a:t>（</a:t>
+            </a:r>
+            <a:r>
               <a:rPr lang="en-US" altLang="ja-JP" dirty="0" smtClean="0"/>
-              <a:t>(car ‘(1 2 3))</a:t>
-            </a:r>
-          </a:p>
-          <a:p>
-            <a:pPr marL="82296" indent="0">
-              <a:buNone/>
-            </a:pPr>
+              <a:t>bind</a:t>
+            </a:r>
+            <a:r>
+              <a:rPr lang="ja-JP" altLang="en-US" dirty="0" smtClean="0"/>
+              <a:t>の直訳）</a:t>
+            </a:r>
+            <a:endParaRPr lang="en-US" altLang="ja-JP" dirty="0" smtClean="0"/>
+          </a:p>
+          <a:p>
+            <a:pPr marL="82296" indent="0">
+              <a:buNone/>
+            </a:pPr>
+            <a:endParaRPr lang="en-US" altLang="ja-JP" dirty="0" smtClean="0"/>
+          </a:p>
+          <a:p>
+            <a:pPr marL="82296" indent="0">
+              <a:buNone/>
+            </a:pPr>
+            <a:r>
+              <a:rPr lang="ja-JP" altLang="en-US" dirty="0" smtClean="0"/>
+              <a:t>・</a:t>
+            </a:r>
+            <a:r>
+              <a:rPr lang="en-US" altLang="ja-JP" b="1" dirty="0" smtClean="0"/>
+              <a:t>Scheme</a:t>
+            </a:r>
+            <a:r>
+              <a:rPr lang="ja-JP" altLang="en-US" b="1" dirty="0" smtClean="0"/>
+              <a:t>に予約語や演算子は無い</a:t>
+            </a:r>
+            <a:endParaRPr lang="en-US" altLang="ja-JP" b="1" dirty="0" smtClean="0"/>
+          </a:p>
+          <a:p>
+            <a:pPr marL="82296" indent="0">
+              <a:buNone/>
+            </a:pPr>
+            <a:r>
+              <a:rPr lang="ja-JP" altLang="en-US" dirty="0" smtClean="0"/>
+              <a:t>例</a:t>
+            </a:r>
             <a:r>
               <a:rPr lang="en-US" altLang="ja-JP" dirty="0" smtClean="0"/>
-              <a:t>=&gt; 1</a:t>
-            </a:r>
-          </a:p>
-          <a:p>
-            <a:pPr marL="82296" indent="0">
-              <a:buNone/>
-            </a:pPr>
+              <a:t>)</a:t>
+            </a:r>
+            <a:endParaRPr lang="en-US" altLang="ja-JP" dirty="0"/>
+          </a:p>
+          <a:p>
+            <a:pPr marL="82296" indent="0">
+              <a:buNone/>
+            </a:pPr>
+            <a:r>
+              <a:rPr lang="en-US" altLang="ja-JP" dirty="0" smtClean="0"/>
+              <a:t>(define </a:t>
+            </a:r>
+            <a:r>
+              <a:rPr lang="en-US" altLang="ja-JP" dirty="0" err="1" smtClean="0"/>
+              <a:t>define</a:t>
+            </a:r>
+            <a:r>
+              <a:rPr lang="en-US" altLang="ja-JP" dirty="0" smtClean="0"/>
+              <a:t> “</a:t>
+            </a:r>
+            <a:r>
+              <a:rPr lang="en-US" altLang="ja-JP" dirty="0" err="1" smtClean="0"/>
+              <a:t>hoge</a:t>
+            </a:r>
+            <a:r>
+              <a:rPr lang="en-US" altLang="ja-JP" dirty="0" smtClean="0"/>
+              <a:t>”)</a:t>
+            </a:r>
+          </a:p>
+          <a:p>
+            <a:pPr marL="82296" indent="0">
+              <a:buNone/>
+            </a:pPr>
+            <a:r>
+              <a:rPr lang="ja-JP" altLang="en-US" dirty="0" smtClean="0"/>
+              <a:t>→正常処理される。</a:t>
+            </a:r>
             <a:endParaRPr lang="en-US" altLang="ja-JP" dirty="0" smtClean="0"/>
           </a:p>
           <a:p>
@@ -8007,60 +8174,32 @@
             </a:pPr>
             <a:r>
               <a:rPr lang="ja-JP" altLang="en-US" dirty="0" smtClean="0"/>
-              <a:t>・手続き </a:t>
+              <a:t>　それ以降</a:t>
+            </a:r>
+            <a:r>
+              <a:rPr lang="en-US" altLang="ja-JP" dirty="0" smtClean="0"/>
+              <a:t>define</a:t>
+            </a:r>
+            <a:r>
+              <a:rPr lang="ja-JP" altLang="en-US" dirty="0" smtClean="0"/>
+              <a:t>はただの文字列</a:t>
             </a:r>
             <a:r>
               <a:rPr lang="en-US" altLang="ja-JP" dirty="0" err="1" smtClean="0"/>
-              <a:t>cdr</a:t>
-            </a:r>
-            <a:endParaRPr lang="en-US" altLang="ja-JP" dirty="0" smtClean="0"/>
-          </a:p>
-          <a:p>
-            <a:pPr marL="82296" indent="0">
-              <a:buNone/>
-            </a:pPr>
-            <a:r>
-              <a:rPr lang="ja-JP" altLang="en-US" dirty="0" smtClean="0"/>
-              <a:t>　リストの先頭を除いた残りの要素を返す</a:t>
-            </a:r>
-            <a:endParaRPr lang="en-US" altLang="ja-JP" dirty="0" smtClean="0"/>
-          </a:p>
-          <a:p>
-            <a:pPr marL="82296" indent="0">
-              <a:buNone/>
-            </a:pPr>
-            <a:r>
-              <a:rPr lang="en-US" altLang="ja-JP" dirty="0"/>
-              <a:t>(</a:t>
-            </a:r>
-            <a:r>
-              <a:rPr lang="en-US" altLang="ja-JP" dirty="0" err="1" smtClean="0"/>
-              <a:t>cdr</a:t>
-            </a:r>
-            <a:r>
-              <a:rPr lang="en-US" altLang="ja-JP" dirty="0" smtClean="0"/>
-              <a:t> </a:t>
-            </a:r>
-            <a:r>
-              <a:rPr lang="en-US" altLang="ja-JP" dirty="0"/>
-              <a:t>‘(1 2 3))</a:t>
-            </a:r>
-          </a:p>
-          <a:p>
-            <a:pPr marL="82296" indent="0">
-              <a:buNone/>
-            </a:pPr>
-            <a:r>
-              <a:rPr lang="en-US" altLang="ja-JP" dirty="0" smtClean="0"/>
-              <a:t>=&gt; (2 3)</a:t>
-            </a:r>
+              <a:t>hoge</a:t>
+            </a:r>
+            <a:r>
+              <a:rPr lang="ja-JP" altLang="en-US" dirty="0" smtClean="0"/>
+              <a:t>になる</a:t>
+            </a:r>
+            <a:endParaRPr lang="en-US" altLang="ja-JP" dirty="0"/>
           </a:p>
         </p:txBody>
       </p:sp>
     </p:spTree>
     <p:extLst>
       <p:ext uri="{BB962C8B-B14F-4D97-AF65-F5344CB8AC3E}">
-        <p14:creationId xmlns:p14="http://schemas.microsoft.com/office/powerpoint/2010/main" val="1880388047"/>
+        <p14:creationId xmlns:p14="http://schemas.microsoft.com/office/powerpoint/2010/main" val="3656412245"/>
       </p:ext>
     </p:extLst>
   </p:cSld>
@@ -8111,15 +8250,11 @@
           <a:p>
             <a:r>
               <a:rPr kumimoji="1" lang="ja-JP" altLang="en-US" dirty="0" smtClean="0"/>
-              <a:t>重要な組み込み</a:t>
-            </a:r>
-            <a:r>
-              <a:rPr kumimoji="1" lang="ja-JP" altLang="en-US" dirty="0" smtClean="0"/>
-              <a:t>手続き</a:t>
+              <a:t>重要な組み込み手続き</a:t>
             </a:r>
             <a:r>
               <a:rPr lang="ja-JP" altLang="en-US" dirty="0"/>
-              <a:t>３</a:t>
+              <a:t>２</a:t>
             </a:r>
             <a:endParaRPr kumimoji="1" lang="ja-JP" altLang="en-US" dirty="0"/>
           </a:p>
@@ -8156,24 +8291,16 @@
             </a:r>
             <a:r>
               <a:rPr lang="en-US" altLang="ja-JP" dirty="0" smtClean="0"/>
-              <a:t>cons</a:t>
-            </a:r>
-          </a:p>
-          <a:p>
-            <a:pPr marL="82296" indent="0">
-              <a:buNone/>
-            </a:pPr>
-            <a:r>
-              <a:rPr lang="ja-JP" altLang="en-US" dirty="0" smtClean="0"/>
-              <a:t>　先頭要素と残りのリストを</a:t>
-            </a:r>
-            <a:r>
-              <a:rPr lang="ja-JP" altLang="en-US" dirty="0"/>
-              <a:t>連結</a:t>
-            </a:r>
-            <a:r>
-              <a:rPr lang="ja-JP" altLang="en-US" dirty="0" smtClean="0"/>
-              <a:t>する</a:t>
+              <a:t>car</a:t>
+            </a:r>
+          </a:p>
+          <a:p>
+            <a:pPr marL="82296" indent="0">
+              <a:buNone/>
+            </a:pPr>
+            <a:r>
+              <a:rPr lang="ja-JP" altLang="en-US" dirty="0" smtClean="0"/>
+              <a:t>　リストの先頭要素を返す</a:t>
             </a:r>
             <a:endParaRPr lang="en-US" altLang="ja-JP" dirty="0" smtClean="0"/>
           </a:p>
@@ -8183,7 +8310,7 @@
             </a:pPr>
             <a:r>
               <a:rPr lang="en-US" altLang="ja-JP" dirty="0" smtClean="0"/>
-              <a:t>(cons 1 ‘(2 3))</a:t>
+              <a:t>(car ‘(1 2 3))</a:t>
             </a:r>
           </a:p>
           <a:p>
@@ -8192,7 +8319,7 @@
             </a:pPr>
             <a:r>
               <a:rPr lang="en-US" altLang="ja-JP" dirty="0" smtClean="0"/>
-              <a:t>=&gt; (1 2 3)</a:t>
+              <a:t>=&gt; 1</a:t>
             </a:r>
           </a:p>
           <a:p>
@@ -8205,78 +8332,62 @@
             <a:pPr marL="82296" indent="0">
               <a:buNone/>
             </a:pPr>
-            <a:endParaRPr lang="en-US" altLang="ja-JP" dirty="0" smtClean="0"/>
-          </a:p>
-          <a:p>
-            <a:pPr marL="82296" indent="0">
-              <a:buNone/>
-            </a:pPr>
-            <a:r>
-              <a:rPr lang="en-US" altLang="ja-JP" dirty="0" smtClean="0"/>
-              <a:t>(define </a:t>
-            </a:r>
-            <a:r>
-              <a:rPr lang="en-US" altLang="ja-JP" dirty="0" err="1" smtClean="0"/>
-              <a:t>lis</a:t>
-            </a:r>
-            <a:r>
-              <a:rPr lang="en-US" altLang="ja-JP" dirty="0" smtClean="0"/>
-              <a:t> ‘(1 2 3))</a:t>
-            </a:r>
-          </a:p>
-          <a:p>
-            <a:pPr marL="82296" indent="0">
-              <a:buNone/>
-            </a:pPr>
-            <a:r>
-              <a:rPr lang="en-US" altLang="ja-JP" dirty="0" smtClean="0"/>
-              <a:t>(cons (car </a:t>
-            </a:r>
-            <a:r>
-              <a:rPr lang="en-US" altLang="ja-JP" dirty="0" err="1" smtClean="0"/>
-              <a:t>lis</a:t>
-            </a:r>
-            <a:r>
-              <a:rPr lang="en-US" altLang="ja-JP" dirty="0" smtClean="0"/>
-              <a:t>) (</a:t>
+            <a:r>
+              <a:rPr lang="ja-JP" altLang="en-US" dirty="0" smtClean="0"/>
+              <a:t>・手続き </a:t>
             </a:r>
             <a:r>
               <a:rPr lang="en-US" altLang="ja-JP" dirty="0" err="1" smtClean="0"/>
               <a:t>cdr</a:t>
             </a:r>
+            <a:endParaRPr lang="en-US" altLang="ja-JP" dirty="0" smtClean="0"/>
+          </a:p>
+          <a:p>
+            <a:pPr marL="82296" indent="0">
+              <a:buNone/>
+            </a:pPr>
+            <a:r>
+              <a:rPr lang="ja-JP" altLang="en-US" dirty="0" smtClean="0"/>
+              <a:t>　リストの先頭を除いた残りの要素を返す</a:t>
+            </a:r>
+            <a:endParaRPr lang="en-US" altLang="ja-JP" dirty="0" smtClean="0"/>
+          </a:p>
+          <a:p>
+            <a:pPr marL="82296" indent="0">
+              <a:buNone/>
+            </a:pPr>
+            <a:r>
+              <a:rPr lang="en-US" altLang="ja-JP" dirty="0"/>
+              <a:t>(</a:t>
+            </a:r>
+            <a:r>
+              <a:rPr lang="en-US" altLang="ja-JP" dirty="0" err="1" smtClean="0"/>
+              <a:t>cdr</a:t>
+            </a:r>
             <a:r>
               <a:rPr lang="en-US" altLang="ja-JP" dirty="0" smtClean="0"/>
               <a:t> </a:t>
             </a:r>
             <a:r>
-              <a:rPr lang="en-US" altLang="ja-JP" dirty="0" err="1" smtClean="0"/>
-              <a:t>lis</a:t>
-            </a:r>
+              <a:rPr lang="en-US" altLang="ja-JP" dirty="0"/>
+              <a:t>‘(1 2 3))</a:t>
+            </a:r>
+          </a:p>
+          <a:p>
+            <a:pPr marL="82296" indent="0">
+              <a:buNone/>
+            </a:pPr>
             <a:r>
               <a:rPr lang="en-US" altLang="ja-JP" dirty="0" smtClean="0"/>
-              <a:t>))</a:t>
-            </a:r>
-          </a:p>
-          <a:p>
-            <a:pPr marL="82296" indent="0">
-              <a:buNone/>
-            </a:pPr>
-            <a:r>
-              <a:rPr lang="en-US" altLang="ja-JP" dirty="0" smtClean="0"/>
-              <a:t>=&gt; </a:t>
-            </a:r>
-            <a:r>
-              <a:rPr lang="en-US" altLang="ja-JP" dirty="0" err="1" smtClean="0"/>
-              <a:t>lis</a:t>
-            </a:r>
-            <a:endParaRPr lang="en-US" altLang="ja-JP" dirty="0" smtClean="0"/>
+              <a:t>=&gt; (2 3)</a:t>
+            </a:r>
           </a:p>
         </p:txBody>
       </p:sp>
     </p:spTree>
     <p:extLst>
       <p:ext uri="{BB962C8B-B14F-4D97-AF65-F5344CB8AC3E}">
-        <p14:creationId xmlns:p14="http://schemas.microsoft.com/office/powerpoint/2010/main" val="3029638908"/>
+        <p14:creationId xmlns:p14="http://schemas.microsoft.com/office/powerpoint/2010/main" val="1880388047"/>
       </p:ext>
     </p:extLst>
   </p:cSld>
@@ -8326,20 +8437,12 @@
           <a:lstStyle/>
           <a:p>
             <a:r>
-              <a:rPr lang="en-US" altLang="ja-JP" dirty="0" smtClean="0"/>
-              <a:t>Scheme</a:t>
-            </a:r>
-            <a:r>
-              <a:rPr lang="ja-JP" altLang="en-US" dirty="0" err="1" smtClean="0"/>
-              <a:t>での</a:t>
-            </a:r>
-            <a:r>
-              <a:rPr lang="ja-JP" altLang="en-US" dirty="0" smtClean="0"/>
-              <a:t>リストの</a:t>
+              <a:rPr kumimoji="1" lang="ja-JP" altLang="en-US" dirty="0" smtClean="0"/>
+              <a:t>重要な組み込み手続き</a:t>
             </a:r>
             <a:r>
               <a:rPr lang="ja-JP" altLang="en-US" dirty="0"/>
-              <a:t>考え方</a:t>
+              <a:t>３</a:t>
             </a:r>
             <a:endParaRPr kumimoji="1" lang="ja-JP" altLang="en-US" dirty="0"/>
           </a:p>
@@ -8357,8 +8460,8 @@
         </p:nvSpPr>
         <p:spPr>
           <a:xfrm>
-            <a:off x="971600" y="1124744"/>
-            <a:ext cx="8172400" cy="5544616"/>
+            <a:off x="1115616" y="1124744"/>
+            <a:ext cx="7818072" cy="5544616"/>
           </a:xfrm>
         </p:spPr>
         <p:txBody>
@@ -8371,46 +8474,29 @@
               <a:buNone/>
             </a:pPr>
             <a:r>
+              <a:rPr lang="ja-JP" altLang="en-US" dirty="0" smtClean="0"/>
+              <a:t>・手続き </a:t>
+            </a:r>
+            <a:r>
+              <a:rPr lang="en-US" altLang="ja-JP" dirty="0" smtClean="0"/>
+              <a:t>cons</a:t>
+            </a:r>
+          </a:p>
+          <a:p>
+            <a:pPr marL="82296" indent="0">
+              <a:buNone/>
+            </a:pPr>
+            <a:r>
+              <a:rPr lang="ja-JP" altLang="en-US" dirty="0" smtClean="0"/>
+              <a:t>　先頭要素と残りのリストを</a:t>
+            </a:r>
+            <a:r>
               <a:rPr lang="ja-JP" altLang="en-US" dirty="0"/>
-              <a:t>内部的</a:t>
-            </a:r>
-            <a:r>
-              <a:rPr lang="ja-JP" altLang="en-US" dirty="0" smtClean="0"/>
-              <a:t>には</a:t>
-            </a:r>
-            <a:r>
-              <a:rPr lang="en-US" altLang="ja-JP" b="1" dirty="0" smtClean="0"/>
-              <a:t>2</a:t>
-            </a:r>
-            <a:r>
-              <a:rPr lang="ja-JP" altLang="en-US" b="1" dirty="0" err="1" smtClean="0"/>
-              <a:t>つの</a:t>
-            </a:r>
-            <a:r>
-              <a:rPr lang="ja-JP" altLang="en-US" b="1" dirty="0" smtClean="0"/>
-              <a:t>ポインタを持った対の連なり。</a:t>
-            </a:r>
-            <a:endParaRPr lang="en-US" altLang="ja-JP" b="1" dirty="0" smtClean="0"/>
-          </a:p>
-          <a:p>
-            <a:pPr marL="82296" indent="0">
-              <a:buNone/>
-            </a:pPr>
-            <a:r>
-              <a:rPr lang="ja-JP" altLang="en-US" b="1" dirty="0" smtClean="0"/>
-              <a:t>値</a:t>
-            </a:r>
-            <a:r>
-              <a:rPr lang="ja-JP" altLang="en-US" dirty="0" smtClean="0"/>
-              <a:t>そのものと</a:t>
-            </a:r>
-            <a:r>
-              <a:rPr lang="ja-JP" altLang="en-US" b="1" dirty="0" smtClean="0"/>
-              <a:t>次の要素の情報</a:t>
-            </a:r>
-            <a:r>
-              <a:rPr lang="ja-JP" altLang="en-US" dirty="0" smtClean="0"/>
-              <a:t>を持つ</a:t>
+              <a:t>連結</a:t>
+            </a:r>
+            <a:r>
+              <a:rPr lang="ja-JP" altLang="en-US" dirty="0" smtClean="0"/>
+              <a:t>する</a:t>
             </a:r>
             <a:endParaRPr lang="en-US" altLang="ja-JP" dirty="0" smtClean="0"/>
           </a:p>
@@ -8418,118 +8504,102 @@
             <a:pPr marL="82296" indent="0">
               <a:buNone/>
             </a:pPr>
-            <a:endParaRPr lang="en-US" altLang="ja-JP" b="1" dirty="0"/>
-          </a:p>
-          <a:p>
-            <a:pPr marL="82296" indent="0">
-              <a:buNone/>
-            </a:pPr>
-            <a:r>
-              <a:rPr lang="ja-JP" altLang="en-US" dirty="0" smtClean="0"/>
-              <a:t>・最後の</a:t>
+            <a:r>
+              <a:rPr lang="en-US" altLang="ja-JP" dirty="0" smtClean="0"/>
+              <a:t>(cons 1 ‘(2 3))</a:t>
+            </a:r>
+          </a:p>
+          <a:p>
+            <a:pPr marL="82296" indent="0">
+              <a:buNone/>
+            </a:pPr>
+            <a:r>
+              <a:rPr lang="en-US" altLang="ja-JP" dirty="0" smtClean="0"/>
+              <a:t>=&gt; (1 2 3)</a:t>
+            </a:r>
+          </a:p>
+          <a:p>
+            <a:pPr marL="82296" indent="0">
+              <a:buNone/>
+            </a:pPr>
+            <a:endParaRPr lang="en-US" altLang="ja-JP" dirty="0" smtClean="0"/>
+          </a:p>
+          <a:p>
+            <a:pPr marL="82296" indent="0">
+              <a:buNone/>
+            </a:pPr>
+            <a:endParaRPr lang="en-US" altLang="ja-JP" dirty="0" smtClean="0"/>
+          </a:p>
+          <a:p>
+            <a:pPr marL="82296" indent="0">
+              <a:buNone/>
+            </a:pPr>
+            <a:r>
+              <a:rPr lang="en-US" altLang="ja-JP" dirty="0" smtClean="0"/>
+              <a:t>(define </a:t>
+            </a:r>
+            <a:r>
+              <a:rPr lang="en-US" altLang="ja-JP" dirty="0" err="1" smtClean="0"/>
+              <a:t>lis</a:t>
+            </a:r>
+            <a:r>
+              <a:rPr lang="en-US" altLang="ja-JP" dirty="0" smtClean="0"/>
+              <a:t> ‘(1 2 3))</a:t>
+            </a:r>
+          </a:p>
+          <a:p>
+            <a:pPr marL="82296" indent="0">
+              <a:buNone/>
+            </a:pPr>
+            <a:r>
+              <a:rPr lang="en-US" altLang="ja-JP" dirty="0" smtClean="0"/>
+              <a:t>(cons (car </a:t>
+            </a:r>
+            <a:r>
+              <a:rPr lang="en-US" altLang="ja-JP" dirty="0" err="1" smtClean="0"/>
+              <a:t>lis</a:t>
+            </a:r>
+            <a:r>
+              <a:rPr lang="en-US" altLang="ja-JP" dirty="0" smtClean="0"/>
+              <a:t>) (</a:t>
             </a:r>
             <a:r>
               <a:rPr lang="en-US" altLang="ja-JP" dirty="0" err="1" smtClean="0"/>
               <a:t>cdr</a:t>
             </a:r>
             <a:r>
-              <a:rPr lang="ja-JP" altLang="en-US" dirty="0" smtClean="0"/>
-              <a:t>部が空リスト：正式なリスト</a:t>
-            </a:r>
-            <a:endParaRPr lang="en-US" altLang="ja-JP" b="1" dirty="0" smtClean="0"/>
-          </a:p>
-          <a:p>
-            <a:pPr marL="82296" indent="0">
-              <a:buNone/>
-            </a:pPr>
+              <a:rPr lang="en-US" altLang="ja-JP" dirty="0" smtClean="0"/>
+              <a:t> </a:t>
+            </a:r>
+            <a:r>
+              <a:rPr lang="en-US" altLang="ja-JP" dirty="0" err="1" smtClean="0"/>
+              <a:t>lis</a:t>
+            </a:r>
+            <a:r>
+              <a:rPr lang="en-US" altLang="ja-JP" dirty="0" smtClean="0"/>
+              <a:t>))</a:t>
+            </a:r>
+          </a:p>
+          <a:p>
+            <a:pPr marL="82296" indent="0">
+              <a:buNone/>
+            </a:pPr>
+            <a:r>
+              <a:rPr lang="en-US" altLang="ja-JP" dirty="0" smtClean="0"/>
+              <a:t>=&gt; </a:t>
+            </a:r>
+            <a:r>
+              <a:rPr lang="en-US" altLang="ja-JP" dirty="0"/>
+              <a:t>(1 2 3)</a:t>
+            </a:r>
             <a:endParaRPr lang="en-US" altLang="ja-JP" dirty="0" smtClean="0"/>
-          </a:p>
-          <a:p>
-            <a:pPr marL="82296" indent="0">
-              <a:buNone/>
-            </a:pPr>
-            <a:r>
-              <a:rPr lang="ja-JP" altLang="en-US" dirty="0" smtClean="0"/>
-              <a:t>・最後の</a:t>
-            </a:r>
-            <a:r>
-              <a:rPr lang="en-US" altLang="ja-JP" dirty="0" err="1" smtClean="0"/>
-              <a:t>cdr</a:t>
-            </a:r>
-            <a:r>
-              <a:rPr lang="ja-JP" altLang="en-US" dirty="0" smtClean="0"/>
-              <a:t>部が空リストでない：ドットリスト</a:t>
-            </a:r>
-            <a:endParaRPr lang="en-US" altLang="ja-JP" dirty="0" smtClean="0"/>
-          </a:p>
-          <a:p>
-            <a:pPr marL="82296" indent="0">
-              <a:buNone/>
-            </a:pPr>
-            <a:endParaRPr lang="en-US" altLang="ja-JP" dirty="0"/>
-          </a:p>
-          <a:p>
-            <a:pPr marL="82296" indent="0">
-              <a:buNone/>
-            </a:pPr>
-            <a:r>
-              <a:rPr lang="en-US" altLang="ja-JP" sz="2000" dirty="0">
-                <a:hlinkClick r:id="rId2"/>
-              </a:rPr>
-              <a:t>https://</a:t>
-            </a:r>
-            <a:r>
-              <a:rPr lang="en-US" altLang="ja-JP" sz="2000" dirty="0" smtClean="0">
-                <a:hlinkClick r:id="rId2"/>
-              </a:rPr>
-              <a:t>www.shido.info/lisp/scheme3.html</a:t>
-            </a:r>
-            <a:endParaRPr lang="en-US" altLang="ja-JP" sz="2000" dirty="0" smtClean="0"/>
-          </a:p>
-          <a:p>
-            <a:pPr marL="82296" indent="0">
-              <a:buNone/>
-            </a:pPr>
-            <a:endParaRPr lang="en-US" altLang="ja-JP" sz="2000" dirty="0" smtClean="0">
-              <a:hlinkClick r:id="rId3"/>
-            </a:endParaRPr>
-          </a:p>
-          <a:p>
-            <a:pPr marL="82296" indent="0">
-              <a:buNone/>
-            </a:pPr>
-            <a:r>
-              <a:rPr lang="en-US" altLang="ja-JP" sz="2000" dirty="0" smtClean="0">
-                <a:hlinkClick r:id="rId3"/>
-              </a:rPr>
-              <a:t>http</a:t>
-            </a:r>
-            <a:r>
-              <a:rPr lang="en-US" altLang="ja-JP" sz="2000" dirty="0">
-                <a:hlinkClick r:id="rId3"/>
-              </a:rPr>
-              <a:t>://</a:t>
-            </a:r>
-            <a:r>
-              <a:rPr lang="en-US" altLang="ja-JP" sz="2000" dirty="0" smtClean="0">
-                <a:hlinkClick r:id="rId3"/>
-              </a:rPr>
-              <a:t>bach.istc.kobe-u.ac.jp/lect/ProLang/org/lisp-cell.html</a:t>
-            </a:r>
-            <a:endParaRPr lang="en-US" altLang="ja-JP" dirty="0"/>
-          </a:p>
-          <a:p>
-            <a:pPr marL="82296" indent="0">
-              <a:buNone/>
-            </a:pPr>
-            <a:endParaRPr lang="en-US" altLang="ja-JP" b="1" dirty="0" smtClean="0"/>
           </a:p>
         </p:txBody>
       </p:sp>
     </p:spTree>
     <p:extLst>
       <p:ext uri="{BB962C8B-B14F-4D97-AF65-F5344CB8AC3E}">
-        <p14:creationId xmlns:p14="http://schemas.microsoft.com/office/powerpoint/2010/main" val="1176395678"/>
+        <p14:creationId xmlns:p14="http://schemas.microsoft.com/office/powerpoint/2010/main" val="3029638908"/>
       </p:ext>
     </p:extLst>
   </p:cSld>
@@ -8579,16 +8649,20 @@
           <a:lstStyle/>
           <a:p>
             <a:r>
-              <a:rPr kumimoji="1" lang="ja-JP" altLang="en-US" dirty="0" smtClean="0"/>
-              <a:t>重要な組み込み</a:t>
-            </a:r>
-            <a:r>
-              <a:rPr kumimoji="1" lang="ja-JP" altLang="en-US" dirty="0" smtClean="0"/>
-              <a:t>手続き</a:t>
+              <a:rPr lang="en-US" altLang="ja-JP" dirty="0" smtClean="0"/>
+              <a:t>Scheme</a:t>
+            </a:r>
+            <a:r>
+              <a:rPr lang="ja-JP" altLang="en-US" dirty="0" err="1" smtClean="0"/>
+              <a:t>での</a:t>
+            </a:r>
+            <a:r>
+              <a:rPr lang="ja-JP" altLang="en-US" dirty="0" smtClean="0"/>
+              <a:t>リストの</a:t>
             </a:r>
             <a:r>
               <a:rPr lang="ja-JP" altLang="en-US" dirty="0"/>
-              <a:t>４</a:t>
+              <a:t>考え方</a:t>
             </a:r>
             <a:endParaRPr kumimoji="1" lang="ja-JP" altLang="en-US" dirty="0"/>
           </a:p>
@@ -8606,8 +8680,8 @@
         </p:nvSpPr>
         <p:spPr>
           <a:xfrm>
-            <a:off x="1043608" y="1124744"/>
-            <a:ext cx="8100392" cy="5544616"/>
+            <a:off x="971600" y="1124744"/>
+            <a:ext cx="8172400" cy="5544616"/>
           </a:xfrm>
         </p:spPr>
         <p:txBody>
@@ -8620,143 +8694,165 @@
               <a:buNone/>
             </a:pPr>
             <a:r>
-              <a:rPr lang="ja-JP" altLang="en-US" dirty="0" smtClean="0"/>
-              <a:t>・手続き </a:t>
-            </a:r>
-            <a:r>
-              <a:rPr lang="en-US" altLang="ja-JP" dirty="0" smtClean="0"/>
-              <a:t>fold</a:t>
-            </a:r>
-          </a:p>
-          <a:p>
-            <a:pPr marL="82296" indent="0">
-              <a:buNone/>
-            </a:pPr>
-            <a:r>
-              <a:rPr lang="ja-JP" altLang="en-US" dirty="0" smtClean="0"/>
-              <a:t>　</a:t>
-            </a:r>
-            <a:r>
-              <a:rPr lang="en-US" altLang="ja-JP" dirty="0" smtClean="0"/>
-              <a:t>(fold &lt;</a:t>
-            </a:r>
-            <a:r>
-              <a:rPr lang="ja-JP" altLang="en-US" dirty="0" smtClean="0"/>
-              <a:t>手続き</a:t>
-            </a:r>
-            <a:r>
-              <a:rPr lang="en-US" altLang="ja-JP" dirty="0" smtClean="0"/>
-              <a:t>&gt; &lt;</a:t>
-            </a:r>
-            <a:r>
-              <a:rPr lang="ja-JP" altLang="en-US" dirty="0" smtClean="0"/>
-              <a:t>初期値</a:t>
-            </a:r>
-            <a:r>
-              <a:rPr lang="en-US" altLang="ja-JP" dirty="0" smtClean="0"/>
-              <a:t>&gt; &lt;</a:t>
-            </a:r>
-            <a:r>
-              <a:rPr lang="ja-JP" altLang="en-US" dirty="0" smtClean="0"/>
-              <a:t>リスト</a:t>
-            </a:r>
-            <a:r>
-              <a:rPr lang="en-US" altLang="ja-JP" dirty="0" smtClean="0"/>
-              <a:t>&gt;)</a:t>
-            </a:r>
-          </a:p>
-          <a:p>
-            <a:pPr marL="82296" indent="0">
-              <a:buNone/>
-            </a:pPr>
-            <a:r>
-              <a:rPr lang="ja-JP" altLang="en-US" sz="2800" dirty="0" smtClean="0"/>
-              <a:t>①リストの第一要素と初期値を引数に</a:t>
-            </a:r>
-            <a:r>
-              <a:rPr lang="en-US" altLang="ja-JP" sz="2800" dirty="0" smtClean="0"/>
-              <a:t>&lt;</a:t>
-            </a:r>
-            <a:r>
-              <a:rPr lang="ja-JP" altLang="en-US" sz="2800" dirty="0" smtClean="0"/>
-              <a:t>手続き</a:t>
-            </a:r>
-            <a:r>
-              <a:rPr lang="en-US" altLang="ja-JP" sz="2800" dirty="0" smtClean="0"/>
-              <a:t>&gt;</a:t>
-            </a:r>
-            <a:r>
-              <a:rPr lang="ja-JP" altLang="en-US" sz="2800" dirty="0" smtClean="0"/>
-              <a:t>実施</a:t>
-            </a:r>
-            <a:endParaRPr lang="en-US" altLang="ja-JP" sz="2800" dirty="0" smtClean="0"/>
-          </a:p>
-          <a:p>
-            <a:pPr marL="82296" indent="0">
-              <a:buNone/>
-            </a:pPr>
-            <a:r>
-              <a:rPr lang="ja-JP" altLang="en-US" sz="2800" dirty="0" smtClean="0"/>
-              <a:t>②第二要素と①の結果を引数に</a:t>
-            </a:r>
-            <a:r>
-              <a:rPr lang="en-US" altLang="ja-JP" sz="2800" dirty="0" smtClean="0"/>
-              <a:t>&lt;</a:t>
-            </a:r>
-            <a:r>
-              <a:rPr lang="ja-JP" altLang="en-US" sz="2800" dirty="0" smtClean="0"/>
-              <a:t>手続き</a:t>
-            </a:r>
-            <a:r>
-              <a:rPr lang="en-US" altLang="ja-JP" sz="2800" dirty="0" smtClean="0"/>
-              <a:t>&gt;</a:t>
-            </a:r>
-            <a:r>
-              <a:rPr lang="ja-JP" altLang="en-US" sz="2800" dirty="0" smtClean="0"/>
-              <a:t>実施</a:t>
-            </a:r>
-            <a:endParaRPr lang="en-US" altLang="ja-JP" sz="2800" dirty="0" smtClean="0"/>
-          </a:p>
-          <a:p>
-            <a:pPr marL="82296" indent="0">
-              <a:buNone/>
-            </a:pPr>
-            <a:r>
-              <a:rPr lang="ja-JP" altLang="en-US" sz="2800" dirty="0" smtClean="0"/>
-              <a:t>③以下、リストが終わるまで繰り返し</a:t>
-            </a:r>
-            <a:endParaRPr lang="en-US" altLang="ja-JP" sz="2800" dirty="0" smtClean="0"/>
-          </a:p>
-          <a:p>
-            <a:pPr marL="82296" indent="0">
-              <a:buNone/>
-            </a:pPr>
-            <a:endParaRPr lang="en-US" altLang="ja-JP" sz="2800" dirty="0"/>
-          </a:p>
-          <a:p>
-            <a:pPr marL="82296" indent="0">
-              <a:buNone/>
-            </a:pPr>
-            <a:r>
-              <a:rPr lang="en-US" altLang="ja-JP" dirty="0" smtClean="0"/>
-              <a:t>(fold * 1 ‘(1 2 3 4 5))</a:t>
-            </a:r>
-          </a:p>
-          <a:p>
-            <a:pPr marL="82296" indent="0">
-              <a:buNone/>
-            </a:pPr>
-            <a:r>
-              <a:rPr lang="en-US" altLang="ja-JP" dirty="0" smtClean="0"/>
-              <a:t>=&gt; 120</a:t>
-            </a:r>
+              <a:rPr lang="ja-JP" altLang="en-US" dirty="0"/>
+              <a:t>内部的</a:t>
+            </a:r>
+            <a:r>
+              <a:rPr lang="ja-JP" altLang="en-US" dirty="0" smtClean="0"/>
+              <a:t>には</a:t>
+            </a:r>
+            <a:r>
+              <a:rPr lang="en-US" altLang="ja-JP" b="1" dirty="0" smtClean="0"/>
+              <a:t>2</a:t>
+            </a:r>
+            <a:r>
+              <a:rPr lang="ja-JP" altLang="en-US" b="1" dirty="0" err="1" smtClean="0"/>
+              <a:t>つの</a:t>
+            </a:r>
+            <a:r>
+              <a:rPr lang="ja-JP" altLang="en-US" b="1" dirty="0" smtClean="0"/>
+              <a:t>ポインタを持った対の連なり。</a:t>
+            </a:r>
+            <a:endParaRPr lang="en-US" altLang="ja-JP" b="1" dirty="0" smtClean="0"/>
+          </a:p>
+          <a:p>
+            <a:pPr marL="82296" indent="0">
+              <a:buNone/>
+            </a:pPr>
+            <a:r>
+              <a:rPr lang="ja-JP" altLang="en-US" b="1" dirty="0" smtClean="0"/>
+              <a:t>値</a:t>
+            </a:r>
+            <a:r>
+              <a:rPr lang="ja-JP" altLang="en-US" dirty="0" smtClean="0"/>
+              <a:t>そのものと</a:t>
+            </a:r>
+            <a:r>
+              <a:rPr lang="ja-JP" altLang="en-US" b="1" dirty="0" smtClean="0"/>
+              <a:t>次の要素の情報</a:t>
+            </a:r>
+            <a:r>
+              <a:rPr lang="ja-JP" altLang="en-US" dirty="0" smtClean="0"/>
+              <a:t>を持つ</a:t>
+            </a:r>
+            <a:endParaRPr lang="en-US" altLang="ja-JP" dirty="0" smtClean="0"/>
+          </a:p>
+          <a:p>
+            <a:pPr marL="82296" indent="0">
+              <a:buNone/>
+            </a:pPr>
+            <a:endParaRPr lang="en-US" altLang="ja-JP" b="1" dirty="0"/>
+          </a:p>
+          <a:p>
+            <a:pPr marL="82296" indent="0">
+              <a:buNone/>
+            </a:pPr>
+            <a:r>
+              <a:rPr lang="ja-JP" altLang="en-US" dirty="0" smtClean="0"/>
+              <a:t>・最後の</a:t>
+            </a:r>
+            <a:r>
+              <a:rPr lang="en-US" altLang="ja-JP" dirty="0" err="1" smtClean="0"/>
+              <a:t>cdr</a:t>
+            </a:r>
+            <a:r>
+              <a:rPr lang="ja-JP" altLang="en-US" dirty="0" smtClean="0"/>
+              <a:t>部が空リスト：正式なリスト</a:t>
+            </a:r>
+            <a:endParaRPr lang="en-US" altLang="ja-JP" b="1" dirty="0" smtClean="0"/>
+          </a:p>
+          <a:p>
+            <a:pPr marL="82296" indent="0">
+              <a:buNone/>
+            </a:pPr>
+            <a:endParaRPr lang="en-US" altLang="ja-JP" dirty="0" smtClean="0"/>
+          </a:p>
+          <a:p>
+            <a:pPr marL="82296" indent="0">
+              <a:buNone/>
+            </a:pPr>
+            <a:r>
+              <a:rPr lang="ja-JP" altLang="en-US" dirty="0" smtClean="0"/>
+              <a:t>・最後の</a:t>
+            </a:r>
+            <a:r>
+              <a:rPr lang="en-US" altLang="ja-JP" dirty="0" err="1" smtClean="0"/>
+              <a:t>cdr</a:t>
+            </a:r>
+            <a:r>
+              <a:rPr lang="ja-JP" altLang="en-US" dirty="0" smtClean="0"/>
+              <a:t>部が空リストでない：ドットリスト</a:t>
+            </a:r>
+            <a:endParaRPr lang="en-US" altLang="ja-JP" dirty="0" smtClean="0"/>
+          </a:p>
+          <a:p>
+            <a:pPr marL="82296" indent="0">
+              <a:buNone/>
+            </a:pPr>
+            <a:endParaRPr lang="en-US" altLang="ja-JP" dirty="0"/>
+          </a:p>
+          <a:p>
+            <a:pPr marL="82296" indent="0">
+              <a:buNone/>
+            </a:pPr>
+            <a:r>
+              <a:rPr lang="en-US" altLang="ja-JP" sz="2000" dirty="0">
+                <a:hlinkClick r:id="rId2"/>
+              </a:rPr>
+              <a:t>https://</a:t>
+            </a:r>
+            <a:r>
+              <a:rPr lang="en-US" altLang="ja-JP" sz="2000" dirty="0" smtClean="0">
+                <a:hlinkClick r:id="rId2"/>
+              </a:rPr>
+              <a:t>www.shido.info/lisp/scheme3.html</a:t>
+            </a:r>
+            <a:endParaRPr lang="en-US" altLang="ja-JP" sz="2000" dirty="0" smtClean="0"/>
+          </a:p>
+          <a:p>
+            <a:pPr marL="82296" indent="0">
+              <a:buNone/>
+            </a:pPr>
+            <a:endParaRPr lang="en-US" altLang="ja-JP" sz="2000" dirty="0" smtClean="0">
+              <a:hlinkClick r:id="rId3"/>
+            </a:endParaRPr>
+          </a:p>
+          <a:p>
+            <a:pPr marL="82296" indent="0">
+              <a:buNone/>
+            </a:pPr>
+            <a:r>
+              <a:rPr lang="en-US" altLang="ja-JP" sz="2000" dirty="0" smtClean="0">
+                <a:hlinkClick r:id="rId3"/>
+              </a:rPr>
+              <a:t>http</a:t>
+            </a:r>
+            <a:r>
+              <a:rPr lang="en-US" altLang="ja-JP" sz="2000" dirty="0">
+                <a:hlinkClick r:id="rId3"/>
+              </a:rPr>
+              <a:t>://</a:t>
+            </a:r>
+            <a:r>
+              <a:rPr lang="en-US" altLang="ja-JP" sz="2000" dirty="0" smtClean="0">
+                <a:hlinkClick r:id="rId3"/>
+              </a:rPr>
+              <a:t>bach.istc.kobe-u.ac.jp/lect/ProLang/org/lisp-cell.html</a:t>
+            </a:r>
+            <a:endParaRPr lang="en-US" altLang="ja-JP" dirty="0"/>
+          </a:p>
+          <a:p>
+            <a:pPr marL="82296" indent="0">
+              <a:buNone/>
+            </a:pPr>
+            <a:endParaRPr lang="en-US" altLang="ja-JP" b="1" dirty="0" smtClean="0"/>
           </a:p>
         </p:txBody>
       </p:sp>
     </p:spTree>
     <p:extLst>
       <p:ext uri="{BB962C8B-B14F-4D97-AF65-F5344CB8AC3E}">
-        <p14:creationId xmlns:p14="http://schemas.microsoft.com/office/powerpoint/2010/main" val="1964440084"/>
+        <p14:creationId xmlns:p14="http://schemas.microsoft.com/office/powerpoint/2010/main" val="1176395678"/>
       </p:ext>
     </p:extLst>
   </p:cSld>
@@ -8807,7 +8903,11 @@
           <a:p>
             <a:r>
               <a:rPr kumimoji="1" lang="ja-JP" altLang="en-US" dirty="0" smtClean="0"/>
-              <a:t>ハローワールド</a:t>
+              <a:t>重要な組み込み手続き</a:t>
+            </a:r>
+            <a:r>
+              <a:rPr lang="ja-JP" altLang="en-US" dirty="0"/>
+              <a:t>４</a:t>
             </a:r>
             <a:endParaRPr kumimoji="1" lang="ja-JP" altLang="en-US" dirty="0"/>
           </a:p>
@@ -8825,8 +8925,8 @@
         </p:nvSpPr>
         <p:spPr>
           <a:xfrm>
-            <a:off x="1115616" y="1124744"/>
-            <a:ext cx="7818072" cy="5544616"/>
+            <a:off x="1043608" y="1124744"/>
+            <a:ext cx="8100392" cy="5544616"/>
           </a:xfrm>
         </p:spPr>
         <p:txBody>
@@ -8840,90 +8940,134 @@
             </a:pPr>
             <a:r>
               <a:rPr lang="ja-JP" altLang="en-US" dirty="0" smtClean="0"/>
-              <a:t>・対話型の場合</a:t>
-            </a:r>
-            <a:endParaRPr lang="en-US" altLang="ja-JP" dirty="0" smtClean="0"/>
-          </a:p>
-          <a:p>
-            <a:pPr marL="82296" indent="0">
-              <a:buNone/>
-            </a:pPr>
+              <a:t>・手続き </a:t>
+            </a:r>
             <a:r>
               <a:rPr lang="en-US" altLang="ja-JP" dirty="0" smtClean="0"/>
-              <a:t>(print “Hello, world.”)</a:t>
-            </a:r>
-          </a:p>
-          <a:p>
-            <a:pPr marL="82296" indent="0">
-              <a:buNone/>
-            </a:pPr>
-            <a:endParaRPr lang="en-US" altLang="ja-JP" dirty="0"/>
-          </a:p>
-          <a:p>
-            <a:pPr marL="82296" indent="0">
-              <a:buNone/>
-            </a:pPr>
-            <a:endParaRPr lang="en-US" altLang="ja-JP" dirty="0" smtClean="0"/>
-          </a:p>
-          <a:p>
-            <a:pPr marL="82296" indent="0">
-              <a:buNone/>
-            </a:pPr>
-            <a:r>
-              <a:rPr lang="ja-JP" altLang="en-US" smtClean="0"/>
-              <a:t>・ファイル呼び出しの場合</a:t>
-            </a:r>
-            <a:endParaRPr lang="en-US" altLang="ja-JP" dirty="0"/>
-          </a:p>
-          <a:p>
-            <a:pPr marL="82296" indent="0">
-              <a:buNone/>
-            </a:pPr>
+              <a:t>fold</a:t>
+            </a:r>
+          </a:p>
+          <a:p>
+            <a:pPr marL="82296" indent="0">
+              <a:buNone/>
+            </a:pPr>
+            <a:r>
+              <a:rPr lang="ja-JP" altLang="en-US" dirty="0" smtClean="0"/>
+              <a:t>　</a:t>
+            </a:r>
             <a:r>
               <a:rPr lang="en-US" altLang="ja-JP" dirty="0" smtClean="0"/>
-              <a:t>(</a:t>
-            </a:r>
-            <a:r>
-              <a:rPr lang="en-US" altLang="ja-JP" dirty="0"/>
-              <a:t>define (main </a:t>
-            </a:r>
-            <a:r>
-              <a:rPr lang="en-US" altLang="ja-JP" dirty="0" err="1"/>
-              <a:t>args</a:t>
-            </a:r>
-            <a:r>
-              <a:rPr lang="en-US" altLang="ja-JP" dirty="0"/>
-              <a:t>)</a:t>
-            </a:r>
-          </a:p>
-          <a:p>
-            <a:pPr marL="82296" indent="0">
-              <a:buNone/>
-            </a:pPr>
-            <a:r>
-              <a:rPr lang="ja-JP" altLang="en-US" dirty="0" smtClean="0"/>
-              <a:t>  </a:t>
+              <a:t>(fold &lt;</a:t>
+            </a:r>
+            <a:r>
+              <a:rPr lang="ja-JP" altLang="en-US" dirty="0" smtClean="0"/>
+              <a:t>手続き</a:t>
             </a:r>
             <a:r>
               <a:rPr lang="en-US" altLang="ja-JP" dirty="0" smtClean="0"/>
-              <a:t>(</a:t>
-            </a:r>
-            <a:r>
-              <a:rPr lang="en-US" altLang="ja-JP" dirty="0"/>
-              <a:t>print "Hello, world.")</a:t>
-            </a:r>
-          </a:p>
-          <a:p>
-            <a:pPr marL="82296" indent="0">
-              <a:buNone/>
-            </a:pPr>
+              <a:t>&gt; &lt;</a:t>
+            </a:r>
+            <a:r>
+              <a:rPr lang="ja-JP" altLang="en-US" dirty="0" smtClean="0"/>
+              <a:t>初期値</a:t>
+            </a:r>
             <a:r>
               <a:rPr lang="en-US" altLang="ja-JP" dirty="0" smtClean="0"/>
-              <a:t>  0</a:t>
-            </a:r>
-            <a:r>
-              <a:rPr lang="en-US" altLang="ja-JP" dirty="0"/>
-              <a:t>)</a:t>
+              <a:t>&gt; &lt;</a:t>
+            </a:r>
+            <a:r>
+              <a:rPr lang="ja-JP" altLang="en-US" dirty="0" smtClean="0"/>
+              <a:t>リスト</a:t>
+            </a:r>
+            <a:r>
+              <a:rPr lang="en-US" altLang="ja-JP" dirty="0" smtClean="0"/>
+              <a:t>&gt;)</a:t>
+            </a:r>
+          </a:p>
+          <a:p>
+            <a:pPr marL="82296" indent="0">
+              <a:buNone/>
+            </a:pPr>
+            <a:r>
+              <a:rPr lang="ja-JP" altLang="en-US" sz="2800" dirty="0" smtClean="0"/>
+              <a:t>①リストの第一要素と初期値を引数に</a:t>
+            </a:r>
+            <a:r>
+              <a:rPr lang="en-US" altLang="ja-JP" sz="2800" dirty="0" smtClean="0"/>
+              <a:t>&lt;</a:t>
+            </a:r>
+            <a:r>
+              <a:rPr lang="ja-JP" altLang="en-US" sz="2800" dirty="0" smtClean="0"/>
+              <a:t>手続き</a:t>
+            </a:r>
+            <a:r>
+              <a:rPr lang="en-US" altLang="ja-JP" sz="2800" dirty="0" smtClean="0"/>
+              <a:t>&gt;</a:t>
+            </a:r>
+            <a:r>
+              <a:rPr lang="ja-JP" altLang="en-US" sz="2800" dirty="0" smtClean="0"/>
+              <a:t>実施</a:t>
+            </a:r>
+            <a:endParaRPr lang="en-US" altLang="ja-JP" sz="2800" dirty="0" smtClean="0"/>
+          </a:p>
+          <a:p>
+            <a:pPr marL="82296" indent="0">
+              <a:buNone/>
+            </a:pPr>
+            <a:r>
+              <a:rPr lang="ja-JP" altLang="en-US" sz="2800" dirty="0" smtClean="0"/>
+              <a:t>②第二要素と①の結果を引数に</a:t>
+            </a:r>
+            <a:r>
+              <a:rPr lang="en-US" altLang="ja-JP" sz="2800" dirty="0" smtClean="0"/>
+              <a:t>&lt;</a:t>
+            </a:r>
+            <a:r>
+              <a:rPr lang="ja-JP" altLang="en-US" sz="2800" dirty="0" smtClean="0"/>
+              <a:t>手続き</a:t>
+            </a:r>
+            <a:r>
+              <a:rPr lang="en-US" altLang="ja-JP" sz="2800" dirty="0" smtClean="0"/>
+              <a:t>&gt;</a:t>
+            </a:r>
+            <a:r>
+              <a:rPr lang="ja-JP" altLang="en-US" sz="2800" dirty="0" smtClean="0"/>
+              <a:t>実施</a:t>
+            </a:r>
+            <a:endParaRPr lang="en-US" altLang="ja-JP" sz="2800" dirty="0" smtClean="0"/>
+          </a:p>
+          <a:p>
+            <a:pPr marL="82296" indent="0">
+              <a:buNone/>
+            </a:pPr>
+            <a:r>
+              <a:rPr lang="ja-JP" altLang="en-US" sz="2800" dirty="0" smtClean="0"/>
+              <a:t>③以下、リストが終わるまで繰り返し</a:t>
+            </a:r>
+            <a:endParaRPr lang="en-US" altLang="ja-JP" sz="2800" dirty="0" smtClean="0"/>
+          </a:p>
+          <a:p>
+            <a:pPr marL="82296" indent="0">
+              <a:buNone/>
+            </a:pPr>
+            <a:endParaRPr lang="en-US" altLang="ja-JP" sz="2800" dirty="0"/>
+          </a:p>
+          <a:p>
+            <a:pPr marL="82296" indent="0">
+              <a:buNone/>
+            </a:pPr>
+            <a:r>
+              <a:rPr lang="en-US" altLang="ja-JP" dirty="0" smtClean="0"/>
+              <a:t>(fold * 1 ‘(1 2 3 4 5))</a:t>
+            </a:r>
+          </a:p>
+          <a:p>
+            <a:pPr marL="82296" indent="0">
+              <a:buNone/>
+            </a:pPr>
+            <a:r>
+              <a:rPr lang="en-US" altLang="ja-JP" dirty="0" smtClean="0"/>
+              <a:t>=&gt; 120</a:t>
             </a:r>
           </a:p>
         </p:txBody>
@@ -8931,7 +9075,7 @@
     </p:spTree>
     <p:extLst>
       <p:ext uri="{BB962C8B-B14F-4D97-AF65-F5344CB8AC3E}">
-        <p14:creationId xmlns:p14="http://schemas.microsoft.com/office/powerpoint/2010/main" val="751171923"/>
+        <p14:creationId xmlns:p14="http://schemas.microsoft.com/office/powerpoint/2010/main" val="1964440084"/>
       </p:ext>
     </p:extLst>
   </p:cSld>
@@ -8980,6 +9124,10 @@
           <a:bodyPr/>
           <a:lstStyle/>
           <a:p>
+            <a:r>
+              <a:rPr kumimoji="1" lang="ja-JP" altLang="en-US" dirty="0" smtClean="0"/>
+              <a:t>ハローワールド</a:t>
+            </a:r>
             <a:endParaRPr kumimoji="1" lang="ja-JP" altLang="en-US" dirty="0"/>
           </a:p>
         </p:txBody>
@@ -8996,8 +9144,8 @@
         </p:nvSpPr>
         <p:spPr>
           <a:xfrm>
-            <a:off x="899592" y="1447800"/>
-            <a:ext cx="8136904" cy="4069432"/>
+            <a:off x="1115616" y="1124744"/>
+            <a:ext cx="7818072" cy="5544616"/>
           </a:xfrm>
         </p:spPr>
         <p:txBody>
@@ -9006,33 +9154,103 @@
           </a:bodyPr>
           <a:lstStyle/>
           <a:p>
-            <a:pPr marL="82296" indent="0" algn="ctr">
-              <a:buNone/>
-            </a:pPr>
-            <a:endParaRPr kumimoji="1" lang="en-US" altLang="ja-JP" sz="4400" dirty="0" smtClean="0"/>
-          </a:p>
-          <a:p>
-            <a:pPr marL="82296" indent="0" algn="ctr">
-              <a:buNone/>
-            </a:pPr>
-            <a:endParaRPr kumimoji="1" lang="en-US" altLang="ja-JP" sz="4400" dirty="0" smtClean="0"/>
-          </a:p>
-          <a:p>
-            <a:pPr marL="82296" indent="0" algn="ctr">
-              <a:buNone/>
-            </a:pPr>
-            <a:r>
-              <a:rPr kumimoji="1" lang="ja-JP" altLang="en-US" sz="4400" dirty="0" smtClean="0"/>
-              <a:t>⑤再帰処理</a:t>
-            </a:r>
-            <a:endParaRPr kumimoji="1" lang="en-US" altLang="ja-JP" sz="4400" dirty="0" smtClean="0"/>
+            <a:pPr marL="82296" indent="0">
+              <a:buNone/>
+            </a:pPr>
+            <a:r>
+              <a:rPr lang="ja-JP" altLang="en-US" dirty="0" smtClean="0"/>
+              <a:t>・対話型の場合</a:t>
+            </a:r>
+            <a:endParaRPr lang="en-US" altLang="ja-JP" dirty="0" smtClean="0"/>
+          </a:p>
+          <a:p>
+            <a:pPr marL="82296" indent="0">
+              <a:buNone/>
+            </a:pPr>
+            <a:r>
+              <a:rPr lang="en-US" altLang="ja-JP" dirty="0" smtClean="0"/>
+              <a:t>(print “Hello, world.”)</a:t>
+            </a:r>
+          </a:p>
+          <a:p>
+            <a:pPr marL="82296" indent="0">
+              <a:buNone/>
+            </a:pPr>
+            <a:endParaRPr lang="en-US" altLang="ja-JP" dirty="0"/>
+          </a:p>
+          <a:p>
+            <a:pPr marL="82296" indent="0">
+              <a:buNone/>
+            </a:pPr>
+            <a:endParaRPr lang="en-US" altLang="ja-JP" dirty="0" smtClean="0"/>
+          </a:p>
+          <a:p>
+            <a:pPr marL="82296" indent="0">
+              <a:buNone/>
+            </a:pPr>
+            <a:r>
+              <a:rPr lang="ja-JP" altLang="en-US" smtClean="0"/>
+              <a:t>・ファイル呼び出しの場合</a:t>
+            </a:r>
+            <a:endParaRPr lang="en-US" altLang="ja-JP" dirty="0"/>
+          </a:p>
+          <a:p>
+            <a:pPr marL="82296" indent="0">
+              <a:buNone/>
+            </a:pPr>
+            <a:r>
+              <a:rPr lang="en-US" altLang="ja-JP" dirty="0" smtClean="0"/>
+              <a:t>(</a:t>
+            </a:r>
+            <a:r>
+              <a:rPr lang="en-US" altLang="ja-JP" dirty="0"/>
+              <a:t>define (main </a:t>
+            </a:r>
+            <a:r>
+              <a:rPr lang="en-US" altLang="ja-JP" dirty="0" err="1"/>
+              <a:t>args</a:t>
+            </a:r>
+            <a:r>
+              <a:rPr lang="en-US" altLang="ja-JP" dirty="0"/>
+              <a:t>)</a:t>
+            </a:r>
+          </a:p>
+          <a:p>
+            <a:pPr marL="82296" indent="0">
+              <a:buNone/>
+            </a:pPr>
+            <a:r>
+              <a:rPr lang="ja-JP" altLang="en-US" dirty="0" smtClean="0"/>
+              <a:t>  </a:t>
+            </a:r>
+            <a:r>
+              <a:rPr lang="en-US" altLang="ja-JP" dirty="0" smtClean="0"/>
+              <a:t>(</a:t>
+            </a:r>
+            <a:r>
+              <a:rPr lang="en-US" altLang="ja-JP" dirty="0"/>
+              <a:t>print "Hello, world.")</a:t>
+            </a:r>
+          </a:p>
+          <a:p>
+            <a:pPr marL="82296" indent="0">
+              <a:buNone/>
+            </a:pPr>
+            <a:r>
+              <a:rPr lang="en-US" altLang="ja-JP" dirty="0" smtClean="0"/>
+              <a:t>  0</a:t>
+            </a:r>
+            <a:r>
+              <a:rPr lang="en-US" altLang="ja-JP" dirty="0"/>
+              <a:t>)</a:t>
+            </a:r>
           </a:p>
         </p:txBody>
       </p:sp>
     </p:spTree>
     <p:extLst>
       <p:ext uri="{BB962C8B-B14F-4D97-AF65-F5344CB8AC3E}">
-        <p14:creationId xmlns:p14="http://schemas.microsoft.com/office/powerpoint/2010/main" val="125130579"/>
+        <p14:creationId xmlns:p14="http://schemas.microsoft.com/office/powerpoint/2010/main" val="751171923"/>
       </p:ext>
     </p:extLst>
   </p:cSld>
@@ -9083,7 +9301,7 @@
           <a:p>
             <a:r>
               <a:rPr kumimoji="1" lang="ja-JP" altLang="en-US" dirty="0" smtClean="0"/>
-              <a:t>ハローワールド</a:t>
+              <a:t>補足</a:t>
             </a:r>
             <a:endParaRPr kumimoji="1" lang="ja-JP" altLang="en-US" dirty="0"/>
           </a:p>
@@ -9116,7 +9334,7 @@
             </a:pPr>
             <a:r>
               <a:rPr lang="ja-JP" altLang="en-US" dirty="0" smtClean="0"/>
-              <a:t>・対話型の場合</a:t>
+              <a:t>・条件分岐</a:t>
             </a:r>
             <a:endParaRPr lang="en-US" altLang="ja-JP" dirty="0" smtClean="0"/>
           </a:p>
@@ -9126,8 +9344,33 @@
             </a:pPr>
             <a:r>
               <a:rPr lang="en-US" altLang="ja-JP" dirty="0" smtClean="0"/>
-              <a:t>(print “Hello, world.”)</a:t>
-            </a:r>
+              <a:t>(if &lt;</a:t>
+            </a:r>
+            <a:r>
+              <a:rPr lang="ja-JP" altLang="en-US" dirty="0" smtClean="0"/>
+              <a:t>条件</a:t>
+            </a:r>
+            <a:r>
+              <a:rPr lang="en-US" altLang="ja-JP" dirty="0" smtClean="0"/>
+              <a:t>&gt; &lt;</a:t>
+            </a:r>
+            <a:r>
+              <a:rPr lang="ja-JP" altLang="en-US" dirty="0" smtClean="0"/>
+              <a:t>真の処理</a:t>
+            </a:r>
+            <a:r>
+              <a:rPr lang="en-US" altLang="ja-JP" dirty="0" smtClean="0"/>
+              <a:t>&gt; &lt;</a:t>
+            </a:r>
+            <a:r>
+              <a:rPr lang="ja-JP" altLang="en-US" dirty="0" smtClean="0"/>
+              <a:t>偽の処理</a:t>
+            </a:r>
+            <a:r>
+              <a:rPr lang="en-US" altLang="ja-JP" dirty="0" smtClean="0"/>
+              <a:t>&gt;)</a:t>
+            </a:r>
+            <a:endParaRPr lang="en-US" altLang="ja-JP" dirty="0" smtClean="0"/>
           </a:p>
           <a:p>
             <a:pPr marL="82296" indent="0">
@@ -9146,8 +9389,60 @@
               <a:buNone/>
             </a:pPr>
             <a:r>
-              <a:rPr lang="ja-JP" altLang="en-US" smtClean="0"/>
-              <a:t>・ファイル呼び出しの場合</a:t>
+              <a:rPr lang="ja-JP" altLang="en-US" dirty="0" smtClean="0"/>
+              <a:t>・</a:t>
+            </a:r>
+            <a:r>
+              <a:rPr lang="en-US" altLang="ja-JP" dirty="0" smtClean="0"/>
+              <a:t>null</a:t>
+            </a:r>
+            <a:r>
+              <a:rPr lang="ja-JP" altLang="en-US" dirty="0" smtClean="0"/>
+              <a:t>チェック</a:t>
+            </a:r>
+            <a:endParaRPr lang="en-US" altLang="ja-JP" dirty="0" smtClean="0"/>
+          </a:p>
+          <a:p>
+            <a:pPr marL="82296" indent="0">
+              <a:buNone/>
+            </a:pPr>
+            <a:r>
+              <a:rPr lang="en-US" altLang="ja-JP" dirty="0" smtClean="0"/>
+              <a:t>(null? &lt;</a:t>
+            </a:r>
+            <a:r>
+              <a:rPr lang="ja-JP" altLang="en-US" dirty="0" smtClean="0"/>
+              <a:t>対象</a:t>
+            </a:r>
+            <a:r>
+              <a:rPr lang="en-US" altLang="ja-JP" dirty="0" smtClean="0"/>
+              <a:t>&gt;)</a:t>
+            </a:r>
+          </a:p>
+          <a:p>
+            <a:pPr marL="82296" indent="0">
+              <a:buNone/>
+            </a:pPr>
+            <a:r>
+              <a:rPr lang="ja-JP" altLang="en-US" dirty="0" smtClean="0"/>
+              <a:t>対象が空リストなら真 </a:t>
+            </a:r>
+            <a:r>
+              <a:rPr lang="en-US" altLang="ja-JP" dirty="0" smtClean="0"/>
+              <a:t>(#t)</a:t>
+            </a:r>
+          </a:p>
+          <a:p>
+            <a:pPr marL="82296" indent="0">
+              <a:buNone/>
+            </a:pPr>
+            <a:r>
+              <a:rPr lang="ja-JP" altLang="en-US" dirty="0" smtClean="0"/>
+              <a:t>空リストでないなら偽 </a:t>
+            </a:r>
+            <a:r>
+              <a:rPr lang="en-US" altLang="ja-JP" dirty="0" smtClean="0"/>
+              <a:t>(#f)</a:t>
             </a:r>
             <a:endParaRPr lang="en-US" altLang="ja-JP" dirty="0"/>
           </a:p>
@@ -9155,59 +9450,14 @@
             <a:pPr marL="82296" indent="0">
               <a:buNone/>
             </a:pPr>
-            <a:r>
-              <a:rPr lang="en-US" altLang="ja-JP" dirty="0" smtClean="0"/>
-              <a:t>(</a:t>
-            </a:r>
-            <a:r>
-              <a:rPr lang="en-US" altLang="ja-JP" dirty="0"/>
-              <a:t>define (main </a:t>
-            </a:r>
-            <a:r>
-              <a:rPr lang="en-US" altLang="ja-JP" dirty="0" err="1"/>
-              <a:t>args</a:t>
-            </a:r>
-            <a:r>
-              <a:rPr lang="en-US" altLang="ja-JP" dirty="0"/>
-              <a:t>)</a:t>
-            </a:r>
-          </a:p>
-          <a:p>
-            <a:pPr marL="82296" indent="0">
-              <a:buNone/>
-            </a:pPr>
-            <a:r>
-              <a:rPr lang="ja-JP" altLang="en-US" dirty="0" smtClean="0"/>
-              <a:t>  </a:t>
-            </a:r>
-            <a:r>
-              <a:rPr lang="en-US" altLang="ja-JP" dirty="0" smtClean="0"/>
-              <a:t>(</a:t>
-            </a:r>
-            <a:r>
-              <a:rPr lang="en-US" altLang="ja-JP" dirty="0"/>
-              <a:t>print "Hello, world.")</a:t>
-            </a:r>
-          </a:p>
-          <a:p>
-            <a:pPr marL="82296" indent="0">
-              <a:buNone/>
-            </a:pPr>
-            <a:r>
-              <a:rPr lang="en-US" altLang="ja-JP" dirty="0" smtClean="0"/>
-              <a:t>  0</a:t>
-            </a:r>
-            <a:r>
-              <a:rPr lang="en-US" altLang="ja-JP" dirty="0"/>
-              <a:t>)</a:t>
-            </a:r>
+            <a:endParaRPr lang="en-US" altLang="ja-JP" dirty="0"/>
           </a:p>
         </p:txBody>
       </p:sp>
     </p:spTree>
     <p:extLst>
       <p:ext uri="{BB962C8B-B14F-4D97-AF65-F5344CB8AC3E}">
-        <p14:creationId xmlns:p14="http://schemas.microsoft.com/office/powerpoint/2010/main" val="2647976719"/>
+        <p14:creationId xmlns:p14="http://schemas.microsoft.com/office/powerpoint/2010/main" val="2949194147"/>
       </p:ext>
     </p:extLst>
   </p:cSld>
@@ -9400,7 +9650,7 @@
             </a:pPr>
             <a:r>
               <a:rPr kumimoji="1" lang="ja-JP" altLang="en-US" sz="4400" dirty="0" smtClean="0"/>
-              <a:t>前回のおさらい</a:t>
+              <a:t>⑤再帰処理</a:t>
             </a:r>
             <a:endParaRPr kumimoji="1" lang="en-US" altLang="ja-JP" sz="4400" dirty="0" smtClean="0"/>
           </a:p>
@@ -9409,7 +9659,7 @@
     </p:spTree>
     <p:extLst>
       <p:ext uri="{BB962C8B-B14F-4D97-AF65-F5344CB8AC3E}">
-        <p14:creationId xmlns:p14="http://schemas.microsoft.com/office/powerpoint/2010/main" val="1923805304"/>
+        <p14:creationId xmlns:p14="http://schemas.microsoft.com/office/powerpoint/2010/main" val="125130579"/>
       </p:ext>
     </p:extLst>
   </p:cSld>
@@ -9459,6 +9709,702 @@
           <a:lstStyle/>
           <a:p>
             <a:r>
+              <a:rPr kumimoji="1" lang="en-US" altLang="ja-JP" dirty="0" smtClean="0"/>
+              <a:t>fold</a:t>
+            </a:r>
+            <a:r>
+              <a:rPr kumimoji="1" lang="ja-JP" altLang="en-US" dirty="0" smtClean="0"/>
+              <a:t>を自前で作ってみよう</a:t>
+            </a:r>
+            <a:endParaRPr kumimoji="1" lang="ja-JP" altLang="en-US" dirty="0"/>
+          </a:p>
+        </p:txBody>
+      </p:sp>
+      <p:sp>
+        <p:nvSpPr>
+          <p:cNvPr id="3" name="コンテンツ プレースホルダー 2"/>
+          <p:cNvSpPr>
+            <a:spLocks noGrp="1"/>
+          </p:cNvSpPr>
+          <p:nvPr>
+            <p:ph idx="1"/>
+          </p:nvPr>
+        </p:nvSpPr>
+        <p:spPr>
+          <a:xfrm>
+            <a:off x="1115616" y="1124744"/>
+            <a:ext cx="7818072" cy="5544616"/>
+          </a:xfrm>
+        </p:spPr>
+        <p:txBody>
+          <a:bodyPr>
+            <a:normAutofit/>
+          </a:bodyPr>
+          <a:lstStyle/>
+          <a:p>
+            <a:pPr marL="82296" indent="0">
+              <a:buNone/>
+            </a:pPr>
+            <a:r>
+              <a:rPr lang="en-US" altLang="ja-JP" u="sng" dirty="0"/>
+              <a:t>(fold &lt;</a:t>
+            </a:r>
+            <a:r>
+              <a:rPr lang="ja-JP" altLang="en-US" u="sng" dirty="0"/>
+              <a:t>手続き</a:t>
+            </a:r>
+            <a:r>
+              <a:rPr lang="en-US" altLang="ja-JP" u="sng" dirty="0"/>
+              <a:t>&gt; &lt;</a:t>
+            </a:r>
+            <a:r>
+              <a:rPr lang="ja-JP" altLang="en-US" u="sng" dirty="0"/>
+              <a:t>初期値</a:t>
+            </a:r>
+            <a:r>
+              <a:rPr lang="en-US" altLang="ja-JP" u="sng" dirty="0"/>
+              <a:t>&gt; &lt;</a:t>
+            </a:r>
+            <a:r>
+              <a:rPr lang="ja-JP" altLang="en-US" u="sng" dirty="0"/>
+              <a:t>リスト</a:t>
+            </a:r>
+            <a:r>
+              <a:rPr lang="en-US" altLang="ja-JP" u="sng" dirty="0"/>
+              <a:t>&gt;)</a:t>
+            </a:r>
+            <a:endParaRPr lang="en-US" altLang="ja-JP" u="sng" dirty="0"/>
+          </a:p>
+          <a:p>
+            <a:pPr marL="82296" indent="0">
+              <a:buNone/>
+            </a:pPr>
+            <a:endParaRPr lang="en-US" altLang="ja-JP" dirty="0" smtClean="0"/>
+          </a:p>
+          <a:p>
+            <a:pPr marL="82296" indent="0">
+              <a:buNone/>
+            </a:pPr>
+            <a:r>
+              <a:rPr lang="en-US" altLang="ja-JP" dirty="0" smtClean="0"/>
+              <a:t>(define (fold proc </a:t>
+            </a:r>
+            <a:r>
+              <a:rPr lang="en-US" altLang="ja-JP" dirty="0" err="1" smtClean="0"/>
+              <a:t>init</a:t>
+            </a:r>
+            <a:r>
+              <a:rPr lang="en-US" altLang="ja-JP" dirty="0" smtClean="0"/>
+              <a:t> </a:t>
+            </a:r>
+            <a:r>
+              <a:rPr lang="en-US" altLang="ja-JP" dirty="0" err="1" smtClean="0"/>
+              <a:t>lis</a:t>
+            </a:r>
+            <a:r>
+              <a:rPr lang="en-US" altLang="ja-JP" dirty="0" smtClean="0"/>
+              <a:t>) &lt;</a:t>
+            </a:r>
+            <a:r>
+              <a:rPr lang="ja-JP" altLang="en-US" dirty="0" smtClean="0"/>
+              <a:t>式</a:t>
+            </a:r>
+            <a:r>
+              <a:rPr lang="en-US" altLang="ja-JP" dirty="0" smtClean="0"/>
+              <a:t>&gt;)</a:t>
+            </a:r>
+            <a:endParaRPr lang="en-US" altLang="ja-JP" dirty="0"/>
+          </a:p>
+        </p:txBody>
+      </p:sp>
+    </p:spTree>
+    <p:extLst>
+      <p:ext uri="{BB962C8B-B14F-4D97-AF65-F5344CB8AC3E}">
+        <p14:creationId xmlns:p14="http://schemas.microsoft.com/office/powerpoint/2010/main" val="2647976719"/>
+      </p:ext>
+    </p:extLst>
+  </p:cSld>
+  <p:clrMapOvr>
+    <a:masterClrMapping/>
+  </p:clrMapOvr>
+  <p:timing>
+    <p:tnLst>
+      <p:par>
+        <p:cTn id="1" dur="indefinite" restart="never" nodeType="tmRoot"/>
+      </p:par>
+    </p:tnLst>
+  </p:timing>
+</p:sld>
+</file>
+
+<file path=ppt/slides/slide32.xml><?xml version="1.0" encoding="utf-8"?>
+<p:sld xmlns:a="http://schemas.openxmlformats.org/drawingml/2006/main" xmlns:r="http://schemas.openxmlformats.org/officeDocument/2006/relationships" xmlns:p="http://schemas.openxmlformats.org/presentationml/2006/main">
+  <p:cSld>
+    <p:spTree>
+      <p:nvGrpSpPr>
+        <p:cNvPr id="1" name=""/>
+        <p:cNvGrpSpPr/>
+        <p:nvPr/>
+      </p:nvGrpSpPr>
+      <p:grpSpPr>
+        <a:xfrm>
+          <a:off x="0" y="0"/>
+          <a:ext cx="0" cy="0"/>
+          <a:chOff x="0" y="0"/>
+          <a:chExt cx="0" cy="0"/>
+        </a:xfrm>
+      </p:grpSpPr>
+      <p:sp>
+        <p:nvSpPr>
+          <p:cNvPr id="2" name="タイトル 1"/>
+          <p:cNvSpPr>
+            <a:spLocks noGrp="1"/>
+          </p:cNvSpPr>
+          <p:nvPr>
+            <p:ph type="title"/>
+          </p:nvPr>
+        </p:nvSpPr>
+        <p:spPr/>
+        <p:txBody>
+          <a:bodyPr/>
+          <a:lstStyle/>
+          <a:p>
+            <a:r>
+              <a:rPr kumimoji="1" lang="en-US" altLang="ja-JP" dirty="0" smtClean="0"/>
+              <a:t>fold</a:t>
+            </a:r>
+            <a:r>
+              <a:rPr kumimoji="1" lang="ja-JP" altLang="en-US" dirty="0" smtClean="0"/>
+              <a:t>を自前で作ってみよう</a:t>
+            </a:r>
+            <a:endParaRPr kumimoji="1" lang="ja-JP" altLang="en-US" dirty="0"/>
+          </a:p>
+        </p:txBody>
+      </p:sp>
+      <p:sp>
+        <p:nvSpPr>
+          <p:cNvPr id="3" name="コンテンツ プレースホルダー 2"/>
+          <p:cNvSpPr>
+            <a:spLocks noGrp="1"/>
+          </p:cNvSpPr>
+          <p:nvPr>
+            <p:ph idx="1"/>
+          </p:nvPr>
+        </p:nvSpPr>
+        <p:spPr>
+          <a:xfrm>
+            <a:off x="1115616" y="1124744"/>
+            <a:ext cx="7818072" cy="5544616"/>
+          </a:xfrm>
+        </p:spPr>
+        <p:txBody>
+          <a:bodyPr>
+            <a:normAutofit/>
+          </a:bodyPr>
+          <a:lstStyle/>
+          <a:p>
+            <a:pPr marL="82296" indent="0">
+              <a:buNone/>
+            </a:pPr>
+            <a:r>
+              <a:rPr lang="en-US" altLang="ja-JP" u="sng" dirty="0"/>
+              <a:t>(fold &lt;</a:t>
+            </a:r>
+            <a:r>
+              <a:rPr lang="ja-JP" altLang="en-US" u="sng" dirty="0"/>
+              <a:t>手続き</a:t>
+            </a:r>
+            <a:r>
+              <a:rPr lang="en-US" altLang="ja-JP" u="sng" dirty="0"/>
+              <a:t>&gt; &lt;</a:t>
+            </a:r>
+            <a:r>
+              <a:rPr lang="ja-JP" altLang="en-US" u="sng" dirty="0"/>
+              <a:t>初期値</a:t>
+            </a:r>
+            <a:r>
+              <a:rPr lang="en-US" altLang="ja-JP" u="sng" dirty="0"/>
+              <a:t>&gt; &lt;</a:t>
+            </a:r>
+            <a:r>
+              <a:rPr lang="ja-JP" altLang="en-US" u="sng" dirty="0"/>
+              <a:t>リスト</a:t>
+            </a:r>
+            <a:r>
+              <a:rPr lang="en-US" altLang="ja-JP" u="sng" dirty="0"/>
+              <a:t>&gt;)</a:t>
+            </a:r>
+            <a:endParaRPr lang="en-US" altLang="ja-JP" u="sng" dirty="0"/>
+          </a:p>
+          <a:p>
+            <a:pPr marL="82296" indent="0">
+              <a:buNone/>
+            </a:pPr>
+            <a:endParaRPr lang="en-US" altLang="ja-JP" dirty="0" smtClean="0"/>
+          </a:p>
+          <a:p>
+            <a:pPr marL="82296" indent="0">
+              <a:buNone/>
+            </a:pPr>
+            <a:r>
+              <a:rPr lang="en-US" altLang="ja-JP" dirty="0" smtClean="0"/>
+              <a:t>(define (fold proc </a:t>
+            </a:r>
+            <a:r>
+              <a:rPr lang="en-US" altLang="ja-JP" dirty="0" err="1" smtClean="0"/>
+              <a:t>init</a:t>
+            </a:r>
+            <a:r>
+              <a:rPr lang="en-US" altLang="ja-JP" dirty="0" smtClean="0"/>
+              <a:t> </a:t>
+            </a:r>
+            <a:r>
+              <a:rPr lang="en-US" altLang="ja-JP" dirty="0" err="1" smtClean="0"/>
+              <a:t>lis</a:t>
+            </a:r>
+            <a:r>
+              <a:rPr lang="en-US" altLang="ja-JP" dirty="0" smtClean="0"/>
+              <a:t>) </a:t>
+            </a:r>
+          </a:p>
+          <a:p>
+            <a:pPr marL="82296" indent="0">
+              <a:buNone/>
+            </a:pPr>
+            <a:r>
+              <a:rPr lang="en-US" altLang="ja-JP" dirty="0" smtClean="0"/>
+              <a:t>  </a:t>
+            </a:r>
+            <a:r>
+              <a:rPr lang="en-US" altLang="ja-JP" b="1" dirty="0" smtClean="0"/>
+              <a:t>(if (null? Lis)</a:t>
+            </a:r>
+          </a:p>
+          <a:p>
+            <a:pPr marL="82296" indent="0">
+              <a:buNone/>
+            </a:pPr>
+            <a:r>
+              <a:rPr lang="en-US" altLang="ja-JP" b="1" dirty="0"/>
+              <a:t> </a:t>
+            </a:r>
+            <a:r>
+              <a:rPr lang="en-US" altLang="ja-JP" b="1" dirty="0" smtClean="0"/>
+              <a:t>   </a:t>
+            </a:r>
+            <a:r>
+              <a:rPr lang="en-US" altLang="ja-JP" b="1" dirty="0" err="1" smtClean="0"/>
+              <a:t>init</a:t>
+            </a:r>
+            <a:endParaRPr lang="en-US" altLang="ja-JP" b="1" dirty="0" smtClean="0"/>
+          </a:p>
+          <a:p>
+            <a:pPr marL="82296" indent="0">
+              <a:buNone/>
+            </a:pPr>
+            <a:r>
+              <a:rPr lang="en-US" altLang="ja-JP" dirty="0"/>
+              <a:t> </a:t>
+            </a:r>
+            <a:r>
+              <a:rPr lang="en-US" altLang="ja-JP" dirty="0" smtClean="0"/>
+              <a:t>   ?????))</a:t>
+            </a:r>
+            <a:endParaRPr lang="en-US" altLang="ja-JP" dirty="0"/>
+          </a:p>
+        </p:txBody>
+      </p:sp>
+      <p:sp>
+        <p:nvSpPr>
+          <p:cNvPr id="5" name="角丸四角形 4"/>
+          <p:cNvSpPr/>
+          <p:nvPr/>
+        </p:nvSpPr>
+        <p:spPr>
+          <a:xfrm>
+            <a:off x="1115616" y="4725144"/>
+            <a:ext cx="6696744" cy="1440160"/>
+          </a:xfrm>
+          <a:prstGeom prst="roundRect">
+            <a:avLst/>
+          </a:prstGeom>
+        </p:spPr>
+        <p:style>
+          <a:lnRef idx="2">
+            <a:schemeClr val="accent1">
+              <a:shade val="50000"/>
+            </a:schemeClr>
+          </a:lnRef>
+          <a:fillRef idx="1">
+            <a:schemeClr val="accent1"/>
+          </a:fillRef>
+          <a:effectRef idx="0">
+            <a:schemeClr val="accent1"/>
+          </a:effectRef>
+          <a:fontRef idx="minor">
+            <a:schemeClr val="lt1"/>
+          </a:fontRef>
+        </p:style>
+        <p:txBody>
+          <a:bodyPr rtlCol="0" anchor="ctr"/>
+          <a:lstStyle/>
+          <a:p>
+            <a:pPr algn="ctr"/>
+            <a:r>
+              <a:rPr lang="ja-JP" altLang="en-US" sz="3200" dirty="0" smtClean="0"/>
+              <a:t>まず、 </a:t>
+            </a:r>
+            <a:r>
+              <a:rPr lang="en-US" altLang="ja-JP" sz="3200" dirty="0" err="1" smtClean="0"/>
+              <a:t>lis</a:t>
+            </a:r>
+            <a:r>
+              <a:rPr lang="en-US" altLang="ja-JP" sz="3200" dirty="0" smtClean="0"/>
+              <a:t> </a:t>
+            </a:r>
+            <a:r>
+              <a:rPr lang="ja-JP" altLang="en-US" sz="3200" dirty="0"/>
+              <a:t>が空リストで</a:t>
+            </a:r>
+            <a:r>
+              <a:rPr lang="ja-JP" altLang="en-US" sz="3200" dirty="0" smtClean="0"/>
+              <a:t>あれば</a:t>
+            </a:r>
+            <a:endParaRPr lang="en-US" altLang="ja-JP" sz="3200" dirty="0" smtClean="0"/>
+          </a:p>
+          <a:p>
+            <a:pPr algn="ctr"/>
+            <a:r>
+              <a:rPr lang="ja-JP" altLang="en-US" sz="3200" dirty="0" smtClean="0"/>
+              <a:t>初期値</a:t>
+            </a:r>
+            <a:r>
+              <a:rPr lang="ja-JP" altLang="en-US" sz="3200" dirty="0"/>
+              <a:t>をそのまま返せば</a:t>
+            </a:r>
+            <a:r>
+              <a:rPr lang="ja-JP" altLang="en-US" sz="3200" dirty="0" smtClean="0"/>
+              <a:t>良い</a:t>
+            </a:r>
+            <a:endParaRPr kumimoji="1" lang="ja-JP" altLang="en-US" sz="3200" dirty="0"/>
+          </a:p>
+        </p:txBody>
+      </p:sp>
+    </p:spTree>
+    <p:extLst>
+      <p:ext uri="{BB962C8B-B14F-4D97-AF65-F5344CB8AC3E}">
+        <p14:creationId xmlns:p14="http://schemas.microsoft.com/office/powerpoint/2010/main" val="4138256573"/>
+      </p:ext>
+    </p:extLst>
+  </p:cSld>
+  <p:clrMapOvr>
+    <a:masterClrMapping/>
+  </p:clrMapOvr>
+  <p:timing>
+    <p:tnLst>
+      <p:par>
+        <p:cTn id="1" dur="indefinite" restart="never" nodeType="tmRoot"/>
+      </p:par>
+    </p:tnLst>
+  </p:timing>
+</p:sld>
+</file>
+
+<file path=ppt/slides/slide33.xml><?xml version="1.0" encoding="utf-8"?>
+<p:sld xmlns:a="http://schemas.openxmlformats.org/drawingml/2006/main" xmlns:r="http://schemas.openxmlformats.org/officeDocument/2006/relationships" xmlns:p="http://schemas.openxmlformats.org/presentationml/2006/main">
+  <p:cSld>
+    <p:spTree>
+      <p:nvGrpSpPr>
+        <p:cNvPr id="1" name=""/>
+        <p:cNvGrpSpPr/>
+        <p:nvPr/>
+      </p:nvGrpSpPr>
+      <p:grpSpPr>
+        <a:xfrm>
+          <a:off x="0" y="0"/>
+          <a:ext cx="0" cy="0"/>
+          <a:chOff x="0" y="0"/>
+          <a:chExt cx="0" cy="0"/>
+        </a:xfrm>
+      </p:grpSpPr>
+      <p:sp>
+        <p:nvSpPr>
+          <p:cNvPr id="2" name="タイトル 1"/>
+          <p:cNvSpPr>
+            <a:spLocks noGrp="1"/>
+          </p:cNvSpPr>
+          <p:nvPr>
+            <p:ph type="title"/>
+          </p:nvPr>
+        </p:nvSpPr>
+        <p:spPr/>
+        <p:txBody>
+          <a:bodyPr/>
+          <a:lstStyle/>
+          <a:p>
+            <a:r>
+              <a:rPr kumimoji="1" lang="en-US" altLang="ja-JP" dirty="0" smtClean="0"/>
+              <a:t>fold</a:t>
+            </a:r>
+            <a:r>
+              <a:rPr kumimoji="1" lang="ja-JP" altLang="en-US" dirty="0" smtClean="0"/>
+              <a:t>を自前で作ってみよう</a:t>
+            </a:r>
+            <a:endParaRPr kumimoji="1" lang="ja-JP" altLang="en-US" dirty="0"/>
+          </a:p>
+        </p:txBody>
+      </p:sp>
+      <p:sp>
+        <p:nvSpPr>
+          <p:cNvPr id="3" name="コンテンツ プレースホルダー 2"/>
+          <p:cNvSpPr>
+            <a:spLocks noGrp="1"/>
+          </p:cNvSpPr>
+          <p:nvPr>
+            <p:ph idx="1"/>
+          </p:nvPr>
+        </p:nvSpPr>
+        <p:spPr>
+          <a:xfrm>
+            <a:off x="1115616" y="1124744"/>
+            <a:ext cx="7818072" cy="5544616"/>
+          </a:xfrm>
+        </p:spPr>
+        <p:txBody>
+          <a:bodyPr>
+            <a:normAutofit/>
+          </a:bodyPr>
+          <a:lstStyle/>
+          <a:p>
+            <a:pPr marL="82296" indent="0">
+              <a:buNone/>
+            </a:pPr>
+            <a:r>
+              <a:rPr lang="en-US" altLang="ja-JP" u="sng" dirty="0"/>
+              <a:t>(fold &lt;</a:t>
+            </a:r>
+            <a:r>
+              <a:rPr lang="ja-JP" altLang="en-US" u="sng" dirty="0"/>
+              <a:t>手続き</a:t>
+            </a:r>
+            <a:r>
+              <a:rPr lang="en-US" altLang="ja-JP" u="sng" dirty="0"/>
+              <a:t>&gt; &lt;</a:t>
+            </a:r>
+            <a:r>
+              <a:rPr lang="ja-JP" altLang="en-US" u="sng" dirty="0"/>
+              <a:t>初期値</a:t>
+            </a:r>
+            <a:r>
+              <a:rPr lang="en-US" altLang="ja-JP" u="sng" dirty="0"/>
+              <a:t>&gt; &lt;</a:t>
+            </a:r>
+            <a:r>
+              <a:rPr lang="ja-JP" altLang="en-US" u="sng" dirty="0"/>
+              <a:t>リスト</a:t>
+            </a:r>
+            <a:r>
+              <a:rPr lang="en-US" altLang="ja-JP" u="sng" dirty="0"/>
+              <a:t>&gt;)</a:t>
+            </a:r>
+            <a:endParaRPr lang="en-US" altLang="ja-JP" u="sng" dirty="0"/>
+          </a:p>
+          <a:p>
+            <a:pPr marL="82296" indent="0">
+              <a:buNone/>
+            </a:pPr>
+            <a:endParaRPr lang="en-US" altLang="ja-JP" dirty="0" smtClean="0"/>
+          </a:p>
+          <a:p>
+            <a:pPr marL="82296" indent="0">
+              <a:buNone/>
+            </a:pPr>
+            <a:r>
+              <a:rPr lang="en-US" altLang="ja-JP" dirty="0" smtClean="0"/>
+              <a:t>(define (fold proc </a:t>
+            </a:r>
+            <a:r>
+              <a:rPr lang="en-US" altLang="ja-JP" dirty="0" err="1" smtClean="0"/>
+              <a:t>init</a:t>
+            </a:r>
+            <a:r>
+              <a:rPr lang="en-US" altLang="ja-JP" dirty="0" smtClean="0"/>
+              <a:t> </a:t>
+            </a:r>
+            <a:r>
+              <a:rPr lang="en-US" altLang="ja-JP" dirty="0" err="1" smtClean="0"/>
+              <a:t>lis</a:t>
+            </a:r>
+            <a:r>
+              <a:rPr lang="en-US" altLang="ja-JP" dirty="0" smtClean="0"/>
+              <a:t>) &lt;</a:t>
+            </a:r>
+            <a:r>
+              <a:rPr lang="ja-JP" altLang="en-US" dirty="0" smtClean="0"/>
+              <a:t>式</a:t>
+            </a:r>
+            <a:r>
+              <a:rPr lang="en-US" altLang="ja-JP" dirty="0" smtClean="0"/>
+              <a:t>&gt;)</a:t>
+            </a:r>
+            <a:endParaRPr lang="en-US" altLang="ja-JP" dirty="0"/>
+          </a:p>
+        </p:txBody>
+      </p:sp>
+    </p:spTree>
+    <p:extLst>
+      <p:ext uri="{BB962C8B-B14F-4D97-AF65-F5344CB8AC3E}">
+        <p14:creationId xmlns:p14="http://schemas.microsoft.com/office/powerpoint/2010/main" val="320661236"/>
+      </p:ext>
+    </p:extLst>
+  </p:cSld>
+  <p:clrMapOvr>
+    <a:masterClrMapping/>
+  </p:clrMapOvr>
+  <p:timing>
+    <p:tnLst>
+      <p:par>
+        <p:cTn id="1" dur="indefinite" restart="never" nodeType="tmRoot"/>
+      </p:par>
+    </p:tnLst>
+  </p:timing>
+</p:sld>
+</file>
+
+<file path=ppt/slides/slide34.xml><?xml version="1.0" encoding="utf-8"?>
+<p:sld xmlns:a="http://schemas.openxmlformats.org/drawingml/2006/main" xmlns:r="http://schemas.openxmlformats.org/officeDocument/2006/relationships" xmlns:p="http://schemas.openxmlformats.org/presentationml/2006/main">
+  <p:cSld>
+    <p:spTree>
+      <p:nvGrpSpPr>
+        <p:cNvPr id="1" name=""/>
+        <p:cNvGrpSpPr/>
+        <p:nvPr/>
+      </p:nvGrpSpPr>
+      <p:grpSpPr>
+        <a:xfrm>
+          <a:off x="0" y="0"/>
+          <a:ext cx="0" cy="0"/>
+          <a:chOff x="0" y="0"/>
+          <a:chExt cx="0" cy="0"/>
+        </a:xfrm>
+      </p:grpSpPr>
+      <p:sp>
+        <p:nvSpPr>
+          <p:cNvPr id="2" name="タイトル 1"/>
+          <p:cNvSpPr>
+            <a:spLocks noGrp="1"/>
+          </p:cNvSpPr>
+          <p:nvPr>
+            <p:ph type="title"/>
+          </p:nvPr>
+        </p:nvSpPr>
+        <p:spPr/>
+        <p:txBody>
+          <a:bodyPr/>
+          <a:lstStyle/>
+          <a:p>
+            <a:endParaRPr kumimoji="1" lang="ja-JP" altLang="en-US" dirty="0"/>
+          </a:p>
+        </p:txBody>
+      </p:sp>
+      <p:sp>
+        <p:nvSpPr>
+          <p:cNvPr id="3" name="コンテンツ プレースホルダー 2"/>
+          <p:cNvSpPr>
+            <a:spLocks noGrp="1"/>
+          </p:cNvSpPr>
+          <p:nvPr>
+            <p:ph idx="1"/>
+          </p:nvPr>
+        </p:nvSpPr>
+        <p:spPr>
+          <a:xfrm>
+            <a:off x="899592" y="1447800"/>
+            <a:ext cx="8136904" cy="4069432"/>
+          </a:xfrm>
+        </p:spPr>
+        <p:txBody>
+          <a:bodyPr>
+            <a:normAutofit/>
+          </a:bodyPr>
+          <a:lstStyle/>
+          <a:p>
+            <a:pPr marL="82296" indent="0" algn="ctr">
+              <a:buNone/>
+            </a:pPr>
+            <a:endParaRPr kumimoji="1" lang="en-US" altLang="ja-JP" sz="4400" dirty="0" smtClean="0"/>
+          </a:p>
+          <a:p>
+            <a:pPr marL="82296" indent="0" algn="ctr">
+              <a:buNone/>
+            </a:pPr>
+            <a:endParaRPr kumimoji="1" lang="en-US" altLang="ja-JP" sz="4400" dirty="0" smtClean="0"/>
+          </a:p>
+          <a:p>
+            <a:pPr marL="82296" indent="0" algn="ctr">
+              <a:buNone/>
+            </a:pPr>
+            <a:r>
+              <a:rPr kumimoji="1" lang="ja-JP" altLang="en-US" sz="4400" dirty="0" smtClean="0"/>
+              <a:t>前回のおさらい</a:t>
+            </a:r>
+            <a:endParaRPr kumimoji="1" lang="en-US" altLang="ja-JP" sz="4400" dirty="0" smtClean="0"/>
+          </a:p>
+        </p:txBody>
+      </p:sp>
+    </p:spTree>
+    <p:extLst>
+      <p:ext uri="{BB962C8B-B14F-4D97-AF65-F5344CB8AC3E}">
+        <p14:creationId xmlns:p14="http://schemas.microsoft.com/office/powerpoint/2010/main" val="1923805304"/>
+      </p:ext>
+    </p:extLst>
+  </p:cSld>
+  <p:clrMapOvr>
+    <a:masterClrMapping/>
+  </p:clrMapOvr>
+  <p:timing>
+    <p:tnLst>
+      <p:par>
+        <p:cTn id="1" dur="indefinite" restart="never" nodeType="tmRoot"/>
+      </p:par>
+    </p:tnLst>
+  </p:timing>
+</p:sld>
+</file>
+
+<file path=ppt/slides/slide35.xml><?xml version="1.0" encoding="utf-8"?>
+<p:sld xmlns:a="http://schemas.openxmlformats.org/drawingml/2006/main" xmlns:r="http://schemas.openxmlformats.org/officeDocument/2006/relationships" xmlns:p="http://schemas.openxmlformats.org/presentationml/2006/main">
+  <p:cSld>
+    <p:spTree>
+      <p:nvGrpSpPr>
+        <p:cNvPr id="1" name=""/>
+        <p:cNvGrpSpPr/>
+        <p:nvPr/>
+      </p:nvGrpSpPr>
+      <p:grpSpPr>
+        <a:xfrm>
+          <a:off x="0" y="0"/>
+          <a:ext cx="0" cy="0"/>
+          <a:chOff x="0" y="0"/>
+          <a:chExt cx="0" cy="0"/>
+        </a:xfrm>
+      </p:grpSpPr>
+      <p:sp>
+        <p:nvSpPr>
+          <p:cNvPr id="2" name="タイトル 1"/>
+          <p:cNvSpPr>
+            <a:spLocks noGrp="1"/>
+          </p:cNvSpPr>
+          <p:nvPr>
+            <p:ph type="title"/>
+          </p:nvPr>
+        </p:nvSpPr>
+        <p:spPr/>
+        <p:txBody>
+          <a:bodyPr/>
+          <a:lstStyle/>
+          <a:p>
+            <a:r>
               <a:rPr kumimoji="1" lang="ja-JP" altLang="en-US" dirty="0" smtClean="0"/>
               <a:t>余談</a:t>
             </a:r>
@@ -9517,7 +10463,7 @@
 </p:sld>
 </file>
 
-<file path=ppt/slides/slide32.xml><?xml version="1.0" encoding="utf-8"?>
+<file path=ppt/slides/slide36.xml><?xml version="1.0" encoding="utf-8"?>
 <p:sld xmlns:a="http://schemas.openxmlformats.org/drawingml/2006/main" xmlns:r="http://schemas.openxmlformats.org/officeDocument/2006/relationships" xmlns:p="http://schemas.openxmlformats.org/presentationml/2006/main">
   <p:cSld>
     <p:spTree>

--- a/scheme.pptx
+++ b/scheme.pptx
@@ -37,10 +37,12 @@
     <p:sldId id="322" r:id="rId31"/>
     <p:sldId id="350" r:id="rId32"/>
     <p:sldId id="353" r:id="rId33"/>
-    <p:sldId id="354" r:id="rId34"/>
-    <p:sldId id="349" r:id="rId35"/>
-    <p:sldId id="328" r:id="rId36"/>
-    <p:sldId id="276" r:id="rId37"/>
+    <p:sldId id="356" r:id="rId34"/>
+    <p:sldId id="357" r:id="rId35"/>
+    <p:sldId id="349" r:id="rId36"/>
+    <p:sldId id="358" r:id="rId37"/>
+    <p:sldId id="359" r:id="rId38"/>
+    <p:sldId id="276" r:id="rId39"/>
   </p:sldIdLst>
   <p:sldSz cx="9144000" cy="6858000" type="screen4x3"/>
   <p:notesSz cx="6858000" cy="9144000"/>
@@ -141,7 +143,7 @@
   </p:defaultTextStyle>
   <p:extLst>
     <p:ext uri="{EFAFB233-063F-42B5-8137-9DF3F51BA10A}">
-      <p15:sldGuideLst xmlns:p15="http://schemas.microsoft.com/office/powerpoint/2012/main">
+      <p15:sldGuideLst xmlns:p15="http://schemas.microsoft.com/office/powerpoint/2012/main" xmlns="">
         <p15:guide id="1" orient="horz" pos="2160">
           <p15:clr>
             <a:srgbClr val="A4A3A4"/>
@@ -9370,7 +9372,6 @@
               <a:rPr lang="en-US" altLang="ja-JP" dirty="0" smtClean="0"/>
               <a:t>&gt;)</a:t>
             </a:r>
-            <a:endParaRPr lang="en-US" altLang="ja-JP" dirty="0" smtClean="0"/>
           </a:p>
           <a:p>
             <a:pPr marL="82296" indent="0">
@@ -9773,7 +9774,6 @@
               <a:rPr lang="en-US" altLang="ja-JP" u="sng" dirty="0"/>
               <a:t>&gt;)</a:t>
             </a:r>
-            <a:endParaRPr lang="en-US" altLang="ja-JP" u="sng" dirty="0"/>
           </a:p>
           <a:p>
             <a:pPr marL="82296" indent="0">
@@ -9786,34 +9786,34 @@
               <a:buNone/>
             </a:pPr>
             <a:r>
-              <a:rPr lang="en-US" altLang="ja-JP" dirty="0" smtClean="0"/>
+              <a:rPr lang="en-US" altLang="ja-JP" sz="2800" dirty="0" smtClean="0"/>
               <a:t>(define (fold proc </a:t>
             </a:r>
             <a:r>
-              <a:rPr lang="en-US" altLang="ja-JP" dirty="0" err="1" smtClean="0"/>
+              <a:rPr lang="en-US" altLang="ja-JP" sz="2800" dirty="0" err="1" smtClean="0"/>
               <a:t>init</a:t>
             </a:r>
             <a:r>
-              <a:rPr lang="en-US" altLang="ja-JP" dirty="0" smtClean="0"/>
+              <a:rPr lang="en-US" altLang="ja-JP" sz="2800" dirty="0" smtClean="0"/>
               <a:t> </a:t>
             </a:r>
             <a:r>
-              <a:rPr lang="en-US" altLang="ja-JP" dirty="0" err="1" smtClean="0"/>
+              <a:rPr lang="en-US" altLang="ja-JP" sz="2800" dirty="0" err="1" smtClean="0"/>
               <a:t>lis</a:t>
             </a:r>
             <a:r>
-              <a:rPr lang="en-US" altLang="ja-JP" dirty="0" smtClean="0"/>
+              <a:rPr lang="en-US" altLang="ja-JP" sz="2800" dirty="0" smtClean="0"/>
               <a:t>) &lt;</a:t>
             </a:r>
             <a:r>
-              <a:rPr lang="ja-JP" altLang="en-US" dirty="0" smtClean="0"/>
+              <a:rPr lang="ja-JP" altLang="en-US" sz="2800" dirty="0" smtClean="0"/>
               <a:t>式</a:t>
             </a:r>
             <a:r>
-              <a:rPr lang="en-US" altLang="ja-JP" dirty="0" smtClean="0"/>
+              <a:rPr lang="en-US" altLang="ja-JP" sz="2800" dirty="0" smtClean="0"/>
               <a:t>&gt;)</a:t>
             </a:r>
-            <a:endParaRPr lang="en-US" altLang="ja-JP" dirty="0"/>
+            <a:endParaRPr lang="en-US" altLang="ja-JP" sz="2800" dirty="0"/>
           </a:p>
         </p:txBody>
       </p:sp>
@@ -9934,7 +9934,6 @@
               <a:rPr lang="en-US" altLang="ja-JP" u="sng" dirty="0"/>
               <a:t>&gt;)</a:t>
             </a:r>
-            <a:endParaRPr lang="en-US" altLang="ja-JP" u="sng" dirty="0"/>
           </a:p>
           <a:p>
             <a:pPr marL="82296" indent="0">
@@ -9947,23 +9946,23 @@
               <a:buNone/>
             </a:pPr>
             <a:r>
-              <a:rPr lang="en-US" altLang="ja-JP" dirty="0" smtClean="0"/>
+              <a:rPr lang="en-US" altLang="ja-JP" sz="2800" dirty="0" smtClean="0"/>
               <a:t>(define (fold proc </a:t>
             </a:r>
             <a:r>
-              <a:rPr lang="en-US" altLang="ja-JP" dirty="0" err="1" smtClean="0"/>
+              <a:rPr lang="en-US" altLang="ja-JP" sz="2800" dirty="0" err="1" smtClean="0"/>
               <a:t>init</a:t>
             </a:r>
             <a:r>
-              <a:rPr lang="en-US" altLang="ja-JP" dirty="0" smtClean="0"/>
+              <a:rPr lang="en-US" altLang="ja-JP" sz="2800" dirty="0" smtClean="0"/>
               <a:t> </a:t>
             </a:r>
             <a:r>
-              <a:rPr lang="en-US" altLang="ja-JP" dirty="0" err="1" smtClean="0"/>
+              <a:rPr lang="en-US" altLang="ja-JP" sz="2800" dirty="0" err="1" smtClean="0"/>
               <a:t>lis</a:t>
             </a:r>
             <a:r>
-              <a:rPr lang="en-US" altLang="ja-JP" dirty="0" smtClean="0"/>
+              <a:rPr lang="en-US" altLang="ja-JP" sz="2800" dirty="0" smtClean="0"/>
               <a:t>) </a:t>
             </a:r>
           </a:p>
@@ -9972,45 +9971,53 @@
               <a:buNone/>
             </a:pPr>
             <a:r>
-              <a:rPr lang="en-US" altLang="ja-JP" dirty="0" smtClean="0"/>
+              <a:rPr lang="en-US" altLang="ja-JP" sz="2800" dirty="0" smtClean="0"/>
               <a:t>  </a:t>
             </a:r>
             <a:r>
-              <a:rPr lang="en-US" altLang="ja-JP" b="1" dirty="0" smtClean="0"/>
-              <a:t>(if (null? Lis)</a:t>
-            </a:r>
-          </a:p>
-          <a:p>
-            <a:pPr marL="82296" indent="0">
-              <a:buNone/>
-            </a:pPr>
-            <a:r>
-              <a:rPr lang="en-US" altLang="ja-JP" b="1" dirty="0"/>
+              <a:rPr lang="en-US" altLang="ja-JP" sz="2800" b="1" dirty="0" smtClean="0"/>
+              <a:t>(if (null? </a:t>
+            </a:r>
+            <a:r>
+              <a:rPr lang="en-US" altLang="ja-JP" sz="2800" b="1" dirty="0" err="1" smtClean="0"/>
+              <a:t>lis</a:t>
+            </a:r>
+            <a:r>
+              <a:rPr lang="en-US" altLang="ja-JP" sz="2800" b="1" dirty="0" smtClean="0"/>
+              <a:t>)</a:t>
+            </a:r>
+          </a:p>
+          <a:p>
+            <a:pPr marL="82296" indent="0">
+              <a:buNone/>
+            </a:pPr>
+            <a:r>
+              <a:rPr lang="en-US" altLang="ja-JP" sz="2800" b="1" dirty="0"/>
               <a:t> </a:t>
             </a:r>
             <a:r>
-              <a:rPr lang="en-US" altLang="ja-JP" b="1" dirty="0" smtClean="0"/>
+              <a:rPr lang="en-US" altLang="ja-JP" sz="2800" b="1" dirty="0" smtClean="0"/>
               <a:t>   </a:t>
             </a:r>
             <a:r>
-              <a:rPr lang="en-US" altLang="ja-JP" b="1" dirty="0" err="1" smtClean="0"/>
+              <a:rPr lang="en-US" altLang="ja-JP" sz="2800" b="1" dirty="0" err="1" smtClean="0"/>
               <a:t>init</a:t>
             </a:r>
-            <a:endParaRPr lang="en-US" altLang="ja-JP" b="1" dirty="0" smtClean="0"/>
-          </a:p>
-          <a:p>
-            <a:pPr marL="82296" indent="0">
-              <a:buNone/>
-            </a:pPr>
-            <a:r>
-              <a:rPr lang="en-US" altLang="ja-JP" dirty="0"/>
+            <a:endParaRPr lang="en-US" altLang="ja-JP" sz="2800" b="1" dirty="0" smtClean="0"/>
+          </a:p>
+          <a:p>
+            <a:pPr marL="82296" indent="0">
+              <a:buNone/>
+            </a:pPr>
+            <a:r>
+              <a:rPr lang="en-US" altLang="ja-JP" sz="2800" dirty="0"/>
               <a:t> </a:t>
             </a:r>
             <a:r>
-              <a:rPr lang="en-US" altLang="ja-JP" dirty="0" smtClean="0"/>
+              <a:rPr lang="en-US" altLang="ja-JP" sz="2800" dirty="0" smtClean="0"/>
               <a:t>   ?????))</a:t>
             </a:r>
-            <a:endParaRPr lang="en-US" altLang="ja-JP" dirty="0"/>
+            <a:endParaRPr lang="en-US" altLang="ja-JP" sz="2800" dirty="0"/>
           </a:p>
         </p:txBody>
       </p:sp>
@@ -10207,7 +10214,6 @@
               <a:rPr lang="en-US" altLang="ja-JP" u="sng" dirty="0"/>
               <a:t>&gt;)</a:t>
             </a:r>
-            <a:endParaRPr lang="en-US" altLang="ja-JP" u="sng" dirty="0"/>
           </a:p>
           <a:p>
             <a:pPr marL="82296" indent="0">
@@ -10220,41 +10226,177 @@
               <a:buNone/>
             </a:pPr>
             <a:r>
-              <a:rPr lang="en-US" altLang="ja-JP" dirty="0" smtClean="0"/>
+              <a:rPr lang="en-US" altLang="ja-JP" sz="2800" dirty="0" smtClean="0"/>
               <a:t>(define (fold proc </a:t>
             </a:r>
             <a:r>
-              <a:rPr lang="en-US" altLang="ja-JP" dirty="0" err="1" smtClean="0"/>
+              <a:rPr lang="en-US" altLang="ja-JP" sz="2800" dirty="0" err="1" smtClean="0"/>
               <a:t>init</a:t>
             </a:r>
             <a:r>
-              <a:rPr lang="en-US" altLang="ja-JP" dirty="0" smtClean="0"/>
+              <a:rPr lang="en-US" altLang="ja-JP" sz="2800" dirty="0" smtClean="0"/>
               <a:t> </a:t>
             </a:r>
             <a:r>
-              <a:rPr lang="en-US" altLang="ja-JP" dirty="0" err="1" smtClean="0"/>
+              <a:rPr lang="en-US" altLang="ja-JP" sz="2800" dirty="0" err="1" smtClean="0"/>
               <a:t>lis</a:t>
             </a:r>
             <a:r>
-              <a:rPr lang="en-US" altLang="ja-JP" dirty="0" smtClean="0"/>
-              <a:t>) &lt;</a:t>
-            </a:r>
-            <a:r>
-              <a:rPr lang="ja-JP" altLang="en-US" dirty="0" smtClean="0"/>
-              <a:t>式</a:t>
-            </a:r>
-            <a:r>
-              <a:rPr lang="en-US" altLang="ja-JP" dirty="0" smtClean="0"/>
-              <a:t>&gt;)</a:t>
-            </a:r>
-            <a:endParaRPr lang="en-US" altLang="ja-JP" dirty="0"/>
+              <a:rPr lang="en-US" altLang="ja-JP" sz="2800" dirty="0" smtClean="0"/>
+              <a:t>) </a:t>
+            </a:r>
+          </a:p>
+          <a:p>
+            <a:pPr marL="82296" indent="0">
+              <a:buNone/>
+            </a:pPr>
+            <a:r>
+              <a:rPr lang="en-US" altLang="ja-JP" sz="2800" dirty="0" smtClean="0"/>
+              <a:t>  (if (null? </a:t>
+            </a:r>
+            <a:r>
+              <a:rPr lang="en-US" altLang="ja-JP" sz="2800" dirty="0" err="1" smtClean="0"/>
+              <a:t>lis</a:t>
+            </a:r>
+            <a:r>
+              <a:rPr lang="en-US" altLang="ja-JP" sz="2800" dirty="0" smtClean="0"/>
+              <a:t>)</a:t>
+            </a:r>
+          </a:p>
+          <a:p>
+            <a:pPr marL="82296" indent="0">
+              <a:buNone/>
+            </a:pPr>
+            <a:r>
+              <a:rPr lang="en-US" altLang="ja-JP" sz="2800" dirty="0"/>
+              <a:t> </a:t>
+            </a:r>
+            <a:r>
+              <a:rPr lang="en-US" altLang="ja-JP" sz="2800" dirty="0" smtClean="0"/>
+              <a:t>   </a:t>
+            </a:r>
+            <a:r>
+              <a:rPr lang="en-US" altLang="ja-JP" sz="2800" dirty="0" err="1" smtClean="0"/>
+              <a:t>init</a:t>
+            </a:r>
+            <a:endParaRPr lang="en-US" altLang="ja-JP" sz="2800" dirty="0" smtClean="0"/>
+          </a:p>
+          <a:p>
+            <a:pPr marL="82296" indent="0">
+              <a:buNone/>
+            </a:pPr>
+            <a:r>
+              <a:rPr lang="en-US" altLang="ja-JP" sz="2800" dirty="0"/>
+              <a:t> </a:t>
+            </a:r>
+            <a:r>
+              <a:rPr lang="en-US" altLang="ja-JP" sz="2800" dirty="0" smtClean="0"/>
+              <a:t>   </a:t>
+            </a:r>
+            <a:r>
+              <a:rPr lang="en-US" altLang="ja-JP" sz="2800" dirty="0" smtClean="0"/>
+              <a:t>??</a:t>
+            </a:r>
+            <a:r>
+              <a:rPr lang="ja-JP" altLang="en-US" sz="2800" dirty="0" smtClean="0"/>
+              <a:t>　</a:t>
+            </a:r>
+            <a:r>
+              <a:rPr lang="en-US" altLang="ja-JP" sz="2800" b="1" dirty="0" smtClean="0"/>
+              <a:t>(proc (car </a:t>
+            </a:r>
+            <a:r>
+              <a:rPr lang="en-US" altLang="ja-JP" sz="2800" b="1" dirty="0" err="1" smtClean="0"/>
+              <a:t>lis</a:t>
+            </a:r>
+            <a:r>
+              <a:rPr lang="en-US" altLang="ja-JP" sz="2800" b="1" dirty="0"/>
+              <a:t>) </a:t>
+            </a:r>
+            <a:r>
+              <a:rPr lang="en-US" altLang="ja-JP" sz="2800" b="1" dirty="0" err="1"/>
+              <a:t>init</a:t>
+            </a:r>
+            <a:r>
+              <a:rPr lang="en-US" altLang="ja-JP" sz="2800" b="1" dirty="0"/>
+              <a:t>)</a:t>
+            </a:r>
+            <a:r>
+              <a:rPr lang="ja-JP" altLang="en-US" sz="2800" dirty="0" smtClean="0"/>
+              <a:t>　</a:t>
+            </a:r>
+            <a:r>
+              <a:rPr lang="en-US" altLang="ja-JP" sz="2800" dirty="0" smtClean="0"/>
+              <a:t>??))</a:t>
+            </a:r>
+            <a:endParaRPr lang="en-US" altLang="ja-JP" sz="2800" dirty="0"/>
+          </a:p>
+        </p:txBody>
+      </p:sp>
+      <p:sp>
+        <p:nvSpPr>
+          <p:cNvPr id="5" name="角丸四角形 4"/>
+          <p:cNvSpPr/>
+          <p:nvPr/>
+        </p:nvSpPr>
+        <p:spPr>
+          <a:xfrm>
+            <a:off x="1115616" y="4725144"/>
+            <a:ext cx="6696744" cy="1440160"/>
+          </a:xfrm>
+          <a:prstGeom prst="roundRect">
+            <a:avLst/>
+          </a:prstGeom>
+        </p:spPr>
+        <p:style>
+          <a:lnRef idx="2">
+            <a:schemeClr val="accent1">
+              <a:shade val="50000"/>
+            </a:schemeClr>
+          </a:lnRef>
+          <a:fillRef idx="1">
+            <a:schemeClr val="accent1"/>
+          </a:fillRef>
+          <a:effectRef idx="0">
+            <a:schemeClr val="accent1"/>
+          </a:effectRef>
+          <a:fontRef idx="minor">
+            <a:schemeClr val="lt1"/>
+          </a:fontRef>
+        </p:style>
+        <p:txBody>
+          <a:bodyPr rtlCol="0" anchor="ctr"/>
+          <a:lstStyle/>
+          <a:p>
+            <a:pPr algn="ctr"/>
+            <a:r>
+              <a:rPr lang="ja-JP" altLang="en-US" sz="3200" dirty="0"/>
+              <a:t>リスト</a:t>
+            </a:r>
+            <a:r>
+              <a:rPr lang="ja-JP" altLang="en-US" sz="3200" dirty="0" smtClean="0"/>
+              <a:t>の先頭と初期値を処理する</a:t>
+            </a:r>
+            <a:endParaRPr lang="en-US" altLang="ja-JP" sz="3200" dirty="0" smtClean="0"/>
+          </a:p>
+          <a:p>
+            <a:pPr algn="ctr"/>
+            <a:r>
+              <a:rPr kumimoji="1" lang="ja-JP" altLang="en-US" sz="3200" dirty="0"/>
+              <a:t>リストの</a:t>
+            </a:r>
+            <a:r>
+              <a:rPr kumimoji="1" lang="ja-JP" altLang="en-US" sz="3200" dirty="0" smtClean="0"/>
+              <a:t>残りはあとで考える</a:t>
+            </a:r>
+            <a:endParaRPr kumimoji="1" lang="ja-JP" altLang="en-US" sz="3200" dirty="0"/>
           </a:p>
         </p:txBody>
       </p:sp>
     </p:spTree>
     <p:extLst>
       <p:ext uri="{BB962C8B-B14F-4D97-AF65-F5344CB8AC3E}">
-        <p14:creationId xmlns:p14="http://schemas.microsoft.com/office/powerpoint/2010/main" val="320661236"/>
+        <p14:creationId xmlns:p14="http://schemas.microsoft.com/office/powerpoint/2010/main" val="2408865116"/>
       </p:ext>
     </p:extLst>
   </p:cSld>
@@ -10303,6 +10445,14 @@
           <a:bodyPr/>
           <a:lstStyle/>
           <a:p>
+            <a:r>
+              <a:rPr kumimoji="1" lang="en-US" altLang="ja-JP" dirty="0" smtClean="0"/>
+              <a:t>fold</a:t>
+            </a:r>
+            <a:r>
+              <a:rPr kumimoji="1" lang="ja-JP" altLang="en-US" dirty="0" smtClean="0"/>
+              <a:t>を自前で作ってみよう</a:t>
+            </a:r>
             <a:endParaRPr kumimoji="1" lang="ja-JP" altLang="en-US" dirty="0"/>
           </a:p>
         </p:txBody>
@@ -10319,8 +10469,8 @@
         </p:nvSpPr>
         <p:spPr>
           <a:xfrm>
-            <a:off x="899592" y="1447800"/>
-            <a:ext cx="8136904" cy="4069432"/>
+            <a:off x="1115616" y="1124744"/>
+            <a:ext cx="8028384" cy="5544616"/>
           </a:xfrm>
         </p:spPr>
         <p:txBody>
@@ -10329,33 +10479,299 @@
           </a:bodyPr>
           <a:lstStyle/>
           <a:p>
-            <a:pPr marL="82296" indent="0" algn="ctr">
-              <a:buNone/>
-            </a:pPr>
-            <a:endParaRPr kumimoji="1" lang="en-US" altLang="ja-JP" sz="4400" dirty="0" smtClean="0"/>
-          </a:p>
-          <a:p>
-            <a:pPr marL="82296" indent="0" algn="ctr">
-              <a:buNone/>
-            </a:pPr>
-            <a:endParaRPr kumimoji="1" lang="en-US" altLang="ja-JP" sz="4400" dirty="0" smtClean="0"/>
-          </a:p>
-          <a:p>
-            <a:pPr marL="82296" indent="0" algn="ctr">
-              <a:buNone/>
-            </a:pPr>
-            <a:r>
-              <a:rPr kumimoji="1" lang="ja-JP" altLang="en-US" sz="4400" dirty="0" smtClean="0"/>
-              <a:t>前回のおさらい</a:t>
-            </a:r>
-            <a:endParaRPr kumimoji="1" lang="en-US" altLang="ja-JP" sz="4400" dirty="0" smtClean="0"/>
+            <a:pPr marL="82296" indent="0">
+              <a:buNone/>
+            </a:pPr>
+            <a:r>
+              <a:rPr lang="en-US" altLang="ja-JP" u="sng" dirty="0"/>
+              <a:t>(fold &lt;</a:t>
+            </a:r>
+            <a:r>
+              <a:rPr lang="ja-JP" altLang="en-US" u="sng" dirty="0"/>
+              <a:t>手続き</a:t>
+            </a:r>
+            <a:r>
+              <a:rPr lang="en-US" altLang="ja-JP" u="sng" dirty="0"/>
+              <a:t>&gt; &lt;</a:t>
+            </a:r>
+            <a:r>
+              <a:rPr lang="ja-JP" altLang="en-US" u="sng" dirty="0"/>
+              <a:t>初期値</a:t>
+            </a:r>
+            <a:r>
+              <a:rPr lang="en-US" altLang="ja-JP" u="sng" dirty="0"/>
+              <a:t>&gt; &lt;</a:t>
+            </a:r>
+            <a:r>
+              <a:rPr lang="ja-JP" altLang="en-US" u="sng" dirty="0"/>
+              <a:t>リスト</a:t>
+            </a:r>
+            <a:r>
+              <a:rPr lang="en-US" altLang="ja-JP" u="sng" dirty="0"/>
+              <a:t>&gt;)</a:t>
+            </a:r>
+          </a:p>
+          <a:p>
+            <a:pPr marL="82296" indent="0">
+              <a:buNone/>
+            </a:pPr>
+            <a:endParaRPr lang="en-US" altLang="ja-JP" dirty="0" smtClean="0"/>
+          </a:p>
+          <a:p>
+            <a:pPr marL="82296" indent="0">
+              <a:buNone/>
+            </a:pPr>
+            <a:r>
+              <a:rPr lang="en-US" altLang="ja-JP" sz="2800" dirty="0" smtClean="0"/>
+              <a:t>(define (fold proc </a:t>
+            </a:r>
+            <a:r>
+              <a:rPr lang="en-US" altLang="ja-JP" sz="2800" dirty="0" err="1" smtClean="0"/>
+              <a:t>init</a:t>
+            </a:r>
+            <a:r>
+              <a:rPr lang="en-US" altLang="ja-JP" sz="2800" dirty="0" smtClean="0"/>
+              <a:t> </a:t>
+            </a:r>
+            <a:r>
+              <a:rPr lang="en-US" altLang="ja-JP" sz="2800" dirty="0" err="1" smtClean="0"/>
+              <a:t>lis</a:t>
+            </a:r>
+            <a:r>
+              <a:rPr lang="en-US" altLang="ja-JP" sz="2800" dirty="0" smtClean="0"/>
+              <a:t>) </a:t>
+            </a:r>
+          </a:p>
+          <a:p>
+            <a:pPr marL="82296" indent="0">
+              <a:buNone/>
+            </a:pPr>
+            <a:r>
+              <a:rPr lang="en-US" altLang="ja-JP" sz="2800" dirty="0" smtClean="0"/>
+              <a:t>  (if (null? </a:t>
+            </a:r>
+            <a:r>
+              <a:rPr lang="en-US" altLang="ja-JP" sz="2800" dirty="0" err="1" smtClean="0"/>
+              <a:t>lis</a:t>
+            </a:r>
+            <a:r>
+              <a:rPr lang="en-US" altLang="ja-JP" sz="2800" dirty="0" smtClean="0"/>
+              <a:t>)</a:t>
+            </a:r>
+          </a:p>
+          <a:p>
+            <a:pPr marL="82296" indent="0">
+              <a:buNone/>
+            </a:pPr>
+            <a:r>
+              <a:rPr lang="en-US" altLang="ja-JP" sz="2800" dirty="0"/>
+              <a:t> </a:t>
+            </a:r>
+            <a:r>
+              <a:rPr lang="en-US" altLang="ja-JP" sz="2800" dirty="0" smtClean="0"/>
+              <a:t>   </a:t>
+            </a:r>
+            <a:r>
+              <a:rPr lang="en-US" altLang="ja-JP" sz="2800" dirty="0" err="1" smtClean="0"/>
+              <a:t>init</a:t>
+            </a:r>
+            <a:endParaRPr lang="en-US" altLang="ja-JP" sz="2800" dirty="0" smtClean="0"/>
+          </a:p>
+          <a:p>
+            <a:pPr marL="82296" indent="0">
+              <a:buNone/>
+            </a:pPr>
+            <a:r>
+              <a:rPr lang="en-US" altLang="ja-JP" sz="2800" dirty="0"/>
+              <a:t> </a:t>
+            </a:r>
+            <a:r>
+              <a:rPr lang="en-US" altLang="ja-JP" sz="2800" dirty="0" smtClean="0"/>
+              <a:t>   </a:t>
+            </a:r>
+            <a:r>
+              <a:rPr lang="en-US" altLang="ja-JP" sz="2800" b="1" dirty="0" smtClean="0">
+                <a:solidFill>
+                  <a:srgbClr val="FF0000"/>
+                </a:solidFill>
+              </a:rPr>
+              <a:t>fold</a:t>
+            </a:r>
+            <a:r>
+              <a:rPr lang="en-US" altLang="ja-JP" sz="2800" b="1" dirty="0" smtClean="0"/>
+              <a:t> proc</a:t>
+            </a:r>
+            <a:r>
+              <a:rPr lang="ja-JP" altLang="en-US" sz="2800" dirty="0" smtClean="0"/>
+              <a:t>　</a:t>
+            </a:r>
+            <a:r>
+              <a:rPr lang="en-US" altLang="ja-JP" sz="2800" dirty="0" smtClean="0"/>
+              <a:t>(proc (car </a:t>
+            </a:r>
+            <a:r>
+              <a:rPr lang="en-US" altLang="ja-JP" sz="2800" dirty="0" err="1" smtClean="0"/>
+              <a:t>lis</a:t>
+            </a:r>
+            <a:r>
+              <a:rPr lang="en-US" altLang="ja-JP" sz="2800" dirty="0"/>
+              <a:t>) </a:t>
+            </a:r>
+            <a:r>
+              <a:rPr lang="en-US" altLang="ja-JP" sz="2800" dirty="0" err="1"/>
+              <a:t>init</a:t>
+            </a:r>
+            <a:r>
+              <a:rPr lang="en-US" altLang="ja-JP" sz="2800" dirty="0"/>
+              <a:t>)</a:t>
+            </a:r>
+            <a:r>
+              <a:rPr lang="ja-JP" altLang="en-US" sz="2800" dirty="0" smtClean="0"/>
+              <a:t>　</a:t>
+            </a:r>
+            <a:r>
+              <a:rPr lang="en-US" altLang="ja-JP" sz="2800" b="1" dirty="0" smtClean="0"/>
+              <a:t>(</a:t>
+            </a:r>
+            <a:r>
+              <a:rPr lang="en-US" altLang="ja-JP" sz="2800" b="1" dirty="0" err="1" smtClean="0"/>
+              <a:t>cdr</a:t>
+            </a:r>
+            <a:r>
+              <a:rPr lang="en-US" altLang="ja-JP" sz="2800" b="1" dirty="0" smtClean="0"/>
+              <a:t> </a:t>
+            </a:r>
+            <a:r>
+              <a:rPr lang="en-US" altLang="ja-JP" sz="2800" b="1" dirty="0" err="1" smtClean="0"/>
+              <a:t>lis</a:t>
+            </a:r>
+            <a:r>
+              <a:rPr lang="en-US" altLang="ja-JP" sz="2800" b="1" dirty="0" smtClean="0"/>
+              <a:t>)</a:t>
+            </a:r>
+            <a:r>
+              <a:rPr lang="en-US" altLang="ja-JP" sz="2800" dirty="0" smtClean="0"/>
+              <a:t>))</a:t>
+            </a:r>
+            <a:endParaRPr lang="en-US" altLang="ja-JP" sz="2800" dirty="0"/>
+          </a:p>
+        </p:txBody>
+      </p:sp>
+      <p:sp>
+        <p:nvSpPr>
+          <p:cNvPr id="5" name="角丸四角形 4"/>
+          <p:cNvSpPr/>
+          <p:nvPr/>
+        </p:nvSpPr>
+        <p:spPr>
+          <a:xfrm>
+            <a:off x="1115616" y="4725144"/>
+            <a:ext cx="6696744" cy="1944216"/>
+          </a:xfrm>
+          <a:prstGeom prst="roundRect">
+            <a:avLst/>
+          </a:prstGeom>
+        </p:spPr>
+        <p:style>
+          <a:lnRef idx="2">
+            <a:schemeClr val="accent1">
+              <a:shade val="50000"/>
+            </a:schemeClr>
+          </a:lnRef>
+          <a:fillRef idx="1">
+            <a:schemeClr val="accent1"/>
+          </a:fillRef>
+          <a:effectRef idx="0">
+            <a:schemeClr val="accent1"/>
+          </a:effectRef>
+          <a:fontRef idx="minor">
+            <a:schemeClr val="lt1"/>
+          </a:fontRef>
+        </p:style>
+        <p:txBody>
+          <a:bodyPr rtlCol="0" anchor="ctr"/>
+          <a:lstStyle/>
+          <a:p>
+            <a:pPr algn="ctr"/>
+            <a:r>
+              <a:rPr lang="ja-JP" altLang="en-US" sz="3200" dirty="0" smtClean="0"/>
+              <a:t>二回目以降の</a:t>
+            </a:r>
+            <a:r>
+              <a:rPr lang="ja-JP" altLang="en-US" sz="3200" dirty="0"/>
+              <a:t>処理</a:t>
+            </a:r>
+            <a:r>
+              <a:rPr lang="ja-JP" altLang="en-US" sz="3200" dirty="0" smtClean="0"/>
+              <a:t>は</a:t>
+            </a:r>
+            <a:r>
+              <a:rPr lang="en-US" altLang="ja-JP" sz="3200" dirty="0" err="1" smtClean="0"/>
+              <a:t>lis</a:t>
+            </a:r>
+            <a:r>
+              <a:rPr lang="ja-JP" altLang="en-US" sz="3200" dirty="0" smtClean="0"/>
+              <a:t>→</a:t>
+            </a:r>
+            <a:r>
+              <a:rPr lang="en-US" altLang="ja-JP" sz="3200" dirty="0" err="1" smtClean="0"/>
+              <a:t>cdr</a:t>
+            </a:r>
+            <a:r>
+              <a:rPr lang="en-US" altLang="ja-JP" sz="3200" dirty="0" smtClean="0"/>
+              <a:t> </a:t>
+            </a:r>
+            <a:r>
+              <a:rPr lang="en-US" altLang="ja-JP" sz="3200" dirty="0" err="1" smtClean="0"/>
+              <a:t>lis</a:t>
+            </a:r>
+            <a:endParaRPr lang="en-US" altLang="ja-JP" sz="3200" dirty="0"/>
+          </a:p>
+          <a:p>
+            <a:pPr algn="ctr"/>
+            <a:r>
+              <a:rPr lang="en-US" altLang="ja-JP" sz="3200" dirty="0" err="1" smtClean="0"/>
+              <a:t>init</a:t>
+            </a:r>
+            <a:r>
+              <a:rPr lang="ja-JP" altLang="en-US" sz="3200" dirty="0" smtClean="0"/>
+              <a:t>→</a:t>
+            </a:r>
+            <a:r>
+              <a:rPr lang="en-US" altLang="ja-JP" sz="3200" dirty="0" smtClean="0"/>
+              <a:t>(proc (car </a:t>
+            </a:r>
+            <a:r>
+              <a:rPr lang="en-US" altLang="ja-JP" sz="3200" dirty="0" err="1" smtClean="0"/>
+              <a:t>lis</a:t>
+            </a:r>
+            <a:r>
+              <a:rPr lang="en-US" altLang="ja-JP" sz="3200" dirty="0" smtClean="0"/>
+              <a:t>) </a:t>
+            </a:r>
+            <a:r>
+              <a:rPr lang="en-US" altLang="ja-JP" sz="3200" dirty="0" err="1" smtClean="0"/>
+              <a:t>init</a:t>
+            </a:r>
+            <a:r>
+              <a:rPr lang="en-US" altLang="ja-JP" sz="3200" dirty="0" smtClean="0"/>
+              <a:t>)</a:t>
+            </a:r>
+          </a:p>
+          <a:p>
+            <a:pPr algn="ctr"/>
+            <a:r>
+              <a:rPr kumimoji="1" lang="ja-JP" altLang="en-US" sz="3200" dirty="0" smtClean="0"/>
+              <a:t>で置き換えて繰り返せばおｋ</a:t>
+            </a:r>
+            <a:endParaRPr kumimoji="1" lang="ja-JP" altLang="en-US" sz="3200" dirty="0"/>
           </a:p>
         </p:txBody>
       </p:sp>
     </p:spTree>
     <p:extLst>
       <p:ext uri="{BB962C8B-B14F-4D97-AF65-F5344CB8AC3E}">
-        <p14:creationId xmlns:p14="http://schemas.microsoft.com/office/powerpoint/2010/main" val="1923805304"/>
+        <p14:creationId xmlns:p14="http://schemas.microsoft.com/office/powerpoint/2010/main" val="2946854418"/>
       </p:ext>
     </p:extLst>
   </p:cSld>
@@ -10404,17 +10820,13 @@
           <a:bodyPr/>
           <a:lstStyle/>
           <a:p>
-            <a:r>
-              <a:rPr kumimoji="1" lang="ja-JP" altLang="en-US" dirty="0" smtClean="0"/>
-              <a:t>余談</a:t>
-            </a:r>
             <a:endParaRPr kumimoji="1" lang="ja-JP" altLang="en-US" dirty="0"/>
           </a:p>
         </p:txBody>
       </p:sp>
       <p:sp>
         <p:nvSpPr>
-          <p:cNvPr id="6" name="コンテンツ プレースホルダー 2"/>
+          <p:cNvPr id="3" name="コンテンツ プレースホルダー 2"/>
           <p:cNvSpPr>
             <a:spLocks noGrp="1"/>
           </p:cNvSpPr>
@@ -10424,8 +10836,8 @@
         </p:nvSpPr>
         <p:spPr>
           <a:xfrm>
-            <a:off x="1043608" y="1447800"/>
-            <a:ext cx="7890080" cy="5077544"/>
+            <a:off x="899592" y="1447800"/>
+            <a:ext cx="8136904" cy="4069432"/>
           </a:xfrm>
         </p:spPr>
         <p:txBody>
@@ -10434,36 +10846,404 @@
           </a:bodyPr>
           <a:lstStyle/>
           <a:p>
-            <a:r>
-              <a:rPr kumimoji="1" lang="ja-JP" altLang="en-US" dirty="0" smtClean="0"/>
-              <a:t>ニコニコ大百科の</a:t>
-            </a:r>
-            <a:r>
-              <a:rPr kumimoji="1" lang="en-US" altLang="ja-JP" dirty="0" smtClean="0"/>
-              <a:t>Lisp</a:t>
-            </a:r>
-            <a:r>
-              <a:rPr kumimoji="1" lang="ja-JP" altLang="en-US" dirty="0" smtClean="0"/>
-              <a:t>の記事が異様に詳しい</a:t>
-            </a:r>
-            <a:endParaRPr lang="en-US" altLang="ja-JP" dirty="0"/>
+            <a:pPr marL="82296" indent="0" algn="ctr">
+              <a:buNone/>
+            </a:pPr>
+            <a:endParaRPr kumimoji="1" lang="en-US" altLang="ja-JP" sz="4400" dirty="0" smtClean="0"/>
+          </a:p>
+          <a:p>
+            <a:pPr marL="82296" indent="0" algn="ctr">
+              <a:buNone/>
+            </a:pPr>
+            <a:endParaRPr kumimoji="1" lang="en-US" altLang="ja-JP" sz="4400" dirty="0" smtClean="0"/>
+          </a:p>
+          <a:p>
+            <a:pPr marL="82296" indent="0" algn="ctr">
+              <a:buNone/>
+            </a:pPr>
+            <a:r>
+              <a:rPr kumimoji="1" lang="ja-JP" altLang="en-US" sz="4400" dirty="0" smtClean="0"/>
+              <a:t>慣れが必要</a:t>
+            </a:r>
+            <a:endParaRPr kumimoji="1" lang="en-US" altLang="ja-JP" sz="4400" dirty="0" smtClean="0"/>
           </a:p>
         </p:txBody>
       </p:sp>
     </p:spTree>
     <p:extLst>
       <p:ext uri="{BB962C8B-B14F-4D97-AF65-F5344CB8AC3E}">
-        <p14:creationId xmlns:p14="http://schemas.microsoft.com/office/powerpoint/2010/main" val="3823870900"/>
+        <p14:creationId xmlns:p14="http://schemas.microsoft.com/office/powerpoint/2010/main" val="1923805304"/>
       </p:ext>
     </p:extLst>
   </p:cSld>
   <p:clrMapOvr>
     <a:masterClrMapping/>
   </p:clrMapOvr>
+  <p:timing>
+    <p:tnLst>
+      <p:par>
+        <p:cTn id="1" dur="indefinite" restart="never" nodeType="tmRoot"/>
+      </p:par>
+    </p:tnLst>
+  </p:timing>
 </p:sld>
 </file>
 
 <file path=ppt/slides/slide36.xml><?xml version="1.0" encoding="utf-8"?>
+<p:sld xmlns:a="http://schemas.openxmlformats.org/drawingml/2006/main" xmlns:r="http://schemas.openxmlformats.org/officeDocument/2006/relationships" xmlns:p="http://schemas.openxmlformats.org/presentationml/2006/main">
+  <p:cSld>
+    <p:spTree>
+      <p:nvGrpSpPr>
+        <p:cNvPr id="1" name=""/>
+        <p:cNvGrpSpPr/>
+        <p:nvPr/>
+      </p:nvGrpSpPr>
+      <p:grpSpPr>
+        <a:xfrm>
+          <a:off x="0" y="0"/>
+          <a:ext cx="0" cy="0"/>
+          <a:chOff x="0" y="0"/>
+          <a:chExt cx="0" cy="0"/>
+        </a:xfrm>
+      </p:grpSpPr>
+      <p:sp>
+        <p:nvSpPr>
+          <p:cNvPr id="2" name="タイトル 1"/>
+          <p:cNvSpPr>
+            <a:spLocks noGrp="1"/>
+          </p:cNvSpPr>
+          <p:nvPr>
+            <p:ph type="title"/>
+          </p:nvPr>
+        </p:nvSpPr>
+        <p:spPr/>
+        <p:txBody>
+          <a:bodyPr/>
+          <a:lstStyle/>
+          <a:p>
+            <a:r>
+              <a:rPr kumimoji="1" lang="ja-JP" altLang="en-US" dirty="0" smtClean="0"/>
+              <a:t>感想</a:t>
+            </a:r>
+            <a:endParaRPr kumimoji="1" lang="ja-JP" altLang="en-US" dirty="0"/>
+          </a:p>
+        </p:txBody>
+      </p:sp>
+      <p:sp>
+        <p:nvSpPr>
+          <p:cNvPr id="3" name="コンテンツ プレースホルダー 2"/>
+          <p:cNvSpPr>
+            <a:spLocks noGrp="1"/>
+          </p:cNvSpPr>
+          <p:nvPr>
+            <p:ph idx="1"/>
+          </p:nvPr>
+        </p:nvSpPr>
+        <p:spPr>
+          <a:xfrm>
+            <a:off x="1115616" y="1124744"/>
+            <a:ext cx="7818072" cy="5544616"/>
+          </a:xfrm>
+        </p:spPr>
+        <p:txBody>
+          <a:bodyPr>
+            <a:normAutofit lnSpcReduction="10000"/>
+          </a:bodyPr>
+          <a:lstStyle/>
+          <a:p>
+            <a:pPr marL="82296" indent="0">
+              <a:buNone/>
+            </a:pPr>
+            <a:r>
+              <a:rPr lang="ja-JP" altLang="en-US" dirty="0" smtClean="0"/>
+              <a:t>・</a:t>
+            </a:r>
+            <a:r>
+              <a:rPr lang="en-US" altLang="ja-JP" dirty="0" smtClean="0"/>
+              <a:t>Java</a:t>
+            </a:r>
+            <a:r>
+              <a:rPr lang="ja-JP" altLang="en-US" dirty="0" smtClean="0"/>
+              <a:t>とのパラダイムの違いに戸惑う</a:t>
+            </a:r>
+            <a:endParaRPr lang="en-US" altLang="ja-JP" dirty="0" smtClean="0"/>
+          </a:p>
+          <a:p>
+            <a:pPr marL="82296" indent="0">
+              <a:buNone/>
+            </a:pPr>
+            <a:endParaRPr lang="en-US" altLang="ja-JP" dirty="0"/>
+          </a:p>
+          <a:p>
+            <a:pPr marL="82296" indent="0">
+              <a:buNone/>
+            </a:pPr>
+            <a:r>
+              <a:rPr lang="ja-JP" altLang="en-US" dirty="0" smtClean="0"/>
+              <a:t>・特に</a:t>
+            </a:r>
+            <a:r>
+              <a:rPr lang="ja-JP" altLang="en-US" dirty="0"/>
+              <a:t>再帰処理</a:t>
+            </a:r>
+            <a:r>
+              <a:rPr lang="ja-JP" altLang="en-US" dirty="0" smtClean="0"/>
+              <a:t>は慣れないと難しい</a:t>
+            </a:r>
+            <a:endParaRPr lang="en-US" altLang="ja-JP" dirty="0" smtClean="0"/>
+          </a:p>
+          <a:p>
+            <a:pPr marL="82296" indent="0">
+              <a:buNone/>
+            </a:pPr>
+            <a:endParaRPr lang="en-US" altLang="ja-JP" dirty="0"/>
+          </a:p>
+          <a:p>
+            <a:pPr marL="82296" indent="0">
+              <a:buNone/>
+            </a:pPr>
+            <a:r>
+              <a:rPr lang="ja-JP" altLang="en-US" dirty="0"/>
+              <a:t>・“自分で</a:t>
+            </a:r>
+            <a:r>
+              <a:rPr lang="ja-JP" altLang="en-US" dirty="0" smtClean="0"/>
+              <a:t>いろいろ言語拡張</a:t>
+            </a:r>
+            <a:r>
+              <a:rPr lang="ja-JP" altLang="en-US" dirty="0"/>
+              <a:t>できる</a:t>
+            </a:r>
+            <a:r>
+              <a:rPr lang="ja-JP" altLang="en-US" dirty="0" smtClean="0"/>
+              <a:t>“感は</a:t>
+            </a:r>
+            <a:r>
+              <a:rPr lang="ja-JP" altLang="en-US" dirty="0"/>
+              <a:t>すごい</a:t>
+            </a:r>
+            <a:endParaRPr lang="en-US" altLang="ja-JP" dirty="0"/>
+          </a:p>
+          <a:p>
+            <a:pPr marL="82296" indent="0">
+              <a:buNone/>
+            </a:pPr>
+            <a:endParaRPr lang="en-US" altLang="ja-JP" dirty="0" smtClean="0"/>
+          </a:p>
+          <a:p>
+            <a:pPr marL="82296" indent="0">
+              <a:buNone/>
+            </a:pPr>
+            <a:r>
+              <a:rPr lang="ja-JP" altLang="en-US" dirty="0" smtClean="0"/>
+              <a:t>・括弧が多い</a:t>
+            </a:r>
+            <a:endParaRPr lang="en-US" altLang="ja-JP" dirty="0"/>
+          </a:p>
+          <a:p>
+            <a:pPr marL="82296" indent="0">
+              <a:buNone/>
+            </a:pPr>
+            <a:endParaRPr lang="en-US" altLang="ja-JP" dirty="0" smtClean="0"/>
+          </a:p>
+          <a:p>
+            <a:pPr marL="82296" indent="0">
+              <a:buNone/>
+            </a:pPr>
+            <a:r>
+              <a:rPr lang="ja-JP" altLang="en-US" dirty="0" smtClean="0"/>
+              <a:t>・</a:t>
+            </a:r>
+            <a:r>
+              <a:rPr lang="en-US" altLang="ja-JP" dirty="0" smtClean="0"/>
+              <a:t>(</a:t>
+            </a:r>
+            <a:r>
+              <a:rPr lang="ja-JP" altLang="en-US" dirty="0" smtClean="0"/>
+              <a:t>余談</a:t>
+            </a:r>
+            <a:r>
+              <a:rPr lang="en-US" altLang="ja-JP" dirty="0" smtClean="0"/>
+              <a:t>)</a:t>
+            </a:r>
+            <a:r>
+              <a:rPr lang="ja-JP" altLang="en-US" dirty="0" smtClean="0"/>
+              <a:t>ニコニコ</a:t>
+            </a:r>
+            <a:r>
+              <a:rPr lang="ja-JP" altLang="en-US" dirty="0"/>
+              <a:t>大百科</a:t>
+            </a:r>
+            <a:r>
+              <a:rPr lang="ja-JP" altLang="en-US" dirty="0" smtClean="0"/>
+              <a:t>の</a:t>
+            </a:r>
+            <a:endParaRPr lang="en-US" altLang="ja-JP" dirty="0" smtClean="0"/>
+          </a:p>
+          <a:p>
+            <a:pPr marL="82296" indent="0">
+              <a:buNone/>
+            </a:pPr>
+            <a:r>
+              <a:rPr lang="ja-JP" altLang="en-US" dirty="0"/>
+              <a:t>　</a:t>
+            </a:r>
+            <a:r>
+              <a:rPr lang="en-US" altLang="ja-JP" dirty="0" smtClean="0"/>
+              <a:t>Lisp</a:t>
+            </a:r>
+            <a:r>
+              <a:rPr lang="ja-JP" altLang="en-US" dirty="0"/>
+              <a:t>の記事が異様に詳しい</a:t>
+            </a:r>
+            <a:endParaRPr lang="en-US" altLang="ja-JP" dirty="0" smtClean="0"/>
+          </a:p>
+          <a:p>
+            <a:pPr marL="82296" indent="0">
+              <a:buNone/>
+            </a:pPr>
+            <a:endParaRPr lang="en-US" altLang="ja-JP" dirty="0" smtClean="0"/>
+          </a:p>
+        </p:txBody>
+      </p:sp>
+    </p:spTree>
+    <p:extLst>
+      <p:ext uri="{BB962C8B-B14F-4D97-AF65-F5344CB8AC3E}">
+        <p14:creationId xmlns:p14="http://schemas.microsoft.com/office/powerpoint/2010/main" val="3093156977"/>
+      </p:ext>
+    </p:extLst>
+  </p:cSld>
+  <p:clrMapOvr>
+    <a:masterClrMapping/>
+  </p:clrMapOvr>
+  <p:timing>
+    <p:tnLst>
+      <p:par>
+        <p:cTn id="1" dur="indefinite" restart="never" nodeType="tmRoot"/>
+      </p:par>
+    </p:tnLst>
+  </p:timing>
+</p:sld>
+</file>
+
+<file path=ppt/slides/slide37.xml><?xml version="1.0" encoding="utf-8"?>
+<p:sld xmlns:a="http://schemas.openxmlformats.org/drawingml/2006/main" xmlns:r="http://schemas.openxmlformats.org/officeDocument/2006/relationships" xmlns:p="http://schemas.openxmlformats.org/presentationml/2006/main">
+  <p:cSld>
+    <p:spTree>
+      <p:nvGrpSpPr>
+        <p:cNvPr id="1" name=""/>
+        <p:cNvGrpSpPr/>
+        <p:nvPr/>
+      </p:nvGrpSpPr>
+      <p:grpSpPr>
+        <a:xfrm>
+          <a:off x="0" y="0"/>
+          <a:ext cx="0" cy="0"/>
+          <a:chOff x="0" y="0"/>
+          <a:chExt cx="0" cy="0"/>
+        </a:xfrm>
+      </p:grpSpPr>
+      <p:sp>
+        <p:nvSpPr>
+          <p:cNvPr id="2" name="タイトル 1"/>
+          <p:cNvSpPr>
+            <a:spLocks noGrp="1"/>
+          </p:cNvSpPr>
+          <p:nvPr>
+            <p:ph type="title"/>
+          </p:nvPr>
+        </p:nvSpPr>
+        <p:spPr/>
+        <p:txBody>
+          <a:bodyPr/>
+          <a:lstStyle/>
+          <a:p>
+            <a:r>
+              <a:rPr kumimoji="1" lang="ja-JP" altLang="en-US" dirty="0" smtClean="0"/>
+              <a:t>次回？</a:t>
+            </a:r>
+            <a:endParaRPr kumimoji="1" lang="ja-JP" altLang="en-US" dirty="0"/>
+          </a:p>
+        </p:txBody>
+      </p:sp>
+      <p:sp>
+        <p:nvSpPr>
+          <p:cNvPr id="3" name="コンテンツ プレースホルダー 2"/>
+          <p:cNvSpPr>
+            <a:spLocks noGrp="1"/>
+          </p:cNvSpPr>
+          <p:nvPr>
+            <p:ph idx="1"/>
+          </p:nvPr>
+        </p:nvSpPr>
+        <p:spPr>
+          <a:xfrm>
+            <a:off x="1115616" y="1124744"/>
+            <a:ext cx="7818072" cy="5544616"/>
+          </a:xfrm>
+        </p:spPr>
+        <p:txBody>
+          <a:bodyPr>
+            <a:normAutofit/>
+          </a:bodyPr>
+          <a:lstStyle/>
+          <a:p>
+            <a:pPr marL="82296" indent="0">
+              <a:buNone/>
+            </a:pPr>
+            <a:r>
+              <a:rPr lang="ja-JP" altLang="en-US" dirty="0" smtClean="0"/>
+              <a:t>・もうすこし深堀りしたい</a:t>
+            </a:r>
+            <a:endParaRPr lang="en-US" altLang="ja-JP" dirty="0" smtClean="0"/>
+          </a:p>
+          <a:p>
+            <a:pPr marL="82296" indent="0">
+              <a:buNone/>
+            </a:pPr>
+            <a:endParaRPr lang="en-US" altLang="ja-JP" dirty="0"/>
+          </a:p>
+          <a:p>
+            <a:pPr marL="82296" indent="0">
+              <a:buNone/>
+            </a:pPr>
+            <a:r>
+              <a:rPr lang="ja-JP" altLang="en-US" dirty="0" smtClean="0"/>
+              <a:t>・</a:t>
+            </a:r>
+            <a:r>
+              <a:rPr lang="en-US" altLang="ja-JP" dirty="0" err="1" smtClean="0"/>
+              <a:t>Emacs</a:t>
+            </a:r>
+            <a:r>
+              <a:rPr lang="ja-JP" altLang="en-US" dirty="0" smtClean="0"/>
+              <a:t>に手を出す？</a:t>
+            </a:r>
+            <a:endParaRPr lang="en-US" altLang="ja-JP" dirty="0" smtClean="0"/>
+          </a:p>
+        </p:txBody>
+      </p:sp>
+    </p:spTree>
+    <p:extLst>
+      <p:ext uri="{BB962C8B-B14F-4D97-AF65-F5344CB8AC3E}">
+        <p14:creationId xmlns:p14="http://schemas.microsoft.com/office/powerpoint/2010/main" val="1255941180"/>
+      </p:ext>
+    </p:extLst>
+  </p:cSld>
+  <p:clrMapOvr>
+    <a:masterClrMapping/>
+  </p:clrMapOvr>
+  <p:timing>
+    <p:tnLst>
+      <p:par>
+        <p:cTn id="1" dur="indefinite" restart="never" nodeType="tmRoot"/>
+      </p:par>
+    </p:tnLst>
+  </p:timing>
+</p:sld>
+</file>
+
+<file path=ppt/slides/slide38.xml><?xml version="1.0" encoding="utf-8"?>
 <p:sld xmlns:a="http://schemas.openxmlformats.org/drawingml/2006/main" xmlns:r="http://schemas.openxmlformats.org/officeDocument/2006/relationships" xmlns:p="http://schemas.openxmlformats.org/presentationml/2006/main">
   <p:cSld>
     <p:spTree>

--- a/scheme.pptx
+++ b/scheme.pptx
@@ -9,40 +9,35 @@
     <p:sldId id="320" r:id="rId3"/>
     <p:sldId id="340" r:id="rId4"/>
     <p:sldId id="324" r:id="rId5"/>
-    <p:sldId id="310" r:id="rId6"/>
-    <p:sldId id="321" r:id="rId7"/>
-    <p:sldId id="323" r:id="rId8"/>
-    <p:sldId id="348" r:id="rId9"/>
-    <p:sldId id="325" r:id="rId10"/>
+    <p:sldId id="321" r:id="rId6"/>
+    <p:sldId id="323" r:id="rId7"/>
+    <p:sldId id="348" r:id="rId8"/>
+    <p:sldId id="325" r:id="rId9"/>
+    <p:sldId id="326" r:id="rId10"/>
     <p:sldId id="327" r:id="rId11"/>
-    <p:sldId id="339" r:id="rId12"/>
-    <p:sldId id="326" r:id="rId13"/>
-    <p:sldId id="330" r:id="rId14"/>
-    <p:sldId id="331" r:id="rId15"/>
-    <p:sldId id="332" r:id="rId16"/>
-    <p:sldId id="341" r:id="rId17"/>
-    <p:sldId id="343" r:id="rId18"/>
-    <p:sldId id="344" r:id="rId19"/>
-    <p:sldId id="347" r:id="rId20"/>
-    <p:sldId id="342" r:id="rId21"/>
-    <p:sldId id="334" r:id="rId22"/>
-    <p:sldId id="335" r:id="rId23"/>
-    <p:sldId id="352" r:id="rId24"/>
-    <p:sldId id="351" r:id="rId25"/>
-    <p:sldId id="336" r:id="rId26"/>
-    <p:sldId id="337" r:id="rId27"/>
-    <p:sldId id="338" r:id="rId28"/>
-    <p:sldId id="329" r:id="rId29"/>
-    <p:sldId id="355" r:id="rId30"/>
-    <p:sldId id="322" r:id="rId31"/>
-    <p:sldId id="350" r:id="rId32"/>
-    <p:sldId id="353" r:id="rId33"/>
-    <p:sldId id="356" r:id="rId34"/>
-    <p:sldId id="357" r:id="rId35"/>
-    <p:sldId id="349" r:id="rId36"/>
-    <p:sldId id="358" r:id="rId37"/>
-    <p:sldId id="359" r:id="rId38"/>
-    <p:sldId id="276" r:id="rId39"/>
+    <p:sldId id="341" r:id="rId12"/>
+    <p:sldId id="343" r:id="rId13"/>
+    <p:sldId id="344" r:id="rId14"/>
+    <p:sldId id="347" r:id="rId15"/>
+    <p:sldId id="342" r:id="rId16"/>
+    <p:sldId id="334" r:id="rId17"/>
+    <p:sldId id="335" r:id="rId18"/>
+    <p:sldId id="352" r:id="rId19"/>
+    <p:sldId id="351" r:id="rId20"/>
+    <p:sldId id="336" r:id="rId21"/>
+    <p:sldId id="337" r:id="rId22"/>
+    <p:sldId id="338" r:id="rId23"/>
+    <p:sldId id="355" r:id="rId24"/>
+    <p:sldId id="329" r:id="rId25"/>
+    <p:sldId id="322" r:id="rId26"/>
+    <p:sldId id="350" r:id="rId27"/>
+    <p:sldId id="353" r:id="rId28"/>
+    <p:sldId id="356" r:id="rId29"/>
+    <p:sldId id="357" r:id="rId30"/>
+    <p:sldId id="349" r:id="rId31"/>
+    <p:sldId id="358" r:id="rId32"/>
+    <p:sldId id="359" r:id="rId33"/>
+    <p:sldId id="276" r:id="rId34"/>
   </p:sldIdLst>
   <p:sldSz cx="9144000" cy="6858000" type="screen4x3"/>
   <p:notesSz cx="6858000" cy="9144000"/>
@@ -143,7 +138,7 @@
   </p:defaultTextStyle>
   <p:extLst>
     <p:ext uri="{EFAFB233-063F-42B5-8137-9DF3F51BA10A}">
-      <p15:sldGuideLst xmlns:p15="http://schemas.microsoft.com/office/powerpoint/2012/main" xmlns="">
+      <p15:sldGuideLst xmlns:p15="http://schemas.microsoft.com/office/powerpoint/2012/main">
         <p15:guide id="1" orient="horz" pos="2160">
           <p15:clr>
             <a:srgbClr val="A4A3A4"/>
@@ -294,7 +289,7 @@
           <a:p>
             <a:fld id="{39378AC4-C49C-4159-B332-7738B007311C}" type="datetimeFigureOut">
               <a:rPr kumimoji="1" lang="ja-JP" altLang="en-US" smtClean="0"/>
-              <a:t>2016/9/5</a:t>
+              <a:t>2016/9/12</a:t>
             </a:fld>
             <a:endParaRPr kumimoji="1" lang="ja-JP" altLang="en-US"/>
           </a:p>
@@ -639,7 +634,7 @@
           <a:p>
             <a:fld id="{39378AC4-C49C-4159-B332-7738B007311C}" type="datetimeFigureOut">
               <a:rPr kumimoji="1" lang="ja-JP" altLang="en-US" smtClean="0"/>
-              <a:t>2016/9/5</a:t>
+              <a:t>2016/9/12</a:t>
             </a:fld>
             <a:endParaRPr kumimoji="1" lang="ja-JP" altLang="en-US"/>
           </a:p>
@@ -856,7 +851,7 @@
           <a:p>
             <a:fld id="{39378AC4-C49C-4159-B332-7738B007311C}" type="datetimeFigureOut">
               <a:rPr kumimoji="1" lang="ja-JP" altLang="en-US" smtClean="0"/>
-              <a:t>2016/9/5</a:t>
+              <a:t>2016/9/12</a:t>
             </a:fld>
             <a:endParaRPr kumimoji="1" lang="ja-JP" altLang="en-US"/>
           </a:p>
@@ -1063,7 +1058,7 @@
           <a:p>
             <a:fld id="{39378AC4-C49C-4159-B332-7738B007311C}" type="datetimeFigureOut">
               <a:rPr kumimoji="1" lang="ja-JP" altLang="en-US" smtClean="0"/>
-              <a:t>2016/9/5</a:t>
+              <a:t>2016/9/12</a:t>
             </a:fld>
             <a:endParaRPr kumimoji="1" lang="ja-JP" altLang="en-US"/>
           </a:p>
@@ -1331,7 +1326,7 @@
           <a:p>
             <a:fld id="{39378AC4-C49C-4159-B332-7738B007311C}" type="datetimeFigureOut">
               <a:rPr kumimoji="1" lang="ja-JP" altLang="en-US" smtClean="0"/>
-              <a:t>2016/9/5</a:t>
+              <a:t>2016/9/12</a:t>
             </a:fld>
             <a:endParaRPr kumimoji="1" lang="ja-JP" altLang="en-US"/>
           </a:p>
@@ -1863,7 +1858,7 @@
           <a:p>
             <a:fld id="{39378AC4-C49C-4159-B332-7738B007311C}" type="datetimeFigureOut">
               <a:rPr kumimoji="1" lang="ja-JP" altLang="en-US" smtClean="0"/>
-              <a:t>2016/9/5</a:t>
+              <a:t>2016/9/12</a:t>
             </a:fld>
             <a:endParaRPr kumimoji="1" lang="ja-JP" altLang="en-US"/>
           </a:p>
@@ -2416,7 +2411,7 @@
           <a:p>
             <a:fld id="{39378AC4-C49C-4159-B332-7738B007311C}" type="datetimeFigureOut">
               <a:rPr kumimoji="1" lang="ja-JP" altLang="en-US" smtClean="0"/>
-              <a:t>2016/9/5</a:t>
+              <a:t>2016/9/12</a:t>
             </a:fld>
             <a:endParaRPr kumimoji="1" lang="ja-JP" altLang="en-US"/>
           </a:p>
@@ -2542,7 +2537,7 @@
           <a:p>
             <a:fld id="{39378AC4-C49C-4159-B332-7738B007311C}" type="datetimeFigureOut">
               <a:rPr kumimoji="1" lang="ja-JP" altLang="en-US" smtClean="0"/>
-              <a:t>2016/9/5</a:t>
+              <a:t>2016/9/12</a:t>
             </a:fld>
             <a:endParaRPr kumimoji="1" lang="ja-JP" altLang="en-US"/>
           </a:p>
@@ -2686,7 +2681,7 @@
           <a:p>
             <a:fld id="{39378AC4-C49C-4159-B332-7738B007311C}" type="datetimeFigureOut">
               <a:rPr kumimoji="1" lang="ja-JP" altLang="en-US" smtClean="0"/>
-              <a:t>2016/9/5</a:t>
+              <a:t>2016/9/12</a:t>
             </a:fld>
             <a:endParaRPr kumimoji="1" lang="ja-JP" altLang="en-US"/>
           </a:p>
@@ -3040,7 +3035,7 @@
           <a:p>
             <a:fld id="{39378AC4-C49C-4159-B332-7738B007311C}" type="datetimeFigureOut">
               <a:rPr kumimoji="1" lang="ja-JP" altLang="en-US" smtClean="0"/>
-              <a:t>2016/9/5</a:t>
+              <a:t>2016/9/12</a:t>
             </a:fld>
             <a:endParaRPr kumimoji="1" lang="ja-JP" altLang="en-US"/>
           </a:p>
@@ -3174,7 +3169,7 @@
           <a:p>
             <a:fld id="{39378AC4-C49C-4159-B332-7738B007311C}" type="datetimeFigureOut">
               <a:rPr kumimoji="1" lang="ja-JP" altLang="en-US" smtClean="0"/>
-              <a:t>2016/9/5</a:t>
+              <a:t>2016/9/12</a:t>
             </a:fld>
             <a:endParaRPr kumimoji="1" lang="ja-JP" altLang="en-US"/>
           </a:p>
@@ -3987,7 +3982,7 @@
           <a:p>
             <a:fld id="{39378AC4-C49C-4159-B332-7738B007311C}" type="datetimeFigureOut">
               <a:rPr kumimoji="1" lang="ja-JP" altLang="en-US" smtClean="0"/>
-              <a:t>2016/9/5</a:t>
+              <a:t>2016/9/12</a:t>
             </a:fld>
             <a:endParaRPr kumimoji="1" lang="ja-JP" altLang="en-US"/>
           </a:p>
@@ -4679,7 +4674,7 @@
         <p:spPr>
           <a:xfrm>
             <a:off x="1115616" y="1124744"/>
-            <a:ext cx="7818072" cy="5544616"/>
+            <a:ext cx="7818072" cy="5733256"/>
           </a:xfrm>
         </p:spPr>
         <p:txBody>
@@ -4701,7 +4696,57 @@
             </a:r>
             <a:r>
               <a:rPr lang="ja-JP" altLang="en-US" dirty="0" smtClean="0"/>
-              <a:t>の方言の一つで、現在でもよく使われる</a:t>
+              <a:t>の方言の一つで、現在</a:t>
+            </a:r>
+            <a:r>
+              <a:rPr lang="ja-JP" altLang="en-US" dirty="0" smtClean="0"/>
+              <a:t>でも使われる</a:t>
+            </a:r>
+            <a:endParaRPr lang="en-US" altLang="ja-JP" dirty="0" smtClean="0"/>
+          </a:p>
+          <a:p>
+            <a:pPr marL="82296" indent="0">
+              <a:buNone/>
+            </a:pPr>
+            <a:r>
+              <a:rPr lang="en-US" altLang="ja-JP" dirty="0" smtClean="0"/>
+              <a:t>(1975</a:t>
+            </a:r>
+            <a:r>
+              <a:rPr lang="ja-JP" altLang="en-US" dirty="0" smtClean="0"/>
+              <a:t>年ごろ設計</a:t>
+            </a:r>
+            <a:r>
+              <a:rPr lang="en-US" altLang="ja-JP" dirty="0" smtClean="0"/>
+              <a:t>)</a:t>
+            </a:r>
+            <a:r>
+              <a:rPr lang="en-US" altLang="ja-JP" sz="1600" dirty="0" smtClean="0"/>
+              <a:t>(</a:t>
+            </a:r>
+            <a:r>
+              <a:rPr lang="ja-JP" altLang="en-US" sz="1600" dirty="0" smtClean="0"/>
+              <a:t>余談：</a:t>
+            </a:r>
+            <a:r>
+              <a:rPr lang="en-US" altLang="ja-JP" sz="1600" dirty="0" smtClean="0"/>
+              <a:t>Apple I</a:t>
+            </a:r>
+            <a:r>
+              <a:rPr lang="ja-JP" altLang="en-US" sz="1600" dirty="0" smtClean="0"/>
+              <a:t>が</a:t>
+            </a:r>
+            <a:r>
+              <a:rPr lang="en-US" altLang="ja-JP" sz="1600" dirty="0" smtClean="0"/>
+              <a:t>1976</a:t>
+            </a:r>
+            <a:r>
+              <a:rPr lang="ja-JP" altLang="en-US" sz="1600" dirty="0" smtClean="0"/>
+              <a:t>年</a:t>
+            </a:r>
+            <a:r>
+              <a:rPr lang="en-US" altLang="ja-JP" sz="1600" dirty="0" smtClean="0"/>
+              <a:t>)</a:t>
             </a:r>
             <a:endParaRPr lang="en-US" altLang="ja-JP" dirty="0" smtClean="0"/>
           </a:p>
@@ -4759,6 +4804,10 @@
             <a:pPr marL="82296" indent="0">
               <a:buNone/>
             </a:pPr>
+            <a:r>
+              <a:rPr lang="ja-JP" altLang="en-US" dirty="0"/>
+              <a:t>・</a:t>
+            </a:r>
             <a:r>
               <a:rPr lang="ja-JP" altLang="en-US" dirty="0" smtClean="0"/>
               <a:t>多機能化を目指した</a:t>
@@ -4828,108 +4877,37 @@
       </p:grpSpPr>
       <p:sp>
         <p:nvSpPr>
-          <p:cNvPr id="11" name="正方形/長方形 10"/>
-          <p:cNvSpPr/>
-          <p:nvPr/>
+          <p:cNvPr id="2" name="タイトル 1"/>
+          <p:cNvSpPr>
+            <a:spLocks noGrp="1"/>
+          </p:cNvSpPr>
+          <p:nvPr>
+            <p:ph type="title"/>
+          </p:nvPr>
+        </p:nvSpPr>
+        <p:spPr/>
+        <p:txBody>
+          <a:bodyPr/>
+          <a:lstStyle/>
+          <a:p>
+            <a:endParaRPr kumimoji="1" lang="ja-JP" altLang="en-US" dirty="0"/>
+          </a:p>
+        </p:txBody>
+      </p:sp>
+      <p:sp>
+        <p:nvSpPr>
+          <p:cNvPr id="3" name="コンテンツ プレースホルダー 2"/>
+          <p:cNvSpPr>
+            <a:spLocks noGrp="1"/>
+          </p:cNvSpPr>
+          <p:nvPr>
+            <p:ph idx="1"/>
+          </p:nvPr>
         </p:nvSpPr>
         <p:spPr>
           <a:xfrm>
-            <a:off x="5263746" y="1751598"/>
-            <a:ext cx="3669942" cy="1242606"/>
-          </a:xfrm>
-          <a:prstGeom prst="rect">
-            <a:avLst/>
-          </a:prstGeom>
-          <a:solidFill>
-            <a:schemeClr val="accent2">
-              <a:lumMod val="40000"/>
-              <a:lumOff val="60000"/>
-            </a:schemeClr>
-          </a:solidFill>
-          <a:ln w="31750">
-            <a:solidFill>
-              <a:schemeClr val="tx1"/>
-            </a:solidFill>
-          </a:ln>
-        </p:spPr>
-        <p:style>
-          <a:lnRef idx="2">
-            <a:schemeClr val="accent1">
-              <a:shade val="50000"/>
-            </a:schemeClr>
-          </a:lnRef>
-          <a:fillRef idx="1">
-            <a:schemeClr val="accent1"/>
-          </a:fillRef>
-          <a:effectRef idx="0">
-            <a:schemeClr val="accent1"/>
-          </a:effectRef>
-          <a:fontRef idx="minor">
-            <a:schemeClr val="lt1"/>
-          </a:fontRef>
-        </p:style>
-        <p:txBody>
-          <a:bodyPr rtlCol="0" anchor="ctr"/>
-          <a:lstStyle/>
-          <a:p>
-            <a:pPr algn="ctr"/>
-            <a:r>
-              <a:rPr kumimoji="1" lang="en-US" altLang="ja-JP" sz="2800" dirty="0" smtClean="0">
-                <a:solidFill>
-                  <a:schemeClr val="tx1"/>
-                </a:solidFill>
-              </a:rPr>
-              <a:t>Common Lisp</a:t>
-            </a:r>
-            <a:endParaRPr kumimoji="1" lang="ja-JP" altLang="en-US" sz="2800" dirty="0">
-              <a:solidFill>
-                <a:schemeClr val="tx1"/>
-              </a:solidFill>
-            </a:endParaRPr>
-          </a:p>
-        </p:txBody>
-      </p:sp>
-      <p:sp>
-        <p:nvSpPr>
-          <p:cNvPr id="2" name="タイトル 1"/>
-          <p:cNvSpPr>
-            <a:spLocks noGrp="1"/>
-          </p:cNvSpPr>
-          <p:nvPr>
-            <p:ph type="title"/>
-          </p:nvPr>
-        </p:nvSpPr>
-        <p:spPr/>
-        <p:txBody>
-          <a:bodyPr/>
-          <a:lstStyle/>
-          <a:p>
-            <a:r>
-              <a:rPr kumimoji="1" lang="en-US" altLang="ja-JP" dirty="0" smtClean="0"/>
-              <a:t>Lisp</a:t>
-            </a:r>
-            <a:r>
-              <a:rPr kumimoji="1" lang="ja-JP" altLang="en-US" dirty="0" smtClean="0"/>
-              <a:t>系言語の流れ</a:t>
-            </a:r>
-            <a:endParaRPr kumimoji="1" lang="ja-JP" altLang="en-US" dirty="0"/>
-          </a:p>
-        </p:txBody>
-      </p:sp>
-      <p:sp>
-        <p:nvSpPr>
-          <p:cNvPr id="3" name="コンテンツ プレースホルダー 2"/>
-          <p:cNvSpPr>
-            <a:spLocks noGrp="1"/>
-          </p:cNvSpPr>
-          <p:nvPr>
-            <p:ph idx="1"/>
-          </p:nvPr>
-        </p:nvSpPr>
-        <p:spPr>
-          <a:xfrm>
-            <a:off x="1115616" y="1124744"/>
-            <a:ext cx="7818072" cy="5544616"/>
+            <a:off x="899592" y="1447800"/>
+            <a:ext cx="8136904" cy="4069432"/>
           </a:xfrm>
         </p:spPr>
         <p:txBody>
@@ -4938,343 +4916,33 @@
           </a:bodyPr>
           <a:lstStyle/>
           <a:p>
-            <a:pPr marL="82296" indent="0">
-              <a:buNone/>
-            </a:pPr>
-            <a:endParaRPr lang="en-US" altLang="ja-JP" dirty="0" smtClean="0"/>
-          </a:p>
-          <a:p>
-            <a:pPr marL="82296" indent="0">
-              <a:buNone/>
-            </a:pPr>
-            <a:endParaRPr lang="en-US" altLang="ja-JP" dirty="0" smtClean="0"/>
-          </a:p>
-        </p:txBody>
-      </p:sp>
-      <p:sp>
-        <p:nvSpPr>
-          <p:cNvPr id="4" name="正方形/長方形 3"/>
-          <p:cNvSpPr/>
-          <p:nvPr/>
-        </p:nvSpPr>
-        <p:spPr>
-          <a:xfrm>
-            <a:off x="1426936" y="3481234"/>
-            <a:ext cx="1826704" cy="766037"/>
-          </a:xfrm>
-          <a:prstGeom prst="rect">
-            <a:avLst/>
-          </a:prstGeom>
-          <a:solidFill>
-            <a:schemeClr val="accent2">
-              <a:lumMod val="40000"/>
-              <a:lumOff val="60000"/>
-            </a:schemeClr>
-          </a:solidFill>
-          <a:ln w="31750">
-            <a:solidFill>
-              <a:schemeClr val="tx1"/>
-            </a:solidFill>
-          </a:ln>
-        </p:spPr>
-        <p:style>
-          <a:lnRef idx="2">
-            <a:schemeClr val="accent1">
-              <a:shade val="50000"/>
-            </a:schemeClr>
-          </a:lnRef>
-          <a:fillRef idx="1">
-            <a:schemeClr val="accent1"/>
-          </a:fillRef>
-          <a:effectRef idx="0">
-            <a:schemeClr val="accent1"/>
-          </a:effectRef>
-          <a:fontRef idx="minor">
-            <a:schemeClr val="lt1"/>
-          </a:fontRef>
-        </p:style>
-        <p:txBody>
-          <a:bodyPr rtlCol="0" anchor="ctr"/>
-          <a:lstStyle/>
-          <a:p>
-            <a:pPr algn="ctr"/>
-            <a:r>
-              <a:rPr kumimoji="1" lang="en-US" altLang="ja-JP" sz="2800" dirty="0" smtClean="0">
-                <a:solidFill>
-                  <a:schemeClr val="tx1"/>
-                </a:solidFill>
-              </a:rPr>
-              <a:t>Li</a:t>
-            </a:r>
-            <a:r>
-              <a:rPr lang="en-US" altLang="ja-JP" sz="2800" dirty="0" smtClean="0">
-                <a:solidFill>
-                  <a:schemeClr val="tx1"/>
-                </a:solidFill>
-              </a:rPr>
-              <a:t>sp</a:t>
-            </a:r>
-            <a:endParaRPr kumimoji="1" lang="ja-JP" altLang="en-US" sz="2800" dirty="0">
-              <a:solidFill>
-                <a:schemeClr val="tx1"/>
-              </a:solidFill>
-            </a:endParaRPr>
-          </a:p>
-        </p:txBody>
-      </p:sp>
-      <p:cxnSp>
-        <p:nvCxnSpPr>
-          <p:cNvPr id="6" name="直線矢印コネクタ 5"/>
-          <p:cNvCxnSpPr/>
-          <p:nvPr/>
-        </p:nvCxnSpPr>
-        <p:spPr>
-          <a:xfrm flipV="1">
-            <a:off x="3563888" y="2667456"/>
-            <a:ext cx="2040096" cy="977568"/>
-          </a:xfrm>
-          <a:prstGeom prst="straightConnector1">
-            <a:avLst/>
-          </a:prstGeom>
-          <a:ln>
-            <a:tailEnd type="triangle"/>
-          </a:ln>
-        </p:spPr>
-        <p:style>
-          <a:lnRef idx="1">
-            <a:schemeClr val="accent1"/>
-          </a:lnRef>
-          <a:fillRef idx="0">
-            <a:schemeClr val="accent1"/>
-          </a:fillRef>
-          <a:effectRef idx="0">
-            <a:schemeClr val="accent1"/>
-          </a:effectRef>
-          <a:fontRef idx="minor">
-            <a:schemeClr val="tx1"/>
-          </a:fontRef>
-        </p:style>
-      </p:cxnSp>
-      <p:cxnSp>
-        <p:nvCxnSpPr>
-          <p:cNvPr id="7" name="直線矢印コネクタ 6"/>
-          <p:cNvCxnSpPr/>
-          <p:nvPr/>
-        </p:nvCxnSpPr>
-        <p:spPr>
-          <a:xfrm>
-            <a:off x="3563888" y="4149080"/>
-            <a:ext cx="2018000" cy="1085862"/>
-          </a:xfrm>
-          <a:prstGeom prst="straightConnector1">
-            <a:avLst/>
-          </a:prstGeom>
-          <a:ln>
-            <a:tailEnd type="triangle"/>
-          </a:ln>
-        </p:spPr>
-        <p:style>
-          <a:lnRef idx="1">
-            <a:schemeClr val="accent1"/>
-          </a:lnRef>
-          <a:fillRef idx="0">
-            <a:schemeClr val="accent1"/>
-          </a:fillRef>
-          <a:effectRef idx="0">
-            <a:schemeClr val="accent1"/>
-          </a:effectRef>
-          <a:fontRef idx="minor">
-            <a:schemeClr val="tx1"/>
-          </a:fontRef>
-        </p:style>
-      </p:cxnSp>
-      <p:sp>
-        <p:nvSpPr>
-          <p:cNvPr id="10" name="正方形/長方形 9"/>
-          <p:cNvSpPr/>
-          <p:nvPr/>
-        </p:nvSpPr>
-        <p:spPr>
-          <a:xfrm>
-            <a:off x="5892136" y="4851923"/>
-            <a:ext cx="2262432" cy="766037"/>
-          </a:xfrm>
-          <a:prstGeom prst="rect">
-            <a:avLst/>
-          </a:prstGeom>
-          <a:solidFill>
-            <a:schemeClr val="accent2">
-              <a:lumMod val="40000"/>
-              <a:lumOff val="60000"/>
-            </a:schemeClr>
-          </a:solidFill>
-          <a:ln w="31750">
-            <a:solidFill>
-              <a:schemeClr val="tx1"/>
-            </a:solidFill>
-          </a:ln>
-        </p:spPr>
-        <p:style>
-          <a:lnRef idx="2">
-            <a:schemeClr val="accent1">
-              <a:shade val="50000"/>
-            </a:schemeClr>
-          </a:lnRef>
-          <a:fillRef idx="1">
-            <a:schemeClr val="accent1"/>
-          </a:fillRef>
-          <a:effectRef idx="0">
-            <a:schemeClr val="accent1"/>
-          </a:effectRef>
-          <a:fontRef idx="minor">
-            <a:schemeClr val="lt1"/>
-          </a:fontRef>
-        </p:style>
-        <p:txBody>
-          <a:bodyPr rtlCol="0" anchor="ctr"/>
-          <a:lstStyle/>
-          <a:p>
-            <a:pPr algn="ctr"/>
-            <a:r>
-              <a:rPr kumimoji="1" lang="en-US" altLang="ja-JP" sz="2800" dirty="0" smtClean="0">
-                <a:solidFill>
-                  <a:schemeClr val="tx1"/>
-                </a:solidFill>
-              </a:rPr>
-              <a:t>Scheme</a:t>
-            </a:r>
-            <a:endParaRPr kumimoji="1" lang="ja-JP" altLang="en-US" sz="2800" dirty="0">
-              <a:solidFill>
-                <a:schemeClr val="tx1"/>
-              </a:solidFill>
-            </a:endParaRPr>
-          </a:p>
-        </p:txBody>
-      </p:sp>
-      <p:sp>
-        <p:nvSpPr>
-          <p:cNvPr id="18" name="正方形/長方形 17"/>
-          <p:cNvSpPr/>
-          <p:nvPr/>
-        </p:nvSpPr>
-        <p:spPr>
-          <a:xfrm>
-            <a:off x="3563888" y="4421981"/>
-            <a:ext cx="1753195" cy="472862"/>
-          </a:xfrm>
-          <a:prstGeom prst="rect">
-            <a:avLst/>
-          </a:prstGeom>
-          <a:solidFill>
-            <a:schemeClr val="bg1"/>
-          </a:solidFill>
-          <a:ln w="12700">
-            <a:solidFill>
-              <a:schemeClr val="tx1"/>
-            </a:solidFill>
-          </a:ln>
-        </p:spPr>
-        <p:style>
-          <a:lnRef idx="2">
-            <a:schemeClr val="accent1">
-              <a:shade val="50000"/>
-            </a:schemeClr>
-          </a:lnRef>
-          <a:fillRef idx="1">
-            <a:schemeClr val="accent1"/>
-          </a:fillRef>
-          <a:effectRef idx="0">
-            <a:schemeClr val="accent1"/>
-          </a:effectRef>
-          <a:fontRef idx="minor">
-            <a:schemeClr val="lt1"/>
-          </a:fontRef>
-        </p:style>
-        <p:txBody>
-          <a:bodyPr rtlCol="0" anchor="ctr"/>
-          <a:lstStyle/>
-          <a:p>
-            <a:pPr algn="ctr"/>
-            <a:r>
-              <a:rPr kumimoji="1" lang="ja-JP" altLang="en-US" sz="2000" dirty="0" smtClean="0">
-                <a:solidFill>
-                  <a:schemeClr val="tx1"/>
-                </a:solidFill>
-              </a:rPr>
-              <a:t>機能を厳選</a:t>
-            </a:r>
-            <a:endParaRPr kumimoji="1" lang="ja-JP" altLang="en-US" sz="2000" dirty="0">
-              <a:solidFill>
-                <a:schemeClr val="tx1"/>
-              </a:solidFill>
-            </a:endParaRPr>
-          </a:p>
-        </p:txBody>
-      </p:sp>
-      <p:sp>
-        <p:nvSpPr>
-          <p:cNvPr id="19" name="正方形/長方形 18"/>
-          <p:cNvSpPr/>
-          <p:nvPr/>
-        </p:nvSpPr>
-        <p:spPr>
-          <a:xfrm>
-            <a:off x="3563887" y="3083183"/>
-            <a:ext cx="1753195" cy="472862"/>
-          </a:xfrm>
-          <a:prstGeom prst="rect">
-            <a:avLst/>
-          </a:prstGeom>
-          <a:solidFill>
-            <a:schemeClr val="bg1"/>
-          </a:solidFill>
-          <a:ln w="12700">
-            <a:solidFill>
-              <a:schemeClr val="tx1"/>
-            </a:solidFill>
-          </a:ln>
-        </p:spPr>
-        <p:style>
-          <a:lnRef idx="2">
-            <a:schemeClr val="accent1">
-              <a:shade val="50000"/>
-            </a:schemeClr>
-          </a:lnRef>
-          <a:fillRef idx="1">
-            <a:schemeClr val="accent1"/>
-          </a:fillRef>
-          <a:effectRef idx="0">
-            <a:schemeClr val="accent1"/>
-          </a:effectRef>
-          <a:fontRef idx="minor">
-            <a:schemeClr val="lt1"/>
-          </a:fontRef>
-        </p:style>
-        <p:txBody>
-          <a:bodyPr rtlCol="0" anchor="ctr"/>
-          <a:lstStyle/>
-          <a:p>
-            <a:pPr algn="ctr"/>
-            <a:r>
-              <a:rPr kumimoji="1" lang="ja-JP" altLang="en-US" sz="2000" dirty="0" smtClean="0">
-                <a:solidFill>
-                  <a:schemeClr val="tx1"/>
-                </a:solidFill>
-              </a:rPr>
-              <a:t>多機能化</a:t>
-            </a:r>
-            <a:endParaRPr kumimoji="1" lang="ja-JP" altLang="en-US" sz="2000" dirty="0">
-              <a:solidFill>
-                <a:schemeClr val="tx1"/>
-              </a:solidFill>
-            </a:endParaRPr>
+            <a:pPr marL="82296" indent="0" algn="ctr">
+              <a:buNone/>
+            </a:pPr>
+            <a:endParaRPr kumimoji="1" lang="en-US" altLang="ja-JP" sz="4400" dirty="0" smtClean="0"/>
+          </a:p>
+          <a:p>
+            <a:pPr marL="82296" indent="0" algn="ctr">
+              <a:buNone/>
+            </a:pPr>
+            <a:endParaRPr kumimoji="1" lang="en-US" altLang="ja-JP" sz="4400" dirty="0" smtClean="0"/>
+          </a:p>
+          <a:p>
+            <a:pPr marL="82296" indent="0" algn="ctr">
+              <a:buNone/>
+            </a:pPr>
+            <a:r>
+              <a:rPr kumimoji="1" lang="ja-JP" altLang="en-US" sz="4400" dirty="0" smtClean="0"/>
+              <a:t>③環境準備</a:t>
+            </a:r>
+            <a:endParaRPr kumimoji="1" lang="en-US" altLang="ja-JP" sz="4400" dirty="0" smtClean="0"/>
           </a:p>
         </p:txBody>
       </p:sp>
     </p:spTree>
     <p:extLst>
       <p:ext uri="{BB962C8B-B14F-4D97-AF65-F5344CB8AC3E}">
-        <p14:creationId xmlns:p14="http://schemas.microsoft.com/office/powerpoint/2010/main" val="2967928757"/>
+        <p14:creationId xmlns:p14="http://schemas.microsoft.com/office/powerpoint/2010/main" val="1380082786"/>
       </p:ext>
     </p:extLst>
   </p:cSld>
@@ -5292,7 +4960,7 @@
 </file>
 
 <file path=ppt/slides/slide12.xml><?xml version="1.0" encoding="utf-8"?>
-<p:sld xmlns:a="http://schemas.openxmlformats.org/drawingml/2006/main" xmlns:r="http://schemas.openxmlformats.org/officeDocument/2006/relationships" xmlns:p="http://schemas.openxmlformats.org/presentationml/2006/main" show="0">
+<p:sld xmlns:a="http://schemas.openxmlformats.org/drawingml/2006/main" xmlns:r="http://schemas.openxmlformats.org/officeDocument/2006/relationships" xmlns:p="http://schemas.openxmlformats.org/presentationml/2006/main">
   <p:cSld>
     <p:spTree>
       <p:nvGrpSpPr>
@@ -5320,30 +4988,12 @@
         </p:nvSpPr>
         <p:spPr/>
         <p:txBody>
-          <a:bodyPr>
-            <a:normAutofit/>
-          </a:bodyPr>
+          <a:bodyPr/>
           <a:lstStyle/>
           <a:p>
             <a:r>
               <a:rPr kumimoji="1" lang="en-US" altLang="ja-JP" dirty="0" smtClean="0"/>
-              <a:t>S</a:t>
-            </a:r>
-            <a:r>
-              <a:rPr kumimoji="1" lang="ja-JP" altLang="en-US" dirty="0" smtClean="0"/>
-              <a:t>式</a:t>
-            </a:r>
-            <a:r>
-              <a:rPr kumimoji="1" lang="ja-JP" altLang="en-US" sz="3200" dirty="0" smtClean="0"/>
-              <a:t>（</a:t>
-            </a:r>
-            <a:r>
-              <a:rPr kumimoji="1" lang="en-US" altLang="ja-JP" sz="3200" dirty="0" smtClean="0"/>
-              <a:t>Symbolic expression</a:t>
-            </a:r>
-            <a:r>
-              <a:rPr kumimoji="1" lang="ja-JP" altLang="en-US" sz="3200" dirty="0" smtClean="0"/>
-              <a:t>）</a:t>
+              <a:t>Gauche</a:t>
             </a:r>
             <a:endParaRPr kumimoji="1" lang="ja-JP" altLang="en-US" dirty="0"/>
           </a:p>
@@ -5375,20 +5025,48 @@
               <a:buNone/>
             </a:pPr>
             <a:r>
+              <a:rPr lang="ja-JP" altLang="en-US" dirty="0" smtClean="0"/>
+              <a:t>・</a:t>
+            </a:r>
+            <a:r>
               <a:rPr lang="en-US" altLang="ja-JP" dirty="0" smtClean="0"/>
-              <a:t>S</a:t>
-            </a:r>
-            <a:r>
-              <a:rPr lang="ja-JP" altLang="en-US" dirty="0" smtClean="0"/>
-              <a:t>式とは以下の２つ</a:t>
-            </a:r>
+              <a:t>Scheme</a:t>
+            </a:r>
+            <a:r>
+              <a:rPr lang="ja-JP" altLang="en-US" dirty="0" smtClean="0"/>
+              <a:t>処理系の</a:t>
+            </a:r>
+            <a:r>
+              <a:rPr lang="ja-JP" altLang="en-US" dirty="0" smtClean="0"/>
+              <a:t>ひとつ</a:t>
+            </a:r>
+            <a:endParaRPr lang="en-US" altLang="ja-JP" dirty="0"/>
+          </a:p>
+          <a:p>
+            <a:pPr marL="82296" indent="0">
+              <a:buNone/>
+            </a:pPr>
+            <a:r>
+              <a:rPr lang="en-US" altLang="ja-JP" dirty="0" smtClean="0"/>
+              <a:t>※</a:t>
+            </a:r>
+            <a:r>
+              <a:rPr lang="ja-JP" altLang="en-US" dirty="0" smtClean="0"/>
+              <a:t>処理系</a:t>
+            </a:r>
+            <a:endParaRPr lang="en-US" altLang="ja-JP" dirty="0" smtClean="0"/>
+          </a:p>
+          <a:p>
+            <a:pPr marL="82296" indent="0">
+              <a:buNone/>
+            </a:pPr>
             <a:r>
               <a:rPr lang="ja-JP" altLang="en-US" dirty="0"/>
-              <a:t>に</a:t>
-            </a:r>
-            <a:r>
-              <a:rPr lang="ja-JP" altLang="en-US" dirty="0" smtClean="0"/>
-              <a:t>定義される。</a:t>
+              <a:t>　</a:t>
+            </a:r>
+            <a:r>
+              <a:rPr lang="ja-JP" altLang="en-US" dirty="0" smtClean="0"/>
+              <a:t>プログラムを実行するためのソフトウェア。</a:t>
             </a:r>
             <a:endParaRPr lang="en-US" altLang="ja-JP" dirty="0" smtClean="0"/>
           </a:p>
@@ -5396,9 +5074,19 @@
             <a:pPr marL="82296" indent="0">
               <a:buNone/>
             </a:pPr>
-            <a:r>
-              <a:rPr lang="ja-JP" altLang="en-US" dirty="0" smtClean="0"/>
-              <a:t>・基本要素（数値やオペレータなど）</a:t>
+            <a:endParaRPr lang="en-US" altLang="ja-JP" dirty="0"/>
+          </a:p>
+          <a:p>
+            <a:pPr marL="82296" indent="0">
+              <a:buNone/>
+            </a:pPr>
+            <a:r>
+              <a:rPr lang="ja-JP" altLang="en-US" dirty="0" smtClean="0"/>
+              <a:t>・日本人作</a:t>
+            </a:r>
+            <a:r>
+              <a:rPr lang="ja-JP" altLang="en-US" dirty="0" smtClean="0"/>
+              <a:t>らしい</a:t>
             </a:r>
             <a:endParaRPr lang="en-US" altLang="ja-JP" dirty="0" smtClean="0"/>
           </a:p>
@@ -5406,170 +5094,68 @@
             <a:pPr marL="82296" indent="0">
               <a:buNone/>
             </a:pPr>
-            <a:r>
-              <a:rPr lang="ja-JP" altLang="en-US" dirty="0" smtClean="0"/>
-              <a:t>・</a:t>
-            </a:r>
-            <a:r>
-              <a:rPr lang="en-US" altLang="ja-JP" dirty="0" smtClean="0"/>
-              <a:t>S</a:t>
-            </a:r>
-            <a:r>
-              <a:rPr lang="ja-JP" altLang="en-US" dirty="0" smtClean="0"/>
-              <a:t>式を並べて括弧でくくったリスト</a:t>
+            <a:endParaRPr lang="en-US" altLang="ja-JP" dirty="0"/>
+          </a:p>
+          <a:p>
+            <a:pPr marL="82296" indent="0">
+              <a:buNone/>
+            </a:pPr>
+            <a:r>
+              <a:rPr lang="ja-JP" altLang="en-US" dirty="0" smtClean="0"/>
+              <a:t>・単独でオライリー本</a:t>
+            </a:r>
+            <a:r>
+              <a:rPr lang="ja-JP" altLang="en-US" dirty="0"/>
+              <a:t>出</a:t>
+            </a:r>
+            <a:r>
+              <a:rPr lang="ja-JP" altLang="en-US" dirty="0" smtClean="0"/>
+              <a:t>てる</a:t>
             </a:r>
             <a:endParaRPr lang="en-US" altLang="ja-JP" dirty="0" smtClean="0"/>
           </a:p>
-          <a:p>
-            <a:pPr marL="82296" indent="0">
-              <a:buNone/>
-            </a:pPr>
-            <a:endParaRPr lang="en-US" altLang="ja-JP" dirty="0" smtClean="0"/>
-          </a:p>
-          <a:p>
-            <a:pPr marL="82296" indent="0">
-              <a:buNone/>
-            </a:pPr>
-            <a:r>
-              <a:rPr lang="ja-JP" altLang="en-US" dirty="0" smtClean="0"/>
-              <a:t>例）</a:t>
-            </a:r>
-            <a:endParaRPr lang="en-US" altLang="ja-JP" dirty="0" smtClean="0"/>
-          </a:p>
-          <a:p>
-            <a:pPr marL="82296" indent="0">
-              <a:buNone/>
-            </a:pPr>
-            <a:r>
-              <a:rPr lang="ja-JP" altLang="en-US" dirty="0" smtClean="0"/>
-              <a:t>・</a:t>
-            </a:r>
-            <a:r>
-              <a:rPr lang="en-US" altLang="ja-JP" dirty="0" smtClean="0"/>
-              <a:t>1</a:t>
-            </a:r>
-            <a:r>
-              <a:rPr lang="ja-JP" altLang="en-US" dirty="0" smtClean="0"/>
-              <a:t>は数値ひとつからなる</a:t>
-            </a:r>
-            <a:r>
-              <a:rPr lang="en-US" altLang="ja-JP" dirty="0" smtClean="0"/>
-              <a:t>S</a:t>
-            </a:r>
-            <a:r>
-              <a:rPr lang="ja-JP" altLang="en-US" dirty="0" smtClean="0"/>
-              <a:t>式</a:t>
-            </a:r>
-            <a:endParaRPr lang="en-US" altLang="ja-JP" dirty="0" smtClean="0"/>
-          </a:p>
-          <a:p>
-            <a:pPr marL="82296" indent="0">
-              <a:buNone/>
-            </a:pPr>
-            <a:r>
-              <a:rPr lang="ja-JP" altLang="en-US" dirty="0" smtClean="0"/>
-              <a:t>・</a:t>
-            </a:r>
-            <a:r>
-              <a:rPr lang="en-US" altLang="ja-JP" dirty="0" smtClean="0"/>
-              <a:t>+</a:t>
-            </a:r>
-            <a:r>
-              <a:rPr lang="ja-JP" altLang="en-US" dirty="0" smtClean="0"/>
-              <a:t>は記号</a:t>
-            </a:r>
-            <a:r>
-              <a:rPr lang="en-US" altLang="ja-JP" dirty="0" smtClean="0"/>
-              <a:t>+</a:t>
-            </a:r>
-            <a:r>
-              <a:rPr lang="ja-JP" altLang="en-US" dirty="0" smtClean="0"/>
-              <a:t>ひとつからなる</a:t>
-            </a:r>
-            <a:r>
-              <a:rPr lang="en-US" altLang="ja-JP" dirty="0" smtClean="0"/>
-              <a:t>S</a:t>
-            </a:r>
-            <a:r>
-              <a:rPr lang="ja-JP" altLang="en-US" dirty="0" smtClean="0"/>
-              <a:t>式</a:t>
-            </a:r>
-            <a:endParaRPr lang="en-US" altLang="ja-JP" dirty="0"/>
-          </a:p>
-          <a:p>
-            <a:pPr marL="82296" indent="0">
-              <a:buNone/>
-            </a:pPr>
-            <a:r>
-              <a:rPr lang="ja-JP" altLang="en-US" dirty="0" smtClean="0"/>
-              <a:t>・</a:t>
-            </a:r>
-            <a:r>
-              <a:rPr lang="en-US" altLang="ja-JP" dirty="0" smtClean="0"/>
-              <a:t>(* 2 3)</a:t>
-            </a:r>
-            <a:r>
-              <a:rPr lang="ja-JP" altLang="en-US" dirty="0" smtClean="0"/>
-              <a:t>は記号</a:t>
-            </a:r>
-            <a:r>
-              <a:rPr lang="en-US" altLang="ja-JP" dirty="0" smtClean="0"/>
-              <a:t>*</a:t>
-            </a:r>
-            <a:r>
-              <a:rPr lang="ja-JP" altLang="en-US" dirty="0" err="1" smtClean="0"/>
-              <a:t>、</a:t>
-            </a:r>
-            <a:r>
-              <a:rPr lang="ja-JP" altLang="en-US" dirty="0"/>
-              <a:t>数値</a:t>
-            </a:r>
-            <a:r>
-              <a:rPr lang="en-US" altLang="ja-JP" dirty="0" smtClean="0"/>
-              <a:t>2,</a:t>
-            </a:r>
-            <a:r>
-              <a:rPr lang="ja-JP" altLang="en-US" dirty="0" smtClean="0"/>
-              <a:t>数値</a:t>
-            </a:r>
-            <a:r>
-              <a:rPr lang="en-US" altLang="ja-JP" dirty="0" smtClean="0"/>
-              <a:t>3</a:t>
-            </a:r>
-            <a:r>
-              <a:rPr lang="ja-JP" altLang="en-US" dirty="0" smtClean="0"/>
-              <a:t>からなる</a:t>
-            </a:r>
-            <a:r>
-              <a:rPr lang="en-US" altLang="ja-JP" dirty="0" smtClean="0"/>
-              <a:t>S</a:t>
-            </a:r>
-            <a:r>
-              <a:rPr lang="ja-JP" altLang="en-US" dirty="0" smtClean="0"/>
-              <a:t>式</a:t>
-            </a:r>
-            <a:endParaRPr lang="en-US" altLang="ja-JP" dirty="0" smtClean="0"/>
-          </a:p>
-        </p:txBody>
-      </p:sp>
+        </p:txBody>
+      </p:sp>
+      <p:pic>
+        <p:nvPicPr>
+          <p:cNvPr id="4" name="図 3"/>
+          <p:cNvPicPr>
+            <a:picLocks noChangeAspect="1"/>
+          </p:cNvPicPr>
+          <p:nvPr/>
+        </p:nvPicPr>
+        <p:blipFill>
+          <a:blip r:embed="rId2">
+            <a:extLst>
+              <a:ext uri="{28A0092B-C50C-407E-A947-70E740481C1C}">
+                <a14:useLocalDpi xmlns:a14="http://schemas.microsoft.com/office/drawing/2010/main" val="0"/>
+              </a:ext>
+            </a:extLst>
+          </a:blip>
+          <a:stretch>
+            <a:fillRect/>
+          </a:stretch>
+        </p:blipFill>
+        <p:spPr>
+          <a:xfrm>
+            <a:off x="6012160" y="3356992"/>
+            <a:ext cx="2582222" cy="3312368"/>
+          </a:xfrm>
+          <a:prstGeom prst="rect">
+            <a:avLst/>
+          </a:prstGeom>
+        </p:spPr>
+      </p:pic>
     </p:spTree>
     <p:extLst>
       <p:ext uri="{BB962C8B-B14F-4D97-AF65-F5344CB8AC3E}">
-        <p14:creationId xmlns:p14="http://schemas.microsoft.com/office/powerpoint/2010/main" val="480866501"/>
+        <p14:creationId xmlns:p14="http://schemas.microsoft.com/office/powerpoint/2010/main" val="1171830484"/>
       </p:ext>
     </p:extLst>
   </p:cSld>
   <p:clrMapOvr>
     <a:masterClrMapping/>
   </p:clrMapOvr>
-  <mc:AlternateContent xmlns:mc="http://schemas.openxmlformats.org/markup-compatibility/2006" xmlns:p14="http://schemas.microsoft.com/office/powerpoint/2010/main">
-    <mc:Choice Requires="p14">
-      <p:transition spd="slow" p14:dur="2000"/>
-    </mc:Choice>
-    <mc:Fallback xmlns="">
-      <p:transition spd="slow"/>
-    </mc:Fallback>
-  </mc:AlternateContent>
   <p:timing>
     <p:tnLst>
       <p:par>
@@ -5581,7 +5167,7 @@
 </file>
 
 <file path=ppt/slides/slide13.xml><?xml version="1.0" encoding="utf-8"?>
-<p:sld xmlns:a="http://schemas.openxmlformats.org/drawingml/2006/main" xmlns:r="http://schemas.openxmlformats.org/officeDocument/2006/relationships" xmlns:p="http://schemas.openxmlformats.org/presentationml/2006/main" show="0">
+<p:sld xmlns:a="http://schemas.openxmlformats.org/drawingml/2006/main" xmlns:r="http://schemas.openxmlformats.org/officeDocument/2006/relationships" xmlns:p="http://schemas.openxmlformats.org/presentationml/2006/main">
   <p:cSld>
     <p:spTree>
       <p:nvGrpSpPr>
@@ -5609,30 +5195,12 @@
         </p:nvSpPr>
         <p:spPr/>
         <p:txBody>
-          <a:bodyPr>
-            <a:normAutofit/>
-          </a:bodyPr>
+          <a:bodyPr/>
           <a:lstStyle/>
           <a:p>
             <a:r>
-              <a:rPr kumimoji="1" lang="en-US" altLang="ja-JP" dirty="0" smtClean="0"/>
-              <a:t>S</a:t>
-            </a:r>
-            <a:r>
               <a:rPr kumimoji="1" lang="ja-JP" altLang="en-US" dirty="0" smtClean="0"/>
-              <a:t>式</a:t>
-            </a:r>
-            <a:r>
-              <a:rPr kumimoji="1" lang="ja-JP" altLang="en-US" sz="3200" dirty="0" smtClean="0"/>
-              <a:t>（</a:t>
-            </a:r>
-            <a:r>
-              <a:rPr kumimoji="1" lang="en-US" altLang="ja-JP" sz="3200" dirty="0" smtClean="0"/>
-              <a:t>Symbolic expression</a:t>
-            </a:r>
-            <a:r>
-              <a:rPr kumimoji="1" lang="ja-JP" altLang="en-US" sz="3200" dirty="0" smtClean="0"/>
-              <a:t>）</a:t>
+              <a:t>エディタ</a:t>
             </a:r>
             <a:endParaRPr kumimoji="1" lang="ja-JP" altLang="en-US" dirty="0"/>
           </a:p>
@@ -5665,29 +5233,108 @@
             </a:pPr>
             <a:r>
               <a:rPr lang="en-US" altLang="ja-JP" dirty="0" smtClean="0"/>
-              <a:t>(define (add X Y) (+ X Y))</a:t>
-            </a:r>
+              <a:t>Lisp</a:t>
+            </a:r>
+            <a:r>
+              <a:rPr lang="ja-JP" altLang="en-US" dirty="0" err="1" smtClean="0"/>
+              <a:t>、</a:t>
+            </a:r>
+            <a:r>
+              <a:rPr lang="en-US" altLang="ja-JP" dirty="0" smtClean="0"/>
+              <a:t>Scheme</a:t>
+            </a:r>
+            <a:r>
+              <a:rPr lang="ja-JP" altLang="en-US" dirty="0" smtClean="0"/>
+              <a:t>界隈では</a:t>
+            </a:r>
+            <a:r>
+              <a:rPr lang="en-US" altLang="ja-JP" dirty="0" err="1" smtClean="0"/>
+              <a:t>Emacs</a:t>
+            </a:r>
+            <a:r>
+              <a:rPr lang="ja-JP" altLang="en-US" dirty="0" smtClean="0"/>
+              <a:t>の使用が</a:t>
+            </a:r>
+            <a:endParaRPr lang="en-US" altLang="ja-JP" dirty="0" smtClean="0"/>
+          </a:p>
+          <a:p>
+            <a:pPr marL="82296" indent="0">
+              <a:buNone/>
+            </a:pPr>
+            <a:r>
+              <a:rPr lang="ja-JP" altLang="en-US" dirty="0" smtClean="0"/>
+              <a:t>推奨されている</a:t>
+            </a:r>
+            <a:endParaRPr lang="en-US" altLang="ja-JP" dirty="0" smtClean="0"/>
+          </a:p>
+          <a:p>
+            <a:pPr marL="82296" indent="0">
+              <a:buNone/>
+            </a:pPr>
+            <a:endParaRPr lang="en-US" altLang="ja-JP" dirty="0"/>
+          </a:p>
+          <a:p>
+            <a:pPr marL="82296" indent="0">
+              <a:buNone/>
+            </a:pPr>
+            <a:r>
+              <a:rPr lang="ja-JP" altLang="en-US" dirty="0" smtClean="0"/>
+              <a:t>・</a:t>
+            </a:r>
+            <a:r>
+              <a:rPr lang="en-US" altLang="ja-JP" dirty="0" smtClean="0"/>
+              <a:t>Lisp</a:t>
+            </a:r>
+            <a:r>
+              <a:rPr lang="ja-JP" altLang="en-US" dirty="0" smtClean="0"/>
+              <a:t>系言語の開発支援機能あり</a:t>
+            </a:r>
+            <a:endParaRPr lang="en-US" altLang="ja-JP" dirty="0" smtClean="0"/>
+          </a:p>
+          <a:p>
+            <a:pPr marL="82296" indent="0">
+              <a:buNone/>
+            </a:pPr>
+            <a:r>
+              <a:rPr lang="ja-JP" altLang="en-US" dirty="0"/>
+              <a:t>・</a:t>
+            </a:r>
+            <a:r>
+              <a:rPr lang="en-US" altLang="ja-JP" dirty="0" err="1"/>
+              <a:t>Emacs</a:t>
+            </a:r>
+            <a:r>
+              <a:rPr lang="ja-JP" altLang="en-US" dirty="0"/>
+              <a:t>スクリプトが</a:t>
+            </a:r>
+            <a:r>
+              <a:rPr lang="en-US" altLang="ja-JP" dirty="0"/>
+              <a:t>Lisp</a:t>
+            </a:r>
+            <a:r>
+              <a:rPr lang="ja-JP" altLang="en-US" dirty="0"/>
+              <a:t>で書ける</a:t>
+            </a:r>
+            <a:endParaRPr lang="en-US" altLang="ja-JP" dirty="0"/>
+          </a:p>
+          <a:p>
+            <a:pPr marL="82296" indent="0">
+              <a:buNone/>
+            </a:pPr>
+            <a:endParaRPr lang="en-US" altLang="ja-JP" dirty="0" smtClean="0"/>
           </a:p>
         </p:txBody>
       </p:sp>
     </p:spTree>
     <p:extLst>
       <p:ext uri="{BB962C8B-B14F-4D97-AF65-F5344CB8AC3E}">
-        <p14:creationId xmlns:p14="http://schemas.microsoft.com/office/powerpoint/2010/main" val="1799093733"/>
+        <p14:creationId xmlns:p14="http://schemas.microsoft.com/office/powerpoint/2010/main" val="1277891446"/>
       </p:ext>
     </p:extLst>
   </p:cSld>
   <p:clrMapOvr>
     <a:masterClrMapping/>
   </p:clrMapOvr>
-  <mc:AlternateContent xmlns:mc="http://schemas.openxmlformats.org/markup-compatibility/2006" xmlns:p14="http://schemas.microsoft.com/office/powerpoint/2010/main">
-    <mc:Choice Requires="p14">
-      <p:transition spd="slow" p14:dur="2000"/>
-    </mc:Choice>
-    <mc:Fallback xmlns="">
-      <p:transition spd="slow"/>
-    </mc:Fallback>
-  </mc:AlternateContent>
   <p:timing>
     <p:tnLst>
       <p:par>
@@ -5699,7 +5346,7 @@
 </file>
 
 <file path=ppt/slides/slide14.xml><?xml version="1.0" encoding="utf-8"?>
-<p:sld xmlns:a="http://schemas.openxmlformats.org/drawingml/2006/main" xmlns:r="http://schemas.openxmlformats.org/officeDocument/2006/relationships" xmlns:p="http://schemas.openxmlformats.org/presentationml/2006/main" show="0">
+<p:sld xmlns:a="http://schemas.openxmlformats.org/drawingml/2006/main" xmlns:r="http://schemas.openxmlformats.org/officeDocument/2006/relationships" xmlns:p="http://schemas.openxmlformats.org/presentationml/2006/main">
   <p:cSld>
     <p:spTree>
       <p:nvGrpSpPr>
@@ -5727,30 +5374,12 @@
         </p:nvSpPr>
         <p:spPr/>
         <p:txBody>
-          <a:bodyPr>
-            <a:normAutofit/>
-          </a:bodyPr>
+          <a:bodyPr/>
           <a:lstStyle/>
           <a:p>
             <a:r>
-              <a:rPr kumimoji="1" lang="en-US" altLang="ja-JP" dirty="0" smtClean="0"/>
-              <a:t>S</a:t>
-            </a:r>
-            <a:r>
               <a:rPr kumimoji="1" lang="ja-JP" altLang="en-US" dirty="0" smtClean="0"/>
-              <a:t>式</a:t>
-            </a:r>
-            <a:r>
-              <a:rPr kumimoji="1" lang="ja-JP" altLang="en-US" sz="3200" dirty="0" smtClean="0"/>
-              <a:t>（</a:t>
-            </a:r>
-            <a:r>
-              <a:rPr kumimoji="1" lang="en-US" altLang="ja-JP" sz="3200" dirty="0" smtClean="0"/>
-              <a:t>Symbolic expression</a:t>
-            </a:r>
-            <a:r>
-              <a:rPr kumimoji="1" lang="ja-JP" altLang="en-US" sz="3200" dirty="0" smtClean="0"/>
-              <a:t>）</a:t>
+              <a:t>エディタ</a:t>
             </a:r>
             <a:endParaRPr kumimoji="1" lang="ja-JP" altLang="en-US" dirty="0"/>
           </a:p>
@@ -5783,717 +5412,136 @@
             </a:pPr>
             <a:r>
               <a:rPr lang="en-US" altLang="ja-JP" dirty="0" smtClean="0"/>
-              <a:t>(define (add X Y) (+ X Y))</a:t>
-            </a:r>
-          </a:p>
-        </p:txBody>
-      </p:sp>
-      <p:sp>
-        <p:nvSpPr>
-          <p:cNvPr id="5" name="右中かっこ 4"/>
-          <p:cNvSpPr/>
-          <p:nvPr/>
-        </p:nvSpPr>
-        <p:spPr>
-          <a:xfrm rot="5400000">
-            <a:off x="3620436" y="-412012"/>
-            <a:ext cx="782960" cy="5152616"/>
-          </a:xfrm>
-          <a:prstGeom prst="rightBrace">
-            <a:avLst/>
-          </a:prstGeom>
-          <a:ln w="31750"/>
-        </p:spPr>
-        <p:style>
-          <a:lnRef idx="1">
-            <a:schemeClr val="accent1"/>
-          </a:lnRef>
-          <a:fillRef idx="0">
-            <a:schemeClr val="accent1"/>
-          </a:fillRef>
-          <a:effectRef idx="0">
-            <a:schemeClr val="accent1"/>
-          </a:effectRef>
-          <a:fontRef idx="minor">
-            <a:schemeClr val="tx1"/>
-          </a:fontRef>
-        </p:style>
-        <p:txBody>
-          <a:bodyPr rtlCol="0" anchor="ctr"/>
-          <a:lstStyle/>
-          <a:p>
-            <a:pPr algn="ctr"/>
-            <a:endParaRPr kumimoji="1" lang="ja-JP" altLang="en-US"/>
-          </a:p>
-        </p:txBody>
-      </p:sp>
-      <p:sp>
-        <p:nvSpPr>
-          <p:cNvPr id="6" name="右中かっこ 5"/>
-          <p:cNvSpPr/>
-          <p:nvPr/>
-        </p:nvSpPr>
-        <p:spPr>
-          <a:xfrm rot="5400000">
-            <a:off x="5359524" y="1480220"/>
-            <a:ext cx="729208" cy="1728192"/>
-          </a:xfrm>
-          <a:prstGeom prst="rightBrace">
-            <a:avLst/>
-          </a:prstGeom>
-          <a:ln w="31750"/>
-        </p:spPr>
-        <p:style>
-          <a:lnRef idx="1">
-            <a:schemeClr val="accent1"/>
-          </a:lnRef>
-          <a:fillRef idx="0">
-            <a:schemeClr val="accent1"/>
-          </a:fillRef>
-          <a:effectRef idx="0">
-            <a:schemeClr val="accent1"/>
-          </a:effectRef>
-          <a:fontRef idx="minor">
-            <a:schemeClr val="tx1"/>
-          </a:fontRef>
-        </p:style>
-        <p:txBody>
-          <a:bodyPr rtlCol="0" anchor="ctr"/>
-          <a:lstStyle/>
-          <a:p>
-            <a:pPr algn="ctr"/>
-            <a:endParaRPr kumimoji="1" lang="ja-JP" altLang="en-US"/>
-          </a:p>
-        </p:txBody>
-      </p:sp>
-      <p:sp>
-        <p:nvSpPr>
-          <p:cNvPr id="9" name="右中かっこ 8"/>
-          <p:cNvSpPr/>
-          <p:nvPr/>
-        </p:nvSpPr>
-        <p:spPr>
-          <a:xfrm rot="5400000">
-            <a:off x="3286298" y="1665258"/>
-            <a:ext cx="1099284" cy="1728192"/>
-          </a:xfrm>
-          <a:prstGeom prst="rightBrace">
-            <a:avLst/>
-          </a:prstGeom>
-          <a:ln w="31750"/>
-        </p:spPr>
-        <p:style>
-          <a:lnRef idx="1">
-            <a:schemeClr val="accent1"/>
-          </a:lnRef>
-          <a:fillRef idx="0">
-            <a:schemeClr val="accent1"/>
-          </a:fillRef>
-          <a:effectRef idx="0">
-            <a:schemeClr val="accent1"/>
-          </a:effectRef>
-          <a:fontRef idx="minor">
-            <a:schemeClr val="tx1"/>
-          </a:fontRef>
-        </p:style>
-        <p:txBody>
-          <a:bodyPr rtlCol="0" anchor="ctr"/>
-          <a:lstStyle/>
-          <a:p>
-            <a:pPr algn="ctr"/>
-            <a:endParaRPr kumimoji="1" lang="ja-JP" altLang="en-US"/>
-          </a:p>
-        </p:txBody>
-      </p:sp>
-      <p:sp>
-        <p:nvSpPr>
-          <p:cNvPr id="10" name="テキスト ボックス 9"/>
-          <p:cNvSpPr txBox="1"/>
-          <p:nvPr/>
-        </p:nvSpPr>
-        <p:spPr>
-          <a:xfrm>
-            <a:off x="3809906" y="2555776"/>
-            <a:ext cx="970128" cy="523220"/>
-          </a:xfrm>
-          <a:prstGeom prst="rect">
-            <a:avLst/>
-          </a:prstGeom>
-          <a:noFill/>
-        </p:spPr>
-        <p:txBody>
-          <a:bodyPr wrap="square" rtlCol="0">
-            <a:spAutoFit/>
-          </a:bodyPr>
-          <a:lstStyle/>
-          <a:p>
-            <a:r>
-              <a:rPr kumimoji="1" lang="en-US" altLang="ja-JP" sz="2800" dirty="0" smtClean="0"/>
-              <a:t>S</a:t>
-            </a:r>
-            <a:r>
-              <a:rPr kumimoji="1" lang="ja-JP" altLang="en-US" sz="2800" dirty="0" smtClean="0"/>
-              <a:t>式</a:t>
-            </a:r>
-            <a:endParaRPr kumimoji="1" lang="ja-JP" altLang="en-US" sz="2800" dirty="0"/>
-          </a:p>
-        </p:txBody>
-      </p:sp>
-      <p:sp>
-        <p:nvSpPr>
-          <p:cNvPr id="11" name="テキスト ボックス 10"/>
-          <p:cNvSpPr txBox="1"/>
-          <p:nvPr/>
-        </p:nvSpPr>
-        <p:spPr>
-          <a:xfrm>
-            <a:off x="5353232" y="2689600"/>
-            <a:ext cx="970128" cy="523220"/>
-          </a:xfrm>
-          <a:prstGeom prst="rect">
-            <a:avLst/>
-          </a:prstGeom>
-          <a:noFill/>
-        </p:spPr>
-        <p:txBody>
-          <a:bodyPr wrap="square" rtlCol="0">
-            <a:spAutoFit/>
-          </a:bodyPr>
-          <a:lstStyle/>
-          <a:p>
-            <a:r>
-              <a:rPr kumimoji="1" lang="en-US" altLang="ja-JP" sz="2800" dirty="0" smtClean="0"/>
-              <a:t>S</a:t>
-            </a:r>
-            <a:r>
-              <a:rPr kumimoji="1" lang="ja-JP" altLang="en-US" sz="2800" dirty="0" smtClean="0"/>
-              <a:t>式</a:t>
-            </a:r>
-            <a:endParaRPr kumimoji="1" lang="ja-JP" altLang="en-US" sz="2800" dirty="0"/>
-          </a:p>
-        </p:txBody>
-      </p:sp>
-      <p:sp>
-        <p:nvSpPr>
-          <p:cNvPr id="12" name="テキスト ボックス 11"/>
-          <p:cNvSpPr txBox="1"/>
-          <p:nvPr/>
-        </p:nvSpPr>
-        <p:spPr>
-          <a:xfrm>
-            <a:off x="3447805" y="3078996"/>
-            <a:ext cx="970128" cy="523220"/>
-          </a:xfrm>
-          <a:prstGeom prst="rect">
-            <a:avLst/>
-          </a:prstGeom>
-          <a:noFill/>
-        </p:spPr>
-        <p:txBody>
-          <a:bodyPr wrap="square" rtlCol="0">
-            <a:spAutoFit/>
-          </a:bodyPr>
-          <a:lstStyle/>
-          <a:p>
-            <a:r>
-              <a:rPr kumimoji="1" lang="en-US" altLang="ja-JP" sz="2800" dirty="0" smtClean="0"/>
-              <a:t>S</a:t>
-            </a:r>
-            <a:r>
-              <a:rPr kumimoji="1" lang="ja-JP" altLang="en-US" sz="2800" dirty="0" smtClean="0"/>
-              <a:t>式</a:t>
-            </a:r>
-            <a:endParaRPr kumimoji="1" lang="ja-JP" altLang="en-US" sz="2800" dirty="0"/>
-          </a:p>
-        </p:txBody>
-      </p:sp>
-      <p:cxnSp>
-        <p:nvCxnSpPr>
-          <p:cNvPr id="14" name="直線矢印コネクタ 13"/>
-          <p:cNvCxnSpPr/>
-          <p:nvPr/>
-        </p:nvCxnSpPr>
-        <p:spPr>
-          <a:xfrm flipH="1" flipV="1">
-            <a:off x="1927081" y="1736812"/>
-            <a:ext cx="72008" cy="972108"/>
-          </a:xfrm>
-          <a:prstGeom prst="straightConnector1">
-            <a:avLst/>
-          </a:prstGeom>
-          <a:ln w="15875">
-            <a:tailEnd type="triangle"/>
-          </a:ln>
-        </p:spPr>
-        <p:style>
-          <a:lnRef idx="1">
-            <a:schemeClr val="accent1"/>
-          </a:lnRef>
-          <a:fillRef idx="0">
-            <a:schemeClr val="accent1"/>
-          </a:fillRef>
-          <a:effectRef idx="0">
-            <a:schemeClr val="accent1"/>
-          </a:effectRef>
-          <a:fontRef idx="minor">
-            <a:schemeClr val="tx1"/>
-          </a:fontRef>
-        </p:style>
-      </p:cxnSp>
-      <p:sp>
-        <p:nvSpPr>
-          <p:cNvPr id="15" name="テキスト ボックス 14"/>
-          <p:cNvSpPr txBox="1"/>
-          <p:nvPr/>
-        </p:nvSpPr>
-        <p:spPr>
-          <a:xfrm>
-            <a:off x="2352087" y="3356588"/>
-            <a:ext cx="970128" cy="523220"/>
-          </a:xfrm>
-          <a:prstGeom prst="rect">
-            <a:avLst/>
-          </a:prstGeom>
-          <a:noFill/>
-        </p:spPr>
-        <p:txBody>
-          <a:bodyPr wrap="square" rtlCol="0">
-            <a:spAutoFit/>
-          </a:bodyPr>
-          <a:lstStyle/>
-          <a:p>
-            <a:r>
-              <a:rPr kumimoji="1" lang="en-US" altLang="ja-JP" sz="2800" dirty="0" smtClean="0"/>
-              <a:t>S</a:t>
-            </a:r>
-            <a:r>
-              <a:rPr kumimoji="1" lang="ja-JP" altLang="en-US" sz="2800" dirty="0" smtClean="0"/>
-              <a:t>式</a:t>
-            </a:r>
-            <a:endParaRPr kumimoji="1" lang="ja-JP" altLang="en-US" sz="2800" dirty="0"/>
-          </a:p>
-        </p:txBody>
-      </p:sp>
-      <p:cxnSp>
-        <p:nvCxnSpPr>
-          <p:cNvPr id="16" name="直線矢印コネクタ 15"/>
-          <p:cNvCxnSpPr/>
-          <p:nvPr/>
-        </p:nvCxnSpPr>
-        <p:spPr>
-          <a:xfrm flipV="1">
-            <a:off x="2837151" y="1678242"/>
-            <a:ext cx="386095" cy="1607650"/>
-          </a:xfrm>
-          <a:prstGeom prst="straightConnector1">
-            <a:avLst/>
-          </a:prstGeom>
-          <a:ln w="15875">
-            <a:tailEnd type="triangle"/>
-          </a:ln>
-        </p:spPr>
-        <p:style>
-          <a:lnRef idx="1">
-            <a:schemeClr val="accent1"/>
-          </a:lnRef>
-          <a:fillRef idx="0">
-            <a:schemeClr val="accent1"/>
-          </a:fillRef>
-          <a:effectRef idx="0">
-            <a:schemeClr val="accent1"/>
-          </a:effectRef>
-          <a:fontRef idx="minor">
-            <a:schemeClr val="tx1"/>
-          </a:fontRef>
-        </p:style>
-      </p:cxnSp>
-      <p:cxnSp>
-        <p:nvCxnSpPr>
-          <p:cNvPr id="18" name="直線矢印コネクタ 17"/>
-          <p:cNvCxnSpPr/>
-          <p:nvPr/>
-        </p:nvCxnSpPr>
-        <p:spPr>
-          <a:xfrm flipH="1" flipV="1">
-            <a:off x="4502460" y="1736812"/>
-            <a:ext cx="230074" cy="2466274"/>
-          </a:xfrm>
-          <a:prstGeom prst="straightConnector1">
-            <a:avLst/>
-          </a:prstGeom>
-          <a:ln w="15875">
-            <a:tailEnd type="triangle"/>
-          </a:ln>
-        </p:spPr>
-        <p:style>
-          <a:lnRef idx="1">
-            <a:schemeClr val="accent1"/>
-          </a:lnRef>
-          <a:fillRef idx="0">
-            <a:schemeClr val="accent1"/>
-          </a:fillRef>
-          <a:effectRef idx="0">
-            <a:schemeClr val="accent1"/>
-          </a:effectRef>
-          <a:fontRef idx="minor">
-            <a:schemeClr val="tx1"/>
-          </a:fontRef>
-        </p:style>
-      </p:cxnSp>
-      <p:cxnSp>
-        <p:nvCxnSpPr>
-          <p:cNvPr id="20" name="直線矢印コネクタ 19"/>
-          <p:cNvCxnSpPr/>
-          <p:nvPr/>
-        </p:nvCxnSpPr>
-        <p:spPr>
-          <a:xfrm flipV="1">
-            <a:off x="3819917" y="1736812"/>
-            <a:ext cx="113049" cy="2466274"/>
-          </a:xfrm>
-          <a:prstGeom prst="straightConnector1">
-            <a:avLst/>
-          </a:prstGeom>
-          <a:ln w="15875">
-            <a:tailEnd type="triangle"/>
-          </a:ln>
-        </p:spPr>
-        <p:style>
-          <a:lnRef idx="1">
-            <a:schemeClr val="accent1"/>
-          </a:lnRef>
-          <a:fillRef idx="0">
-            <a:schemeClr val="accent1"/>
-          </a:fillRef>
-          <a:effectRef idx="0">
-            <a:schemeClr val="accent1"/>
-          </a:effectRef>
-          <a:fontRef idx="minor">
-            <a:schemeClr val="tx1"/>
-          </a:fontRef>
-        </p:style>
-      </p:cxnSp>
-      <p:cxnSp>
-        <p:nvCxnSpPr>
-          <p:cNvPr id="22" name="直線矢印コネクタ 21"/>
-          <p:cNvCxnSpPr/>
-          <p:nvPr/>
-        </p:nvCxnSpPr>
-        <p:spPr>
-          <a:xfrm flipH="1" flipV="1">
-            <a:off x="5152146" y="1736812"/>
-            <a:ext cx="144561" cy="1881386"/>
-          </a:xfrm>
-          <a:prstGeom prst="straightConnector1">
-            <a:avLst/>
-          </a:prstGeom>
-          <a:ln w="15875">
-            <a:tailEnd type="triangle"/>
-          </a:ln>
-        </p:spPr>
-        <p:style>
-          <a:lnRef idx="1">
-            <a:schemeClr val="accent1"/>
-          </a:lnRef>
-          <a:fillRef idx="0">
-            <a:schemeClr val="accent1"/>
-          </a:fillRef>
-          <a:effectRef idx="0">
-            <a:schemeClr val="accent1"/>
-          </a:effectRef>
-          <a:fontRef idx="minor">
-            <a:schemeClr val="tx1"/>
-          </a:fontRef>
-        </p:style>
-      </p:cxnSp>
-      <p:cxnSp>
-        <p:nvCxnSpPr>
-          <p:cNvPr id="23" name="直線矢印コネクタ 22"/>
-          <p:cNvCxnSpPr/>
-          <p:nvPr/>
-        </p:nvCxnSpPr>
-        <p:spPr>
-          <a:xfrm flipH="1" flipV="1">
-            <a:off x="6271166" y="1736812"/>
-            <a:ext cx="450872" cy="1342184"/>
-          </a:xfrm>
-          <a:prstGeom prst="straightConnector1">
-            <a:avLst/>
-          </a:prstGeom>
-          <a:ln w="15875">
-            <a:tailEnd type="triangle"/>
-          </a:ln>
-        </p:spPr>
-        <p:style>
-          <a:lnRef idx="1">
-            <a:schemeClr val="accent1"/>
-          </a:lnRef>
-          <a:fillRef idx="0">
-            <a:schemeClr val="accent1"/>
-          </a:fillRef>
-          <a:effectRef idx="0">
-            <a:schemeClr val="accent1"/>
-          </a:effectRef>
-          <a:fontRef idx="minor">
-            <a:schemeClr val="tx1"/>
-          </a:fontRef>
-        </p:style>
-      </p:cxnSp>
-      <p:cxnSp>
-        <p:nvCxnSpPr>
-          <p:cNvPr id="24" name="直線矢印コネクタ 23"/>
-          <p:cNvCxnSpPr/>
-          <p:nvPr/>
-        </p:nvCxnSpPr>
-        <p:spPr>
-          <a:xfrm flipH="1" flipV="1">
-            <a:off x="5766059" y="1736812"/>
-            <a:ext cx="230074" cy="2466274"/>
-          </a:xfrm>
-          <a:prstGeom prst="straightConnector1">
-            <a:avLst/>
-          </a:prstGeom>
-          <a:ln w="15875">
-            <a:tailEnd type="triangle"/>
-          </a:ln>
-        </p:spPr>
-        <p:style>
-          <a:lnRef idx="1">
-            <a:schemeClr val="accent1"/>
-          </a:lnRef>
-          <a:fillRef idx="0">
-            <a:schemeClr val="accent1"/>
-          </a:fillRef>
-          <a:effectRef idx="0">
-            <a:schemeClr val="accent1"/>
-          </a:effectRef>
-          <a:fontRef idx="minor">
-            <a:schemeClr val="tx1"/>
-          </a:fontRef>
-        </p:style>
-      </p:cxnSp>
-      <p:sp>
-        <p:nvSpPr>
-          <p:cNvPr id="25" name="テキスト ボックス 24"/>
-          <p:cNvSpPr txBox="1"/>
-          <p:nvPr/>
-        </p:nvSpPr>
-        <p:spPr>
-          <a:xfrm>
-            <a:off x="3223246" y="4257419"/>
-            <a:ext cx="970128" cy="523220"/>
-          </a:xfrm>
-          <a:prstGeom prst="rect">
-            <a:avLst/>
-          </a:prstGeom>
-          <a:noFill/>
-        </p:spPr>
-        <p:txBody>
-          <a:bodyPr wrap="square" rtlCol="0">
-            <a:spAutoFit/>
-          </a:bodyPr>
-          <a:lstStyle/>
-          <a:p>
-            <a:r>
-              <a:rPr kumimoji="1" lang="en-US" altLang="ja-JP" sz="2800" dirty="0" smtClean="0"/>
-              <a:t>S</a:t>
-            </a:r>
-            <a:r>
-              <a:rPr kumimoji="1" lang="ja-JP" altLang="en-US" sz="2800" dirty="0" smtClean="0"/>
-              <a:t>式</a:t>
-            </a:r>
-            <a:endParaRPr kumimoji="1" lang="ja-JP" altLang="en-US" sz="2800" dirty="0"/>
-          </a:p>
-        </p:txBody>
-      </p:sp>
-      <p:sp>
-        <p:nvSpPr>
-          <p:cNvPr id="26" name="テキスト ボックス 25"/>
-          <p:cNvSpPr txBox="1"/>
-          <p:nvPr/>
-        </p:nvSpPr>
-        <p:spPr>
-          <a:xfrm>
-            <a:off x="4193374" y="4257419"/>
-            <a:ext cx="970128" cy="523220"/>
-          </a:xfrm>
-          <a:prstGeom prst="rect">
-            <a:avLst/>
-          </a:prstGeom>
-          <a:noFill/>
-        </p:spPr>
-        <p:txBody>
-          <a:bodyPr wrap="square" rtlCol="0">
-            <a:spAutoFit/>
-          </a:bodyPr>
-          <a:lstStyle/>
-          <a:p>
-            <a:r>
-              <a:rPr kumimoji="1" lang="en-US" altLang="ja-JP" sz="2800" dirty="0" smtClean="0"/>
-              <a:t>S</a:t>
-            </a:r>
-            <a:r>
-              <a:rPr kumimoji="1" lang="ja-JP" altLang="en-US" sz="2800" dirty="0" smtClean="0"/>
-              <a:t>式</a:t>
-            </a:r>
-            <a:endParaRPr kumimoji="1" lang="ja-JP" altLang="en-US" sz="2800" dirty="0"/>
-          </a:p>
-        </p:txBody>
-      </p:sp>
-      <p:sp>
-        <p:nvSpPr>
-          <p:cNvPr id="27" name="テキスト ボックス 26"/>
-          <p:cNvSpPr txBox="1"/>
-          <p:nvPr/>
-        </p:nvSpPr>
-        <p:spPr>
-          <a:xfrm>
-            <a:off x="4850034" y="3724418"/>
-            <a:ext cx="970128" cy="523220"/>
-          </a:xfrm>
-          <a:prstGeom prst="rect">
-            <a:avLst/>
-          </a:prstGeom>
-          <a:noFill/>
-        </p:spPr>
-        <p:txBody>
-          <a:bodyPr wrap="square" rtlCol="0">
-            <a:spAutoFit/>
-          </a:bodyPr>
-          <a:lstStyle/>
-          <a:p>
-            <a:r>
-              <a:rPr kumimoji="1" lang="en-US" altLang="ja-JP" sz="2800" dirty="0" smtClean="0"/>
-              <a:t>S</a:t>
-            </a:r>
-            <a:r>
-              <a:rPr kumimoji="1" lang="ja-JP" altLang="en-US" sz="2800" dirty="0" smtClean="0"/>
-              <a:t>式</a:t>
-            </a:r>
-            <a:endParaRPr kumimoji="1" lang="ja-JP" altLang="en-US" sz="2800" dirty="0"/>
-          </a:p>
-        </p:txBody>
-      </p:sp>
-      <p:sp>
-        <p:nvSpPr>
-          <p:cNvPr id="28" name="テキスト ボックス 27"/>
-          <p:cNvSpPr txBox="1"/>
-          <p:nvPr/>
-        </p:nvSpPr>
-        <p:spPr>
-          <a:xfrm>
-            <a:off x="5668418" y="4257419"/>
-            <a:ext cx="970128" cy="523220"/>
-          </a:xfrm>
-          <a:prstGeom prst="rect">
-            <a:avLst/>
-          </a:prstGeom>
-          <a:noFill/>
-        </p:spPr>
-        <p:txBody>
-          <a:bodyPr wrap="square" rtlCol="0">
-            <a:spAutoFit/>
-          </a:bodyPr>
-          <a:lstStyle/>
-          <a:p>
-            <a:r>
-              <a:rPr kumimoji="1" lang="en-US" altLang="ja-JP" sz="2800" dirty="0" smtClean="0"/>
-              <a:t>S</a:t>
-            </a:r>
-            <a:r>
-              <a:rPr kumimoji="1" lang="ja-JP" altLang="en-US" sz="2800" dirty="0" smtClean="0"/>
-              <a:t>式</a:t>
-            </a:r>
-            <a:endParaRPr kumimoji="1" lang="ja-JP" altLang="en-US" sz="2800" dirty="0"/>
-          </a:p>
-        </p:txBody>
-      </p:sp>
-      <p:sp>
-        <p:nvSpPr>
-          <p:cNvPr id="29" name="テキスト ボックス 28"/>
-          <p:cNvSpPr txBox="1"/>
-          <p:nvPr/>
-        </p:nvSpPr>
-        <p:spPr>
-          <a:xfrm>
-            <a:off x="6443989" y="3123548"/>
-            <a:ext cx="970128" cy="523220"/>
-          </a:xfrm>
-          <a:prstGeom prst="rect">
-            <a:avLst/>
-          </a:prstGeom>
-          <a:noFill/>
-        </p:spPr>
-        <p:txBody>
-          <a:bodyPr wrap="square" rtlCol="0">
-            <a:spAutoFit/>
-          </a:bodyPr>
-          <a:lstStyle/>
-          <a:p>
-            <a:r>
-              <a:rPr kumimoji="1" lang="en-US" altLang="ja-JP" sz="2800" dirty="0" smtClean="0"/>
-              <a:t>S</a:t>
-            </a:r>
-            <a:r>
-              <a:rPr kumimoji="1" lang="ja-JP" altLang="en-US" sz="2800" dirty="0" smtClean="0"/>
-              <a:t>式</a:t>
-            </a:r>
-            <a:endParaRPr kumimoji="1" lang="ja-JP" altLang="en-US" sz="2800" dirty="0"/>
-          </a:p>
-        </p:txBody>
-      </p:sp>
-      <p:sp>
-        <p:nvSpPr>
-          <p:cNvPr id="32" name="テキスト ボックス 31"/>
-          <p:cNvSpPr txBox="1"/>
-          <p:nvPr/>
-        </p:nvSpPr>
-        <p:spPr>
-          <a:xfrm>
-            <a:off x="1602159" y="2724902"/>
-            <a:ext cx="970128" cy="523220"/>
-          </a:xfrm>
-          <a:prstGeom prst="rect">
-            <a:avLst/>
-          </a:prstGeom>
-          <a:noFill/>
-        </p:spPr>
-        <p:txBody>
-          <a:bodyPr wrap="square" rtlCol="0">
-            <a:spAutoFit/>
-          </a:bodyPr>
-          <a:lstStyle/>
-          <a:p>
-            <a:r>
-              <a:rPr kumimoji="1" lang="en-US" altLang="ja-JP" sz="2800" dirty="0" smtClean="0"/>
-              <a:t>S</a:t>
-            </a:r>
-            <a:r>
-              <a:rPr kumimoji="1" lang="ja-JP" altLang="en-US" sz="2800" dirty="0" smtClean="0"/>
-              <a:t>式</a:t>
-            </a:r>
-            <a:endParaRPr kumimoji="1" lang="ja-JP" altLang="en-US" sz="2800" dirty="0"/>
+              <a:t>Lisp</a:t>
+            </a:r>
+            <a:r>
+              <a:rPr lang="ja-JP" altLang="en-US" dirty="0" err="1" smtClean="0"/>
+              <a:t>、</a:t>
+            </a:r>
+            <a:r>
+              <a:rPr lang="en-US" altLang="ja-JP" dirty="0" smtClean="0"/>
+              <a:t>Scheme</a:t>
+            </a:r>
+            <a:r>
+              <a:rPr lang="ja-JP" altLang="en-US" dirty="0" smtClean="0"/>
+              <a:t>界隈では</a:t>
+            </a:r>
+            <a:r>
+              <a:rPr lang="en-US" altLang="ja-JP" dirty="0" err="1" smtClean="0"/>
+              <a:t>Emacs</a:t>
+            </a:r>
+            <a:r>
+              <a:rPr lang="ja-JP" altLang="en-US" dirty="0" smtClean="0"/>
+              <a:t>の使用が</a:t>
+            </a:r>
+            <a:endParaRPr lang="en-US" altLang="ja-JP" dirty="0" smtClean="0"/>
+          </a:p>
+          <a:p>
+            <a:pPr marL="82296" indent="0">
+              <a:buNone/>
+            </a:pPr>
+            <a:r>
+              <a:rPr lang="ja-JP" altLang="en-US" dirty="0" smtClean="0"/>
+              <a:t>推奨されている</a:t>
+            </a:r>
+            <a:endParaRPr lang="en-US" altLang="ja-JP" dirty="0" smtClean="0"/>
+          </a:p>
+          <a:p>
+            <a:pPr marL="82296" indent="0">
+              <a:buNone/>
+            </a:pPr>
+            <a:endParaRPr lang="en-US" altLang="ja-JP" dirty="0"/>
+          </a:p>
+          <a:p>
+            <a:pPr marL="82296" indent="0">
+              <a:buNone/>
+            </a:pPr>
+            <a:r>
+              <a:rPr lang="ja-JP" altLang="en-US" dirty="0" smtClean="0"/>
+              <a:t>・</a:t>
+            </a:r>
+            <a:r>
+              <a:rPr lang="en-US" altLang="ja-JP" dirty="0" smtClean="0"/>
+              <a:t>Lisp</a:t>
+            </a:r>
+            <a:r>
+              <a:rPr lang="ja-JP" altLang="en-US" dirty="0" smtClean="0"/>
+              <a:t>系言語の開発支援機能あり</a:t>
+            </a:r>
+            <a:endParaRPr lang="en-US" altLang="ja-JP" dirty="0"/>
+          </a:p>
+          <a:p>
+            <a:pPr marL="82296" indent="0">
+              <a:buNone/>
+            </a:pPr>
+            <a:r>
+              <a:rPr lang="ja-JP" altLang="en-US" dirty="0"/>
+              <a:t>・</a:t>
+            </a:r>
+            <a:r>
+              <a:rPr lang="en-US" altLang="ja-JP" dirty="0" err="1"/>
+              <a:t>Emacs</a:t>
+            </a:r>
+            <a:r>
+              <a:rPr lang="ja-JP" altLang="en-US" dirty="0"/>
+              <a:t>スクリプトが</a:t>
+            </a:r>
+            <a:r>
+              <a:rPr lang="en-US" altLang="ja-JP" dirty="0"/>
+              <a:t>Lisp</a:t>
+            </a:r>
+            <a:r>
+              <a:rPr lang="ja-JP" altLang="en-US" dirty="0"/>
+              <a:t>で書ける</a:t>
+            </a:r>
+            <a:endParaRPr lang="en-US" altLang="ja-JP" dirty="0"/>
+          </a:p>
+          <a:p>
+            <a:pPr marL="82296" indent="0">
+              <a:buNone/>
+            </a:pPr>
+            <a:endParaRPr lang="en-US" altLang="ja-JP" dirty="0" smtClean="0"/>
+          </a:p>
+          <a:p>
+            <a:pPr marL="82296" indent="0">
+              <a:buNone/>
+            </a:pPr>
+            <a:endParaRPr lang="en-US" altLang="ja-JP" dirty="0"/>
+          </a:p>
+          <a:p>
+            <a:pPr marL="82296" indent="0" algn="ctr">
+              <a:buNone/>
+            </a:pPr>
+            <a:r>
+              <a:rPr lang="ja-JP" altLang="en-US" sz="5400" b="1" dirty="0" smtClean="0"/>
+              <a:t>でも</a:t>
+            </a:r>
+            <a:r>
+              <a:rPr lang="ja-JP" altLang="en-US" sz="2000" dirty="0" smtClean="0"/>
+              <a:t>今回は</a:t>
+            </a:r>
+            <a:r>
+              <a:rPr lang="en-US" altLang="ja-JP" sz="5400" b="1" dirty="0" smtClean="0"/>
+              <a:t>Vim</a:t>
+            </a:r>
+            <a:r>
+              <a:rPr lang="ja-JP" altLang="en-US" sz="5400" b="1" dirty="0" smtClean="0"/>
+              <a:t>を使う</a:t>
+            </a:r>
+            <a:endParaRPr lang="en-US" altLang="ja-JP" sz="5400" b="1" dirty="0" smtClean="0"/>
           </a:p>
         </p:txBody>
       </p:sp>
     </p:spTree>
     <p:extLst>
       <p:ext uri="{BB962C8B-B14F-4D97-AF65-F5344CB8AC3E}">
-        <p14:creationId xmlns:p14="http://schemas.microsoft.com/office/powerpoint/2010/main" val="3811037776"/>
+        <p14:creationId xmlns:p14="http://schemas.microsoft.com/office/powerpoint/2010/main" val="1453277618"/>
       </p:ext>
     </p:extLst>
   </p:cSld>
   <p:clrMapOvr>
     <a:masterClrMapping/>
   </p:clrMapOvr>
-  <mc:AlternateContent xmlns:mc="http://schemas.openxmlformats.org/markup-compatibility/2006" xmlns:p14="http://schemas.microsoft.com/office/powerpoint/2010/main">
-    <mc:Choice Requires="p14">
-      <p:transition spd="slow" p14:dur="2000"/>
-    </mc:Choice>
-    <mc:Fallback xmlns="">
-      <p:transition spd="slow"/>
-    </mc:Fallback>
-  </mc:AlternateContent>
   <p:timing>
     <p:tnLst>
       <p:par>
@@ -6505,7 +5553,7 @@
 </file>
 
 <file path=ppt/slides/slide15.xml><?xml version="1.0" encoding="utf-8"?>
-<p:sld xmlns:a="http://schemas.openxmlformats.org/drawingml/2006/main" xmlns:r="http://schemas.openxmlformats.org/officeDocument/2006/relationships" xmlns:p="http://schemas.openxmlformats.org/presentationml/2006/main" show="0">
+<p:sld xmlns:a="http://schemas.openxmlformats.org/drawingml/2006/main" xmlns:r="http://schemas.openxmlformats.org/officeDocument/2006/relationships" xmlns:p="http://schemas.openxmlformats.org/presentationml/2006/main">
   <p:cSld>
     <p:spTree>
       <p:nvGrpSpPr>
@@ -6536,10 +5584,6 @@
           <a:bodyPr/>
           <a:lstStyle/>
           <a:p>
-            <a:r>
-              <a:rPr kumimoji="1" lang="en-US" altLang="ja-JP" dirty="0" smtClean="0"/>
-              <a:t>Scheme</a:t>
-            </a:r>
             <a:endParaRPr kumimoji="1" lang="ja-JP" altLang="en-US" dirty="0"/>
           </a:p>
         </p:txBody>
@@ -6556,8 +5600,8 @@
         </p:nvSpPr>
         <p:spPr>
           <a:xfrm>
-            <a:off x="1115616" y="1124744"/>
-            <a:ext cx="7818072" cy="5544616"/>
+            <a:off x="899592" y="1447800"/>
+            <a:ext cx="8136904" cy="4069432"/>
           </a:xfrm>
         </p:spPr>
         <p:txBody>
@@ -6566,39 +5610,39 @@
           </a:bodyPr>
           <a:lstStyle/>
           <a:p>
-            <a:pPr marL="82296" indent="0">
-              <a:buNone/>
-            </a:pPr>
-            <a:r>
-              <a:rPr lang="en-US" altLang="ja-JP" dirty="0" smtClean="0"/>
-              <a:t>Scheme</a:t>
-            </a:r>
-            <a:r>
-              <a:rPr lang="ja-JP" altLang="en-US" dirty="0" smtClean="0"/>
-              <a:t>ではすべてが式であり、プログラムの実行は式の結果を求めることに帰着する。</a:t>
-            </a:r>
-            <a:endParaRPr lang="en-US" altLang="ja-JP" dirty="0"/>
+            <a:pPr marL="82296" indent="0" algn="ctr">
+              <a:buNone/>
+            </a:pPr>
+            <a:endParaRPr kumimoji="1" lang="en-US" altLang="ja-JP" sz="4400" dirty="0" smtClean="0"/>
+          </a:p>
+          <a:p>
+            <a:pPr marL="82296" indent="0" algn="ctr">
+              <a:buNone/>
+            </a:pPr>
+            <a:endParaRPr kumimoji="1" lang="en-US" altLang="ja-JP" sz="4400" dirty="0" smtClean="0"/>
+          </a:p>
+          <a:p>
+            <a:pPr marL="82296" indent="0" algn="ctr">
+              <a:buNone/>
+            </a:pPr>
+            <a:r>
+              <a:rPr kumimoji="1" lang="ja-JP" altLang="en-US" sz="4400" dirty="0" smtClean="0"/>
+              <a:t>④基本的なこと</a:t>
+            </a:r>
+            <a:endParaRPr kumimoji="1" lang="en-US" altLang="ja-JP" sz="4400" dirty="0" smtClean="0"/>
           </a:p>
         </p:txBody>
       </p:sp>
     </p:spTree>
     <p:extLst>
       <p:ext uri="{BB962C8B-B14F-4D97-AF65-F5344CB8AC3E}">
-        <p14:creationId xmlns:p14="http://schemas.microsoft.com/office/powerpoint/2010/main" val="231803112"/>
+        <p14:creationId xmlns:p14="http://schemas.microsoft.com/office/powerpoint/2010/main" val="2677223863"/>
       </p:ext>
     </p:extLst>
   </p:cSld>
   <p:clrMapOvr>
     <a:masterClrMapping/>
   </p:clrMapOvr>
-  <mc:AlternateContent xmlns:mc="http://schemas.openxmlformats.org/markup-compatibility/2006" xmlns:p14="http://schemas.microsoft.com/office/powerpoint/2010/main">
-    <mc:Choice Requires="p14">
-      <p:transition spd="slow" p14:dur="2000"/>
-    </mc:Choice>
-    <mc:Fallback xmlns="">
-      <p:transition spd="slow"/>
-    </mc:Fallback>
-  </mc:AlternateContent>
   <p:timing>
     <p:tnLst>
       <p:par>
@@ -6641,6 +5685,10 @@
           <a:bodyPr/>
           <a:lstStyle/>
           <a:p>
+            <a:r>
+              <a:rPr kumimoji="1" lang="ja-JP" altLang="en-US" dirty="0" smtClean="0"/>
+              <a:t>基本的なこと</a:t>
+            </a:r>
             <a:endParaRPr kumimoji="1" lang="ja-JP" altLang="en-US" dirty="0"/>
           </a:p>
         </p:txBody>
@@ -6657,8 +5705,8 @@
         </p:nvSpPr>
         <p:spPr>
           <a:xfrm>
-            <a:off x="899592" y="1447800"/>
-            <a:ext cx="8136904" cy="4069432"/>
+            <a:off x="1115616" y="1124744"/>
+            <a:ext cx="7818072" cy="5544616"/>
           </a:xfrm>
         </p:spPr>
         <p:txBody>
@@ -6667,33 +5715,123 @@
           </a:bodyPr>
           <a:lstStyle/>
           <a:p>
-            <a:pPr marL="82296" indent="0" algn="ctr">
-              <a:buNone/>
-            </a:pPr>
-            <a:endParaRPr kumimoji="1" lang="en-US" altLang="ja-JP" sz="4400" dirty="0" smtClean="0"/>
-          </a:p>
-          <a:p>
-            <a:pPr marL="82296" indent="0" algn="ctr">
-              <a:buNone/>
-            </a:pPr>
-            <a:endParaRPr kumimoji="1" lang="en-US" altLang="ja-JP" sz="4400" dirty="0" smtClean="0"/>
-          </a:p>
-          <a:p>
-            <a:pPr marL="82296" indent="0" algn="ctr">
-              <a:buNone/>
-            </a:pPr>
-            <a:r>
-              <a:rPr kumimoji="1" lang="ja-JP" altLang="en-US" sz="4400" dirty="0" smtClean="0"/>
-              <a:t>③環境準備</a:t>
-            </a:r>
-            <a:endParaRPr kumimoji="1" lang="en-US" altLang="ja-JP" sz="4400" dirty="0" smtClean="0"/>
+            <a:pPr marL="82296" indent="0">
+              <a:buNone/>
+            </a:pPr>
+            <a:r>
+              <a:rPr lang="ja-JP" altLang="en-US" dirty="0" smtClean="0"/>
+              <a:t>・基本的な処理の記法は</a:t>
+            </a:r>
+            <a:endParaRPr lang="en-US" altLang="ja-JP" dirty="0" smtClean="0"/>
+          </a:p>
+          <a:p>
+            <a:pPr marL="82296" indent="0">
+              <a:buNone/>
+            </a:pPr>
+            <a:r>
+              <a:rPr lang="ja-JP" altLang="en-US" u="sng" dirty="0" smtClean="0"/>
+              <a:t>（</a:t>
+            </a:r>
+            <a:r>
+              <a:rPr lang="en-US" altLang="ja-JP" u="sng" dirty="0" smtClean="0"/>
+              <a:t>&lt;</a:t>
+            </a:r>
+            <a:r>
+              <a:rPr lang="ja-JP" altLang="en-US" u="sng" dirty="0" smtClean="0"/>
+              <a:t>手続き</a:t>
+            </a:r>
+            <a:r>
+              <a:rPr lang="en-US" altLang="ja-JP" u="sng" dirty="0" smtClean="0"/>
+              <a:t>&gt; &lt;</a:t>
+            </a:r>
+            <a:r>
+              <a:rPr lang="ja-JP" altLang="en-US" u="sng" dirty="0" smtClean="0"/>
+              <a:t>引数</a:t>
+            </a:r>
+            <a:r>
+              <a:rPr lang="en-US" altLang="ja-JP" u="sng" dirty="0" smtClean="0"/>
+              <a:t>1&gt; &lt;</a:t>
+            </a:r>
+            <a:r>
+              <a:rPr lang="ja-JP" altLang="en-US" u="sng" dirty="0" smtClean="0"/>
+              <a:t>引数</a:t>
+            </a:r>
+            <a:r>
+              <a:rPr lang="en-US" altLang="ja-JP" u="sng" dirty="0" smtClean="0"/>
+              <a:t>2&gt;</a:t>
+            </a:r>
+            <a:r>
+              <a:rPr lang="ja-JP" altLang="en-US" u="sng" dirty="0" smtClean="0"/>
+              <a:t>　･･･）</a:t>
+            </a:r>
+            <a:endParaRPr lang="en-US" altLang="ja-JP" u="sng" dirty="0" smtClean="0"/>
+          </a:p>
+          <a:p>
+            <a:pPr marL="82296" indent="0">
+              <a:buNone/>
+            </a:pPr>
+            <a:r>
+              <a:rPr lang="en-US" altLang="ja-JP" dirty="0" smtClean="0"/>
+              <a:t>(+ 1 2 3)</a:t>
+            </a:r>
+          </a:p>
+          <a:p>
+            <a:pPr marL="82296" indent="0">
+              <a:buNone/>
+            </a:pPr>
+            <a:endParaRPr lang="en-US" altLang="ja-JP" dirty="0" smtClean="0"/>
+          </a:p>
+          <a:p>
+            <a:pPr marL="82296" indent="0">
+              <a:buNone/>
+            </a:pPr>
+            <a:r>
+              <a:rPr lang="ja-JP" altLang="en-US" dirty="0" smtClean="0"/>
+              <a:t>・データとしてのリストはクオートを付ける</a:t>
+            </a:r>
+            <a:endParaRPr lang="en-US" altLang="ja-JP" dirty="0" smtClean="0"/>
+          </a:p>
+          <a:p>
+            <a:pPr marL="82296" indent="0">
+              <a:buNone/>
+            </a:pPr>
+            <a:r>
+              <a:rPr lang="en-US" altLang="ja-JP" dirty="0" smtClean="0"/>
+              <a:t>‘(1 2 3)</a:t>
+            </a:r>
+          </a:p>
+          <a:p>
+            <a:pPr marL="82296" indent="0">
+              <a:buNone/>
+            </a:pPr>
+            <a:endParaRPr lang="en-US" altLang="ja-JP" dirty="0" smtClean="0"/>
+          </a:p>
+          <a:p>
+            <a:pPr marL="82296" indent="0">
+              <a:buNone/>
+            </a:pPr>
+            <a:r>
+              <a:rPr lang="ja-JP" altLang="en-US" dirty="0" smtClean="0"/>
+              <a:t>例）リストの連結処理</a:t>
+            </a:r>
+            <a:endParaRPr lang="en-US" altLang="ja-JP" dirty="0" smtClean="0"/>
+          </a:p>
+          <a:p>
+            <a:pPr marL="82296" indent="0">
+              <a:buNone/>
+            </a:pPr>
+            <a:r>
+              <a:rPr lang="nl-NL" altLang="ja-JP" dirty="0"/>
+              <a:t>(append '(1 2 3) '(4 5 6))</a:t>
+            </a:r>
+            <a:endParaRPr lang="en-US" altLang="ja-JP" dirty="0"/>
           </a:p>
         </p:txBody>
       </p:sp>
     </p:spTree>
     <p:extLst>
       <p:ext uri="{BB962C8B-B14F-4D97-AF65-F5344CB8AC3E}">
-        <p14:creationId xmlns:p14="http://schemas.microsoft.com/office/powerpoint/2010/main" val="1380082786"/>
+        <p14:creationId xmlns:p14="http://schemas.microsoft.com/office/powerpoint/2010/main" val="3513868151"/>
       </p:ext>
     </p:extLst>
   </p:cSld>
@@ -6743,8 +5881,12 @@
           <a:lstStyle/>
           <a:p>
             <a:r>
-              <a:rPr kumimoji="1" lang="en-US" altLang="ja-JP" dirty="0" smtClean="0"/>
-              <a:t>Gauche</a:t>
+              <a:rPr kumimoji="1" lang="ja-JP" altLang="en-US" dirty="0" smtClean="0"/>
+              <a:t>重要な組み込み手続き</a:t>
+            </a:r>
+            <a:r>
+              <a:rPr lang="ja-JP" altLang="en-US" dirty="0" smtClean="0"/>
+              <a:t>１</a:t>
             </a:r>
             <a:endParaRPr kumimoji="1" lang="ja-JP" altLang="en-US" dirty="0"/>
           </a:p>
@@ -6762,8 +5904,8 @@
         </p:nvSpPr>
         <p:spPr>
           <a:xfrm>
-            <a:off x="1115616" y="1124744"/>
-            <a:ext cx="7818072" cy="5544616"/>
+            <a:off x="971600" y="1124744"/>
+            <a:ext cx="8172400" cy="5544616"/>
           </a:xfrm>
         </p:spPr>
         <p:txBody>
@@ -6777,15 +5919,40 @@
             </a:pPr>
             <a:r>
               <a:rPr lang="ja-JP" altLang="en-US" dirty="0" smtClean="0"/>
-              <a:t>・</a:t>
+              <a:t>・手続き </a:t>
             </a:r>
             <a:r>
               <a:rPr lang="en-US" altLang="ja-JP" dirty="0" smtClean="0"/>
-              <a:t>Scheme</a:t>
-            </a:r>
-            <a:r>
-              <a:rPr lang="ja-JP" altLang="en-US" dirty="0" smtClean="0"/>
-              <a:t>処理系のひとつ</a:t>
+              <a:t>define</a:t>
+            </a:r>
+          </a:p>
+          <a:p>
+            <a:pPr marL="82296" indent="0">
+              <a:buNone/>
+            </a:pPr>
+            <a:r>
+              <a:rPr lang="ja-JP" altLang="en-US" dirty="0" smtClean="0"/>
+              <a:t>　式の</a:t>
+            </a:r>
+            <a:r>
+              <a:rPr lang="ja-JP" altLang="en-US" dirty="0"/>
+              <a:t>値</a:t>
+            </a:r>
+            <a:r>
+              <a:rPr lang="ja-JP" altLang="en-US" dirty="0" smtClean="0"/>
+              <a:t>を</a:t>
+            </a:r>
+            <a:r>
+              <a:rPr lang="ja-JP" altLang="en-US" dirty="0"/>
+              <a:t>変数</a:t>
+            </a:r>
+            <a:r>
+              <a:rPr lang="ja-JP" altLang="en-US" dirty="0" smtClean="0"/>
+              <a:t>に</a:t>
+            </a:r>
+            <a:r>
+              <a:rPr lang="ja-JP" altLang="en-US" dirty="0"/>
+              <a:t>格納</a:t>
             </a:r>
             <a:endParaRPr lang="en-US" altLang="ja-JP" dirty="0" smtClean="0"/>
           </a:p>
@@ -6793,88 +5960,160 @@
             <a:pPr marL="82296" indent="0">
               <a:buNone/>
             </a:pPr>
+            <a:r>
+              <a:rPr lang="en-US" altLang="ja-JP" dirty="0"/>
+              <a:t> </a:t>
+            </a:r>
+            <a:r>
+              <a:rPr lang="en-US" altLang="ja-JP" sz="2800" dirty="0"/>
+              <a:t>(define  &lt; </a:t>
+            </a:r>
+            <a:r>
+              <a:rPr lang="ja-JP" altLang="en-US" sz="2800" dirty="0"/>
+              <a:t>変数名 </a:t>
+            </a:r>
+            <a:r>
+              <a:rPr lang="en-US" altLang="ja-JP" sz="2800" dirty="0"/>
+              <a:t>&gt; &lt; </a:t>
+            </a:r>
+            <a:r>
+              <a:rPr lang="ja-JP" altLang="en-US" sz="2800" dirty="0"/>
+              <a:t>式 </a:t>
+            </a:r>
+            <a:r>
+              <a:rPr lang="en-US" altLang="ja-JP" sz="2800" dirty="0"/>
+              <a:t>&gt; )</a:t>
+            </a:r>
+          </a:p>
+          <a:p>
+            <a:pPr marL="82296" indent="0">
+              <a:buNone/>
+            </a:pPr>
+            <a:endParaRPr lang="en-US" altLang="ja-JP" dirty="0" smtClean="0"/>
+          </a:p>
+          <a:p>
+            <a:pPr marL="82296" indent="0">
+              <a:buNone/>
+            </a:pPr>
+            <a:r>
+              <a:rPr lang="ja-JP" altLang="en-US" dirty="0" smtClean="0"/>
+              <a:t>　手続きの定義もできる</a:t>
+            </a:r>
+            <a:endParaRPr lang="en-US" altLang="ja-JP" dirty="0" smtClean="0"/>
+          </a:p>
+          <a:p>
+            <a:pPr marL="82296" indent="0">
+              <a:buNone/>
+            </a:pPr>
+            <a:r>
+              <a:rPr lang="en-US" altLang="ja-JP" dirty="0"/>
+              <a:t> </a:t>
+            </a:r>
+            <a:r>
+              <a:rPr lang="en-US" altLang="ja-JP" sz="2800" dirty="0"/>
+              <a:t>(define ( &lt; </a:t>
+            </a:r>
+            <a:r>
+              <a:rPr lang="ja-JP" altLang="en-US" sz="2800" dirty="0"/>
+              <a:t>手続き名 </a:t>
+            </a:r>
+            <a:r>
+              <a:rPr lang="en-US" altLang="ja-JP" sz="2800" dirty="0"/>
+              <a:t>&gt; &lt; </a:t>
+            </a:r>
+            <a:r>
+              <a:rPr lang="ja-JP" altLang="en-US" sz="2800" dirty="0"/>
+              <a:t>引数 </a:t>
+            </a:r>
+            <a:r>
+              <a:rPr lang="en-US" altLang="ja-JP" sz="2800" dirty="0"/>
+              <a:t>&gt; </a:t>
+            </a:r>
+            <a:r>
+              <a:rPr lang="en-US" altLang="ja-JP" sz="2800" dirty="0" smtClean="0"/>
+              <a:t>)  </a:t>
+            </a:r>
+            <a:r>
+              <a:rPr lang="en-US" altLang="ja-JP" sz="2800" dirty="0"/>
+              <a:t>&lt; </a:t>
+            </a:r>
+            <a:r>
+              <a:rPr lang="ja-JP" altLang="en-US" sz="2800" dirty="0"/>
+              <a:t>式 </a:t>
+            </a:r>
+            <a:r>
+              <a:rPr lang="en-US" altLang="ja-JP" sz="2800" dirty="0"/>
+              <a:t>&gt; </a:t>
+            </a:r>
+            <a:r>
+              <a:rPr lang="en-US" altLang="ja-JP" sz="2800" dirty="0" smtClean="0"/>
+              <a:t>)</a:t>
+            </a:r>
+            <a:endParaRPr lang="en-US" altLang="ja-JP" sz="2800" dirty="0"/>
+          </a:p>
+          <a:p>
+            <a:pPr marL="82296" indent="0">
+              <a:buNone/>
+            </a:pPr>
+            <a:endParaRPr lang="en-US" altLang="ja-JP" dirty="0" smtClean="0"/>
+          </a:p>
+          <a:p>
+            <a:pPr marL="82296" indent="0">
+              <a:buNone/>
+            </a:pPr>
+            <a:r>
+              <a:rPr lang="ja-JP" altLang="en-US" sz="2800" dirty="0" smtClean="0"/>
+              <a:t>例）</a:t>
+            </a:r>
+            <a:endParaRPr lang="en-US" altLang="ja-JP" sz="2800" dirty="0"/>
+          </a:p>
+          <a:p>
+            <a:pPr marL="82296" indent="0">
+              <a:buNone/>
+            </a:pPr>
+            <a:r>
+              <a:rPr lang="ja-JP" altLang="en-US" sz="2800" dirty="0"/>
+              <a:t> </a:t>
+            </a:r>
+            <a:r>
+              <a:rPr lang="en-US" altLang="ja-JP" sz="2800" dirty="0" smtClean="0"/>
+              <a:t>(</a:t>
+            </a:r>
+            <a:r>
+              <a:rPr lang="en-US" altLang="ja-JP" sz="2800" dirty="0"/>
+              <a:t>define (</a:t>
+            </a:r>
+            <a:r>
+              <a:rPr lang="en-US" altLang="ja-JP" sz="2800" dirty="0" err="1" smtClean="0"/>
+              <a:t>addXY</a:t>
+            </a:r>
+            <a:r>
+              <a:rPr lang="en-US" altLang="ja-JP" sz="2800" dirty="0" smtClean="0"/>
+              <a:t> </a:t>
+            </a:r>
+            <a:r>
+              <a:rPr lang="en-US" altLang="ja-JP" sz="2800" dirty="0"/>
+              <a:t>X Y) (+ X Y))</a:t>
+            </a:r>
+          </a:p>
+          <a:p>
+            <a:pPr marL="82296" indent="0">
+              <a:buNone/>
+            </a:pPr>
+            <a:endParaRPr lang="en-US" altLang="ja-JP" dirty="0" smtClean="0"/>
+          </a:p>
+          <a:p>
+            <a:pPr marL="82296" indent="0">
+              <a:buNone/>
+            </a:pPr>
             <a:endParaRPr lang="en-US" altLang="ja-JP" dirty="0"/>
           </a:p>
-          <a:p>
-            <a:pPr marL="82296" indent="0">
-              <a:buNone/>
-            </a:pPr>
-            <a:r>
-              <a:rPr lang="en-US" altLang="ja-JP" dirty="0" smtClean="0"/>
-              <a:t>※</a:t>
-            </a:r>
-            <a:r>
-              <a:rPr lang="ja-JP" altLang="en-US" dirty="0" smtClean="0"/>
-              <a:t>処理系</a:t>
-            </a:r>
-            <a:endParaRPr lang="en-US" altLang="ja-JP" dirty="0" smtClean="0"/>
-          </a:p>
-          <a:p>
-            <a:pPr marL="82296" indent="0">
-              <a:buNone/>
-            </a:pPr>
-            <a:r>
-              <a:rPr lang="ja-JP" altLang="en-US" dirty="0"/>
-              <a:t>　</a:t>
-            </a:r>
-            <a:r>
-              <a:rPr lang="ja-JP" altLang="en-US" dirty="0" smtClean="0"/>
-              <a:t>プログラムを実行するためのソフトウェア。</a:t>
-            </a:r>
-            <a:endParaRPr lang="en-US" altLang="ja-JP" dirty="0" smtClean="0"/>
-          </a:p>
-          <a:p>
-            <a:pPr marL="82296" indent="0">
-              <a:buNone/>
-            </a:pPr>
-            <a:endParaRPr lang="en-US" altLang="ja-JP" dirty="0"/>
-          </a:p>
-          <a:p>
-            <a:pPr marL="82296" indent="0">
-              <a:buNone/>
-            </a:pPr>
-            <a:r>
-              <a:rPr lang="ja-JP" altLang="en-US" dirty="0" smtClean="0"/>
-              <a:t>・日本人作らしい</a:t>
-            </a:r>
-            <a:endParaRPr lang="en-US" altLang="ja-JP" dirty="0" smtClean="0"/>
-          </a:p>
-        </p:txBody>
-      </p:sp>
-      <p:pic>
-        <p:nvPicPr>
-          <p:cNvPr id="4" name="図 3"/>
-          <p:cNvPicPr>
-            <a:picLocks noChangeAspect="1"/>
-          </p:cNvPicPr>
-          <p:nvPr/>
-        </p:nvPicPr>
-        <p:blipFill>
-          <a:blip r:embed="rId2">
-            <a:extLst>
-              <a:ext uri="{28A0092B-C50C-407E-A947-70E740481C1C}">
-                <a14:useLocalDpi xmlns:a14="http://schemas.microsoft.com/office/drawing/2010/main" val="0"/>
-              </a:ext>
-            </a:extLst>
-          </a:blip>
-          <a:stretch>
-            <a:fillRect/>
-          </a:stretch>
-        </p:blipFill>
-        <p:spPr>
-          <a:xfrm>
-            <a:off x="5724128" y="3356992"/>
-            <a:ext cx="2582222" cy="3312368"/>
-          </a:xfrm>
-          <a:prstGeom prst="rect">
-            <a:avLst/>
-          </a:prstGeom>
-        </p:spPr>
-      </p:pic>
+        </p:txBody>
+      </p:sp>
     </p:spTree>
     <p:extLst>
       <p:ext uri="{BB962C8B-B14F-4D97-AF65-F5344CB8AC3E}">
-        <p14:creationId xmlns:p14="http://schemas.microsoft.com/office/powerpoint/2010/main" val="1171830484"/>
+        <p14:creationId xmlns:p14="http://schemas.microsoft.com/office/powerpoint/2010/main" val="235823119"/>
       </p:ext>
     </p:extLst>
   </p:cSld>
@@ -6924,8 +6163,12 @@
           <a:lstStyle/>
           <a:p>
             <a:r>
+              <a:rPr kumimoji="1" lang="en-US" altLang="ja-JP" dirty="0" smtClean="0"/>
+              <a:t>define</a:t>
+            </a:r>
+            <a:r>
               <a:rPr kumimoji="1" lang="ja-JP" altLang="en-US" dirty="0" smtClean="0"/>
-              <a:t>エディタ</a:t>
+              <a:t>についての補足</a:t>
             </a:r>
             <a:endParaRPr kumimoji="1" lang="ja-JP" altLang="en-US" dirty="0"/>
           </a:p>
@@ -6943,8 +6186,8 @@
         </p:nvSpPr>
         <p:spPr>
           <a:xfrm>
-            <a:off x="1115616" y="1124744"/>
-            <a:ext cx="7818072" cy="5544616"/>
+            <a:off x="971600" y="1124744"/>
+            <a:ext cx="8172400" cy="5544616"/>
           </a:xfrm>
         </p:spPr>
         <p:txBody>
@@ -6957,28 +6200,121 @@
               <a:buNone/>
             </a:pPr>
             <a:r>
+              <a:rPr lang="ja-JP" altLang="en-US" dirty="0" smtClean="0"/>
+              <a:t>・</a:t>
+            </a:r>
+            <a:r>
               <a:rPr lang="en-US" altLang="ja-JP" dirty="0" smtClean="0"/>
-              <a:t>Lisp</a:t>
-            </a:r>
-            <a:r>
-              <a:rPr lang="ja-JP" altLang="en-US" dirty="0" err="1" smtClean="0"/>
-              <a:t>、</a:t>
+              <a:t>define</a:t>
+            </a:r>
+            <a:r>
+              <a:rPr lang="ja-JP" altLang="en-US" dirty="0" smtClean="0"/>
+              <a:t>で変数に値を結びつけることを</a:t>
+            </a:r>
+            <a:endParaRPr lang="en-US" altLang="ja-JP" dirty="0" smtClean="0"/>
+          </a:p>
+          <a:p>
+            <a:pPr marL="82296" indent="0">
+              <a:buNone/>
+            </a:pPr>
+            <a:r>
+              <a:rPr lang="ja-JP" altLang="en-US" dirty="0" smtClean="0"/>
+              <a:t>「</a:t>
+            </a:r>
+            <a:r>
+              <a:rPr lang="ja-JP" altLang="en-US" dirty="0" smtClean="0"/>
+              <a:t>束縛する」と言うことがある。</a:t>
+            </a:r>
+            <a:endParaRPr lang="en-US" altLang="ja-JP" dirty="0"/>
+          </a:p>
+          <a:p>
+            <a:pPr marL="82296" indent="0">
+              <a:buNone/>
+            </a:pPr>
+            <a:r>
+              <a:rPr lang="ja-JP" altLang="en-US" dirty="0" smtClean="0"/>
+              <a:t>（</a:t>
             </a:r>
             <a:r>
               <a:rPr lang="en-US" altLang="ja-JP" dirty="0" smtClean="0"/>
+              <a:t>bind</a:t>
+            </a:r>
+            <a:r>
+              <a:rPr lang="ja-JP" altLang="en-US" dirty="0" smtClean="0"/>
+              <a:t>の直訳）</a:t>
+            </a:r>
+            <a:endParaRPr lang="en-US" altLang="ja-JP" dirty="0" smtClean="0"/>
+          </a:p>
+          <a:p>
+            <a:pPr marL="82296" indent="0">
+              <a:buNone/>
+            </a:pPr>
+            <a:endParaRPr lang="en-US" altLang="ja-JP" dirty="0" smtClean="0"/>
+          </a:p>
+          <a:p>
+            <a:pPr marL="82296" indent="0">
+              <a:buNone/>
+            </a:pPr>
+            <a:r>
+              <a:rPr lang="ja-JP" altLang="en-US" dirty="0" smtClean="0"/>
+              <a:t>・</a:t>
+            </a:r>
+            <a:r>
+              <a:rPr lang="en-US" altLang="ja-JP" b="1" dirty="0" smtClean="0"/>
               <a:t>Scheme</a:t>
             </a:r>
             <a:r>
-              <a:rPr lang="ja-JP" altLang="en-US" dirty="0" smtClean="0"/>
-              <a:t>界隈では</a:t>
+              <a:rPr lang="ja-JP" altLang="en-US" b="1" dirty="0" smtClean="0"/>
+              <a:t>に予約語や演算子は無い</a:t>
+            </a:r>
+            <a:endParaRPr lang="en-US" altLang="ja-JP" b="1" dirty="0" smtClean="0"/>
+          </a:p>
+          <a:p>
+            <a:pPr marL="82296" indent="0">
+              <a:buNone/>
+            </a:pPr>
+            <a:r>
+              <a:rPr lang="ja-JP" altLang="en-US" dirty="0" smtClean="0"/>
+              <a:t>例</a:t>
+            </a:r>
+            <a:r>
+              <a:rPr lang="en-US" altLang="ja-JP" dirty="0" smtClean="0"/>
+              <a:t>)</a:t>
+            </a:r>
+            <a:endParaRPr lang="en-US" altLang="ja-JP" dirty="0"/>
+          </a:p>
+          <a:p>
+            <a:pPr marL="82296" indent="0">
+              <a:buNone/>
+            </a:pPr>
+            <a:r>
+              <a:rPr lang="en-US" altLang="ja-JP" dirty="0" smtClean="0"/>
+              <a:t>(define </a:t>
             </a:r>
             <a:r>
               <a:rPr lang="en-US" altLang="ja-JP" dirty="0" err="1" smtClean="0"/>
-              <a:t>Emacs</a:t>
-            </a:r>
-            <a:r>
-              <a:rPr lang="ja-JP" altLang="en-US" dirty="0" smtClean="0"/>
-              <a:t>の使用が</a:t>
+              <a:t>define</a:t>
+            </a:r>
+            <a:r>
+              <a:rPr lang="en-US" altLang="ja-JP" dirty="0" smtClean="0"/>
+              <a:t> “</a:t>
+            </a:r>
+            <a:r>
+              <a:rPr lang="en-US" altLang="ja-JP" dirty="0" err="1" smtClean="0"/>
+              <a:t>hoge</a:t>
+            </a:r>
+            <a:r>
+              <a:rPr lang="en-US" altLang="ja-JP" dirty="0" smtClean="0"/>
+              <a:t>”)</a:t>
+            </a:r>
+          </a:p>
+          <a:p>
+            <a:pPr marL="82296" indent="0">
+              <a:buNone/>
+            </a:pPr>
+            <a:r>
+              <a:rPr lang="ja-JP" altLang="en-US" dirty="0" smtClean="0"/>
+              <a:t>→正常処理される。</a:t>
             </a:r>
             <a:endParaRPr lang="en-US" altLang="ja-JP" dirty="0" smtClean="0"/>
           </a:p>
@@ -6988,66 +6324,32 @@
             </a:pPr>
             <a:r>
               <a:rPr lang="ja-JP" altLang="en-US" dirty="0" smtClean="0"/>
-              <a:t>推奨されている</a:t>
-            </a:r>
-            <a:endParaRPr lang="en-US" altLang="ja-JP" dirty="0" smtClean="0"/>
-          </a:p>
-          <a:p>
-            <a:pPr marL="82296" indent="0">
-              <a:buNone/>
-            </a:pPr>
+              <a:t>　それ以降</a:t>
+            </a:r>
+            <a:r>
+              <a:rPr lang="en-US" altLang="ja-JP" dirty="0" smtClean="0"/>
+              <a:t>define</a:t>
+            </a:r>
+            <a:r>
+              <a:rPr lang="ja-JP" altLang="en-US" dirty="0" smtClean="0"/>
+              <a:t>はただの文字列</a:t>
+            </a:r>
+            <a:r>
+              <a:rPr lang="en-US" altLang="ja-JP" dirty="0" err="1" smtClean="0"/>
+              <a:t>hoge</a:t>
+            </a:r>
+            <a:r>
+              <a:rPr lang="ja-JP" altLang="en-US" dirty="0" smtClean="0"/>
+              <a:t>になる</a:t>
+            </a:r>
             <a:endParaRPr lang="en-US" altLang="ja-JP" dirty="0"/>
-          </a:p>
-          <a:p>
-            <a:pPr marL="82296" indent="0">
-              <a:buNone/>
-            </a:pPr>
-            <a:r>
-              <a:rPr lang="ja-JP" altLang="en-US" dirty="0" smtClean="0"/>
-              <a:t>・</a:t>
-            </a:r>
-            <a:r>
-              <a:rPr lang="en-US" altLang="ja-JP" dirty="0" err="1" smtClean="0"/>
-              <a:t>Emacs</a:t>
-            </a:r>
-            <a:r>
-              <a:rPr lang="ja-JP" altLang="en-US" dirty="0" smtClean="0"/>
-              <a:t>スクリプトが</a:t>
-            </a:r>
-            <a:r>
-              <a:rPr lang="en-US" altLang="ja-JP" dirty="0" smtClean="0"/>
-              <a:t>Lisp</a:t>
-            </a:r>
-            <a:r>
-              <a:rPr lang="ja-JP" altLang="en-US" dirty="0" smtClean="0"/>
-              <a:t>で書ける</a:t>
-            </a:r>
-            <a:endParaRPr lang="en-US" altLang="ja-JP" dirty="0" smtClean="0"/>
-          </a:p>
-          <a:p>
-            <a:pPr marL="82296" indent="0">
-              <a:buNone/>
-            </a:pPr>
-            <a:r>
-              <a:rPr lang="ja-JP" altLang="en-US" dirty="0" smtClean="0"/>
-              <a:t>・</a:t>
-            </a:r>
-            <a:r>
-              <a:rPr lang="en-US" altLang="ja-JP" dirty="0" smtClean="0"/>
-              <a:t>Lisp</a:t>
-            </a:r>
-            <a:r>
-              <a:rPr lang="ja-JP" altLang="en-US" dirty="0" smtClean="0"/>
-              <a:t>系言語の開発支援機能あり</a:t>
-            </a:r>
-            <a:endParaRPr lang="en-US" altLang="ja-JP" dirty="0" smtClean="0"/>
           </a:p>
         </p:txBody>
       </p:sp>
     </p:spTree>
     <p:extLst>
       <p:ext uri="{BB962C8B-B14F-4D97-AF65-F5344CB8AC3E}">
-        <p14:creationId xmlns:p14="http://schemas.microsoft.com/office/powerpoint/2010/main" val="1277891446"/>
+        <p14:creationId xmlns:p14="http://schemas.microsoft.com/office/powerpoint/2010/main" val="3656412245"/>
       </p:ext>
     </p:extLst>
   </p:cSld>
@@ -7098,7 +6400,11 @@
           <a:p>
             <a:r>
               <a:rPr kumimoji="1" lang="ja-JP" altLang="en-US" dirty="0" smtClean="0"/>
-              <a:t>エディタ</a:t>
+              <a:t>重要な組み込み手続き</a:t>
+            </a:r>
+            <a:r>
+              <a:rPr lang="ja-JP" altLang="en-US" dirty="0"/>
+              <a:t>２</a:t>
             </a:r>
             <a:endParaRPr kumimoji="1" lang="ja-JP" altLang="en-US" dirty="0"/>
           </a:p>
@@ -7130,28 +6436,59 @@
               <a:buNone/>
             </a:pPr>
             <a:r>
+              <a:rPr lang="ja-JP" altLang="en-US" dirty="0" smtClean="0"/>
+              <a:t>・手続き </a:t>
+            </a:r>
+            <a:r>
               <a:rPr lang="en-US" altLang="ja-JP" dirty="0" smtClean="0"/>
-              <a:t>Lisp</a:t>
-            </a:r>
-            <a:r>
-              <a:rPr lang="ja-JP" altLang="en-US" dirty="0" err="1" smtClean="0"/>
-              <a:t>、</a:t>
-            </a:r>
+              <a:t>car</a:t>
+            </a:r>
+          </a:p>
+          <a:p>
+            <a:pPr marL="82296" indent="0">
+              <a:buNone/>
+            </a:pPr>
+            <a:r>
+              <a:rPr lang="ja-JP" altLang="en-US" dirty="0" smtClean="0"/>
+              <a:t>　リストの先頭要素を返す</a:t>
+            </a:r>
+            <a:endParaRPr lang="en-US" altLang="ja-JP" dirty="0" smtClean="0"/>
+          </a:p>
+          <a:p>
+            <a:pPr marL="82296" indent="0">
+              <a:buNone/>
+            </a:pPr>
             <a:r>
               <a:rPr lang="en-US" altLang="ja-JP" dirty="0" smtClean="0"/>
-              <a:t>Scheme</a:t>
-            </a:r>
-            <a:r>
-              <a:rPr lang="ja-JP" altLang="en-US" dirty="0" smtClean="0"/>
-              <a:t>界隈では</a:t>
+              <a:t>(car ‘(1 2 3))</a:t>
+            </a:r>
+          </a:p>
+          <a:p>
+            <a:pPr marL="82296" indent="0">
+              <a:buNone/>
+            </a:pPr>
+            <a:r>
+              <a:rPr lang="en-US" altLang="ja-JP" dirty="0" smtClean="0"/>
+              <a:t>=&gt; 1</a:t>
+            </a:r>
+          </a:p>
+          <a:p>
+            <a:pPr marL="82296" indent="0">
+              <a:buNone/>
+            </a:pPr>
+            <a:endParaRPr lang="en-US" altLang="ja-JP" dirty="0" smtClean="0"/>
+          </a:p>
+          <a:p>
+            <a:pPr marL="82296" indent="0">
+              <a:buNone/>
+            </a:pPr>
+            <a:r>
+              <a:rPr lang="ja-JP" altLang="en-US" dirty="0" smtClean="0"/>
+              <a:t>・手続き </a:t>
             </a:r>
             <a:r>
               <a:rPr lang="en-US" altLang="ja-JP" dirty="0" err="1" smtClean="0"/>
-              <a:t>Emacs</a:t>
-            </a:r>
-            <a:r>
-              <a:rPr lang="ja-JP" altLang="en-US" dirty="0" smtClean="0"/>
-              <a:t>の使用が</a:t>
+              <a:t>cdr</a:t>
             </a:r>
             <a:endParaRPr lang="en-US" altLang="ja-JP" dirty="0" smtClean="0"/>
           </a:p>
@@ -7161,7 +6498,15 @@
             </a:pPr>
             <a:r>
               <a:rPr lang="ja-JP" altLang="en-US" dirty="0" smtClean="0"/>
-              <a:t>推奨されている</a:t>
+              <a:t>　リストの先頭</a:t>
+            </a:r>
+            <a:r>
+              <a:rPr lang="ja-JP" altLang="en-US" dirty="0"/>
+              <a:t>要素</a:t>
+            </a:r>
+            <a:r>
+              <a:rPr lang="ja-JP" altLang="en-US" dirty="0" smtClean="0"/>
+              <a:t>を除いた残りを返す</a:t>
             </a:r>
             <a:endParaRPr lang="en-US" altLang="ja-JP" dirty="0" smtClean="0"/>
           </a:p>
@@ -7169,92 +6514,38 @@
             <a:pPr marL="82296" indent="0">
               <a:buNone/>
             </a:pPr>
-            <a:endParaRPr lang="en-US" altLang="ja-JP" dirty="0"/>
-          </a:p>
-          <a:p>
-            <a:pPr marL="82296" indent="0">
-              <a:buNone/>
-            </a:pPr>
-            <a:r>
-              <a:rPr lang="ja-JP" altLang="en-US" dirty="0"/>
-              <a:t>・</a:t>
+            <a:r>
+              <a:rPr lang="en-US" altLang="ja-JP" dirty="0"/>
+              <a:t>(</a:t>
             </a:r>
             <a:r>
               <a:rPr lang="en-US" altLang="ja-JP" dirty="0" err="1" smtClean="0"/>
-              <a:t>Emacs</a:t>
-            </a:r>
-            <a:r>
-              <a:rPr lang="ja-JP" altLang="en-US" dirty="0" smtClean="0"/>
-              <a:t>スクリプトが</a:t>
+              <a:t>cdr</a:t>
             </a:r>
             <a:r>
               <a:rPr lang="en-US" altLang="ja-JP" dirty="0" smtClean="0"/>
-              <a:t>Lisp</a:t>
-            </a:r>
-            <a:r>
-              <a:rPr lang="ja-JP" altLang="en-US" dirty="0" smtClean="0"/>
-              <a:t>で書ける</a:t>
-            </a:r>
-            <a:endParaRPr lang="en-US" altLang="ja-JP" dirty="0" smtClean="0"/>
-          </a:p>
-          <a:p>
-            <a:pPr marL="82296" indent="0">
-              <a:buNone/>
-            </a:pPr>
-            <a:r>
-              <a:rPr lang="ja-JP" altLang="en-US" dirty="0" smtClean="0"/>
-              <a:t>・</a:t>
-            </a:r>
+              <a:t> </a:t>
+            </a:r>
+            <a:r>
+              <a:rPr lang="en-US" altLang="ja-JP" dirty="0"/>
+              <a:t>‘(1 2 3))</a:t>
+            </a:r>
+          </a:p>
+          <a:p>
+            <a:pPr marL="82296" indent="0">
+              <a:buNone/>
+            </a:pPr>
             <a:r>
               <a:rPr lang="en-US" altLang="ja-JP" dirty="0" smtClean="0"/>
-              <a:t>Lisp</a:t>
-            </a:r>
-            <a:r>
-              <a:rPr lang="ja-JP" altLang="en-US" dirty="0" smtClean="0"/>
-              <a:t>系言語の開発支援機能あり</a:t>
-            </a:r>
-            <a:endParaRPr lang="en-US" altLang="ja-JP" dirty="0"/>
-          </a:p>
-          <a:p>
-            <a:pPr marL="82296" indent="0">
-              <a:buNone/>
-            </a:pPr>
-            <a:endParaRPr lang="en-US" altLang="ja-JP" dirty="0" smtClean="0"/>
-          </a:p>
-          <a:p>
-            <a:pPr marL="82296" indent="0">
-              <a:buNone/>
-            </a:pPr>
-            <a:endParaRPr lang="en-US" altLang="ja-JP" dirty="0"/>
-          </a:p>
-          <a:p>
-            <a:pPr marL="82296" indent="0" algn="ctr">
-              <a:buNone/>
-            </a:pPr>
-            <a:r>
-              <a:rPr lang="ja-JP" altLang="en-US" sz="5400" b="1" dirty="0" smtClean="0"/>
-              <a:t>でも</a:t>
-            </a:r>
-            <a:r>
-              <a:rPr lang="ja-JP" altLang="en-US" sz="2000" dirty="0" smtClean="0"/>
-              <a:t>今回は</a:t>
-            </a:r>
-            <a:r>
-              <a:rPr lang="en-US" altLang="ja-JP" sz="5400" b="1" dirty="0" smtClean="0"/>
-              <a:t>Vim</a:t>
-            </a:r>
-            <a:r>
-              <a:rPr lang="ja-JP" altLang="en-US" sz="5400" b="1" dirty="0" smtClean="0"/>
-              <a:t>を使う</a:t>
-            </a:r>
-            <a:endParaRPr lang="en-US" altLang="ja-JP" sz="5400" b="1" dirty="0" smtClean="0"/>
+              <a:t>=&gt; (2 3)</a:t>
+            </a:r>
           </a:p>
         </p:txBody>
       </p:sp>
     </p:spTree>
     <p:extLst>
       <p:ext uri="{BB962C8B-B14F-4D97-AF65-F5344CB8AC3E}">
-        <p14:creationId xmlns:p14="http://schemas.microsoft.com/office/powerpoint/2010/main" val="1453277618"/>
+        <p14:creationId xmlns:p14="http://schemas.microsoft.com/office/powerpoint/2010/main" val="1880388047"/>
       </p:ext>
     </p:extLst>
   </p:cSld>
@@ -7324,7 +6615,7 @@
         <p:spPr>
           <a:xfrm>
             <a:off x="899592" y="1447800"/>
-            <a:ext cx="8136904" cy="4069432"/>
+            <a:ext cx="8136904" cy="5221560"/>
           </a:xfrm>
         </p:spPr>
         <p:txBody>
@@ -7391,6 +6682,16 @@
             <a:r>
               <a:rPr lang="ja-JP" altLang="en-US" sz="4400" dirty="0" smtClean="0"/>
               <a:t>⑤再帰処理</a:t>
+            </a:r>
+            <a:endParaRPr lang="en-US" altLang="ja-JP" sz="4400" dirty="0" smtClean="0"/>
+          </a:p>
+          <a:p>
+            <a:pPr marL="82296" indent="0">
+              <a:buNone/>
+            </a:pPr>
+            <a:r>
+              <a:rPr kumimoji="1" lang="ja-JP" altLang="en-US" sz="4400" dirty="0" smtClean="0"/>
+              <a:t>⑥感想</a:t>
             </a:r>
             <a:endParaRPr kumimoji="1" lang="en-US" altLang="ja-JP" sz="4400" dirty="0" smtClean="0"/>
           </a:p>
@@ -7448,6 +6749,14 @@
           <a:bodyPr/>
           <a:lstStyle/>
           <a:p>
+            <a:r>
+              <a:rPr kumimoji="1" lang="ja-JP" altLang="en-US" dirty="0" smtClean="0"/>
+              <a:t>重要な組み込み手続き</a:t>
+            </a:r>
+            <a:r>
+              <a:rPr lang="ja-JP" altLang="en-US" dirty="0"/>
+              <a:t>３</a:t>
+            </a:r>
             <a:endParaRPr kumimoji="1" lang="ja-JP" altLang="en-US" dirty="0"/>
           </a:p>
         </p:txBody>
@@ -7464,8 +6773,8 @@
         </p:nvSpPr>
         <p:spPr>
           <a:xfrm>
-            <a:off x="899592" y="1447800"/>
-            <a:ext cx="8136904" cy="4069432"/>
+            <a:off x="1115616" y="1124744"/>
+            <a:ext cx="7818072" cy="5544616"/>
           </a:xfrm>
         </p:spPr>
         <p:txBody>
@@ -7474,33 +6783,140 @@
           </a:bodyPr>
           <a:lstStyle/>
           <a:p>
-            <a:pPr marL="82296" indent="0" algn="ctr">
-              <a:buNone/>
-            </a:pPr>
-            <a:endParaRPr kumimoji="1" lang="en-US" altLang="ja-JP" sz="4400" dirty="0" smtClean="0"/>
-          </a:p>
-          <a:p>
-            <a:pPr marL="82296" indent="0" algn="ctr">
-              <a:buNone/>
-            </a:pPr>
-            <a:endParaRPr kumimoji="1" lang="en-US" altLang="ja-JP" sz="4400" dirty="0" smtClean="0"/>
-          </a:p>
-          <a:p>
-            <a:pPr marL="82296" indent="0" algn="ctr">
-              <a:buNone/>
-            </a:pPr>
-            <a:r>
-              <a:rPr kumimoji="1" lang="ja-JP" altLang="en-US" sz="4400" dirty="0" smtClean="0"/>
-              <a:t>④基本的なこと</a:t>
-            </a:r>
-            <a:endParaRPr kumimoji="1" lang="en-US" altLang="ja-JP" sz="4400" dirty="0" smtClean="0"/>
+            <a:pPr marL="82296" indent="0">
+              <a:buNone/>
+            </a:pPr>
+            <a:r>
+              <a:rPr lang="ja-JP" altLang="en-US" dirty="0" smtClean="0"/>
+              <a:t>・手続き </a:t>
+            </a:r>
+            <a:r>
+              <a:rPr lang="en-US" altLang="ja-JP" dirty="0" smtClean="0"/>
+              <a:t>cons</a:t>
+            </a:r>
+          </a:p>
+          <a:p>
+            <a:pPr marL="82296" indent="0">
+              <a:buNone/>
+            </a:pPr>
+            <a:r>
+              <a:rPr lang="ja-JP" altLang="en-US" dirty="0" smtClean="0"/>
+              <a:t>　先頭要素と残りのリストを</a:t>
+            </a:r>
+            <a:r>
+              <a:rPr lang="ja-JP" altLang="en-US" dirty="0"/>
+              <a:t>連結</a:t>
+            </a:r>
+            <a:r>
+              <a:rPr lang="ja-JP" altLang="en-US" dirty="0" smtClean="0"/>
+              <a:t>する</a:t>
+            </a:r>
+            <a:endParaRPr lang="en-US" altLang="ja-JP" dirty="0" smtClean="0"/>
+          </a:p>
+          <a:p>
+            <a:pPr marL="82296" indent="0">
+              <a:buNone/>
+            </a:pPr>
+            <a:r>
+              <a:rPr lang="en-US" altLang="ja-JP" dirty="0" smtClean="0"/>
+              <a:t>(cons 1 ‘(2 3))</a:t>
+            </a:r>
+          </a:p>
+          <a:p>
+            <a:pPr marL="82296" indent="0">
+              <a:buNone/>
+            </a:pPr>
+            <a:r>
+              <a:rPr lang="en-US" altLang="ja-JP" dirty="0" smtClean="0"/>
+              <a:t>=&gt; (1 2 3)</a:t>
+            </a:r>
+          </a:p>
+          <a:p>
+            <a:pPr marL="82296" indent="0">
+              <a:buNone/>
+            </a:pPr>
+            <a:endParaRPr lang="en-US" altLang="ja-JP" dirty="0" smtClean="0"/>
+          </a:p>
+          <a:p>
+            <a:pPr marL="82296" indent="0">
+              <a:buNone/>
+            </a:pPr>
+            <a:r>
+              <a:rPr lang="ja-JP" altLang="en-US" dirty="0" smtClean="0"/>
+              <a:t>例）</a:t>
+            </a:r>
+            <a:endParaRPr lang="en-US" altLang="ja-JP" dirty="0" smtClean="0"/>
+          </a:p>
+          <a:p>
+            <a:pPr marL="82296" indent="0">
+              <a:buNone/>
+            </a:pPr>
+            <a:r>
+              <a:rPr lang="en-US" altLang="ja-JP" dirty="0" smtClean="0"/>
+              <a:t>(define </a:t>
+            </a:r>
+            <a:r>
+              <a:rPr lang="en-US" altLang="ja-JP" dirty="0" err="1" smtClean="0"/>
+              <a:t>lis</a:t>
+            </a:r>
+            <a:r>
+              <a:rPr lang="en-US" altLang="ja-JP" dirty="0" smtClean="0"/>
+              <a:t> ‘(1 2 3))</a:t>
+            </a:r>
+          </a:p>
+          <a:p>
+            <a:pPr marL="82296" indent="0">
+              <a:buNone/>
+            </a:pPr>
+            <a:r>
+              <a:rPr lang="en-US" altLang="ja-JP" dirty="0" smtClean="0"/>
+              <a:t>(cons (car </a:t>
+            </a:r>
+            <a:r>
+              <a:rPr lang="en-US" altLang="ja-JP" dirty="0" err="1" smtClean="0"/>
+              <a:t>lis</a:t>
+            </a:r>
+            <a:r>
+              <a:rPr lang="en-US" altLang="ja-JP" dirty="0" smtClean="0"/>
+              <a:t>) (</a:t>
+            </a:r>
+            <a:r>
+              <a:rPr lang="en-US" altLang="ja-JP" dirty="0" err="1" smtClean="0"/>
+              <a:t>cdr</a:t>
+            </a:r>
+            <a:r>
+              <a:rPr lang="en-US" altLang="ja-JP" dirty="0" smtClean="0"/>
+              <a:t> </a:t>
+            </a:r>
+            <a:r>
+              <a:rPr lang="en-US" altLang="ja-JP" dirty="0" err="1" smtClean="0"/>
+              <a:t>lis</a:t>
+            </a:r>
+            <a:r>
+              <a:rPr lang="en-US" altLang="ja-JP" dirty="0" smtClean="0"/>
+              <a:t>))</a:t>
+            </a:r>
+          </a:p>
+          <a:p>
+            <a:pPr marL="82296" indent="0">
+              <a:buNone/>
+            </a:pPr>
+            <a:r>
+              <a:rPr lang="en-US" altLang="ja-JP" dirty="0" smtClean="0"/>
+              <a:t>=&gt; </a:t>
+            </a:r>
+            <a:r>
+              <a:rPr lang="en-US" altLang="ja-JP" dirty="0"/>
+              <a:t>(1 2 3)</a:t>
+            </a:r>
+            <a:endParaRPr lang="en-US" altLang="ja-JP" dirty="0" smtClean="0"/>
           </a:p>
         </p:txBody>
       </p:sp>
     </p:spTree>
     <p:extLst>
       <p:ext uri="{BB962C8B-B14F-4D97-AF65-F5344CB8AC3E}">
-        <p14:creationId xmlns:p14="http://schemas.microsoft.com/office/powerpoint/2010/main" val="2677223863"/>
+        <p14:creationId xmlns:p14="http://schemas.microsoft.com/office/powerpoint/2010/main" val="3029638908"/>
       </p:ext>
     </p:extLst>
   </p:cSld>
@@ -7546,12 +6962,34 @@
         </p:nvSpPr>
         <p:spPr/>
         <p:txBody>
-          <a:bodyPr/>
+          <a:bodyPr>
+            <a:normAutofit fontScale="90000"/>
+          </a:bodyPr>
           <a:lstStyle/>
           <a:p>
             <a:r>
-              <a:rPr kumimoji="1" lang="ja-JP" altLang="en-US" dirty="0" smtClean="0"/>
-              <a:t>基本的なこと</a:t>
+              <a:rPr lang="en-US" altLang="ja-JP" dirty="0" smtClean="0"/>
+              <a:t>(</a:t>
+            </a:r>
+            <a:r>
+              <a:rPr lang="ja-JP" altLang="en-US" dirty="0"/>
+              <a:t>補足</a:t>
+            </a:r>
+            <a:r>
+              <a:rPr lang="en-US" altLang="ja-JP" dirty="0" smtClean="0"/>
+              <a:t>)Scheme</a:t>
+            </a:r>
+            <a:r>
+              <a:rPr lang="ja-JP" altLang="en-US" dirty="0" err="1" smtClean="0"/>
+              <a:t>での</a:t>
+            </a:r>
+            <a:r>
+              <a:rPr lang="ja-JP" altLang="en-US" dirty="0" smtClean="0"/>
+              <a:t>リストの</a:t>
+            </a:r>
+            <a:r>
+              <a:rPr lang="ja-JP" altLang="en-US" dirty="0"/>
+              <a:t>考え方</a:t>
             </a:r>
             <a:endParaRPr kumimoji="1" lang="ja-JP" altLang="en-US" dirty="0"/>
           </a:p>
@@ -7569,8 +7007,8 @@
         </p:nvSpPr>
         <p:spPr>
           <a:xfrm>
-            <a:off x="1115616" y="1124744"/>
-            <a:ext cx="7818072" cy="5544616"/>
+            <a:off x="971600" y="1124744"/>
+            <a:ext cx="8172400" cy="5544616"/>
           </a:xfrm>
         </p:spPr>
         <p:txBody>
@@ -7583,8 +7021,46 @@
               <a:buNone/>
             </a:pPr>
             <a:r>
-              <a:rPr lang="ja-JP" altLang="en-US" dirty="0" smtClean="0"/>
-              <a:t>・基本的な処理の記法は</a:t>
+              <a:rPr lang="ja-JP" altLang="en-US" dirty="0"/>
+              <a:t>内部的</a:t>
+            </a:r>
+            <a:r>
+              <a:rPr lang="ja-JP" altLang="en-US" dirty="0" smtClean="0"/>
+              <a:t>には</a:t>
+            </a:r>
+            <a:r>
+              <a:rPr lang="en-US" altLang="ja-JP" b="1" dirty="0" smtClean="0"/>
+              <a:t>2</a:t>
+            </a:r>
+            <a:r>
+              <a:rPr lang="ja-JP" altLang="en-US" b="1" dirty="0" err="1" smtClean="0"/>
+              <a:t>つの</a:t>
+            </a:r>
+            <a:r>
+              <a:rPr lang="ja-JP" altLang="en-US" b="1" dirty="0" smtClean="0"/>
+              <a:t>ポインタを持った対の連なり。</a:t>
+            </a:r>
+            <a:endParaRPr lang="en-US" altLang="ja-JP" b="1" dirty="0" smtClean="0"/>
+          </a:p>
+          <a:p>
+            <a:pPr marL="82296" indent="0">
+              <a:buNone/>
+            </a:pPr>
+            <a:r>
+              <a:rPr lang="ja-JP" altLang="en-US" b="1" dirty="0" smtClean="0"/>
+              <a:t>値そのもの</a:t>
+            </a:r>
+            <a:r>
+              <a:rPr lang="ja-JP" altLang="en-US" dirty="0" smtClean="0"/>
+              <a:t>と</a:t>
+            </a:r>
+            <a:r>
+              <a:rPr lang="ja-JP" altLang="en-US" b="1" dirty="0" smtClean="0"/>
+              <a:t>次の要素の情報</a:t>
+            </a:r>
+            <a:r>
+              <a:rPr lang="ja-JP" altLang="en-US" dirty="0" smtClean="0"/>
+              <a:t>を持つ</a:t>
             </a:r>
             <a:endParaRPr lang="en-US" altLang="ja-JP" dirty="0" smtClean="0"/>
           </a:p>
@@ -7592,52 +7068,25 @@
             <a:pPr marL="82296" indent="0">
               <a:buNone/>
             </a:pPr>
-            <a:r>
-              <a:rPr lang="ja-JP" altLang="en-US" u="sng" dirty="0" smtClean="0"/>
-              <a:t>（</a:t>
-            </a:r>
-            <a:r>
-              <a:rPr lang="en-US" altLang="ja-JP" u="sng" dirty="0" smtClean="0"/>
-              <a:t>&lt;</a:t>
-            </a:r>
-            <a:r>
-              <a:rPr lang="ja-JP" altLang="en-US" u="sng" dirty="0" smtClean="0"/>
-              <a:t>手続き</a:t>
-            </a:r>
-            <a:r>
-              <a:rPr lang="en-US" altLang="ja-JP" u="sng" dirty="0" smtClean="0"/>
-              <a:t>&gt; &lt;</a:t>
-            </a:r>
-            <a:r>
-              <a:rPr lang="ja-JP" altLang="en-US" u="sng" dirty="0" smtClean="0"/>
-              <a:t>引数</a:t>
-            </a:r>
-            <a:r>
-              <a:rPr lang="en-US" altLang="ja-JP" u="sng" dirty="0" smtClean="0"/>
-              <a:t>1&gt; &lt;</a:t>
-            </a:r>
-            <a:r>
-              <a:rPr lang="ja-JP" altLang="en-US" u="sng" dirty="0" smtClean="0"/>
-              <a:t>引数</a:t>
-            </a:r>
-            <a:r>
-              <a:rPr lang="en-US" altLang="ja-JP" u="sng" dirty="0" smtClean="0"/>
-              <a:t>2&gt;</a:t>
-            </a:r>
-            <a:r>
-              <a:rPr lang="ja-JP" altLang="en-US" u="sng" dirty="0" smtClean="0"/>
-              <a:t>　･･･）</a:t>
-            </a:r>
-            <a:endParaRPr lang="en-US" altLang="ja-JP" u="sng" dirty="0" smtClean="0"/>
-          </a:p>
-          <a:p>
-            <a:pPr marL="82296" indent="0">
-              <a:buNone/>
-            </a:pPr>
-            <a:r>
-              <a:rPr lang="en-US" altLang="ja-JP" dirty="0" smtClean="0"/>
-              <a:t>(+ 1 2 3)</a:t>
-            </a:r>
+            <a:endParaRPr lang="en-US" altLang="ja-JP" b="1" dirty="0"/>
+          </a:p>
+          <a:p>
+            <a:pPr marL="82296" indent="0">
+              <a:buNone/>
+            </a:pPr>
+            <a:r>
+              <a:rPr lang="ja-JP" altLang="en-US" dirty="0" smtClean="0"/>
+              <a:t>・最後の</a:t>
+            </a:r>
+            <a:r>
+              <a:rPr lang="en-US" altLang="ja-JP" dirty="0" err="1" smtClean="0"/>
+              <a:t>cdr</a:t>
+            </a:r>
+            <a:r>
+              <a:rPr lang="ja-JP" altLang="en-US" dirty="0" smtClean="0"/>
+              <a:t>部が空リスト：正式なリスト</a:t>
+            </a:r>
+            <a:endParaRPr lang="en-US" altLang="ja-JP" b="1" dirty="0" smtClean="0"/>
           </a:p>
           <a:p>
             <a:pPr marL="82296" indent="0">
@@ -7651,7 +7100,15 @@
             </a:pPr>
             <a:r>
               <a:rPr lang="ja-JP" altLang="en-US" dirty="0" smtClean="0"/>
-              <a:t>・データとしてのリストはクオートを付ける</a:t>
+              <a:t>・最後の</a:t>
+            </a:r>
+            <a:r>
+              <a:rPr lang="en-US" altLang="ja-JP" dirty="0" err="1" smtClean="0"/>
+              <a:t>cdr</a:t>
+            </a:r>
+            <a:r>
+              <a:rPr lang="ja-JP" altLang="en-US" dirty="0" smtClean="0"/>
+              <a:t>部が空リストでない：ドットリスト</a:t>
             </a:r>
             <a:endParaRPr lang="en-US" altLang="ja-JP" dirty="0" smtClean="0"/>
           </a:p>
@@ -7659,49 +7116,84 @@
             <a:pPr marL="82296" indent="0">
               <a:buNone/>
             </a:pPr>
-            <a:r>
-              <a:rPr lang="en-US" altLang="ja-JP" dirty="0" smtClean="0"/>
-              <a:t>‘(1 2 3)</a:t>
-            </a:r>
-          </a:p>
-          <a:p>
-            <a:pPr marL="82296" indent="0">
-              <a:buNone/>
-            </a:pPr>
-            <a:endParaRPr lang="en-US" altLang="ja-JP" dirty="0" smtClean="0"/>
-          </a:p>
-          <a:p>
-            <a:pPr marL="82296" indent="0">
-              <a:buNone/>
-            </a:pPr>
-            <a:r>
-              <a:rPr lang="ja-JP" altLang="en-US" dirty="0" smtClean="0"/>
-              <a:t>例）リストの連結処理</a:t>
-            </a:r>
-            <a:endParaRPr lang="en-US" altLang="ja-JP" dirty="0" smtClean="0"/>
-          </a:p>
-          <a:p>
-            <a:pPr marL="82296" indent="0">
-              <a:buNone/>
-            </a:pPr>
-            <a:r>
-              <a:rPr lang="nl-NL" altLang="ja-JP" dirty="0"/>
-              <a:t>(append '(1 2 3) '(4 5 6))</a:t>
-            </a:r>
             <a:endParaRPr lang="en-US" altLang="ja-JP" dirty="0"/>
+          </a:p>
+          <a:p>
+            <a:pPr marL="82296" indent="0">
+              <a:buNone/>
+            </a:pPr>
+            <a:r>
+              <a:rPr lang="en-US" altLang="ja-JP" sz="2000" dirty="0">
+                <a:hlinkClick r:id="rId2"/>
+              </a:rPr>
+              <a:t>https://</a:t>
+            </a:r>
+            <a:r>
+              <a:rPr lang="en-US" altLang="ja-JP" sz="2000" dirty="0" smtClean="0">
+                <a:hlinkClick r:id="rId2"/>
+              </a:rPr>
+              <a:t>www.shido.info/lisp/scheme3.html</a:t>
+            </a:r>
+            <a:endParaRPr lang="en-US" altLang="ja-JP" sz="2000" dirty="0" smtClean="0"/>
+          </a:p>
+          <a:p>
+            <a:pPr marL="82296" indent="0">
+              <a:buNone/>
+            </a:pPr>
+            <a:endParaRPr lang="en-US" altLang="ja-JP" sz="2000" dirty="0" smtClean="0">
+              <a:hlinkClick r:id="rId3"/>
+            </a:endParaRPr>
+          </a:p>
+          <a:p>
+            <a:pPr marL="82296" indent="0">
+              <a:buNone/>
+            </a:pPr>
+            <a:r>
+              <a:rPr lang="en-US" altLang="ja-JP" sz="2000" dirty="0" smtClean="0">
+                <a:hlinkClick r:id="rId3"/>
+              </a:rPr>
+              <a:t>http</a:t>
+            </a:r>
+            <a:r>
+              <a:rPr lang="en-US" altLang="ja-JP" sz="2000" dirty="0">
+                <a:hlinkClick r:id="rId3"/>
+              </a:rPr>
+              <a:t>://</a:t>
+            </a:r>
+            <a:r>
+              <a:rPr lang="en-US" altLang="ja-JP" sz="2000" dirty="0" smtClean="0">
+                <a:hlinkClick r:id="rId3"/>
+              </a:rPr>
+              <a:t>bach.istc.kobe-u.ac.jp/lect/ProLang/org/lisp-cell.html</a:t>
+            </a:r>
+            <a:endParaRPr lang="en-US" altLang="ja-JP" dirty="0"/>
+          </a:p>
+          <a:p>
+            <a:pPr marL="82296" indent="0">
+              <a:buNone/>
+            </a:pPr>
+            <a:endParaRPr lang="en-US" altLang="ja-JP" b="1" dirty="0" smtClean="0"/>
           </a:p>
         </p:txBody>
       </p:sp>
     </p:spTree>
     <p:extLst>
       <p:ext uri="{BB962C8B-B14F-4D97-AF65-F5344CB8AC3E}">
-        <p14:creationId xmlns:p14="http://schemas.microsoft.com/office/powerpoint/2010/main" val="3513868151"/>
+        <p14:creationId xmlns:p14="http://schemas.microsoft.com/office/powerpoint/2010/main" val="1176395678"/>
       </p:ext>
     </p:extLst>
   </p:cSld>
   <p:clrMapOvr>
     <a:masterClrMapping/>
   </p:clrMapOvr>
+  <mc:AlternateContent xmlns:mc="http://schemas.openxmlformats.org/markup-compatibility/2006">
+    <mc:Choice xmlns:p14="http://schemas.microsoft.com/office/powerpoint/2010/main" Requires="p14">
+      <p:transition spd="slow" p14:dur="2000"/>
+    </mc:Choice>
+    <mc:Fallback>
+      <p:transition spd="slow"/>
+    </mc:Fallback>
+  </mc:AlternateContent>
   <p:timing>
     <p:tnLst>
       <p:par>
@@ -7749,8 +7241,8 @@
               <a:t>重要な組み込み手続き</a:t>
             </a:r>
             <a:r>
-              <a:rPr lang="ja-JP" altLang="en-US" dirty="0" smtClean="0"/>
-              <a:t>１</a:t>
+              <a:rPr lang="ja-JP" altLang="en-US" dirty="0"/>
+              <a:t>４</a:t>
             </a:r>
             <a:endParaRPr kumimoji="1" lang="ja-JP" altLang="en-US" dirty="0"/>
           </a:p>
@@ -7768,8 +7260,8 @@
         </p:nvSpPr>
         <p:spPr>
           <a:xfrm>
-            <a:off x="971600" y="1124744"/>
-            <a:ext cx="8172400" cy="5544616"/>
+            <a:off x="1043608" y="1124744"/>
+            <a:ext cx="8100392" cy="5544616"/>
           </a:xfrm>
         </p:spPr>
         <p:txBody>
@@ -7787,36 +7279,20 @@
             </a:r>
             <a:r>
               <a:rPr lang="en-US" altLang="ja-JP" dirty="0" smtClean="0"/>
-              <a:t>define</a:t>
-            </a:r>
-          </a:p>
-          <a:p>
-            <a:pPr marL="82296" indent="0">
-              <a:buNone/>
-            </a:pPr>
-            <a:r>
-              <a:rPr lang="ja-JP" altLang="en-US" dirty="0" smtClean="0"/>
-              <a:t>　式の</a:t>
-            </a:r>
+              <a:t>fold</a:t>
+            </a:r>
+          </a:p>
+          <a:p>
+            <a:pPr marL="82296" indent="0">
+              <a:buNone/>
+            </a:pPr>
             <a:r>
               <a:rPr lang="ja-JP" altLang="en-US" dirty="0"/>
-              <a:t>値</a:t>
-            </a:r>
-            <a:r>
-              <a:rPr lang="ja-JP" altLang="en-US" dirty="0" smtClean="0"/>
-              <a:t>を</a:t>
-            </a:r>
-            <a:r>
-              <a:rPr lang="ja-JP" altLang="en-US" dirty="0"/>
-              <a:t>変数</a:t>
-            </a:r>
-            <a:r>
-              <a:rPr lang="ja-JP" altLang="en-US" dirty="0" smtClean="0"/>
-              <a:t>に</a:t>
-            </a:r>
-            <a:r>
-              <a:rPr lang="ja-JP" altLang="en-US" dirty="0"/>
-              <a:t>格納</a:t>
+              <a:t>　</a:t>
+            </a:r>
+            <a:r>
+              <a:rPr lang="ja-JP" altLang="en-US" dirty="0" smtClean="0"/>
+              <a:t>リストの走査処理</a:t>
             </a:r>
             <a:endParaRPr lang="en-US" altLang="ja-JP" dirty="0" smtClean="0"/>
           </a:p>
@@ -7825,93 +7301,117 @@
               <a:buNone/>
             </a:pPr>
             <a:r>
-              <a:rPr lang="en-US" altLang="ja-JP" dirty="0"/>
-              <a:t> </a:t>
-            </a:r>
-            <a:r>
-              <a:rPr lang="en-US" altLang="ja-JP" sz="2800" dirty="0"/>
-              <a:t>(define  &lt; </a:t>
+              <a:rPr lang="ja-JP" altLang="en-US" dirty="0" smtClean="0"/>
+              <a:t>　</a:t>
+            </a:r>
+            <a:r>
+              <a:rPr lang="en-US" altLang="ja-JP" dirty="0" smtClean="0"/>
+              <a:t>(fold &lt;</a:t>
+            </a:r>
+            <a:r>
+              <a:rPr lang="ja-JP" altLang="en-US" dirty="0" smtClean="0"/>
+              <a:t>手続き</a:t>
+            </a:r>
+            <a:r>
+              <a:rPr lang="en-US" altLang="ja-JP" dirty="0" smtClean="0"/>
+              <a:t>&gt; &lt;</a:t>
+            </a:r>
+            <a:r>
+              <a:rPr lang="ja-JP" altLang="en-US" dirty="0" smtClean="0"/>
+              <a:t>初期値</a:t>
+            </a:r>
+            <a:r>
+              <a:rPr lang="en-US" altLang="ja-JP" dirty="0" smtClean="0"/>
+              <a:t>&gt; &lt;</a:t>
+            </a:r>
+            <a:r>
+              <a:rPr lang="ja-JP" altLang="en-US" dirty="0" smtClean="0"/>
+              <a:t>リスト</a:t>
+            </a:r>
+            <a:r>
+              <a:rPr lang="en-US" altLang="ja-JP" dirty="0" smtClean="0"/>
+              <a:t>&gt;)</a:t>
+            </a:r>
+          </a:p>
+          <a:p>
+            <a:pPr marL="82296" indent="0">
+              <a:buNone/>
+            </a:pPr>
+            <a:r>
+              <a:rPr lang="ja-JP" altLang="en-US" sz="2800" dirty="0" smtClean="0"/>
+              <a:t>①リストの第一要素と初期値を引数に</a:t>
+            </a:r>
+            <a:r>
+              <a:rPr lang="en-US" altLang="ja-JP" sz="2800" dirty="0" smtClean="0"/>
+              <a:t>&lt;</a:t>
+            </a:r>
+            <a:r>
+              <a:rPr lang="ja-JP" altLang="en-US" sz="2800" dirty="0" smtClean="0"/>
+              <a:t>手続き</a:t>
+            </a:r>
+            <a:r>
+              <a:rPr lang="en-US" altLang="ja-JP" sz="2800" dirty="0" smtClean="0"/>
+              <a:t>&gt;</a:t>
+            </a:r>
+            <a:r>
+              <a:rPr lang="ja-JP" altLang="en-US" sz="2800" dirty="0" smtClean="0"/>
+              <a:t>実施</a:t>
+            </a:r>
+            <a:endParaRPr lang="en-US" altLang="ja-JP" sz="2800" dirty="0" smtClean="0"/>
+          </a:p>
+          <a:p>
+            <a:pPr marL="82296" indent="0">
+              <a:buNone/>
+            </a:pPr>
+            <a:r>
+              <a:rPr lang="ja-JP" altLang="en-US" sz="2800" dirty="0" smtClean="0"/>
+              <a:t>②第二要素と①の結果を引数に</a:t>
+            </a:r>
+            <a:r>
+              <a:rPr lang="en-US" altLang="ja-JP" sz="2800" dirty="0" smtClean="0"/>
+              <a:t>&lt;</a:t>
+            </a:r>
+            <a:r>
+              <a:rPr lang="ja-JP" altLang="en-US" sz="2800" dirty="0" smtClean="0"/>
+              <a:t>手続き</a:t>
+            </a:r>
+            <a:r>
+              <a:rPr lang="en-US" altLang="ja-JP" sz="2800" dirty="0" smtClean="0"/>
+              <a:t>&gt;</a:t>
+            </a:r>
+            <a:r>
+              <a:rPr lang="ja-JP" altLang="en-US" sz="2800" dirty="0" smtClean="0"/>
+              <a:t>実施</a:t>
+            </a:r>
+            <a:endParaRPr lang="en-US" altLang="ja-JP" sz="2800" dirty="0" smtClean="0"/>
+          </a:p>
+          <a:p>
+            <a:pPr marL="82296" indent="0">
+              <a:buNone/>
+            </a:pPr>
+            <a:r>
+              <a:rPr lang="ja-JP" altLang="en-US" sz="2800" dirty="0" smtClean="0"/>
+              <a:t>③以下、リストが終わるまで繰り返し</a:t>
+            </a:r>
+            <a:endParaRPr lang="en-US" altLang="ja-JP" sz="2800" dirty="0" smtClean="0"/>
+          </a:p>
+          <a:p>
+            <a:pPr marL="82296" indent="0">
+              <a:buNone/>
+            </a:pPr>
+            <a:endParaRPr lang="en-US" altLang="ja-JP" sz="2800" dirty="0" smtClean="0"/>
+          </a:p>
+          <a:p>
+            <a:pPr marL="82296" indent="0">
+              <a:buNone/>
+            </a:pPr>
+            <a:r>
+              <a:rPr lang="ja-JP" altLang="en-US" sz="2800" dirty="0" smtClean="0"/>
+              <a:t>例</a:t>
             </a:r>
             <a:r>
               <a:rPr lang="ja-JP" altLang="en-US" sz="2800" dirty="0"/>
-              <a:t>変数名 </a:t>
-            </a:r>
-            <a:r>
-              <a:rPr lang="en-US" altLang="ja-JP" sz="2800" dirty="0"/>
-              <a:t>&gt; &lt; </a:t>
-            </a:r>
-            <a:r>
-              <a:rPr lang="ja-JP" altLang="en-US" sz="2800" dirty="0"/>
-              <a:t>式 </a:t>
-            </a:r>
-            <a:r>
-              <a:rPr lang="en-US" altLang="ja-JP" sz="2800" dirty="0"/>
-              <a:t>&gt; )</a:t>
-            </a:r>
-          </a:p>
-          <a:p>
-            <a:pPr marL="82296" indent="0">
-              <a:buNone/>
-            </a:pPr>
-            <a:endParaRPr lang="en-US" altLang="ja-JP" dirty="0" smtClean="0"/>
-          </a:p>
-          <a:p>
-            <a:pPr marL="82296" indent="0">
-              <a:buNone/>
-            </a:pPr>
-            <a:r>
-              <a:rPr lang="ja-JP" altLang="en-US" dirty="0" smtClean="0"/>
-              <a:t>　手続きの定義もできる</a:t>
-            </a:r>
-            <a:endParaRPr lang="en-US" altLang="ja-JP" dirty="0" smtClean="0"/>
-          </a:p>
-          <a:p>
-            <a:pPr marL="82296" indent="0">
-              <a:buNone/>
-            </a:pPr>
-            <a:r>
-              <a:rPr lang="en-US" altLang="ja-JP" dirty="0"/>
-              <a:t> </a:t>
-            </a:r>
-            <a:r>
-              <a:rPr lang="en-US" altLang="ja-JP" sz="2800" dirty="0"/>
-              <a:t>(define ( &lt; </a:t>
-            </a:r>
-            <a:r>
-              <a:rPr lang="ja-JP" altLang="en-US" sz="2800" dirty="0"/>
-              <a:t>手続き名 </a:t>
-            </a:r>
-            <a:r>
-              <a:rPr lang="en-US" altLang="ja-JP" sz="2800" dirty="0"/>
-              <a:t>&gt; &lt; </a:t>
-            </a:r>
-            <a:r>
-              <a:rPr lang="ja-JP" altLang="en-US" sz="2800" dirty="0"/>
-              <a:t>引数 </a:t>
-            </a:r>
-            <a:r>
-              <a:rPr lang="en-US" altLang="ja-JP" sz="2800" dirty="0"/>
-              <a:t>&gt; </a:t>
-            </a:r>
-            <a:r>
-              <a:rPr lang="en-US" altLang="ja-JP" sz="2800" dirty="0" smtClean="0"/>
-              <a:t>)  </a:t>
-            </a:r>
-            <a:r>
-              <a:rPr lang="en-US" altLang="ja-JP" sz="2800" dirty="0"/>
-              <a:t>&lt; </a:t>
-            </a:r>
-            <a:r>
-              <a:rPr lang="ja-JP" altLang="en-US" sz="2800" dirty="0"/>
-              <a:t>式 </a:t>
-            </a:r>
-            <a:r>
-              <a:rPr lang="en-US" altLang="ja-JP" sz="2800" dirty="0"/>
-              <a:t>&gt; </a:t>
-            </a:r>
-            <a:r>
-              <a:rPr lang="en-US" altLang="ja-JP" sz="2800" dirty="0" smtClean="0"/>
-              <a:t>)</a:t>
+              <a:t>）</a:t>
             </a:r>
             <a:endParaRPr lang="en-US" altLang="ja-JP" sz="2800" dirty="0"/>
           </a:p>
@@ -7919,53 +7419,26 @@
             <a:pPr marL="82296" indent="0">
               <a:buNone/>
             </a:pPr>
-            <a:endParaRPr lang="en-US" altLang="ja-JP" dirty="0" smtClean="0"/>
-          </a:p>
-          <a:p>
-            <a:pPr marL="82296" indent="0">
-              <a:buNone/>
-            </a:pPr>
-            <a:r>
-              <a:rPr lang="ja-JP" altLang="en-US" sz="2800" dirty="0" smtClean="0"/>
-              <a:t>例）</a:t>
-            </a:r>
-            <a:endParaRPr lang="en-US" altLang="ja-JP" sz="2800" dirty="0"/>
-          </a:p>
-          <a:p>
-            <a:pPr marL="82296" indent="0">
-              <a:buNone/>
-            </a:pPr>
-            <a:r>
-              <a:rPr lang="ja-JP" altLang="en-US" sz="2800" dirty="0"/>
-              <a:t> </a:t>
-            </a:r>
-            <a:r>
-              <a:rPr lang="en-US" altLang="ja-JP" sz="2800" dirty="0" smtClean="0"/>
-              <a:t>(</a:t>
-            </a:r>
-            <a:r>
-              <a:rPr lang="en-US" altLang="ja-JP" sz="2800" dirty="0"/>
-              <a:t>define (add X Y) (+ X Y))</a:t>
-            </a:r>
-          </a:p>
-          <a:p>
-            <a:pPr marL="82296" indent="0">
-              <a:buNone/>
-            </a:pPr>
-            <a:endParaRPr lang="en-US" altLang="ja-JP" dirty="0" smtClean="0"/>
-          </a:p>
-          <a:p>
-            <a:pPr marL="82296" indent="0">
-              <a:buNone/>
-            </a:pPr>
-            <a:endParaRPr lang="en-US" altLang="ja-JP" dirty="0"/>
+            <a:r>
+              <a:rPr lang="en-US" altLang="ja-JP" dirty="0" smtClean="0"/>
+              <a:t>(fold * 1 ‘(1 2 3 4 5))</a:t>
+            </a:r>
+          </a:p>
+          <a:p>
+            <a:pPr marL="82296" indent="0">
+              <a:buNone/>
+            </a:pPr>
+            <a:r>
+              <a:rPr lang="en-US" altLang="ja-JP" dirty="0" smtClean="0"/>
+              <a:t>=&gt; 120</a:t>
+            </a:r>
           </a:p>
         </p:txBody>
       </p:sp>
     </p:spTree>
     <p:extLst>
       <p:ext uri="{BB962C8B-B14F-4D97-AF65-F5344CB8AC3E}">
-        <p14:creationId xmlns:p14="http://schemas.microsoft.com/office/powerpoint/2010/main" val="235823119"/>
+        <p14:creationId xmlns:p14="http://schemas.microsoft.com/office/powerpoint/2010/main" val="1964440084"/>
       </p:ext>
     </p:extLst>
   </p:cSld>
@@ -8015,12 +7488,8 @@
           <a:lstStyle/>
           <a:p>
             <a:r>
-              <a:rPr kumimoji="1" lang="en-US" altLang="ja-JP" dirty="0" smtClean="0"/>
-              <a:t>define</a:t>
-            </a:r>
-            <a:r>
               <a:rPr kumimoji="1" lang="ja-JP" altLang="en-US" dirty="0" smtClean="0"/>
-              <a:t>についての補足</a:t>
+              <a:t>その他</a:t>
             </a:r>
             <a:endParaRPr kumimoji="1" lang="ja-JP" altLang="en-US" dirty="0"/>
           </a:p>
@@ -8038,8 +7507,8 @@
         </p:nvSpPr>
         <p:spPr>
           <a:xfrm>
-            <a:off x="971600" y="1124744"/>
-            <a:ext cx="8172400" cy="5544616"/>
+            <a:off x="1115616" y="1124744"/>
+            <a:ext cx="7818072" cy="5733256"/>
           </a:xfrm>
         </p:spPr>
         <p:txBody>
@@ -8053,15 +7522,64 @@
             </a:pPr>
             <a:r>
               <a:rPr lang="ja-JP" altLang="en-US" dirty="0" smtClean="0"/>
+              <a:t>・条件分岐</a:t>
+            </a:r>
+            <a:endParaRPr lang="en-US" altLang="ja-JP" dirty="0" smtClean="0"/>
+          </a:p>
+          <a:p>
+            <a:pPr marL="82296" indent="0">
+              <a:buNone/>
+            </a:pPr>
+            <a:r>
+              <a:rPr lang="en-US" altLang="ja-JP" dirty="0" smtClean="0"/>
+              <a:t>(if &lt;</a:t>
+            </a:r>
+            <a:r>
+              <a:rPr lang="ja-JP" altLang="en-US" dirty="0" smtClean="0"/>
+              <a:t>条件</a:t>
+            </a:r>
+            <a:r>
+              <a:rPr lang="en-US" altLang="ja-JP" dirty="0" smtClean="0"/>
+              <a:t>&gt; &lt;</a:t>
+            </a:r>
+            <a:r>
+              <a:rPr lang="ja-JP" altLang="en-US" dirty="0" smtClean="0"/>
+              <a:t>真の処理</a:t>
+            </a:r>
+            <a:r>
+              <a:rPr lang="en-US" altLang="ja-JP" dirty="0" smtClean="0"/>
+              <a:t>&gt; &lt;</a:t>
+            </a:r>
+            <a:r>
+              <a:rPr lang="ja-JP" altLang="en-US" dirty="0" smtClean="0"/>
+              <a:t>偽の処理</a:t>
+            </a:r>
+            <a:r>
+              <a:rPr lang="en-US" altLang="ja-JP" dirty="0" smtClean="0"/>
+              <a:t>&gt;)</a:t>
+            </a:r>
+          </a:p>
+          <a:p>
+            <a:pPr marL="82296" indent="0">
+              <a:buNone/>
+            </a:pPr>
+            <a:endParaRPr lang="en-US" altLang="ja-JP" dirty="0" smtClean="0"/>
+          </a:p>
+          <a:p>
+            <a:pPr marL="82296" indent="0">
+              <a:buNone/>
+            </a:pPr>
+            <a:r>
+              <a:rPr lang="ja-JP" altLang="en-US" dirty="0" smtClean="0"/>
               <a:t>・</a:t>
             </a:r>
             <a:r>
               <a:rPr lang="en-US" altLang="ja-JP" dirty="0" smtClean="0"/>
-              <a:t>define</a:t>
-            </a:r>
-            <a:r>
-              <a:rPr lang="ja-JP" altLang="en-US" dirty="0" smtClean="0"/>
-              <a:t>で変数に値を結びつけることを</a:t>
+              <a:t>null</a:t>
+            </a:r>
+            <a:r>
+              <a:rPr lang="ja-JP" altLang="en-US" dirty="0" smtClean="0"/>
+              <a:t>チェック</a:t>
             </a:r>
             <a:endParaRPr lang="en-US" altLang="ja-JP" dirty="0" smtClean="0"/>
           </a:p>
@@ -8070,129 +7588,46 @@
               <a:buNone/>
             </a:pPr>
             <a:r>
-              <a:rPr lang="ja-JP" altLang="en-US" dirty="0"/>
-              <a:t>「</a:t>
-            </a:r>
-            <a:r>
-              <a:rPr lang="ja-JP" altLang="en-US" dirty="0" smtClean="0"/>
-              <a:t>束縛する」と言うことがある。</a:t>
-            </a:r>
-            <a:endParaRPr lang="en-US" altLang="ja-JP" dirty="0"/>
-          </a:p>
-          <a:p>
-            <a:pPr marL="82296" indent="0">
-              <a:buNone/>
-            </a:pPr>
-            <a:r>
-              <a:rPr lang="ja-JP" altLang="en-US" dirty="0" smtClean="0"/>
-              <a:t>（</a:t>
-            </a:r>
-            <a:r>
               <a:rPr lang="en-US" altLang="ja-JP" dirty="0" smtClean="0"/>
-              <a:t>bind</a:t>
-            </a:r>
-            <a:r>
-              <a:rPr lang="ja-JP" altLang="en-US" dirty="0" smtClean="0"/>
-              <a:t>の直訳）</a:t>
-            </a:r>
-            <a:endParaRPr lang="en-US" altLang="ja-JP" dirty="0" smtClean="0"/>
-          </a:p>
-          <a:p>
-            <a:pPr marL="82296" indent="0">
-              <a:buNone/>
-            </a:pPr>
-            <a:endParaRPr lang="en-US" altLang="ja-JP" dirty="0" smtClean="0"/>
-          </a:p>
-          <a:p>
-            <a:pPr marL="82296" indent="0">
-              <a:buNone/>
-            </a:pPr>
-            <a:r>
-              <a:rPr lang="ja-JP" altLang="en-US" dirty="0" smtClean="0"/>
-              <a:t>・</a:t>
-            </a:r>
-            <a:r>
-              <a:rPr lang="en-US" altLang="ja-JP" b="1" dirty="0" smtClean="0"/>
-              <a:t>Scheme</a:t>
-            </a:r>
-            <a:r>
-              <a:rPr lang="ja-JP" altLang="en-US" b="1" dirty="0" smtClean="0"/>
-              <a:t>に予約語や演算子は無い</a:t>
-            </a:r>
-            <a:endParaRPr lang="en-US" altLang="ja-JP" b="1" dirty="0" smtClean="0"/>
-          </a:p>
-          <a:p>
-            <a:pPr marL="82296" indent="0">
-              <a:buNone/>
-            </a:pPr>
-            <a:r>
-              <a:rPr lang="ja-JP" altLang="en-US" dirty="0" smtClean="0"/>
-              <a:t>例</a:t>
+              <a:t>(null? &lt;</a:t>
+            </a:r>
+            <a:r>
+              <a:rPr lang="ja-JP" altLang="en-US" dirty="0" smtClean="0"/>
+              <a:t>対象</a:t>
             </a:r>
             <a:r>
               <a:rPr lang="en-US" altLang="ja-JP" dirty="0" smtClean="0"/>
-              <a:t>)</a:t>
-            </a:r>
-            <a:endParaRPr lang="en-US" altLang="ja-JP" dirty="0"/>
-          </a:p>
-          <a:p>
-            <a:pPr marL="82296" indent="0">
-              <a:buNone/>
-            </a:pPr>
+              <a:t>&gt;)</a:t>
+            </a:r>
+          </a:p>
+          <a:p>
+            <a:pPr marL="82296" indent="0">
+              <a:buNone/>
+            </a:pPr>
+            <a:r>
+              <a:rPr lang="ja-JP" altLang="en-US" dirty="0" smtClean="0"/>
+              <a:t>対象が空リストなら真 </a:t>
+            </a:r>
             <a:r>
               <a:rPr lang="en-US" altLang="ja-JP" dirty="0" smtClean="0"/>
-              <a:t>(define </a:t>
-            </a:r>
-            <a:r>
-              <a:rPr lang="en-US" altLang="ja-JP" dirty="0" err="1" smtClean="0"/>
-              <a:t>define</a:t>
+              <a:t>(#t)</a:t>
+            </a:r>
+          </a:p>
+          <a:p>
+            <a:pPr marL="82296" indent="0">
+              <a:buNone/>
+            </a:pPr>
+            <a:r>
+              <a:rPr lang="ja-JP" altLang="en-US" dirty="0" smtClean="0"/>
+              <a:t>空リストでないなら偽 </a:t>
             </a:r>
             <a:r>
               <a:rPr lang="en-US" altLang="ja-JP" dirty="0" smtClean="0"/>
-              <a:t> “</a:t>
-            </a:r>
-            <a:r>
-              <a:rPr lang="en-US" altLang="ja-JP" dirty="0" err="1" smtClean="0"/>
-              <a:t>hoge</a:t>
-            </a:r>
-            <a:r>
-              <a:rPr lang="en-US" altLang="ja-JP" dirty="0" smtClean="0"/>
-              <a:t>”)</a:t>
-            </a:r>
-          </a:p>
-          <a:p>
-            <a:pPr marL="82296" indent="0">
-              <a:buNone/>
-            </a:pPr>
-            <a:r>
-              <a:rPr lang="ja-JP" altLang="en-US" dirty="0" smtClean="0"/>
-              <a:t>→正常処理される。</a:t>
-            </a:r>
-            <a:endParaRPr lang="en-US" altLang="ja-JP" dirty="0" smtClean="0"/>
-          </a:p>
-          <a:p>
-            <a:pPr marL="82296" indent="0">
-              <a:buNone/>
-            </a:pPr>
-            <a:r>
-              <a:rPr lang="ja-JP" altLang="en-US" dirty="0" smtClean="0"/>
-              <a:t>　それ以降</a:t>
-            </a:r>
-            <a:r>
-              <a:rPr lang="en-US" altLang="ja-JP" dirty="0" smtClean="0"/>
-              <a:t>define</a:t>
-            </a:r>
-            <a:r>
-              <a:rPr lang="ja-JP" altLang="en-US" dirty="0" smtClean="0"/>
-              <a:t>はただの文字列</a:t>
-            </a:r>
-            <a:r>
-              <a:rPr lang="en-US" altLang="ja-JP" dirty="0" err="1" smtClean="0"/>
-              <a:t>hoge</a:t>
-            </a:r>
-            <a:r>
-              <a:rPr lang="ja-JP" altLang="en-US" dirty="0" smtClean="0"/>
-              <a:t>になる</a:t>
+              <a:t>(#</a:t>
+            </a:r>
+            <a:r>
+              <a:rPr lang="en-US" altLang="ja-JP" smtClean="0"/>
+              <a:t>f)</a:t>
             </a:r>
             <a:endParaRPr lang="en-US" altLang="ja-JP" dirty="0"/>
           </a:p>
@@ -8201,7 +7636,7 @@
     </p:spTree>
     <p:extLst>
       <p:ext uri="{BB962C8B-B14F-4D97-AF65-F5344CB8AC3E}">
-        <p14:creationId xmlns:p14="http://schemas.microsoft.com/office/powerpoint/2010/main" val="3656412245"/>
+        <p14:creationId xmlns:p14="http://schemas.microsoft.com/office/powerpoint/2010/main" val="2949194147"/>
       </p:ext>
     </p:extLst>
   </p:cSld>
@@ -8252,11 +7687,7 @@
           <a:p>
             <a:r>
               <a:rPr kumimoji="1" lang="ja-JP" altLang="en-US" dirty="0" smtClean="0"/>
-              <a:t>重要な組み込み手続き</a:t>
-            </a:r>
-            <a:r>
-              <a:rPr lang="ja-JP" altLang="en-US" dirty="0"/>
-              <a:t>２</a:t>
+              <a:t>ハローワールド</a:t>
             </a:r>
             <a:endParaRPr kumimoji="1" lang="ja-JP" altLang="en-US" dirty="0"/>
           </a:p>
@@ -8289,21 +7720,29 @@
             </a:pPr>
             <a:r>
               <a:rPr lang="ja-JP" altLang="en-US" dirty="0" smtClean="0"/>
-              <a:t>・手続き </a:t>
-            </a:r>
+              <a:t>・対話型の場合</a:t>
+            </a:r>
+            <a:endParaRPr lang="en-US" altLang="ja-JP" dirty="0" smtClean="0"/>
+          </a:p>
+          <a:p>
+            <a:pPr marL="82296" indent="0">
+              <a:buNone/>
+            </a:pPr>
             <a:r>
               <a:rPr lang="en-US" altLang="ja-JP" dirty="0" smtClean="0"/>
-              <a:t>car</a:t>
-            </a:r>
-          </a:p>
-          <a:p>
-            <a:pPr marL="82296" indent="0">
-              <a:buNone/>
-            </a:pPr>
-            <a:r>
-              <a:rPr lang="ja-JP" altLang="en-US" dirty="0" smtClean="0"/>
-              <a:t>　リストの先頭要素を返す</a:t>
-            </a:r>
+              <a:t>(print “Hello, world.”)</a:t>
+            </a:r>
+          </a:p>
+          <a:p>
+            <a:pPr marL="82296" indent="0">
+              <a:buNone/>
+            </a:pPr>
+            <a:endParaRPr lang="en-US" altLang="ja-JP" dirty="0"/>
+          </a:p>
+          <a:p>
+            <a:pPr marL="82296" indent="0">
+              <a:buNone/>
+            </a:pPr>
             <a:endParaRPr lang="en-US" altLang="ja-JP" dirty="0" smtClean="0"/>
           </a:p>
           <a:p>
@@ -8311,77 +7750,60 @@
               <a:buNone/>
             </a:pPr>
             <a:r>
+              <a:rPr lang="ja-JP" altLang="en-US" smtClean="0"/>
+              <a:t>・ファイル呼び出しの場合</a:t>
+            </a:r>
+            <a:endParaRPr lang="en-US" altLang="ja-JP" dirty="0"/>
+          </a:p>
+          <a:p>
+            <a:pPr marL="82296" indent="0">
+              <a:buNone/>
+            </a:pPr>
+            <a:r>
               <a:rPr lang="en-US" altLang="ja-JP" dirty="0" smtClean="0"/>
-              <a:t>(car ‘(1 2 3))</a:t>
-            </a:r>
-          </a:p>
-          <a:p>
-            <a:pPr marL="82296" indent="0">
-              <a:buNone/>
-            </a:pPr>
+              <a:t>(</a:t>
+            </a:r>
+            <a:r>
+              <a:rPr lang="en-US" altLang="ja-JP" dirty="0"/>
+              <a:t>define (main </a:t>
+            </a:r>
+            <a:r>
+              <a:rPr lang="en-US" altLang="ja-JP" dirty="0" err="1"/>
+              <a:t>args</a:t>
+            </a:r>
+            <a:r>
+              <a:rPr lang="en-US" altLang="ja-JP" dirty="0"/>
+              <a:t>)</a:t>
+            </a:r>
+          </a:p>
+          <a:p>
+            <a:pPr marL="82296" indent="0">
+              <a:buNone/>
+            </a:pPr>
+            <a:r>
+              <a:rPr lang="ja-JP" altLang="en-US" dirty="0" smtClean="0"/>
+              <a:t>  </a:t>
+            </a:r>
             <a:r>
               <a:rPr lang="en-US" altLang="ja-JP" dirty="0" smtClean="0"/>
-              <a:t>=&gt; 1</a:t>
-            </a:r>
-          </a:p>
-          <a:p>
-            <a:pPr marL="82296" indent="0">
-              <a:buNone/>
-            </a:pPr>
-            <a:endParaRPr lang="en-US" altLang="ja-JP" dirty="0" smtClean="0"/>
-          </a:p>
-          <a:p>
-            <a:pPr marL="82296" indent="0">
-              <a:buNone/>
-            </a:pPr>
-            <a:r>
-              <a:rPr lang="ja-JP" altLang="en-US" dirty="0" smtClean="0"/>
-              <a:t>・手続き </a:t>
-            </a:r>
-            <a:r>
-              <a:rPr lang="en-US" altLang="ja-JP" dirty="0" err="1" smtClean="0"/>
-              <a:t>cdr</a:t>
-            </a:r>
-            <a:endParaRPr lang="en-US" altLang="ja-JP" dirty="0" smtClean="0"/>
-          </a:p>
-          <a:p>
-            <a:pPr marL="82296" indent="0">
-              <a:buNone/>
-            </a:pPr>
-            <a:r>
-              <a:rPr lang="ja-JP" altLang="en-US" dirty="0" smtClean="0"/>
-              <a:t>　リストの先頭を除いた残りの要素を返す</a:t>
-            </a:r>
-            <a:endParaRPr lang="en-US" altLang="ja-JP" dirty="0" smtClean="0"/>
-          </a:p>
-          <a:p>
-            <a:pPr marL="82296" indent="0">
-              <a:buNone/>
-            </a:pPr>
+              <a:t>(</a:t>
+            </a:r>
             <a:r>
               <a:rPr lang="en-US" altLang="ja-JP" dirty="0"/>
-              <a:t>(</a:t>
-            </a:r>
-            <a:r>
-              <a:rPr lang="en-US" altLang="ja-JP" dirty="0" err="1" smtClean="0"/>
-              <a:t>cdr</a:t>
-            </a:r>
+              <a:t>print "Hello, world.")</a:t>
+            </a:r>
+          </a:p>
+          <a:p>
+            <a:pPr marL="82296" indent="0">
+              <a:buNone/>
+            </a:pPr>
             <a:r>
               <a:rPr lang="en-US" altLang="ja-JP" dirty="0" smtClean="0"/>
-              <a:t> </a:t>
+              <a:t>  0</a:t>
             </a:r>
             <a:r>
               <a:rPr lang="en-US" altLang="ja-JP" dirty="0"/>
-              <a:t>‘(1 2 3))</a:t>
-            </a:r>
-          </a:p>
-          <a:p>
-            <a:pPr marL="82296" indent="0">
-              <a:buNone/>
-            </a:pPr>
-            <a:r>
-              <a:rPr lang="en-US" altLang="ja-JP" dirty="0" smtClean="0"/>
-              <a:t>=&gt; (2 3)</a:t>
+              <a:t>)</a:t>
             </a:r>
           </a:p>
         </p:txBody>
@@ -8389,7 +7811,7 @@
     </p:spTree>
     <p:extLst>
       <p:ext uri="{BB962C8B-B14F-4D97-AF65-F5344CB8AC3E}">
-        <p14:creationId xmlns:p14="http://schemas.microsoft.com/office/powerpoint/2010/main" val="1880388047"/>
+        <p14:creationId xmlns:p14="http://schemas.microsoft.com/office/powerpoint/2010/main" val="751171923"/>
       </p:ext>
     </p:extLst>
   </p:cSld>
@@ -8438,14 +7860,6 @@
           <a:bodyPr/>
           <a:lstStyle/>
           <a:p>
-            <a:r>
-              <a:rPr kumimoji="1" lang="ja-JP" altLang="en-US" dirty="0" smtClean="0"/>
-              <a:t>重要な組み込み手続き</a:t>
-            </a:r>
-            <a:r>
-              <a:rPr lang="ja-JP" altLang="en-US" dirty="0"/>
-              <a:t>３</a:t>
-            </a:r>
             <a:endParaRPr kumimoji="1" lang="ja-JP" altLang="en-US" dirty="0"/>
           </a:p>
         </p:txBody>
@@ -8462,8 +7876,8 @@
         </p:nvSpPr>
         <p:spPr>
           <a:xfrm>
-            <a:off x="1115616" y="1124744"/>
-            <a:ext cx="7818072" cy="5544616"/>
+            <a:off x="899592" y="1447800"/>
+            <a:ext cx="8136904" cy="4069432"/>
           </a:xfrm>
         </p:spPr>
         <p:txBody>
@@ -8472,136 +7886,33 @@
           </a:bodyPr>
           <a:lstStyle/>
           <a:p>
-            <a:pPr marL="82296" indent="0">
-              <a:buNone/>
-            </a:pPr>
-            <a:r>
-              <a:rPr lang="ja-JP" altLang="en-US" dirty="0" smtClean="0"/>
-              <a:t>・手続き </a:t>
-            </a:r>
-            <a:r>
-              <a:rPr lang="en-US" altLang="ja-JP" dirty="0" smtClean="0"/>
-              <a:t>cons</a:t>
-            </a:r>
-          </a:p>
-          <a:p>
-            <a:pPr marL="82296" indent="0">
-              <a:buNone/>
-            </a:pPr>
-            <a:r>
-              <a:rPr lang="ja-JP" altLang="en-US" dirty="0" smtClean="0"/>
-              <a:t>　先頭要素と残りのリストを</a:t>
-            </a:r>
-            <a:r>
-              <a:rPr lang="ja-JP" altLang="en-US" dirty="0"/>
-              <a:t>連結</a:t>
-            </a:r>
-            <a:r>
-              <a:rPr lang="ja-JP" altLang="en-US" dirty="0" smtClean="0"/>
-              <a:t>する</a:t>
-            </a:r>
-            <a:endParaRPr lang="en-US" altLang="ja-JP" dirty="0" smtClean="0"/>
-          </a:p>
-          <a:p>
-            <a:pPr marL="82296" indent="0">
-              <a:buNone/>
-            </a:pPr>
-            <a:r>
-              <a:rPr lang="en-US" altLang="ja-JP" dirty="0" smtClean="0"/>
-              <a:t>(cons 1 ‘(2 3))</a:t>
-            </a:r>
-          </a:p>
-          <a:p>
-            <a:pPr marL="82296" indent="0">
-              <a:buNone/>
-            </a:pPr>
-            <a:r>
-              <a:rPr lang="en-US" altLang="ja-JP" dirty="0" smtClean="0"/>
-              <a:t>=&gt; (1 2 3)</a:t>
-            </a:r>
-          </a:p>
-          <a:p>
-            <a:pPr marL="82296" indent="0">
-              <a:buNone/>
-            </a:pPr>
-            <a:endParaRPr lang="en-US" altLang="ja-JP" dirty="0" smtClean="0"/>
-          </a:p>
-          <a:p>
-            <a:pPr marL="82296" indent="0">
-              <a:buNone/>
-            </a:pPr>
-            <a:endParaRPr lang="en-US" altLang="ja-JP" dirty="0" smtClean="0"/>
-          </a:p>
-          <a:p>
-            <a:pPr marL="82296" indent="0">
-              <a:buNone/>
-            </a:pPr>
-            <a:r>
-              <a:rPr lang="en-US" altLang="ja-JP" dirty="0" smtClean="0"/>
-              <a:t>(define </a:t>
-            </a:r>
-            <a:r>
-              <a:rPr lang="en-US" altLang="ja-JP" dirty="0" err="1" smtClean="0"/>
-              <a:t>lis</a:t>
-            </a:r>
-            <a:r>
-              <a:rPr lang="en-US" altLang="ja-JP" dirty="0" smtClean="0"/>
-              <a:t> ‘(1 2 3))</a:t>
-            </a:r>
-          </a:p>
-          <a:p>
-            <a:pPr marL="82296" indent="0">
-              <a:buNone/>
-            </a:pPr>
-            <a:r>
-              <a:rPr lang="en-US" altLang="ja-JP" dirty="0" smtClean="0"/>
-              <a:t>(cons (car </a:t>
-            </a:r>
-            <a:r>
-              <a:rPr lang="en-US" altLang="ja-JP" dirty="0" err="1" smtClean="0"/>
-              <a:t>lis</a:t>
-            </a:r>
-            <a:r>
-              <a:rPr lang="en-US" altLang="ja-JP" dirty="0" smtClean="0"/>
-              <a:t>) (</a:t>
-            </a:r>
-            <a:r>
-              <a:rPr lang="en-US" altLang="ja-JP" dirty="0" err="1" smtClean="0"/>
-              <a:t>cdr</a:t>
-            </a:r>
-            <a:r>
-              <a:rPr lang="en-US" altLang="ja-JP" dirty="0" smtClean="0"/>
-              <a:t> </a:t>
-            </a:r>
-            <a:r>
-              <a:rPr lang="en-US" altLang="ja-JP" dirty="0" err="1" smtClean="0"/>
-              <a:t>lis</a:t>
-            </a:r>
-            <a:r>
-              <a:rPr lang="en-US" altLang="ja-JP" dirty="0" smtClean="0"/>
-              <a:t>))</a:t>
-            </a:r>
-          </a:p>
-          <a:p>
-            <a:pPr marL="82296" indent="0">
-              <a:buNone/>
-            </a:pPr>
-            <a:r>
-              <a:rPr lang="en-US" altLang="ja-JP" dirty="0" smtClean="0"/>
-              <a:t>=&gt; </a:t>
-            </a:r>
-            <a:r>
-              <a:rPr lang="en-US" altLang="ja-JP" dirty="0"/>
-              <a:t>(1 2 3)</a:t>
-            </a:r>
-            <a:endParaRPr lang="en-US" altLang="ja-JP" dirty="0" smtClean="0"/>
+            <a:pPr marL="82296" indent="0" algn="ctr">
+              <a:buNone/>
+            </a:pPr>
+            <a:endParaRPr kumimoji="1" lang="en-US" altLang="ja-JP" sz="4400" dirty="0" smtClean="0"/>
+          </a:p>
+          <a:p>
+            <a:pPr marL="82296" indent="0" algn="ctr">
+              <a:buNone/>
+            </a:pPr>
+            <a:endParaRPr kumimoji="1" lang="en-US" altLang="ja-JP" sz="4400" dirty="0" smtClean="0"/>
+          </a:p>
+          <a:p>
+            <a:pPr marL="82296" indent="0" algn="ctr">
+              <a:buNone/>
+            </a:pPr>
+            <a:r>
+              <a:rPr kumimoji="1" lang="ja-JP" altLang="en-US" sz="4400" dirty="0" smtClean="0"/>
+              <a:t>⑤再帰処理</a:t>
+            </a:r>
+            <a:endParaRPr kumimoji="1" lang="en-US" altLang="ja-JP" sz="4400" dirty="0" smtClean="0"/>
           </a:p>
         </p:txBody>
       </p:sp>
     </p:spTree>
     <p:extLst>
       <p:ext uri="{BB962C8B-B14F-4D97-AF65-F5344CB8AC3E}">
-        <p14:creationId xmlns:p14="http://schemas.microsoft.com/office/powerpoint/2010/main" val="3029638908"/>
+        <p14:creationId xmlns:p14="http://schemas.microsoft.com/office/powerpoint/2010/main" val="125130579"/>
       </p:ext>
     </p:extLst>
   </p:cSld>
@@ -8651,20 +7962,12 @@
           <a:lstStyle/>
           <a:p>
             <a:r>
-              <a:rPr lang="en-US" altLang="ja-JP" dirty="0" smtClean="0"/>
-              <a:t>Scheme</a:t>
-            </a:r>
-            <a:r>
-              <a:rPr lang="ja-JP" altLang="en-US" dirty="0" err="1" smtClean="0"/>
-              <a:t>での</a:t>
-            </a:r>
-            <a:r>
-              <a:rPr lang="ja-JP" altLang="en-US" dirty="0" smtClean="0"/>
-              <a:t>リストの</a:t>
-            </a:r>
-            <a:r>
-              <a:rPr lang="ja-JP" altLang="en-US" dirty="0"/>
-              <a:t>考え方</a:t>
+              <a:rPr kumimoji="1" lang="en-US" altLang="ja-JP" dirty="0" smtClean="0"/>
+              <a:t>fold</a:t>
+            </a:r>
+            <a:r>
+              <a:rPr kumimoji="1" lang="ja-JP" altLang="en-US" dirty="0" smtClean="0"/>
+              <a:t>を自前で作ってみよう</a:t>
             </a:r>
             <a:endParaRPr kumimoji="1" lang="ja-JP" altLang="en-US" dirty="0"/>
           </a:p>
@@ -8682,8 +7985,8 @@
         </p:nvSpPr>
         <p:spPr>
           <a:xfrm>
-            <a:off x="971600" y="1124744"/>
-            <a:ext cx="8172400" cy="5544616"/>
+            <a:off x="1115616" y="1124744"/>
+            <a:ext cx="7818072" cy="5544616"/>
           </a:xfrm>
         </p:spPr>
         <p:txBody>
@@ -8696,46 +7999,41 @@
               <a:buNone/>
             </a:pPr>
             <a:r>
-              <a:rPr lang="ja-JP" altLang="en-US" dirty="0"/>
-              <a:t>内部的</a:t>
-            </a:r>
-            <a:r>
-              <a:rPr lang="ja-JP" altLang="en-US" dirty="0" smtClean="0"/>
-              <a:t>には</a:t>
-            </a:r>
-            <a:r>
-              <a:rPr lang="en-US" altLang="ja-JP" b="1" dirty="0" smtClean="0"/>
-              <a:t>2</a:t>
-            </a:r>
-            <a:r>
-              <a:rPr lang="ja-JP" altLang="en-US" b="1" dirty="0" err="1" smtClean="0"/>
-              <a:t>つの</a:t>
-            </a:r>
-            <a:r>
-              <a:rPr lang="ja-JP" altLang="en-US" b="1" dirty="0" smtClean="0"/>
-              <a:t>ポインタを持った対の連なり。</a:t>
-            </a:r>
-            <a:endParaRPr lang="en-US" altLang="ja-JP" b="1" dirty="0" smtClean="0"/>
-          </a:p>
-          <a:p>
-            <a:pPr marL="82296" indent="0">
-              <a:buNone/>
-            </a:pPr>
-            <a:r>
-              <a:rPr lang="ja-JP" altLang="en-US" b="1" dirty="0" smtClean="0"/>
-              <a:t>値</a:t>
-            </a:r>
-            <a:r>
-              <a:rPr lang="ja-JP" altLang="en-US" dirty="0" smtClean="0"/>
-              <a:t>そのものと</a:t>
-            </a:r>
-            <a:r>
-              <a:rPr lang="ja-JP" altLang="en-US" b="1" dirty="0" smtClean="0"/>
-              <a:t>次の要素の情報</a:t>
-            </a:r>
-            <a:r>
-              <a:rPr lang="ja-JP" altLang="en-US" dirty="0" smtClean="0"/>
-              <a:t>を持つ</a:t>
+              <a:rPr lang="en-US" altLang="ja-JP" u="sng" dirty="0"/>
+              <a:t>(fold &lt;</a:t>
+            </a:r>
+            <a:r>
+              <a:rPr lang="ja-JP" altLang="en-US" u="sng" dirty="0"/>
+              <a:t>手続き</a:t>
+            </a:r>
+            <a:r>
+              <a:rPr lang="en-US" altLang="ja-JP" u="sng" dirty="0"/>
+              <a:t>&gt; &lt;</a:t>
+            </a:r>
+            <a:r>
+              <a:rPr lang="ja-JP" altLang="en-US" u="sng" dirty="0"/>
+              <a:t>初期値</a:t>
+            </a:r>
+            <a:r>
+              <a:rPr lang="en-US" altLang="ja-JP" u="sng" dirty="0"/>
+              <a:t>&gt; &lt;</a:t>
+            </a:r>
+            <a:r>
+              <a:rPr lang="ja-JP" altLang="en-US" u="sng" dirty="0"/>
+              <a:t>リスト</a:t>
+            </a:r>
+            <a:r>
+              <a:rPr lang="en-US" altLang="ja-JP" u="sng" dirty="0"/>
+              <a:t>&gt;)</a:t>
+            </a:r>
+          </a:p>
+          <a:p>
+            <a:pPr marL="82296" indent="0">
+              <a:buNone/>
+            </a:pPr>
+            <a:r>
+              <a:rPr lang="ja-JP" altLang="en-US" dirty="0" smtClean="0"/>
+              <a:t>　↓</a:t>
             </a:r>
             <a:endParaRPr lang="en-US" altLang="ja-JP" dirty="0" smtClean="0"/>
           </a:p>
@@ -8743,118 +8041,42 @@
             <a:pPr marL="82296" indent="0">
               <a:buNone/>
             </a:pPr>
-            <a:endParaRPr lang="en-US" altLang="ja-JP" b="1" dirty="0"/>
-          </a:p>
-          <a:p>
-            <a:pPr marL="82296" indent="0">
-              <a:buNone/>
-            </a:pPr>
-            <a:r>
-              <a:rPr lang="ja-JP" altLang="en-US" dirty="0" smtClean="0"/>
-              <a:t>・最後の</a:t>
-            </a:r>
-            <a:r>
-              <a:rPr lang="en-US" altLang="ja-JP" dirty="0" err="1" smtClean="0"/>
-              <a:t>cdr</a:t>
-            </a:r>
-            <a:r>
-              <a:rPr lang="ja-JP" altLang="en-US" dirty="0" smtClean="0"/>
-              <a:t>部が空リスト：正式なリスト</a:t>
-            </a:r>
-            <a:endParaRPr lang="en-US" altLang="ja-JP" b="1" dirty="0" smtClean="0"/>
-          </a:p>
-          <a:p>
-            <a:pPr marL="82296" indent="0">
-              <a:buNone/>
-            </a:pPr>
-            <a:endParaRPr lang="en-US" altLang="ja-JP" dirty="0" smtClean="0"/>
-          </a:p>
-          <a:p>
-            <a:pPr marL="82296" indent="0">
-              <a:buNone/>
-            </a:pPr>
-            <a:r>
-              <a:rPr lang="ja-JP" altLang="en-US" dirty="0" smtClean="0"/>
-              <a:t>・最後の</a:t>
-            </a:r>
-            <a:r>
-              <a:rPr lang="en-US" altLang="ja-JP" dirty="0" err="1" smtClean="0"/>
-              <a:t>cdr</a:t>
-            </a:r>
-            <a:r>
-              <a:rPr lang="ja-JP" altLang="en-US" dirty="0" smtClean="0"/>
-              <a:t>部が空リストでない：ドットリスト</a:t>
-            </a:r>
-            <a:endParaRPr lang="en-US" altLang="ja-JP" dirty="0" smtClean="0"/>
-          </a:p>
-          <a:p>
-            <a:pPr marL="82296" indent="0">
-              <a:buNone/>
-            </a:pPr>
-            <a:endParaRPr lang="en-US" altLang="ja-JP" dirty="0"/>
-          </a:p>
-          <a:p>
-            <a:pPr marL="82296" indent="0">
-              <a:buNone/>
-            </a:pPr>
-            <a:r>
-              <a:rPr lang="en-US" altLang="ja-JP" sz="2000" dirty="0">
-                <a:hlinkClick r:id="rId2"/>
-              </a:rPr>
-              <a:t>https://</a:t>
-            </a:r>
-            <a:r>
-              <a:rPr lang="en-US" altLang="ja-JP" sz="2000" dirty="0" smtClean="0">
-                <a:hlinkClick r:id="rId2"/>
-              </a:rPr>
-              <a:t>www.shido.info/lisp/scheme3.html</a:t>
-            </a:r>
-            <a:endParaRPr lang="en-US" altLang="ja-JP" sz="2000" dirty="0" smtClean="0"/>
-          </a:p>
-          <a:p>
-            <a:pPr marL="82296" indent="0">
-              <a:buNone/>
-            </a:pPr>
-            <a:endParaRPr lang="en-US" altLang="ja-JP" sz="2000" dirty="0" smtClean="0">
-              <a:hlinkClick r:id="rId3"/>
-            </a:endParaRPr>
-          </a:p>
-          <a:p>
-            <a:pPr marL="82296" indent="0">
-              <a:buNone/>
-            </a:pPr>
-            <a:r>
-              <a:rPr lang="en-US" altLang="ja-JP" sz="2000" dirty="0" smtClean="0">
-                <a:hlinkClick r:id="rId3"/>
-              </a:rPr>
-              <a:t>http</a:t>
-            </a:r>
-            <a:r>
-              <a:rPr lang="en-US" altLang="ja-JP" sz="2000" dirty="0">
-                <a:hlinkClick r:id="rId3"/>
-              </a:rPr>
-              <a:t>://</a:t>
-            </a:r>
-            <a:r>
-              <a:rPr lang="en-US" altLang="ja-JP" sz="2000" dirty="0" smtClean="0">
-                <a:hlinkClick r:id="rId3"/>
-              </a:rPr>
-              <a:t>bach.istc.kobe-u.ac.jp/lect/ProLang/org/lisp-cell.html</a:t>
-            </a:r>
-            <a:endParaRPr lang="en-US" altLang="ja-JP" dirty="0"/>
-          </a:p>
-          <a:p>
-            <a:pPr marL="82296" indent="0">
-              <a:buNone/>
-            </a:pPr>
-            <a:endParaRPr lang="en-US" altLang="ja-JP" b="1" dirty="0" smtClean="0"/>
+            <a:r>
+              <a:rPr lang="en-US" altLang="ja-JP" sz="2800" dirty="0" smtClean="0"/>
+              <a:t>(define (fold proc </a:t>
+            </a:r>
+            <a:r>
+              <a:rPr lang="en-US" altLang="ja-JP" sz="2800" dirty="0" err="1" smtClean="0"/>
+              <a:t>init</a:t>
+            </a:r>
+            <a:r>
+              <a:rPr lang="en-US" altLang="ja-JP" sz="2800" dirty="0" smtClean="0"/>
+              <a:t> </a:t>
+            </a:r>
+            <a:r>
+              <a:rPr lang="en-US" altLang="ja-JP" sz="2800" dirty="0" err="1" smtClean="0"/>
+              <a:t>lis</a:t>
+            </a:r>
+            <a:r>
+              <a:rPr lang="en-US" altLang="ja-JP" sz="2800" dirty="0" smtClean="0"/>
+              <a:t>) &lt;</a:t>
+            </a:r>
+            <a:r>
+              <a:rPr lang="ja-JP" altLang="en-US" sz="2800" dirty="0" smtClean="0"/>
+              <a:t>式</a:t>
+            </a:r>
+            <a:r>
+              <a:rPr lang="en-US" altLang="ja-JP" sz="2800" dirty="0" smtClean="0"/>
+              <a:t>&gt;)</a:t>
+            </a:r>
+            <a:endParaRPr lang="en-US" altLang="ja-JP" sz="2800" dirty="0"/>
           </a:p>
         </p:txBody>
       </p:sp>
     </p:spTree>
     <p:extLst>
       <p:ext uri="{BB962C8B-B14F-4D97-AF65-F5344CB8AC3E}">
-        <p14:creationId xmlns:p14="http://schemas.microsoft.com/office/powerpoint/2010/main" val="1176395678"/>
+        <p14:creationId xmlns:p14="http://schemas.microsoft.com/office/powerpoint/2010/main" val="2647976719"/>
       </p:ext>
     </p:extLst>
   </p:cSld>
@@ -8904,12 +8126,12 @@
           <a:lstStyle/>
           <a:p>
             <a:r>
+              <a:rPr kumimoji="1" lang="en-US" altLang="ja-JP" dirty="0" smtClean="0"/>
+              <a:t>fold</a:t>
+            </a:r>
+            <a:r>
               <a:rPr kumimoji="1" lang="ja-JP" altLang="en-US" dirty="0" smtClean="0"/>
-              <a:t>重要な組み込み手続き</a:t>
-            </a:r>
-            <a:r>
-              <a:rPr lang="ja-JP" altLang="en-US" dirty="0"/>
-              <a:t>４</a:t>
+              <a:t>を自前で作ってみよう</a:t>
             </a:r>
             <a:endParaRPr kumimoji="1" lang="ja-JP" altLang="en-US" dirty="0"/>
           </a:p>
@@ -8927,8 +8149,8 @@
         </p:nvSpPr>
         <p:spPr>
           <a:xfrm>
-            <a:off x="1043608" y="1124744"/>
-            <a:ext cx="8100392" cy="5544616"/>
+            <a:off x="1115616" y="1124744"/>
+            <a:ext cx="7818072" cy="5544616"/>
           </a:xfrm>
         </p:spPr>
         <p:txBody>
@@ -8941,48 +8163,31 @@
               <a:buNone/>
             </a:pPr>
             <a:r>
-              <a:rPr lang="ja-JP" altLang="en-US" dirty="0" smtClean="0"/>
-              <a:t>・手続き </a:t>
-            </a:r>
-            <a:r>
-              <a:rPr lang="en-US" altLang="ja-JP" dirty="0" smtClean="0"/>
-              <a:t>fold</a:t>
-            </a:r>
-          </a:p>
-          <a:p>
-            <a:pPr marL="82296" indent="0">
-              <a:buNone/>
-            </a:pPr>
-            <a:r>
-              <a:rPr lang="ja-JP" altLang="en-US" dirty="0" smtClean="0"/>
-              <a:t>　</a:t>
-            </a:r>
-            <a:r>
-              <a:rPr lang="en-US" altLang="ja-JP" dirty="0" smtClean="0"/>
+              <a:rPr lang="en-US" altLang="ja-JP" u="sng" dirty="0"/>
               <a:t>(fold &lt;</a:t>
             </a:r>
             <a:r>
-              <a:rPr lang="ja-JP" altLang="en-US" dirty="0" smtClean="0"/>
+              <a:rPr lang="ja-JP" altLang="en-US" u="sng" dirty="0"/>
               <a:t>手続き</a:t>
             </a:r>
             <a:r>
-              <a:rPr lang="en-US" altLang="ja-JP" dirty="0" smtClean="0"/>
+              <a:rPr lang="en-US" altLang="ja-JP" u="sng" dirty="0"/>
               <a:t>&gt; &lt;</a:t>
             </a:r>
             <a:r>
-              <a:rPr lang="ja-JP" altLang="en-US" dirty="0" smtClean="0"/>
+              <a:rPr lang="ja-JP" altLang="en-US" u="sng" dirty="0"/>
               <a:t>初期値</a:t>
             </a:r>
             <a:r>
-              <a:rPr lang="en-US" altLang="ja-JP" dirty="0" smtClean="0"/>
+              <a:rPr lang="en-US" altLang="ja-JP" u="sng" dirty="0"/>
               <a:t>&gt; &lt;</a:t>
             </a:r>
             <a:r>
-              <a:rPr lang="ja-JP" altLang="en-US" dirty="0" smtClean="0"/>
+              <a:rPr lang="ja-JP" altLang="en-US" u="sng" dirty="0"/>
               <a:t>リスト</a:t>
             </a:r>
             <a:r>
-              <a:rPr lang="en-US" altLang="ja-JP" dirty="0" smtClean="0"/>
+              <a:rPr lang="en-US" altLang="ja-JP" u="sng" dirty="0"/>
               <a:t>&gt;)</a:t>
             </a:r>
           </a:p>
@@ -8990,94 +8195,168 @@
             <a:pPr marL="82296" indent="0">
               <a:buNone/>
             </a:pPr>
-            <a:r>
-              <a:rPr lang="ja-JP" altLang="en-US" sz="2800" dirty="0" smtClean="0"/>
-              <a:t>①リストの第一要素と初期値を引数に</a:t>
-            </a:r>
+            <a:endParaRPr lang="en-US" altLang="ja-JP" dirty="0" smtClean="0"/>
+          </a:p>
+          <a:p>
+            <a:pPr marL="82296" indent="0">
+              <a:buNone/>
+            </a:pPr>
             <a:r>
               <a:rPr lang="en-US" altLang="ja-JP" sz="2800" dirty="0" smtClean="0"/>
-              <a:t>&lt;</a:t>
-            </a:r>
-            <a:r>
-              <a:rPr lang="ja-JP" altLang="en-US" sz="2800" dirty="0" smtClean="0"/>
-              <a:t>手続き</a:t>
+              <a:t>(define (fold proc </a:t>
+            </a:r>
+            <a:r>
+              <a:rPr lang="en-US" altLang="ja-JP" sz="2800" dirty="0" err="1" smtClean="0"/>
+              <a:t>init</a:t>
             </a:r>
             <a:r>
               <a:rPr lang="en-US" altLang="ja-JP" sz="2800" dirty="0" smtClean="0"/>
-              <a:t>&gt;</a:t>
-            </a:r>
-            <a:r>
-              <a:rPr lang="ja-JP" altLang="en-US" sz="2800" dirty="0" smtClean="0"/>
-              <a:t>実施</a:t>
-            </a:r>
-            <a:endParaRPr lang="en-US" altLang="ja-JP" sz="2800" dirty="0" smtClean="0"/>
-          </a:p>
-          <a:p>
-            <a:pPr marL="82296" indent="0">
-              <a:buNone/>
-            </a:pPr>
-            <a:r>
-              <a:rPr lang="ja-JP" altLang="en-US" sz="2800" dirty="0" smtClean="0"/>
-              <a:t>②第二要素と①の結果を引数に</a:t>
+              <a:t> </a:t>
+            </a:r>
+            <a:r>
+              <a:rPr lang="en-US" altLang="ja-JP" sz="2800" dirty="0" err="1" smtClean="0"/>
+              <a:t>lis</a:t>
             </a:r>
             <a:r>
               <a:rPr lang="en-US" altLang="ja-JP" sz="2800" dirty="0" smtClean="0"/>
-              <a:t>&lt;</a:t>
-            </a:r>
-            <a:r>
-              <a:rPr lang="ja-JP" altLang="en-US" sz="2800" dirty="0" smtClean="0"/>
-              <a:t>手続き</a:t>
-            </a:r>
+              <a:t>) </a:t>
+            </a:r>
+          </a:p>
+          <a:p>
+            <a:pPr marL="82296" indent="0">
+              <a:buNone/>
+            </a:pPr>
             <a:r>
               <a:rPr lang="en-US" altLang="ja-JP" sz="2800" dirty="0" smtClean="0"/>
-              <a:t>&gt;</a:t>
-            </a:r>
-            <a:r>
-              <a:rPr lang="ja-JP" altLang="en-US" sz="2800" dirty="0" smtClean="0"/>
-              <a:t>実施</a:t>
-            </a:r>
-            <a:endParaRPr lang="en-US" altLang="ja-JP" sz="2800" dirty="0" smtClean="0"/>
-          </a:p>
-          <a:p>
-            <a:pPr marL="82296" indent="0">
-              <a:buNone/>
-            </a:pPr>
-            <a:r>
-              <a:rPr lang="ja-JP" altLang="en-US" sz="2800" dirty="0" smtClean="0"/>
-              <a:t>③以下、リストが終わるまで繰り返し</a:t>
-            </a:r>
-            <a:endParaRPr lang="en-US" altLang="ja-JP" sz="2800" dirty="0" smtClean="0"/>
-          </a:p>
-          <a:p>
-            <a:pPr marL="82296" indent="0">
-              <a:buNone/>
-            </a:pPr>
+              <a:t>  </a:t>
+            </a:r>
+            <a:r>
+              <a:rPr lang="en-US" altLang="ja-JP" sz="2800" b="1" dirty="0" smtClean="0"/>
+              <a:t>(if (null? </a:t>
+            </a:r>
+            <a:r>
+              <a:rPr lang="en-US" altLang="ja-JP" sz="2800" b="1" dirty="0" err="1" smtClean="0"/>
+              <a:t>lis</a:t>
+            </a:r>
+            <a:r>
+              <a:rPr lang="en-US" altLang="ja-JP" sz="2800" b="1" dirty="0" smtClean="0"/>
+              <a:t>)</a:t>
+            </a:r>
+          </a:p>
+          <a:p>
+            <a:pPr marL="82296" indent="0">
+              <a:buNone/>
+            </a:pPr>
+            <a:r>
+              <a:rPr lang="en-US" altLang="ja-JP" sz="2800" b="1" dirty="0"/>
+              <a:t> </a:t>
+            </a:r>
+            <a:r>
+              <a:rPr lang="en-US" altLang="ja-JP" sz="2800" b="1" dirty="0" smtClean="0"/>
+              <a:t>   </a:t>
+            </a:r>
+            <a:r>
+              <a:rPr lang="en-US" altLang="ja-JP" sz="2800" b="1" dirty="0" err="1" smtClean="0"/>
+              <a:t>init</a:t>
+            </a:r>
+            <a:endParaRPr lang="en-US" altLang="ja-JP" sz="2800" b="1" dirty="0" smtClean="0"/>
+          </a:p>
+          <a:p>
+            <a:pPr marL="82296" indent="0">
+              <a:buNone/>
+            </a:pPr>
+            <a:r>
+              <a:rPr lang="en-US" altLang="ja-JP" sz="2800" dirty="0"/>
+              <a:t> </a:t>
+            </a:r>
+            <a:r>
+              <a:rPr lang="en-US" altLang="ja-JP" sz="2800" dirty="0" smtClean="0"/>
+              <a:t>   ?????))</a:t>
+            </a:r>
             <a:endParaRPr lang="en-US" altLang="ja-JP" sz="2800" dirty="0"/>
           </a:p>
-          <a:p>
-            <a:pPr marL="82296" indent="0">
-              <a:buNone/>
-            </a:pPr>
-            <a:r>
-              <a:rPr lang="en-US" altLang="ja-JP" dirty="0" smtClean="0"/>
-              <a:t>(fold * 1 ‘(1 2 3 4 5))</a:t>
-            </a:r>
-          </a:p>
-          <a:p>
-            <a:pPr marL="82296" indent="0">
-              <a:buNone/>
-            </a:pPr>
-            <a:r>
-              <a:rPr lang="en-US" altLang="ja-JP" dirty="0" smtClean="0"/>
-              <a:t>=&gt; 120</a:t>
-            </a:r>
+        </p:txBody>
+      </p:sp>
+      <p:sp>
+        <p:nvSpPr>
+          <p:cNvPr id="5" name="角丸四角形 4"/>
+          <p:cNvSpPr/>
+          <p:nvPr/>
+        </p:nvSpPr>
+        <p:spPr>
+          <a:xfrm>
+            <a:off x="1115616" y="4725144"/>
+            <a:ext cx="6696744" cy="1440160"/>
+          </a:xfrm>
+          <a:prstGeom prst="roundRect">
+            <a:avLst/>
+          </a:prstGeom>
+        </p:spPr>
+        <p:style>
+          <a:lnRef idx="2">
+            <a:schemeClr val="accent1">
+              <a:shade val="50000"/>
+            </a:schemeClr>
+          </a:lnRef>
+          <a:fillRef idx="1">
+            <a:schemeClr val="accent1"/>
+          </a:fillRef>
+          <a:effectRef idx="0">
+            <a:schemeClr val="accent1"/>
+          </a:effectRef>
+          <a:fontRef idx="minor">
+            <a:schemeClr val="lt1"/>
+          </a:fontRef>
+        </p:style>
+        <p:txBody>
+          <a:bodyPr rtlCol="0" anchor="ctr"/>
+          <a:lstStyle/>
+          <a:p>
+            <a:pPr algn="ctr"/>
+            <a:r>
+              <a:rPr lang="ja-JP" altLang="en-US" sz="3200" dirty="0" smtClean="0"/>
+              <a:t>まず、 </a:t>
+            </a:r>
+            <a:r>
+              <a:rPr lang="en-US" altLang="ja-JP" sz="3200" dirty="0" err="1" smtClean="0"/>
+              <a:t>lis</a:t>
+            </a:r>
+            <a:r>
+              <a:rPr lang="en-US" altLang="ja-JP" sz="3200" dirty="0" smtClean="0"/>
+              <a:t> </a:t>
+            </a:r>
+            <a:r>
+              <a:rPr lang="ja-JP" altLang="en-US" sz="3200" dirty="0"/>
+              <a:t>が空リストで</a:t>
+            </a:r>
+            <a:r>
+              <a:rPr lang="ja-JP" altLang="en-US" sz="3200" dirty="0" smtClean="0"/>
+              <a:t>あれば</a:t>
+            </a:r>
+            <a:endParaRPr lang="en-US" altLang="ja-JP" sz="3200" dirty="0" smtClean="0"/>
+          </a:p>
+          <a:p>
+            <a:pPr algn="ctr"/>
+            <a:r>
+              <a:rPr lang="ja-JP" altLang="en-US" sz="3200" dirty="0" smtClean="0"/>
+              <a:t>初期値</a:t>
+            </a:r>
+            <a:r>
+              <a:rPr lang="ja-JP" altLang="en-US" sz="3200" dirty="0"/>
+              <a:t>をそのまま返せば</a:t>
+            </a:r>
+            <a:r>
+              <a:rPr lang="ja-JP" altLang="en-US" sz="3200" dirty="0" smtClean="0"/>
+              <a:t>良い</a:t>
+            </a:r>
+            <a:endParaRPr kumimoji="1" lang="ja-JP" altLang="en-US" sz="3200" dirty="0"/>
           </a:p>
         </p:txBody>
       </p:sp>
     </p:spTree>
     <p:extLst>
       <p:ext uri="{BB962C8B-B14F-4D97-AF65-F5344CB8AC3E}">
-        <p14:creationId xmlns:p14="http://schemas.microsoft.com/office/powerpoint/2010/main" val="1964440084"/>
+        <p14:creationId xmlns:p14="http://schemas.microsoft.com/office/powerpoint/2010/main" val="4138256573"/>
       </p:ext>
     </p:extLst>
   </p:cSld>
@@ -9127,8 +8406,12 @@
           <a:lstStyle/>
           <a:p>
             <a:r>
+              <a:rPr kumimoji="1" lang="en-US" altLang="ja-JP" dirty="0" smtClean="0"/>
+              <a:t>fold</a:t>
+            </a:r>
+            <a:r>
               <a:rPr kumimoji="1" lang="ja-JP" altLang="en-US" dirty="0" smtClean="0"/>
-              <a:t>ハローワールド</a:t>
+              <a:t>を自前で作ってみよう</a:t>
             </a:r>
             <a:endParaRPr kumimoji="1" lang="ja-JP" altLang="en-US" dirty="0"/>
           </a:p>
@@ -9160,9 +8443,38 @@
               <a:buNone/>
             </a:pPr>
             <a:r>
-              <a:rPr lang="ja-JP" altLang="en-US" dirty="0" smtClean="0"/>
-              <a:t>・対話型の場合</a:t>
-            </a:r>
+              <a:rPr lang="en-US" altLang="ja-JP" u="sng" dirty="0"/>
+              <a:t>(fold &lt;</a:t>
+            </a:r>
+            <a:r>
+              <a:rPr lang="ja-JP" altLang="en-US" u="sng" dirty="0"/>
+              <a:t>手続き</a:t>
+            </a:r>
+            <a:r>
+              <a:rPr lang="en-US" altLang="ja-JP" u="sng" dirty="0"/>
+              <a:t>&gt; &lt;</a:t>
+            </a:r>
+            <a:r>
+              <a:rPr lang="ja-JP" altLang="en-US" u="sng" dirty="0"/>
+              <a:t>初期値</a:t>
+            </a:r>
+            <a:r>
+              <a:rPr lang="en-US" altLang="ja-JP" u="sng" dirty="0"/>
+              <a:t>&gt; &lt;</a:t>
+            </a:r>
+            <a:r>
+              <a:rPr lang="ja-JP" altLang="en-US" u="sng" dirty="0"/>
+              <a:t>リスト</a:t>
+            </a:r>
+            <a:r>
+              <a:rPr lang="en-US" altLang="ja-JP" u="sng" dirty="0"/>
+              <a:t>&gt;)</a:t>
+            </a:r>
+          </a:p>
+          <a:p>
+            <a:pPr marL="82296" indent="0">
+              <a:buNone/>
+            </a:pPr>
             <a:endParaRPr lang="en-US" altLang="ja-JP" dirty="0" smtClean="0"/>
           </a:p>
           <a:p>
@@ -9170,50 +8482,40 @@
               <a:buNone/>
             </a:pPr>
             <a:r>
-              <a:rPr lang="en-US" altLang="ja-JP" dirty="0" smtClean="0"/>
-              <a:t>(print “Hello, world.”)</a:t>
-            </a:r>
-          </a:p>
-          <a:p>
-            <a:pPr marL="82296" indent="0">
-              <a:buNone/>
-            </a:pPr>
-            <a:endParaRPr lang="en-US" altLang="ja-JP" dirty="0"/>
-          </a:p>
-          <a:p>
-            <a:pPr marL="82296" indent="0">
-              <a:buNone/>
-            </a:pPr>
-            <a:endParaRPr lang="en-US" altLang="ja-JP" dirty="0" smtClean="0"/>
-          </a:p>
-          <a:p>
-            <a:pPr marL="82296" indent="0">
-              <a:buNone/>
-            </a:pPr>
-            <a:r>
-              <a:rPr lang="ja-JP" altLang="en-US" smtClean="0"/>
-              <a:t>・ファイル呼び出しの場合</a:t>
-            </a:r>
-            <a:endParaRPr lang="en-US" altLang="ja-JP" dirty="0"/>
-          </a:p>
-          <a:p>
-            <a:pPr marL="82296" indent="0">
-              <a:buNone/>
-            </a:pPr>
-            <a:r>
-              <a:rPr lang="en-US" altLang="ja-JP" dirty="0" smtClean="0"/>
-              <a:t>(</a:t>
-            </a:r>
-            <a:r>
-              <a:rPr lang="en-US" altLang="ja-JP" dirty="0"/>
-              <a:t>define (main </a:t>
-            </a:r>
-            <a:r>
-              <a:rPr lang="en-US" altLang="ja-JP" dirty="0" err="1"/>
-              <a:t>args</a:t>
-            </a:r>
-            <a:r>
-              <a:rPr lang="en-US" altLang="ja-JP" dirty="0"/>
+              <a:rPr lang="en-US" altLang="ja-JP" sz="2800" dirty="0" smtClean="0"/>
+              <a:t>(define (fold proc </a:t>
+            </a:r>
+            <a:r>
+              <a:rPr lang="en-US" altLang="ja-JP" sz="2800" dirty="0" err="1" smtClean="0"/>
+              <a:t>init</a:t>
+            </a:r>
+            <a:r>
+              <a:rPr lang="en-US" altLang="ja-JP" sz="2800" dirty="0" smtClean="0"/>
+              <a:t> </a:t>
+            </a:r>
+            <a:r>
+              <a:rPr lang="en-US" altLang="ja-JP" sz="2800" dirty="0" err="1" smtClean="0"/>
+              <a:t>lis</a:t>
+            </a:r>
+            <a:r>
+              <a:rPr lang="en-US" altLang="ja-JP" sz="2800" dirty="0" smtClean="0"/>
+              <a:t>) </a:t>
+            </a:r>
+          </a:p>
+          <a:p>
+            <a:pPr marL="82296" indent="0">
+              <a:buNone/>
+            </a:pPr>
+            <a:r>
+              <a:rPr lang="en-US" altLang="ja-JP" sz="2800" dirty="0" smtClean="0"/>
+              <a:t>  (if (null? </a:t>
+            </a:r>
+            <a:r>
+              <a:rPr lang="en-US" altLang="ja-JP" sz="2800" dirty="0" err="1" smtClean="0"/>
+              <a:t>lis</a:t>
+            </a:r>
+            <a:r>
+              <a:rPr lang="en-US" altLang="ja-JP" sz="2800" dirty="0" smtClean="0"/>
               <a:t>)</a:t>
             </a:r>
           </a:p>
@@ -9222,37 +8524,131 @@
               <a:buNone/>
             </a:pPr>
             <a:r>
-              <a:rPr lang="ja-JP" altLang="en-US" dirty="0" smtClean="0"/>
-              <a:t>  </a:t>
-            </a:r>
-            <a:r>
-              <a:rPr lang="en-US" altLang="ja-JP" dirty="0" smtClean="0"/>
-              <a:t>(</a:t>
-            </a:r>
-            <a:r>
-              <a:rPr lang="en-US" altLang="ja-JP" dirty="0"/>
-              <a:t>print "Hello, world.")</a:t>
-            </a:r>
-          </a:p>
-          <a:p>
-            <a:pPr marL="82296" indent="0">
-              <a:buNone/>
-            </a:pPr>
-            <a:r>
-              <a:rPr lang="en-US" altLang="ja-JP" dirty="0" smtClean="0"/>
-              <a:t>  0</a:t>
-            </a:r>
-            <a:r>
-              <a:rPr lang="en-US" altLang="ja-JP" dirty="0"/>
+              <a:rPr lang="en-US" altLang="ja-JP" sz="2800" dirty="0"/>
+              <a:t> </a:t>
+            </a:r>
+            <a:r>
+              <a:rPr lang="en-US" altLang="ja-JP" sz="2800" dirty="0" smtClean="0"/>
+              <a:t>   </a:t>
+            </a:r>
+            <a:r>
+              <a:rPr lang="en-US" altLang="ja-JP" sz="2800" dirty="0" err="1" smtClean="0"/>
+              <a:t>init</a:t>
+            </a:r>
+            <a:endParaRPr lang="en-US" altLang="ja-JP" sz="2800" dirty="0" smtClean="0"/>
+          </a:p>
+          <a:p>
+            <a:pPr marL="82296" indent="0">
+              <a:buNone/>
+            </a:pPr>
+            <a:r>
+              <a:rPr lang="en-US" altLang="ja-JP" sz="2800" dirty="0"/>
+              <a:t> </a:t>
+            </a:r>
+            <a:r>
+              <a:rPr lang="en-US" altLang="ja-JP" sz="2800" dirty="0" smtClean="0"/>
+              <a:t>   ??</a:t>
+            </a:r>
+            <a:r>
+              <a:rPr lang="ja-JP" altLang="en-US" sz="2800" dirty="0" smtClean="0"/>
+              <a:t>　</a:t>
+            </a:r>
+            <a:r>
+              <a:rPr lang="en-US" altLang="ja-JP" sz="2800" b="1" dirty="0" smtClean="0"/>
+              <a:t>(proc (car </a:t>
+            </a:r>
+            <a:r>
+              <a:rPr lang="en-US" altLang="ja-JP" sz="2800" b="1" dirty="0" err="1" smtClean="0"/>
+              <a:t>lis</a:t>
+            </a:r>
+            <a:r>
+              <a:rPr lang="en-US" altLang="ja-JP" sz="2800" b="1" dirty="0"/>
+              <a:t>) </a:t>
+            </a:r>
+            <a:r>
+              <a:rPr lang="en-US" altLang="ja-JP" sz="2800" b="1" dirty="0" err="1"/>
+              <a:t>init</a:t>
+            </a:r>
+            <a:r>
+              <a:rPr lang="en-US" altLang="ja-JP" sz="2800" b="1" dirty="0"/>
               <a:t>)</a:t>
             </a:r>
+            <a:r>
+              <a:rPr lang="ja-JP" altLang="en-US" sz="2800" dirty="0" smtClean="0"/>
+              <a:t>　</a:t>
+            </a:r>
+            <a:r>
+              <a:rPr lang="en-US" altLang="ja-JP" sz="2800" dirty="0" smtClean="0"/>
+              <a:t>??))</a:t>
+            </a:r>
+            <a:endParaRPr lang="en-US" altLang="ja-JP" sz="2800" dirty="0"/>
+          </a:p>
+        </p:txBody>
+      </p:sp>
+      <p:sp>
+        <p:nvSpPr>
+          <p:cNvPr id="5" name="角丸四角形 4"/>
+          <p:cNvSpPr/>
+          <p:nvPr/>
+        </p:nvSpPr>
+        <p:spPr>
+          <a:xfrm>
+            <a:off x="1115616" y="4725144"/>
+            <a:ext cx="6696744" cy="1440160"/>
+          </a:xfrm>
+          <a:prstGeom prst="roundRect">
+            <a:avLst/>
+          </a:prstGeom>
+        </p:spPr>
+        <p:style>
+          <a:lnRef idx="2">
+            <a:schemeClr val="accent1">
+              <a:shade val="50000"/>
+            </a:schemeClr>
+          </a:lnRef>
+          <a:fillRef idx="1">
+            <a:schemeClr val="accent1"/>
+          </a:fillRef>
+          <a:effectRef idx="0">
+            <a:schemeClr val="accent1"/>
+          </a:effectRef>
+          <a:fontRef idx="minor">
+            <a:schemeClr val="lt1"/>
+          </a:fontRef>
+        </p:style>
+        <p:txBody>
+          <a:bodyPr rtlCol="0" anchor="ctr"/>
+          <a:lstStyle/>
+          <a:p>
+            <a:pPr algn="ctr"/>
+            <a:r>
+              <a:rPr lang="ja-JP" altLang="en-US" sz="3200" dirty="0"/>
+              <a:t>リスト</a:t>
+            </a:r>
+            <a:r>
+              <a:rPr lang="ja-JP" altLang="en-US" sz="3200" dirty="0" smtClean="0"/>
+              <a:t>の先頭と初期値を処理する</a:t>
+            </a:r>
+            <a:endParaRPr lang="en-US" altLang="ja-JP" sz="3200" dirty="0" smtClean="0"/>
+          </a:p>
+          <a:p>
+            <a:pPr algn="ctr"/>
+            <a:r>
+              <a:rPr kumimoji="1" lang="ja-JP" altLang="en-US" sz="3200" dirty="0"/>
+              <a:t>リストの</a:t>
+            </a:r>
+            <a:r>
+              <a:rPr kumimoji="1" lang="ja-JP" altLang="en-US" sz="3200" dirty="0" smtClean="0"/>
+              <a:t>残りはあとで考える</a:t>
+            </a:r>
+            <a:endParaRPr kumimoji="1" lang="ja-JP" altLang="en-US" sz="3200" dirty="0"/>
           </a:p>
         </p:txBody>
       </p:sp>
     </p:spTree>
     <p:extLst>
       <p:ext uri="{BB962C8B-B14F-4D97-AF65-F5344CB8AC3E}">
-        <p14:creationId xmlns:p14="http://schemas.microsoft.com/office/powerpoint/2010/main" val="751171923"/>
+        <p14:creationId xmlns:p14="http://schemas.microsoft.com/office/powerpoint/2010/main" val="2408865116"/>
       </p:ext>
     </p:extLst>
   </p:cSld>
@@ -9302,8 +8698,12 @@
           <a:lstStyle/>
           <a:p>
             <a:r>
+              <a:rPr kumimoji="1" lang="en-US" altLang="ja-JP" dirty="0" smtClean="0"/>
+              <a:t>fold</a:t>
+            </a:r>
+            <a:r>
               <a:rPr kumimoji="1" lang="ja-JP" altLang="en-US" dirty="0" smtClean="0"/>
-              <a:t>補足</a:t>
+              <a:t>を自前で作ってみよう</a:t>
             </a:r>
             <a:endParaRPr kumimoji="1" lang="ja-JP" altLang="en-US" dirty="0"/>
           </a:p>
@@ -9321,8 +8721,8 @@
         </p:nvSpPr>
         <p:spPr>
           <a:xfrm>
-            <a:off x="1115616" y="1124744"/>
-            <a:ext cx="7818072" cy="5544616"/>
+            <a:off x="971600" y="1124744"/>
+            <a:ext cx="8172400" cy="5544616"/>
           </a:xfrm>
         </p:spPr>
         <p:txBody>
@@ -9335,9 +8735,38 @@
               <a:buNone/>
             </a:pPr>
             <a:r>
-              <a:rPr lang="ja-JP" altLang="en-US" dirty="0" smtClean="0"/>
-              <a:t>・条件分岐</a:t>
-            </a:r>
+              <a:rPr lang="en-US" altLang="ja-JP" u="sng" dirty="0"/>
+              <a:t>(fold &lt;</a:t>
+            </a:r>
+            <a:r>
+              <a:rPr lang="ja-JP" altLang="en-US" u="sng" dirty="0"/>
+              <a:t>手続き</a:t>
+            </a:r>
+            <a:r>
+              <a:rPr lang="en-US" altLang="ja-JP" u="sng" dirty="0"/>
+              <a:t>&gt; &lt;</a:t>
+            </a:r>
+            <a:r>
+              <a:rPr lang="ja-JP" altLang="en-US" u="sng" dirty="0"/>
+              <a:t>初期値</a:t>
+            </a:r>
+            <a:r>
+              <a:rPr lang="en-US" altLang="ja-JP" u="sng" dirty="0"/>
+              <a:t>&gt; &lt;</a:t>
+            </a:r>
+            <a:r>
+              <a:rPr lang="ja-JP" altLang="en-US" u="sng" dirty="0"/>
+              <a:t>リスト</a:t>
+            </a:r>
+            <a:r>
+              <a:rPr lang="en-US" altLang="ja-JP" u="sng" dirty="0"/>
+              <a:t>&gt;)</a:t>
+            </a:r>
+          </a:p>
+          <a:p>
+            <a:pPr marL="82296" indent="0">
+              <a:buNone/>
+            </a:pPr>
             <a:endParaRPr lang="en-US" altLang="ja-JP" dirty="0" smtClean="0"/>
           </a:p>
           <a:p>
@@ -9345,120 +8774,256 @@
               <a:buNone/>
             </a:pPr>
             <a:r>
-              <a:rPr lang="en-US" altLang="ja-JP" dirty="0" smtClean="0"/>
-              <a:t>(if &lt;</a:t>
-            </a:r>
-            <a:r>
-              <a:rPr lang="ja-JP" altLang="en-US" dirty="0" smtClean="0"/>
-              <a:t>条件</a:t>
-            </a:r>
-            <a:r>
-              <a:rPr lang="en-US" altLang="ja-JP" dirty="0" smtClean="0"/>
-              <a:t>&gt; &lt;</a:t>
-            </a:r>
-            <a:r>
-              <a:rPr lang="ja-JP" altLang="en-US" dirty="0" smtClean="0"/>
-              <a:t>真の処理</a:t>
-            </a:r>
-            <a:r>
-              <a:rPr lang="en-US" altLang="ja-JP" dirty="0" smtClean="0"/>
-              <a:t>&gt; &lt;</a:t>
-            </a:r>
-            <a:r>
-              <a:rPr lang="ja-JP" altLang="en-US" dirty="0" smtClean="0"/>
-              <a:t>偽の処理</a:t>
-            </a:r>
-            <a:r>
-              <a:rPr lang="en-US" altLang="ja-JP" dirty="0" smtClean="0"/>
-              <a:t>&gt;)</a:t>
-            </a:r>
-          </a:p>
-          <a:p>
-            <a:pPr marL="82296" indent="0">
-              <a:buNone/>
-            </a:pPr>
-            <a:endParaRPr lang="en-US" altLang="ja-JP" dirty="0"/>
-          </a:p>
-          <a:p>
-            <a:pPr marL="82296" indent="0">
-              <a:buNone/>
-            </a:pPr>
-            <a:endParaRPr lang="en-US" altLang="ja-JP" dirty="0" smtClean="0"/>
-          </a:p>
-          <a:p>
-            <a:pPr marL="82296" indent="0">
-              <a:buNone/>
-            </a:pPr>
-            <a:r>
-              <a:rPr lang="ja-JP" altLang="en-US" dirty="0" smtClean="0"/>
-              <a:t>・</a:t>
-            </a:r>
-            <a:r>
-              <a:rPr lang="en-US" altLang="ja-JP" dirty="0" smtClean="0"/>
-              <a:t>null</a:t>
-            </a:r>
-            <a:r>
-              <a:rPr lang="ja-JP" altLang="en-US" dirty="0" smtClean="0"/>
-              <a:t>チェック</a:t>
-            </a:r>
-            <a:endParaRPr lang="en-US" altLang="ja-JP" dirty="0" smtClean="0"/>
-          </a:p>
-          <a:p>
-            <a:pPr marL="82296" indent="0">
-              <a:buNone/>
-            </a:pPr>
-            <a:r>
-              <a:rPr lang="en-US" altLang="ja-JP" dirty="0" smtClean="0"/>
-              <a:t>(null? &lt;</a:t>
-            </a:r>
-            <a:r>
-              <a:rPr lang="ja-JP" altLang="en-US" dirty="0" smtClean="0"/>
-              <a:t>対象</a:t>
-            </a:r>
-            <a:r>
-              <a:rPr lang="en-US" altLang="ja-JP" dirty="0" smtClean="0"/>
-              <a:t>&gt;)</a:t>
-            </a:r>
-          </a:p>
-          <a:p>
-            <a:pPr marL="82296" indent="0">
-              <a:buNone/>
-            </a:pPr>
-            <a:r>
-              <a:rPr lang="ja-JP" altLang="en-US" dirty="0" smtClean="0"/>
-              <a:t>対象が空リストなら真 </a:t>
-            </a:r>
-            <a:r>
-              <a:rPr lang="en-US" altLang="ja-JP" dirty="0" smtClean="0"/>
-              <a:t>(#t)</a:t>
-            </a:r>
-          </a:p>
-          <a:p>
-            <a:pPr marL="82296" indent="0">
-              <a:buNone/>
-            </a:pPr>
-            <a:r>
-              <a:rPr lang="ja-JP" altLang="en-US" dirty="0" smtClean="0"/>
-              <a:t>空リストでないなら偽 </a:t>
-            </a:r>
-            <a:r>
-              <a:rPr lang="en-US" altLang="ja-JP" dirty="0" smtClean="0"/>
-              <a:t>(#f)</a:t>
-            </a:r>
-            <a:endParaRPr lang="en-US" altLang="ja-JP" dirty="0"/>
-          </a:p>
-          <a:p>
-            <a:pPr marL="82296" indent="0">
-              <a:buNone/>
-            </a:pPr>
-            <a:endParaRPr lang="en-US" altLang="ja-JP" dirty="0"/>
+              <a:rPr lang="en-US" altLang="ja-JP" sz="2800" dirty="0" smtClean="0"/>
+              <a:t>(define (fold proc </a:t>
+            </a:r>
+            <a:r>
+              <a:rPr lang="en-US" altLang="ja-JP" sz="2800" dirty="0" err="1" smtClean="0"/>
+              <a:t>init</a:t>
+            </a:r>
+            <a:r>
+              <a:rPr lang="en-US" altLang="ja-JP" sz="2800" dirty="0" smtClean="0"/>
+              <a:t> </a:t>
+            </a:r>
+            <a:r>
+              <a:rPr lang="en-US" altLang="ja-JP" sz="2800" dirty="0" err="1" smtClean="0"/>
+              <a:t>lis</a:t>
+            </a:r>
+            <a:r>
+              <a:rPr lang="en-US" altLang="ja-JP" sz="2800" dirty="0" smtClean="0"/>
+              <a:t>) </a:t>
+            </a:r>
+          </a:p>
+          <a:p>
+            <a:pPr marL="82296" indent="0">
+              <a:buNone/>
+            </a:pPr>
+            <a:r>
+              <a:rPr lang="en-US" altLang="ja-JP" sz="2800" dirty="0" smtClean="0"/>
+              <a:t>  (if (null? </a:t>
+            </a:r>
+            <a:r>
+              <a:rPr lang="en-US" altLang="ja-JP" sz="2800" dirty="0" err="1" smtClean="0"/>
+              <a:t>lis</a:t>
+            </a:r>
+            <a:r>
+              <a:rPr lang="en-US" altLang="ja-JP" sz="2800" dirty="0" smtClean="0"/>
+              <a:t>)</a:t>
+            </a:r>
+          </a:p>
+          <a:p>
+            <a:pPr marL="82296" indent="0">
+              <a:buNone/>
+            </a:pPr>
+            <a:r>
+              <a:rPr lang="en-US" altLang="ja-JP" sz="2800" dirty="0"/>
+              <a:t> </a:t>
+            </a:r>
+            <a:r>
+              <a:rPr lang="en-US" altLang="ja-JP" sz="2800" dirty="0" smtClean="0"/>
+              <a:t>   </a:t>
+            </a:r>
+            <a:r>
+              <a:rPr lang="en-US" altLang="ja-JP" sz="2800" dirty="0" err="1" smtClean="0"/>
+              <a:t>init</a:t>
+            </a:r>
+            <a:endParaRPr lang="en-US" altLang="ja-JP" sz="2800" dirty="0" smtClean="0"/>
+          </a:p>
+          <a:p>
+            <a:pPr marL="82296" indent="0">
+              <a:buNone/>
+            </a:pPr>
+            <a:r>
+              <a:rPr lang="en-US" altLang="ja-JP" sz="2800" dirty="0"/>
+              <a:t> </a:t>
+            </a:r>
+            <a:r>
+              <a:rPr lang="en-US" altLang="ja-JP" sz="2800" dirty="0" smtClean="0"/>
+              <a:t>   (</a:t>
+            </a:r>
+            <a:r>
+              <a:rPr lang="en-US" altLang="ja-JP" sz="2800" b="1" dirty="0" smtClean="0">
+                <a:solidFill>
+                  <a:srgbClr val="FF0000"/>
+                </a:solidFill>
+              </a:rPr>
+              <a:t>fold</a:t>
+            </a:r>
+            <a:r>
+              <a:rPr lang="en-US" altLang="ja-JP" sz="2800" b="1" dirty="0" smtClean="0"/>
+              <a:t> proc</a:t>
+            </a:r>
+            <a:r>
+              <a:rPr lang="ja-JP" altLang="en-US" sz="2800" dirty="0" smtClean="0"/>
+              <a:t>　</a:t>
+            </a:r>
+            <a:r>
+              <a:rPr lang="en-US" altLang="ja-JP" sz="2800" dirty="0" smtClean="0"/>
+              <a:t>(proc (car </a:t>
+            </a:r>
+            <a:r>
+              <a:rPr lang="en-US" altLang="ja-JP" sz="2800" dirty="0" err="1" smtClean="0"/>
+              <a:t>lis</a:t>
+            </a:r>
+            <a:r>
+              <a:rPr lang="en-US" altLang="ja-JP" sz="2800" dirty="0"/>
+              <a:t>) </a:t>
+            </a:r>
+            <a:r>
+              <a:rPr lang="en-US" altLang="ja-JP" sz="2800" dirty="0" err="1"/>
+              <a:t>init</a:t>
+            </a:r>
+            <a:r>
+              <a:rPr lang="en-US" altLang="ja-JP" sz="2800" dirty="0"/>
+              <a:t>)</a:t>
+            </a:r>
+            <a:r>
+              <a:rPr lang="ja-JP" altLang="en-US" sz="2800" dirty="0" smtClean="0"/>
+              <a:t>　</a:t>
+            </a:r>
+            <a:r>
+              <a:rPr lang="en-US" altLang="ja-JP" sz="2800" b="1" dirty="0" smtClean="0"/>
+              <a:t>(</a:t>
+            </a:r>
+            <a:r>
+              <a:rPr lang="en-US" altLang="ja-JP" sz="2800" b="1" dirty="0" err="1" smtClean="0"/>
+              <a:t>cdr</a:t>
+            </a:r>
+            <a:r>
+              <a:rPr lang="en-US" altLang="ja-JP" sz="2800" b="1" dirty="0" smtClean="0"/>
+              <a:t> </a:t>
+            </a:r>
+            <a:r>
+              <a:rPr lang="en-US" altLang="ja-JP" sz="2800" b="1" dirty="0" err="1" smtClean="0"/>
+              <a:t>lis</a:t>
+            </a:r>
+            <a:r>
+              <a:rPr lang="en-US" altLang="ja-JP" sz="2800" b="1" dirty="0" smtClean="0"/>
+              <a:t>)</a:t>
+            </a:r>
+            <a:r>
+              <a:rPr lang="en-US" altLang="ja-JP" sz="2800" dirty="0" smtClean="0"/>
+              <a:t>)))</a:t>
+            </a:r>
+            <a:endParaRPr lang="en-US" altLang="ja-JP" sz="2800" dirty="0"/>
+          </a:p>
+        </p:txBody>
+      </p:sp>
+      <p:sp>
+        <p:nvSpPr>
+          <p:cNvPr id="5" name="角丸四角形 4"/>
+          <p:cNvSpPr/>
+          <p:nvPr/>
+        </p:nvSpPr>
+        <p:spPr>
+          <a:xfrm>
+            <a:off x="1115616" y="4725144"/>
+            <a:ext cx="6696744" cy="1944216"/>
+          </a:xfrm>
+          <a:prstGeom prst="roundRect">
+            <a:avLst/>
+          </a:prstGeom>
+        </p:spPr>
+        <p:style>
+          <a:lnRef idx="2">
+            <a:schemeClr val="accent1">
+              <a:shade val="50000"/>
+            </a:schemeClr>
+          </a:lnRef>
+          <a:fillRef idx="1">
+            <a:schemeClr val="accent1"/>
+          </a:fillRef>
+          <a:effectRef idx="0">
+            <a:schemeClr val="accent1"/>
+          </a:effectRef>
+          <a:fontRef idx="minor">
+            <a:schemeClr val="lt1"/>
+          </a:fontRef>
+        </p:style>
+        <p:txBody>
+          <a:bodyPr rtlCol="0" anchor="ctr"/>
+          <a:lstStyle/>
+          <a:p>
+            <a:pPr algn="ctr"/>
+            <a:r>
+              <a:rPr lang="ja-JP" altLang="en-US" sz="3200" dirty="0" smtClean="0"/>
+              <a:t>二回目以降の</a:t>
+            </a:r>
+            <a:r>
+              <a:rPr lang="ja-JP" altLang="en-US" sz="3200" dirty="0"/>
+              <a:t>処理</a:t>
+            </a:r>
+            <a:r>
+              <a:rPr lang="ja-JP" altLang="en-US" sz="3200" dirty="0" smtClean="0"/>
+              <a:t>は　</a:t>
+            </a:r>
+            <a:r>
+              <a:rPr lang="en-US" altLang="ja-JP" sz="3200" dirty="0" err="1" smtClean="0"/>
+              <a:t>lis</a:t>
+            </a:r>
+            <a:r>
+              <a:rPr lang="ja-JP" altLang="en-US" sz="3200" dirty="0" smtClean="0"/>
+              <a:t>→</a:t>
+            </a:r>
+            <a:r>
+              <a:rPr lang="en-US" altLang="ja-JP" sz="3200" dirty="0" err="1" smtClean="0"/>
+              <a:t>cdr</a:t>
+            </a:r>
+            <a:r>
+              <a:rPr lang="en-US" altLang="ja-JP" sz="3200" dirty="0" smtClean="0"/>
+              <a:t> </a:t>
+            </a:r>
+            <a:r>
+              <a:rPr lang="en-US" altLang="ja-JP" sz="3200" dirty="0" err="1" smtClean="0"/>
+              <a:t>lis</a:t>
+            </a:r>
+            <a:endParaRPr lang="en-US" altLang="ja-JP" sz="3200" dirty="0"/>
+          </a:p>
+          <a:p>
+            <a:pPr algn="ctr"/>
+            <a:r>
+              <a:rPr lang="en-US" altLang="ja-JP" sz="3200" dirty="0" err="1" smtClean="0"/>
+              <a:t>init</a:t>
+            </a:r>
+            <a:r>
+              <a:rPr lang="ja-JP" altLang="en-US" sz="3200" dirty="0" smtClean="0"/>
+              <a:t>→</a:t>
+            </a:r>
+            <a:r>
+              <a:rPr lang="en-US" altLang="ja-JP" sz="3200" dirty="0" smtClean="0"/>
+              <a:t>(proc (car </a:t>
+            </a:r>
+            <a:r>
+              <a:rPr lang="en-US" altLang="ja-JP" sz="3200" dirty="0" err="1" smtClean="0"/>
+              <a:t>lis</a:t>
+            </a:r>
+            <a:r>
+              <a:rPr lang="en-US" altLang="ja-JP" sz="3200" dirty="0" smtClean="0"/>
+              <a:t>) </a:t>
+            </a:r>
+            <a:r>
+              <a:rPr lang="en-US" altLang="ja-JP" sz="3200" dirty="0" err="1" smtClean="0"/>
+              <a:t>init</a:t>
+            </a:r>
+            <a:r>
+              <a:rPr lang="en-US" altLang="ja-JP" sz="3200" dirty="0" smtClean="0"/>
+              <a:t>)</a:t>
+            </a:r>
+          </a:p>
+          <a:p>
+            <a:pPr algn="ctr"/>
+            <a:r>
+              <a:rPr kumimoji="1" lang="ja-JP" altLang="en-US" sz="3200" dirty="0" smtClean="0"/>
+              <a:t>で置き換えて繰り返せばおｋ</a:t>
+            </a:r>
+            <a:endParaRPr kumimoji="1" lang="ja-JP" altLang="en-US" sz="3200" dirty="0"/>
           </a:p>
         </p:txBody>
       </p:sp>
     </p:spTree>
     <p:extLst>
       <p:ext uri="{BB962C8B-B14F-4D97-AF65-F5344CB8AC3E}">
-        <p14:creationId xmlns:p14="http://schemas.microsoft.com/office/powerpoint/2010/main" val="2949194147"/>
+        <p14:creationId xmlns:p14="http://schemas.microsoft.com/office/powerpoint/2010/main" val="2946854418"/>
       </p:ext>
     </p:extLst>
   </p:cSld>
@@ -9554,8 +9119,69 @@
             </a:r>
             <a:endParaRPr kumimoji="1" lang="en-US" altLang="ja-JP" sz="4400" dirty="0" smtClean="0"/>
           </a:p>
-        </p:txBody>
-      </p:sp>
+          <a:p>
+            <a:pPr marL="82296" indent="0" algn="ctr">
+              <a:buNone/>
+            </a:pPr>
+            <a:endParaRPr lang="en-US" altLang="ja-JP" sz="4400" dirty="0"/>
+          </a:p>
+          <a:p>
+            <a:pPr marL="82296" indent="0" algn="ctr">
+              <a:buNone/>
+            </a:pPr>
+            <a:r>
+              <a:rPr kumimoji="1" lang="en-US" altLang="ja-JP" sz="2800" dirty="0" smtClean="0"/>
+              <a:t>(</a:t>
+            </a:r>
+            <a:r>
+              <a:rPr kumimoji="1" lang="ja-JP" altLang="en-US" sz="2800" dirty="0" smtClean="0"/>
+              <a:t>前回は</a:t>
+            </a:r>
+            <a:r>
+              <a:rPr lang="en-US" altLang="ja-JP" sz="2800" dirty="0" smtClean="0"/>
+              <a:t>GIMP</a:t>
+            </a:r>
+            <a:r>
+              <a:rPr lang="ja-JP" altLang="en-US" sz="2800" dirty="0" smtClean="0"/>
+              <a:t>という画像編集ソフトをいじりました</a:t>
+            </a:r>
+            <a:r>
+              <a:rPr kumimoji="1" lang="en-US" altLang="ja-JP" sz="2800" dirty="0" smtClean="0"/>
+              <a:t>)</a:t>
+            </a:r>
+          </a:p>
+        </p:txBody>
+      </p:sp>
+      <p:pic>
+        <p:nvPicPr>
+          <p:cNvPr id="4" name="図 3"/>
+          <p:cNvPicPr>
+            <a:picLocks noChangeAspect="1"/>
+          </p:cNvPicPr>
+          <p:nvPr/>
+        </p:nvPicPr>
+        <p:blipFill>
+          <a:blip r:embed="rId2">
+            <a:extLst>
+              <a:ext uri="{28A0092B-C50C-407E-A947-70E740481C1C}">
+                <a14:useLocalDpi xmlns:a14="http://schemas.microsoft.com/office/drawing/2010/main" val="0"/>
+              </a:ext>
+            </a:extLst>
+          </a:blip>
+          <a:stretch>
+            <a:fillRect/>
+          </a:stretch>
+        </p:blipFill>
+        <p:spPr>
+          <a:xfrm>
+            <a:off x="6588224" y="5039278"/>
+            <a:ext cx="1016232" cy="1016232"/>
+          </a:xfrm>
+          <a:prstGeom prst="rect">
+            <a:avLst/>
+          </a:prstGeom>
+        </p:spPr>
+      </p:pic>
     </p:spTree>
     <p:extLst>
       <p:ext uri="{BB962C8B-B14F-4D97-AF65-F5344CB8AC3E}">
@@ -9625,7 +9251,7 @@
         <p:spPr>
           <a:xfrm>
             <a:off x="899592" y="1447800"/>
-            <a:ext cx="8136904" cy="4069432"/>
+            <a:ext cx="8136904" cy="4645496"/>
           </a:xfrm>
         </p:spPr>
         <p:txBody>
@@ -9649,18 +9275,66 @@
             <a:pPr marL="82296" indent="0" algn="ctr">
               <a:buNone/>
             </a:pPr>
+            <a:endParaRPr lang="en-US" altLang="ja-JP" sz="4400" dirty="0"/>
+          </a:p>
+          <a:p>
+            <a:pPr marL="82296" indent="0" algn="ctr">
+              <a:buNone/>
+            </a:pPr>
+            <a:endParaRPr kumimoji="1" lang="en-US" altLang="ja-JP" sz="4400" dirty="0" smtClean="0"/>
+          </a:p>
+          <a:p>
+            <a:pPr marL="82296" indent="0" algn="ctr">
+              <a:buNone/>
+            </a:pPr>
+            <a:endParaRPr kumimoji="1" lang="en-US" altLang="ja-JP" sz="4400" dirty="0" smtClean="0"/>
+          </a:p>
+          <a:p>
+            <a:pPr marL="82296" indent="0" algn="ctr">
+              <a:buNone/>
+            </a:pPr>
             <a:r>
               <a:rPr kumimoji="1" lang="ja-JP" altLang="en-US" sz="4400" dirty="0" smtClean="0"/>
-              <a:t>⑤再帰処理</a:t>
+              <a:t>慣れが必要</a:t>
             </a:r>
             <a:endParaRPr kumimoji="1" lang="en-US" altLang="ja-JP" sz="4400" dirty="0" smtClean="0"/>
           </a:p>
         </p:txBody>
       </p:sp>
+      <p:pic>
+        <p:nvPicPr>
+          <p:cNvPr id="4" name="図 3"/>
+          <p:cNvPicPr>
+            <a:picLocks noChangeAspect="1"/>
+          </p:cNvPicPr>
+          <p:nvPr/>
+        </p:nvPicPr>
+        <p:blipFill>
+          <a:blip r:embed="rId2">
+            <a:extLst>
+              <a:ext uri="{28A0092B-C50C-407E-A947-70E740481C1C}">
+                <a14:useLocalDpi xmlns:a14="http://schemas.microsoft.com/office/drawing/2010/main" val="0"/>
+              </a:ext>
+            </a:extLst>
+          </a:blip>
+          <a:stretch>
+            <a:fillRect/>
+          </a:stretch>
+        </p:blipFill>
+        <p:spPr>
+          <a:xfrm>
+            <a:off x="2586794" y="2225216"/>
+            <a:ext cx="4762500" cy="2514600"/>
+          </a:xfrm>
+          <a:prstGeom prst="rect">
+            <a:avLst/>
+          </a:prstGeom>
+        </p:spPr>
+      </p:pic>
     </p:spTree>
     <p:extLst>
       <p:ext uri="{BB962C8B-B14F-4D97-AF65-F5344CB8AC3E}">
-        <p14:creationId xmlns:p14="http://schemas.microsoft.com/office/powerpoint/2010/main" val="125130579"/>
+        <p14:creationId xmlns:p14="http://schemas.microsoft.com/office/powerpoint/2010/main" val="1923805304"/>
       </p:ext>
     </p:extLst>
   </p:cSld>
@@ -9710,12 +9384,8 @@
           <a:lstStyle/>
           <a:p>
             <a:r>
-              <a:rPr kumimoji="1" lang="en-US" altLang="ja-JP" dirty="0" smtClean="0"/>
-              <a:t>fold</a:t>
-            </a:r>
-            <a:r>
               <a:rPr kumimoji="1" lang="ja-JP" altLang="en-US" dirty="0" smtClean="0"/>
-              <a:t>を自前で作ってみよう</a:t>
+              <a:t>⑥感想</a:t>
             </a:r>
             <a:endParaRPr kumimoji="1" lang="ja-JP" altLang="en-US" dirty="0"/>
           </a:p>
@@ -9739,7 +9409,7 @@
         </p:spPr>
         <p:txBody>
           <a:bodyPr>
-            <a:normAutofit/>
+            <a:normAutofit lnSpcReduction="10000"/>
           </a:bodyPr>
           <a:lstStyle/>
           <a:p>
@@ -9747,80 +9417,149 @@
               <a:buNone/>
             </a:pPr>
             <a:r>
-              <a:rPr lang="en-US" altLang="ja-JP" u="sng" dirty="0"/>
-              <a:t>(fold &lt;</a:t>
-            </a:r>
-            <a:r>
-              <a:rPr lang="ja-JP" altLang="en-US" u="sng" dirty="0"/>
-              <a:t>手続き</a:t>
-            </a:r>
-            <a:r>
-              <a:rPr lang="en-US" altLang="ja-JP" u="sng" dirty="0"/>
-              <a:t>&gt; &lt;</a:t>
-            </a:r>
-            <a:r>
-              <a:rPr lang="ja-JP" altLang="en-US" u="sng" dirty="0"/>
-              <a:t>初期値</a:t>
-            </a:r>
-            <a:r>
-              <a:rPr lang="en-US" altLang="ja-JP" u="sng" dirty="0"/>
-              <a:t>&gt; &lt;</a:t>
-            </a:r>
-            <a:r>
-              <a:rPr lang="ja-JP" altLang="en-US" u="sng" dirty="0"/>
-              <a:t>リスト</a:t>
-            </a:r>
-            <a:r>
-              <a:rPr lang="en-US" altLang="ja-JP" u="sng" dirty="0"/>
-              <a:t>&gt;)</a:t>
-            </a:r>
-          </a:p>
-          <a:p>
-            <a:pPr marL="82296" indent="0">
-              <a:buNone/>
-            </a:pPr>
+              <a:rPr lang="ja-JP" altLang="en-US" dirty="0" smtClean="0"/>
+              <a:t>・</a:t>
+            </a:r>
+            <a:r>
+              <a:rPr lang="en-US" altLang="ja-JP" dirty="0" smtClean="0"/>
+              <a:t>Java</a:t>
+            </a:r>
+            <a:r>
+              <a:rPr lang="ja-JP" altLang="en-US" dirty="0" smtClean="0"/>
+              <a:t>とのパラダイムの違いに戸惑う</a:t>
+            </a:r>
             <a:endParaRPr lang="en-US" altLang="ja-JP" dirty="0" smtClean="0"/>
           </a:p>
           <a:p>
             <a:pPr marL="82296" indent="0">
               <a:buNone/>
             </a:pPr>
-            <a:r>
-              <a:rPr lang="en-US" altLang="ja-JP" sz="2800" dirty="0" smtClean="0"/>
-              <a:t>(define (fold proc </a:t>
-            </a:r>
-            <a:r>
-              <a:rPr lang="en-US" altLang="ja-JP" sz="2800" dirty="0" err="1" smtClean="0"/>
-              <a:t>init</a:t>
-            </a:r>
-            <a:r>
-              <a:rPr lang="en-US" altLang="ja-JP" sz="2800" dirty="0" smtClean="0"/>
-              <a:t> </a:t>
-            </a:r>
-            <a:r>
-              <a:rPr lang="en-US" altLang="ja-JP" sz="2800" dirty="0" err="1" smtClean="0"/>
-              <a:t>lis</a:t>
-            </a:r>
-            <a:r>
-              <a:rPr lang="en-US" altLang="ja-JP" sz="2800" dirty="0" smtClean="0"/>
-              <a:t>) &lt;</a:t>
-            </a:r>
-            <a:r>
-              <a:rPr lang="ja-JP" altLang="en-US" sz="2800" dirty="0" smtClean="0"/>
-              <a:t>式</a:t>
-            </a:r>
-            <a:r>
-              <a:rPr lang="en-US" altLang="ja-JP" sz="2800" dirty="0" smtClean="0"/>
-              <a:t>&gt;)</a:t>
-            </a:r>
-            <a:endParaRPr lang="en-US" altLang="ja-JP" sz="2800" dirty="0"/>
+            <a:endParaRPr lang="en-US" altLang="ja-JP" dirty="0"/>
+          </a:p>
+          <a:p>
+            <a:pPr marL="82296" indent="0">
+              <a:buNone/>
+            </a:pPr>
+            <a:r>
+              <a:rPr lang="ja-JP" altLang="en-US" dirty="0" smtClean="0"/>
+              <a:t>・特に</a:t>
+            </a:r>
+            <a:r>
+              <a:rPr lang="ja-JP" altLang="en-US" dirty="0"/>
+              <a:t>再帰処理</a:t>
+            </a:r>
+            <a:r>
+              <a:rPr lang="ja-JP" altLang="en-US" dirty="0" smtClean="0"/>
+              <a:t>は慣れないと難しい</a:t>
+            </a:r>
+            <a:endParaRPr lang="en-US" altLang="ja-JP" dirty="0" smtClean="0"/>
+          </a:p>
+          <a:p>
+            <a:pPr marL="82296" indent="0">
+              <a:buNone/>
+            </a:pPr>
+            <a:endParaRPr lang="en-US" altLang="ja-JP" dirty="0"/>
+          </a:p>
+          <a:p>
+            <a:pPr marL="82296" indent="0">
+              <a:buNone/>
+            </a:pPr>
+            <a:r>
+              <a:rPr lang="ja-JP" altLang="en-US" dirty="0" smtClean="0"/>
+              <a:t>・予約語がないのは新鮮で面白い</a:t>
+            </a:r>
+            <a:endParaRPr lang="en-US" altLang="ja-JP" dirty="0"/>
+          </a:p>
+          <a:p>
+            <a:pPr marL="82296" indent="0">
+              <a:buNone/>
+            </a:pPr>
+            <a:endParaRPr lang="en-US" altLang="ja-JP" dirty="0" smtClean="0"/>
+          </a:p>
+          <a:p>
+            <a:pPr marL="82296" indent="0">
+              <a:buNone/>
+            </a:pPr>
+            <a:r>
+              <a:rPr lang="ja-JP" altLang="en-US" dirty="0" smtClean="0"/>
+              <a:t>・括弧が多いし使いどころがわかりにくい</a:t>
+            </a:r>
+            <a:endParaRPr lang="en-US" altLang="ja-JP" dirty="0"/>
+          </a:p>
+          <a:p>
+            <a:pPr marL="82296" indent="0">
+              <a:buNone/>
+            </a:pPr>
+            <a:endParaRPr lang="en-US" altLang="ja-JP" dirty="0" smtClean="0"/>
+          </a:p>
+          <a:p>
+            <a:pPr marL="82296" indent="0">
+              <a:buNone/>
+            </a:pPr>
+            <a:r>
+              <a:rPr lang="ja-JP" altLang="en-US" dirty="0" smtClean="0"/>
+              <a:t>・</a:t>
+            </a:r>
+            <a:r>
+              <a:rPr lang="en-US" altLang="ja-JP" dirty="0" smtClean="0"/>
+              <a:t>’(</a:t>
+            </a:r>
+            <a:r>
+              <a:rPr lang="ja-JP" altLang="en-US" dirty="0" smtClean="0"/>
+              <a:t>余談</a:t>
+            </a:r>
+            <a:r>
+              <a:rPr lang="en-US" altLang="ja-JP" dirty="0" smtClean="0"/>
+              <a:t>)</a:t>
+            </a:r>
+            <a:r>
+              <a:rPr lang="ja-JP" altLang="en-US" dirty="0" smtClean="0"/>
+              <a:t>ニコニコ</a:t>
+            </a:r>
+            <a:r>
+              <a:rPr lang="ja-JP" altLang="en-US" dirty="0"/>
+              <a:t>大百科</a:t>
+            </a:r>
+            <a:r>
+              <a:rPr lang="ja-JP" altLang="en-US" dirty="0" smtClean="0"/>
+              <a:t>の</a:t>
+            </a:r>
+            <a:endParaRPr lang="en-US" altLang="ja-JP" dirty="0" smtClean="0"/>
+          </a:p>
+          <a:p>
+            <a:pPr marL="82296" indent="0">
+              <a:buNone/>
+            </a:pPr>
+            <a:r>
+              <a:rPr lang="ja-JP" altLang="en-US" dirty="0"/>
+              <a:t>　</a:t>
+            </a:r>
+            <a:r>
+              <a:rPr lang="en-US" altLang="ja-JP" dirty="0" smtClean="0"/>
+              <a:t>Lisp</a:t>
+            </a:r>
+            <a:r>
+              <a:rPr lang="ja-JP" altLang="en-US" dirty="0"/>
+              <a:t>の</a:t>
+            </a:r>
+            <a:r>
+              <a:rPr lang="ja-JP" altLang="en-US" dirty="0" smtClean="0"/>
+              <a:t>記事が結構詳しくて笑える</a:t>
+            </a:r>
+            <a:endParaRPr lang="en-US" altLang="ja-JP" dirty="0" smtClean="0"/>
+          </a:p>
+          <a:p>
+            <a:pPr marL="82296" indent="0">
+              <a:buNone/>
+            </a:pPr>
+            <a:endParaRPr lang="en-US" altLang="ja-JP" dirty="0" smtClean="0"/>
           </a:p>
         </p:txBody>
       </p:sp>
     </p:spTree>
     <p:extLst>
       <p:ext uri="{BB962C8B-B14F-4D97-AF65-F5344CB8AC3E}">
-        <p14:creationId xmlns:p14="http://schemas.microsoft.com/office/powerpoint/2010/main" val="2647976719"/>
+        <p14:creationId xmlns:p14="http://schemas.microsoft.com/office/powerpoint/2010/main" val="3093156977"/>
       </p:ext>
     </p:extLst>
   </p:cSld>
@@ -9870,12 +9609,8 @@
           <a:lstStyle/>
           <a:p>
             <a:r>
-              <a:rPr kumimoji="1" lang="en-US" altLang="ja-JP" dirty="0" smtClean="0"/>
-              <a:t>fold</a:t>
-            </a:r>
-            <a:r>
               <a:rPr kumimoji="1" lang="ja-JP" altLang="en-US" dirty="0" smtClean="0"/>
-              <a:t>を自前で作ってみよう</a:t>
+              <a:t>次回？</a:t>
             </a:r>
             <a:endParaRPr kumimoji="1" lang="ja-JP" altLang="en-US" dirty="0"/>
           </a:p>
@@ -9907,134 +9642,91 @@
               <a:buNone/>
             </a:pPr>
             <a:r>
-              <a:rPr lang="en-US" altLang="ja-JP" u="sng" dirty="0"/>
-              <a:t>(fold &lt;</a:t>
-            </a:r>
-            <a:r>
-              <a:rPr lang="ja-JP" altLang="en-US" u="sng" dirty="0"/>
-              <a:t>手続き</a:t>
-            </a:r>
-            <a:r>
-              <a:rPr lang="en-US" altLang="ja-JP" u="sng" dirty="0"/>
-              <a:t>&gt; &lt;</a:t>
-            </a:r>
-            <a:r>
-              <a:rPr lang="ja-JP" altLang="en-US" u="sng" dirty="0"/>
-              <a:t>初期値</a:t>
-            </a:r>
-            <a:r>
-              <a:rPr lang="en-US" altLang="ja-JP" u="sng" dirty="0"/>
-              <a:t>&gt; &lt;</a:t>
-            </a:r>
-            <a:r>
-              <a:rPr lang="ja-JP" altLang="en-US" u="sng" dirty="0"/>
-              <a:t>リスト</a:t>
-            </a:r>
-            <a:r>
-              <a:rPr lang="en-US" altLang="ja-JP" u="sng" dirty="0"/>
-              <a:t>&gt;)</a:t>
-            </a:r>
-          </a:p>
-          <a:p>
-            <a:pPr marL="82296" indent="0">
-              <a:buNone/>
-            </a:pPr>
+              <a:rPr lang="ja-JP" altLang="en-US" dirty="0" smtClean="0"/>
+              <a:t>・もうすこし深堀りしたい</a:t>
+            </a:r>
             <a:endParaRPr lang="en-US" altLang="ja-JP" dirty="0" smtClean="0"/>
           </a:p>
           <a:p>
             <a:pPr marL="82296" indent="0">
               <a:buNone/>
             </a:pPr>
-            <a:r>
-              <a:rPr lang="en-US" altLang="ja-JP" sz="2800" dirty="0" smtClean="0"/>
-              <a:t>(define (fold proc </a:t>
-            </a:r>
-            <a:r>
-              <a:rPr lang="en-US" altLang="ja-JP" sz="2800" dirty="0" err="1" smtClean="0"/>
-              <a:t>init</a:t>
-            </a:r>
-            <a:r>
-              <a:rPr lang="en-US" altLang="ja-JP" sz="2800" dirty="0" smtClean="0"/>
-              <a:t> </a:t>
-            </a:r>
-            <a:r>
-              <a:rPr lang="en-US" altLang="ja-JP" sz="2800" dirty="0" err="1" smtClean="0"/>
-              <a:t>lis</a:t>
-            </a:r>
-            <a:r>
-              <a:rPr lang="en-US" altLang="ja-JP" sz="2800" dirty="0" smtClean="0"/>
-              <a:t>) </a:t>
-            </a:r>
-          </a:p>
-          <a:p>
-            <a:pPr marL="82296" indent="0">
-              <a:buNone/>
-            </a:pPr>
-            <a:r>
-              <a:rPr lang="en-US" altLang="ja-JP" sz="2800" dirty="0" smtClean="0"/>
-              <a:t>  </a:t>
-            </a:r>
-            <a:r>
-              <a:rPr lang="en-US" altLang="ja-JP" sz="2800" b="1" dirty="0" smtClean="0"/>
-              <a:t>(if (null? </a:t>
-            </a:r>
-            <a:r>
-              <a:rPr lang="en-US" altLang="ja-JP" sz="2800" b="1" dirty="0" err="1" smtClean="0"/>
-              <a:t>lis</a:t>
-            </a:r>
-            <a:r>
-              <a:rPr lang="en-US" altLang="ja-JP" sz="2800" b="1" dirty="0" smtClean="0"/>
-              <a:t>)</a:t>
-            </a:r>
-          </a:p>
-          <a:p>
-            <a:pPr marL="82296" indent="0">
-              <a:buNone/>
-            </a:pPr>
-            <a:r>
-              <a:rPr lang="en-US" altLang="ja-JP" sz="2800" b="1" dirty="0"/>
-              <a:t> </a:t>
-            </a:r>
-            <a:r>
-              <a:rPr lang="en-US" altLang="ja-JP" sz="2800" b="1" dirty="0" smtClean="0"/>
-              <a:t>   </a:t>
-            </a:r>
-            <a:r>
-              <a:rPr lang="en-US" altLang="ja-JP" sz="2800" b="1" dirty="0" err="1" smtClean="0"/>
-              <a:t>init</a:t>
-            </a:r>
-            <a:endParaRPr lang="en-US" altLang="ja-JP" sz="2800" b="1" dirty="0" smtClean="0"/>
-          </a:p>
-          <a:p>
-            <a:pPr marL="82296" indent="0">
-              <a:buNone/>
-            </a:pPr>
-            <a:r>
-              <a:rPr lang="en-US" altLang="ja-JP" sz="2800" dirty="0"/>
-              <a:t> </a:t>
-            </a:r>
-            <a:r>
-              <a:rPr lang="en-US" altLang="ja-JP" sz="2800" dirty="0" smtClean="0"/>
-              <a:t>   ?????))</a:t>
-            </a:r>
-            <a:endParaRPr lang="en-US" altLang="ja-JP" sz="2800" dirty="0"/>
-          </a:p>
-        </p:txBody>
-      </p:sp>
-      <p:sp>
-        <p:nvSpPr>
-          <p:cNvPr id="5" name="角丸四角形 4"/>
+            <a:endParaRPr lang="en-US" altLang="ja-JP" dirty="0"/>
+          </a:p>
+          <a:p>
+            <a:pPr marL="82296" indent="0">
+              <a:buNone/>
+            </a:pPr>
+            <a:r>
+              <a:rPr lang="ja-JP" altLang="en-US" dirty="0" smtClean="0"/>
+              <a:t>・</a:t>
+            </a:r>
+            <a:r>
+              <a:rPr lang="en-US" altLang="ja-JP" dirty="0" err="1" smtClean="0"/>
+              <a:t>Emacs</a:t>
+            </a:r>
+            <a:r>
+              <a:rPr lang="ja-JP" altLang="en-US" dirty="0" smtClean="0"/>
+              <a:t>に手を出す？</a:t>
+            </a:r>
+            <a:endParaRPr lang="en-US" altLang="ja-JP" dirty="0" smtClean="0"/>
+          </a:p>
+        </p:txBody>
+      </p:sp>
+      <p:pic>
+        <p:nvPicPr>
+          <p:cNvPr id="4" name="図 3"/>
+          <p:cNvPicPr>
+            <a:picLocks noChangeAspect="1"/>
+          </p:cNvPicPr>
+          <p:nvPr/>
+        </p:nvPicPr>
+        <p:blipFill>
+          <a:blip r:embed="rId2">
+            <a:extLst>
+              <a:ext uri="{28A0092B-C50C-407E-A947-70E740481C1C}">
+                <a14:useLocalDpi xmlns:a14="http://schemas.microsoft.com/office/drawing/2010/main" val="0"/>
+              </a:ext>
+            </a:extLst>
+          </a:blip>
+          <a:stretch>
+            <a:fillRect/>
+          </a:stretch>
+        </p:blipFill>
+        <p:spPr>
+          <a:xfrm>
+            <a:off x="5508104" y="3789040"/>
+            <a:ext cx="2062282" cy="2880320"/>
+          </a:xfrm>
+          <a:prstGeom prst="rect">
+            <a:avLst/>
+          </a:prstGeom>
+        </p:spPr>
+      </p:pic>
+      <p:sp>
+        <p:nvSpPr>
+          <p:cNvPr id="6" name="十字形 5"/>
           <p:cNvSpPr/>
           <p:nvPr/>
         </p:nvSpPr>
         <p:spPr>
-          <a:xfrm>
-            <a:off x="1115616" y="4725144"/>
-            <a:ext cx="6696744" cy="1440160"/>
+          <a:xfrm rot="2700000">
+            <a:off x="4980276" y="3755782"/>
+            <a:ext cx="3117938" cy="3117938"/>
           </a:xfrm>
-          <a:prstGeom prst="roundRect">
-            <a:avLst/>
+          <a:prstGeom prst="plus">
+            <a:avLst>
+              <a:gd name="adj" fmla="val 46164"/>
+            </a:avLst>
           </a:prstGeom>
+          <a:solidFill>
+            <a:schemeClr val="tx1"/>
+          </a:solidFill>
+          <a:ln>
+            <a:solidFill>
+              <a:schemeClr val="tx1"/>
+            </a:solidFill>
+          </a:ln>
         </p:spPr>
         <p:style>
           <a:lnRef idx="2">
@@ -10057,1169 +9749,7 @@
           <a:lstStyle/>
           <a:p>
             <a:pPr algn="ctr"/>
-            <a:r>
-              <a:rPr lang="ja-JP" altLang="en-US" sz="3200" dirty="0" smtClean="0"/>
-              <a:t>まず、 </a:t>
-            </a:r>
-            <a:r>
-              <a:rPr lang="en-US" altLang="ja-JP" sz="3200" dirty="0" err="1" smtClean="0"/>
-              <a:t>lis</a:t>
-            </a:r>
-            <a:r>
-              <a:rPr lang="en-US" altLang="ja-JP" sz="3200" dirty="0" smtClean="0"/>
-              <a:t> </a:t>
-            </a:r>
-            <a:r>
-              <a:rPr lang="ja-JP" altLang="en-US" sz="3200" dirty="0"/>
-              <a:t>が空リストで</a:t>
-            </a:r>
-            <a:r>
-              <a:rPr lang="ja-JP" altLang="en-US" sz="3200" dirty="0" smtClean="0"/>
-              <a:t>あれば</a:t>
-            </a:r>
-            <a:endParaRPr lang="en-US" altLang="ja-JP" sz="3200" dirty="0" smtClean="0"/>
-          </a:p>
-          <a:p>
-            <a:pPr algn="ctr"/>
-            <a:r>
-              <a:rPr lang="ja-JP" altLang="en-US" sz="3200" dirty="0" smtClean="0"/>
-              <a:t>初期値</a:t>
-            </a:r>
-            <a:r>
-              <a:rPr lang="ja-JP" altLang="en-US" sz="3200" dirty="0"/>
-              <a:t>をそのまま返せば</a:t>
-            </a:r>
-            <a:r>
-              <a:rPr lang="ja-JP" altLang="en-US" sz="3200" dirty="0" smtClean="0"/>
-              <a:t>良い</a:t>
-            </a:r>
-            <a:endParaRPr kumimoji="1" lang="ja-JP" altLang="en-US" sz="3200" dirty="0"/>
-          </a:p>
-        </p:txBody>
-      </p:sp>
-    </p:spTree>
-    <p:extLst>
-      <p:ext uri="{BB962C8B-B14F-4D97-AF65-F5344CB8AC3E}">
-        <p14:creationId xmlns:p14="http://schemas.microsoft.com/office/powerpoint/2010/main" val="4138256573"/>
-      </p:ext>
-    </p:extLst>
-  </p:cSld>
-  <p:clrMapOvr>
-    <a:masterClrMapping/>
-  </p:clrMapOvr>
-  <p:timing>
-    <p:tnLst>
-      <p:par>
-        <p:cTn id="1" dur="indefinite" restart="never" nodeType="tmRoot"/>
-      </p:par>
-    </p:tnLst>
-  </p:timing>
-</p:sld>
-</file>
-
-<file path=ppt/slides/slide33.xml><?xml version="1.0" encoding="utf-8"?>
-<p:sld xmlns:a="http://schemas.openxmlformats.org/drawingml/2006/main" xmlns:r="http://schemas.openxmlformats.org/officeDocument/2006/relationships" xmlns:p="http://schemas.openxmlformats.org/presentationml/2006/main">
-  <p:cSld>
-    <p:spTree>
-      <p:nvGrpSpPr>
-        <p:cNvPr id="1" name=""/>
-        <p:cNvGrpSpPr/>
-        <p:nvPr/>
-      </p:nvGrpSpPr>
-      <p:grpSpPr>
-        <a:xfrm>
-          <a:off x="0" y="0"/>
-          <a:ext cx="0" cy="0"/>
-          <a:chOff x="0" y="0"/>
-          <a:chExt cx="0" cy="0"/>
-        </a:xfrm>
-      </p:grpSpPr>
-      <p:sp>
-        <p:nvSpPr>
-          <p:cNvPr id="2" name="タイトル 1"/>
-          <p:cNvSpPr>
-            <a:spLocks noGrp="1"/>
-          </p:cNvSpPr>
-          <p:nvPr>
-            <p:ph type="title"/>
-          </p:nvPr>
-        </p:nvSpPr>
-        <p:spPr/>
-        <p:txBody>
-          <a:bodyPr/>
-          <a:lstStyle/>
-          <a:p>
-            <a:r>
-              <a:rPr kumimoji="1" lang="en-US" altLang="ja-JP" dirty="0" smtClean="0"/>
-              <a:t>fold</a:t>
-            </a:r>
-            <a:r>
-              <a:rPr kumimoji="1" lang="ja-JP" altLang="en-US" dirty="0" smtClean="0"/>
-              <a:t>を自前で作ってみよう</a:t>
-            </a:r>
-            <a:endParaRPr kumimoji="1" lang="ja-JP" altLang="en-US" dirty="0"/>
-          </a:p>
-        </p:txBody>
-      </p:sp>
-      <p:sp>
-        <p:nvSpPr>
-          <p:cNvPr id="3" name="コンテンツ プレースホルダー 2"/>
-          <p:cNvSpPr>
-            <a:spLocks noGrp="1"/>
-          </p:cNvSpPr>
-          <p:nvPr>
-            <p:ph idx="1"/>
-          </p:nvPr>
-        </p:nvSpPr>
-        <p:spPr>
-          <a:xfrm>
-            <a:off x="1115616" y="1124744"/>
-            <a:ext cx="7818072" cy="5544616"/>
-          </a:xfrm>
-        </p:spPr>
-        <p:txBody>
-          <a:bodyPr>
-            <a:normAutofit/>
-          </a:bodyPr>
-          <a:lstStyle/>
-          <a:p>
-            <a:pPr marL="82296" indent="0">
-              <a:buNone/>
-            </a:pPr>
-            <a:r>
-              <a:rPr lang="en-US" altLang="ja-JP" u="sng" dirty="0"/>
-              <a:t>(fold &lt;</a:t>
-            </a:r>
-            <a:r>
-              <a:rPr lang="ja-JP" altLang="en-US" u="sng" dirty="0"/>
-              <a:t>手続き</a:t>
-            </a:r>
-            <a:r>
-              <a:rPr lang="en-US" altLang="ja-JP" u="sng" dirty="0"/>
-              <a:t>&gt; &lt;</a:t>
-            </a:r>
-            <a:r>
-              <a:rPr lang="ja-JP" altLang="en-US" u="sng" dirty="0"/>
-              <a:t>初期値</a:t>
-            </a:r>
-            <a:r>
-              <a:rPr lang="en-US" altLang="ja-JP" u="sng" dirty="0"/>
-              <a:t>&gt; &lt;</a:t>
-            </a:r>
-            <a:r>
-              <a:rPr lang="ja-JP" altLang="en-US" u="sng" dirty="0"/>
-              <a:t>リスト</a:t>
-            </a:r>
-            <a:r>
-              <a:rPr lang="en-US" altLang="ja-JP" u="sng" dirty="0"/>
-              <a:t>&gt;)</a:t>
-            </a:r>
-          </a:p>
-          <a:p>
-            <a:pPr marL="82296" indent="0">
-              <a:buNone/>
-            </a:pPr>
-            <a:endParaRPr lang="en-US" altLang="ja-JP" dirty="0" smtClean="0"/>
-          </a:p>
-          <a:p>
-            <a:pPr marL="82296" indent="0">
-              <a:buNone/>
-            </a:pPr>
-            <a:r>
-              <a:rPr lang="en-US" altLang="ja-JP" sz="2800" dirty="0" smtClean="0"/>
-              <a:t>(define (fold proc </a:t>
-            </a:r>
-            <a:r>
-              <a:rPr lang="en-US" altLang="ja-JP" sz="2800" dirty="0" err="1" smtClean="0"/>
-              <a:t>init</a:t>
-            </a:r>
-            <a:r>
-              <a:rPr lang="en-US" altLang="ja-JP" sz="2800" dirty="0" smtClean="0"/>
-              <a:t> </a:t>
-            </a:r>
-            <a:r>
-              <a:rPr lang="en-US" altLang="ja-JP" sz="2800" dirty="0" err="1" smtClean="0"/>
-              <a:t>lis</a:t>
-            </a:r>
-            <a:r>
-              <a:rPr lang="en-US" altLang="ja-JP" sz="2800" dirty="0" smtClean="0"/>
-              <a:t>) </a:t>
-            </a:r>
-          </a:p>
-          <a:p>
-            <a:pPr marL="82296" indent="0">
-              <a:buNone/>
-            </a:pPr>
-            <a:r>
-              <a:rPr lang="en-US" altLang="ja-JP" sz="2800" dirty="0" smtClean="0"/>
-              <a:t>  (if (null? </a:t>
-            </a:r>
-            <a:r>
-              <a:rPr lang="en-US" altLang="ja-JP" sz="2800" dirty="0" err="1" smtClean="0"/>
-              <a:t>lis</a:t>
-            </a:r>
-            <a:r>
-              <a:rPr lang="en-US" altLang="ja-JP" sz="2800" dirty="0" smtClean="0"/>
-              <a:t>)</a:t>
-            </a:r>
-          </a:p>
-          <a:p>
-            <a:pPr marL="82296" indent="0">
-              <a:buNone/>
-            </a:pPr>
-            <a:r>
-              <a:rPr lang="en-US" altLang="ja-JP" sz="2800" dirty="0"/>
-              <a:t> </a:t>
-            </a:r>
-            <a:r>
-              <a:rPr lang="en-US" altLang="ja-JP" sz="2800" dirty="0" smtClean="0"/>
-              <a:t>   </a:t>
-            </a:r>
-            <a:r>
-              <a:rPr lang="en-US" altLang="ja-JP" sz="2800" dirty="0" err="1" smtClean="0"/>
-              <a:t>init</a:t>
-            </a:r>
-            <a:endParaRPr lang="en-US" altLang="ja-JP" sz="2800" dirty="0" smtClean="0"/>
-          </a:p>
-          <a:p>
-            <a:pPr marL="82296" indent="0">
-              <a:buNone/>
-            </a:pPr>
-            <a:r>
-              <a:rPr lang="en-US" altLang="ja-JP" sz="2800" dirty="0"/>
-              <a:t> </a:t>
-            </a:r>
-            <a:r>
-              <a:rPr lang="en-US" altLang="ja-JP" sz="2800" dirty="0" smtClean="0"/>
-              <a:t>   </a:t>
-            </a:r>
-            <a:r>
-              <a:rPr lang="en-US" altLang="ja-JP" sz="2800" dirty="0" smtClean="0"/>
-              <a:t>??</a:t>
-            </a:r>
-            <a:r>
-              <a:rPr lang="ja-JP" altLang="en-US" sz="2800" dirty="0" smtClean="0"/>
-              <a:t>　</a:t>
-            </a:r>
-            <a:r>
-              <a:rPr lang="en-US" altLang="ja-JP" sz="2800" b="1" dirty="0" smtClean="0"/>
-              <a:t>(proc (car </a:t>
-            </a:r>
-            <a:r>
-              <a:rPr lang="en-US" altLang="ja-JP" sz="2800" b="1" dirty="0" err="1" smtClean="0"/>
-              <a:t>lis</a:t>
-            </a:r>
-            <a:r>
-              <a:rPr lang="en-US" altLang="ja-JP" sz="2800" b="1" dirty="0"/>
-              <a:t>) </a:t>
-            </a:r>
-            <a:r>
-              <a:rPr lang="en-US" altLang="ja-JP" sz="2800" b="1" dirty="0" err="1"/>
-              <a:t>init</a:t>
-            </a:r>
-            <a:r>
-              <a:rPr lang="en-US" altLang="ja-JP" sz="2800" b="1" dirty="0"/>
-              <a:t>)</a:t>
-            </a:r>
-            <a:r>
-              <a:rPr lang="ja-JP" altLang="en-US" sz="2800" dirty="0" smtClean="0"/>
-              <a:t>　</a:t>
-            </a:r>
-            <a:r>
-              <a:rPr lang="en-US" altLang="ja-JP" sz="2800" dirty="0" smtClean="0"/>
-              <a:t>??))</a:t>
-            </a:r>
-            <a:endParaRPr lang="en-US" altLang="ja-JP" sz="2800" dirty="0"/>
-          </a:p>
-        </p:txBody>
-      </p:sp>
-      <p:sp>
-        <p:nvSpPr>
-          <p:cNvPr id="5" name="角丸四角形 4"/>
-          <p:cNvSpPr/>
-          <p:nvPr/>
-        </p:nvSpPr>
-        <p:spPr>
-          <a:xfrm>
-            <a:off x="1115616" y="4725144"/>
-            <a:ext cx="6696744" cy="1440160"/>
-          </a:xfrm>
-          <a:prstGeom prst="roundRect">
-            <a:avLst/>
-          </a:prstGeom>
-        </p:spPr>
-        <p:style>
-          <a:lnRef idx="2">
-            <a:schemeClr val="accent1">
-              <a:shade val="50000"/>
-            </a:schemeClr>
-          </a:lnRef>
-          <a:fillRef idx="1">
-            <a:schemeClr val="accent1"/>
-          </a:fillRef>
-          <a:effectRef idx="0">
-            <a:schemeClr val="accent1"/>
-          </a:effectRef>
-          <a:fontRef idx="minor">
-            <a:schemeClr val="lt1"/>
-          </a:fontRef>
-        </p:style>
-        <p:txBody>
-          <a:bodyPr rtlCol="0" anchor="ctr"/>
-          <a:lstStyle/>
-          <a:p>
-            <a:pPr algn="ctr"/>
-            <a:r>
-              <a:rPr lang="ja-JP" altLang="en-US" sz="3200" dirty="0"/>
-              <a:t>リスト</a:t>
-            </a:r>
-            <a:r>
-              <a:rPr lang="ja-JP" altLang="en-US" sz="3200" dirty="0" smtClean="0"/>
-              <a:t>の先頭と初期値を処理する</a:t>
-            </a:r>
-            <a:endParaRPr lang="en-US" altLang="ja-JP" sz="3200" dirty="0" smtClean="0"/>
-          </a:p>
-          <a:p>
-            <a:pPr algn="ctr"/>
-            <a:r>
-              <a:rPr kumimoji="1" lang="ja-JP" altLang="en-US" sz="3200" dirty="0"/>
-              <a:t>リストの</a:t>
-            </a:r>
-            <a:r>
-              <a:rPr kumimoji="1" lang="ja-JP" altLang="en-US" sz="3200" dirty="0" smtClean="0"/>
-              <a:t>残りはあとで考える</a:t>
-            </a:r>
-            <a:endParaRPr kumimoji="1" lang="ja-JP" altLang="en-US" sz="3200" dirty="0"/>
-          </a:p>
-        </p:txBody>
-      </p:sp>
-    </p:spTree>
-    <p:extLst>
-      <p:ext uri="{BB962C8B-B14F-4D97-AF65-F5344CB8AC3E}">
-        <p14:creationId xmlns:p14="http://schemas.microsoft.com/office/powerpoint/2010/main" val="2408865116"/>
-      </p:ext>
-    </p:extLst>
-  </p:cSld>
-  <p:clrMapOvr>
-    <a:masterClrMapping/>
-  </p:clrMapOvr>
-  <p:timing>
-    <p:tnLst>
-      <p:par>
-        <p:cTn id="1" dur="indefinite" restart="never" nodeType="tmRoot"/>
-      </p:par>
-    </p:tnLst>
-  </p:timing>
-</p:sld>
-</file>
-
-<file path=ppt/slides/slide34.xml><?xml version="1.0" encoding="utf-8"?>
-<p:sld xmlns:a="http://schemas.openxmlformats.org/drawingml/2006/main" xmlns:r="http://schemas.openxmlformats.org/officeDocument/2006/relationships" xmlns:p="http://schemas.openxmlformats.org/presentationml/2006/main">
-  <p:cSld>
-    <p:spTree>
-      <p:nvGrpSpPr>
-        <p:cNvPr id="1" name=""/>
-        <p:cNvGrpSpPr/>
-        <p:nvPr/>
-      </p:nvGrpSpPr>
-      <p:grpSpPr>
-        <a:xfrm>
-          <a:off x="0" y="0"/>
-          <a:ext cx="0" cy="0"/>
-          <a:chOff x="0" y="0"/>
-          <a:chExt cx="0" cy="0"/>
-        </a:xfrm>
-      </p:grpSpPr>
-      <p:sp>
-        <p:nvSpPr>
-          <p:cNvPr id="2" name="タイトル 1"/>
-          <p:cNvSpPr>
-            <a:spLocks noGrp="1"/>
-          </p:cNvSpPr>
-          <p:nvPr>
-            <p:ph type="title"/>
-          </p:nvPr>
-        </p:nvSpPr>
-        <p:spPr/>
-        <p:txBody>
-          <a:bodyPr/>
-          <a:lstStyle/>
-          <a:p>
-            <a:r>
-              <a:rPr kumimoji="1" lang="en-US" altLang="ja-JP" dirty="0" smtClean="0"/>
-              <a:t>fold</a:t>
-            </a:r>
-            <a:r>
-              <a:rPr kumimoji="1" lang="ja-JP" altLang="en-US" dirty="0" smtClean="0"/>
-              <a:t>を自前で作ってみよう</a:t>
-            </a:r>
-            <a:endParaRPr kumimoji="1" lang="ja-JP" altLang="en-US" dirty="0"/>
-          </a:p>
-        </p:txBody>
-      </p:sp>
-      <p:sp>
-        <p:nvSpPr>
-          <p:cNvPr id="3" name="コンテンツ プレースホルダー 2"/>
-          <p:cNvSpPr>
-            <a:spLocks noGrp="1"/>
-          </p:cNvSpPr>
-          <p:nvPr>
-            <p:ph idx="1"/>
-          </p:nvPr>
-        </p:nvSpPr>
-        <p:spPr>
-          <a:xfrm>
-            <a:off x="1115616" y="1124744"/>
-            <a:ext cx="8028384" cy="5544616"/>
-          </a:xfrm>
-        </p:spPr>
-        <p:txBody>
-          <a:bodyPr>
-            <a:normAutofit/>
-          </a:bodyPr>
-          <a:lstStyle/>
-          <a:p>
-            <a:pPr marL="82296" indent="0">
-              <a:buNone/>
-            </a:pPr>
-            <a:r>
-              <a:rPr lang="en-US" altLang="ja-JP" u="sng" dirty="0"/>
-              <a:t>(fold &lt;</a:t>
-            </a:r>
-            <a:r>
-              <a:rPr lang="ja-JP" altLang="en-US" u="sng" dirty="0"/>
-              <a:t>手続き</a:t>
-            </a:r>
-            <a:r>
-              <a:rPr lang="en-US" altLang="ja-JP" u="sng" dirty="0"/>
-              <a:t>&gt; &lt;</a:t>
-            </a:r>
-            <a:r>
-              <a:rPr lang="ja-JP" altLang="en-US" u="sng" dirty="0"/>
-              <a:t>初期値</a:t>
-            </a:r>
-            <a:r>
-              <a:rPr lang="en-US" altLang="ja-JP" u="sng" dirty="0"/>
-              <a:t>&gt; &lt;</a:t>
-            </a:r>
-            <a:r>
-              <a:rPr lang="ja-JP" altLang="en-US" u="sng" dirty="0"/>
-              <a:t>リスト</a:t>
-            </a:r>
-            <a:r>
-              <a:rPr lang="en-US" altLang="ja-JP" u="sng" dirty="0"/>
-              <a:t>&gt;)</a:t>
-            </a:r>
-          </a:p>
-          <a:p>
-            <a:pPr marL="82296" indent="0">
-              <a:buNone/>
-            </a:pPr>
-            <a:endParaRPr lang="en-US" altLang="ja-JP" dirty="0" smtClean="0"/>
-          </a:p>
-          <a:p>
-            <a:pPr marL="82296" indent="0">
-              <a:buNone/>
-            </a:pPr>
-            <a:r>
-              <a:rPr lang="en-US" altLang="ja-JP" sz="2800" dirty="0" smtClean="0"/>
-              <a:t>(define (fold proc </a:t>
-            </a:r>
-            <a:r>
-              <a:rPr lang="en-US" altLang="ja-JP" sz="2800" dirty="0" err="1" smtClean="0"/>
-              <a:t>init</a:t>
-            </a:r>
-            <a:r>
-              <a:rPr lang="en-US" altLang="ja-JP" sz="2800" dirty="0" smtClean="0"/>
-              <a:t> </a:t>
-            </a:r>
-            <a:r>
-              <a:rPr lang="en-US" altLang="ja-JP" sz="2800" dirty="0" err="1" smtClean="0"/>
-              <a:t>lis</a:t>
-            </a:r>
-            <a:r>
-              <a:rPr lang="en-US" altLang="ja-JP" sz="2800" dirty="0" smtClean="0"/>
-              <a:t>) </a:t>
-            </a:r>
-          </a:p>
-          <a:p>
-            <a:pPr marL="82296" indent="0">
-              <a:buNone/>
-            </a:pPr>
-            <a:r>
-              <a:rPr lang="en-US" altLang="ja-JP" sz="2800" dirty="0" smtClean="0"/>
-              <a:t>  (if (null? </a:t>
-            </a:r>
-            <a:r>
-              <a:rPr lang="en-US" altLang="ja-JP" sz="2800" dirty="0" err="1" smtClean="0"/>
-              <a:t>lis</a:t>
-            </a:r>
-            <a:r>
-              <a:rPr lang="en-US" altLang="ja-JP" sz="2800" dirty="0" smtClean="0"/>
-              <a:t>)</a:t>
-            </a:r>
-          </a:p>
-          <a:p>
-            <a:pPr marL="82296" indent="0">
-              <a:buNone/>
-            </a:pPr>
-            <a:r>
-              <a:rPr lang="en-US" altLang="ja-JP" sz="2800" dirty="0"/>
-              <a:t> </a:t>
-            </a:r>
-            <a:r>
-              <a:rPr lang="en-US" altLang="ja-JP" sz="2800" dirty="0" smtClean="0"/>
-              <a:t>   </a:t>
-            </a:r>
-            <a:r>
-              <a:rPr lang="en-US" altLang="ja-JP" sz="2800" dirty="0" err="1" smtClean="0"/>
-              <a:t>init</a:t>
-            </a:r>
-            <a:endParaRPr lang="en-US" altLang="ja-JP" sz="2800" dirty="0" smtClean="0"/>
-          </a:p>
-          <a:p>
-            <a:pPr marL="82296" indent="0">
-              <a:buNone/>
-            </a:pPr>
-            <a:r>
-              <a:rPr lang="en-US" altLang="ja-JP" sz="2800" dirty="0"/>
-              <a:t> </a:t>
-            </a:r>
-            <a:r>
-              <a:rPr lang="en-US" altLang="ja-JP" sz="2800" dirty="0" smtClean="0"/>
-              <a:t>   </a:t>
-            </a:r>
-            <a:r>
-              <a:rPr lang="en-US" altLang="ja-JP" sz="2800" b="1" dirty="0" smtClean="0">
-                <a:solidFill>
-                  <a:srgbClr val="FF0000"/>
-                </a:solidFill>
-              </a:rPr>
-              <a:t>fold</a:t>
-            </a:r>
-            <a:r>
-              <a:rPr lang="en-US" altLang="ja-JP" sz="2800" b="1" dirty="0" smtClean="0"/>
-              <a:t> proc</a:t>
-            </a:r>
-            <a:r>
-              <a:rPr lang="ja-JP" altLang="en-US" sz="2800" dirty="0" smtClean="0"/>
-              <a:t>　</a:t>
-            </a:r>
-            <a:r>
-              <a:rPr lang="en-US" altLang="ja-JP" sz="2800" dirty="0" smtClean="0"/>
-              <a:t>(proc (car </a:t>
-            </a:r>
-            <a:r>
-              <a:rPr lang="en-US" altLang="ja-JP" sz="2800" dirty="0" err="1" smtClean="0"/>
-              <a:t>lis</a:t>
-            </a:r>
-            <a:r>
-              <a:rPr lang="en-US" altLang="ja-JP" sz="2800" dirty="0"/>
-              <a:t>) </a:t>
-            </a:r>
-            <a:r>
-              <a:rPr lang="en-US" altLang="ja-JP" sz="2800" dirty="0" err="1"/>
-              <a:t>init</a:t>
-            </a:r>
-            <a:r>
-              <a:rPr lang="en-US" altLang="ja-JP" sz="2800" dirty="0"/>
-              <a:t>)</a:t>
-            </a:r>
-            <a:r>
-              <a:rPr lang="ja-JP" altLang="en-US" sz="2800" dirty="0" smtClean="0"/>
-              <a:t>　</a:t>
-            </a:r>
-            <a:r>
-              <a:rPr lang="en-US" altLang="ja-JP" sz="2800" b="1" dirty="0" smtClean="0"/>
-              <a:t>(</a:t>
-            </a:r>
-            <a:r>
-              <a:rPr lang="en-US" altLang="ja-JP" sz="2800" b="1" dirty="0" err="1" smtClean="0"/>
-              <a:t>cdr</a:t>
-            </a:r>
-            <a:r>
-              <a:rPr lang="en-US" altLang="ja-JP" sz="2800" b="1" dirty="0" smtClean="0"/>
-              <a:t> </a:t>
-            </a:r>
-            <a:r>
-              <a:rPr lang="en-US" altLang="ja-JP" sz="2800" b="1" dirty="0" err="1" smtClean="0"/>
-              <a:t>lis</a:t>
-            </a:r>
-            <a:r>
-              <a:rPr lang="en-US" altLang="ja-JP" sz="2800" b="1" dirty="0" smtClean="0"/>
-              <a:t>)</a:t>
-            </a:r>
-            <a:r>
-              <a:rPr lang="en-US" altLang="ja-JP" sz="2800" dirty="0" smtClean="0"/>
-              <a:t>))</a:t>
-            </a:r>
-            <a:endParaRPr lang="en-US" altLang="ja-JP" sz="2800" dirty="0"/>
-          </a:p>
-        </p:txBody>
-      </p:sp>
-      <p:sp>
-        <p:nvSpPr>
-          <p:cNvPr id="5" name="角丸四角形 4"/>
-          <p:cNvSpPr/>
-          <p:nvPr/>
-        </p:nvSpPr>
-        <p:spPr>
-          <a:xfrm>
-            <a:off x="1115616" y="4725144"/>
-            <a:ext cx="6696744" cy="1944216"/>
-          </a:xfrm>
-          <a:prstGeom prst="roundRect">
-            <a:avLst/>
-          </a:prstGeom>
-        </p:spPr>
-        <p:style>
-          <a:lnRef idx="2">
-            <a:schemeClr val="accent1">
-              <a:shade val="50000"/>
-            </a:schemeClr>
-          </a:lnRef>
-          <a:fillRef idx="1">
-            <a:schemeClr val="accent1"/>
-          </a:fillRef>
-          <a:effectRef idx="0">
-            <a:schemeClr val="accent1"/>
-          </a:effectRef>
-          <a:fontRef idx="minor">
-            <a:schemeClr val="lt1"/>
-          </a:fontRef>
-        </p:style>
-        <p:txBody>
-          <a:bodyPr rtlCol="0" anchor="ctr"/>
-          <a:lstStyle/>
-          <a:p>
-            <a:pPr algn="ctr"/>
-            <a:r>
-              <a:rPr lang="ja-JP" altLang="en-US" sz="3200" dirty="0" smtClean="0"/>
-              <a:t>二回目以降の</a:t>
-            </a:r>
-            <a:r>
-              <a:rPr lang="ja-JP" altLang="en-US" sz="3200" dirty="0"/>
-              <a:t>処理</a:t>
-            </a:r>
-            <a:r>
-              <a:rPr lang="ja-JP" altLang="en-US" sz="3200" dirty="0" smtClean="0"/>
-              <a:t>は</a:t>
-            </a:r>
-            <a:r>
-              <a:rPr lang="en-US" altLang="ja-JP" sz="3200" dirty="0" err="1" smtClean="0"/>
-              <a:t>lis</a:t>
-            </a:r>
-            <a:r>
-              <a:rPr lang="ja-JP" altLang="en-US" sz="3200" dirty="0" smtClean="0"/>
-              <a:t>→</a:t>
-            </a:r>
-            <a:r>
-              <a:rPr lang="en-US" altLang="ja-JP" sz="3200" dirty="0" err="1" smtClean="0"/>
-              <a:t>cdr</a:t>
-            </a:r>
-            <a:r>
-              <a:rPr lang="en-US" altLang="ja-JP" sz="3200" dirty="0" smtClean="0"/>
-              <a:t> </a:t>
-            </a:r>
-            <a:r>
-              <a:rPr lang="en-US" altLang="ja-JP" sz="3200" dirty="0" err="1" smtClean="0"/>
-              <a:t>lis</a:t>
-            </a:r>
-            <a:endParaRPr lang="en-US" altLang="ja-JP" sz="3200" dirty="0"/>
-          </a:p>
-          <a:p>
-            <a:pPr algn="ctr"/>
-            <a:r>
-              <a:rPr lang="en-US" altLang="ja-JP" sz="3200" dirty="0" err="1" smtClean="0"/>
-              <a:t>init</a:t>
-            </a:r>
-            <a:r>
-              <a:rPr lang="ja-JP" altLang="en-US" sz="3200" dirty="0" smtClean="0"/>
-              <a:t>→</a:t>
-            </a:r>
-            <a:r>
-              <a:rPr lang="en-US" altLang="ja-JP" sz="3200" dirty="0" smtClean="0"/>
-              <a:t>(proc (car </a:t>
-            </a:r>
-            <a:r>
-              <a:rPr lang="en-US" altLang="ja-JP" sz="3200" dirty="0" err="1" smtClean="0"/>
-              <a:t>lis</a:t>
-            </a:r>
-            <a:r>
-              <a:rPr lang="en-US" altLang="ja-JP" sz="3200" dirty="0" smtClean="0"/>
-              <a:t>) </a:t>
-            </a:r>
-            <a:r>
-              <a:rPr lang="en-US" altLang="ja-JP" sz="3200" dirty="0" err="1" smtClean="0"/>
-              <a:t>init</a:t>
-            </a:r>
-            <a:r>
-              <a:rPr lang="en-US" altLang="ja-JP" sz="3200" dirty="0" smtClean="0"/>
-              <a:t>)</a:t>
-            </a:r>
-          </a:p>
-          <a:p>
-            <a:pPr algn="ctr"/>
-            <a:r>
-              <a:rPr kumimoji="1" lang="ja-JP" altLang="en-US" sz="3200" dirty="0" smtClean="0"/>
-              <a:t>で置き換えて繰り返せばおｋ</a:t>
-            </a:r>
-            <a:endParaRPr kumimoji="1" lang="ja-JP" altLang="en-US" sz="3200" dirty="0"/>
-          </a:p>
-        </p:txBody>
-      </p:sp>
-    </p:spTree>
-    <p:extLst>
-      <p:ext uri="{BB962C8B-B14F-4D97-AF65-F5344CB8AC3E}">
-        <p14:creationId xmlns:p14="http://schemas.microsoft.com/office/powerpoint/2010/main" val="2946854418"/>
-      </p:ext>
-    </p:extLst>
-  </p:cSld>
-  <p:clrMapOvr>
-    <a:masterClrMapping/>
-  </p:clrMapOvr>
-  <p:timing>
-    <p:tnLst>
-      <p:par>
-        <p:cTn id="1" dur="indefinite" restart="never" nodeType="tmRoot"/>
-      </p:par>
-    </p:tnLst>
-  </p:timing>
-</p:sld>
-</file>
-
-<file path=ppt/slides/slide35.xml><?xml version="1.0" encoding="utf-8"?>
-<p:sld xmlns:a="http://schemas.openxmlformats.org/drawingml/2006/main" xmlns:r="http://schemas.openxmlformats.org/officeDocument/2006/relationships" xmlns:p="http://schemas.openxmlformats.org/presentationml/2006/main">
-  <p:cSld>
-    <p:spTree>
-      <p:nvGrpSpPr>
-        <p:cNvPr id="1" name=""/>
-        <p:cNvGrpSpPr/>
-        <p:nvPr/>
-      </p:nvGrpSpPr>
-      <p:grpSpPr>
-        <a:xfrm>
-          <a:off x="0" y="0"/>
-          <a:ext cx="0" cy="0"/>
-          <a:chOff x="0" y="0"/>
-          <a:chExt cx="0" cy="0"/>
-        </a:xfrm>
-      </p:grpSpPr>
-      <p:sp>
-        <p:nvSpPr>
-          <p:cNvPr id="2" name="タイトル 1"/>
-          <p:cNvSpPr>
-            <a:spLocks noGrp="1"/>
-          </p:cNvSpPr>
-          <p:nvPr>
-            <p:ph type="title"/>
-          </p:nvPr>
-        </p:nvSpPr>
-        <p:spPr/>
-        <p:txBody>
-          <a:bodyPr/>
-          <a:lstStyle/>
-          <a:p>
-            <a:endParaRPr kumimoji="1" lang="ja-JP" altLang="en-US" dirty="0"/>
-          </a:p>
-        </p:txBody>
-      </p:sp>
-      <p:sp>
-        <p:nvSpPr>
-          <p:cNvPr id="3" name="コンテンツ プレースホルダー 2"/>
-          <p:cNvSpPr>
-            <a:spLocks noGrp="1"/>
-          </p:cNvSpPr>
-          <p:nvPr>
-            <p:ph idx="1"/>
-          </p:nvPr>
-        </p:nvSpPr>
-        <p:spPr>
-          <a:xfrm>
-            <a:off x="899592" y="1447800"/>
-            <a:ext cx="8136904" cy="4069432"/>
-          </a:xfrm>
-        </p:spPr>
-        <p:txBody>
-          <a:bodyPr>
-            <a:normAutofit/>
-          </a:bodyPr>
-          <a:lstStyle/>
-          <a:p>
-            <a:pPr marL="82296" indent="0" algn="ctr">
-              <a:buNone/>
-            </a:pPr>
-            <a:endParaRPr kumimoji="1" lang="en-US" altLang="ja-JP" sz="4400" dirty="0" smtClean="0"/>
-          </a:p>
-          <a:p>
-            <a:pPr marL="82296" indent="0" algn="ctr">
-              <a:buNone/>
-            </a:pPr>
-            <a:endParaRPr kumimoji="1" lang="en-US" altLang="ja-JP" sz="4400" dirty="0" smtClean="0"/>
-          </a:p>
-          <a:p>
-            <a:pPr marL="82296" indent="0" algn="ctr">
-              <a:buNone/>
-            </a:pPr>
-            <a:r>
-              <a:rPr kumimoji="1" lang="ja-JP" altLang="en-US" sz="4400" dirty="0" smtClean="0"/>
-              <a:t>慣れが必要</a:t>
-            </a:r>
-            <a:endParaRPr kumimoji="1" lang="en-US" altLang="ja-JP" sz="4400" dirty="0" smtClean="0"/>
-          </a:p>
-        </p:txBody>
-      </p:sp>
-    </p:spTree>
-    <p:extLst>
-      <p:ext uri="{BB962C8B-B14F-4D97-AF65-F5344CB8AC3E}">
-        <p14:creationId xmlns:p14="http://schemas.microsoft.com/office/powerpoint/2010/main" val="1923805304"/>
-      </p:ext>
-    </p:extLst>
-  </p:cSld>
-  <p:clrMapOvr>
-    <a:masterClrMapping/>
-  </p:clrMapOvr>
-  <p:timing>
-    <p:tnLst>
-      <p:par>
-        <p:cTn id="1" dur="indefinite" restart="never" nodeType="tmRoot"/>
-      </p:par>
-    </p:tnLst>
-  </p:timing>
-</p:sld>
-</file>
-
-<file path=ppt/slides/slide36.xml><?xml version="1.0" encoding="utf-8"?>
-<p:sld xmlns:a="http://schemas.openxmlformats.org/drawingml/2006/main" xmlns:r="http://schemas.openxmlformats.org/officeDocument/2006/relationships" xmlns:p="http://schemas.openxmlformats.org/presentationml/2006/main">
-  <p:cSld>
-    <p:spTree>
-      <p:nvGrpSpPr>
-        <p:cNvPr id="1" name=""/>
-        <p:cNvGrpSpPr/>
-        <p:nvPr/>
-      </p:nvGrpSpPr>
-      <p:grpSpPr>
-        <a:xfrm>
-          <a:off x="0" y="0"/>
-          <a:ext cx="0" cy="0"/>
-          <a:chOff x="0" y="0"/>
-          <a:chExt cx="0" cy="0"/>
-        </a:xfrm>
-      </p:grpSpPr>
-      <p:sp>
-        <p:nvSpPr>
-          <p:cNvPr id="2" name="タイトル 1"/>
-          <p:cNvSpPr>
-            <a:spLocks noGrp="1"/>
-          </p:cNvSpPr>
-          <p:nvPr>
-            <p:ph type="title"/>
-          </p:nvPr>
-        </p:nvSpPr>
-        <p:spPr/>
-        <p:txBody>
-          <a:bodyPr/>
-          <a:lstStyle/>
-          <a:p>
-            <a:r>
-              <a:rPr kumimoji="1" lang="ja-JP" altLang="en-US" dirty="0" smtClean="0"/>
-              <a:t>感想</a:t>
-            </a:r>
-            <a:endParaRPr kumimoji="1" lang="ja-JP" altLang="en-US" dirty="0"/>
-          </a:p>
-        </p:txBody>
-      </p:sp>
-      <p:sp>
-        <p:nvSpPr>
-          <p:cNvPr id="3" name="コンテンツ プレースホルダー 2"/>
-          <p:cNvSpPr>
-            <a:spLocks noGrp="1"/>
-          </p:cNvSpPr>
-          <p:nvPr>
-            <p:ph idx="1"/>
-          </p:nvPr>
-        </p:nvSpPr>
-        <p:spPr>
-          <a:xfrm>
-            <a:off x="1115616" y="1124744"/>
-            <a:ext cx="7818072" cy="5544616"/>
-          </a:xfrm>
-        </p:spPr>
-        <p:txBody>
-          <a:bodyPr>
-            <a:normAutofit lnSpcReduction="10000"/>
-          </a:bodyPr>
-          <a:lstStyle/>
-          <a:p>
-            <a:pPr marL="82296" indent="0">
-              <a:buNone/>
-            </a:pPr>
-            <a:r>
-              <a:rPr lang="ja-JP" altLang="en-US" dirty="0" smtClean="0"/>
-              <a:t>・</a:t>
-            </a:r>
-            <a:r>
-              <a:rPr lang="en-US" altLang="ja-JP" dirty="0" smtClean="0"/>
-              <a:t>Java</a:t>
-            </a:r>
-            <a:r>
-              <a:rPr lang="ja-JP" altLang="en-US" dirty="0" smtClean="0"/>
-              <a:t>とのパラダイムの違いに戸惑う</a:t>
-            </a:r>
-            <a:endParaRPr lang="en-US" altLang="ja-JP" dirty="0" smtClean="0"/>
-          </a:p>
-          <a:p>
-            <a:pPr marL="82296" indent="0">
-              <a:buNone/>
-            </a:pPr>
-            <a:endParaRPr lang="en-US" altLang="ja-JP" dirty="0"/>
-          </a:p>
-          <a:p>
-            <a:pPr marL="82296" indent="0">
-              <a:buNone/>
-            </a:pPr>
-            <a:r>
-              <a:rPr lang="ja-JP" altLang="en-US" dirty="0" smtClean="0"/>
-              <a:t>・特に</a:t>
-            </a:r>
-            <a:r>
-              <a:rPr lang="ja-JP" altLang="en-US" dirty="0"/>
-              <a:t>再帰処理</a:t>
-            </a:r>
-            <a:r>
-              <a:rPr lang="ja-JP" altLang="en-US" dirty="0" smtClean="0"/>
-              <a:t>は慣れないと難しい</a:t>
-            </a:r>
-            <a:endParaRPr lang="en-US" altLang="ja-JP" dirty="0" smtClean="0"/>
-          </a:p>
-          <a:p>
-            <a:pPr marL="82296" indent="0">
-              <a:buNone/>
-            </a:pPr>
-            <a:endParaRPr lang="en-US" altLang="ja-JP" dirty="0"/>
-          </a:p>
-          <a:p>
-            <a:pPr marL="82296" indent="0">
-              <a:buNone/>
-            </a:pPr>
-            <a:r>
-              <a:rPr lang="ja-JP" altLang="en-US" dirty="0"/>
-              <a:t>・“自分で</a:t>
-            </a:r>
-            <a:r>
-              <a:rPr lang="ja-JP" altLang="en-US" dirty="0" smtClean="0"/>
-              <a:t>いろいろ言語拡張</a:t>
-            </a:r>
-            <a:r>
-              <a:rPr lang="ja-JP" altLang="en-US" dirty="0"/>
-              <a:t>できる</a:t>
-            </a:r>
-            <a:r>
-              <a:rPr lang="ja-JP" altLang="en-US" dirty="0" smtClean="0"/>
-              <a:t>“感は</a:t>
-            </a:r>
-            <a:r>
-              <a:rPr lang="ja-JP" altLang="en-US" dirty="0"/>
-              <a:t>すごい</a:t>
-            </a:r>
-            <a:endParaRPr lang="en-US" altLang="ja-JP" dirty="0"/>
-          </a:p>
-          <a:p>
-            <a:pPr marL="82296" indent="0">
-              <a:buNone/>
-            </a:pPr>
-            <a:endParaRPr lang="en-US" altLang="ja-JP" dirty="0" smtClean="0"/>
-          </a:p>
-          <a:p>
-            <a:pPr marL="82296" indent="0">
-              <a:buNone/>
-            </a:pPr>
-            <a:r>
-              <a:rPr lang="ja-JP" altLang="en-US" dirty="0" smtClean="0"/>
-              <a:t>・括弧が多い</a:t>
-            </a:r>
-            <a:endParaRPr lang="en-US" altLang="ja-JP" dirty="0"/>
-          </a:p>
-          <a:p>
-            <a:pPr marL="82296" indent="0">
-              <a:buNone/>
-            </a:pPr>
-            <a:endParaRPr lang="en-US" altLang="ja-JP" dirty="0" smtClean="0"/>
-          </a:p>
-          <a:p>
-            <a:pPr marL="82296" indent="0">
-              <a:buNone/>
-            </a:pPr>
-            <a:r>
-              <a:rPr lang="ja-JP" altLang="en-US" dirty="0" smtClean="0"/>
-              <a:t>・</a:t>
-            </a:r>
-            <a:r>
-              <a:rPr lang="en-US" altLang="ja-JP" dirty="0" smtClean="0"/>
-              <a:t>(</a:t>
-            </a:r>
-            <a:r>
-              <a:rPr lang="ja-JP" altLang="en-US" dirty="0" smtClean="0"/>
-              <a:t>余談</a:t>
-            </a:r>
-            <a:r>
-              <a:rPr lang="en-US" altLang="ja-JP" dirty="0" smtClean="0"/>
-              <a:t>)</a:t>
-            </a:r>
-            <a:r>
-              <a:rPr lang="ja-JP" altLang="en-US" dirty="0" smtClean="0"/>
-              <a:t>ニコニコ</a:t>
-            </a:r>
-            <a:r>
-              <a:rPr lang="ja-JP" altLang="en-US" dirty="0"/>
-              <a:t>大百科</a:t>
-            </a:r>
-            <a:r>
-              <a:rPr lang="ja-JP" altLang="en-US" dirty="0" smtClean="0"/>
-              <a:t>の</a:t>
-            </a:r>
-            <a:endParaRPr lang="en-US" altLang="ja-JP" dirty="0" smtClean="0"/>
-          </a:p>
-          <a:p>
-            <a:pPr marL="82296" indent="0">
-              <a:buNone/>
-            </a:pPr>
-            <a:r>
-              <a:rPr lang="ja-JP" altLang="en-US" dirty="0"/>
-              <a:t>　</a:t>
-            </a:r>
-            <a:r>
-              <a:rPr lang="en-US" altLang="ja-JP" dirty="0" smtClean="0"/>
-              <a:t>Lisp</a:t>
-            </a:r>
-            <a:r>
-              <a:rPr lang="ja-JP" altLang="en-US" dirty="0"/>
-              <a:t>の記事が異様に詳しい</a:t>
-            </a:r>
-            <a:endParaRPr lang="en-US" altLang="ja-JP" dirty="0" smtClean="0"/>
-          </a:p>
-          <a:p>
-            <a:pPr marL="82296" indent="0">
-              <a:buNone/>
-            </a:pPr>
-            <a:endParaRPr lang="en-US" altLang="ja-JP" dirty="0" smtClean="0"/>
-          </a:p>
-        </p:txBody>
-      </p:sp>
-    </p:spTree>
-    <p:extLst>
-      <p:ext uri="{BB962C8B-B14F-4D97-AF65-F5344CB8AC3E}">
-        <p14:creationId xmlns:p14="http://schemas.microsoft.com/office/powerpoint/2010/main" val="3093156977"/>
-      </p:ext>
-    </p:extLst>
-  </p:cSld>
-  <p:clrMapOvr>
-    <a:masterClrMapping/>
-  </p:clrMapOvr>
-  <p:timing>
-    <p:tnLst>
-      <p:par>
-        <p:cTn id="1" dur="indefinite" restart="never" nodeType="tmRoot"/>
-      </p:par>
-    </p:tnLst>
-  </p:timing>
-</p:sld>
-</file>
-
-<file path=ppt/slides/slide37.xml><?xml version="1.0" encoding="utf-8"?>
-<p:sld xmlns:a="http://schemas.openxmlformats.org/drawingml/2006/main" xmlns:r="http://schemas.openxmlformats.org/officeDocument/2006/relationships" xmlns:p="http://schemas.openxmlformats.org/presentationml/2006/main">
-  <p:cSld>
-    <p:spTree>
-      <p:nvGrpSpPr>
-        <p:cNvPr id="1" name=""/>
-        <p:cNvGrpSpPr/>
-        <p:nvPr/>
-      </p:nvGrpSpPr>
-      <p:grpSpPr>
-        <a:xfrm>
-          <a:off x="0" y="0"/>
-          <a:ext cx="0" cy="0"/>
-          <a:chOff x="0" y="0"/>
-          <a:chExt cx="0" cy="0"/>
-        </a:xfrm>
-      </p:grpSpPr>
-      <p:sp>
-        <p:nvSpPr>
-          <p:cNvPr id="2" name="タイトル 1"/>
-          <p:cNvSpPr>
-            <a:spLocks noGrp="1"/>
-          </p:cNvSpPr>
-          <p:nvPr>
-            <p:ph type="title"/>
-          </p:nvPr>
-        </p:nvSpPr>
-        <p:spPr/>
-        <p:txBody>
-          <a:bodyPr/>
-          <a:lstStyle/>
-          <a:p>
-            <a:r>
-              <a:rPr kumimoji="1" lang="ja-JP" altLang="en-US" dirty="0" smtClean="0"/>
-              <a:t>次回？</a:t>
-            </a:r>
-            <a:endParaRPr kumimoji="1" lang="ja-JP" altLang="en-US" dirty="0"/>
-          </a:p>
-        </p:txBody>
-      </p:sp>
-      <p:sp>
-        <p:nvSpPr>
-          <p:cNvPr id="3" name="コンテンツ プレースホルダー 2"/>
-          <p:cNvSpPr>
-            <a:spLocks noGrp="1"/>
-          </p:cNvSpPr>
-          <p:nvPr>
-            <p:ph idx="1"/>
-          </p:nvPr>
-        </p:nvSpPr>
-        <p:spPr>
-          <a:xfrm>
-            <a:off x="1115616" y="1124744"/>
-            <a:ext cx="7818072" cy="5544616"/>
-          </a:xfrm>
-        </p:spPr>
-        <p:txBody>
-          <a:bodyPr>
-            <a:normAutofit/>
-          </a:bodyPr>
-          <a:lstStyle/>
-          <a:p>
-            <a:pPr marL="82296" indent="0">
-              <a:buNone/>
-            </a:pPr>
-            <a:r>
-              <a:rPr lang="ja-JP" altLang="en-US" dirty="0" smtClean="0"/>
-              <a:t>・もうすこし深堀りしたい</a:t>
-            </a:r>
-            <a:endParaRPr lang="en-US" altLang="ja-JP" dirty="0" smtClean="0"/>
-          </a:p>
-          <a:p>
-            <a:pPr marL="82296" indent="0">
-              <a:buNone/>
-            </a:pPr>
-            <a:endParaRPr lang="en-US" altLang="ja-JP" dirty="0"/>
-          </a:p>
-          <a:p>
-            <a:pPr marL="82296" indent="0">
-              <a:buNone/>
-            </a:pPr>
-            <a:r>
-              <a:rPr lang="ja-JP" altLang="en-US" dirty="0" smtClean="0"/>
-              <a:t>・</a:t>
-            </a:r>
-            <a:r>
-              <a:rPr lang="en-US" altLang="ja-JP" dirty="0" err="1" smtClean="0"/>
-              <a:t>Emacs</a:t>
-            </a:r>
-            <a:r>
-              <a:rPr lang="ja-JP" altLang="en-US" dirty="0" smtClean="0"/>
-              <a:t>に手を出す？</a:t>
-            </a:r>
-            <a:endParaRPr lang="en-US" altLang="ja-JP" dirty="0" smtClean="0"/>
+            <a:endParaRPr kumimoji="1" lang="ja-JP" altLang="en-US"/>
           </a:p>
         </p:txBody>
       </p:sp>
@@ -11243,7 +9773,7 @@
 </p:sld>
 </file>
 
-<file path=ppt/slides/slide38.xml><?xml version="1.0" encoding="utf-8"?>
+<file path=ppt/slides/slide33.xml><?xml version="1.0" encoding="utf-8"?>
 <p:sld xmlns:a="http://schemas.openxmlformats.org/drawingml/2006/main" xmlns:r="http://schemas.openxmlformats.org/officeDocument/2006/relationships" xmlns:p="http://schemas.openxmlformats.org/presentationml/2006/main">
   <p:cSld>
     <p:spTree>
@@ -11606,126 +10136,7 @@
           <a:p>
             <a:r>
               <a:rPr kumimoji="1" lang="ja-JP" altLang="en-US" dirty="0" smtClean="0"/>
-              <a:t>感想２</a:t>
-            </a:r>
-            <a:endParaRPr kumimoji="1" lang="ja-JP" altLang="en-US" dirty="0"/>
-          </a:p>
-        </p:txBody>
-      </p:sp>
-      <p:sp>
-        <p:nvSpPr>
-          <p:cNvPr id="6" name="コンテンツ プレースホルダー 2"/>
-          <p:cNvSpPr>
-            <a:spLocks noGrp="1"/>
-          </p:cNvSpPr>
-          <p:nvPr>
-            <p:ph idx="1"/>
-          </p:nvPr>
-        </p:nvSpPr>
-        <p:spPr>
-          <a:xfrm>
-            <a:off x="1043608" y="1447800"/>
-            <a:ext cx="7890080" cy="5077544"/>
-          </a:xfrm>
-        </p:spPr>
-        <p:txBody>
-          <a:bodyPr>
-            <a:normAutofit/>
-          </a:bodyPr>
-          <a:lstStyle/>
-          <a:p>
-            <a:r>
-              <a:rPr kumimoji="1" lang="en-US" altLang="ja-JP" dirty="0" smtClean="0"/>
-              <a:t>Scheme</a:t>
-            </a:r>
-            <a:r>
-              <a:rPr kumimoji="1" lang="ja-JP" altLang="en-US" dirty="0" smtClean="0"/>
-              <a:t>言語難しい</a:t>
-            </a:r>
-            <a:endParaRPr kumimoji="1" lang="en-US" altLang="ja-JP" dirty="0" smtClean="0"/>
-          </a:p>
-          <a:p>
-            <a:endParaRPr lang="en-US" altLang="ja-JP" dirty="0"/>
-          </a:p>
-          <a:p>
-            <a:r>
-              <a:rPr lang="en-US" altLang="ja-JP" dirty="0"/>
-              <a:t>GIMP</a:t>
-            </a:r>
-            <a:r>
-              <a:rPr lang="ja-JP" altLang="en-US" dirty="0" err="1"/>
-              <a:t>に登</a:t>
-            </a:r>
-            <a:r>
-              <a:rPr lang="ja-JP" altLang="en-US" dirty="0"/>
-              <a:t>録するための呪文が</a:t>
-            </a:r>
-            <a:r>
-              <a:rPr lang="ja-JP" altLang="en-US" dirty="0" smtClean="0"/>
-              <a:t>長い</a:t>
-            </a:r>
-            <a:endParaRPr kumimoji="1" lang="en-US" altLang="ja-JP" dirty="0" smtClean="0"/>
-          </a:p>
-          <a:p>
-            <a:endParaRPr lang="en-US" altLang="ja-JP" dirty="0" smtClean="0"/>
-          </a:p>
-          <a:p>
-            <a:r>
-              <a:rPr lang="ja-JP" altLang="en-US" dirty="0" smtClean="0"/>
-              <a:t>もうちょっと調べてみたい</a:t>
-            </a:r>
-            <a:endParaRPr lang="en-US" altLang="ja-JP" dirty="0"/>
-          </a:p>
-        </p:txBody>
-      </p:sp>
-    </p:spTree>
-    <p:extLst>
-      <p:ext uri="{BB962C8B-B14F-4D97-AF65-F5344CB8AC3E}">
-        <p14:creationId xmlns:p14="http://schemas.microsoft.com/office/powerpoint/2010/main" val="658832179"/>
-      </p:ext>
-    </p:extLst>
-  </p:cSld>
-  <p:clrMapOvr>
-    <a:masterClrMapping/>
-  </p:clrMapOvr>
-</p:sld>
-</file>
-
-<file path=ppt/slides/slide6.xml><?xml version="1.0" encoding="utf-8"?>
-<p:sld xmlns:a="http://schemas.openxmlformats.org/drawingml/2006/main" xmlns:r="http://schemas.openxmlformats.org/officeDocument/2006/relationships" xmlns:p="http://schemas.openxmlformats.org/presentationml/2006/main">
-  <p:cSld>
-    <p:spTree>
-      <p:nvGrpSpPr>
-        <p:cNvPr id="1" name=""/>
-        <p:cNvGrpSpPr/>
-        <p:nvPr/>
-      </p:nvGrpSpPr>
-      <p:grpSpPr>
-        <a:xfrm>
-          <a:off x="0" y="0"/>
-          <a:ext cx="0" cy="0"/>
-          <a:chOff x="0" y="0"/>
-          <a:chExt cx="0" cy="0"/>
-        </a:xfrm>
-      </p:grpSpPr>
-      <p:sp>
-        <p:nvSpPr>
-          <p:cNvPr id="2" name="タイトル 1"/>
-          <p:cNvSpPr>
-            <a:spLocks noGrp="1"/>
-          </p:cNvSpPr>
-          <p:nvPr>
-            <p:ph type="title"/>
-          </p:nvPr>
-        </p:nvSpPr>
-        <p:spPr/>
-        <p:txBody>
-          <a:bodyPr/>
-          <a:lstStyle/>
-          <a:p>
-            <a:r>
-              <a:rPr kumimoji="1" lang="ja-JP" altLang="en-US" dirty="0" smtClean="0"/>
-              <a:t>感想２</a:t>
+              <a:t>前回の感想</a:t>
             </a:r>
             <a:endParaRPr kumimoji="1" lang="ja-JP" altLang="en-US" dirty="0"/>
           </a:p>
@@ -11856,6 +10267,107 @@
 </p:sld>
 </file>
 
+<file path=ppt/slides/slide6.xml><?xml version="1.0" encoding="utf-8"?>
+<p:sld xmlns:a="http://schemas.openxmlformats.org/drawingml/2006/main" xmlns:r="http://schemas.openxmlformats.org/officeDocument/2006/relationships" xmlns:p="http://schemas.openxmlformats.org/presentationml/2006/main">
+  <p:cSld>
+    <p:spTree>
+      <p:nvGrpSpPr>
+        <p:cNvPr id="1" name=""/>
+        <p:cNvGrpSpPr/>
+        <p:nvPr/>
+      </p:nvGrpSpPr>
+      <p:grpSpPr>
+        <a:xfrm>
+          <a:off x="0" y="0"/>
+          <a:ext cx="0" cy="0"/>
+          <a:chOff x="0" y="0"/>
+          <a:chExt cx="0" cy="0"/>
+        </a:xfrm>
+      </p:grpSpPr>
+      <p:sp>
+        <p:nvSpPr>
+          <p:cNvPr id="2" name="タイトル 1"/>
+          <p:cNvSpPr>
+            <a:spLocks noGrp="1"/>
+          </p:cNvSpPr>
+          <p:nvPr>
+            <p:ph type="title"/>
+          </p:nvPr>
+        </p:nvSpPr>
+        <p:spPr/>
+        <p:txBody>
+          <a:bodyPr/>
+          <a:lstStyle/>
+          <a:p>
+            <a:endParaRPr kumimoji="1" lang="ja-JP" altLang="en-US" dirty="0"/>
+          </a:p>
+        </p:txBody>
+      </p:sp>
+      <p:sp>
+        <p:nvSpPr>
+          <p:cNvPr id="3" name="コンテンツ プレースホルダー 2"/>
+          <p:cNvSpPr>
+            <a:spLocks noGrp="1"/>
+          </p:cNvSpPr>
+          <p:nvPr>
+            <p:ph idx="1"/>
+          </p:nvPr>
+        </p:nvSpPr>
+        <p:spPr>
+          <a:xfrm>
+            <a:off x="899592" y="1447800"/>
+            <a:ext cx="8136904" cy="4069432"/>
+          </a:xfrm>
+        </p:spPr>
+        <p:txBody>
+          <a:bodyPr>
+            <a:normAutofit/>
+          </a:bodyPr>
+          <a:lstStyle/>
+          <a:p>
+            <a:pPr marL="82296" indent="0" algn="ctr">
+              <a:buNone/>
+            </a:pPr>
+            <a:endParaRPr kumimoji="1" lang="en-US" altLang="ja-JP" sz="4400" dirty="0" smtClean="0"/>
+          </a:p>
+          <a:p>
+            <a:pPr marL="82296" indent="0" algn="ctr">
+              <a:buNone/>
+            </a:pPr>
+            <a:endParaRPr kumimoji="1" lang="en-US" altLang="ja-JP" sz="4400" dirty="0" smtClean="0"/>
+          </a:p>
+          <a:p>
+            <a:pPr marL="82296" indent="0" algn="ctr">
+              <a:buNone/>
+            </a:pPr>
+            <a:r>
+              <a:rPr kumimoji="1" lang="ja-JP" altLang="en-US" sz="4400" dirty="0" smtClean="0"/>
+              <a:t>もうちょっと調べてみた</a:t>
+            </a:r>
+            <a:endParaRPr kumimoji="1" lang="en-US" altLang="ja-JP" sz="4400" dirty="0" smtClean="0"/>
+          </a:p>
+        </p:txBody>
+      </p:sp>
+    </p:spTree>
+    <p:extLst>
+      <p:ext uri="{BB962C8B-B14F-4D97-AF65-F5344CB8AC3E}">
+        <p14:creationId xmlns:p14="http://schemas.microsoft.com/office/powerpoint/2010/main" val="3313609342"/>
+      </p:ext>
+    </p:extLst>
+  </p:cSld>
+  <p:clrMapOvr>
+    <a:masterClrMapping/>
+  </p:clrMapOvr>
+  <p:timing>
+    <p:tnLst>
+      <p:par>
+        <p:cTn id="1" dur="indefinite" restart="never" nodeType="tmRoot"/>
+      </p:par>
+    </p:tnLst>
+  </p:timing>
+</p:sld>
+</file>
+
 <file path=ppt/slides/slide7.xml><?xml version="1.0" encoding="utf-8"?>
 <p:sld xmlns:a="http://schemas.openxmlformats.org/drawingml/2006/main" xmlns:r="http://schemas.openxmlformats.org/officeDocument/2006/relationships" xmlns:p="http://schemas.openxmlformats.org/presentationml/2006/main">
   <p:cSld>
@@ -11931,7 +10443,19 @@
             </a:pPr>
             <a:r>
               <a:rPr kumimoji="1" lang="ja-JP" altLang="en-US" sz="4400" dirty="0" smtClean="0"/>
-              <a:t>もうちょっと調べてみた</a:t>
+              <a:t>②</a:t>
+            </a:r>
+            <a:r>
+              <a:rPr kumimoji="1" lang="en-US" altLang="ja-JP" sz="4400" dirty="0" smtClean="0"/>
+              <a:t>Scheme</a:t>
+            </a:r>
+            <a:r>
+              <a:rPr kumimoji="1" lang="ja-JP" altLang="en-US" sz="4400" dirty="0" err="1" smtClean="0"/>
+              <a:t>って</a:t>
+            </a:r>
+            <a:r>
+              <a:rPr kumimoji="1" lang="ja-JP" altLang="en-US" sz="4400" dirty="0" smtClean="0"/>
+              <a:t>どんな言語？</a:t>
             </a:r>
             <a:endParaRPr kumimoji="1" lang="en-US" altLang="ja-JP" sz="4400" dirty="0" smtClean="0"/>
           </a:p>
@@ -11940,7 +10464,7 @@
     </p:spTree>
     <p:extLst>
       <p:ext uri="{BB962C8B-B14F-4D97-AF65-F5344CB8AC3E}">
-        <p14:creationId xmlns:p14="http://schemas.microsoft.com/office/powerpoint/2010/main" val="3313609342"/>
+        <p14:creationId xmlns:p14="http://schemas.microsoft.com/office/powerpoint/2010/main" val="2706628285"/>
       </p:ext>
     </p:extLst>
   </p:cSld>
@@ -11989,6 +10513,10 @@
           <a:bodyPr/>
           <a:lstStyle/>
           <a:p>
+            <a:r>
+              <a:rPr kumimoji="1" lang="en-US" altLang="ja-JP" dirty="0" smtClean="0"/>
+              <a:t>Lisp</a:t>
+            </a:r>
             <a:endParaRPr kumimoji="1" lang="ja-JP" altLang="en-US" dirty="0"/>
           </a:p>
         </p:txBody>
@@ -12005,8 +10533,8 @@
         </p:nvSpPr>
         <p:spPr>
           <a:xfrm>
-            <a:off x="899592" y="1447800"/>
-            <a:ext cx="8136904" cy="4069432"/>
+            <a:off x="1115616" y="1124744"/>
+            <a:ext cx="7818072" cy="5544616"/>
           </a:xfrm>
         </p:spPr>
         <p:txBody>
@@ -12015,45 +10543,208 @@
           </a:bodyPr>
           <a:lstStyle/>
           <a:p>
-            <a:pPr marL="82296" indent="0" algn="ctr">
-              <a:buNone/>
-            </a:pPr>
-            <a:endParaRPr kumimoji="1" lang="en-US" altLang="ja-JP" sz="4400" dirty="0" smtClean="0"/>
-          </a:p>
-          <a:p>
-            <a:pPr marL="82296" indent="0" algn="ctr">
-              <a:buNone/>
-            </a:pPr>
-            <a:endParaRPr kumimoji="1" lang="en-US" altLang="ja-JP" sz="4400" dirty="0" smtClean="0"/>
-          </a:p>
-          <a:p>
-            <a:pPr marL="82296" indent="0" algn="ctr">
-              <a:buNone/>
-            </a:pPr>
-            <a:r>
-              <a:rPr kumimoji="1" lang="ja-JP" altLang="en-US" sz="4400" dirty="0" smtClean="0"/>
-              <a:t>②</a:t>
-            </a:r>
-            <a:r>
-              <a:rPr kumimoji="1" lang="en-US" altLang="ja-JP" sz="4400" dirty="0" smtClean="0"/>
-              <a:t>Scheme</a:t>
-            </a:r>
-            <a:r>
-              <a:rPr kumimoji="1" lang="ja-JP" altLang="en-US" sz="4400" dirty="0" err="1" smtClean="0"/>
-              <a:t>って</a:t>
-            </a:r>
-            <a:r>
-              <a:rPr kumimoji="1" lang="ja-JP" altLang="en-US" sz="4400" dirty="0" smtClean="0"/>
-              <a:t>どんな言語？</a:t>
-            </a:r>
-            <a:endParaRPr kumimoji="1" lang="en-US" altLang="ja-JP" sz="4400" dirty="0" smtClean="0"/>
+            <a:pPr marL="82296" indent="0">
+              <a:buNone/>
+            </a:pPr>
+            <a:r>
+              <a:rPr lang="ja-JP" altLang="en-US" dirty="0" smtClean="0"/>
+              <a:t>・</a:t>
+            </a:r>
+            <a:r>
+              <a:rPr lang="en-US" altLang="ja-JP" b="1" dirty="0" err="1" smtClean="0"/>
+              <a:t>LIS</a:t>
+            </a:r>
+            <a:r>
+              <a:rPr lang="en-US" altLang="ja-JP" dirty="0" err="1" smtClean="0"/>
+              <a:t>t</a:t>
+            </a:r>
+            <a:r>
+              <a:rPr lang="en-US" altLang="ja-JP" dirty="0" smtClean="0"/>
+              <a:t> </a:t>
+            </a:r>
+            <a:r>
+              <a:rPr lang="en-US" altLang="ja-JP" b="1" dirty="0" smtClean="0"/>
+              <a:t>P</a:t>
+            </a:r>
+            <a:r>
+              <a:rPr lang="en-US" altLang="ja-JP" dirty="0" smtClean="0"/>
+              <a:t>rocessing</a:t>
+            </a:r>
+          </a:p>
+          <a:p>
+            <a:pPr marL="82296" indent="0">
+              <a:buNone/>
+            </a:pPr>
+            <a:r>
+              <a:rPr lang="en-US" altLang="ja-JP" sz="2000" strike="sngStrike" dirty="0"/>
+              <a:t>Lots of Insane Stupid </a:t>
+            </a:r>
+            <a:r>
+              <a:rPr lang="en-US" altLang="ja-JP" sz="2000" strike="sngStrike" dirty="0" smtClean="0"/>
+              <a:t>Parenthesis(</a:t>
+            </a:r>
+            <a:r>
+              <a:rPr lang="ja-JP" altLang="en-US" sz="2000" strike="sngStrike" dirty="0" smtClean="0"/>
+              <a:t>アホみたいな括弧の山</a:t>
+            </a:r>
+            <a:r>
+              <a:rPr lang="en-US" altLang="ja-JP" sz="2000" strike="sngStrike" dirty="0" smtClean="0"/>
+              <a:t>)</a:t>
+            </a:r>
+          </a:p>
+          <a:p>
+            <a:pPr marL="82296" indent="0">
+              <a:buNone/>
+            </a:pPr>
+            <a:endParaRPr lang="en-US" altLang="ja-JP" dirty="0"/>
+          </a:p>
+          <a:p>
+            <a:pPr marL="82296" indent="0">
+              <a:buNone/>
+            </a:pPr>
+            <a:r>
+              <a:rPr lang="ja-JP" altLang="en-US" dirty="0" smtClean="0"/>
+              <a:t>・現在使われる高級言語では</a:t>
+            </a:r>
+            <a:endParaRPr lang="en-US" altLang="ja-JP" dirty="0" smtClean="0"/>
+          </a:p>
+          <a:p>
+            <a:pPr marL="82296" indent="0">
+              <a:buNone/>
+            </a:pPr>
+            <a:r>
+              <a:rPr lang="ja-JP" altLang="en-US" dirty="0"/>
+              <a:t>　</a:t>
+            </a:r>
+            <a:r>
+              <a:rPr lang="en-US" altLang="ja-JP" dirty="0" smtClean="0"/>
+              <a:t>Fortran</a:t>
+            </a:r>
+            <a:r>
+              <a:rPr lang="ja-JP" altLang="en-US" dirty="0" smtClean="0"/>
+              <a:t>に次いで古い言語</a:t>
+            </a:r>
+            <a:endParaRPr lang="en-US" altLang="ja-JP" dirty="0" smtClean="0"/>
+          </a:p>
+          <a:p>
+            <a:pPr marL="82296" indent="0">
+              <a:buNone/>
+            </a:pPr>
+            <a:r>
+              <a:rPr lang="en-US" altLang="ja-JP" dirty="0" smtClean="0"/>
+              <a:t>(Fortran:1957</a:t>
+            </a:r>
+            <a:r>
+              <a:rPr lang="ja-JP" altLang="en-US" dirty="0" smtClean="0"/>
+              <a:t>年</a:t>
+            </a:r>
+            <a:r>
+              <a:rPr lang="en-US" altLang="ja-JP" dirty="0" smtClean="0"/>
+              <a:t>  Lisp:1958</a:t>
+            </a:r>
+            <a:r>
+              <a:rPr lang="ja-JP" altLang="en-US" dirty="0" smtClean="0"/>
+              <a:t>年</a:t>
+            </a:r>
+            <a:r>
+              <a:rPr lang="en-US" altLang="ja-JP" dirty="0" smtClean="0"/>
+              <a:t>)</a:t>
+            </a:r>
+          </a:p>
+          <a:p>
+            <a:pPr marL="82296" indent="0">
+              <a:buNone/>
+            </a:pPr>
+            <a:r>
+              <a:rPr lang="en-US" altLang="ja-JP" sz="1800" dirty="0" smtClean="0"/>
+              <a:t>(</a:t>
+            </a:r>
+            <a:r>
+              <a:rPr lang="ja-JP" altLang="en-US" sz="1800" dirty="0" smtClean="0"/>
+              <a:t>ちなみに</a:t>
+            </a:r>
+            <a:r>
+              <a:rPr lang="en-US" altLang="ja-JP" sz="1800" dirty="0" smtClean="0"/>
+              <a:t>COBOL</a:t>
+            </a:r>
+            <a:r>
+              <a:rPr lang="ja-JP" altLang="en-US" sz="1800" dirty="0" smtClean="0"/>
+              <a:t>は</a:t>
+            </a:r>
+            <a:r>
+              <a:rPr lang="en-US" altLang="ja-JP" sz="1800" dirty="0" smtClean="0"/>
+              <a:t>1959~60</a:t>
+            </a:r>
+            <a:r>
+              <a:rPr lang="ja-JP" altLang="en-US" sz="1800" dirty="0" smtClean="0"/>
+              <a:t>年</a:t>
+            </a:r>
+            <a:r>
+              <a:rPr lang="en-US" altLang="ja-JP" sz="1800" dirty="0" smtClean="0"/>
+              <a:t>)</a:t>
+            </a:r>
+            <a:endParaRPr lang="en-US" altLang="ja-JP" dirty="0" smtClean="0"/>
+          </a:p>
+          <a:p>
+            <a:pPr marL="82296" indent="0">
+              <a:buNone/>
+            </a:pPr>
+            <a:endParaRPr lang="en-US" altLang="ja-JP" dirty="0" smtClean="0"/>
+          </a:p>
+          <a:p>
+            <a:pPr marL="82296" indent="0">
+              <a:buNone/>
+            </a:pPr>
+            <a:r>
+              <a:rPr lang="ja-JP" altLang="en-US" dirty="0" smtClean="0"/>
+              <a:t>・</a:t>
+            </a:r>
+            <a:r>
+              <a:rPr lang="en-US" altLang="ja-JP" b="1" dirty="0" smtClean="0"/>
+              <a:t>S</a:t>
+            </a:r>
+            <a:r>
+              <a:rPr lang="ja-JP" altLang="en-US" b="1" dirty="0" smtClean="0"/>
+              <a:t>式</a:t>
+            </a:r>
+            <a:r>
+              <a:rPr lang="ja-JP" altLang="en-US" dirty="0" smtClean="0"/>
+              <a:t>と前置記法</a:t>
+            </a:r>
+            <a:r>
+              <a:rPr lang="en-US" altLang="ja-JP" dirty="0" smtClean="0"/>
+              <a:t>(</a:t>
+            </a:r>
+            <a:r>
+              <a:rPr lang="ja-JP" altLang="en-US" dirty="0" smtClean="0"/>
+              <a:t>ポーランド記法</a:t>
+            </a:r>
+            <a:r>
+              <a:rPr lang="en-US" altLang="ja-JP" dirty="0" smtClean="0"/>
+              <a:t>)</a:t>
+            </a:r>
+            <a:r>
+              <a:rPr lang="ja-JP" altLang="en-US" dirty="0" smtClean="0"/>
+              <a:t>が特徴</a:t>
+            </a:r>
+            <a:endParaRPr lang="en-US" altLang="ja-JP" dirty="0" smtClean="0"/>
+          </a:p>
+          <a:p>
+            <a:pPr marL="82296" indent="0">
+              <a:buNone/>
+            </a:pPr>
+            <a:r>
+              <a:rPr lang="ja-JP" altLang="en-US" dirty="0"/>
+              <a:t>　</a:t>
+            </a:r>
+            <a:endParaRPr lang="en-US" altLang="ja-JP" dirty="0"/>
           </a:p>
         </p:txBody>
       </p:sp>
     </p:spTree>
     <p:extLst>
       <p:ext uri="{BB962C8B-B14F-4D97-AF65-F5344CB8AC3E}">
-        <p14:creationId xmlns:p14="http://schemas.microsoft.com/office/powerpoint/2010/main" val="2706628285"/>
+        <p14:creationId xmlns:p14="http://schemas.microsoft.com/office/powerpoint/2010/main" val="1548140014"/>
       </p:ext>
     </p:extLst>
   </p:cSld>
@@ -12099,12 +10790,30 @@
         </p:nvSpPr>
         <p:spPr/>
         <p:txBody>
-          <a:bodyPr/>
+          <a:bodyPr>
+            <a:normAutofit/>
+          </a:bodyPr>
           <a:lstStyle/>
           <a:p>
             <a:r>
               <a:rPr kumimoji="1" lang="en-US" altLang="ja-JP" dirty="0" smtClean="0"/>
-              <a:t>Lisp</a:t>
+              <a:t>S</a:t>
+            </a:r>
+            <a:r>
+              <a:rPr kumimoji="1" lang="ja-JP" altLang="en-US" dirty="0" smtClean="0"/>
+              <a:t>式</a:t>
+            </a:r>
+            <a:r>
+              <a:rPr kumimoji="1" lang="ja-JP" altLang="en-US" sz="3200" dirty="0" smtClean="0"/>
+              <a:t>（</a:t>
+            </a:r>
+            <a:r>
+              <a:rPr kumimoji="1" lang="en-US" altLang="ja-JP" sz="3200" dirty="0" smtClean="0"/>
+              <a:t>Symbolic expression</a:t>
+            </a:r>
+            <a:r>
+              <a:rPr kumimoji="1" lang="ja-JP" altLang="en-US" sz="3200" dirty="0" smtClean="0"/>
+              <a:t>）</a:t>
             </a:r>
             <a:endParaRPr kumimoji="1" lang="ja-JP" altLang="en-US" dirty="0"/>
           </a:p>
@@ -12136,122 +10845,82 @@
               <a:buNone/>
             </a:pPr>
             <a:r>
-              <a:rPr lang="ja-JP" altLang="en-US" dirty="0" smtClean="0"/>
-              <a:t>・</a:t>
-            </a:r>
-            <a:r>
-              <a:rPr lang="en-US" altLang="ja-JP" b="1" dirty="0" err="1" smtClean="0"/>
-              <a:t>LIS</a:t>
-            </a:r>
-            <a:r>
-              <a:rPr lang="en-US" altLang="ja-JP" dirty="0" err="1" smtClean="0"/>
-              <a:t>t</a:t>
-            </a:r>
-            <a:r>
-              <a:rPr lang="en-US" altLang="ja-JP" dirty="0" smtClean="0"/>
-              <a:t> </a:t>
-            </a:r>
-            <a:r>
-              <a:rPr lang="en-US" altLang="ja-JP" b="1" dirty="0" smtClean="0"/>
-              <a:t>P</a:t>
-            </a:r>
-            <a:r>
-              <a:rPr lang="en-US" altLang="ja-JP" dirty="0" smtClean="0"/>
-              <a:t>rocessing</a:t>
-            </a:r>
-          </a:p>
-          <a:p>
-            <a:pPr marL="82296" indent="0">
-              <a:buNone/>
-            </a:pPr>
-            <a:r>
-              <a:rPr lang="en-US" altLang="ja-JP" sz="2000" strike="sngStrike" dirty="0"/>
-              <a:t>Lots of Insane Stupid </a:t>
-            </a:r>
-            <a:r>
-              <a:rPr lang="en-US" altLang="ja-JP" sz="2000" strike="sngStrike" dirty="0" smtClean="0"/>
-              <a:t>Parenthesis(</a:t>
-            </a:r>
-            <a:r>
-              <a:rPr lang="ja-JP" altLang="en-US" sz="2000" strike="sngStrike" dirty="0" smtClean="0"/>
-              <a:t>アホみたいな括弧の山</a:t>
-            </a:r>
-            <a:r>
-              <a:rPr lang="en-US" altLang="ja-JP" sz="2000" strike="sngStrike" dirty="0" smtClean="0"/>
-              <a:t>)</a:t>
-            </a:r>
-          </a:p>
-          <a:p>
-            <a:pPr marL="82296" indent="0">
-              <a:buNone/>
-            </a:pPr>
-            <a:endParaRPr lang="en-US" altLang="ja-JP" dirty="0"/>
-          </a:p>
-          <a:p>
-            <a:pPr marL="82296" indent="0">
-              <a:buNone/>
-            </a:pPr>
-            <a:r>
-              <a:rPr lang="ja-JP" altLang="en-US" dirty="0" smtClean="0"/>
-              <a:t>・現在使われる高級言語では</a:t>
-            </a:r>
-            <a:endParaRPr lang="en-US" altLang="ja-JP" dirty="0" smtClean="0"/>
-          </a:p>
-          <a:p>
-            <a:pPr marL="82296" indent="0">
-              <a:buNone/>
-            </a:pPr>
-            <a:r>
-              <a:rPr lang="ja-JP" altLang="en-US" dirty="0"/>
-              <a:t>　</a:t>
-            </a:r>
-            <a:r>
-              <a:rPr lang="en-US" altLang="ja-JP" dirty="0" smtClean="0"/>
-              <a:t>Fortran</a:t>
-            </a:r>
-            <a:r>
-              <a:rPr lang="ja-JP" altLang="en-US" dirty="0" smtClean="0"/>
-              <a:t>に次いで古い言語</a:t>
-            </a:r>
-            <a:endParaRPr lang="en-US" altLang="ja-JP" dirty="0" smtClean="0"/>
-          </a:p>
-          <a:p>
-            <a:pPr marL="82296" indent="0">
-              <a:buNone/>
-            </a:pPr>
-            <a:endParaRPr lang="en-US" altLang="ja-JP" dirty="0" smtClean="0"/>
-          </a:p>
-          <a:p>
-            <a:pPr marL="82296" indent="0">
-              <a:buNone/>
-            </a:pPr>
-            <a:r>
-              <a:rPr lang="ja-JP" altLang="en-US" dirty="0" smtClean="0"/>
-              <a:t>・</a:t>
-            </a:r>
-            <a:r>
               <a:rPr lang="en-US" altLang="ja-JP" dirty="0" smtClean="0"/>
               <a:t>S</a:t>
             </a:r>
             <a:r>
               <a:rPr lang="ja-JP" altLang="en-US" dirty="0" smtClean="0"/>
-              <a:t>式と前置記法</a:t>
+              <a:t>式とは以下の２つによって定義される。</a:t>
+            </a:r>
+            <a:endParaRPr lang="en-US" altLang="ja-JP" dirty="0" smtClean="0"/>
+          </a:p>
+          <a:p>
+            <a:pPr marL="82296" indent="0">
+              <a:buNone/>
+            </a:pPr>
+            <a:r>
+              <a:rPr lang="ja-JP" altLang="en-US" dirty="0" smtClean="0"/>
+              <a:t>・基本要素（数値やオペレータなど）</a:t>
+            </a:r>
+            <a:endParaRPr lang="en-US" altLang="ja-JP" dirty="0" smtClean="0"/>
+          </a:p>
+          <a:p>
+            <a:pPr marL="82296" indent="0">
+              <a:buNone/>
+            </a:pPr>
+            <a:r>
+              <a:rPr lang="ja-JP" altLang="en-US" dirty="0" smtClean="0"/>
+              <a:t>・</a:t>
             </a:r>
             <a:r>
               <a:rPr lang="en-US" altLang="ja-JP" dirty="0" smtClean="0"/>
-              <a:t>(</a:t>
-            </a:r>
-            <a:r>
-              <a:rPr lang="ja-JP" altLang="en-US" dirty="0" smtClean="0"/>
-              <a:t>ポーランド記法</a:t>
+              <a:t>S</a:t>
+            </a:r>
+            <a:r>
+              <a:rPr lang="ja-JP" altLang="en-US" dirty="0" smtClean="0"/>
+              <a:t>式を並べて括弧でくくったリスト</a:t>
+            </a:r>
+            <a:endParaRPr lang="en-US" altLang="ja-JP" dirty="0" smtClean="0"/>
+          </a:p>
+          <a:p>
+            <a:pPr marL="82296" indent="0">
+              <a:buNone/>
+            </a:pPr>
+            <a:endParaRPr lang="en-US" altLang="ja-JP" dirty="0" smtClean="0"/>
+          </a:p>
+          <a:p>
+            <a:pPr marL="82296" indent="0">
+              <a:buNone/>
+            </a:pPr>
+            <a:r>
+              <a:rPr lang="ja-JP" altLang="en-US" dirty="0" smtClean="0"/>
+              <a:t>例）</a:t>
+            </a:r>
+            <a:endParaRPr lang="en-US" altLang="ja-JP" dirty="0" smtClean="0"/>
+          </a:p>
+          <a:p>
+            <a:pPr marL="82296" indent="0">
+              <a:buNone/>
+            </a:pPr>
+            <a:r>
+              <a:rPr lang="ja-JP" altLang="en-US" dirty="0" smtClean="0"/>
+              <a:t>・</a:t>
             </a:r>
             <a:r>
               <a:rPr lang="en-US" altLang="ja-JP" dirty="0" smtClean="0"/>
-              <a:t>)</a:t>
-            </a:r>
-            <a:r>
-              <a:rPr lang="ja-JP" altLang="en-US" dirty="0" smtClean="0"/>
-              <a:t>が特徴</a:t>
+              <a:t>1</a:t>
+            </a:r>
+            <a:r>
+              <a:rPr lang="ja-JP" altLang="en-US" dirty="0" smtClean="0"/>
+              <a:t>　は数値ひとつからなる</a:t>
+            </a:r>
+            <a:r>
+              <a:rPr lang="en-US" altLang="ja-JP" dirty="0" smtClean="0"/>
+              <a:t>S</a:t>
+            </a:r>
+            <a:r>
+              <a:rPr lang="ja-JP" altLang="en-US" dirty="0" smtClean="0"/>
+              <a:t>式</a:t>
             </a:r>
             <a:endParaRPr lang="en-US" altLang="ja-JP" dirty="0" smtClean="0"/>
           </a:p>
@@ -12260,23 +10929,105 @@
               <a:buNone/>
             </a:pPr>
             <a:r>
-              <a:rPr lang="ja-JP" altLang="en-US" dirty="0"/>
-              <a:t>　</a:t>
+              <a:rPr lang="ja-JP" altLang="en-US" dirty="0" smtClean="0"/>
+              <a:t>・</a:t>
+            </a:r>
+            <a:r>
+              <a:rPr lang="en-US" altLang="ja-JP" dirty="0" smtClean="0"/>
+              <a:t>+</a:t>
+            </a:r>
+            <a:r>
+              <a:rPr lang="ja-JP" altLang="en-US" dirty="0" smtClean="0"/>
+              <a:t>　は記号</a:t>
+            </a:r>
+            <a:r>
+              <a:rPr lang="en-US" altLang="ja-JP" dirty="0" smtClean="0"/>
+              <a:t>+</a:t>
+            </a:r>
+            <a:r>
+              <a:rPr lang="ja-JP" altLang="en-US" dirty="0" smtClean="0"/>
+              <a:t>ひとつからなる</a:t>
+            </a:r>
+            <a:r>
+              <a:rPr lang="en-US" altLang="ja-JP" dirty="0" smtClean="0"/>
+              <a:t>S</a:t>
+            </a:r>
+            <a:r>
+              <a:rPr lang="ja-JP" altLang="en-US" dirty="0" smtClean="0"/>
+              <a:t>式</a:t>
             </a:r>
             <a:endParaRPr lang="en-US" altLang="ja-JP" dirty="0"/>
+          </a:p>
+          <a:p>
+            <a:pPr marL="82296" indent="0">
+              <a:buNone/>
+            </a:pPr>
+            <a:r>
+              <a:rPr lang="ja-JP" altLang="en-US" dirty="0" smtClean="0"/>
+              <a:t>・</a:t>
+            </a:r>
+            <a:r>
+              <a:rPr lang="en-US" altLang="ja-JP" dirty="0" smtClean="0"/>
+              <a:t>(* 2 3)</a:t>
+            </a:r>
+            <a:r>
+              <a:rPr lang="ja-JP" altLang="en-US" dirty="0" smtClean="0"/>
+              <a:t>は記号</a:t>
+            </a:r>
+            <a:r>
+              <a:rPr lang="en-US" altLang="ja-JP" dirty="0" smtClean="0"/>
+              <a:t>*,</a:t>
+            </a:r>
+            <a:r>
+              <a:rPr lang="ja-JP" altLang="en-US" dirty="0" smtClean="0"/>
+              <a:t>数値</a:t>
+            </a:r>
+            <a:r>
+              <a:rPr lang="en-US" altLang="ja-JP" dirty="0" smtClean="0"/>
+              <a:t>2,</a:t>
+            </a:r>
+            <a:r>
+              <a:rPr lang="ja-JP" altLang="en-US" dirty="0" smtClean="0"/>
+              <a:t>数値</a:t>
+            </a:r>
+            <a:r>
+              <a:rPr lang="en-US" altLang="ja-JP" dirty="0" smtClean="0"/>
+              <a:t>3</a:t>
+            </a:r>
+            <a:r>
+              <a:rPr lang="ja-JP" altLang="en-US" dirty="0" smtClean="0"/>
+              <a:t>からなる</a:t>
+            </a:r>
+            <a:r>
+              <a:rPr lang="en-US" altLang="ja-JP" dirty="0" smtClean="0"/>
+              <a:t>S</a:t>
+            </a:r>
+            <a:r>
+              <a:rPr lang="ja-JP" altLang="en-US" dirty="0" smtClean="0"/>
+              <a:t>式</a:t>
+            </a:r>
+            <a:endParaRPr lang="en-US" altLang="ja-JP" dirty="0" smtClean="0"/>
           </a:p>
         </p:txBody>
       </p:sp>
     </p:spTree>
     <p:extLst>
       <p:ext uri="{BB962C8B-B14F-4D97-AF65-F5344CB8AC3E}">
-        <p14:creationId xmlns:p14="http://schemas.microsoft.com/office/powerpoint/2010/main" val="1548140014"/>
+        <p14:creationId xmlns:p14="http://schemas.microsoft.com/office/powerpoint/2010/main" val="480866501"/>
       </p:ext>
     </p:extLst>
   </p:cSld>
   <p:clrMapOvr>
     <a:masterClrMapping/>
   </p:clrMapOvr>
+  <mc:AlternateContent xmlns:mc="http://schemas.openxmlformats.org/markup-compatibility/2006" xmlns:p14="http://schemas.microsoft.com/office/powerpoint/2010/main">
+    <mc:Choice Requires="p14">
+      <p:transition spd="slow" p14:dur="2000"/>
+    </mc:Choice>
+    <mc:Fallback xmlns="">
+      <p:transition spd="slow"/>
+    </mc:Fallback>
+  </mc:AlternateContent>
   <p:timing>
     <p:tnLst>
       <p:par>
